--- a/documents/DataStructures.pptx
+++ b/documents/DataStructures.pptx
@@ -263,7 +263,7 @@
           <a:p>
             <a:fld id="{A987F1E3-30AB-49C9-8E4C-2EF75BE827A3}" type="datetimeFigureOut">
               <a:rPr lang="en-US" smtClean="0"/>
-              <a:t>9/12/2020</a:t>
+              <a:t>9/16/2020</a:t>
             </a:fld>
             <a:endParaRPr lang="en-US"/>
           </a:p>
@@ -461,7 +461,7 @@
           <a:p>
             <a:fld id="{A987F1E3-30AB-49C9-8E4C-2EF75BE827A3}" type="datetimeFigureOut">
               <a:rPr lang="en-US" smtClean="0"/>
-              <a:t>9/12/2020</a:t>
+              <a:t>9/16/2020</a:t>
             </a:fld>
             <a:endParaRPr lang="en-US"/>
           </a:p>
@@ -669,7 +669,7 @@
           <a:p>
             <a:fld id="{A987F1E3-30AB-49C9-8E4C-2EF75BE827A3}" type="datetimeFigureOut">
               <a:rPr lang="en-US" smtClean="0"/>
-              <a:t>9/12/2020</a:t>
+              <a:t>9/16/2020</a:t>
             </a:fld>
             <a:endParaRPr lang="en-US"/>
           </a:p>
@@ -867,7 +867,7 @@
           <a:p>
             <a:fld id="{A987F1E3-30AB-49C9-8E4C-2EF75BE827A3}" type="datetimeFigureOut">
               <a:rPr lang="en-US" smtClean="0"/>
-              <a:t>9/12/2020</a:t>
+              <a:t>9/16/2020</a:t>
             </a:fld>
             <a:endParaRPr lang="en-US"/>
           </a:p>
@@ -1142,7 +1142,7 @@
           <a:p>
             <a:fld id="{A987F1E3-30AB-49C9-8E4C-2EF75BE827A3}" type="datetimeFigureOut">
               <a:rPr lang="en-US" smtClean="0"/>
-              <a:t>9/12/2020</a:t>
+              <a:t>9/16/2020</a:t>
             </a:fld>
             <a:endParaRPr lang="en-US"/>
           </a:p>
@@ -1407,7 +1407,7 @@
           <a:p>
             <a:fld id="{A987F1E3-30AB-49C9-8E4C-2EF75BE827A3}" type="datetimeFigureOut">
               <a:rPr lang="en-US" smtClean="0"/>
-              <a:t>9/12/2020</a:t>
+              <a:t>9/16/2020</a:t>
             </a:fld>
             <a:endParaRPr lang="en-US"/>
           </a:p>
@@ -1819,7 +1819,7 @@
           <a:p>
             <a:fld id="{A987F1E3-30AB-49C9-8E4C-2EF75BE827A3}" type="datetimeFigureOut">
               <a:rPr lang="en-US" smtClean="0"/>
-              <a:t>9/12/2020</a:t>
+              <a:t>9/16/2020</a:t>
             </a:fld>
             <a:endParaRPr lang="en-US"/>
           </a:p>
@@ -1960,7 +1960,7 @@
           <a:p>
             <a:fld id="{A987F1E3-30AB-49C9-8E4C-2EF75BE827A3}" type="datetimeFigureOut">
               <a:rPr lang="en-US" smtClean="0"/>
-              <a:t>9/12/2020</a:t>
+              <a:t>9/16/2020</a:t>
             </a:fld>
             <a:endParaRPr lang="en-US"/>
           </a:p>
@@ -2073,7 +2073,7 @@
           <a:p>
             <a:fld id="{A987F1E3-30AB-49C9-8E4C-2EF75BE827A3}" type="datetimeFigureOut">
               <a:rPr lang="en-US" smtClean="0"/>
-              <a:t>9/12/2020</a:t>
+              <a:t>9/16/2020</a:t>
             </a:fld>
             <a:endParaRPr lang="en-US"/>
           </a:p>
@@ -2384,7 +2384,7 @@
           <a:p>
             <a:fld id="{A987F1E3-30AB-49C9-8E4C-2EF75BE827A3}" type="datetimeFigureOut">
               <a:rPr lang="en-US" smtClean="0"/>
-              <a:t>9/12/2020</a:t>
+              <a:t>9/16/2020</a:t>
             </a:fld>
             <a:endParaRPr lang="en-US"/>
           </a:p>
@@ -2672,7 +2672,7 @@
           <a:p>
             <a:fld id="{A987F1E3-30AB-49C9-8E4C-2EF75BE827A3}" type="datetimeFigureOut">
               <a:rPr lang="en-US" smtClean="0"/>
-              <a:t>9/12/2020</a:t>
+              <a:t>9/16/2020</a:t>
             </a:fld>
             <a:endParaRPr lang="en-US"/>
           </a:p>
@@ -2913,7 +2913,7 @@
           <a:p>
             <a:fld id="{A987F1E3-30AB-49C9-8E4C-2EF75BE827A3}" type="datetimeFigureOut">
               <a:rPr lang="en-US" smtClean="0"/>
-              <a:t>9/12/2020</a:t>
+              <a:t>9/16/2020</a:t>
             </a:fld>
             <a:endParaRPr lang="en-US"/>
           </a:p>
@@ -8103,6 +8103,7 @@
             </a:extLst>
           </p:cNvPr>
           <p:cNvCxnSpPr>
+            <a:cxnSpLocks/>
             <a:stCxn id="100" idx="3"/>
             <a:endCxn id="104" idx="1"/>
           </p:cNvCxnSpPr>
@@ -8112,6 +8113,208 @@
           <a:xfrm flipV="1">
             <a:off x="9597190" y="2311592"/>
             <a:ext cx="603082" cy="9353"/>
+          </a:xfrm>
+          <a:prstGeom prst="straightConnector1">
+            <a:avLst/>
+          </a:prstGeom>
+          <a:ln>
+            <a:tailEnd type="triangle"/>
+          </a:ln>
+        </p:spPr>
+        <p:style>
+          <a:lnRef idx="1">
+            <a:schemeClr val="accent1"/>
+          </a:lnRef>
+          <a:fillRef idx="0">
+            <a:schemeClr val="accent1"/>
+          </a:fillRef>
+          <a:effectRef idx="0">
+            <a:schemeClr val="accent1"/>
+          </a:effectRef>
+          <a:fontRef idx="minor">
+            <a:schemeClr val="tx1"/>
+          </a:fontRef>
+        </p:style>
+      </p:cxnSp>
+      <p:cxnSp>
+        <p:nvCxnSpPr>
+          <p:cNvPr id="21" name="Straight Arrow Connector 20">
+            <a:extLst>
+              <a:ext uri="{FF2B5EF4-FFF2-40B4-BE49-F238E27FC236}">
+                <a16:creationId xmlns:a16="http://schemas.microsoft.com/office/drawing/2014/main" id="{75E3CDE0-1C8B-45D3-B1E5-4C2991B6E75C}"/>
+              </a:ext>
+            </a:extLst>
+          </p:cNvPr>
+          <p:cNvCxnSpPr>
+            <a:stCxn id="48" idx="3"/>
+          </p:cNvCxnSpPr>
+          <p:nvPr/>
+        </p:nvCxnSpPr>
+        <p:spPr>
+          <a:xfrm flipV="1">
+            <a:off x="11253539" y="5040018"/>
+            <a:ext cx="402552" cy="4012"/>
+          </a:xfrm>
+          <a:prstGeom prst="straightConnector1">
+            <a:avLst/>
+          </a:prstGeom>
+          <a:ln>
+            <a:tailEnd type="triangle"/>
+          </a:ln>
+        </p:spPr>
+        <p:style>
+          <a:lnRef idx="1">
+            <a:schemeClr val="accent1"/>
+          </a:lnRef>
+          <a:fillRef idx="0">
+            <a:schemeClr val="accent1"/>
+          </a:fillRef>
+          <a:effectRef idx="0">
+            <a:schemeClr val="accent1"/>
+          </a:effectRef>
+          <a:fontRef idx="minor">
+            <a:schemeClr val="tx1"/>
+          </a:fontRef>
+        </p:style>
+      </p:cxnSp>
+      <p:cxnSp>
+        <p:nvCxnSpPr>
+          <p:cNvPr id="24" name="Straight Connector 23">
+            <a:extLst>
+              <a:ext uri="{FF2B5EF4-FFF2-40B4-BE49-F238E27FC236}">
+                <a16:creationId xmlns:a16="http://schemas.microsoft.com/office/drawing/2014/main" id="{F5C6B423-7ACA-4166-AA93-C05E6E5E9F68}"/>
+              </a:ext>
+            </a:extLst>
+          </p:cNvPr>
+          <p:cNvCxnSpPr/>
+          <p:nvPr/>
+        </p:nvCxnSpPr>
+        <p:spPr>
+          <a:xfrm>
+            <a:off x="11656091" y="4868779"/>
+            <a:ext cx="0" cy="320842"/>
+          </a:xfrm>
+          <a:prstGeom prst="line">
+            <a:avLst/>
+          </a:prstGeom>
+        </p:spPr>
+        <p:style>
+          <a:lnRef idx="1">
+            <a:schemeClr val="accent1"/>
+          </a:lnRef>
+          <a:fillRef idx="0">
+            <a:schemeClr val="accent1"/>
+          </a:fillRef>
+          <a:effectRef idx="0">
+            <a:schemeClr val="accent1"/>
+          </a:effectRef>
+          <a:fontRef idx="minor">
+            <a:schemeClr val="tx1"/>
+          </a:fontRef>
+        </p:style>
+      </p:cxnSp>
+      <p:cxnSp>
+        <p:nvCxnSpPr>
+          <p:cNvPr id="65" name="Straight Connector 64">
+            <a:extLst>
+              <a:ext uri="{FF2B5EF4-FFF2-40B4-BE49-F238E27FC236}">
+                <a16:creationId xmlns:a16="http://schemas.microsoft.com/office/drawing/2014/main" id="{8A4E802A-B052-4A7E-AE99-5635D548AB18}"/>
+              </a:ext>
+            </a:extLst>
+          </p:cNvPr>
+          <p:cNvCxnSpPr/>
+          <p:nvPr/>
+        </p:nvCxnSpPr>
+        <p:spPr>
+          <a:xfrm>
+            <a:off x="11749836" y="4868779"/>
+            <a:ext cx="0" cy="320842"/>
+          </a:xfrm>
+          <a:prstGeom prst="line">
+            <a:avLst/>
+          </a:prstGeom>
+        </p:spPr>
+        <p:style>
+          <a:lnRef idx="1">
+            <a:schemeClr val="accent1"/>
+          </a:lnRef>
+          <a:fillRef idx="0">
+            <a:schemeClr val="accent1"/>
+          </a:fillRef>
+          <a:effectRef idx="0">
+            <a:schemeClr val="accent1"/>
+          </a:effectRef>
+          <a:fontRef idx="minor">
+            <a:schemeClr val="tx1"/>
+          </a:fontRef>
+        </p:style>
+      </p:cxnSp>
+      <p:sp>
+        <p:nvSpPr>
+          <p:cNvPr id="26" name="Rectangle 25">
+            <a:extLst>
+              <a:ext uri="{FF2B5EF4-FFF2-40B4-BE49-F238E27FC236}">
+                <a16:creationId xmlns:a16="http://schemas.microsoft.com/office/drawing/2014/main" id="{C9A39AD6-628C-4837-8DB2-72B723F7A250}"/>
+              </a:ext>
+            </a:extLst>
+          </p:cNvPr>
+          <p:cNvSpPr/>
+          <p:nvPr/>
+        </p:nvSpPr>
+        <p:spPr>
+          <a:xfrm>
+            <a:off x="6223228" y="2836209"/>
+            <a:ext cx="874295" cy="477253"/>
+          </a:xfrm>
+          <a:prstGeom prst="rect">
+            <a:avLst/>
+          </a:prstGeom>
+        </p:spPr>
+        <p:style>
+          <a:lnRef idx="1">
+            <a:schemeClr val="accent2"/>
+          </a:lnRef>
+          <a:fillRef idx="2">
+            <a:schemeClr val="accent2"/>
+          </a:fillRef>
+          <a:effectRef idx="1">
+            <a:schemeClr val="accent2"/>
+          </a:effectRef>
+          <a:fontRef idx="minor">
+            <a:schemeClr val="dk1"/>
+          </a:fontRef>
+        </p:style>
+        <p:txBody>
+          <a:bodyPr rtlCol="0" anchor="ctr"/>
+          <a:lstStyle/>
+          <a:p>
+            <a:pPr algn="ctr"/>
+            <a:r>
+              <a:rPr lang="en-US" dirty="0"/>
+              <a:t>child</a:t>
+            </a:r>
+          </a:p>
+        </p:txBody>
+      </p:sp>
+      <p:cxnSp>
+        <p:nvCxnSpPr>
+          <p:cNvPr id="29" name="Straight Arrow Connector 28">
+            <a:extLst>
+              <a:ext uri="{FF2B5EF4-FFF2-40B4-BE49-F238E27FC236}">
+                <a16:creationId xmlns:a16="http://schemas.microsoft.com/office/drawing/2014/main" id="{3BF0859B-58BD-4DBF-BB74-8C00181FF3D0}"/>
+              </a:ext>
+            </a:extLst>
+          </p:cNvPr>
+          <p:cNvCxnSpPr>
+            <a:cxnSpLocks/>
+            <a:endCxn id="57" idx="0"/>
+          </p:cNvCxnSpPr>
+          <p:nvPr/>
+        </p:nvCxnSpPr>
+        <p:spPr>
+          <a:xfrm flipH="1">
+            <a:off x="5706981" y="3320626"/>
+            <a:ext cx="953396" cy="1366465"/>
           </a:xfrm>
           <a:prstGeom prst="straightConnector1">
             <a:avLst/>

--- a/documents/DataStructures.pptx
+++ b/documents/DataStructures.pptx
@@ -263,7 +263,7 @@
           <a:p>
             <a:fld id="{A987F1E3-30AB-49C9-8E4C-2EF75BE827A3}" type="datetimeFigureOut">
               <a:rPr lang="en-US" smtClean="0"/>
-              <a:t>9/16/2020</a:t>
+              <a:t>9/23/2020</a:t>
             </a:fld>
             <a:endParaRPr lang="en-US"/>
           </a:p>
@@ -461,7 +461,7 @@
           <a:p>
             <a:fld id="{A987F1E3-30AB-49C9-8E4C-2EF75BE827A3}" type="datetimeFigureOut">
               <a:rPr lang="en-US" smtClean="0"/>
-              <a:t>9/16/2020</a:t>
+              <a:t>9/23/2020</a:t>
             </a:fld>
             <a:endParaRPr lang="en-US"/>
           </a:p>
@@ -669,7 +669,7 @@
           <a:p>
             <a:fld id="{A987F1E3-30AB-49C9-8E4C-2EF75BE827A3}" type="datetimeFigureOut">
               <a:rPr lang="en-US" smtClean="0"/>
-              <a:t>9/16/2020</a:t>
+              <a:t>9/23/2020</a:t>
             </a:fld>
             <a:endParaRPr lang="en-US"/>
           </a:p>
@@ -867,7 +867,7 @@
           <a:p>
             <a:fld id="{A987F1E3-30AB-49C9-8E4C-2EF75BE827A3}" type="datetimeFigureOut">
               <a:rPr lang="en-US" smtClean="0"/>
-              <a:t>9/16/2020</a:t>
+              <a:t>9/23/2020</a:t>
             </a:fld>
             <a:endParaRPr lang="en-US"/>
           </a:p>
@@ -1142,7 +1142,7 @@
           <a:p>
             <a:fld id="{A987F1E3-30AB-49C9-8E4C-2EF75BE827A3}" type="datetimeFigureOut">
               <a:rPr lang="en-US" smtClean="0"/>
-              <a:t>9/16/2020</a:t>
+              <a:t>9/23/2020</a:t>
             </a:fld>
             <a:endParaRPr lang="en-US"/>
           </a:p>
@@ -1407,7 +1407,7 @@
           <a:p>
             <a:fld id="{A987F1E3-30AB-49C9-8E4C-2EF75BE827A3}" type="datetimeFigureOut">
               <a:rPr lang="en-US" smtClean="0"/>
-              <a:t>9/16/2020</a:t>
+              <a:t>9/23/2020</a:t>
             </a:fld>
             <a:endParaRPr lang="en-US"/>
           </a:p>
@@ -1819,7 +1819,7 @@
           <a:p>
             <a:fld id="{A987F1E3-30AB-49C9-8E4C-2EF75BE827A3}" type="datetimeFigureOut">
               <a:rPr lang="en-US" smtClean="0"/>
-              <a:t>9/16/2020</a:t>
+              <a:t>9/23/2020</a:t>
             </a:fld>
             <a:endParaRPr lang="en-US"/>
           </a:p>
@@ -1960,7 +1960,7 @@
           <a:p>
             <a:fld id="{A987F1E3-30AB-49C9-8E4C-2EF75BE827A3}" type="datetimeFigureOut">
               <a:rPr lang="en-US" smtClean="0"/>
-              <a:t>9/16/2020</a:t>
+              <a:t>9/23/2020</a:t>
             </a:fld>
             <a:endParaRPr lang="en-US"/>
           </a:p>
@@ -2073,7 +2073,7 @@
           <a:p>
             <a:fld id="{A987F1E3-30AB-49C9-8E4C-2EF75BE827A3}" type="datetimeFigureOut">
               <a:rPr lang="en-US" smtClean="0"/>
-              <a:t>9/16/2020</a:t>
+              <a:t>9/23/2020</a:t>
             </a:fld>
             <a:endParaRPr lang="en-US"/>
           </a:p>
@@ -2384,7 +2384,7 @@
           <a:p>
             <a:fld id="{A987F1E3-30AB-49C9-8E4C-2EF75BE827A3}" type="datetimeFigureOut">
               <a:rPr lang="en-US" smtClean="0"/>
-              <a:t>9/16/2020</a:t>
+              <a:t>9/23/2020</a:t>
             </a:fld>
             <a:endParaRPr lang="en-US"/>
           </a:p>
@@ -2672,7 +2672,7 @@
           <a:p>
             <a:fld id="{A987F1E3-30AB-49C9-8E4C-2EF75BE827A3}" type="datetimeFigureOut">
               <a:rPr lang="en-US" smtClean="0"/>
-              <a:t>9/16/2020</a:t>
+              <a:t>9/23/2020</a:t>
             </a:fld>
             <a:endParaRPr lang="en-US"/>
           </a:p>
@@ -2913,7 +2913,7 @@
           <a:p>
             <a:fld id="{A987F1E3-30AB-49C9-8E4C-2EF75BE827A3}" type="datetimeFigureOut">
               <a:rPr lang="en-US" smtClean="0"/>
-              <a:t>9/16/2020</a:t>
+              <a:t>9/23/2020</a:t>
             </a:fld>
             <a:endParaRPr lang="en-US"/>
           </a:p>
@@ -5719,6 +5719,52 @@
       </p:grpSpPr>
       <p:sp>
         <p:nvSpPr>
+          <p:cNvPr id="68" name="Rectangle 67">
+            <a:extLst>
+              <a:ext uri="{FF2B5EF4-FFF2-40B4-BE49-F238E27FC236}">
+                <a16:creationId xmlns:a16="http://schemas.microsoft.com/office/drawing/2014/main" id="{4FA3404F-B9D4-4D5F-9285-CFD22B880A74}"/>
+              </a:ext>
+            </a:extLst>
+          </p:cNvPr>
+          <p:cNvSpPr/>
+          <p:nvPr/>
+        </p:nvSpPr>
+        <p:spPr>
+          <a:xfrm>
+            <a:off x="699840" y="3108500"/>
+            <a:ext cx="2219799" cy="895819"/>
+          </a:xfrm>
+          <a:prstGeom prst="rect">
+            <a:avLst/>
+          </a:prstGeom>
+        </p:spPr>
+        <p:style>
+          <a:lnRef idx="2">
+            <a:schemeClr val="accent4">
+              <a:shade val="50000"/>
+            </a:schemeClr>
+          </a:lnRef>
+          <a:fillRef idx="1">
+            <a:schemeClr val="accent4"/>
+          </a:fillRef>
+          <a:effectRef idx="0">
+            <a:schemeClr val="accent4"/>
+          </a:effectRef>
+          <a:fontRef idx="minor">
+            <a:schemeClr val="lt1"/>
+          </a:fontRef>
+        </p:style>
+        <p:txBody>
+          <a:bodyPr rtlCol="0" anchor="ctr"/>
+          <a:lstStyle/>
+          <a:p>
+            <a:pPr algn="ctr"/>
+            <a:endParaRPr lang="en-US"/>
+          </a:p>
+        </p:txBody>
+      </p:sp>
+      <p:sp>
+        <p:nvSpPr>
           <p:cNvPr id="2" name="Title 1">
             <a:extLst>
               <a:ext uri="{FF2B5EF4-FFF2-40B4-BE49-F238E27FC236}">
@@ -8315,6 +8361,94 @@
           <a:xfrm flipH="1">
             <a:off x="5706981" y="3320626"/>
             <a:ext cx="953396" cy="1366465"/>
+          </a:xfrm>
+          <a:prstGeom prst="straightConnector1">
+            <a:avLst/>
+          </a:prstGeom>
+          <a:ln>
+            <a:tailEnd type="triangle"/>
+          </a:ln>
+        </p:spPr>
+        <p:style>
+          <a:lnRef idx="1">
+            <a:schemeClr val="accent1"/>
+          </a:lnRef>
+          <a:fillRef idx="0">
+            <a:schemeClr val="accent1"/>
+          </a:fillRef>
+          <a:effectRef idx="0">
+            <a:schemeClr val="accent1"/>
+          </a:effectRef>
+          <a:fontRef idx="minor">
+            <a:schemeClr val="tx1"/>
+          </a:fontRef>
+        </p:style>
+      </p:cxnSp>
+      <p:sp>
+        <p:nvSpPr>
+          <p:cNvPr id="6" name="Rectangle 5">
+            <a:extLst>
+              <a:ext uri="{FF2B5EF4-FFF2-40B4-BE49-F238E27FC236}">
+                <a16:creationId xmlns:a16="http://schemas.microsoft.com/office/drawing/2014/main" id="{2FA2B796-CE2D-448B-97DF-5CF9E6FA9C44}"/>
+              </a:ext>
+            </a:extLst>
+          </p:cNvPr>
+          <p:cNvSpPr/>
+          <p:nvPr/>
+        </p:nvSpPr>
+        <p:spPr>
+          <a:xfrm>
+            <a:off x="401052" y="301019"/>
+            <a:ext cx="874295" cy="477253"/>
+          </a:xfrm>
+          <a:prstGeom prst="rect">
+            <a:avLst/>
+          </a:prstGeom>
+        </p:spPr>
+        <p:style>
+          <a:lnRef idx="1">
+            <a:schemeClr val="accent2"/>
+          </a:lnRef>
+          <a:fillRef idx="2">
+            <a:schemeClr val="accent2"/>
+          </a:fillRef>
+          <a:effectRef idx="1">
+            <a:schemeClr val="accent2"/>
+          </a:effectRef>
+          <a:fontRef idx="minor">
+            <a:schemeClr val="dk1"/>
+          </a:fontRef>
+        </p:style>
+        <p:txBody>
+          <a:bodyPr rtlCol="0" anchor="ctr"/>
+          <a:lstStyle/>
+          <a:p>
+            <a:pPr algn="ctr"/>
+            <a:r>
+              <a:rPr lang="en-US" dirty="0"/>
+              <a:t>this</a:t>
+            </a:r>
+          </a:p>
+        </p:txBody>
+      </p:sp>
+      <p:cxnSp>
+        <p:nvCxnSpPr>
+          <p:cNvPr id="20" name="Straight Arrow Connector 19">
+            <a:extLst>
+              <a:ext uri="{FF2B5EF4-FFF2-40B4-BE49-F238E27FC236}">
+                <a16:creationId xmlns:a16="http://schemas.microsoft.com/office/drawing/2014/main" id="{8A208942-B3B2-4D3B-9DBB-70A73A194D6D}"/>
+              </a:ext>
+            </a:extLst>
+          </p:cNvPr>
+          <p:cNvCxnSpPr>
+            <a:stCxn id="6" idx="2"/>
+          </p:cNvCxnSpPr>
+          <p:nvPr/>
+        </p:nvCxnSpPr>
+        <p:spPr>
+          <a:xfrm>
+            <a:off x="838200" y="778272"/>
+            <a:ext cx="956514" cy="2334240"/>
           </a:xfrm>
           <a:prstGeom prst="straightConnector1">
             <a:avLst/>

--- a/documents/DataStructures.pptx
+++ b/documents/DataStructures.pptx
@@ -10,6 +10,8 @@
     <p:sldId id="259" r:id="rId4"/>
     <p:sldId id="260" r:id="rId5"/>
     <p:sldId id="261" r:id="rId6"/>
+    <p:sldId id="262" r:id="rId7"/>
+    <p:sldId id="263" r:id="rId8"/>
   </p:sldIdLst>
   <p:sldSz cx="12192000" cy="6858000"/>
   <p:notesSz cx="6858000" cy="9144000"/>
@@ -263,7 +265,7 @@
           <a:p>
             <a:fld id="{A987F1E3-30AB-49C9-8E4C-2EF75BE827A3}" type="datetimeFigureOut">
               <a:rPr lang="en-US" smtClean="0"/>
-              <a:t>9/23/2020</a:t>
+              <a:t>9/26/2020</a:t>
             </a:fld>
             <a:endParaRPr lang="en-US"/>
           </a:p>
@@ -461,7 +463,7 @@
           <a:p>
             <a:fld id="{A987F1E3-30AB-49C9-8E4C-2EF75BE827A3}" type="datetimeFigureOut">
               <a:rPr lang="en-US" smtClean="0"/>
-              <a:t>9/23/2020</a:t>
+              <a:t>9/26/2020</a:t>
             </a:fld>
             <a:endParaRPr lang="en-US"/>
           </a:p>
@@ -669,7 +671,7 @@
           <a:p>
             <a:fld id="{A987F1E3-30AB-49C9-8E4C-2EF75BE827A3}" type="datetimeFigureOut">
               <a:rPr lang="en-US" smtClean="0"/>
-              <a:t>9/23/2020</a:t>
+              <a:t>9/26/2020</a:t>
             </a:fld>
             <a:endParaRPr lang="en-US"/>
           </a:p>
@@ -867,7 +869,7 @@
           <a:p>
             <a:fld id="{A987F1E3-30AB-49C9-8E4C-2EF75BE827A3}" type="datetimeFigureOut">
               <a:rPr lang="en-US" smtClean="0"/>
-              <a:t>9/23/2020</a:t>
+              <a:t>9/26/2020</a:t>
             </a:fld>
             <a:endParaRPr lang="en-US"/>
           </a:p>
@@ -1142,7 +1144,7 @@
           <a:p>
             <a:fld id="{A987F1E3-30AB-49C9-8E4C-2EF75BE827A3}" type="datetimeFigureOut">
               <a:rPr lang="en-US" smtClean="0"/>
-              <a:t>9/23/2020</a:t>
+              <a:t>9/26/2020</a:t>
             </a:fld>
             <a:endParaRPr lang="en-US"/>
           </a:p>
@@ -1407,7 +1409,7 @@
           <a:p>
             <a:fld id="{A987F1E3-30AB-49C9-8E4C-2EF75BE827A3}" type="datetimeFigureOut">
               <a:rPr lang="en-US" smtClean="0"/>
-              <a:t>9/23/2020</a:t>
+              <a:t>9/26/2020</a:t>
             </a:fld>
             <a:endParaRPr lang="en-US"/>
           </a:p>
@@ -1819,7 +1821,7 @@
           <a:p>
             <a:fld id="{A987F1E3-30AB-49C9-8E4C-2EF75BE827A3}" type="datetimeFigureOut">
               <a:rPr lang="en-US" smtClean="0"/>
-              <a:t>9/23/2020</a:t>
+              <a:t>9/26/2020</a:t>
             </a:fld>
             <a:endParaRPr lang="en-US"/>
           </a:p>
@@ -1960,7 +1962,7 @@
           <a:p>
             <a:fld id="{A987F1E3-30AB-49C9-8E4C-2EF75BE827A3}" type="datetimeFigureOut">
               <a:rPr lang="en-US" smtClean="0"/>
-              <a:t>9/23/2020</a:t>
+              <a:t>9/26/2020</a:t>
             </a:fld>
             <a:endParaRPr lang="en-US"/>
           </a:p>
@@ -2073,7 +2075,7 @@
           <a:p>
             <a:fld id="{A987F1E3-30AB-49C9-8E4C-2EF75BE827A3}" type="datetimeFigureOut">
               <a:rPr lang="en-US" smtClean="0"/>
-              <a:t>9/23/2020</a:t>
+              <a:t>9/26/2020</a:t>
             </a:fld>
             <a:endParaRPr lang="en-US"/>
           </a:p>
@@ -2384,7 +2386,7 @@
           <a:p>
             <a:fld id="{A987F1E3-30AB-49C9-8E4C-2EF75BE827A3}" type="datetimeFigureOut">
               <a:rPr lang="en-US" smtClean="0"/>
-              <a:t>9/23/2020</a:t>
+              <a:t>9/26/2020</a:t>
             </a:fld>
             <a:endParaRPr lang="en-US"/>
           </a:p>
@@ -2672,7 +2674,7 @@
           <a:p>
             <a:fld id="{A987F1E3-30AB-49C9-8E4C-2EF75BE827A3}" type="datetimeFigureOut">
               <a:rPr lang="en-US" smtClean="0"/>
-              <a:t>9/23/2020</a:t>
+              <a:t>9/26/2020</a:t>
             </a:fld>
             <a:endParaRPr lang="en-US"/>
           </a:p>
@@ -2913,7 +2915,7 @@
           <a:p>
             <a:fld id="{A987F1E3-30AB-49C9-8E4C-2EF75BE827A3}" type="datetimeFigureOut">
               <a:rPr lang="en-US" smtClean="0"/>
-              <a:t>9/23/2020</a:t>
+              <a:t>9/26/2020</a:t>
             </a:fld>
             <a:endParaRPr lang="en-US"/>
           </a:p>
@@ -5949,7 +5951,7 @@
               <a:pPr algn="ctr"/>
               <a:r>
                 <a:rPr lang="en-US" dirty="0"/>
-                <a:t>data</a:t>
+                <a:t>5</a:t>
               </a:r>
             </a:p>
           </p:txBody>
@@ -6018,7 +6020,7 @@
         </p:nvGrpSpPr>
         <p:grpSpPr>
           <a:xfrm>
-            <a:off x="2687053" y="4689096"/>
+            <a:off x="2709613" y="4687091"/>
             <a:ext cx="1556084" cy="705853"/>
             <a:chOff x="2077453" y="3713747"/>
             <a:chExt cx="1556084" cy="705853"/>
@@ -6352,8 +6354,8 @@
         </p:nvCxnSpPr>
         <p:spPr>
           <a:xfrm flipV="1">
-            <a:off x="2035344" y="5042023"/>
-            <a:ext cx="651709" cy="4012"/>
+            <a:off x="2035344" y="5040018"/>
+            <a:ext cx="674269" cy="6017"/>
           </a:xfrm>
           <a:prstGeom prst="straightConnector1">
             <a:avLst/>
@@ -6388,15 +6390,15 @@
           </p:cNvPr>
           <p:cNvCxnSpPr>
             <a:cxnSpLocks/>
-            <a:stCxn id="12" idx="3"/>
+            <a:stCxn id="10" idx="3"/>
             <a:endCxn id="57" idx="1"/>
           </p:cNvCxnSpPr>
           <p:nvPr/>
         </p:nvCxnSpPr>
         <p:spPr>
-          <a:xfrm flipV="1">
-            <a:off x="4142872" y="5040018"/>
-            <a:ext cx="786067" cy="4010"/>
+          <a:xfrm>
+            <a:off x="4265697" y="5040018"/>
+            <a:ext cx="663242" cy="0"/>
           </a:xfrm>
           <a:prstGeom prst="straightConnector1">
             <a:avLst/>
@@ -6605,10 +6607,10 @@
       </p:cxnSp>
       <p:sp>
         <p:nvSpPr>
-          <p:cNvPr id="35" name="Oval 34">
-            <a:extLst>
-              <a:ext uri="{FF2B5EF4-FFF2-40B4-BE49-F238E27FC236}">
-                <a16:creationId xmlns:a16="http://schemas.microsoft.com/office/drawing/2014/main" id="{B1B4BC6A-D861-4FA9-A1CC-A2F5AF7F08A2}"/>
+          <p:cNvPr id="39" name="Oval 38">
+            <a:extLst>
+              <a:ext uri="{FF2B5EF4-FFF2-40B4-BE49-F238E27FC236}">
+                <a16:creationId xmlns:a16="http://schemas.microsoft.com/office/drawing/2014/main" id="{21830498-FBA1-4283-AA82-B40D1DAA7F5F}"/>
               </a:ext>
             </a:extLst>
           </p:cNvPr>
@@ -6617,8 +6619,8 @@
         </p:nvSpPr>
         <p:spPr>
           <a:xfrm>
-            <a:off x="579525" y="5890817"/>
-            <a:ext cx="874294" cy="676565"/>
+            <a:off x="2691063" y="5888394"/>
+            <a:ext cx="1263316" cy="676565"/>
           </a:xfrm>
           <a:prstGeom prst="ellipse">
             <a:avLst/>
@@ -6647,30 +6649,31 @@
             <a:pPr algn="ctr"/>
             <a:r>
               <a:rPr lang="en-US" dirty="0"/>
-              <a:t>1</a:t>
+              <a:t>[1, 2, 3]</a:t>
             </a:r>
           </a:p>
         </p:txBody>
       </p:sp>
       <p:cxnSp>
         <p:nvCxnSpPr>
-          <p:cNvPr id="37" name="Straight Arrow Connector 36">
-            <a:extLst>
-              <a:ext uri="{FF2B5EF4-FFF2-40B4-BE49-F238E27FC236}">
-                <a16:creationId xmlns:a16="http://schemas.microsoft.com/office/drawing/2014/main" id="{7DCD163A-857B-4BEC-B538-83D58887EA68}"/>
+          <p:cNvPr id="41" name="Straight Arrow Connector 40">
+            <a:extLst>
+              <a:ext uri="{FF2B5EF4-FFF2-40B4-BE49-F238E27FC236}">
+                <a16:creationId xmlns:a16="http://schemas.microsoft.com/office/drawing/2014/main" id="{D5776E5C-C5EB-4768-98D9-B2ACB8F3E99D}"/>
               </a:ext>
             </a:extLst>
           </p:cNvPr>
           <p:cNvCxnSpPr>
-            <a:stCxn id="5" idx="2"/>
-            <a:endCxn id="35" idx="0"/>
+            <a:cxnSpLocks/>
+            <a:stCxn id="11" idx="2"/>
+            <a:endCxn id="39" idx="0"/>
           </p:cNvCxnSpPr>
           <p:nvPr/>
         </p:nvCxnSpPr>
         <p:spPr>
-          <a:xfrm flipH="1">
-            <a:off x="1016672" y="5284661"/>
-            <a:ext cx="4010" cy="606156"/>
+          <a:xfrm>
+            <a:off x="3150770" y="5280649"/>
+            <a:ext cx="171951" cy="607745"/>
           </a:xfrm>
           <a:prstGeom prst="straightConnector1">
             <a:avLst/>
@@ -6696,10 +6699,10 @@
       </p:cxnSp>
       <p:sp>
         <p:nvSpPr>
-          <p:cNvPr id="39" name="Oval 38">
-            <a:extLst>
-              <a:ext uri="{FF2B5EF4-FFF2-40B4-BE49-F238E27FC236}">
-                <a16:creationId xmlns:a16="http://schemas.microsoft.com/office/drawing/2014/main" id="{21830498-FBA1-4283-AA82-B40D1DAA7F5F}"/>
+          <p:cNvPr id="44" name="Oval 43">
+            <a:extLst>
+              <a:ext uri="{FF2B5EF4-FFF2-40B4-BE49-F238E27FC236}">
+                <a16:creationId xmlns:a16="http://schemas.microsoft.com/office/drawing/2014/main" id="{F03D6680-5943-4EE6-84ED-C78FC9380965}"/>
               </a:ext>
             </a:extLst>
           </p:cNvPr>
@@ -6708,8 +6711,8 @@
         </p:nvSpPr>
         <p:spPr>
           <a:xfrm>
-            <a:off x="2691063" y="5888394"/>
-            <a:ext cx="874294" cy="676565"/>
+            <a:off x="7483642" y="5897624"/>
+            <a:ext cx="950495" cy="676565"/>
           </a:xfrm>
           <a:prstGeom prst="ellipse">
             <a:avLst/>
@@ -6738,98 +6741,7 @@
             <a:pPr algn="ctr"/>
             <a:r>
               <a:rPr lang="en-US" dirty="0"/>
-              <a:t>2</a:t>
-            </a:r>
-          </a:p>
-        </p:txBody>
-      </p:sp>
-      <p:cxnSp>
-        <p:nvCxnSpPr>
-          <p:cNvPr id="41" name="Straight Arrow Connector 40">
-            <a:extLst>
-              <a:ext uri="{FF2B5EF4-FFF2-40B4-BE49-F238E27FC236}">
-                <a16:creationId xmlns:a16="http://schemas.microsoft.com/office/drawing/2014/main" id="{D5776E5C-C5EB-4768-98D9-B2ACB8F3E99D}"/>
-              </a:ext>
-            </a:extLst>
-          </p:cNvPr>
-          <p:cNvCxnSpPr>
-            <a:stCxn id="11" idx="2"/>
-            <a:endCxn id="39" idx="0"/>
-          </p:cNvCxnSpPr>
-          <p:nvPr/>
-        </p:nvCxnSpPr>
-        <p:spPr>
-          <a:xfrm>
-            <a:off x="3128210" y="5282654"/>
-            <a:ext cx="0" cy="605740"/>
-          </a:xfrm>
-          <a:prstGeom prst="straightConnector1">
-            <a:avLst/>
-          </a:prstGeom>
-          <a:ln>
-            <a:tailEnd type="triangle"/>
-          </a:ln>
-        </p:spPr>
-        <p:style>
-          <a:lnRef idx="1">
-            <a:schemeClr val="accent1"/>
-          </a:lnRef>
-          <a:fillRef idx="0">
-            <a:schemeClr val="accent1"/>
-          </a:fillRef>
-          <a:effectRef idx="0">
-            <a:schemeClr val="accent1"/>
-          </a:effectRef>
-          <a:fontRef idx="minor">
-            <a:schemeClr val="tx1"/>
-          </a:fontRef>
-        </p:style>
-      </p:cxnSp>
-      <p:sp>
-        <p:nvSpPr>
-          <p:cNvPr id="44" name="Oval 43">
-            <a:extLst>
-              <a:ext uri="{FF2B5EF4-FFF2-40B4-BE49-F238E27FC236}">
-                <a16:creationId xmlns:a16="http://schemas.microsoft.com/office/drawing/2014/main" id="{F03D6680-5943-4EE6-84ED-C78FC9380965}"/>
-              </a:ext>
-            </a:extLst>
-          </p:cNvPr>
-          <p:cNvSpPr/>
-          <p:nvPr/>
-        </p:nvSpPr>
-        <p:spPr>
-          <a:xfrm>
-            <a:off x="7559843" y="5897624"/>
-            <a:ext cx="874294" cy="676565"/>
-          </a:xfrm>
-          <a:prstGeom prst="ellipse">
-            <a:avLst/>
-          </a:prstGeom>
-        </p:spPr>
-        <p:style>
-          <a:lnRef idx="2">
-            <a:schemeClr val="accent1">
-              <a:shade val="50000"/>
-            </a:schemeClr>
-          </a:lnRef>
-          <a:fillRef idx="1">
-            <a:schemeClr val="accent1"/>
-          </a:fillRef>
-          <a:effectRef idx="0">
-            <a:schemeClr val="accent1"/>
-          </a:effectRef>
-          <a:fontRef idx="minor">
-            <a:schemeClr val="lt1"/>
-          </a:fontRef>
-        </p:style>
-        <p:txBody>
-          <a:bodyPr rtlCol="0" anchor="ctr"/>
-          <a:lstStyle/>
-          <a:p>
-            <a:pPr algn="ctr"/>
-            <a:r>
-              <a:rPr lang="en-US" dirty="0"/>
-              <a:t>4</a:t>
+              <a:t>Date</a:t>
             </a:r>
           </a:p>
         </p:txBody>
@@ -6844,15 +6756,16 @@
             </a:extLst>
           </p:cNvPr>
           <p:cNvCxnSpPr>
+            <a:cxnSpLocks/>
             <a:stCxn id="15" idx="2"/>
             <a:endCxn id="44" idx="0"/>
           </p:cNvCxnSpPr>
           <p:nvPr/>
         </p:nvCxnSpPr>
         <p:spPr>
-          <a:xfrm>
-            <a:off x="7996990" y="5284661"/>
-            <a:ext cx="0" cy="612963"/>
+          <a:xfrm flipH="1">
+            <a:off x="7958890" y="5284661"/>
+            <a:ext cx="38100" cy="612963"/>
           </a:xfrm>
           <a:prstGeom prst="straightConnector1">
             <a:avLst/>
@@ -7055,8 +6968,8 @@
         </p:nvSpPr>
         <p:spPr>
           <a:xfrm>
-            <a:off x="9701465" y="5897624"/>
-            <a:ext cx="874294" cy="676565"/>
+            <a:off x="9354553" y="5897624"/>
+            <a:ext cx="1652335" cy="676565"/>
           </a:xfrm>
           <a:prstGeom prst="ellipse">
             <a:avLst/>
@@ -7085,7 +6998,7 @@
             <a:pPr algn="ctr"/>
             <a:r>
               <a:rPr lang="en-US" dirty="0"/>
-              <a:t>5</a:t>
+              <a:t>Customer</a:t>
             </a:r>
           </a:p>
         </p:txBody>
@@ -7100,6 +7013,7 @@
             </a:extLst>
           </p:cNvPr>
           <p:cNvCxnSpPr>
+            <a:cxnSpLocks/>
             <a:stCxn id="49" idx="2"/>
             <a:endCxn id="51" idx="0"/>
           </p:cNvCxnSpPr>
@@ -7108,7 +7022,7 @@
         <p:spPr>
           <a:xfrm>
             <a:off x="10138612" y="5284661"/>
-            <a:ext cx="0" cy="612963"/>
+            <a:ext cx="42109" cy="612963"/>
           </a:xfrm>
           <a:prstGeom prst="straightConnector1">
             <a:avLst/>
@@ -7354,8 +7268,8 @@
         </p:nvSpPr>
         <p:spPr>
           <a:xfrm>
-            <a:off x="4925931" y="5838680"/>
-            <a:ext cx="874294" cy="676565"/>
+            <a:off x="4618262" y="5838680"/>
+            <a:ext cx="1734415" cy="676565"/>
           </a:xfrm>
           <a:prstGeom prst="ellipse">
             <a:avLst/>
@@ -7384,7 +7298,7 @@
             <a:pPr algn="ctr"/>
             <a:r>
               <a:rPr lang="en-US" dirty="0"/>
-              <a:t>3</a:t>
+              <a:t>“Tuesday”</a:t>
             </a:r>
           </a:p>
         </p:txBody>
@@ -7399,15 +7313,16 @@
             </a:extLst>
           </p:cNvPr>
           <p:cNvCxnSpPr>
+            <a:cxnSpLocks/>
             <a:stCxn id="58" idx="2"/>
             <a:endCxn id="60" idx="0"/>
           </p:cNvCxnSpPr>
           <p:nvPr/>
         </p:nvCxnSpPr>
         <p:spPr>
-          <a:xfrm flipH="1">
-            <a:off x="5363078" y="5280649"/>
-            <a:ext cx="7018" cy="558031"/>
+          <a:xfrm>
+            <a:off x="5370096" y="5280649"/>
+            <a:ext cx="115374" cy="558031"/>
           </a:xfrm>
           <a:prstGeom prst="straightConnector1">
             <a:avLst/>
@@ -8337,7 +8252,7 @@
             <a:pPr algn="ctr"/>
             <a:r>
               <a:rPr lang="en-US" dirty="0"/>
-              <a:t>child</a:t>
+              <a:t>seeker</a:t>
             </a:r>
           </a:p>
         </p:txBody>
@@ -8353,14 +8268,15 @@
           </p:cNvPr>
           <p:cNvCxnSpPr>
             <a:cxnSpLocks/>
+            <a:stCxn id="26" idx="2"/>
             <a:endCxn id="57" idx="0"/>
           </p:cNvCxnSpPr>
           <p:nvPr/>
         </p:nvCxnSpPr>
         <p:spPr>
           <a:xfrm flipH="1">
-            <a:off x="5706981" y="3320626"/>
-            <a:ext cx="953396" cy="1366465"/>
+            <a:off x="5706981" y="3313462"/>
+            <a:ext cx="953395" cy="1373629"/>
           </a:xfrm>
           <a:prstGeom prst="straightConnector1">
             <a:avLst/>
@@ -8472,10 +8388,2906 @@
           </a:fontRef>
         </p:style>
       </p:cxnSp>
+      <p:sp>
+        <p:nvSpPr>
+          <p:cNvPr id="17" name="Rectangle 16">
+            <a:extLst>
+              <a:ext uri="{FF2B5EF4-FFF2-40B4-BE49-F238E27FC236}">
+                <a16:creationId xmlns:a16="http://schemas.microsoft.com/office/drawing/2014/main" id="{8BE88A4A-404A-4244-846F-14CCEF8E9ECF}"/>
+              </a:ext>
+            </a:extLst>
+          </p:cNvPr>
+          <p:cNvSpPr/>
+          <p:nvPr/>
+        </p:nvSpPr>
+        <p:spPr>
+          <a:xfrm>
+            <a:off x="4174959" y="3037146"/>
+            <a:ext cx="1030704" cy="477253"/>
+          </a:xfrm>
+          <a:prstGeom prst="rect">
+            <a:avLst/>
+          </a:prstGeom>
+        </p:spPr>
+        <p:style>
+          <a:lnRef idx="1">
+            <a:schemeClr val="accent2"/>
+          </a:lnRef>
+          <a:fillRef idx="2">
+            <a:schemeClr val="accent2"/>
+          </a:fillRef>
+          <a:effectRef idx="1">
+            <a:schemeClr val="accent2"/>
+          </a:effectRef>
+          <a:fontRef idx="minor">
+            <a:schemeClr val="dk1"/>
+          </a:fontRef>
+        </p:style>
+        <p:txBody>
+          <a:bodyPr rtlCol="0" anchor="ctr"/>
+          <a:lstStyle/>
+          <a:p>
+            <a:pPr algn="ctr"/>
+            <a:r>
+              <a:rPr lang="en-US" dirty="0"/>
+              <a:t>helper</a:t>
+            </a:r>
+          </a:p>
+        </p:txBody>
+      </p:sp>
+      <p:sp>
+        <p:nvSpPr>
+          <p:cNvPr id="81" name="Rectangle 80">
+            <a:extLst>
+              <a:ext uri="{FF2B5EF4-FFF2-40B4-BE49-F238E27FC236}">
+                <a16:creationId xmlns:a16="http://schemas.microsoft.com/office/drawing/2014/main" id="{CC63C5D6-2FAE-40E7-8D05-7250C6228E9F}"/>
+              </a:ext>
+            </a:extLst>
+          </p:cNvPr>
+          <p:cNvSpPr/>
+          <p:nvPr/>
+        </p:nvSpPr>
+        <p:spPr>
+          <a:xfrm>
+            <a:off x="5205662" y="317741"/>
+            <a:ext cx="756991" cy="477253"/>
+          </a:xfrm>
+          <a:prstGeom prst="rect">
+            <a:avLst/>
+          </a:prstGeom>
+        </p:spPr>
+        <p:style>
+          <a:lnRef idx="1">
+            <a:schemeClr val="accent2"/>
+          </a:lnRef>
+          <a:fillRef idx="2">
+            <a:schemeClr val="accent2"/>
+          </a:fillRef>
+          <a:effectRef idx="1">
+            <a:schemeClr val="accent2"/>
+          </a:effectRef>
+          <a:fontRef idx="minor">
+            <a:schemeClr val="dk1"/>
+          </a:fontRef>
+        </p:style>
+        <p:txBody>
+          <a:bodyPr rtlCol="0" anchor="ctr"/>
+          <a:lstStyle/>
+          <a:p>
+            <a:pPr algn="ctr"/>
+            <a:r>
+              <a:rPr lang="en-US" dirty="0"/>
+              <a:t>node</a:t>
+            </a:r>
+          </a:p>
+        </p:txBody>
+      </p:sp>
+      <p:grpSp>
+        <p:nvGrpSpPr>
+          <p:cNvPr id="102" name="Group 101">
+            <a:extLst>
+              <a:ext uri="{FF2B5EF4-FFF2-40B4-BE49-F238E27FC236}">
+                <a16:creationId xmlns:a16="http://schemas.microsoft.com/office/drawing/2014/main" id="{147E10CB-A900-4B34-B32D-3AA5E7DD97E2}"/>
+              </a:ext>
+            </a:extLst>
+          </p:cNvPr>
+          <p:cNvGrpSpPr/>
+          <p:nvPr/>
+        </p:nvGrpSpPr>
+        <p:grpSpPr>
+          <a:xfrm>
+            <a:off x="5852363" y="993817"/>
+            <a:ext cx="1556084" cy="705853"/>
+            <a:chOff x="2077453" y="3713747"/>
+            <a:chExt cx="1556084" cy="705853"/>
+          </a:xfrm>
+        </p:grpSpPr>
+        <p:sp>
+          <p:nvSpPr>
+            <p:cNvPr id="107" name="Rectangle 106">
+              <a:extLst>
+                <a:ext uri="{FF2B5EF4-FFF2-40B4-BE49-F238E27FC236}">
+                  <a16:creationId xmlns:a16="http://schemas.microsoft.com/office/drawing/2014/main" id="{9B71A285-18CD-4577-911F-10C3E1453102}"/>
+                </a:ext>
+              </a:extLst>
+            </p:cNvPr>
+            <p:cNvSpPr/>
+            <p:nvPr/>
+          </p:nvSpPr>
+          <p:spPr>
+            <a:xfrm>
+              <a:off x="2077453" y="3713747"/>
+              <a:ext cx="1556084" cy="705853"/>
+            </a:xfrm>
+            <a:prstGeom prst="rect">
+              <a:avLst/>
+            </a:prstGeom>
+          </p:spPr>
+          <p:style>
+            <a:lnRef idx="2">
+              <a:schemeClr val="accent4">
+                <a:shade val="50000"/>
+              </a:schemeClr>
+            </a:lnRef>
+            <a:fillRef idx="1">
+              <a:schemeClr val="accent4"/>
+            </a:fillRef>
+            <a:effectRef idx="0">
+              <a:schemeClr val="accent4"/>
+            </a:effectRef>
+            <a:fontRef idx="minor">
+              <a:schemeClr val="lt1"/>
+            </a:fontRef>
+          </p:style>
+          <p:txBody>
+            <a:bodyPr rtlCol="0" anchor="ctr"/>
+            <a:lstStyle/>
+            <a:p>
+              <a:pPr algn="ctr"/>
+              <a:endParaRPr lang="en-US"/>
+            </a:p>
+          </p:txBody>
+        </p:sp>
+        <p:sp>
+          <p:nvSpPr>
+            <p:cNvPr id="108" name="Rectangle 107">
+              <a:extLst>
+                <a:ext uri="{FF2B5EF4-FFF2-40B4-BE49-F238E27FC236}">
+                  <a16:creationId xmlns:a16="http://schemas.microsoft.com/office/drawing/2014/main" id="{2AE05CCA-3EB0-4C48-9BE5-52AFAE75AC2A}"/>
+                </a:ext>
+              </a:extLst>
+            </p:cNvPr>
+            <p:cNvSpPr/>
+            <p:nvPr/>
+          </p:nvSpPr>
+          <p:spPr>
+            <a:xfrm>
+              <a:off x="2197768" y="3830052"/>
+              <a:ext cx="641684" cy="477253"/>
+            </a:xfrm>
+            <a:prstGeom prst="rect">
+              <a:avLst/>
+            </a:prstGeom>
+          </p:spPr>
+          <p:style>
+            <a:lnRef idx="2">
+              <a:schemeClr val="accent6">
+                <a:shade val="50000"/>
+              </a:schemeClr>
+            </a:lnRef>
+            <a:fillRef idx="1">
+              <a:schemeClr val="accent6"/>
+            </a:fillRef>
+            <a:effectRef idx="0">
+              <a:schemeClr val="accent6"/>
+            </a:effectRef>
+            <a:fontRef idx="minor">
+              <a:schemeClr val="lt1"/>
+            </a:fontRef>
+          </p:style>
+          <p:txBody>
+            <a:bodyPr rtlCol="0" anchor="ctr"/>
+            <a:lstStyle/>
+            <a:p>
+              <a:pPr algn="ctr"/>
+              <a:r>
+                <a:rPr lang="en-US" dirty="0"/>
+                <a:t>data</a:t>
+              </a:r>
+            </a:p>
+          </p:txBody>
+        </p:sp>
+        <p:sp>
+          <p:nvSpPr>
+            <p:cNvPr id="109" name="Rectangle 108">
+              <a:extLst>
+                <a:ext uri="{FF2B5EF4-FFF2-40B4-BE49-F238E27FC236}">
+                  <a16:creationId xmlns:a16="http://schemas.microsoft.com/office/drawing/2014/main" id="{1ED90397-90C2-4DF6-B4B3-370EB3F2B81E}"/>
+                </a:ext>
+              </a:extLst>
+            </p:cNvPr>
+            <p:cNvSpPr/>
+            <p:nvPr/>
+          </p:nvSpPr>
+          <p:spPr>
+            <a:xfrm>
+              <a:off x="2891588" y="3830052"/>
+              <a:ext cx="641684" cy="477253"/>
+            </a:xfrm>
+            <a:prstGeom prst="rect">
+              <a:avLst/>
+            </a:prstGeom>
+          </p:spPr>
+          <p:style>
+            <a:lnRef idx="2">
+              <a:schemeClr val="accent6">
+                <a:shade val="50000"/>
+              </a:schemeClr>
+            </a:lnRef>
+            <a:fillRef idx="1">
+              <a:schemeClr val="accent6"/>
+            </a:fillRef>
+            <a:effectRef idx="0">
+              <a:schemeClr val="accent6"/>
+            </a:effectRef>
+            <a:fontRef idx="minor">
+              <a:schemeClr val="lt1"/>
+            </a:fontRef>
+          </p:style>
+          <p:txBody>
+            <a:bodyPr rtlCol="0" anchor="ctr"/>
+            <a:lstStyle/>
+            <a:p>
+              <a:pPr algn="ctr"/>
+              <a:r>
+                <a:rPr lang="en-US" dirty="0"/>
+                <a:t>next</a:t>
+              </a:r>
+            </a:p>
+          </p:txBody>
+        </p:sp>
+      </p:grpSp>
+      <p:cxnSp>
+        <p:nvCxnSpPr>
+          <p:cNvPr id="85" name="Straight Arrow Connector 84">
+            <a:extLst>
+              <a:ext uri="{FF2B5EF4-FFF2-40B4-BE49-F238E27FC236}">
+                <a16:creationId xmlns:a16="http://schemas.microsoft.com/office/drawing/2014/main" id="{0C681CEF-34E6-4546-BC60-BEEDE40FCF7B}"/>
+              </a:ext>
+            </a:extLst>
+          </p:cNvPr>
+          <p:cNvCxnSpPr>
+            <a:cxnSpLocks/>
+            <a:stCxn id="81" idx="3"/>
+            <a:endCxn id="107" idx="0"/>
+          </p:cNvCxnSpPr>
+          <p:nvPr/>
+        </p:nvCxnSpPr>
+        <p:spPr>
+          <a:xfrm>
+            <a:off x="5962653" y="556368"/>
+            <a:ext cx="667752" cy="437449"/>
+          </a:xfrm>
+          <a:prstGeom prst="straightConnector1">
+            <a:avLst/>
+          </a:prstGeom>
+          <a:ln>
+            <a:tailEnd type="triangle"/>
+          </a:ln>
+        </p:spPr>
+        <p:style>
+          <a:lnRef idx="1">
+            <a:schemeClr val="accent1"/>
+          </a:lnRef>
+          <a:fillRef idx="0">
+            <a:schemeClr val="accent1"/>
+          </a:fillRef>
+          <a:effectRef idx="0">
+            <a:schemeClr val="accent1"/>
+          </a:effectRef>
+          <a:fontRef idx="minor">
+            <a:schemeClr val="tx1"/>
+          </a:fontRef>
+        </p:style>
+      </p:cxnSp>
+      <p:sp>
+        <p:nvSpPr>
+          <p:cNvPr id="121" name="Rectangle 120">
+            <a:extLst>
+              <a:ext uri="{FF2B5EF4-FFF2-40B4-BE49-F238E27FC236}">
+                <a16:creationId xmlns:a16="http://schemas.microsoft.com/office/drawing/2014/main" id="{198D4A53-EA5C-4B21-A753-7B8A4535EA5A}"/>
+              </a:ext>
+            </a:extLst>
+          </p:cNvPr>
+          <p:cNvSpPr/>
+          <p:nvPr/>
+        </p:nvSpPr>
+        <p:spPr>
+          <a:xfrm>
+            <a:off x="7688683" y="2942178"/>
+            <a:ext cx="756991" cy="477253"/>
+          </a:xfrm>
+          <a:prstGeom prst="rect">
+            <a:avLst/>
+          </a:prstGeom>
+        </p:spPr>
+        <p:style>
+          <a:lnRef idx="1">
+            <a:schemeClr val="accent2"/>
+          </a:lnRef>
+          <a:fillRef idx="2">
+            <a:schemeClr val="accent2"/>
+          </a:fillRef>
+          <a:effectRef idx="1">
+            <a:schemeClr val="accent2"/>
+          </a:effectRef>
+          <a:fontRef idx="minor">
+            <a:schemeClr val="dk1"/>
+          </a:fontRef>
+        </p:style>
+        <p:txBody>
+          <a:bodyPr rtlCol="0" anchor="ctr"/>
+          <a:lstStyle/>
+          <a:p>
+            <a:pPr algn="ctr"/>
+            <a:r>
+              <a:rPr lang="en-US" dirty="0"/>
+              <a:t>hello</a:t>
+            </a:r>
+          </a:p>
+        </p:txBody>
+      </p:sp>
+      <p:sp>
+        <p:nvSpPr>
+          <p:cNvPr id="122" name="Rectangle 121">
+            <a:extLst>
+              <a:ext uri="{FF2B5EF4-FFF2-40B4-BE49-F238E27FC236}">
+                <a16:creationId xmlns:a16="http://schemas.microsoft.com/office/drawing/2014/main" id="{660A0069-88EF-4D46-8AD6-BB3D4EA70D03}"/>
+              </a:ext>
+            </a:extLst>
+          </p:cNvPr>
+          <p:cNvSpPr/>
+          <p:nvPr/>
+        </p:nvSpPr>
+        <p:spPr>
+          <a:xfrm>
+            <a:off x="10641429" y="3102777"/>
+            <a:ext cx="1076821" cy="609313"/>
+          </a:xfrm>
+          <a:prstGeom prst="rect">
+            <a:avLst/>
+          </a:prstGeom>
+        </p:spPr>
+        <p:style>
+          <a:lnRef idx="2">
+            <a:schemeClr val="accent1">
+              <a:shade val="50000"/>
+            </a:schemeClr>
+          </a:lnRef>
+          <a:fillRef idx="1">
+            <a:schemeClr val="accent1"/>
+          </a:fillRef>
+          <a:effectRef idx="0">
+            <a:schemeClr val="accent1"/>
+          </a:effectRef>
+          <a:fontRef idx="minor">
+            <a:schemeClr val="lt1"/>
+          </a:fontRef>
+        </p:style>
+        <p:txBody>
+          <a:bodyPr rtlCol="0" anchor="ctr"/>
+          <a:lstStyle/>
+          <a:p>
+            <a:pPr algn="ctr"/>
+            <a:r>
+              <a:rPr lang="en-US" dirty="0"/>
+              <a:t>() { … }</a:t>
+            </a:r>
+          </a:p>
+        </p:txBody>
+      </p:sp>
+      <p:cxnSp>
+        <p:nvCxnSpPr>
+          <p:cNvPr id="124" name="Straight Arrow Connector 123">
+            <a:extLst>
+              <a:ext uri="{FF2B5EF4-FFF2-40B4-BE49-F238E27FC236}">
+                <a16:creationId xmlns:a16="http://schemas.microsoft.com/office/drawing/2014/main" id="{78F2E802-92A5-4BE6-B013-17D006F97F77}"/>
+              </a:ext>
+            </a:extLst>
+          </p:cNvPr>
+          <p:cNvCxnSpPr>
+            <a:stCxn id="121" idx="3"/>
+            <a:endCxn id="122" idx="1"/>
+          </p:cNvCxnSpPr>
+          <p:nvPr/>
+        </p:nvCxnSpPr>
+        <p:spPr>
+          <a:xfrm>
+            <a:off x="8445674" y="3180805"/>
+            <a:ext cx="2195755" cy="226629"/>
+          </a:xfrm>
+          <a:prstGeom prst="straightConnector1">
+            <a:avLst/>
+          </a:prstGeom>
+          <a:ln>
+            <a:tailEnd type="triangle"/>
+          </a:ln>
+        </p:spPr>
+        <p:style>
+          <a:lnRef idx="1">
+            <a:schemeClr val="accent1"/>
+          </a:lnRef>
+          <a:fillRef idx="0">
+            <a:schemeClr val="accent1"/>
+          </a:fillRef>
+          <a:effectRef idx="0">
+            <a:schemeClr val="accent1"/>
+          </a:effectRef>
+          <a:fontRef idx="minor">
+            <a:schemeClr val="tx1"/>
+          </a:fontRef>
+        </p:style>
+      </p:cxnSp>
     </p:spTree>
     <p:extLst>
       <p:ext uri="{BB962C8B-B14F-4D97-AF65-F5344CB8AC3E}">
         <p14:creationId xmlns:p14="http://schemas.microsoft.com/office/powerpoint/2010/main" val="799057093"/>
+      </p:ext>
+    </p:extLst>
+  </p:cSld>
+  <p:clrMapOvr>
+    <a:masterClrMapping/>
+  </p:clrMapOvr>
+</p:sld>
+</file>
+
+<file path=ppt/slides/slide6.xml><?xml version="1.0" encoding="utf-8"?>
+<p:sld xmlns:a="http://schemas.openxmlformats.org/drawingml/2006/main" xmlns:r="http://schemas.openxmlformats.org/officeDocument/2006/relationships" xmlns:p="http://schemas.openxmlformats.org/presentationml/2006/main">
+  <p:cSld>
+    <p:spTree>
+      <p:nvGrpSpPr>
+        <p:cNvPr id="1" name=""/>
+        <p:cNvGrpSpPr/>
+        <p:nvPr/>
+      </p:nvGrpSpPr>
+      <p:grpSpPr>
+        <a:xfrm>
+          <a:off x="0" y="0"/>
+          <a:ext cx="0" cy="0"/>
+          <a:chOff x="0" y="0"/>
+          <a:chExt cx="0" cy="0"/>
+        </a:xfrm>
+      </p:grpSpPr>
+      <p:grpSp>
+        <p:nvGrpSpPr>
+          <p:cNvPr id="116" name="Group 115">
+            <a:extLst>
+              <a:ext uri="{FF2B5EF4-FFF2-40B4-BE49-F238E27FC236}">
+                <a16:creationId xmlns:a16="http://schemas.microsoft.com/office/drawing/2014/main" id="{B9795B25-8AAA-4A71-ABAE-F63E41B2C569}"/>
+              </a:ext>
+            </a:extLst>
+          </p:cNvPr>
+          <p:cNvGrpSpPr/>
+          <p:nvPr/>
+        </p:nvGrpSpPr>
+        <p:grpSpPr>
+          <a:xfrm>
+            <a:off x="637645" y="4687591"/>
+            <a:ext cx="1556084" cy="705858"/>
+            <a:chOff x="637645" y="4687591"/>
+            <a:chExt cx="1556084" cy="705858"/>
+          </a:xfrm>
+        </p:grpSpPr>
+        <p:sp>
+          <p:nvSpPr>
+            <p:cNvPr id="6" name="Rectangle 5">
+              <a:extLst>
+                <a:ext uri="{FF2B5EF4-FFF2-40B4-BE49-F238E27FC236}">
+                  <a16:creationId xmlns:a16="http://schemas.microsoft.com/office/drawing/2014/main" id="{6B1BF9CC-321B-4EFD-B1D7-CC77A26E8DF3}"/>
+                </a:ext>
+              </a:extLst>
+            </p:cNvPr>
+            <p:cNvSpPr/>
+            <p:nvPr/>
+          </p:nvSpPr>
+          <p:spPr>
+            <a:xfrm>
+              <a:off x="637645" y="4687596"/>
+              <a:ext cx="1556084" cy="705853"/>
+            </a:xfrm>
+            <a:prstGeom prst="rect">
+              <a:avLst/>
+            </a:prstGeom>
+          </p:spPr>
+          <p:style>
+            <a:lnRef idx="2">
+              <a:schemeClr val="accent4">
+                <a:shade val="50000"/>
+              </a:schemeClr>
+            </a:lnRef>
+            <a:fillRef idx="1">
+              <a:schemeClr val="accent4"/>
+            </a:fillRef>
+            <a:effectRef idx="0">
+              <a:schemeClr val="accent4"/>
+            </a:effectRef>
+            <a:fontRef idx="minor">
+              <a:schemeClr val="lt1"/>
+            </a:fontRef>
+          </p:style>
+          <p:txBody>
+            <a:bodyPr rtlCol="0" anchor="ctr"/>
+            <a:lstStyle/>
+            <a:p>
+              <a:pPr algn="ctr"/>
+              <a:endParaRPr lang="en-US"/>
+            </a:p>
+          </p:txBody>
+        </p:sp>
+        <p:sp>
+          <p:nvSpPr>
+            <p:cNvPr id="7" name="Rectangle 6">
+              <a:extLst>
+                <a:ext uri="{FF2B5EF4-FFF2-40B4-BE49-F238E27FC236}">
+                  <a16:creationId xmlns:a16="http://schemas.microsoft.com/office/drawing/2014/main" id="{CFE84000-A1FC-462A-AC4B-EC6D6BF9044B}"/>
+                </a:ext>
+              </a:extLst>
+            </p:cNvPr>
+            <p:cNvSpPr/>
+            <p:nvPr/>
+          </p:nvSpPr>
+          <p:spPr>
+            <a:xfrm>
+              <a:off x="1096853" y="4801892"/>
+              <a:ext cx="641684" cy="477253"/>
+            </a:xfrm>
+            <a:prstGeom prst="rect">
+              <a:avLst/>
+            </a:prstGeom>
+          </p:spPr>
+          <p:style>
+            <a:lnRef idx="2">
+              <a:schemeClr val="accent6">
+                <a:shade val="50000"/>
+              </a:schemeClr>
+            </a:lnRef>
+            <a:fillRef idx="1">
+              <a:schemeClr val="accent6"/>
+            </a:fillRef>
+            <a:effectRef idx="0">
+              <a:schemeClr val="accent6"/>
+            </a:effectRef>
+            <a:fontRef idx="minor">
+              <a:schemeClr val="lt1"/>
+            </a:fontRef>
+          </p:style>
+          <p:txBody>
+            <a:bodyPr rtlCol="0" anchor="ctr"/>
+            <a:lstStyle/>
+            <a:p>
+              <a:pPr algn="ctr"/>
+              <a:r>
+                <a:rPr lang="en-US" dirty="0"/>
+                <a:t>data</a:t>
+              </a:r>
+            </a:p>
+          </p:txBody>
+        </p:sp>
+        <p:sp>
+          <p:nvSpPr>
+            <p:cNvPr id="8" name="Rectangle 7">
+              <a:extLst>
+                <a:ext uri="{FF2B5EF4-FFF2-40B4-BE49-F238E27FC236}">
+                  <a16:creationId xmlns:a16="http://schemas.microsoft.com/office/drawing/2014/main" id="{AF5089FA-3047-4EBB-A683-33C017A3F915}"/>
+                </a:ext>
+              </a:extLst>
+            </p:cNvPr>
+            <p:cNvSpPr/>
+            <p:nvPr/>
+          </p:nvSpPr>
+          <p:spPr>
+            <a:xfrm>
+              <a:off x="1823964" y="4687591"/>
+              <a:ext cx="294741" cy="477253"/>
+            </a:xfrm>
+            <a:prstGeom prst="rect">
+              <a:avLst/>
+            </a:prstGeom>
+          </p:spPr>
+          <p:style>
+            <a:lnRef idx="2">
+              <a:schemeClr val="accent6">
+                <a:shade val="50000"/>
+              </a:schemeClr>
+            </a:lnRef>
+            <a:fillRef idx="1">
+              <a:schemeClr val="accent6"/>
+            </a:fillRef>
+            <a:effectRef idx="0">
+              <a:schemeClr val="accent6"/>
+            </a:effectRef>
+            <a:fontRef idx="minor">
+              <a:schemeClr val="lt1"/>
+            </a:fontRef>
+          </p:style>
+          <p:txBody>
+            <a:bodyPr rtlCol="0" anchor="ctr"/>
+            <a:lstStyle/>
+            <a:p>
+              <a:pPr algn="ctr"/>
+              <a:r>
+                <a:rPr lang="en-US" dirty="0"/>
+                <a:t>n</a:t>
+              </a:r>
+            </a:p>
+          </p:txBody>
+        </p:sp>
+        <p:sp>
+          <p:nvSpPr>
+            <p:cNvPr id="56" name="Rectangle 55">
+              <a:extLst>
+                <a:ext uri="{FF2B5EF4-FFF2-40B4-BE49-F238E27FC236}">
+                  <a16:creationId xmlns:a16="http://schemas.microsoft.com/office/drawing/2014/main" id="{DCFAB267-807C-466D-9E8D-3E926A9746EA}"/>
+                </a:ext>
+              </a:extLst>
+            </p:cNvPr>
+            <p:cNvSpPr/>
+            <p:nvPr/>
+          </p:nvSpPr>
+          <p:spPr>
+            <a:xfrm>
+              <a:off x="704089" y="4900335"/>
+              <a:ext cx="305807" cy="477253"/>
+            </a:xfrm>
+            <a:prstGeom prst="rect">
+              <a:avLst/>
+            </a:prstGeom>
+          </p:spPr>
+          <p:style>
+            <a:lnRef idx="2">
+              <a:schemeClr val="accent6">
+                <a:shade val="50000"/>
+              </a:schemeClr>
+            </a:lnRef>
+            <a:fillRef idx="1">
+              <a:schemeClr val="accent6"/>
+            </a:fillRef>
+            <a:effectRef idx="0">
+              <a:schemeClr val="accent6"/>
+            </a:effectRef>
+            <a:fontRef idx="minor">
+              <a:schemeClr val="lt1"/>
+            </a:fontRef>
+          </p:style>
+          <p:txBody>
+            <a:bodyPr rtlCol="0" anchor="ctr"/>
+            <a:lstStyle/>
+            <a:p>
+              <a:pPr algn="ctr"/>
+              <a:r>
+                <a:rPr lang="en-US" dirty="0"/>
+                <a:t>p</a:t>
+              </a:r>
+            </a:p>
+          </p:txBody>
+        </p:sp>
+      </p:grpSp>
+      <p:grpSp>
+        <p:nvGrpSpPr>
+          <p:cNvPr id="117" name="Group 116">
+            <a:extLst>
+              <a:ext uri="{FF2B5EF4-FFF2-40B4-BE49-F238E27FC236}">
+                <a16:creationId xmlns:a16="http://schemas.microsoft.com/office/drawing/2014/main" id="{811FB21E-36CF-4875-892A-5F9FA8620D6F}"/>
+              </a:ext>
+            </a:extLst>
+          </p:cNvPr>
+          <p:cNvGrpSpPr/>
+          <p:nvPr/>
+        </p:nvGrpSpPr>
+        <p:grpSpPr>
+          <a:xfrm>
+            <a:off x="2948610" y="4689955"/>
+            <a:ext cx="1556084" cy="705853"/>
+            <a:chOff x="2948610" y="4689955"/>
+            <a:chExt cx="1556084" cy="705853"/>
+          </a:xfrm>
+        </p:grpSpPr>
+        <p:sp>
+          <p:nvSpPr>
+            <p:cNvPr id="67" name="Rectangle 66">
+              <a:extLst>
+                <a:ext uri="{FF2B5EF4-FFF2-40B4-BE49-F238E27FC236}">
+                  <a16:creationId xmlns:a16="http://schemas.microsoft.com/office/drawing/2014/main" id="{D4B8AE24-BCCA-40FF-A809-D9DE1828054F}"/>
+                </a:ext>
+              </a:extLst>
+            </p:cNvPr>
+            <p:cNvSpPr/>
+            <p:nvPr/>
+          </p:nvSpPr>
+          <p:spPr>
+            <a:xfrm>
+              <a:off x="2948610" y="4689955"/>
+              <a:ext cx="1556084" cy="705853"/>
+            </a:xfrm>
+            <a:prstGeom prst="rect">
+              <a:avLst/>
+            </a:prstGeom>
+          </p:spPr>
+          <p:style>
+            <a:lnRef idx="2">
+              <a:schemeClr val="accent4">
+                <a:shade val="50000"/>
+              </a:schemeClr>
+            </a:lnRef>
+            <a:fillRef idx="1">
+              <a:schemeClr val="accent4"/>
+            </a:fillRef>
+            <a:effectRef idx="0">
+              <a:schemeClr val="accent4"/>
+            </a:effectRef>
+            <a:fontRef idx="minor">
+              <a:schemeClr val="lt1"/>
+            </a:fontRef>
+          </p:style>
+          <p:txBody>
+            <a:bodyPr rtlCol="0" anchor="ctr"/>
+            <a:lstStyle/>
+            <a:p>
+              <a:pPr algn="ctr"/>
+              <a:endParaRPr lang="en-US"/>
+            </a:p>
+          </p:txBody>
+        </p:sp>
+        <p:sp>
+          <p:nvSpPr>
+            <p:cNvPr id="68" name="Rectangle 67">
+              <a:extLst>
+                <a:ext uri="{FF2B5EF4-FFF2-40B4-BE49-F238E27FC236}">
+                  <a16:creationId xmlns:a16="http://schemas.microsoft.com/office/drawing/2014/main" id="{C0078CDE-0D4F-4C21-A3AF-2DC0B2946C29}"/>
+                </a:ext>
+              </a:extLst>
+            </p:cNvPr>
+            <p:cNvSpPr/>
+            <p:nvPr/>
+          </p:nvSpPr>
+          <p:spPr>
+            <a:xfrm>
+              <a:off x="3407818" y="4804251"/>
+              <a:ext cx="641684" cy="477253"/>
+            </a:xfrm>
+            <a:prstGeom prst="rect">
+              <a:avLst/>
+            </a:prstGeom>
+          </p:spPr>
+          <p:style>
+            <a:lnRef idx="2">
+              <a:schemeClr val="accent6">
+                <a:shade val="50000"/>
+              </a:schemeClr>
+            </a:lnRef>
+            <a:fillRef idx="1">
+              <a:schemeClr val="accent6"/>
+            </a:fillRef>
+            <a:effectRef idx="0">
+              <a:schemeClr val="accent6"/>
+            </a:effectRef>
+            <a:fontRef idx="minor">
+              <a:schemeClr val="lt1"/>
+            </a:fontRef>
+          </p:style>
+          <p:txBody>
+            <a:bodyPr rtlCol="0" anchor="ctr"/>
+            <a:lstStyle/>
+            <a:p>
+              <a:pPr algn="ctr"/>
+              <a:r>
+                <a:rPr lang="en-US" dirty="0"/>
+                <a:t>data</a:t>
+              </a:r>
+            </a:p>
+          </p:txBody>
+        </p:sp>
+        <p:sp>
+          <p:nvSpPr>
+            <p:cNvPr id="69" name="Rectangle 68">
+              <a:extLst>
+                <a:ext uri="{FF2B5EF4-FFF2-40B4-BE49-F238E27FC236}">
+                  <a16:creationId xmlns:a16="http://schemas.microsoft.com/office/drawing/2014/main" id="{C5CE24CF-70EA-4E86-BD41-CB0C6EB0D933}"/>
+                </a:ext>
+              </a:extLst>
+            </p:cNvPr>
+            <p:cNvSpPr/>
+            <p:nvPr/>
+          </p:nvSpPr>
+          <p:spPr>
+            <a:xfrm>
+              <a:off x="4134944" y="4703065"/>
+              <a:ext cx="294741" cy="477253"/>
+            </a:xfrm>
+            <a:prstGeom prst="rect">
+              <a:avLst/>
+            </a:prstGeom>
+          </p:spPr>
+          <p:style>
+            <a:lnRef idx="2">
+              <a:schemeClr val="accent6">
+                <a:shade val="50000"/>
+              </a:schemeClr>
+            </a:lnRef>
+            <a:fillRef idx="1">
+              <a:schemeClr val="accent6"/>
+            </a:fillRef>
+            <a:effectRef idx="0">
+              <a:schemeClr val="accent6"/>
+            </a:effectRef>
+            <a:fontRef idx="minor">
+              <a:schemeClr val="lt1"/>
+            </a:fontRef>
+          </p:style>
+          <p:txBody>
+            <a:bodyPr rtlCol="0" anchor="ctr"/>
+            <a:lstStyle/>
+            <a:p>
+              <a:pPr algn="ctr"/>
+              <a:r>
+                <a:rPr lang="en-US" dirty="0"/>
+                <a:t>n</a:t>
+              </a:r>
+            </a:p>
+          </p:txBody>
+        </p:sp>
+        <p:sp>
+          <p:nvSpPr>
+            <p:cNvPr id="70" name="Rectangle 69">
+              <a:extLst>
+                <a:ext uri="{FF2B5EF4-FFF2-40B4-BE49-F238E27FC236}">
+                  <a16:creationId xmlns:a16="http://schemas.microsoft.com/office/drawing/2014/main" id="{D1E74056-FBA5-4488-89B3-3F6E00C633BB}"/>
+                </a:ext>
+              </a:extLst>
+            </p:cNvPr>
+            <p:cNvSpPr/>
+            <p:nvPr/>
+          </p:nvSpPr>
+          <p:spPr>
+            <a:xfrm>
+              <a:off x="3015164" y="4916191"/>
+              <a:ext cx="305807" cy="477253"/>
+            </a:xfrm>
+            <a:prstGeom prst="rect">
+              <a:avLst/>
+            </a:prstGeom>
+          </p:spPr>
+          <p:style>
+            <a:lnRef idx="2">
+              <a:schemeClr val="accent6">
+                <a:shade val="50000"/>
+              </a:schemeClr>
+            </a:lnRef>
+            <a:fillRef idx="1">
+              <a:schemeClr val="accent6"/>
+            </a:fillRef>
+            <a:effectRef idx="0">
+              <a:schemeClr val="accent6"/>
+            </a:effectRef>
+            <a:fontRef idx="minor">
+              <a:schemeClr val="lt1"/>
+            </a:fontRef>
+          </p:style>
+          <p:txBody>
+            <a:bodyPr rtlCol="0" anchor="ctr"/>
+            <a:lstStyle/>
+            <a:p>
+              <a:pPr algn="ctr"/>
+              <a:r>
+                <a:rPr lang="en-US" dirty="0"/>
+                <a:t>p</a:t>
+              </a:r>
+            </a:p>
+          </p:txBody>
+        </p:sp>
+      </p:grpSp>
+      <p:grpSp>
+        <p:nvGrpSpPr>
+          <p:cNvPr id="132" name="Group 131">
+            <a:extLst>
+              <a:ext uri="{FF2B5EF4-FFF2-40B4-BE49-F238E27FC236}">
+                <a16:creationId xmlns:a16="http://schemas.microsoft.com/office/drawing/2014/main" id="{13FFFEE5-DD61-4A2C-9CD8-BCEEDA5CBAA0}"/>
+              </a:ext>
+            </a:extLst>
+          </p:cNvPr>
+          <p:cNvGrpSpPr/>
+          <p:nvPr/>
+        </p:nvGrpSpPr>
+        <p:grpSpPr>
+          <a:xfrm>
+            <a:off x="5352512" y="4687591"/>
+            <a:ext cx="1556084" cy="705853"/>
+            <a:chOff x="5352512" y="4687591"/>
+            <a:chExt cx="1556084" cy="705853"/>
+          </a:xfrm>
+        </p:grpSpPr>
+        <p:sp>
+          <p:nvSpPr>
+            <p:cNvPr id="72" name="Rectangle 71">
+              <a:extLst>
+                <a:ext uri="{FF2B5EF4-FFF2-40B4-BE49-F238E27FC236}">
+                  <a16:creationId xmlns:a16="http://schemas.microsoft.com/office/drawing/2014/main" id="{87A1EE82-3EA7-42F4-88DF-6506EE9D0C89}"/>
+                </a:ext>
+              </a:extLst>
+            </p:cNvPr>
+            <p:cNvSpPr/>
+            <p:nvPr/>
+          </p:nvSpPr>
+          <p:spPr>
+            <a:xfrm>
+              <a:off x="5352512" y="4687591"/>
+              <a:ext cx="1556084" cy="705853"/>
+            </a:xfrm>
+            <a:prstGeom prst="rect">
+              <a:avLst/>
+            </a:prstGeom>
+          </p:spPr>
+          <p:style>
+            <a:lnRef idx="2">
+              <a:schemeClr val="accent2">
+                <a:shade val="50000"/>
+              </a:schemeClr>
+            </a:lnRef>
+            <a:fillRef idx="1">
+              <a:schemeClr val="accent2"/>
+            </a:fillRef>
+            <a:effectRef idx="0">
+              <a:schemeClr val="accent2"/>
+            </a:effectRef>
+            <a:fontRef idx="minor">
+              <a:schemeClr val="lt1"/>
+            </a:fontRef>
+          </p:style>
+          <p:txBody>
+            <a:bodyPr rtlCol="0" anchor="ctr"/>
+            <a:lstStyle/>
+            <a:p>
+              <a:pPr algn="ctr"/>
+              <a:endParaRPr lang="en-US"/>
+            </a:p>
+          </p:txBody>
+        </p:sp>
+        <p:sp>
+          <p:nvSpPr>
+            <p:cNvPr id="73" name="Rectangle 72">
+              <a:extLst>
+                <a:ext uri="{FF2B5EF4-FFF2-40B4-BE49-F238E27FC236}">
+                  <a16:creationId xmlns:a16="http://schemas.microsoft.com/office/drawing/2014/main" id="{E9A02097-2E39-4061-B35E-41929969C6C4}"/>
+                </a:ext>
+              </a:extLst>
+            </p:cNvPr>
+            <p:cNvSpPr/>
+            <p:nvPr/>
+          </p:nvSpPr>
+          <p:spPr>
+            <a:xfrm>
+              <a:off x="5811720" y="4801887"/>
+              <a:ext cx="641684" cy="477253"/>
+            </a:xfrm>
+            <a:prstGeom prst="rect">
+              <a:avLst/>
+            </a:prstGeom>
+          </p:spPr>
+          <p:style>
+            <a:lnRef idx="2">
+              <a:schemeClr val="accent6">
+                <a:shade val="50000"/>
+              </a:schemeClr>
+            </a:lnRef>
+            <a:fillRef idx="1">
+              <a:schemeClr val="accent6"/>
+            </a:fillRef>
+            <a:effectRef idx="0">
+              <a:schemeClr val="accent6"/>
+            </a:effectRef>
+            <a:fontRef idx="minor">
+              <a:schemeClr val="lt1"/>
+            </a:fontRef>
+          </p:style>
+          <p:txBody>
+            <a:bodyPr rtlCol="0" anchor="ctr"/>
+            <a:lstStyle/>
+            <a:p>
+              <a:pPr algn="ctr"/>
+              <a:r>
+                <a:rPr lang="en-US" dirty="0"/>
+                <a:t>data</a:t>
+              </a:r>
+            </a:p>
+          </p:txBody>
+        </p:sp>
+        <p:sp>
+          <p:nvSpPr>
+            <p:cNvPr id="74" name="Rectangle 73">
+              <a:extLst>
+                <a:ext uri="{FF2B5EF4-FFF2-40B4-BE49-F238E27FC236}">
+                  <a16:creationId xmlns:a16="http://schemas.microsoft.com/office/drawing/2014/main" id="{DA02D8EE-0F9A-4396-86D6-0BEAB92DE8DD}"/>
+                </a:ext>
+              </a:extLst>
+            </p:cNvPr>
+            <p:cNvSpPr/>
+            <p:nvPr/>
+          </p:nvSpPr>
+          <p:spPr>
+            <a:xfrm>
+              <a:off x="6540251" y="4687591"/>
+              <a:ext cx="294741" cy="477253"/>
+            </a:xfrm>
+            <a:prstGeom prst="rect">
+              <a:avLst/>
+            </a:prstGeom>
+          </p:spPr>
+          <p:style>
+            <a:lnRef idx="2">
+              <a:schemeClr val="accent6">
+                <a:shade val="50000"/>
+              </a:schemeClr>
+            </a:lnRef>
+            <a:fillRef idx="1">
+              <a:schemeClr val="accent6"/>
+            </a:fillRef>
+            <a:effectRef idx="0">
+              <a:schemeClr val="accent6"/>
+            </a:effectRef>
+            <a:fontRef idx="minor">
+              <a:schemeClr val="lt1"/>
+            </a:fontRef>
+          </p:style>
+          <p:txBody>
+            <a:bodyPr rtlCol="0" anchor="ctr"/>
+            <a:lstStyle/>
+            <a:p>
+              <a:pPr algn="ctr"/>
+              <a:r>
+                <a:rPr lang="en-US" dirty="0"/>
+                <a:t>n</a:t>
+              </a:r>
+            </a:p>
+          </p:txBody>
+        </p:sp>
+        <p:sp>
+          <p:nvSpPr>
+            <p:cNvPr id="75" name="Rectangle 74">
+              <a:extLst>
+                <a:ext uri="{FF2B5EF4-FFF2-40B4-BE49-F238E27FC236}">
+                  <a16:creationId xmlns:a16="http://schemas.microsoft.com/office/drawing/2014/main" id="{8B2D1197-D8E8-4917-AB64-AF05AF191178}"/>
+                </a:ext>
+              </a:extLst>
+            </p:cNvPr>
+            <p:cNvSpPr/>
+            <p:nvPr/>
+          </p:nvSpPr>
+          <p:spPr>
+            <a:xfrm>
+              <a:off x="5419066" y="4908327"/>
+              <a:ext cx="305807" cy="477253"/>
+            </a:xfrm>
+            <a:prstGeom prst="rect">
+              <a:avLst/>
+            </a:prstGeom>
+          </p:spPr>
+          <p:style>
+            <a:lnRef idx="2">
+              <a:schemeClr val="accent6">
+                <a:shade val="50000"/>
+              </a:schemeClr>
+            </a:lnRef>
+            <a:fillRef idx="1">
+              <a:schemeClr val="accent6"/>
+            </a:fillRef>
+            <a:effectRef idx="0">
+              <a:schemeClr val="accent6"/>
+            </a:effectRef>
+            <a:fontRef idx="minor">
+              <a:schemeClr val="lt1"/>
+            </a:fontRef>
+          </p:style>
+          <p:txBody>
+            <a:bodyPr rtlCol="0" anchor="ctr"/>
+            <a:lstStyle/>
+            <a:p>
+              <a:pPr algn="ctr"/>
+              <a:r>
+                <a:rPr lang="en-US" dirty="0"/>
+                <a:t>p</a:t>
+              </a:r>
+            </a:p>
+          </p:txBody>
+        </p:sp>
+      </p:grpSp>
+      <p:grpSp>
+        <p:nvGrpSpPr>
+          <p:cNvPr id="119" name="Group 118">
+            <a:extLst>
+              <a:ext uri="{FF2B5EF4-FFF2-40B4-BE49-F238E27FC236}">
+                <a16:creationId xmlns:a16="http://schemas.microsoft.com/office/drawing/2014/main" id="{4EBA83E7-F72E-4217-A97A-31E26A3BA407}"/>
+              </a:ext>
+            </a:extLst>
+          </p:cNvPr>
+          <p:cNvGrpSpPr/>
+          <p:nvPr/>
+        </p:nvGrpSpPr>
+        <p:grpSpPr>
+          <a:xfrm>
+            <a:off x="7741607" y="4703065"/>
+            <a:ext cx="1556084" cy="705853"/>
+            <a:chOff x="7741607" y="4703065"/>
+            <a:chExt cx="1556084" cy="705853"/>
+          </a:xfrm>
+        </p:grpSpPr>
+        <p:sp>
+          <p:nvSpPr>
+            <p:cNvPr id="77" name="Rectangle 76">
+              <a:extLst>
+                <a:ext uri="{FF2B5EF4-FFF2-40B4-BE49-F238E27FC236}">
+                  <a16:creationId xmlns:a16="http://schemas.microsoft.com/office/drawing/2014/main" id="{281E8CB7-C765-43B2-BD19-A50E765266CB}"/>
+                </a:ext>
+              </a:extLst>
+            </p:cNvPr>
+            <p:cNvSpPr/>
+            <p:nvPr/>
+          </p:nvSpPr>
+          <p:spPr>
+            <a:xfrm>
+              <a:off x="7741607" y="4703065"/>
+              <a:ext cx="1556084" cy="705853"/>
+            </a:xfrm>
+            <a:prstGeom prst="rect">
+              <a:avLst/>
+            </a:prstGeom>
+          </p:spPr>
+          <p:style>
+            <a:lnRef idx="2">
+              <a:schemeClr val="accent4">
+                <a:shade val="50000"/>
+              </a:schemeClr>
+            </a:lnRef>
+            <a:fillRef idx="1">
+              <a:schemeClr val="accent4"/>
+            </a:fillRef>
+            <a:effectRef idx="0">
+              <a:schemeClr val="accent4"/>
+            </a:effectRef>
+            <a:fontRef idx="minor">
+              <a:schemeClr val="lt1"/>
+            </a:fontRef>
+          </p:style>
+          <p:txBody>
+            <a:bodyPr rtlCol="0" anchor="ctr"/>
+            <a:lstStyle/>
+            <a:p>
+              <a:pPr algn="ctr"/>
+              <a:endParaRPr lang="en-US"/>
+            </a:p>
+          </p:txBody>
+        </p:sp>
+        <p:sp>
+          <p:nvSpPr>
+            <p:cNvPr id="78" name="Rectangle 77">
+              <a:extLst>
+                <a:ext uri="{FF2B5EF4-FFF2-40B4-BE49-F238E27FC236}">
+                  <a16:creationId xmlns:a16="http://schemas.microsoft.com/office/drawing/2014/main" id="{F2E65639-6E39-4942-B210-307633691AF9}"/>
+                </a:ext>
+              </a:extLst>
+            </p:cNvPr>
+            <p:cNvSpPr/>
+            <p:nvPr/>
+          </p:nvSpPr>
+          <p:spPr>
+            <a:xfrm>
+              <a:off x="8200815" y="4817361"/>
+              <a:ext cx="641684" cy="477253"/>
+            </a:xfrm>
+            <a:prstGeom prst="rect">
+              <a:avLst/>
+            </a:prstGeom>
+          </p:spPr>
+          <p:style>
+            <a:lnRef idx="2">
+              <a:schemeClr val="accent6">
+                <a:shade val="50000"/>
+              </a:schemeClr>
+            </a:lnRef>
+            <a:fillRef idx="1">
+              <a:schemeClr val="accent6"/>
+            </a:fillRef>
+            <a:effectRef idx="0">
+              <a:schemeClr val="accent6"/>
+            </a:effectRef>
+            <a:fontRef idx="minor">
+              <a:schemeClr val="lt1"/>
+            </a:fontRef>
+          </p:style>
+          <p:txBody>
+            <a:bodyPr rtlCol="0" anchor="ctr"/>
+            <a:lstStyle/>
+            <a:p>
+              <a:pPr algn="ctr"/>
+              <a:r>
+                <a:rPr lang="en-US" dirty="0"/>
+                <a:t>data</a:t>
+              </a:r>
+            </a:p>
+          </p:txBody>
+        </p:sp>
+        <p:sp>
+          <p:nvSpPr>
+            <p:cNvPr id="79" name="Rectangle 78">
+              <a:extLst>
+                <a:ext uri="{FF2B5EF4-FFF2-40B4-BE49-F238E27FC236}">
+                  <a16:creationId xmlns:a16="http://schemas.microsoft.com/office/drawing/2014/main" id="{C789F4B2-3161-4428-8D66-27C9028254E3}"/>
+                </a:ext>
+              </a:extLst>
+            </p:cNvPr>
+            <p:cNvSpPr/>
+            <p:nvPr/>
+          </p:nvSpPr>
+          <p:spPr>
+            <a:xfrm>
+              <a:off x="8929346" y="4712163"/>
+              <a:ext cx="294741" cy="477253"/>
+            </a:xfrm>
+            <a:prstGeom prst="rect">
+              <a:avLst/>
+            </a:prstGeom>
+          </p:spPr>
+          <p:style>
+            <a:lnRef idx="2">
+              <a:schemeClr val="accent6">
+                <a:shade val="50000"/>
+              </a:schemeClr>
+            </a:lnRef>
+            <a:fillRef idx="1">
+              <a:schemeClr val="accent6"/>
+            </a:fillRef>
+            <a:effectRef idx="0">
+              <a:schemeClr val="accent6"/>
+            </a:effectRef>
+            <a:fontRef idx="minor">
+              <a:schemeClr val="lt1"/>
+            </a:fontRef>
+          </p:style>
+          <p:txBody>
+            <a:bodyPr rtlCol="0" anchor="ctr"/>
+            <a:lstStyle/>
+            <a:p>
+              <a:pPr algn="ctr"/>
+              <a:r>
+                <a:rPr lang="en-US" dirty="0"/>
+                <a:t>n</a:t>
+              </a:r>
+            </a:p>
+          </p:txBody>
+        </p:sp>
+        <p:sp>
+          <p:nvSpPr>
+            <p:cNvPr id="80" name="Rectangle 79">
+              <a:extLst>
+                <a:ext uri="{FF2B5EF4-FFF2-40B4-BE49-F238E27FC236}">
+                  <a16:creationId xmlns:a16="http://schemas.microsoft.com/office/drawing/2014/main" id="{4E2D3AB3-4174-465E-A7AA-1C6915D88E88}"/>
+                </a:ext>
+              </a:extLst>
+            </p:cNvPr>
+            <p:cNvSpPr/>
+            <p:nvPr/>
+          </p:nvSpPr>
+          <p:spPr>
+            <a:xfrm>
+              <a:off x="7808161" y="4931665"/>
+              <a:ext cx="305807" cy="477253"/>
+            </a:xfrm>
+            <a:prstGeom prst="rect">
+              <a:avLst/>
+            </a:prstGeom>
+          </p:spPr>
+          <p:style>
+            <a:lnRef idx="2">
+              <a:schemeClr val="accent6">
+                <a:shade val="50000"/>
+              </a:schemeClr>
+            </a:lnRef>
+            <a:fillRef idx="1">
+              <a:schemeClr val="accent6"/>
+            </a:fillRef>
+            <a:effectRef idx="0">
+              <a:schemeClr val="accent6"/>
+            </a:effectRef>
+            <a:fontRef idx="minor">
+              <a:schemeClr val="lt1"/>
+            </a:fontRef>
+          </p:style>
+          <p:txBody>
+            <a:bodyPr rtlCol="0" anchor="ctr"/>
+            <a:lstStyle/>
+            <a:p>
+              <a:pPr algn="ctr"/>
+              <a:r>
+                <a:rPr lang="en-US" dirty="0"/>
+                <a:t>p</a:t>
+              </a:r>
+            </a:p>
+          </p:txBody>
+        </p:sp>
+      </p:grpSp>
+      <p:grpSp>
+        <p:nvGrpSpPr>
+          <p:cNvPr id="120" name="Group 119">
+            <a:extLst>
+              <a:ext uri="{FF2B5EF4-FFF2-40B4-BE49-F238E27FC236}">
+                <a16:creationId xmlns:a16="http://schemas.microsoft.com/office/drawing/2014/main" id="{773D71AD-9DCC-4A73-A693-189FA85D9099}"/>
+              </a:ext>
+            </a:extLst>
+          </p:cNvPr>
+          <p:cNvGrpSpPr/>
+          <p:nvPr/>
+        </p:nvGrpSpPr>
+        <p:grpSpPr>
+          <a:xfrm>
+            <a:off x="10109059" y="4693967"/>
+            <a:ext cx="1556084" cy="705853"/>
+            <a:chOff x="10109059" y="4693967"/>
+            <a:chExt cx="1556084" cy="705853"/>
+          </a:xfrm>
+        </p:grpSpPr>
+        <p:sp>
+          <p:nvSpPr>
+            <p:cNvPr id="82" name="Rectangle 81">
+              <a:extLst>
+                <a:ext uri="{FF2B5EF4-FFF2-40B4-BE49-F238E27FC236}">
+                  <a16:creationId xmlns:a16="http://schemas.microsoft.com/office/drawing/2014/main" id="{03743344-CCE2-49D0-8A09-2FEE0250E651}"/>
+                </a:ext>
+              </a:extLst>
+            </p:cNvPr>
+            <p:cNvSpPr/>
+            <p:nvPr/>
+          </p:nvSpPr>
+          <p:spPr>
+            <a:xfrm>
+              <a:off x="10109059" y="4693967"/>
+              <a:ext cx="1556084" cy="705853"/>
+            </a:xfrm>
+            <a:prstGeom prst="rect">
+              <a:avLst/>
+            </a:prstGeom>
+          </p:spPr>
+          <p:style>
+            <a:lnRef idx="2">
+              <a:schemeClr val="accent4">
+                <a:shade val="50000"/>
+              </a:schemeClr>
+            </a:lnRef>
+            <a:fillRef idx="1">
+              <a:schemeClr val="accent4"/>
+            </a:fillRef>
+            <a:effectRef idx="0">
+              <a:schemeClr val="accent4"/>
+            </a:effectRef>
+            <a:fontRef idx="minor">
+              <a:schemeClr val="lt1"/>
+            </a:fontRef>
+          </p:style>
+          <p:txBody>
+            <a:bodyPr rtlCol="0" anchor="ctr"/>
+            <a:lstStyle/>
+            <a:p>
+              <a:pPr algn="ctr"/>
+              <a:endParaRPr lang="en-US"/>
+            </a:p>
+          </p:txBody>
+        </p:sp>
+        <p:sp>
+          <p:nvSpPr>
+            <p:cNvPr id="83" name="Rectangle 82">
+              <a:extLst>
+                <a:ext uri="{FF2B5EF4-FFF2-40B4-BE49-F238E27FC236}">
+                  <a16:creationId xmlns:a16="http://schemas.microsoft.com/office/drawing/2014/main" id="{C6C5C61F-4015-4BCC-8BF4-705E5C573FD3}"/>
+                </a:ext>
+              </a:extLst>
+            </p:cNvPr>
+            <p:cNvSpPr/>
+            <p:nvPr/>
+          </p:nvSpPr>
+          <p:spPr>
+            <a:xfrm>
+              <a:off x="10568267" y="4808263"/>
+              <a:ext cx="641684" cy="477253"/>
+            </a:xfrm>
+            <a:prstGeom prst="rect">
+              <a:avLst/>
+            </a:prstGeom>
+          </p:spPr>
+          <p:style>
+            <a:lnRef idx="2">
+              <a:schemeClr val="accent6">
+                <a:shade val="50000"/>
+              </a:schemeClr>
+            </a:lnRef>
+            <a:fillRef idx="1">
+              <a:schemeClr val="accent6"/>
+            </a:fillRef>
+            <a:effectRef idx="0">
+              <a:schemeClr val="accent6"/>
+            </a:effectRef>
+            <a:fontRef idx="minor">
+              <a:schemeClr val="lt1"/>
+            </a:fontRef>
+          </p:style>
+          <p:txBody>
+            <a:bodyPr rtlCol="0" anchor="ctr"/>
+            <a:lstStyle/>
+            <a:p>
+              <a:pPr algn="ctr"/>
+              <a:r>
+                <a:rPr lang="en-US" dirty="0"/>
+                <a:t>data</a:t>
+              </a:r>
+            </a:p>
+          </p:txBody>
+        </p:sp>
+        <p:sp>
+          <p:nvSpPr>
+            <p:cNvPr id="84" name="Rectangle 83">
+              <a:extLst>
+                <a:ext uri="{FF2B5EF4-FFF2-40B4-BE49-F238E27FC236}">
+                  <a16:creationId xmlns:a16="http://schemas.microsoft.com/office/drawing/2014/main" id="{B7D9CE72-1EBF-4D8E-841C-56BDCD03C4ED}"/>
+                </a:ext>
+              </a:extLst>
+            </p:cNvPr>
+            <p:cNvSpPr/>
+            <p:nvPr/>
+          </p:nvSpPr>
+          <p:spPr>
+            <a:xfrm>
+              <a:off x="11296699" y="4703275"/>
+              <a:ext cx="294741" cy="477253"/>
+            </a:xfrm>
+            <a:prstGeom prst="rect">
+              <a:avLst/>
+            </a:prstGeom>
+          </p:spPr>
+          <p:style>
+            <a:lnRef idx="2">
+              <a:schemeClr val="accent6">
+                <a:shade val="50000"/>
+              </a:schemeClr>
+            </a:lnRef>
+            <a:fillRef idx="1">
+              <a:schemeClr val="accent6"/>
+            </a:fillRef>
+            <a:effectRef idx="0">
+              <a:schemeClr val="accent6"/>
+            </a:effectRef>
+            <a:fontRef idx="minor">
+              <a:schemeClr val="lt1"/>
+            </a:fontRef>
+          </p:style>
+          <p:txBody>
+            <a:bodyPr rtlCol="0" anchor="ctr"/>
+            <a:lstStyle/>
+            <a:p>
+              <a:pPr algn="ctr"/>
+              <a:r>
+                <a:rPr lang="en-US" dirty="0"/>
+                <a:t>n</a:t>
+              </a:r>
+            </a:p>
+          </p:txBody>
+        </p:sp>
+        <p:sp>
+          <p:nvSpPr>
+            <p:cNvPr id="85" name="Rectangle 84">
+              <a:extLst>
+                <a:ext uri="{FF2B5EF4-FFF2-40B4-BE49-F238E27FC236}">
+                  <a16:creationId xmlns:a16="http://schemas.microsoft.com/office/drawing/2014/main" id="{7946C136-A296-4673-9319-AEEE10FECCE5}"/>
+                </a:ext>
+              </a:extLst>
+            </p:cNvPr>
+            <p:cNvSpPr/>
+            <p:nvPr/>
+          </p:nvSpPr>
+          <p:spPr>
+            <a:xfrm>
+              <a:off x="10175712" y="4905320"/>
+              <a:ext cx="305807" cy="477253"/>
+            </a:xfrm>
+            <a:prstGeom prst="rect">
+              <a:avLst/>
+            </a:prstGeom>
+          </p:spPr>
+          <p:style>
+            <a:lnRef idx="2">
+              <a:schemeClr val="accent6">
+                <a:shade val="50000"/>
+              </a:schemeClr>
+            </a:lnRef>
+            <a:fillRef idx="1">
+              <a:schemeClr val="accent6"/>
+            </a:fillRef>
+            <a:effectRef idx="0">
+              <a:schemeClr val="accent6"/>
+            </a:effectRef>
+            <a:fontRef idx="minor">
+              <a:schemeClr val="lt1"/>
+            </a:fontRef>
+          </p:style>
+          <p:txBody>
+            <a:bodyPr rtlCol="0" anchor="ctr"/>
+            <a:lstStyle/>
+            <a:p>
+              <a:pPr algn="ctr"/>
+              <a:r>
+                <a:rPr lang="en-US" dirty="0"/>
+                <a:t>p</a:t>
+              </a:r>
+            </a:p>
+          </p:txBody>
+        </p:sp>
+      </p:grpSp>
+      <p:sp>
+        <p:nvSpPr>
+          <p:cNvPr id="2" name="Title 1">
+            <a:extLst>
+              <a:ext uri="{FF2B5EF4-FFF2-40B4-BE49-F238E27FC236}">
+                <a16:creationId xmlns:a16="http://schemas.microsoft.com/office/drawing/2014/main" id="{29A0EE57-5003-4E19-9058-508477EBD5C8}"/>
+              </a:ext>
+            </a:extLst>
+          </p:cNvPr>
+          <p:cNvSpPr>
+            <a:spLocks noGrp="1"/>
+          </p:cNvSpPr>
+          <p:nvPr>
+            <p:ph type="title"/>
+          </p:nvPr>
+        </p:nvSpPr>
+        <p:spPr/>
+        <p:txBody>
+          <a:bodyPr/>
+          <a:lstStyle/>
+          <a:p>
+            <a:r>
+              <a:rPr lang="en-US" dirty="0"/>
+              <a:t>Double Liked List</a:t>
+            </a:r>
+          </a:p>
+        </p:txBody>
+      </p:sp>
+      <p:grpSp>
+        <p:nvGrpSpPr>
+          <p:cNvPr id="103" name="Group 102">
+            <a:extLst>
+              <a:ext uri="{FF2B5EF4-FFF2-40B4-BE49-F238E27FC236}">
+                <a16:creationId xmlns:a16="http://schemas.microsoft.com/office/drawing/2014/main" id="{DA8DCD65-B6CA-4791-845F-8A5DF3C267B7}"/>
+              </a:ext>
+            </a:extLst>
+          </p:cNvPr>
+          <p:cNvGrpSpPr/>
+          <p:nvPr/>
+        </p:nvGrpSpPr>
+        <p:grpSpPr>
+          <a:xfrm>
+            <a:off x="2047377" y="2722166"/>
+            <a:ext cx="2219799" cy="895819"/>
+            <a:chOff x="699840" y="3108500"/>
+            <a:chExt cx="2219799" cy="895819"/>
+          </a:xfrm>
+        </p:grpSpPr>
+        <p:sp>
+          <p:nvSpPr>
+            <p:cNvPr id="4" name="Rectangle 3">
+              <a:extLst>
+                <a:ext uri="{FF2B5EF4-FFF2-40B4-BE49-F238E27FC236}">
+                  <a16:creationId xmlns:a16="http://schemas.microsoft.com/office/drawing/2014/main" id="{4E6A1AFA-4796-46E7-ADD0-BD57BAE26078}"/>
+                </a:ext>
+              </a:extLst>
+            </p:cNvPr>
+            <p:cNvSpPr/>
+            <p:nvPr/>
+          </p:nvSpPr>
+          <p:spPr>
+            <a:xfrm>
+              <a:off x="699840" y="3108500"/>
+              <a:ext cx="2219799" cy="895819"/>
+            </a:xfrm>
+            <a:prstGeom prst="rect">
+              <a:avLst/>
+            </a:prstGeom>
+          </p:spPr>
+          <p:style>
+            <a:lnRef idx="2">
+              <a:schemeClr val="accent4">
+                <a:shade val="50000"/>
+              </a:schemeClr>
+            </a:lnRef>
+            <a:fillRef idx="1">
+              <a:schemeClr val="accent4"/>
+            </a:fillRef>
+            <a:effectRef idx="0">
+              <a:schemeClr val="accent4"/>
+            </a:effectRef>
+            <a:fontRef idx="minor">
+              <a:schemeClr val="lt1"/>
+            </a:fontRef>
+          </p:style>
+          <p:txBody>
+            <a:bodyPr rtlCol="0" anchor="ctr"/>
+            <a:lstStyle/>
+            <a:p>
+              <a:pPr algn="ctr"/>
+              <a:endParaRPr lang="en-US"/>
+            </a:p>
+          </p:txBody>
+        </p:sp>
+        <p:sp>
+          <p:nvSpPr>
+            <p:cNvPr id="19" name="Rectangle 18">
+              <a:extLst>
+                <a:ext uri="{FF2B5EF4-FFF2-40B4-BE49-F238E27FC236}">
+                  <a16:creationId xmlns:a16="http://schemas.microsoft.com/office/drawing/2014/main" id="{1C60B7D2-243C-476A-BCB3-7CA7CBC6343E}"/>
+                </a:ext>
+              </a:extLst>
+            </p:cNvPr>
+            <p:cNvSpPr/>
+            <p:nvPr/>
+          </p:nvSpPr>
+          <p:spPr>
+            <a:xfrm>
+              <a:off x="920419" y="3325559"/>
+              <a:ext cx="874295" cy="477253"/>
+            </a:xfrm>
+            <a:prstGeom prst="rect">
+              <a:avLst/>
+            </a:prstGeom>
+          </p:spPr>
+          <p:style>
+            <a:lnRef idx="2">
+              <a:schemeClr val="accent6">
+                <a:shade val="50000"/>
+              </a:schemeClr>
+            </a:lnRef>
+            <a:fillRef idx="1">
+              <a:schemeClr val="accent6"/>
+            </a:fillRef>
+            <a:effectRef idx="0">
+              <a:schemeClr val="accent6"/>
+            </a:effectRef>
+            <a:fontRef idx="minor">
+              <a:schemeClr val="lt1"/>
+            </a:fontRef>
+          </p:style>
+          <p:txBody>
+            <a:bodyPr rtlCol="0" anchor="ctr"/>
+            <a:lstStyle/>
+            <a:p>
+              <a:pPr algn="ctr"/>
+              <a:r>
+                <a:rPr lang="en-US" dirty="0"/>
+                <a:t>head</a:t>
+              </a:r>
+            </a:p>
+          </p:txBody>
+        </p:sp>
+        <p:sp>
+          <p:nvSpPr>
+            <p:cNvPr id="21" name="Rectangle 20">
+              <a:extLst>
+                <a:ext uri="{FF2B5EF4-FFF2-40B4-BE49-F238E27FC236}">
+                  <a16:creationId xmlns:a16="http://schemas.microsoft.com/office/drawing/2014/main" id="{7488C098-4929-4D38-955D-ED530D2EEE96}"/>
+                </a:ext>
+              </a:extLst>
+            </p:cNvPr>
+            <p:cNvSpPr/>
+            <p:nvPr/>
+          </p:nvSpPr>
+          <p:spPr>
+            <a:xfrm>
+              <a:off x="1794714" y="3325559"/>
+              <a:ext cx="874294" cy="477253"/>
+            </a:xfrm>
+            <a:prstGeom prst="rect">
+              <a:avLst/>
+            </a:prstGeom>
+          </p:spPr>
+          <p:style>
+            <a:lnRef idx="2">
+              <a:schemeClr val="accent6">
+                <a:shade val="50000"/>
+              </a:schemeClr>
+            </a:lnRef>
+            <a:fillRef idx="1">
+              <a:schemeClr val="accent6"/>
+            </a:fillRef>
+            <a:effectRef idx="0">
+              <a:schemeClr val="accent6"/>
+            </a:effectRef>
+            <a:fontRef idx="minor">
+              <a:schemeClr val="lt1"/>
+            </a:fontRef>
+          </p:style>
+          <p:txBody>
+            <a:bodyPr rtlCol="0" anchor="ctr"/>
+            <a:lstStyle/>
+            <a:p>
+              <a:pPr algn="ctr"/>
+              <a:r>
+                <a:rPr lang="en-US" dirty="0"/>
+                <a:t>tail</a:t>
+              </a:r>
+            </a:p>
+          </p:txBody>
+        </p:sp>
+      </p:grpSp>
+      <p:cxnSp>
+        <p:nvCxnSpPr>
+          <p:cNvPr id="22" name="Connector: Elbow 21">
+            <a:extLst>
+              <a:ext uri="{FF2B5EF4-FFF2-40B4-BE49-F238E27FC236}">
+                <a16:creationId xmlns:a16="http://schemas.microsoft.com/office/drawing/2014/main" id="{75BE9D8A-87BC-437F-801B-0204B682C045}"/>
+              </a:ext>
+            </a:extLst>
+          </p:cNvPr>
+          <p:cNvCxnSpPr>
+            <a:cxnSpLocks/>
+            <a:stCxn id="21" idx="3"/>
+            <a:endCxn id="82" idx="0"/>
+          </p:cNvCxnSpPr>
+          <p:nvPr/>
+        </p:nvCxnSpPr>
+        <p:spPr>
+          <a:xfrm>
+            <a:off x="4016545" y="3177852"/>
+            <a:ext cx="6870556" cy="1516115"/>
+          </a:xfrm>
+          <a:prstGeom prst="bentConnector2">
+            <a:avLst/>
+          </a:prstGeom>
+          <a:ln>
+            <a:tailEnd type="triangle"/>
+          </a:ln>
+        </p:spPr>
+        <p:style>
+          <a:lnRef idx="1">
+            <a:schemeClr val="accent1"/>
+          </a:lnRef>
+          <a:fillRef idx="0">
+            <a:schemeClr val="accent1"/>
+          </a:fillRef>
+          <a:effectRef idx="0">
+            <a:schemeClr val="accent1"/>
+          </a:effectRef>
+          <a:fontRef idx="minor">
+            <a:schemeClr val="tx1"/>
+          </a:fontRef>
+        </p:style>
+      </p:cxnSp>
+      <p:sp>
+        <p:nvSpPr>
+          <p:cNvPr id="23" name="Oval 22">
+            <a:extLst>
+              <a:ext uri="{FF2B5EF4-FFF2-40B4-BE49-F238E27FC236}">
+                <a16:creationId xmlns:a16="http://schemas.microsoft.com/office/drawing/2014/main" id="{E442EB35-27BC-48A4-AC6B-B79A8A1AAA17}"/>
+              </a:ext>
+            </a:extLst>
+          </p:cNvPr>
+          <p:cNvSpPr/>
+          <p:nvPr/>
+        </p:nvSpPr>
+        <p:spPr>
+          <a:xfrm>
+            <a:off x="978540" y="5841544"/>
+            <a:ext cx="874294" cy="676565"/>
+          </a:xfrm>
+          <a:prstGeom prst="ellipse">
+            <a:avLst/>
+          </a:prstGeom>
+        </p:spPr>
+        <p:style>
+          <a:lnRef idx="2">
+            <a:schemeClr val="accent1">
+              <a:shade val="50000"/>
+            </a:schemeClr>
+          </a:lnRef>
+          <a:fillRef idx="1">
+            <a:schemeClr val="accent1"/>
+          </a:fillRef>
+          <a:effectRef idx="0">
+            <a:schemeClr val="accent1"/>
+          </a:effectRef>
+          <a:fontRef idx="minor">
+            <a:schemeClr val="lt1"/>
+          </a:fontRef>
+        </p:style>
+        <p:txBody>
+          <a:bodyPr rtlCol="0" anchor="ctr"/>
+          <a:lstStyle/>
+          <a:p>
+            <a:pPr algn="ctr"/>
+            <a:r>
+              <a:rPr lang="en-US" dirty="0"/>
+              <a:t>1</a:t>
+            </a:r>
+          </a:p>
+        </p:txBody>
+      </p:sp>
+      <p:cxnSp>
+        <p:nvCxnSpPr>
+          <p:cNvPr id="24" name="Straight Arrow Connector 23">
+            <a:extLst>
+              <a:ext uri="{FF2B5EF4-FFF2-40B4-BE49-F238E27FC236}">
+                <a16:creationId xmlns:a16="http://schemas.microsoft.com/office/drawing/2014/main" id="{724D9D2B-505D-4A40-8097-B1438002E2E8}"/>
+              </a:ext>
+            </a:extLst>
+          </p:cNvPr>
+          <p:cNvCxnSpPr>
+            <a:stCxn id="7" idx="2"/>
+            <a:endCxn id="23" idx="0"/>
+          </p:cNvCxnSpPr>
+          <p:nvPr/>
+        </p:nvCxnSpPr>
+        <p:spPr>
+          <a:xfrm flipH="1">
+            <a:off x="1415687" y="5279145"/>
+            <a:ext cx="2008" cy="562399"/>
+          </a:xfrm>
+          <a:prstGeom prst="straightConnector1">
+            <a:avLst/>
+          </a:prstGeom>
+          <a:ln>
+            <a:tailEnd type="triangle"/>
+          </a:ln>
+        </p:spPr>
+        <p:style>
+          <a:lnRef idx="1">
+            <a:schemeClr val="accent1"/>
+          </a:lnRef>
+          <a:fillRef idx="0">
+            <a:schemeClr val="accent1"/>
+          </a:fillRef>
+          <a:effectRef idx="0">
+            <a:schemeClr val="accent1"/>
+          </a:effectRef>
+          <a:fontRef idx="minor">
+            <a:schemeClr val="tx1"/>
+          </a:fontRef>
+        </p:style>
+      </p:cxnSp>
+      <p:sp>
+        <p:nvSpPr>
+          <p:cNvPr id="25" name="Oval 24">
+            <a:extLst>
+              <a:ext uri="{FF2B5EF4-FFF2-40B4-BE49-F238E27FC236}">
+                <a16:creationId xmlns:a16="http://schemas.microsoft.com/office/drawing/2014/main" id="{BF44F9ED-3CD1-4431-965F-B87C2D9C4728}"/>
+              </a:ext>
+            </a:extLst>
+          </p:cNvPr>
+          <p:cNvSpPr/>
+          <p:nvPr/>
+        </p:nvSpPr>
+        <p:spPr>
+          <a:xfrm>
+            <a:off x="3298457" y="5891258"/>
+            <a:ext cx="874294" cy="676565"/>
+          </a:xfrm>
+          <a:prstGeom prst="ellipse">
+            <a:avLst/>
+          </a:prstGeom>
+        </p:spPr>
+        <p:style>
+          <a:lnRef idx="2">
+            <a:schemeClr val="accent1">
+              <a:shade val="50000"/>
+            </a:schemeClr>
+          </a:lnRef>
+          <a:fillRef idx="1">
+            <a:schemeClr val="accent1"/>
+          </a:fillRef>
+          <a:effectRef idx="0">
+            <a:schemeClr val="accent1"/>
+          </a:effectRef>
+          <a:fontRef idx="minor">
+            <a:schemeClr val="lt1"/>
+          </a:fontRef>
+        </p:style>
+        <p:txBody>
+          <a:bodyPr rtlCol="0" anchor="ctr"/>
+          <a:lstStyle/>
+          <a:p>
+            <a:pPr algn="ctr"/>
+            <a:r>
+              <a:rPr lang="en-US" dirty="0"/>
+              <a:t>2</a:t>
+            </a:r>
+          </a:p>
+        </p:txBody>
+      </p:sp>
+      <p:cxnSp>
+        <p:nvCxnSpPr>
+          <p:cNvPr id="26" name="Straight Arrow Connector 25">
+            <a:extLst>
+              <a:ext uri="{FF2B5EF4-FFF2-40B4-BE49-F238E27FC236}">
+                <a16:creationId xmlns:a16="http://schemas.microsoft.com/office/drawing/2014/main" id="{31C76812-A3BF-4B83-B5EF-F40A814C99D8}"/>
+              </a:ext>
+            </a:extLst>
+          </p:cNvPr>
+          <p:cNvCxnSpPr>
+            <a:cxnSpLocks/>
+            <a:stCxn id="68" idx="2"/>
+            <a:endCxn id="25" idx="0"/>
+          </p:cNvCxnSpPr>
+          <p:nvPr/>
+        </p:nvCxnSpPr>
+        <p:spPr>
+          <a:xfrm>
+            <a:off x="3728660" y="5281504"/>
+            <a:ext cx="6944" cy="609754"/>
+          </a:xfrm>
+          <a:prstGeom prst="straightConnector1">
+            <a:avLst/>
+          </a:prstGeom>
+          <a:ln>
+            <a:tailEnd type="triangle"/>
+          </a:ln>
+        </p:spPr>
+        <p:style>
+          <a:lnRef idx="1">
+            <a:schemeClr val="accent1"/>
+          </a:lnRef>
+          <a:fillRef idx="0">
+            <a:schemeClr val="accent1"/>
+          </a:fillRef>
+          <a:effectRef idx="0">
+            <a:schemeClr val="accent1"/>
+          </a:effectRef>
+          <a:fontRef idx="minor">
+            <a:schemeClr val="tx1"/>
+          </a:fontRef>
+        </p:style>
+      </p:cxnSp>
+      <p:sp>
+        <p:nvSpPr>
+          <p:cNvPr id="27" name="Oval 26">
+            <a:extLst>
+              <a:ext uri="{FF2B5EF4-FFF2-40B4-BE49-F238E27FC236}">
+                <a16:creationId xmlns:a16="http://schemas.microsoft.com/office/drawing/2014/main" id="{F1D08015-8429-40D0-9A44-5AFCC3E67D52}"/>
+              </a:ext>
+            </a:extLst>
+          </p:cNvPr>
+          <p:cNvSpPr/>
+          <p:nvPr/>
+        </p:nvSpPr>
+        <p:spPr>
+          <a:xfrm>
+            <a:off x="8221655" y="5909586"/>
+            <a:ext cx="874294" cy="676565"/>
+          </a:xfrm>
+          <a:prstGeom prst="ellipse">
+            <a:avLst/>
+          </a:prstGeom>
+        </p:spPr>
+        <p:style>
+          <a:lnRef idx="2">
+            <a:schemeClr val="accent1">
+              <a:shade val="50000"/>
+            </a:schemeClr>
+          </a:lnRef>
+          <a:fillRef idx="1">
+            <a:schemeClr val="accent1"/>
+          </a:fillRef>
+          <a:effectRef idx="0">
+            <a:schemeClr val="accent1"/>
+          </a:effectRef>
+          <a:fontRef idx="minor">
+            <a:schemeClr val="lt1"/>
+          </a:fontRef>
+        </p:style>
+        <p:txBody>
+          <a:bodyPr rtlCol="0" anchor="ctr"/>
+          <a:lstStyle/>
+          <a:p>
+            <a:pPr algn="ctr"/>
+            <a:r>
+              <a:rPr lang="en-US" dirty="0"/>
+              <a:t>4</a:t>
+            </a:r>
+          </a:p>
+        </p:txBody>
+      </p:sp>
+      <p:cxnSp>
+        <p:nvCxnSpPr>
+          <p:cNvPr id="28" name="Straight Arrow Connector 27">
+            <a:extLst>
+              <a:ext uri="{FF2B5EF4-FFF2-40B4-BE49-F238E27FC236}">
+                <a16:creationId xmlns:a16="http://schemas.microsoft.com/office/drawing/2014/main" id="{B5F55E44-D1C3-4B46-B037-4A75730244F9}"/>
+              </a:ext>
+            </a:extLst>
+          </p:cNvPr>
+          <p:cNvCxnSpPr>
+            <a:cxnSpLocks/>
+            <a:endCxn id="27" idx="0"/>
+          </p:cNvCxnSpPr>
+          <p:nvPr/>
+        </p:nvCxnSpPr>
+        <p:spPr>
+          <a:xfrm>
+            <a:off x="8658802" y="5296623"/>
+            <a:ext cx="0" cy="612963"/>
+          </a:xfrm>
+          <a:prstGeom prst="straightConnector1">
+            <a:avLst/>
+          </a:prstGeom>
+          <a:ln>
+            <a:tailEnd type="triangle"/>
+          </a:ln>
+        </p:spPr>
+        <p:style>
+          <a:lnRef idx="1">
+            <a:schemeClr val="accent1"/>
+          </a:lnRef>
+          <a:fillRef idx="0">
+            <a:schemeClr val="accent1"/>
+          </a:fillRef>
+          <a:effectRef idx="0">
+            <a:schemeClr val="accent1"/>
+          </a:effectRef>
+          <a:fontRef idx="minor">
+            <a:schemeClr val="tx1"/>
+          </a:fontRef>
+        </p:style>
+      </p:cxnSp>
+      <p:sp>
+        <p:nvSpPr>
+          <p:cNvPr id="33" name="Oval 32">
+            <a:extLst>
+              <a:ext uri="{FF2B5EF4-FFF2-40B4-BE49-F238E27FC236}">
+                <a16:creationId xmlns:a16="http://schemas.microsoft.com/office/drawing/2014/main" id="{74C2BFFF-73B6-4935-91BA-2C9D886EA6FE}"/>
+              </a:ext>
+            </a:extLst>
+          </p:cNvPr>
+          <p:cNvSpPr/>
+          <p:nvPr/>
+        </p:nvSpPr>
+        <p:spPr>
+          <a:xfrm>
+            <a:off x="10485495" y="5900488"/>
+            <a:ext cx="874294" cy="676565"/>
+          </a:xfrm>
+          <a:prstGeom prst="ellipse">
+            <a:avLst/>
+          </a:prstGeom>
+        </p:spPr>
+        <p:style>
+          <a:lnRef idx="2">
+            <a:schemeClr val="accent1">
+              <a:shade val="50000"/>
+            </a:schemeClr>
+          </a:lnRef>
+          <a:fillRef idx="1">
+            <a:schemeClr val="accent1"/>
+          </a:fillRef>
+          <a:effectRef idx="0">
+            <a:schemeClr val="accent1"/>
+          </a:effectRef>
+          <a:fontRef idx="minor">
+            <a:schemeClr val="lt1"/>
+          </a:fontRef>
+        </p:style>
+        <p:txBody>
+          <a:bodyPr rtlCol="0" anchor="ctr"/>
+          <a:lstStyle/>
+          <a:p>
+            <a:pPr algn="ctr"/>
+            <a:r>
+              <a:rPr lang="en-US" dirty="0"/>
+              <a:t>5</a:t>
+            </a:r>
+          </a:p>
+        </p:txBody>
+      </p:sp>
+      <p:cxnSp>
+        <p:nvCxnSpPr>
+          <p:cNvPr id="34" name="Straight Arrow Connector 33">
+            <a:extLst>
+              <a:ext uri="{FF2B5EF4-FFF2-40B4-BE49-F238E27FC236}">
+                <a16:creationId xmlns:a16="http://schemas.microsoft.com/office/drawing/2014/main" id="{C14F4755-D2EB-4FB5-90DC-CF69B635CCCC}"/>
+              </a:ext>
+            </a:extLst>
+          </p:cNvPr>
+          <p:cNvCxnSpPr>
+            <a:cxnSpLocks/>
+            <a:endCxn id="33" idx="0"/>
+          </p:cNvCxnSpPr>
+          <p:nvPr/>
+        </p:nvCxnSpPr>
+        <p:spPr>
+          <a:xfrm>
+            <a:off x="10922642" y="5287525"/>
+            <a:ext cx="0" cy="612963"/>
+          </a:xfrm>
+          <a:prstGeom prst="straightConnector1">
+            <a:avLst/>
+          </a:prstGeom>
+          <a:ln>
+            <a:tailEnd type="triangle"/>
+          </a:ln>
+        </p:spPr>
+        <p:style>
+          <a:lnRef idx="1">
+            <a:schemeClr val="accent1"/>
+          </a:lnRef>
+          <a:fillRef idx="0">
+            <a:schemeClr val="accent1"/>
+          </a:fillRef>
+          <a:effectRef idx="0">
+            <a:schemeClr val="accent1"/>
+          </a:effectRef>
+          <a:fontRef idx="minor">
+            <a:schemeClr val="tx1"/>
+          </a:fontRef>
+        </p:style>
+      </p:cxnSp>
+      <p:sp>
+        <p:nvSpPr>
+          <p:cNvPr id="40" name="Oval 39">
+            <a:extLst>
+              <a:ext uri="{FF2B5EF4-FFF2-40B4-BE49-F238E27FC236}">
+                <a16:creationId xmlns:a16="http://schemas.microsoft.com/office/drawing/2014/main" id="{A99FB51B-DF21-464F-84F9-5B30DD626575}"/>
+              </a:ext>
+            </a:extLst>
+          </p:cNvPr>
+          <p:cNvSpPr/>
+          <p:nvPr/>
+        </p:nvSpPr>
+        <p:spPr>
+          <a:xfrm>
+            <a:off x="5708344" y="5841523"/>
+            <a:ext cx="874294" cy="676565"/>
+          </a:xfrm>
+          <a:prstGeom prst="ellipse">
+            <a:avLst/>
+          </a:prstGeom>
+        </p:spPr>
+        <p:style>
+          <a:lnRef idx="2">
+            <a:schemeClr val="accent1">
+              <a:shade val="50000"/>
+            </a:schemeClr>
+          </a:lnRef>
+          <a:fillRef idx="1">
+            <a:schemeClr val="accent1"/>
+          </a:fillRef>
+          <a:effectRef idx="0">
+            <a:schemeClr val="accent1"/>
+          </a:effectRef>
+          <a:fontRef idx="minor">
+            <a:schemeClr val="lt1"/>
+          </a:fontRef>
+        </p:style>
+        <p:txBody>
+          <a:bodyPr rtlCol="0" anchor="ctr"/>
+          <a:lstStyle/>
+          <a:p>
+            <a:pPr algn="ctr"/>
+            <a:r>
+              <a:rPr lang="en-US" dirty="0"/>
+              <a:t>3</a:t>
+            </a:r>
+          </a:p>
+        </p:txBody>
+      </p:sp>
+      <p:cxnSp>
+        <p:nvCxnSpPr>
+          <p:cNvPr id="41" name="Straight Arrow Connector 40">
+            <a:extLst>
+              <a:ext uri="{FF2B5EF4-FFF2-40B4-BE49-F238E27FC236}">
+                <a16:creationId xmlns:a16="http://schemas.microsoft.com/office/drawing/2014/main" id="{C465E081-02CF-4DF4-B3C9-D7CC582CCEB3}"/>
+              </a:ext>
+            </a:extLst>
+          </p:cNvPr>
+          <p:cNvCxnSpPr>
+            <a:cxnSpLocks/>
+            <a:stCxn id="73" idx="2"/>
+            <a:endCxn id="40" idx="0"/>
+          </p:cNvCxnSpPr>
+          <p:nvPr/>
+        </p:nvCxnSpPr>
+        <p:spPr>
+          <a:xfrm>
+            <a:off x="6132562" y="5279140"/>
+            <a:ext cx="12929" cy="562383"/>
+          </a:xfrm>
+          <a:prstGeom prst="straightConnector1">
+            <a:avLst/>
+          </a:prstGeom>
+          <a:ln>
+            <a:tailEnd type="triangle"/>
+          </a:ln>
+        </p:spPr>
+        <p:style>
+          <a:lnRef idx="1">
+            <a:schemeClr val="accent1"/>
+          </a:lnRef>
+          <a:fillRef idx="0">
+            <a:schemeClr val="accent1"/>
+          </a:fillRef>
+          <a:effectRef idx="0">
+            <a:schemeClr val="accent1"/>
+          </a:effectRef>
+          <a:fontRef idx="minor">
+            <a:schemeClr val="tx1"/>
+          </a:fontRef>
+        </p:style>
+      </p:cxnSp>
+      <p:sp>
+        <p:nvSpPr>
+          <p:cNvPr id="46" name="Rectangle 45">
+            <a:extLst>
+              <a:ext uri="{FF2B5EF4-FFF2-40B4-BE49-F238E27FC236}">
+                <a16:creationId xmlns:a16="http://schemas.microsoft.com/office/drawing/2014/main" id="{C0844BE8-90A7-405B-8A50-6E4B3D4C2E54}"/>
+              </a:ext>
+            </a:extLst>
+          </p:cNvPr>
+          <p:cNvSpPr/>
+          <p:nvPr/>
+        </p:nvSpPr>
+        <p:spPr>
+          <a:xfrm>
+            <a:off x="10485494" y="452581"/>
+            <a:ext cx="874295" cy="477253"/>
+          </a:xfrm>
+          <a:prstGeom prst="rect">
+            <a:avLst/>
+          </a:prstGeom>
+        </p:spPr>
+        <p:style>
+          <a:lnRef idx="1">
+            <a:schemeClr val="accent2"/>
+          </a:lnRef>
+          <a:fillRef idx="2">
+            <a:schemeClr val="accent2"/>
+          </a:fillRef>
+          <a:effectRef idx="1">
+            <a:schemeClr val="accent2"/>
+          </a:effectRef>
+          <a:fontRef idx="minor">
+            <a:schemeClr val="dk1"/>
+          </a:fontRef>
+        </p:style>
+        <p:txBody>
+          <a:bodyPr rtlCol="0" anchor="ctr"/>
+          <a:lstStyle/>
+          <a:p>
+            <a:pPr algn="ctr"/>
+            <a:r>
+              <a:rPr lang="en-US" dirty="0"/>
+              <a:t>child</a:t>
+            </a:r>
+          </a:p>
+        </p:txBody>
+      </p:sp>
+      <p:cxnSp>
+        <p:nvCxnSpPr>
+          <p:cNvPr id="47" name="Straight Arrow Connector 46">
+            <a:extLst>
+              <a:ext uri="{FF2B5EF4-FFF2-40B4-BE49-F238E27FC236}">
+                <a16:creationId xmlns:a16="http://schemas.microsoft.com/office/drawing/2014/main" id="{B178E777-99C3-4C3F-B056-757FC45ACCB3}"/>
+              </a:ext>
+            </a:extLst>
+          </p:cNvPr>
+          <p:cNvCxnSpPr>
+            <a:cxnSpLocks/>
+            <a:stCxn id="46" idx="2"/>
+          </p:cNvCxnSpPr>
+          <p:nvPr/>
+        </p:nvCxnSpPr>
+        <p:spPr>
+          <a:xfrm flipH="1">
+            <a:off x="10753278" y="929834"/>
+            <a:ext cx="169364" cy="1376493"/>
+          </a:xfrm>
+          <a:prstGeom prst="straightConnector1">
+            <a:avLst/>
+          </a:prstGeom>
+          <a:ln>
+            <a:tailEnd type="triangle"/>
+          </a:ln>
+        </p:spPr>
+        <p:style>
+          <a:lnRef idx="1">
+            <a:schemeClr val="accent1"/>
+          </a:lnRef>
+          <a:fillRef idx="0">
+            <a:schemeClr val="accent1"/>
+          </a:fillRef>
+          <a:effectRef idx="0">
+            <a:schemeClr val="accent1"/>
+          </a:effectRef>
+          <a:fontRef idx="minor">
+            <a:schemeClr val="tx1"/>
+          </a:fontRef>
+        </p:style>
+      </p:cxnSp>
+      <p:sp>
+        <p:nvSpPr>
+          <p:cNvPr id="48" name="Rectangle 47">
+            <a:extLst>
+              <a:ext uri="{FF2B5EF4-FFF2-40B4-BE49-F238E27FC236}">
+                <a16:creationId xmlns:a16="http://schemas.microsoft.com/office/drawing/2014/main" id="{54C45F5B-B39E-426E-9D28-B49C8D361EB6}"/>
+              </a:ext>
+            </a:extLst>
+          </p:cNvPr>
+          <p:cNvSpPr/>
+          <p:nvPr/>
+        </p:nvSpPr>
+        <p:spPr>
+          <a:xfrm>
+            <a:off x="1173082" y="1720979"/>
+            <a:ext cx="874295" cy="477253"/>
+          </a:xfrm>
+          <a:prstGeom prst="rect">
+            <a:avLst/>
+          </a:prstGeom>
+        </p:spPr>
+        <p:style>
+          <a:lnRef idx="1">
+            <a:schemeClr val="accent2"/>
+          </a:lnRef>
+          <a:fillRef idx="2">
+            <a:schemeClr val="accent2"/>
+          </a:fillRef>
+          <a:effectRef idx="1">
+            <a:schemeClr val="accent2"/>
+          </a:effectRef>
+          <a:fontRef idx="minor">
+            <a:schemeClr val="dk1"/>
+          </a:fontRef>
+        </p:style>
+        <p:txBody>
+          <a:bodyPr rtlCol="0" anchor="ctr"/>
+          <a:lstStyle/>
+          <a:p>
+            <a:pPr algn="ctr"/>
+            <a:r>
+              <a:rPr lang="en-US" dirty="0"/>
+              <a:t>this</a:t>
+            </a:r>
+          </a:p>
+        </p:txBody>
+      </p:sp>
+      <p:cxnSp>
+        <p:nvCxnSpPr>
+          <p:cNvPr id="49" name="Straight Arrow Connector 48">
+            <a:extLst>
+              <a:ext uri="{FF2B5EF4-FFF2-40B4-BE49-F238E27FC236}">
+                <a16:creationId xmlns:a16="http://schemas.microsoft.com/office/drawing/2014/main" id="{FB85603C-5936-432F-92E9-CABD24641697}"/>
+              </a:ext>
+            </a:extLst>
+          </p:cNvPr>
+          <p:cNvCxnSpPr>
+            <a:cxnSpLocks/>
+            <a:stCxn id="48" idx="2"/>
+            <a:endCxn id="4" idx="0"/>
+          </p:cNvCxnSpPr>
+          <p:nvPr/>
+        </p:nvCxnSpPr>
+        <p:spPr>
+          <a:xfrm>
+            <a:off x="1610230" y="2198232"/>
+            <a:ext cx="1547047" cy="523934"/>
+          </a:xfrm>
+          <a:prstGeom prst="straightConnector1">
+            <a:avLst/>
+          </a:prstGeom>
+          <a:ln>
+            <a:tailEnd type="triangle"/>
+          </a:ln>
+        </p:spPr>
+        <p:style>
+          <a:lnRef idx="1">
+            <a:schemeClr val="accent1"/>
+          </a:lnRef>
+          <a:fillRef idx="0">
+            <a:schemeClr val="accent1"/>
+          </a:fillRef>
+          <a:effectRef idx="0">
+            <a:schemeClr val="accent1"/>
+          </a:effectRef>
+          <a:fontRef idx="minor">
+            <a:schemeClr val="tx1"/>
+          </a:fontRef>
+        </p:style>
+      </p:cxnSp>
+      <p:cxnSp>
+        <p:nvCxnSpPr>
+          <p:cNvPr id="17" name="Straight Arrow Connector 16">
+            <a:extLst>
+              <a:ext uri="{FF2B5EF4-FFF2-40B4-BE49-F238E27FC236}">
+                <a16:creationId xmlns:a16="http://schemas.microsoft.com/office/drawing/2014/main" id="{96B33B55-3D40-4940-A09E-1D8696AA960F}"/>
+              </a:ext>
+            </a:extLst>
+          </p:cNvPr>
+          <p:cNvCxnSpPr>
+            <a:cxnSpLocks/>
+            <a:stCxn id="8" idx="3"/>
+            <a:endCxn id="67" idx="1"/>
+          </p:cNvCxnSpPr>
+          <p:nvPr/>
+        </p:nvCxnSpPr>
+        <p:spPr>
+          <a:xfrm>
+            <a:off x="2118705" y="4926218"/>
+            <a:ext cx="829905" cy="116664"/>
+          </a:xfrm>
+          <a:prstGeom prst="straightConnector1">
+            <a:avLst/>
+          </a:prstGeom>
+          <a:ln>
+            <a:tailEnd type="triangle"/>
+          </a:ln>
+        </p:spPr>
+        <p:style>
+          <a:lnRef idx="1">
+            <a:schemeClr val="accent1"/>
+          </a:lnRef>
+          <a:fillRef idx="0">
+            <a:schemeClr val="accent1"/>
+          </a:fillRef>
+          <a:effectRef idx="0">
+            <a:schemeClr val="accent1"/>
+          </a:effectRef>
+          <a:fontRef idx="minor">
+            <a:schemeClr val="tx1"/>
+          </a:fontRef>
+        </p:style>
+      </p:cxnSp>
+      <p:cxnSp>
+        <p:nvCxnSpPr>
+          <p:cNvPr id="35" name="Straight Arrow Connector 34">
+            <a:extLst>
+              <a:ext uri="{FF2B5EF4-FFF2-40B4-BE49-F238E27FC236}">
+                <a16:creationId xmlns:a16="http://schemas.microsoft.com/office/drawing/2014/main" id="{97C1CE05-8896-4400-B6F6-31F491977FA2}"/>
+              </a:ext>
+            </a:extLst>
+          </p:cNvPr>
+          <p:cNvCxnSpPr>
+            <a:cxnSpLocks/>
+            <a:stCxn id="79" idx="3"/>
+            <a:endCxn id="82" idx="1"/>
+          </p:cNvCxnSpPr>
+          <p:nvPr/>
+        </p:nvCxnSpPr>
+        <p:spPr>
+          <a:xfrm>
+            <a:off x="9224087" y="4950790"/>
+            <a:ext cx="884972" cy="96104"/>
+          </a:xfrm>
+          <a:prstGeom prst="straightConnector1">
+            <a:avLst/>
+          </a:prstGeom>
+          <a:ln>
+            <a:tailEnd type="triangle"/>
+          </a:ln>
+        </p:spPr>
+        <p:style>
+          <a:lnRef idx="1">
+            <a:schemeClr val="accent1"/>
+          </a:lnRef>
+          <a:fillRef idx="0">
+            <a:schemeClr val="accent1"/>
+          </a:fillRef>
+          <a:effectRef idx="0">
+            <a:schemeClr val="accent1"/>
+          </a:effectRef>
+          <a:fontRef idx="minor">
+            <a:schemeClr val="tx1"/>
+          </a:fontRef>
+        </p:style>
+      </p:cxnSp>
+      <p:cxnSp>
+        <p:nvCxnSpPr>
+          <p:cNvPr id="42" name="Straight Arrow Connector 41">
+            <a:extLst>
+              <a:ext uri="{FF2B5EF4-FFF2-40B4-BE49-F238E27FC236}">
+                <a16:creationId xmlns:a16="http://schemas.microsoft.com/office/drawing/2014/main" id="{35A7C24F-D1F6-4CB2-8036-73B938FB1A19}"/>
+              </a:ext>
+            </a:extLst>
+          </p:cNvPr>
+          <p:cNvCxnSpPr>
+            <a:cxnSpLocks/>
+            <a:stCxn id="74" idx="3"/>
+            <a:endCxn id="77" idx="1"/>
+          </p:cNvCxnSpPr>
+          <p:nvPr/>
+        </p:nvCxnSpPr>
+        <p:spPr>
+          <a:xfrm>
+            <a:off x="6834992" y="4926218"/>
+            <a:ext cx="906615" cy="129774"/>
+          </a:xfrm>
+          <a:prstGeom prst="straightConnector1">
+            <a:avLst/>
+          </a:prstGeom>
+          <a:ln>
+            <a:tailEnd type="triangle"/>
+          </a:ln>
+        </p:spPr>
+        <p:style>
+          <a:lnRef idx="1">
+            <a:schemeClr val="accent1"/>
+          </a:lnRef>
+          <a:fillRef idx="0">
+            <a:schemeClr val="accent1"/>
+          </a:fillRef>
+          <a:effectRef idx="0">
+            <a:schemeClr val="accent1"/>
+          </a:effectRef>
+          <a:fontRef idx="minor">
+            <a:schemeClr val="tx1"/>
+          </a:fontRef>
+        </p:style>
+      </p:cxnSp>
+      <p:cxnSp>
+        <p:nvCxnSpPr>
+          <p:cNvPr id="18" name="Straight Arrow Connector 17">
+            <a:extLst>
+              <a:ext uri="{FF2B5EF4-FFF2-40B4-BE49-F238E27FC236}">
+                <a16:creationId xmlns:a16="http://schemas.microsoft.com/office/drawing/2014/main" id="{7D02A6B7-5D54-4795-9028-C7650AE30A58}"/>
+              </a:ext>
+            </a:extLst>
+          </p:cNvPr>
+          <p:cNvCxnSpPr>
+            <a:cxnSpLocks/>
+            <a:stCxn id="69" idx="3"/>
+            <a:endCxn id="72" idx="1"/>
+          </p:cNvCxnSpPr>
+          <p:nvPr/>
+        </p:nvCxnSpPr>
+        <p:spPr>
+          <a:xfrm>
+            <a:off x="4429685" y="4941692"/>
+            <a:ext cx="922827" cy="98826"/>
+          </a:xfrm>
+          <a:prstGeom prst="straightConnector1">
+            <a:avLst/>
+          </a:prstGeom>
+          <a:ln>
+            <a:tailEnd type="triangle"/>
+          </a:ln>
+        </p:spPr>
+        <p:style>
+          <a:lnRef idx="1">
+            <a:schemeClr val="accent1"/>
+          </a:lnRef>
+          <a:fillRef idx="0">
+            <a:schemeClr val="accent1"/>
+          </a:fillRef>
+          <a:effectRef idx="0">
+            <a:schemeClr val="accent1"/>
+          </a:effectRef>
+          <a:fontRef idx="minor">
+            <a:schemeClr val="tx1"/>
+          </a:fontRef>
+        </p:style>
+      </p:cxnSp>
+      <p:cxnSp>
+        <p:nvCxnSpPr>
+          <p:cNvPr id="110" name="Straight Arrow Connector 109">
+            <a:extLst>
+              <a:ext uri="{FF2B5EF4-FFF2-40B4-BE49-F238E27FC236}">
+                <a16:creationId xmlns:a16="http://schemas.microsoft.com/office/drawing/2014/main" id="{1B9EB785-0B72-44B3-951A-DCA14CF177AB}"/>
+              </a:ext>
+            </a:extLst>
+          </p:cNvPr>
+          <p:cNvCxnSpPr>
+            <a:cxnSpLocks/>
+            <a:stCxn id="70" idx="1"/>
+            <a:endCxn id="6" idx="3"/>
+          </p:cNvCxnSpPr>
+          <p:nvPr/>
+        </p:nvCxnSpPr>
+        <p:spPr>
+          <a:xfrm flipH="1" flipV="1">
+            <a:off x="2193729" y="5040523"/>
+            <a:ext cx="821435" cy="114295"/>
+          </a:xfrm>
+          <a:prstGeom prst="straightConnector1">
+            <a:avLst/>
+          </a:prstGeom>
+          <a:ln>
+            <a:tailEnd type="triangle"/>
+          </a:ln>
+        </p:spPr>
+        <p:style>
+          <a:lnRef idx="1">
+            <a:schemeClr val="accent1"/>
+          </a:lnRef>
+          <a:fillRef idx="0">
+            <a:schemeClr val="accent1"/>
+          </a:fillRef>
+          <a:effectRef idx="0">
+            <a:schemeClr val="accent1"/>
+          </a:effectRef>
+          <a:fontRef idx="minor">
+            <a:schemeClr val="tx1"/>
+          </a:fontRef>
+        </p:style>
+      </p:cxnSp>
+      <p:cxnSp>
+        <p:nvCxnSpPr>
+          <p:cNvPr id="122" name="Connector: Elbow 121">
+            <a:extLst>
+              <a:ext uri="{FF2B5EF4-FFF2-40B4-BE49-F238E27FC236}">
+                <a16:creationId xmlns:a16="http://schemas.microsoft.com/office/drawing/2014/main" id="{C323D4EF-3DD4-4E87-95E3-2E79DAB2B632}"/>
+              </a:ext>
+            </a:extLst>
+          </p:cNvPr>
+          <p:cNvCxnSpPr>
+            <a:cxnSpLocks/>
+            <a:stCxn id="19" idx="1"/>
+            <a:endCxn id="6" idx="0"/>
+          </p:cNvCxnSpPr>
+          <p:nvPr/>
+        </p:nvCxnSpPr>
+        <p:spPr>
+          <a:xfrm rot="10800000" flipV="1">
+            <a:off x="1415688" y="3177852"/>
+            <a:ext cx="852269" cy="1509744"/>
+          </a:xfrm>
+          <a:prstGeom prst="bentConnector2">
+            <a:avLst/>
+          </a:prstGeom>
+          <a:ln>
+            <a:tailEnd type="triangle"/>
+          </a:ln>
+        </p:spPr>
+        <p:style>
+          <a:lnRef idx="1">
+            <a:schemeClr val="accent1"/>
+          </a:lnRef>
+          <a:fillRef idx="0">
+            <a:schemeClr val="accent1"/>
+          </a:fillRef>
+          <a:effectRef idx="0">
+            <a:schemeClr val="accent1"/>
+          </a:effectRef>
+          <a:fontRef idx="minor">
+            <a:schemeClr val="tx1"/>
+          </a:fontRef>
+        </p:style>
+      </p:cxnSp>
+      <p:cxnSp>
+        <p:nvCxnSpPr>
+          <p:cNvPr id="124" name="Straight Arrow Connector 123">
+            <a:extLst>
+              <a:ext uri="{FF2B5EF4-FFF2-40B4-BE49-F238E27FC236}">
+                <a16:creationId xmlns:a16="http://schemas.microsoft.com/office/drawing/2014/main" id="{54F75EEE-6F0D-4A18-BC25-3C2D0ACEEA9E}"/>
+              </a:ext>
+            </a:extLst>
+          </p:cNvPr>
+          <p:cNvCxnSpPr>
+            <a:cxnSpLocks/>
+            <a:stCxn id="75" idx="1"/>
+            <a:endCxn id="67" idx="3"/>
+          </p:cNvCxnSpPr>
+          <p:nvPr/>
+        </p:nvCxnSpPr>
+        <p:spPr>
+          <a:xfrm flipH="1" flipV="1">
+            <a:off x="4504694" y="5042882"/>
+            <a:ext cx="914372" cy="104072"/>
+          </a:xfrm>
+          <a:prstGeom prst="straightConnector1">
+            <a:avLst/>
+          </a:prstGeom>
+          <a:ln>
+            <a:tailEnd type="triangle"/>
+          </a:ln>
+        </p:spPr>
+        <p:style>
+          <a:lnRef idx="1">
+            <a:schemeClr val="accent1"/>
+          </a:lnRef>
+          <a:fillRef idx="0">
+            <a:schemeClr val="accent1"/>
+          </a:fillRef>
+          <a:effectRef idx="0">
+            <a:schemeClr val="accent1"/>
+          </a:effectRef>
+          <a:fontRef idx="minor">
+            <a:schemeClr val="tx1"/>
+          </a:fontRef>
+        </p:style>
+      </p:cxnSp>
+      <p:cxnSp>
+        <p:nvCxnSpPr>
+          <p:cNvPr id="126" name="Straight Arrow Connector 125">
+            <a:extLst>
+              <a:ext uri="{FF2B5EF4-FFF2-40B4-BE49-F238E27FC236}">
+                <a16:creationId xmlns:a16="http://schemas.microsoft.com/office/drawing/2014/main" id="{9EB70110-A4AB-4CE9-B94C-2057F06D8661}"/>
+              </a:ext>
+            </a:extLst>
+          </p:cNvPr>
+          <p:cNvCxnSpPr>
+            <a:cxnSpLocks/>
+            <a:stCxn id="80" idx="1"/>
+            <a:endCxn id="72" idx="3"/>
+          </p:cNvCxnSpPr>
+          <p:nvPr/>
+        </p:nvCxnSpPr>
+        <p:spPr>
+          <a:xfrm flipH="1" flipV="1">
+            <a:off x="6908596" y="5040518"/>
+            <a:ext cx="899565" cy="129774"/>
+          </a:xfrm>
+          <a:prstGeom prst="straightConnector1">
+            <a:avLst/>
+          </a:prstGeom>
+          <a:ln>
+            <a:tailEnd type="triangle"/>
+          </a:ln>
+        </p:spPr>
+        <p:style>
+          <a:lnRef idx="1">
+            <a:schemeClr val="accent1"/>
+          </a:lnRef>
+          <a:fillRef idx="0">
+            <a:schemeClr val="accent1"/>
+          </a:fillRef>
+          <a:effectRef idx="0">
+            <a:schemeClr val="accent1"/>
+          </a:effectRef>
+          <a:fontRef idx="minor">
+            <a:schemeClr val="tx1"/>
+          </a:fontRef>
+        </p:style>
+      </p:cxnSp>
+      <p:cxnSp>
+        <p:nvCxnSpPr>
+          <p:cNvPr id="128" name="Straight Arrow Connector 127">
+            <a:extLst>
+              <a:ext uri="{FF2B5EF4-FFF2-40B4-BE49-F238E27FC236}">
+                <a16:creationId xmlns:a16="http://schemas.microsoft.com/office/drawing/2014/main" id="{0C34C9B0-4D4B-4FF3-9242-69E2675E6162}"/>
+              </a:ext>
+            </a:extLst>
+          </p:cNvPr>
+          <p:cNvCxnSpPr>
+            <a:stCxn id="85" idx="1"/>
+            <a:endCxn id="77" idx="3"/>
+          </p:cNvCxnSpPr>
+          <p:nvPr/>
+        </p:nvCxnSpPr>
+        <p:spPr>
+          <a:xfrm flipH="1" flipV="1">
+            <a:off x="9297691" y="5055992"/>
+            <a:ext cx="878021" cy="87955"/>
+          </a:xfrm>
+          <a:prstGeom prst="straightConnector1">
+            <a:avLst/>
+          </a:prstGeom>
+          <a:ln>
+            <a:tailEnd type="triangle"/>
+          </a:ln>
+        </p:spPr>
+        <p:style>
+          <a:lnRef idx="1">
+            <a:schemeClr val="accent1"/>
+          </a:lnRef>
+          <a:fillRef idx="0">
+            <a:schemeClr val="accent1"/>
+          </a:fillRef>
+          <a:effectRef idx="0">
+            <a:schemeClr val="accent1"/>
+          </a:effectRef>
+          <a:fontRef idx="minor">
+            <a:schemeClr val="tx1"/>
+          </a:fontRef>
+        </p:style>
+      </p:cxnSp>
+    </p:spTree>
+    <p:extLst>
+      <p:ext uri="{BB962C8B-B14F-4D97-AF65-F5344CB8AC3E}">
+        <p14:creationId xmlns:p14="http://schemas.microsoft.com/office/powerpoint/2010/main" val="2182173285"/>
+      </p:ext>
+    </p:extLst>
+  </p:cSld>
+  <p:clrMapOvr>
+    <a:masterClrMapping/>
+  </p:clrMapOvr>
+</p:sld>
+</file>
+
+<file path=ppt/slides/slide7.xml><?xml version="1.0" encoding="utf-8"?>
+<p:sld xmlns:a="http://schemas.openxmlformats.org/drawingml/2006/main" xmlns:r="http://schemas.openxmlformats.org/officeDocument/2006/relationships" xmlns:p="http://schemas.openxmlformats.org/presentationml/2006/main">
+  <p:cSld>
+    <p:spTree>
+      <p:nvGrpSpPr>
+        <p:cNvPr id="1" name=""/>
+        <p:cNvGrpSpPr/>
+        <p:nvPr/>
+      </p:nvGrpSpPr>
+      <p:grpSpPr>
+        <a:xfrm>
+          <a:off x="0" y="0"/>
+          <a:ext cx="0" cy="0"/>
+          <a:chOff x="0" y="0"/>
+          <a:chExt cx="0" cy="0"/>
+        </a:xfrm>
+      </p:grpSpPr>
+      <p:sp>
+        <p:nvSpPr>
+          <p:cNvPr id="2" name="Title 1">
+            <a:extLst>
+              <a:ext uri="{FF2B5EF4-FFF2-40B4-BE49-F238E27FC236}">
+                <a16:creationId xmlns:a16="http://schemas.microsoft.com/office/drawing/2014/main" id="{FDCD03C4-C275-4B0D-870B-4A578DFCD5FE}"/>
+              </a:ext>
+            </a:extLst>
+          </p:cNvPr>
+          <p:cNvSpPr>
+            <a:spLocks noGrp="1"/>
+          </p:cNvSpPr>
+          <p:nvPr>
+            <p:ph type="title"/>
+          </p:nvPr>
+        </p:nvSpPr>
+        <p:spPr/>
+        <p:txBody>
+          <a:bodyPr/>
+          <a:lstStyle/>
+          <a:p>
+            <a:endParaRPr lang="en-US"/>
+          </a:p>
+        </p:txBody>
+      </p:sp>
+      <p:sp>
+        <p:nvSpPr>
+          <p:cNvPr id="3" name="Content Placeholder 2">
+            <a:extLst>
+              <a:ext uri="{FF2B5EF4-FFF2-40B4-BE49-F238E27FC236}">
+                <a16:creationId xmlns:a16="http://schemas.microsoft.com/office/drawing/2014/main" id="{6857A32B-E205-4344-BD8E-8E2E0A19B72D}"/>
+              </a:ext>
+            </a:extLst>
+          </p:cNvPr>
+          <p:cNvSpPr>
+            <a:spLocks noGrp="1"/>
+          </p:cNvSpPr>
+          <p:nvPr>
+            <p:ph idx="1"/>
+          </p:nvPr>
+        </p:nvSpPr>
+        <p:spPr/>
+        <p:txBody>
+          <a:bodyPr/>
+          <a:lstStyle/>
+          <a:p>
+            <a:r>
+              <a:rPr lang="en-US" dirty="0"/>
+              <a:t>List (Linear – like a line): LinkedList (single/double), array</a:t>
+            </a:r>
+          </a:p>
+          <a:p>
+            <a:r>
+              <a:rPr lang="en-US" dirty="0"/>
+              <a:t>Tree</a:t>
+            </a:r>
+          </a:p>
+          <a:p>
+            <a:r>
+              <a:rPr lang="en-US" dirty="0"/>
+              <a:t>Map (mapping table, dictionary)</a:t>
+            </a:r>
+          </a:p>
+          <a:p>
+            <a:endParaRPr lang="en-US" dirty="0"/>
+          </a:p>
+        </p:txBody>
+      </p:sp>
+    </p:spTree>
+    <p:extLst>
+      <p:ext uri="{BB962C8B-B14F-4D97-AF65-F5344CB8AC3E}">
+        <p14:creationId xmlns:p14="http://schemas.microsoft.com/office/powerpoint/2010/main" val="182065825"/>
       </p:ext>
     </p:extLst>
   </p:cSld>

--- a/documents/DataStructures.pptx
+++ b/documents/DataStructures.pptx
@@ -30,6 +30,8 @@
     <p:sldId id="280" r:id="rId24"/>
     <p:sldId id="281" r:id="rId25"/>
     <p:sldId id="282" r:id="rId26"/>
+    <p:sldId id="284" r:id="rId27"/>
+    <p:sldId id="285" r:id="rId28"/>
   </p:sldIdLst>
   <p:sldSz cx="12192000" cy="6858000"/>
   <p:notesSz cx="6858000" cy="9144000"/>
@@ -3390,7 +3392,7 @@
           <a:p>
             <a:fld id="{A987F1E3-30AB-49C9-8E4C-2EF75BE827A3}" type="datetimeFigureOut">
               <a:rPr lang="en-US" smtClean="0"/>
-              <a:t>2/10/2021</a:t>
+              <a:t>2/18/2021</a:t>
             </a:fld>
             <a:endParaRPr lang="en-US"/>
           </a:p>
@@ -3588,7 +3590,7 @@
           <a:p>
             <a:fld id="{A987F1E3-30AB-49C9-8E4C-2EF75BE827A3}" type="datetimeFigureOut">
               <a:rPr lang="en-US" smtClean="0"/>
-              <a:t>2/10/2021</a:t>
+              <a:t>2/18/2021</a:t>
             </a:fld>
             <a:endParaRPr lang="en-US"/>
           </a:p>
@@ -3796,7 +3798,7 @@
           <a:p>
             <a:fld id="{A987F1E3-30AB-49C9-8E4C-2EF75BE827A3}" type="datetimeFigureOut">
               <a:rPr lang="en-US" smtClean="0"/>
-              <a:t>2/10/2021</a:t>
+              <a:t>2/18/2021</a:t>
             </a:fld>
             <a:endParaRPr lang="en-US"/>
           </a:p>
@@ -3994,7 +3996,7 @@
           <a:p>
             <a:fld id="{A987F1E3-30AB-49C9-8E4C-2EF75BE827A3}" type="datetimeFigureOut">
               <a:rPr lang="en-US" smtClean="0"/>
-              <a:t>2/10/2021</a:t>
+              <a:t>2/18/2021</a:t>
             </a:fld>
             <a:endParaRPr lang="en-US"/>
           </a:p>
@@ -4269,7 +4271,7 @@
           <a:p>
             <a:fld id="{A987F1E3-30AB-49C9-8E4C-2EF75BE827A3}" type="datetimeFigureOut">
               <a:rPr lang="en-US" smtClean="0"/>
-              <a:t>2/10/2021</a:t>
+              <a:t>2/18/2021</a:t>
             </a:fld>
             <a:endParaRPr lang="en-US"/>
           </a:p>
@@ -4534,7 +4536,7 @@
           <a:p>
             <a:fld id="{A987F1E3-30AB-49C9-8E4C-2EF75BE827A3}" type="datetimeFigureOut">
               <a:rPr lang="en-US" smtClean="0"/>
-              <a:t>2/10/2021</a:t>
+              <a:t>2/18/2021</a:t>
             </a:fld>
             <a:endParaRPr lang="en-US"/>
           </a:p>
@@ -4946,7 +4948,7 @@
           <a:p>
             <a:fld id="{A987F1E3-30AB-49C9-8E4C-2EF75BE827A3}" type="datetimeFigureOut">
               <a:rPr lang="en-US" smtClean="0"/>
-              <a:t>2/10/2021</a:t>
+              <a:t>2/18/2021</a:t>
             </a:fld>
             <a:endParaRPr lang="en-US"/>
           </a:p>
@@ -5087,7 +5089,7 @@
           <a:p>
             <a:fld id="{A987F1E3-30AB-49C9-8E4C-2EF75BE827A3}" type="datetimeFigureOut">
               <a:rPr lang="en-US" smtClean="0"/>
-              <a:t>2/10/2021</a:t>
+              <a:t>2/18/2021</a:t>
             </a:fld>
             <a:endParaRPr lang="en-US"/>
           </a:p>
@@ -5200,7 +5202,7 @@
           <a:p>
             <a:fld id="{A987F1E3-30AB-49C9-8E4C-2EF75BE827A3}" type="datetimeFigureOut">
               <a:rPr lang="en-US" smtClean="0"/>
-              <a:t>2/10/2021</a:t>
+              <a:t>2/18/2021</a:t>
             </a:fld>
             <a:endParaRPr lang="en-US"/>
           </a:p>
@@ -5511,7 +5513,7 @@
           <a:p>
             <a:fld id="{A987F1E3-30AB-49C9-8E4C-2EF75BE827A3}" type="datetimeFigureOut">
               <a:rPr lang="en-US" smtClean="0"/>
-              <a:t>2/10/2021</a:t>
+              <a:t>2/18/2021</a:t>
             </a:fld>
             <a:endParaRPr lang="en-US"/>
           </a:p>
@@ -5799,7 +5801,7 @@
           <a:p>
             <a:fld id="{A987F1E3-30AB-49C9-8E4C-2EF75BE827A3}" type="datetimeFigureOut">
               <a:rPr lang="en-US" smtClean="0"/>
-              <a:t>2/10/2021</a:t>
+              <a:t>2/18/2021</a:t>
             </a:fld>
             <a:endParaRPr lang="en-US"/>
           </a:p>
@@ -6040,7 +6042,7 @@
           <a:p>
             <a:fld id="{A987F1E3-30AB-49C9-8E4C-2EF75BE827A3}" type="datetimeFigureOut">
               <a:rPr lang="en-US" smtClean="0"/>
-              <a:t>2/10/2021</a:t>
+              <a:t>2/18/2021</a:t>
             </a:fld>
             <a:endParaRPr lang="en-US"/>
           </a:p>
@@ -14337,7 +14339,7 @@
         </p:nvSpPr>
         <p:spPr>
           <a:xfrm>
-            <a:off x="4925182" y="2051405"/>
+            <a:off x="4825542" y="2125691"/>
             <a:ext cx="1000623" cy="425699"/>
           </a:xfrm>
           <a:prstGeom prst="rect">
@@ -14912,6 +14914,102 @@
           </a:fillRef>
           <a:effectRef idx="1">
             <a:schemeClr val="accent4"/>
+          </a:effectRef>
+          <a:fontRef idx="minor">
+            <a:schemeClr val="tx1"/>
+          </a:fontRef>
+        </p:style>
+      </p:cxnSp>
+      <p:sp>
+        <p:nvSpPr>
+          <p:cNvPr id="23" name="Rectangle 22">
+            <a:extLst>
+              <a:ext uri="{FF2B5EF4-FFF2-40B4-BE49-F238E27FC236}">
+                <a16:creationId xmlns:a16="http://schemas.microsoft.com/office/drawing/2014/main" id="{80F6B22F-B206-44C0-9B63-3DAD91A1E3C2}"/>
+              </a:ext>
+            </a:extLst>
+          </p:cNvPr>
+          <p:cNvSpPr/>
+          <p:nvPr/>
+        </p:nvSpPr>
+        <p:spPr>
+          <a:xfrm>
+            <a:off x="5846732" y="1213375"/>
+            <a:ext cx="1357293" cy="318209"/>
+          </a:xfrm>
+          <a:prstGeom prst="rect">
+            <a:avLst/>
+          </a:prstGeom>
+        </p:spPr>
+        <p:style>
+          <a:lnRef idx="0">
+            <a:schemeClr val="accent6"/>
+          </a:lnRef>
+          <a:fillRef idx="3">
+            <a:schemeClr val="accent6"/>
+          </a:fillRef>
+          <a:effectRef idx="3">
+            <a:schemeClr val="accent6"/>
+          </a:effectRef>
+          <a:fontRef idx="minor">
+            <a:schemeClr val="lt1"/>
+          </a:fontRef>
+        </p:style>
+        <p:txBody>
+          <a:bodyPr rtlCol="0" anchor="ctr"/>
+          <a:lstStyle/>
+          <a:p>
+            <a:pPr algn="ctr"/>
+            <a:r>
+              <a:rPr lang="en-US" dirty="0"/>
+              <a:t>[ Shape… ]</a:t>
+            </a:r>
+          </a:p>
+        </p:txBody>
+      </p:sp>
+      <p:cxnSp>
+        <p:nvCxnSpPr>
+          <p:cNvPr id="6" name="Connector: Elbow 5">
+            <a:extLst>
+              <a:ext uri="{FF2B5EF4-FFF2-40B4-BE49-F238E27FC236}">
+                <a16:creationId xmlns:a16="http://schemas.microsoft.com/office/drawing/2014/main" id="{761BEE2B-D13D-470A-9AED-C4FC3C9F812A}"/>
+              </a:ext>
+            </a:extLst>
+          </p:cNvPr>
+          <p:cNvCxnSpPr>
+            <a:cxnSpLocks/>
+            <a:stCxn id="24" idx="0"/>
+            <a:endCxn id="23" idx="1"/>
+          </p:cNvCxnSpPr>
+          <p:nvPr/>
+        </p:nvCxnSpPr>
+        <p:spPr>
+          <a:xfrm rot="5400000" flipH="1" flipV="1">
+            <a:off x="5209688" y="1488647"/>
+            <a:ext cx="753211" cy="520878"/>
+          </a:xfrm>
+          <a:prstGeom prst="bentConnector2">
+            <a:avLst/>
+          </a:prstGeom>
+          <a:ln w="28575" cap="flat" cmpd="sng" algn="ctr">
+            <a:solidFill>
+              <a:schemeClr val="accent2"/>
+            </a:solidFill>
+            <a:prstDash val="solid"/>
+            <a:round/>
+            <a:headEnd type="none" w="med" len="med"/>
+            <a:tailEnd type="diamond" w="lg" len="lg"/>
+          </a:ln>
+        </p:spPr>
+        <p:style>
+          <a:lnRef idx="0">
+            <a:scrgbClr r="0" g="0" b="0"/>
+          </a:lnRef>
+          <a:fillRef idx="0">
+            <a:scrgbClr r="0" g="0" b="0"/>
+          </a:fillRef>
+          <a:effectRef idx="0">
+            <a:scrgbClr r="0" g="0" b="0"/>
           </a:effectRef>
           <a:fontRef idx="minor">
             <a:schemeClr val="tx1"/>
@@ -23922,7 +24020,10 @@
           <a:lstStyle/>
           <a:p>
             <a:pPr algn="ctr"/>
-            <a:endParaRPr lang="en-US" dirty="0"/>
+            <a:r>
+              <a:rPr lang="en-US" dirty="0"/>
+              <a:t>x</a:t>
+            </a:r>
           </a:p>
         </p:txBody>
       </p:sp>
@@ -23940,7 +24041,7 @@
         </p:nvSpPr>
         <p:spPr>
           <a:xfrm>
-            <a:off x="3144253" y="3429000"/>
+            <a:off x="3140242" y="2915192"/>
             <a:ext cx="521368" cy="962526"/>
           </a:xfrm>
           <a:prstGeom prst="rect">
@@ -23968,7 +24069,10 @@
           <a:lstStyle/>
           <a:p>
             <a:pPr algn="ctr"/>
-            <a:endParaRPr lang="en-US"/>
+            <a:r>
+              <a:rPr lang="en-US" sz="1400" dirty="0"/>
+              <a:t>0,0</a:t>
+            </a:r>
           </a:p>
         </p:txBody>
       </p:sp>
@@ -23986,7 +24090,7 @@
         </p:nvCxnSpPr>
         <p:spPr>
           <a:xfrm>
-            <a:off x="1130969" y="3441031"/>
+            <a:off x="1130969" y="2915192"/>
             <a:ext cx="2013284" cy="0"/>
           </a:xfrm>
           <a:prstGeom prst="straightConnector1">
@@ -24027,9 +24131,9 @@
           <p:nvPr/>
         </p:nvCxnSpPr>
         <p:spPr>
-          <a:xfrm flipH="1" flipV="1">
-            <a:off x="3140242" y="1720515"/>
-            <a:ext cx="4011" cy="1708485"/>
+          <a:xfrm flipV="1">
+            <a:off x="3140242" y="1720516"/>
+            <a:ext cx="1" cy="1194676"/>
           </a:xfrm>
           <a:prstGeom prst="straightConnector1">
             <a:avLst/>
@@ -24084,7 +24188,7 @@
           <a:p>
             <a:r>
               <a:rPr lang="en-US" dirty="0"/>
-              <a:t>4</a:t>
+              <a:t>3</a:t>
             </a:r>
           </a:p>
         </p:txBody>
@@ -24160,7 +24264,7 @@
           <a:p>
             <a:r>
               <a:rPr lang="en-US" dirty="0"/>
-              <a:t>Book position: x0 = 5, y0 = 4</a:t>
+              <a:t>Book position: x0 = 5, y0 = 3</a:t>
             </a:r>
           </a:p>
           <a:p>
@@ -24189,7 +24293,485 @@
             </a:r>
             <a:r>
               <a:rPr lang="en-US" dirty="0"/>
-              <a:t> = y0 + y = 5</a:t>
+              <a:t> = y0 + y = 4</a:t>
+            </a:r>
+          </a:p>
+        </p:txBody>
+      </p:sp>
+      <p:sp>
+        <p:nvSpPr>
+          <p:cNvPr id="13" name="Rectangle 12">
+            <a:extLst>
+              <a:ext uri="{FF2B5EF4-FFF2-40B4-BE49-F238E27FC236}">
+                <a16:creationId xmlns:a16="http://schemas.microsoft.com/office/drawing/2014/main" id="{0394CD22-DEDC-4E70-8961-3532E8A767E3}"/>
+              </a:ext>
+            </a:extLst>
+          </p:cNvPr>
+          <p:cNvSpPr/>
+          <p:nvPr/>
+        </p:nvSpPr>
+        <p:spPr>
+          <a:xfrm>
+            <a:off x="3930314" y="2915192"/>
+            <a:ext cx="521368" cy="962526"/>
+          </a:xfrm>
+          <a:prstGeom prst="rect">
+            <a:avLst/>
+          </a:prstGeom>
+        </p:spPr>
+        <p:style>
+          <a:lnRef idx="2">
+            <a:schemeClr val="accent1">
+              <a:shade val="50000"/>
+            </a:schemeClr>
+          </a:lnRef>
+          <a:fillRef idx="1">
+            <a:schemeClr val="accent1"/>
+          </a:fillRef>
+          <a:effectRef idx="0">
+            <a:schemeClr val="accent1"/>
+          </a:effectRef>
+          <a:fontRef idx="minor">
+            <a:schemeClr val="lt1"/>
+          </a:fontRef>
+        </p:style>
+        <p:txBody>
+          <a:bodyPr rtlCol="0" anchor="ctr"/>
+          <a:lstStyle/>
+          <a:p>
+            <a:pPr algn="ctr"/>
+            <a:r>
+              <a:rPr lang="en-US" sz="1400" dirty="0"/>
+              <a:t>1,0</a:t>
+            </a:r>
+          </a:p>
+        </p:txBody>
+      </p:sp>
+      <p:sp>
+        <p:nvSpPr>
+          <p:cNvPr id="14" name="Rectangle 13">
+            <a:extLst>
+              <a:ext uri="{FF2B5EF4-FFF2-40B4-BE49-F238E27FC236}">
+                <a16:creationId xmlns:a16="http://schemas.microsoft.com/office/drawing/2014/main" id="{F7F6BE15-421B-41AF-A351-CAEE1664A58B}"/>
+              </a:ext>
+            </a:extLst>
+          </p:cNvPr>
+          <p:cNvSpPr/>
+          <p:nvPr/>
+        </p:nvSpPr>
+        <p:spPr>
+          <a:xfrm>
+            <a:off x="4720386" y="2915192"/>
+            <a:ext cx="521368" cy="962526"/>
+          </a:xfrm>
+          <a:prstGeom prst="rect">
+            <a:avLst/>
+          </a:prstGeom>
+        </p:spPr>
+        <p:style>
+          <a:lnRef idx="2">
+            <a:schemeClr val="accent1">
+              <a:shade val="50000"/>
+            </a:schemeClr>
+          </a:lnRef>
+          <a:fillRef idx="1">
+            <a:schemeClr val="accent1"/>
+          </a:fillRef>
+          <a:effectRef idx="0">
+            <a:schemeClr val="accent1"/>
+          </a:effectRef>
+          <a:fontRef idx="minor">
+            <a:schemeClr val="lt1"/>
+          </a:fontRef>
+        </p:style>
+        <p:txBody>
+          <a:bodyPr rtlCol="0" anchor="ctr"/>
+          <a:lstStyle/>
+          <a:p>
+            <a:pPr algn="ctr"/>
+            <a:r>
+              <a:rPr lang="en-US" sz="1400" dirty="0"/>
+              <a:t>2,0</a:t>
+            </a:r>
+          </a:p>
+        </p:txBody>
+      </p:sp>
+      <p:sp>
+        <p:nvSpPr>
+          <p:cNvPr id="15" name="Rectangle 14">
+            <a:extLst>
+              <a:ext uri="{FF2B5EF4-FFF2-40B4-BE49-F238E27FC236}">
+                <a16:creationId xmlns:a16="http://schemas.microsoft.com/office/drawing/2014/main" id="{3300E710-9D9F-4AFE-AA53-3B49BD47C9DF}"/>
+              </a:ext>
+            </a:extLst>
+          </p:cNvPr>
+          <p:cNvSpPr/>
+          <p:nvPr/>
+        </p:nvSpPr>
+        <p:spPr>
+          <a:xfrm>
+            <a:off x="3128210" y="4138954"/>
+            <a:ext cx="521368" cy="962526"/>
+          </a:xfrm>
+          <a:prstGeom prst="rect">
+            <a:avLst/>
+          </a:prstGeom>
+        </p:spPr>
+        <p:style>
+          <a:lnRef idx="2">
+            <a:schemeClr val="accent1">
+              <a:shade val="50000"/>
+            </a:schemeClr>
+          </a:lnRef>
+          <a:fillRef idx="1">
+            <a:schemeClr val="accent1"/>
+          </a:fillRef>
+          <a:effectRef idx="0">
+            <a:schemeClr val="accent1"/>
+          </a:effectRef>
+          <a:fontRef idx="minor">
+            <a:schemeClr val="lt1"/>
+          </a:fontRef>
+        </p:style>
+        <p:txBody>
+          <a:bodyPr rtlCol="0" anchor="ctr"/>
+          <a:lstStyle/>
+          <a:p>
+            <a:pPr algn="ctr"/>
+            <a:r>
+              <a:rPr lang="en-US" sz="1400" dirty="0"/>
+              <a:t>1,0</a:t>
+            </a:r>
+          </a:p>
+        </p:txBody>
+      </p:sp>
+      <p:cxnSp>
+        <p:nvCxnSpPr>
+          <p:cNvPr id="16" name="Straight Arrow Connector 15">
+            <a:extLst>
+              <a:ext uri="{FF2B5EF4-FFF2-40B4-BE49-F238E27FC236}">
+                <a16:creationId xmlns:a16="http://schemas.microsoft.com/office/drawing/2014/main" id="{C3D2D28B-A3BD-47F4-BA1E-DFDA5BFD9FC9}"/>
+              </a:ext>
+            </a:extLst>
+          </p:cNvPr>
+          <p:cNvCxnSpPr>
+            <a:cxnSpLocks/>
+          </p:cNvCxnSpPr>
+          <p:nvPr/>
+        </p:nvCxnSpPr>
+        <p:spPr>
+          <a:xfrm>
+            <a:off x="3649578" y="2915192"/>
+            <a:ext cx="280736" cy="0"/>
+          </a:xfrm>
+          <a:prstGeom prst="straightConnector1">
+            <a:avLst/>
+          </a:prstGeom>
+          <a:ln>
+            <a:headEnd type="triangle"/>
+            <a:tailEnd type="triangle"/>
+          </a:ln>
+        </p:spPr>
+        <p:style>
+          <a:lnRef idx="1">
+            <a:schemeClr val="accent1"/>
+          </a:lnRef>
+          <a:fillRef idx="0">
+            <a:schemeClr val="accent1"/>
+          </a:fillRef>
+          <a:effectRef idx="0">
+            <a:schemeClr val="accent1"/>
+          </a:effectRef>
+          <a:fontRef idx="minor">
+            <a:schemeClr val="tx1"/>
+          </a:fontRef>
+        </p:style>
+      </p:cxnSp>
+      <p:cxnSp>
+        <p:nvCxnSpPr>
+          <p:cNvPr id="17" name="Straight Arrow Connector 16">
+            <a:extLst>
+              <a:ext uri="{FF2B5EF4-FFF2-40B4-BE49-F238E27FC236}">
+                <a16:creationId xmlns:a16="http://schemas.microsoft.com/office/drawing/2014/main" id="{91E00228-D9EF-4F2F-AF6B-9F098E5E1B9B}"/>
+              </a:ext>
+            </a:extLst>
+          </p:cNvPr>
+          <p:cNvCxnSpPr>
+            <a:cxnSpLocks/>
+          </p:cNvCxnSpPr>
+          <p:nvPr/>
+        </p:nvCxnSpPr>
+        <p:spPr>
+          <a:xfrm flipV="1">
+            <a:off x="3140242" y="3877718"/>
+            <a:ext cx="0" cy="261236"/>
+          </a:xfrm>
+          <a:prstGeom prst="straightConnector1">
+            <a:avLst/>
+          </a:prstGeom>
+          <a:ln>
+            <a:headEnd type="triangle"/>
+            <a:tailEnd type="triangle"/>
+          </a:ln>
+        </p:spPr>
+        <p:style>
+          <a:lnRef idx="1">
+            <a:schemeClr val="accent1"/>
+          </a:lnRef>
+          <a:fillRef idx="0">
+            <a:schemeClr val="accent1"/>
+          </a:fillRef>
+          <a:effectRef idx="0">
+            <a:schemeClr val="accent1"/>
+          </a:effectRef>
+          <a:fontRef idx="minor">
+            <a:schemeClr val="tx1"/>
+          </a:fontRef>
+        </p:style>
+      </p:cxnSp>
+      <p:sp>
+        <p:nvSpPr>
+          <p:cNvPr id="22" name="TextBox 21">
+            <a:extLst>
+              <a:ext uri="{FF2B5EF4-FFF2-40B4-BE49-F238E27FC236}">
+                <a16:creationId xmlns:a16="http://schemas.microsoft.com/office/drawing/2014/main" id="{7E21FDF6-3545-4F4B-8C25-D4989B090BD4}"/>
+              </a:ext>
+            </a:extLst>
+          </p:cNvPr>
+          <p:cNvSpPr txBox="1"/>
+          <p:nvPr/>
+        </p:nvSpPr>
+        <p:spPr>
+          <a:xfrm>
+            <a:off x="1519995" y="2588488"/>
+            <a:ext cx="1021105" cy="338554"/>
+          </a:xfrm>
+          <a:prstGeom prst="rect">
+            <a:avLst/>
+          </a:prstGeom>
+          <a:noFill/>
+        </p:spPr>
+        <p:txBody>
+          <a:bodyPr wrap="square" rtlCol="0">
+            <a:spAutoFit/>
+          </a:bodyPr>
+          <a:lstStyle/>
+          <a:p>
+            <a:r>
+              <a:rPr lang="en-US" sz="1600" dirty="0" err="1"/>
+              <a:t>xMargin</a:t>
+            </a:r>
+            <a:endParaRPr lang="en-US" sz="1600" dirty="0"/>
+          </a:p>
+        </p:txBody>
+      </p:sp>
+      <p:sp>
+        <p:nvSpPr>
+          <p:cNvPr id="23" name="TextBox 22">
+            <a:extLst>
+              <a:ext uri="{FF2B5EF4-FFF2-40B4-BE49-F238E27FC236}">
+                <a16:creationId xmlns:a16="http://schemas.microsoft.com/office/drawing/2014/main" id="{B85BED4C-2A64-4EBB-93FA-76E4DAB30344}"/>
+              </a:ext>
+            </a:extLst>
+          </p:cNvPr>
+          <p:cNvSpPr txBox="1"/>
+          <p:nvPr/>
+        </p:nvSpPr>
+        <p:spPr>
+          <a:xfrm>
+            <a:off x="3128210" y="1828801"/>
+            <a:ext cx="1021105" cy="338554"/>
+          </a:xfrm>
+          <a:prstGeom prst="rect">
+            <a:avLst/>
+          </a:prstGeom>
+          <a:noFill/>
+        </p:spPr>
+        <p:txBody>
+          <a:bodyPr wrap="square" rtlCol="0">
+            <a:spAutoFit/>
+          </a:bodyPr>
+          <a:lstStyle/>
+          <a:p>
+            <a:r>
+              <a:rPr lang="en-US" sz="1600" dirty="0" err="1"/>
+              <a:t>yMargin</a:t>
+            </a:r>
+            <a:endParaRPr lang="en-US" sz="1600" dirty="0"/>
+          </a:p>
+        </p:txBody>
+      </p:sp>
+      <p:sp>
+        <p:nvSpPr>
+          <p:cNvPr id="24" name="TextBox 23">
+            <a:extLst>
+              <a:ext uri="{FF2B5EF4-FFF2-40B4-BE49-F238E27FC236}">
+                <a16:creationId xmlns:a16="http://schemas.microsoft.com/office/drawing/2014/main" id="{2F66B1BB-AE9C-4735-B04E-81FFE9C42FFF}"/>
+              </a:ext>
+            </a:extLst>
+          </p:cNvPr>
+          <p:cNvSpPr txBox="1"/>
+          <p:nvPr/>
+        </p:nvSpPr>
+        <p:spPr>
+          <a:xfrm>
+            <a:off x="3181568" y="3824850"/>
+            <a:ext cx="875078" cy="307777"/>
+          </a:xfrm>
+          <a:prstGeom prst="rect">
+            <a:avLst/>
+          </a:prstGeom>
+          <a:noFill/>
+        </p:spPr>
+        <p:txBody>
+          <a:bodyPr wrap="square" rtlCol="0">
+            <a:spAutoFit/>
+          </a:bodyPr>
+          <a:lstStyle/>
+          <a:p>
+            <a:r>
+              <a:rPr lang="en-US" sz="1400" dirty="0"/>
+              <a:t>spacing</a:t>
+            </a:r>
+          </a:p>
+        </p:txBody>
+      </p:sp>
+      <p:cxnSp>
+        <p:nvCxnSpPr>
+          <p:cNvPr id="25" name="Straight Arrow Connector 24">
+            <a:extLst>
+              <a:ext uri="{FF2B5EF4-FFF2-40B4-BE49-F238E27FC236}">
+                <a16:creationId xmlns:a16="http://schemas.microsoft.com/office/drawing/2014/main" id="{FC6F8DDC-896F-4E2C-A1B6-A544C50396CE}"/>
+              </a:ext>
+            </a:extLst>
+          </p:cNvPr>
+          <p:cNvCxnSpPr>
+            <a:cxnSpLocks/>
+          </p:cNvCxnSpPr>
+          <p:nvPr/>
+        </p:nvCxnSpPr>
+        <p:spPr>
+          <a:xfrm>
+            <a:off x="4451682" y="2927042"/>
+            <a:ext cx="268704" cy="0"/>
+          </a:xfrm>
+          <a:prstGeom prst="straightConnector1">
+            <a:avLst/>
+          </a:prstGeom>
+          <a:ln>
+            <a:headEnd type="triangle"/>
+            <a:tailEnd type="triangle"/>
+          </a:ln>
+        </p:spPr>
+        <p:style>
+          <a:lnRef idx="1">
+            <a:schemeClr val="accent1"/>
+          </a:lnRef>
+          <a:fillRef idx="0">
+            <a:schemeClr val="accent1"/>
+          </a:fillRef>
+          <a:effectRef idx="0">
+            <a:schemeClr val="accent1"/>
+          </a:effectRef>
+          <a:fontRef idx="minor">
+            <a:schemeClr val="tx1"/>
+          </a:fontRef>
+        </p:style>
+      </p:cxnSp>
+      <p:sp>
+        <p:nvSpPr>
+          <p:cNvPr id="30" name="Rectangle 29">
+            <a:extLst>
+              <a:ext uri="{FF2B5EF4-FFF2-40B4-BE49-F238E27FC236}">
+                <a16:creationId xmlns:a16="http://schemas.microsoft.com/office/drawing/2014/main" id="{B9AAE828-F9AB-4CFC-9312-61B3195D1B57}"/>
+              </a:ext>
+            </a:extLst>
+          </p:cNvPr>
+          <p:cNvSpPr/>
+          <p:nvPr/>
+        </p:nvSpPr>
+        <p:spPr>
+          <a:xfrm>
+            <a:off x="3930314" y="4133317"/>
+            <a:ext cx="521368" cy="962526"/>
+          </a:xfrm>
+          <a:prstGeom prst="rect">
+            <a:avLst/>
+          </a:prstGeom>
+        </p:spPr>
+        <p:style>
+          <a:lnRef idx="2">
+            <a:schemeClr val="accent1">
+              <a:shade val="50000"/>
+            </a:schemeClr>
+          </a:lnRef>
+          <a:fillRef idx="1">
+            <a:schemeClr val="accent1"/>
+          </a:fillRef>
+          <a:effectRef idx="0">
+            <a:schemeClr val="accent1"/>
+          </a:effectRef>
+          <a:fontRef idx="minor">
+            <a:schemeClr val="lt1"/>
+          </a:fontRef>
+        </p:style>
+        <p:txBody>
+          <a:bodyPr rtlCol="0" anchor="ctr"/>
+          <a:lstStyle/>
+          <a:p>
+            <a:pPr algn="ctr"/>
+            <a:r>
+              <a:rPr lang="en-US" sz="1400" dirty="0"/>
+              <a:t>1,1</a:t>
+            </a:r>
+          </a:p>
+        </p:txBody>
+      </p:sp>
+      <p:sp>
+        <p:nvSpPr>
+          <p:cNvPr id="31" name="Rectangle 30">
+            <a:extLst>
+              <a:ext uri="{FF2B5EF4-FFF2-40B4-BE49-F238E27FC236}">
+                <a16:creationId xmlns:a16="http://schemas.microsoft.com/office/drawing/2014/main" id="{32ED0445-FB21-4E09-9B3A-3808D0457DE1}"/>
+              </a:ext>
+            </a:extLst>
+          </p:cNvPr>
+          <p:cNvSpPr/>
+          <p:nvPr/>
+        </p:nvSpPr>
+        <p:spPr>
+          <a:xfrm>
+            <a:off x="4720386" y="4133317"/>
+            <a:ext cx="521368" cy="962526"/>
+          </a:xfrm>
+          <a:prstGeom prst="rect">
+            <a:avLst/>
+          </a:prstGeom>
+        </p:spPr>
+        <p:style>
+          <a:lnRef idx="2">
+            <a:schemeClr val="accent1">
+              <a:shade val="50000"/>
+            </a:schemeClr>
+          </a:lnRef>
+          <a:fillRef idx="1">
+            <a:schemeClr val="accent1"/>
+          </a:fillRef>
+          <a:effectRef idx="0">
+            <a:schemeClr val="accent1"/>
+          </a:effectRef>
+          <a:fontRef idx="minor">
+            <a:schemeClr val="lt1"/>
+          </a:fontRef>
+        </p:style>
+        <p:txBody>
+          <a:bodyPr rtlCol="0" anchor="ctr"/>
+          <a:lstStyle/>
+          <a:p>
+            <a:pPr algn="ctr"/>
+            <a:r>
+              <a:rPr lang="en-US" sz="1400" dirty="0"/>
+              <a:t>2,1</a:t>
             </a:r>
           </a:p>
         </p:txBody>
@@ -24198,6 +24780,1628 @@
     <p:extLst>
       <p:ext uri="{BB962C8B-B14F-4D97-AF65-F5344CB8AC3E}">
         <p14:creationId xmlns:p14="http://schemas.microsoft.com/office/powerpoint/2010/main" val="1007722008"/>
+      </p:ext>
+    </p:extLst>
+  </p:cSld>
+  <p:clrMapOvr>
+    <a:masterClrMapping/>
+  </p:clrMapOvr>
+</p:sld>
+</file>
+
+<file path=ppt/slides/slide26.xml><?xml version="1.0" encoding="utf-8"?>
+<p:sld xmlns:a="http://schemas.openxmlformats.org/drawingml/2006/main" xmlns:r="http://schemas.openxmlformats.org/officeDocument/2006/relationships" xmlns:p="http://schemas.openxmlformats.org/presentationml/2006/main">
+  <p:cSld>
+    <p:spTree>
+      <p:nvGrpSpPr>
+        <p:cNvPr id="1" name=""/>
+        <p:cNvGrpSpPr/>
+        <p:nvPr/>
+      </p:nvGrpSpPr>
+      <p:grpSpPr>
+        <a:xfrm>
+          <a:off x="0" y="0"/>
+          <a:ext cx="0" cy="0"/>
+          <a:chOff x="0" y="0"/>
+          <a:chExt cx="0" cy="0"/>
+        </a:xfrm>
+      </p:grpSpPr>
+      <p:sp>
+        <p:nvSpPr>
+          <p:cNvPr id="2" name="Title 1">
+            <a:extLst>
+              <a:ext uri="{FF2B5EF4-FFF2-40B4-BE49-F238E27FC236}">
+                <a16:creationId xmlns:a16="http://schemas.microsoft.com/office/drawing/2014/main" id="{378A115C-AE08-41E3-9DFE-ADF97FDC90AA}"/>
+              </a:ext>
+            </a:extLst>
+          </p:cNvPr>
+          <p:cNvSpPr>
+            <a:spLocks noGrp="1"/>
+          </p:cNvSpPr>
+          <p:nvPr>
+            <p:ph type="title"/>
+          </p:nvPr>
+        </p:nvSpPr>
+        <p:spPr/>
+        <p:txBody>
+          <a:bodyPr/>
+          <a:lstStyle/>
+          <a:p>
+            <a:r>
+              <a:rPr lang="en-US" dirty="0"/>
+              <a:t>Array – imagined as folding into a rectangle </a:t>
+            </a:r>
+          </a:p>
+        </p:txBody>
+      </p:sp>
+      <p:sp>
+        <p:nvSpPr>
+          <p:cNvPr id="4" name="Rectangle 3">
+            <a:extLst>
+              <a:ext uri="{FF2B5EF4-FFF2-40B4-BE49-F238E27FC236}">
+                <a16:creationId xmlns:a16="http://schemas.microsoft.com/office/drawing/2014/main" id="{A13F3422-A5EF-4446-84E3-745C73183755}"/>
+              </a:ext>
+            </a:extLst>
+          </p:cNvPr>
+          <p:cNvSpPr/>
+          <p:nvPr/>
+        </p:nvSpPr>
+        <p:spPr>
+          <a:xfrm>
+            <a:off x="1459832" y="2366211"/>
+            <a:ext cx="9416715" cy="264694"/>
+          </a:xfrm>
+          <a:prstGeom prst="rect">
+            <a:avLst/>
+          </a:prstGeom>
+        </p:spPr>
+        <p:style>
+          <a:lnRef idx="2">
+            <a:schemeClr val="accent4">
+              <a:shade val="50000"/>
+            </a:schemeClr>
+          </a:lnRef>
+          <a:fillRef idx="1">
+            <a:schemeClr val="accent4"/>
+          </a:fillRef>
+          <a:effectRef idx="0">
+            <a:schemeClr val="accent4"/>
+          </a:effectRef>
+          <a:fontRef idx="minor">
+            <a:schemeClr val="lt1"/>
+          </a:fontRef>
+        </p:style>
+        <p:txBody>
+          <a:bodyPr rtlCol="0" anchor="ctr"/>
+          <a:lstStyle/>
+          <a:p>
+            <a:pPr algn="ctr"/>
+            <a:endParaRPr lang="en-US"/>
+          </a:p>
+        </p:txBody>
+      </p:sp>
+      <p:sp>
+        <p:nvSpPr>
+          <p:cNvPr id="5" name="Rectangle 4">
+            <a:extLst>
+              <a:ext uri="{FF2B5EF4-FFF2-40B4-BE49-F238E27FC236}">
+                <a16:creationId xmlns:a16="http://schemas.microsoft.com/office/drawing/2014/main" id="{BCA54145-3238-42C1-A5DF-A220069D117C}"/>
+              </a:ext>
+            </a:extLst>
+          </p:cNvPr>
+          <p:cNvSpPr/>
+          <p:nvPr/>
+        </p:nvSpPr>
+        <p:spPr>
+          <a:xfrm>
+            <a:off x="3031958" y="3164306"/>
+            <a:ext cx="2005264" cy="264694"/>
+          </a:xfrm>
+          <a:prstGeom prst="rect">
+            <a:avLst/>
+          </a:prstGeom>
+        </p:spPr>
+        <p:style>
+          <a:lnRef idx="2">
+            <a:schemeClr val="accent4">
+              <a:shade val="50000"/>
+            </a:schemeClr>
+          </a:lnRef>
+          <a:fillRef idx="1">
+            <a:schemeClr val="accent4"/>
+          </a:fillRef>
+          <a:effectRef idx="0">
+            <a:schemeClr val="accent4"/>
+          </a:effectRef>
+          <a:fontRef idx="minor">
+            <a:schemeClr val="lt1"/>
+          </a:fontRef>
+        </p:style>
+        <p:txBody>
+          <a:bodyPr rtlCol="0" anchor="ctr"/>
+          <a:lstStyle/>
+          <a:p>
+            <a:pPr algn="ctr"/>
+            <a:endParaRPr lang="en-US"/>
+          </a:p>
+        </p:txBody>
+      </p:sp>
+      <p:sp>
+        <p:nvSpPr>
+          <p:cNvPr id="6" name="Rectangle 5">
+            <a:extLst>
+              <a:ext uri="{FF2B5EF4-FFF2-40B4-BE49-F238E27FC236}">
+                <a16:creationId xmlns:a16="http://schemas.microsoft.com/office/drawing/2014/main" id="{2F2A78F8-C323-46BB-A735-853E576E3580}"/>
+              </a:ext>
+            </a:extLst>
+          </p:cNvPr>
+          <p:cNvSpPr/>
+          <p:nvPr/>
+        </p:nvSpPr>
+        <p:spPr>
+          <a:xfrm>
+            <a:off x="3031958" y="3597443"/>
+            <a:ext cx="2005264" cy="264694"/>
+          </a:xfrm>
+          <a:prstGeom prst="rect">
+            <a:avLst/>
+          </a:prstGeom>
+        </p:spPr>
+        <p:style>
+          <a:lnRef idx="2">
+            <a:schemeClr val="accent4">
+              <a:shade val="50000"/>
+            </a:schemeClr>
+          </a:lnRef>
+          <a:fillRef idx="1">
+            <a:schemeClr val="accent4"/>
+          </a:fillRef>
+          <a:effectRef idx="0">
+            <a:schemeClr val="accent4"/>
+          </a:effectRef>
+          <a:fontRef idx="minor">
+            <a:schemeClr val="lt1"/>
+          </a:fontRef>
+        </p:style>
+        <p:txBody>
+          <a:bodyPr rtlCol="0" anchor="ctr"/>
+          <a:lstStyle/>
+          <a:p>
+            <a:pPr algn="ctr"/>
+            <a:endParaRPr lang="en-US"/>
+          </a:p>
+        </p:txBody>
+      </p:sp>
+      <p:sp>
+        <p:nvSpPr>
+          <p:cNvPr id="7" name="Rectangle 6">
+            <a:extLst>
+              <a:ext uri="{FF2B5EF4-FFF2-40B4-BE49-F238E27FC236}">
+                <a16:creationId xmlns:a16="http://schemas.microsoft.com/office/drawing/2014/main" id="{06B47724-C4D2-44BD-AE38-8796B159B7DF}"/>
+              </a:ext>
+            </a:extLst>
+          </p:cNvPr>
+          <p:cNvSpPr/>
+          <p:nvPr/>
+        </p:nvSpPr>
+        <p:spPr>
+          <a:xfrm>
+            <a:off x="3031958" y="4030580"/>
+            <a:ext cx="2005264" cy="264694"/>
+          </a:xfrm>
+          <a:prstGeom prst="rect">
+            <a:avLst/>
+          </a:prstGeom>
+        </p:spPr>
+        <p:style>
+          <a:lnRef idx="2">
+            <a:schemeClr val="accent4">
+              <a:shade val="50000"/>
+            </a:schemeClr>
+          </a:lnRef>
+          <a:fillRef idx="1">
+            <a:schemeClr val="accent4"/>
+          </a:fillRef>
+          <a:effectRef idx="0">
+            <a:schemeClr val="accent4"/>
+          </a:effectRef>
+          <a:fontRef idx="minor">
+            <a:schemeClr val="lt1"/>
+          </a:fontRef>
+        </p:style>
+        <p:txBody>
+          <a:bodyPr rtlCol="0" anchor="ctr"/>
+          <a:lstStyle/>
+          <a:p>
+            <a:pPr algn="ctr"/>
+            <a:endParaRPr lang="en-US"/>
+          </a:p>
+        </p:txBody>
+      </p:sp>
+      <p:sp>
+        <p:nvSpPr>
+          <p:cNvPr id="8" name="Rectangle 7">
+            <a:extLst>
+              <a:ext uri="{FF2B5EF4-FFF2-40B4-BE49-F238E27FC236}">
+                <a16:creationId xmlns:a16="http://schemas.microsoft.com/office/drawing/2014/main" id="{C02ADBBC-3D2C-410C-A9DC-8D9B2D4EB7B2}"/>
+              </a:ext>
+            </a:extLst>
+          </p:cNvPr>
+          <p:cNvSpPr/>
+          <p:nvPr/>
+        </p:nvSpPr>
+        <p:spPr>
+          <a:xfrm>
+            <a:off x="3031958" y="4463717"/>
+            <a:ext cx="2005264" cy="264694"/>
+          </a:xfrm>
+          <a:prstGeom prst="rect">
+            <a:avLst/>
+          </a:prstGeom>
+        </p:spPr>
+        <p:style>
+          <a:lnRef idx="2">
+            <a:schemeClr val="accent4">
+              <a:shade val="50000"/>
+            </a:schemeClr>
+          </a:lnRef>
+          <a:fillRef idx="1">
+            <a:schemeClr val="accent4"/>
+          </a:fillRef>
+          <a:effectRef idx="0">
+            <a:schemeClr val="accent4"/>
+          </a:effectRef>
+          <a:fontRef idx="minor">
+            <a:schemeClr val="lt1"/>
+          </a:fontRef>
+        </p:style>
+        <p:txBody>
+          <a:bodyPr rtlCol="0" anchor="ctr"/>
+          <a:lstStyle/>
+          <a:p>
+            <a:pPr algn="ctr"/>
+            <a:endParaRPr lang="en-US"/>
+          </a:p>
+        </p:txBody>
+      </p:sp>
+      <p:cxnSp>
+        <p:nvCxnSpPr>
+          <p:cNvPr id="10" name="Straight Connector 9">
+            <a:extLst>
+              <a:ext uri="{FF2B5EF4-FFF2-40B4-BE49-F238E27FC236}">
+                <a16:creationId xmlns:a16="http://schemas.microsoft.com/office/drawing/2014/main" id="{37AB0B10-77CE-4721-B786-FB74C016816D}"/>
+              </a:ext>
+            </a:extLst>
+          </p:cNvPr>
+          <p:cNvCxnSpPr/>
+          <p:nvPr/>
+        </p:nvCxnSpPr>
+        <p:spPr>
+          <a:xfrm flipH="1">
+            <a:off x="3031958" y="3429000"/>
+            <a:ext cx="2005264" cy="168443"/>
+          </a:xfrm>
+          <a:prstGeom prst="line">
+            <a:avLst/>
+          </a:prstGeom>
+        </p:spPr>
+        <p:style>
+          <a:lnRef idx="1">
+            <a:schemeClr val="accent1"/>
+          </a:lnRef>
+          <a:fillRef idx="0">
+            <a:schemeClr val="accent1"/>
+          </a:fillRef>
+          <a:effectRef idx="0">
+            <a:schemeClr val="accent1"/>
+          </a:effectRef>
+          <a:fontRef idx="minor">
+            <a:schemeClr val="tx1"/>
+          </a:fontRef>
+        </p:style>
+      </p:cxnSp>
+      <p:cxnSp>
+        <p:nvCxnSpPr>
+          <p:cNvPr id="11" name="Straight Connector 10">
+            <a:extLst>
+              <a:ext uri="{FF2B5EF4-FFF2-40B4-BE49-F238E27FC236}">
+                <a16:creationId xmlns:a16="http://schemas.microsoft.com/office/drawing/2014/main" id="{80B5FA73-045A-405E-AAB6-5AF4F2D8B321}"/>
+              </a:ext>
+            </a:extLst>
+          </p:cNvPr>
+          <p:cNvCxnSpPr/>
+          <p:nvPr/>
+        </p:nvCxnSpPr>
+        <p:spPr>
+          <a:xfrm flipH="1">
+            <a:off x="3031958" y="3862137"/>
+            <a:ext cx="2005264" cy="168443"/>
+          </a:xfrm>
+          <a:prstGeom prst="line">
+            <a:avLst/>
+          </a:prstGeom>
+        </p:spPr>
+        <p:style>
+          <a:lnRef idx="1">
+            <a:schemeClr val="accent1"/>
+          </a:lnRef>
+          <a:fillRef idx="0">
+            <a:schemeClr val="accent1"/>
+          </a:fillRef>
+          <a:effectRef idx="0">
+            <a:schemeClr val="accent1"/>
+          </a:effectRef>
+          <a:fontRef idx="minor">
+            <a:schemeClr val="tx1"/>
+          </a:fontRef>
+        </p:style>
+      </p:cxnSp>
+      <p:cxnSp>
+        <p:nvCxnSpPr>
+          <p:cNvPr id="12" name="Straight Connector 11">
+            <a:extLst>
+              <a:ext uri="{FF2B5EF4-FFF2-40B4-BE49-F238E27FC236}">
+                <a16:creationId xmlns:a16="http://schemas.microsoft.com/office/drawing/2014/main" id="{28A4F6E5-3881-479B-B6AD-FA5F8CBAE82E}"/>
+              </a:ext>
+            </a:extLst>
+          </p:cNvPr>
+          <p:cNvCxnSpPr/>
+          <p:nvPr/>
+        </p:nvCxnSpPr>
+        <p:spPr>
+          <a:xfrm flipH="1">
+            <a:off x="3031958" y="4295274"/>
+            <a:ext cx="2005264" cy="168443"/>
+          </a:xfrm>
+          <a:prstGeom prst="line">
+            <a:avLst/>
+          </a:prstGeom>
+        </p:spPr>
+        <p:style>
+          <a:lnRef idx="1">
+            <a:schemeClr val="accent1"/>
+          </a:lnRef>
+          <a:fillRef idx="0">
+            <a:schemeClr val="accent1"/>
+          </a:fillRef>
+          <a:effectRef idx="0">
+            <a:schemeClr val="accent1"/>
+          </a:effectRef>
+          <a:fontRef idx="minor">
+            <a:schemeClr val="tx1"/>
+          </a:fontRef>
+        </p:style>
+      </p:cxnSp>
+      <p:sp>
+        <p:nvSpPr>
+          <p:cNvPr id="13" name="TextBox 12">
+            <a:extLst>
+              <a:ext uri="{FF2B5EF4-FFF2-40B4-BE49-F238E27FC236}">
+                <a16:creationId xmlns:a16="http://schemas.microsoft.com/office/drawing/2014/main" id="{83A28048-FD04-4266-9A98-2C465127695B}"/>
+              </a:ext>
+            </a:extLst>
+          </p:cNvPr>
+          <p:cNvSpPr txBox="1"/>
+          <p:nvPr/>
+        </p:nvSpPr>
+        <p:spPr>
+          <a:xfrm>
+            <a:off x="1158146" y="2313892"/>
+            <a:ext cx="301686" cy="369332"/>
+          </a:xfrm>
+          <a:prstGeom prst="rect">
+            <a:avLst/>
+          </a:prstGeom>
+          <a:noFill/>
+        </p:spPr>
+        <p:txBody>
+          <a:bodyPr wrap="none" rtlCol="0">
+            <a:spAutoFit/>
+          </a:bodyPr>
+          <a:lstStyle/>
+          <a:p>
+            <a:r>
+              <a:rPr lang="en-US" dirty="0"/>
+              <a:t>0</a:t>
+            </a:r>
+          </a:p>
+        </p:txBody>
+      </p:sp>
+      <p:sp>
+        <p:nvSpPr>
+          <p:cNvPr id="14" name="TextBox 13">
+            <a:extLst>
+              <a:ext uri="{FF2B5EF4-FFF2-40B4-BE49-F238E27FC236}">
+                <a16:creationId xmlns:a16="http://schemas.microsoft.com/office/drawing/2014/main" id="{1EFAE41D-8E36-450C-BC77-64972FCA4BF0}"/>
+              </a:ext>
+            </a:extLst>
+          </p:cNvPr>
+          <p:cNvSpPr txBox="1"/>
+          <p:nvPr/>
+        </p:nvSpPr>
+        <p:spPr>
+          <a:xfrm>
+            <a:off x="10883011" y="2303683"/>
+            <a:ext cx="494046" cy="369332"/>
+          </a:xfrm>
+          <a:prstGeom prst="rect">
+            <a:avLst/>
+          </a:prstGeom>
+          <a:noFill/>
+        </p:spPr>
+        <p:txBody>
+          <a:bodyPr wrap="none" rtlCol="0">
+            <a:spAutoFit/>
+          </a:bodyPr>
+          <a:lstStyle/>
+          <a:p>
+            <a:r>
+              <a:rPr lang="en-US" dirty="0"/>
+              <a:t>n-1</a:t>
+            </a:r>
+          </a:p>
+        </p:txBody>
+      </p:sp>
+    </p:spTree>
+    <p:extLst>
+      <p:ext uri="{BB962C8B-B14F-4D97-AF65-F5344CB8AC3E}">
+        <p14:creationId xmlns:p14="http://schemas.microsoft.com/office/powerpoint/2010/main" val="77452893"/>
+      </p:ext>
+    </p:extLst>
+  </p:cSld>
+  <p:clrMapOvr>
+    <a:masterClrMapping/>
+  </p:clrMapOvr>
+</p:sld>
+</file>
+
+<file path=ppt/slides/slide27.xml><?xml version="1.0" encoding="utf-8"?>
+<p:sld xmlns:a="http://schemas.openxmlformats.org/drawingml/2006/main" xmlns:r="http://schemas.openxmlformats.org/officeDocument/2006/relationships" xmlns:p="http://schemas.openxmlformats.org/presentationml/2006/main">
+  <p:cSld>
+    <p:spTree>
+      <p:nvGrpSpPr>
+        <p:cNvPr id="1" name=""/>
+        <p:cNvGrpSpPr/>
+        <p:nvPr/>
+      </p:nvGrpSpPr>
+      <p:grpSpPr>
+        <a:xfrm>
+          <a:off x="0" y="0"/>
+          <a:ext cx="0" cy="0"/>
+          <a:chOff x="0" y="0"/>
+          <a:chExt cx="0" cy="0"/>
+        </a:xfrm>
+      </p:grpSpPr>
+      <p:sp>
+        <p:nvSpPr>
+          <p:cNvPr id="2" name="Title 1">
+            <a:extLst>
+              <a:ext uri="{FF2B5EF4-FFF2-40B4-BE49-F238E27FC236}">
+                <a16:creationId xmlns:a16="http://schemas.microsoft.com/office/drawing/2014/main" id="{AD4068C2-1B4C-4646-B26F-BF454483CD4F}"/>
+              </a:ext>
+            </a:extLst>
+          </p:cNvPr>
+          <p:cNvSpPr>
+            <a:spLocks noGrp="1"/>
+          </p:cNvSpPr>
+          <p:nvPr>
+            <p:ph type="title"/>
+          </p:nvPr>
+        </p:nvSpPr>
+        <p:spPr/>
+        <p:txBody>
+          <a:bodyPr/>
+          <a:lstStyle/>
+          <a:p>
+            <a:endParaRPr lang="en-US"/>
+          </a:p>
+        </p:txBody>
+      </p:sp>
+      <p:sp>
+        <p:nvSpPr>
+          <p:cNvPr id="4" name="Rectangle 3">
+            <a:extLst>
+              <a:ext uri="{FF2B5EF4-FFF2-40B4-BE49-F238E27FC236}">
+                <a16:creationId xmlns:a16="http://schemas.microsoft.com/office/drawing/2014/main" id="{8CBC1065-FEE0-444F-9E84-DF20B208458C}"/>
+              </a:ext>
+            </a:extLst>
+          </p:cNvPr>
+          <p:cNvSpPr/>
+          <p:nvPr/>
+        </p:nvSpPr>
+        <p:spPr>
+          <a:xfrm>
+            <a:off x="873259" y="2193906"/>
+            <a:ext cx="10515600" cy="4311149"/>
+          </a:xfrm>
+          <a:prstGeom prst="rect">
+            <a:avLst/>
+          </a:prstGeom>
+        </p:spPr>
+        <p:style>
+          <a:lnRef idx="2">
+            <a:schemeClr val="accent3"/>
+          </a:lnRef>
+          <a:fillRef idx="1">
+            <a:schemeClr val="lt1"/>
+          </a:fillRef>
+          <a:effectRef idx="0">
+            <a:schemeClr val="accent3"/>
+          </a:effectRef>
+          <a:fontRef idx="minor">
+            <a:schemeClr val="dk1"/>
+          </a:fontRef>
+        </p:style>
+        <p:txBody>
+          <a:bodyPr rtlCol="0" anchor="ctr"/>
+          <a:lstStyle/>
+          <a:p>
+            <a:pPr algn="ctr"/>
+            <a:endParaRPr lang="en-US" dirty="0"/>
+          </a:p>
+        </p:txBody>
+      </p:sp>
+      <p:sp>
+        <p:nvSpPr>
+          <p:cNvPr id="5" name="Rectangle 4">
+            <a:extLst>
+              <a:ext uri="{FF2B5EF4-FFF2-40B4-BE49-F238E27FC236}">
+                <a16:creationId xmlns:a16="http://schemas.microsoft.com/office/drawing/2014/main" id="{485AB3D4-F837-4E80-9143-7AF107951675}"/>
+              </a:ext>
+            </a:extLst>
+          </p:cNvPr>
+          <p:cNvSpPr/>
+          <p:nvPr/>
+        </p:nvSpPr>
+        <p:spPr>
+          <a:xfrm>
+            <a:off x="4888831" y="2358190"/>
+            <a:ext cx="2414337" cy="3962400"/>
+          </a:xfrm>
+          <a:prstGeom prst="rect">
+            <a:avLst/>
+          </a:prstGeom>
+        </p:spPr>
+        <p:style>
+          <a:lnRef idx="1">
+            <a:schemeClr val="accent4"/>
+          </a:lnRef>
+          <a:fillRef idx="2">
+            <a:schemeClr val="accent4"/>
+          </a:fillRef>
+          <a:effectRef idx="1">
+            <a:schemeClr val="accent4"/>
+          </a:effectRef>
+          <a:fontRef idx="minor">
+            <a:schemeClr val="dk1"/>
+          </a:fontRef>
+        </p:style>
+        <p:txBody>
+          <a:bodyPr rtlCol="0" anchor="ctr"/>
+          <a:lstStyle/>
+          <a:p>
+            <a:pPr algn="ctr"/>
+            <a:r>
+              <a:rPr lang="en-US" dirty="0" err="1"/>
+              <a:t>GameSpace</a:t>
+            </a:r>
+            <a:endParaRPr lang="en-US" dirty="0"/>
+          </a:p>
+        </p:txBody>
+      </p:sp>
+      <p:cxnSp>
+        <p:nvCxnSpPr>
+          <p:cNvPr id="7" name="Straight Arrow Connector 6">
+            <a:extLst>
+              <a:ext uri="{FF2B5EF4-FFF2-40B4-BE49-F238E27FC236}">
+                <a16:creationId xmlns:a16="http://schemas.microsoft.com/office/drawing/2014/main" id="{7EB1488E-AFEE-4E81-977C-947A3D181D52}"/>
+              </a:ext>
+            </a:extLst>
+          </p:cNvPr>
+          <p:cNvCxnSpPr/>
+          <p:nvPr/>
+        </p:nvCxnSpPr>
+        <p:spPr>
+          <a:xfrm>
+            <a:off x="838200" y="2927685"/>
+            <a:ext cx="6464968" cy="0"/>
+          </a:xfrm>
+          <a:prstGeom prst="straightConnector1">
+            <a:avLst/>
+          </a:prstGeom>
+          <a:ln>
+            <a:headEnd type="triangle"/>
+            <a:tailEnd type="triangle"/>
+          </a:ln>
+        </p:spPr>
+        <p:style>
+          <a:lnRef idx="1">
+            <a:schemeClr val="accent1"/>
+          </a:lnRef>
+          <a:fillRef idx="0">
+            <a:schemeClr val="accent1"/>
+          </a:fillRef>
+          <a:effectRef idx="0">
+            <a:schemeClr val="accent1"/>
+          </a:effectRef>
+          <a:fontRef idx="minor">
+            <a:schemeClr val="tx1"/>
+          </a:fontRef>
+        </p:style>
+      </p:cxnSp>
+      <p:sp>
+        <p:nvSpPr>
+          <p:cNvPr id="8" name="TextBox 7">
+            <a:extLst>
+              <a:ext uri="{FF2B5EF4-FFF2-40B4-BE49-F238E27FC236}">
+                <a16:creationId xmlns:a16="http://schemas.microsoft.com/office/drawing/2014/main" id="{CB4BB828-3AC8-48ED-8CD6-3F9C066B7D0A}"/>
+              </a:ext>
+            </a:extLst>
+          </p:cNvPr>
+          <p:cNvSpPr txBox="1"/>
+          <p:nvPr/>
+        </p:nvSpPr>
+        <p:spPr>
+          <a:xfrm>
+            <a:off x="2775284" y="2903621"/>
+            <a:ext cx="1508683" cy="369332"/>
+          </a:xfrm>
+          <a:prstGeom prst="rect">
+            <a:avLst/>
+          </a:prstGeom>
+          <a:noFill/>
+        </p:spPr>
+        <p:txBody>
+          <a:bodyPr wrap="none" rtlCol="0">
+            <a:spAutoFit/>
+          </a:bodyPr>
+          <a:lstStyle/>
+          <a:p>
+            <a:r>
+              <a:rPr lang="en-US" dirty="0" err="1"/>
+              <a:t>forecastXEdge</a:t>
+            </a:r>
+            <a:endParaRPr lang="en-US" dirty="0"/>
+          </a:p>
+        </p:txBody>
+      </p:sp>
+      <p:cxnSp>
+        <p:nvCxnSpPr>
+          <p:cNvPr id="10" name="Straight Arrow Connector 9">
+            <a:extLst>
+              <a:ext uri="{FF2B5EF4-FFF2-40B4-BE49-F238E27FC236}">
+                <a16:creationId xmlns:a16="http://schemas.microsoft.com/office/drawing/2014/main" id="{42B66F7C-C8D0-468A-884D-C07CA2064D8A}"/>
+              </a:ext>
+            </a:extLst>
+          </p:cNvPr>
+          <p:cNvCxnSpPr/>
+          <p:nvPr/>
+        </p:nvCxnSpPr>
+        <p:spPr>
+          <a:xfrm flipV="1">
+            <a:off x="7303168" y="2181727"/>
+            <a:ext cx="0" cy="176463"/>
+          </a:xfrm>
+          <a:prstGeom prst="straightConnector1">
+            <a:avLst/>
+          </a:prstGeom>
+          <a:ln>
+            <a:headEnd type="triangle"/>
+            <a:tailEnd type="triangle"/>
+          </a:ln>
+        </p:spPr>
+        <p:style>
+          <a:lnRef idx="1">
+            <a:schemeClr val="accent1"/>
+          </a:lnRef>
+          <a:fillRef idx="0">
+            <a:schemeClr val="accent1"/>
+          </a:fillRef>
+          <a:effectRef idx="0">
+            <a:schemeClr val="accent1"/>
+          </a:effectRef>
+          <a:fontRef idx="minor">
+            <a:schemeClr val="tx1"/>
+          </a:fontRef>
+        </p:style>
+      </p:cxnSp>
+      <p:sp>
+        <p:nvSpPr>
+          <p:cNvPr id="11" name="TextBox 10">
+            <a:extLst>
+              <a:ext uri="{FF2B5EF4-FFF2-40B4-BE49-F238E27FC236}">
+                <a16:creationId xmlns:a16="http://schemas.microsoft.com/office/drawing/2014/main" id="{87F91322-02D5-44BB-AF23-85E643AE307E}"/>
+              </a:ext>
+            </a:extLst>
+          </p:cNvPr>
+          <p:cNvSpPr txBox="1"/>
+          <p:nvPr/>
+        </p:nvSpPr>
+        <p:spPr>
+          <a:xfrm>
+            <a:off x="7427494" y="1939854"/>
+            <a:ext cx="2898322" cy="369332"/>
+          </a:xfrm>
+          <a:prstGeom prst="rect">
+            <a:avLst/>
+          </a:prstGeom>
+          <a:noFill/>
+        </p:spPr>
+        <p:txBody>
+          <a:bodyPr wrap="square" rtlCol="0">
+            <a:spAutoFit/>
+          </a:bodyPr>
+          <a:lstStyle/>
+          <a:p>
+            <a:r>
+              <a:rPr lang="en-US" dirty="0" err="1"/>
+              <a:t>yMargin</a:t>
+            </a:r>
+            <a:r>
+              <a:rPr lang="en-US" dirty="0"/>
+              <a:t> = </a:t>
+            </a:r>
+            <a:r>
+              <a:rPr lang="en-US" dirty="0" err="1"/>
+              <a:t>forecastYMargin</a:t>
+            </a:r>
+            <a:r>
+              <a:rPr lang="en-US" dirty="0"/>
+              <a:t> </a:t>
+            </a:r>
+          </a:p>
+        </p:txBody>
+      </p:sp>
+      <p:cxnSp>
+        <p:nvCxnSpPr>
+          <p:cNvPr id="13" name="Straight Connector 12">
+            <a:extLst>
+              <a:ext uri="{FF2B5EF4-FFF2-40B4-BE49-F238E27FC236}">
+                <a16:creationId xmlns:a16="http://schemas.microsoft.com/office/drawing/2014/main" id="{4B48897A-7295-47DB-9BF4-5A433DBA71DC}"/>
+              </a:ext>
+            </a:extLst>
+          </p:cNvPr>
+          <p:cNvCxnSpPr>
+            <a:cxnSpLocks/>
+          </p:cNvCxnSpPr>
+          <p:nvPr/>
+        </p:nvCxnSpPr>
+        <p:spPr>
+          <a:xfrm flipV="1">
+            <a:off x="7303168" y="2358189"/>
+            <a:ext cx="4085691" cy="1"/>
+          </a:xfrm>
+          <a:prstGeom prst="line">
+            <a:avLst/>
+          </a:prstGeom>
+          <a:ln>
+            <a:prstDash val="lgDash"/>
+          </a:ln>
+        </p:spPr>
+        <p:style>
+          <a:lnRef idx="1">
+            <a:schemeClr val="accent1"/>
+          </a:lnRef>
+          <a:fillRef idx="0">
+            <a:schemeClr val="accent1"/>
+          </a:fillRef>
+          <a:effectRef idx="0">
+            <a:schemeClr val="accent1"/>
+          </a:effectRef>
+          <a:fontRef idx="minor">
+            <a:schemeClr val="tx1"/>
+          </a:fontRef>
+        </p:style>
+      </p:cxnSp>
+      <p:sp>
+        <p:nvSpPr>
+          <p:cNvPr id="16" name="Rectangle 15">
+            <a:extLst>
+              <a:ext uri="{FF2B5EF4-FFF2-40B4-BE49-F238E27FC236}">
+                <a16:creationId xmlns:a16="http://schemas.microsoft.com/office/drawing/2014/main" id="{A306FF2A-701E-4DE4-B3DF-EAA2147B86C9}"/>
+              </a:ext>
+            </a:extLst>
+          </p:cNvPr>
+          <p:cNvSpPr/>
+          <p:nvPr/>
+        </p:nvSpPr>
+        <p:spPr>
+          <a:xfrm>
+            <a:off x="8053137" y="2358189"/>
+            <a:ext cx="2515627" cy="473242"/>
+          </a:xfrm>
+          <a:prstGeom prst="rect">
+            <a:avLst/>
+          </a:prstGeom>
+        </p:spPr>
+        <p:style>
+          <a:lnRef idx="2">
+            <a:schemeClr val="accent1">
+              <a:shade val="50000"/>
+            </a:schemeClr>
+          </a:lnRef>
+          <a:fillRef idx="1">
+            <a:schemeClr val="accent1"/>
+          </a:fillRef>
+          <a:effectRef idx="0">
+            <a:schemeClr val="accent1"/>
+          </a:effectRef>
+          <a:fontRef idx="minor">
+            <a:schemeClr val="lt1"/>
+          </a:fontRef>
+        </p:style>
+        <p:txBody>
+          <a:bodyPr rtlCol="0" anchor="ctr"/>
+          <a:lstStyle/>
+          <a:p>
+            <a:pPr algn="ctr"/>
+            <a:r>
+              <a:rPr lang="en-US" dirty="0"/>
+              <a:t>“Next”</a:t>
+            </a:r>
+          </a:p>
+        </p:txBody>
+      </p:sp>
+      <p:sp>
+        <p:nvSpPr>
+          <p:cNvPr id="17" name="Rectangle 16">
+            <a:extLst>
+              <a:ext uri="{FF2B5EF4-FFF2-40B4-BE49-F238E27FC236}">
+                <a16:creationId xmlns:a16="http://schemas.microsoft.com/office/drawing/2014/main" id="{9CB93C24-A029-4201-8B72-A6478163E3ED}"/>
+              </a:ext>
+            </a:extLst>
+          </p:cNvPr>
+          <p:cNvSpPr/>
+          <p:nvPr/>
+        </p:nvSpPr>
+        <p:spPr>
+          <a:xfrm>
+            <a:off x="8053137" y="3042259"/>
+            <a:ext cx="2515637" cy="2234287"/>
+          </a:xfrm>
+          <a:prstGeom prst="rect">
+            <a:avLst/>
+          </a:prstGeom>
+        </p:spPr>
+        <p:style>
+          <a:lnRef idx="2">
+            <a:schemeClr val="accent1">
+              <a:shade val="50000"/>
+            </a:schemeClr>
+          </a:lnRef>
+          <a:fillRef idx="1">
+            <a:schemeClr val="accent1"/>
+          </a:fillRef>
+          <a:effectRef idx="0">
+            <a:schemeClr val="accent1"/>
+          </a:effectRef>
+          <a:fontRef idx="minor">
+            <a:schemeClr val="lt1"/>
+          </a:fontRef>
+        </p:style>
+        <p:txBody>
+          <a:bodyPr numCol="3" rtlCol="0" anchor="ctr"/>
+          <a:lstStyle/>
+          <a:p>
+            <a:pPr algn="ctr"/>
+            <a:r>
+              <a:rPr lang="en-US" dirty="0"/>
+              <a:t>Display</a:t>
+            </a:r>
+          </a:p>
+          <a:p>
+            <a:pPr algn="ctr"/>
+            <a:r>
+              <a:rPr lang="en-US" i="1" u="sng" dirty="0"/>
+              <a:t>n</a:t>
+            </a:r>
+            <a:r>
+              <a:rPr lang="en-US" dirty="0"/>
+              <a:t> by </a:t>
+            </a:r>
+            <a:r>
+              <a:rPr lang="en-US" i="1" u="sng" dirty="0"/>
+              <a:t>n</a:t>
+            </a:r>
+          </a:p>
+          <a:p>
+            <a:pPr algn="ctr"/>
+            <a:r>
+              <a:rPr lang="en-US" dirty="0"/>
+              <a:t>(n &gt;=4)</a:t>
+            </a:r>
+          </a:p>
+        </p:txBody>
+      </p:sp>
+      <p:cxnSp>
+        <p:nvCxnSpPr>
+          <p:cNvPr id="19" name="Straight Arrow Connector 18">
+            <a:extLst>
+              <a:ext uri="{FF2B5EF4-FFF2-40B4-BE49-F238E27FC236}">
+                <a16:creationId xmlns:a16="http://schemas.microsoft.com/office/drawing/2014/main" id="{1624A387-C49A-41FF-A163-CAC656BAC2E5}"/>
+              </a:ext>
+            </a:extLst>
+          </p:cNvPr>
+          <p:cNvCxnSpPr>
+            <a:cxnSpLocks/>
+          </p:cNvCxnSpPr>
+          <p:nvPr/>
+        </p:nvCxnSpPr>
+        <p:spPr>
+          <a:xfrm flipH="1" flipV="1">
+            <a:off x="7303167" y="3554220"/>
+            <a:ext cx="749969" cy="1"/>
+          </a:xfrm>
+          <a:prstGeom prst="straightConnector1">
+            <a:avLst/>
+          </a:prstGeom>
+          <a:ln>
+            <a:headEnd type="triangle"/>
+            <a:tailEnd type="triangle"/>
+          </a:ln>
+        </p:spPr>
+        <p:style>
+          <a:lnRef idx="1">
+            <a:schemeClr val="accent1"/>
+          </a:lnRef>
+          <a:fillRef idx="0">
+            <a:schemeClr val="accent1"/>
+          </a:fillRef>
+          <a:effectRef idx="0">
+            <a:schemeClr val="accent1"/>
+          </a:effectRef>
+          <a:fontRef idx="minor">
+            <a:schemeClr val="tx1"/>
+          </a:fontRef>
+        </p:style>
+      </p:cxnSp>
+      <p:sp>
+        <p:nvSpPr>
+          <p:cNvPr id="21" name="TextBox 20">
+            <a:extLst>
+              <a:ext uri="{FF2B5EF4-FFF2-40B4-BE49-F238E27FC236}">
+                <a16:creationId xmlns:a16="http://schemas.microsoft.com/office/drawing/2014/main" id="{601DE5DB-0AC4-48C0-8C20-31BAA18AC637}"/>
+              </a:ext>
+            </a:extLst>
+          </p:cNvPr>
+          <p:cNvSpPr txBox="1"/>
+          <p:nvPr/>
+        </p:nvSpPr>
+        <p:spPr>
+          <a:xfrm>
+            <a:off x="2667594" y="5511575"/>
+            <a:ext cx="952568" cy="369332"/>
+          </a:xfrm>
+          <a:prstGeom prst="rect">
+            <a:avLst/>
+          </a:prstGeom>
+          <a:noFill/>
+        </p:spPr>
+        <p:txBody>
+          <a:bodyPr wrap="none" rtlCol="0">
+            <a:spAutoFit/>
+          </a:bodyPr>
+          <a:lstStyle/>
+          <a:p>
+            <a:r>
+              <a:rPr lang="en-US" dirty="0" err="1"/>
+              <a:t>xMargin</a:t>
+            </a:r>
+            <a:endParaRPr lang="en-US" dirty="0"/>
+          </a:p>
+        </p:txBody>
+      </p:sp>
+      <p:cxnSp>
+        <p:nvCxnSpPr>
+          <p:cNvPr id="23" name="Straight Arrow Connector 22">
+            <a:extLst>
+              <a:ext uri="{FF2B5EF4-FFF2-40B4-BE49-F238E27FC236}">
+                <a16:creationId xmlns:a16="http://schemas.microsoft.com/office/drawing/2014/main" id="{9E9F3DC9-98A8-441E-B86D-B4F15EAD97DB}"/>
+              </a:ext>
+            </a:extLst>
+          </p:cNvPr>
+          <p:cNvCxnSpPr>
+            <a:cxnSpLocks/>
+          </p:cNvCxnSpPr>
+          <p:nvPr/>
+        </p:nvCxnSpPr>
+        <p:spPr>
+          <a:xfrm flipH="1" flipV="1">
+            <a:off x="10568772" y="4710280"/>
+            <a:ext cx="749969" cy="1"/>
+          </a:xfrm>
+          <a:prstGeom prst="straightConnector1">
+            <a:avLst/>
+          </a:prstGeom>
+          <a:ln>
+            <a:headEnd type="triangle"/>
+            <a:tailEnd type="triangle"/>
+          </a:ln>
+        </p:spPr>
+        <p:style>
+          <a:lnRef idx="1">
+            <a:schemeClr val="accent1"/>
+          </a:lnRef>
+          <a:fillRef idx="0">
+            <a:schemeClr val="accent1"/>
+          </a:fillRef>
+          <a:effectRef idx="0">
+            <a:schemeClr val="accent1"/>
+          </a:effectRef>
+          <a:fontRef idx="minor">
+            <a:schemeClr val="tx1"/>
+          </a:fontRef>
+        </p:style>
+      </p:cxnSp>
+      <p:sp>
+        <p:nvSpPr>
+          <p:cNvPr id="24" name="Rectangle 23">
+            <a:extLst>
+              <a:ext uri="{FF2B5EF4-FFF2-40B4-BE49-F238E27FC236}">
+                <a16:creationId xmlns:a16="http://schemas.microsoft.com/office/drawing/2014/main" id="{BA2FEA83-28AF-4BC0-B81A-87278092E6CE}"/>
+              </a:ext>
+            </a:extLst>
+          </p:cNvPr>
+          <p:cNvSpPr/>
+          <p:nvPr/>
+        </p:nvSpPr>
+        <p:spPr>
+          <a:xfrm>
+            <a:off x="9061266" y="3843224"/>
+            <a:ext cx="569495" cy="473242"/>
+          </a:xfrm>
+          <a:prstGeom prst="rect">
+            <a:avLst/>
+          </a:prstGeom>
+        </p:spPr>
+        <p:style>
+          <a:lnRef idx="2">
+            <a:schemeClr val="accent2">
+              <a:shade val="50000"/>
+            </a:schemeClr>
+          </a:lnRef>
+          <a:fillRef idx="1">
+            <a:schemeClr val="accent2"/>
+          </a:fillRef>
+          <a:effectRef idx="0">
+            <a:schemeClr val="accent2"/>
+          </a:effectRef>
+          <a:fontRef idx="minor">
+            <a:schemeClr val="lt1"/>
+          </a:fontRef>
+        </p:style>
+        <p:txBody>
+          <a:bodyPr rtlCol="0" anchor="ctr"/>
+          <a:lstStyle/>
+          <a:p>
+            <a:pPr algn="ctr"/>
+            <a:endParaRPr lang="en-US"/>
+          </a:p>
+        </p:txBody>
+      </p:sp>
+      <p:cxnSp>
+        <p:nvCxnSpPr>
+          <p:cNvPr id="18" name="Straight Arrow Connector 17">
+            <a:extLst>
+              <a:ext uri="{FF2B5EF4-FFF2-40B4-BE49-F238E27FC236}">
+                <a16:creationId xmlns:a16="http://schemas.microsoft.com/office/drawing/2014/main" id="{3755772F-E71D-4022-B98A-3EB495687896}"/>
+              </a:ext>
+            </a:extLst>
+          </p:cNvPr>
+          <p:cNvCxnSpPr>
+            <a:cxnSpLocks/>
+          </p:cNvCxnSpPr>
+          <p:nvPr/>
+        </p:nvCxnSpPr>
+        <p:spPr>
+          <a:xfrm flipV="1">
+            <a:off x="7303168" y="6320590"/>
+            <a:ext cx="0" cy="184466"/>
+          </a:xfrm>
+          <a:prstGeom prst="straightConnector1">
+            <a:avLst/>
+          </a:prstGeom>
+          <a:ln>
+            <a:headEnd type="triangle"/>
+            <a:tailEnd type="triangle"/>
+          </a:ln>
+        </p:spPr>
+        <p:style>
+          <a:lnRef idx="1">
+            <a:schemeClr val="accent1"/>
+          </a:lnRef>
+          <a:fillRef idx="0">
+            <a:schemeClr val="accent1"/>
+          </a:fillRef>
+          <a:effectRef idx="0">
+            <a:schemeClr val="accent1"/>
+          </a:effectRef>
+          <a:fontRef idx="minor">
+            <a:schemeClr val="tx1"/>
+          </a:fontRef>
+        </p:style>
+      </p:cxnSp>
+      <p:cxnSp>
+        <p:nvCxnSpPr>
+          <p:cNvPr id="20" name="Straight Arrow Connector 19">
+            <a:extLst>
+              <a:ext uri="{FF2B5EF4-FFF2-40B4-BE49-F238E27FC236}">
+                <a16:creationId xmlns:a16="http://schemas.microsoft.com/office/drawing/2014/main" id="{C085648C-F957-4637-B4E0-8A0746090EAF}"/>
+              </a:ext>
+            </a:extLst>
+          </p:cNvPr>
+          <p:cNvCxnSpPr>
+            <a:cxnSpLocks/>
+          </p:cNvCxnSpPr>
+          <p:nvPr/>
+        </p:nvCxnSpPr>
+        <p:spPr>
+          <a:xfrm>
+            <a:off x="873259" y="5594386"/>
+            <a:ext cx="4015572" cy="0"/>
+          </a:xfrm>
+          <a:prstGeom prst="straightConnector1">
+            <a:avLst/>
+          </a:prstGeom>
+          <a:ln>
+            <a:headEnd type="triangle"/>
+            <a:tailEnd type="triangle"/>
+          </a:ln>
+        </p:spPr>
+        <p:style>
+          <a:lnRef idx="1">
+            <a:schemeClr val="accent1"/>
+          </a:lnRef>
+          <a:fillRef idx="0">
+            <a:schemeClr val="accent1"/>
+          </a:fillRef>
+          <a:effectRef idx="0">
+            <a:schemeClr val="accent1"/>
+          </a:effectRef>
+          <a:fontRef idx="minor">
+            <a:schemeClr val="tx1"/>
+          </a:fontRef>
+        </p:style>
+      </p:cxnSp>
+      <p:cxnSp>
+        <p:nvCxnSpPr>
+          <p:cNvPr id="22" name="Straight Arrow Connector 21">
+            <a:extLst>
+              <a:ext uri="{FF2B5EF4-FFF2-40B4-BE49-F238E27FC236}">
+                <a16:creationId xmlns:a16="http://schemas.microsoft.com/office/drawing/2014/main" id="{29D013DB-0410-4DD2-AE6B-80BBA946BE86}"/>
+              </a:ext>
+            </a:extLst>
+          </p:cNvPr>
+          <p:cNvCxnSpPr>
+            <a:cxnSpLocks/>
+          </p:cNvCxnSpPr>
+          <p:nvPr/>
+        </p:nvCxnSpPr>
+        <p:spPr>
+          <a:xfrm>
+            <a:off x="7303169" y="5578727"/>
+            <a:ext cx="4085690" cy="0"/>
+          </a:xfrm>
+          <a:prstGeom prst="straightConnector1">
+            <a:avLst/>
+          </a:prstGeom>
+          <a:ln>
+            <a:headEnd type="triangle"/>
+            <a:tailEnd type="triangle"/>
+          </a:ln>
+        </p:spPr>
+        <p:style>
+          <a:lnRef idx="1">
+            <a:schemeClr val="accent1"/>
+          </a:lnRef>
+          <a:fillRef idx="0">
+            <a:schemeClr val="accent1"/>
+          </a:fillRef>
+          <a:effectRef idx="0">
+            <a:schemeClr val="accent1"/>
+          </a:effectRef>
+          <a:fontRef idx="minor">
+            <a:schemeClr val="tx1"/>
+          </a:fontRef>
+        </p:style>
+      </p:cxnSp>
+      <p:sp>
+        <p:nvSpPr>
+          <p:cNvPr id="25" name="TextBox 24">
+            <a:extLst>
+              <a:ext uri="{FF2B5EF4-FFF2-40B4-BE49-F238E27FC236}">
+                <a16:creationId xmlns:a16="http://schemas.microsoft.com/office/drawing/2014/main" id="{C66714A1-93D1-42BC-8E4B-376B3C19F2B3}"/>
+              </a:ext>
+            </a:extLst>
+          </p:cNvPr>
+          <p:cNvSpPr txBox="1"/>
+          <p:nvPr/>
+        </p:nvSpPr>
+        <p:spPr>
+          <a:xfrm>
+            <a:off x="8834666" y="5511575"/>
+            <a:ext cx="292068" cy="369332"/>
+          </a:xfrm>
+          <a:prstGeom prst="rect">
+            <a:avLst/>
+          </a:prstGeom>
+          <a:noFill/>
+        </p:spPr>
+        <p:txBody>
+          <a:bodyPr wrap="none" rtlCol="0">
+            <a:spAutoFit/>
+          </a:bodyPr>
+          <a:lstStyle/>
+          <a:p>
+            <a:r>
+              <a:rPr lang="en-US" dirty="0"/>
+              <a:t>?</a:t>
+            </a:r>
+          </a:p>
+        </p:txBody>
+      </p:sp>
+      <p:sp>
+        <p:nvSpPr>
+          <p:cNvPr id="26" name="TextBox 25">
+            <a:extLst>
+              <a:ext uri="{FF2B5EF4-FFF2-40B4-BE49-F238E27FC236}">
+                <a16:creationId xmlns:a16="http://schemas.microsoft.com/office/drawing/2014/main" id="{A552BA0B-9409-4FBD-8BA6-6AC5FA0E64B4}"/>
+              </a:ext>
+            </a:extLst>
+          </p:cNvPr>
+          <p:cNvSpPr txBox="1"/>
+          <p:nvPr/>
+        </p:nvSpPr>
+        <p:spPr>
+          <a:xfrm>
+            <a:off x="6785960" y="3100052"/>
+            <a:ext cx="1719685" cy="369332"/>
+          </a:xfrm>
+          <a:prstGeom prst="rect">
+            <a:avLst/>
+          </a:prstGeom>
+          <a:noFill/>
+        </p:spPr>
+        <p:txBody>
+          <a:bodyPr wrap="square" rtlCol="0">
+            <a:spAutoFit/>
+          </a:bodyPr>
+          <a:lstStyle/>
+          <a:p>
+            <a:r>
+              <a:rPr lang="en-US" dirty="0" err="1"/>
+              <a:t>forecastXMargin</a:t>
+            </a:r>
+            <a:endParaRPr lang="en-US" dirty="0"/>
+          </a:p>
+        </p:txBody>
+      </p:sp>
+      <p:sp>
+        <p:nvSpPr>
+          <p:cNvPr id="27" name="TextBox 26">
+            <a:extLst>
+              <a:ext uri="{FF2B5EF4-FFF2-40B4-BE49-F238E27FC236}">
+                <a16:creationId xmlns:a16="http://schemas.microsoft.com/office/drawing/2014/main" id="{7B91C9AD-EAA4-4746-8B90-51FC690AB679}"/>
+              </a:ext>
+            </a:extLst>
+          </p:cNvPr>
+          <p:cNvSpPr txBox="1"/>
+          <p:nvPr/>
+        </p:nvSpPr>
+        <p:spPr>
+          <a:xfrm>
+            <a:off x="7375703" y="6222857"/>
+            <a:ext cx="2898322" cy="369332"/>
+          </a:xfrm>
+          <a:prstGeom prst="rect">
+            <a:avLst/>
+          </a:prstGeom>
+          <a:noFill/>
+        </p:spPr>
+        <p:txBody>
+          <a:bodyPr wrap="square" rtlCol="0">
+            <a:spAutoFit/>
+          </a:bodyPr>
+          <a:lstStyle/>
+          <a:p>
+            <a:r>
+              <a:rPr lang="en-US" dirty="0" err="1"/>
+              <a:t>yMargin</a:t>
+            </a:r>
+            <a:r>
+              <a:rPr lang="en-US" dirty="0"/>
+              <a:t> = </a:t>
+            </a:r>
+            <a:r>
+              <a:rPr lang="en-US" dirty="0" err="1"/>
+              <a:t>forecastYMargin</a:t>
+            </a:r>
+            <a:r>
+              <a:rPr lang="en-US" dirty="0"/>
+              <a:t> </a:t>
+            </a:r>
+          </a:p>
+        </p:txBody>
+      </p:sp>
+      <p:cxnSp>
+        <p:nvCxnSpPr>
+          <p:cNvPr id="28" name="Straight Arrow Connector 27">
+            <a:extLst>
+              <a:ext uri="{FF2B5EF4-FFF2-40B4-BE49-F238E27FC236}">
+                <a16:creationId xmlns:a16="http://schemas.microsoft.com/office/drawing/2014/main" id="{878894B6-484C-4B08-926D-64ADABED7BA2}"/>
+              </a:ext>
+            </a:extLst>
+          </p:cNvPr>
+          <p:cNvCxnSpPr>
+            <a:cxnSpLocks/>
+          </p:cNvCxnSpPr>
+          <p:nvPr/>
+        </p:nvCxnSpPr>
+        <p:spPr>
+          <a:xfrm flipH="1" flipV="1">
+            <a:off x="10568764" y="3554220"/>
+            <a:ext cx="749969" cy="1"/>
+          </a:xfrm>
+          <a:prstGeom prst="straightConnector1">
+            <a:avLst/>
+          </a:prstGeom>
+          <a:ln>
+            <a:headEnd type="triangle"/>
+            <a:tailEnd type="triangle"/>
+          </a:ln>
+        </p:spPr>
+        <p:style>
+          <a:lnRef idx="1">
+            <a:schemeClr val="accent1"/>
+          </a:lnRef>
+          <a:fillRef idx="0">
+            <a:schemeClr val="accent1"/>
+          </a:fillRef>
+          <a:effectRef idx="0">
+            <a:schemeClr val="accent1"/>
+          </a:effectRef>
+          <a:fontRef idx="minor">
+            <a:schemeClr val="tx1"/>
+          </a:fontRef>
+        </p:style>
+      </p:cxnSp>
+      <p:sp>
+        <p:nvSpPr>
+          <p:cNvPr id="29" name="TextBox 28">
+            <a:extLst>
+              <a:ext uri="{FF2B5EF4-FFF2-40B4-BE49-F238E27FC236}">
+                <a16:creationId xmlns:a16="http://schemas.microsoft.com/office/drawing/2014/main" id="{7A4F3195-C0E7-42D1-B743-D5357DE0984A}"/>
+              </a:ext>
+            </a:extLst>
+          </p:cNvPr>
+          <p:cNvSpPr txBox="1"/>
+          <p:nvPr/>
+        </p:nvSpPr>
+        <p:spPr>
+          <a:xfrm>
+            <a:off x="10115567" y="3115898"/>
+            <a:ext cx="1719685" cy="369332"/>
+          </a:xfrm>
+          <a:prstGeom prst="rect">
+            <a:avLst/>
+          </a:prstGeom>
+          <a:noFill/>
+        </p:spPr>
+        <p:txBody>
+          <a:bodyPr wrap="square" rtlCol="0">
+            <a:spAutoFit/>
+          </a:bodyPr>
+          <a:lstStyle/>
+          <a:p>
+            <a:r>
+              <a:rPr lang="en-US" dirty="0" err="1"/>
+              <a:t>forecastXMargin</a:t>
+            </a:r>
+            <a:endParaRPr lang="en-US" dirty="0"/>
+          </a:p>
+        </p:txBody>
+      </p:sp>
+      <p:cxnSp>
+        <p:nvCxnSpPr>
+          <p:cNvPr id="30" name="Straight Arrow Connector 29">
+            <a:extLst>
+              <a:ext uri="{FF2B5EF4-FFF2-40B4-BE49-F238E27FC236}">
+                <a16:creationId xmlns:a16="http://schemas.microsoft.com/office/drawing/2014/main" id="{1C01D022-4E43-42E7-8B4D-054AD1609DDA}"/>
+              </a:ext>
+            </a:extLst>
+          </p:cNvPr>
+          <p:cNvCxnSpPr>
+            <a:cxnSpLocks/>
+          </p:cNvCxnSpPr>
+          <p:nvPr/>
+        </p:nvCxnSpPr>
+        <p:spPr>
+          <a:xfrm flipV="1">
+            <a:off x="8714873" y="2831431"/>
+            <a:ext cx="0" cy="210829"/>
+          </a:xfrm>
+          <a:prstGeom prst="straightConnector1">
+            <a:avLst/>
+          </a:prstGeom>
+          <a:ln>
+            <a:headEnd type="triangle"/>
+            <a:tailEnd type="triangle"/>
+          </a:ln>
+        </p:spPr>
+        <p:style>
+          <a:lnRef idx="1">
+            <a:schemeClr val="accent1"/>
+          </a:lnRef>
+          <a:fillRef idx="0">
+            <a:schemeClr val="accent1"/>
+          </a:fillRef>
+          <a:effectRef idx="0">
+            <a:schemeClr val="accent1"/>
+          </a:effectRef>
+          <a:fontRef idx="minor">
+            <a:schemeClr val="tx1"/>
+          </a:fontRef>
+        </p:style>
+      </p:cxnSp>
+      <p:cxnSp>
+        <p:nvCxnSpPr>
+          <p:cNvPr id="31" name="Straight Connector 30">
+            <a:extLst>
+              <a:ext uri="{FF2B5EF4-FFF2-40B4-BE49-F238E27FC236}">
+                <a16:creationId xmlns:a16="http://schemas.microsoft.com/office/drawing/2014/main" id="{861BC4BF-15A2-4637-BED2-E3EA702BE53F}"/>
+              </a:ext>
+            </a:extLst>
+          </p:cNvPr>
+          <p:cNvCxnSpPr>
+            <a:cxnSpLocks/>
+          </p:cNvCxnSpPr>
+          <p:nvPr/>
+        </p:nvCxnSpPr>
+        <p:spPr>
+          <a:xfrm flipV="1">
+            <a:off x="7303168" y="2831431"/>
+            <a:ext cx="4085691" cy="1"/>
+          </a:xfrm>
+          <a:prstGeom prst="line">
+            <a:avLst/>
+          </a:prstGeom>
+          <a:ln>
+            <a:prstDash val="lgDash"/>
+          </a:ln>
+        </p:spPr>
+        <p:style>
+          <a:lnRef idx="1">
+            <a:schemeClr val="accent1"/>
+          </a:lnRef>
+          <a:fillRef idx="0">
+            <a:schemeClr val="accent1"/>
+          </a:fillRef>
+          <a:effectRef idx="0">
+            <a:schemeClr val="accent1"/>
+          </a:effectRef>
+          <a:fontRef idx="minor">
+            <a:schemeClr val="tx1"/>
+          </a:fontRef>
+        </p:style>
+      </p:cxnSp>
+      <p:cxnSp>
+        <p:nvCxnSpPr>
+          <p:cNvPr id="33" name="Straight Arrow Connector 32">
+            <a:extLst>
+              <a:ext uri="{FF2B5EF4-FFF2-40B4-BE49-F238E27FC236}">
+                <a16:creationId xmlns:a16="http://schemas.microsoft.com/office/drawing/2014/main" id="{4C4711B2-C40C-4F59-8F4C-7F6682849CA0}"/>
+              </a:ext>
+            </a:extLst>
+          </p:cNvPr>
+          <p:cNvCxnSpPr>
+            <a:cxnSpLocks/>
+          </p:cNvCxnSpPr>
+          <p:nvPr/>
+        </p:nvCxnSpPr>
+        <p:spPr>
+          <a:xfrm flipV="1">
+            <a:off x="10820399" y="2358189"/>
+            <a:ext cx="0" cy="473242"/>
+          </a:xfrm>
+          <a:prstGeom prst="straightConnector1">
+            <a:avLst/>
+          </a:prstGeom>
+          <a:ln>
+            <a:headEnd type="triangle"/>
+            <a:tailEnd type="triangle"/>
+          </a:ln>
+        </p:spPr>
+        <p:style>
+          <a:lnRef idx="1">
+            <a:schemeClr val="accent1"/>
+          </a:lnRef>
+          <a:fillRef idx="0">
+            <a:schemeClr val="accent1"/>
+          </a:fillRef>
+          <a:effectRef idx="0">
+            <a:schemeClr val="accent1"/>
+          </a:effectRef>
+          <a:fontRef idx="minor">
+            <a:schemeClr val="tx1"/>
+          </a:fontRef>
+        </p:style>
+      </p:cxnSp>
+      <p:sp>
+        <p:nvSpPr>
+          <p:cNvPr id="38" name="TextBox 37">
+            <a:extLst>
+              <a:ext uri="{FF2B5EF4-FFF2-40B4-BE49-F238E27FC236}">
+                <a16:creationId xmlns:a16="http://schemas.microsoft.com/office/drawing/2014/main" id="{F06F1699-4F9D-4331-A3EF-08B160A0C33D}"/>
+              </a:ext>
+            </a:extLst>
+          </p:cNvPr>
+          <p:cNvSpPr txBox="1"/>
+          <p:nvPr/>
+        </p:nvSpPr>
+        <p:spPr>
+          <a:xfrm>
+            <a:off x="10802419" y="2390441"/>
+            <a:ext cx="1963936" cy="369332"/>
+          </a:xfrm>
+          <a:prstGeom prst="rect">
+            <a:avLst/>
+          </a:prstGeom>
+          <a:noFill/>
+        </p:spPr>
+        <p:txBody>
+          <a:bodyPr wrap="none" rtlCol="0">
+            <a:spAutoFit/>
+          </a:bodyPr>
+          <a:lstStyle/>
+          <a:p>
+            <a:r>
+              <a:rPr lang="en-US" dirty="0" err="1"/>
+              <a:t>forecastTitleHeight</a:t>
+            </a:r>
+            <a:endParaRPr lang="en-US" dirty="0"/>
+          </a:p>
+        </p:txBody>
+      </p:sp>
+      <p:sp>
+        <p:nvSpPr>
+          <p:cNvPr id="39" name="TextBox 38">
+            <a:extLst>
+              <a:ext uri="{FF2B5EF4-FFF2-40B4-BE49-F238E27FC236}">
+                <a16:creationId xmlns:a16="http://schemas.microsoft.com/office/drawing/2014/main" id="{47C0DBA0-8343-4833-85D7-87103F4601D3}"/>
+              </a:ext>
+            </a:extLst>
+          </p:cNvPr>
+          <p:cNvSpPr txBox="1"/>
+          <p:nvPr/>
+        </p:nvSpPr>
+        <p:spPr>
+          <a:xfrm>
+            <a:off x="8732854" y="2725425"/>
+            <a:ext cx="2394566" cy="369332"/>
+          </a:xfrm>
+          <a:prstGeom prst="rect">
+            <a:avLst/>
+          </a:prstGeom>
+          <a:noFill/>
+        </p:spPr>
+        <p:txBody>
+          <a:bodyPr wrap="none" rtlCol="0">
+            <a:spAutoFit/>
+          </a:bodyPr>
+          <a:lstStyle/>
+          <a:p>
+            <a:r>
+              <a:rPr lang="en-US" dirty="0" err="1"/>
+              <a:t>forecastTitleDisplayGap</a:t>
+            </a:r>
+            <a:endParaRPr lang="en-US" dirty="0"/>
+          </a:p>
+        </p:txBody>
+      </p:sp>
+    </p:spTree>
+    <p:extLst>
+      <p:ext uri="{BB962C8B-B14F-4D97-AF65-F5344CB8AC3E}">
+        <p14:creationId xmlns:p14="http://schemas.microsoft.com/office/powerpoint/2010/main" val="2975755350"/>
       </p:ext>
     </p:extLst>
   </p:cSld>

--- a/documents/DataStructures.pptx
+++ b/documents/DataStructures.pptx
@@ -32,6 +32,7 @@
     <p:sldId id="282" r:id="rId26"/>
     <p:sldId id="284" r:id="rId27"/>
     <p:sldId id="285" r:id="rId28"/>
+    <p:sldId id="286" r:id="rId29"/>
   </p:sldIdLst>
   <p:sldSz cx="12192000" cy="6858000"/>
   <p:notesSz cx="6858000" cy="9144000"/>
@@ -3392,7 +3393,7 @@
           <a:p>
             <a:fld id="{A987F1E3-30AB-49C9-8E4C-2EF75BE827A3}" type="datetimeFigureOut">
               <a:rPr lang="en-US" smtClean="0"/>
-              <a:t>2/18/2021</a:t>
+              <a:t>2/24/2021</a:t>
             </a:fld>
             <a:endParaRPr lang="en-US"/>
           </a:p>
@@ -3590,7 +3591,7 @@
           <a:p>
             <a:fld id="{A987F1E3-30AB-49C9-8E4C-2EF75BE827A3}" type="datetimeFigureOut">
               <a:rPr lang="en-US" smtClean="0"/>
-              <a:t>2/18/2021</a:t>
+              <a:t>2/24/2021</a:t>
             </a:fld>
             <a:endParaRPr lang="en-US"/>
           </a:p>
@@ -3798,7 +3799,7 @@
           <a:p>
             <a:fld id="{A987F1E3-30AB-49C9-8E4C-2EF75BE827A3}" type="datetimeFigureOut">
               <a:rPr lang="en-US" smtClean="0"/>
-              <a:t>2/18/2021</a:t>
+              <a:t>2/24/2021</a:t>
             </a:fld>
             <a:endParaRPr lang="en-US"/>
           </a:p>
@@ -3996,7 +3997,7 @@
           <a:p>
             <a:fld id="{A987F1E3-30AB-49C9-8E4C-2EF75BE827A3}" type="datetimeFigureOut">
               <a:rPr lang="en-US" smtClean="0"/>
-              <a:t>2/18/2021</a:t>
+              <a:t>2/24/2021</a:t>
             </a:fld>
             <a:endParaRPr lang="en-US"/>
           </a:p>
@@ -4271,7 +4272,7 @@
           <a:p>
             <a:fld id="{A987F1E3-30AB-49C9-8E4C-2EF75BE827A3}" type="datetimeFigureOut">
               <a:rPr lang="en-US" smtClean="0"/>
-              <a:t>2/18/2021</a:t>
+              <a:t>2/24/2021</a:t>
             </a:fld>
             <a:endParaRPr lang="en-US"/>
           </a:p>
@@ -4536,7 +4537,7 @@
           <a:p>
             <a:fld id="{A987F1E3-30AB-49C9-8E4C-2EF75BE827A3}" type="datetimeFigureOut">
               <a:rPr lang="en-US" smtClean="0"/>
-              <a:t>2/18/2021</a:t>
+              <a:t>2/24/2021</a:t>
             </a:fld>
             <a:endParaRPr lang="en-US"/>
           </a:p>
@@ -4948,7 +4949,7 @@
           <a:p>
             <a:fld id="{A987F1E3-30AB-49C9-8E4C-2EF75BE827A3}" type="datetimeFigureOut">
               <a:rPr lang="en-US" smtClean="0"/>
-              <a:t>2/18/2021</a:t>
+              <a:t>2/24/2021</a:t>
             </a:fld>
             <a:endParaRPr lang="en-US"/>
           </a:p>
@@ -5089,7 +5090,7 @@
           <a:p>
             <a:fld id="{A987F1E3-30AB-49C9-8E4C-2EF75BE827A3}" type="datetimeFigureOut">
               <a:rPr lang="en-US" smtClean="0"/>
-              <a:t>2/18/2021</a:t>
+              <a:t>2/24/2021</a:t>
             </a:fld>
             <a:endParaRPr lang="en-US"/>
           </a:p>
@@ -5202,7 +5203,7 @@
           <a:p>
             <a:fld id="{A987F1E3-30AB-49C9-8E4C-2EF75BE827A3}" type="datetimeFigureOut">
               <a:rPr lang="en-US" smtClean="0"/>
-              <a:t>2/18/2021</a:t>
+              <a:t>2/24/2021</a:t>
             </a:fld>
             <a:endParaRPr lang="en-US"/>
           </a:p>
@@ -5513,7 +5514,7 @@
           <a:p>
             <a:fld id="{A987F1E3-30AB-49C9-8E4C-2EF75BE827A3}" type="datetimeFigureOut">
               <a:rPr lang="en-US" smtClean="0"/>
-              <a:t>2/18/2021</a:t>
+              <a:t>2/24/2021</a:t>
             </a:fld>
             <a:endParaRPr lang="en-US"/>
           </a:p>
@@ -5801,7 +5802,7 @@
           <a:p>
             <a:fld id="{A987F1E3-30AB-49C9-8E4C-2EF75BE827A3}" type="datetimeFigureOut">
               <a:rPr lang="en-US" smtClean="0"/>
-              <a:t>2/18/2021</a:t>
+              <a:t>2/24/2021</a:t>
             </a:fld>
             <a:endParaRPr lang="en-US"/>
           </a:p>
@@ -6042,7 +6043,7 @@
           <a:p>
             <a:fld id="{A987F1E3-30AB-49C9-8E4C-2EF75BE827A3}" type="datetimeFigureOut">
               <a:rPr lang="en-US" smtClean="0"/>
-              <a:t>2/18/2021</a:t>
+              <a:t>2/24/2021</a:t>
             </a:fld>
             <a:endParaRPr lang="en-US"/>
           </a:p>
@@ -26411,6 +26412,1716 @@
 </p:sld>
 </file>
 
+<file path=ppt/slides/slide28.xml><?xml version="1.0" encoding="utf-8"?>
+<p:sld xmlns:a="http://schemas.openxmlformats.org/drawingml/2006/main" xmlns:r="http://schemas.openxmlformats.org/officeDocument/2006/relationships" xmlns:p="http://schemas.openxmlformats.org/presentationml/2006/main">
+  <p:cSld>
+    <p:spTree>
+      <p:nvGrpSpPr>
+        <p:cNvPr id="1" name=""/>
+        <p:cNvGrpSpPr/>
+        <p:nvPr/>
+      </p:nvGrpSpPr>
+      <p:grpSpPr>
+        <a:xfrm>
+          <a:off x="0" y="0"/>
+          <a:ext cx="0" cy="0"/>
+          <a:chOff x="0" y="0"/>
+          <a:chExt cx="0" cy="0"/>
+        </a:xfrm>
+      </p:grpSpPr>
+      <p:sp>
+        <p:nvSpPr>
+          <p:cNvPr id="2" name="Title 1">
+            <a:extLst>
+              <a:ext uri="{FF2B5EF4-FFF2-40B4-BE49-F238E27FC236}">
+                <a16:creationId xmlns:a16="http://schemas.microsoft.com/office/drawing/2014/main" id="{24FC26C2-B2F5-47A1-989A-0E04C688B8AE}"/>
+              </a:ext>
+            </a:extLst>
+          </p:cNvPr>
+          <p:cNvSpPr>
+            <a:spLocks noGrp="1"/>
+          </p:cNvSpPr>
+          <p:nvPr>
+            <p:ph type="title"/>
+          </p:nvPr>
+        </p:nvSpPr>
+        <p:spPr/>
+        <p:txBody>
+          <a:bodyPr/>
+          <a:lstStyle/>
+          <a:p>
+            <a:r>
+              <a:rPr lang="en-US" dirty="0"/>
+              <a:t>Placing a Piece at the Center of the Display</a:t>
+            </a:r>
+          </a:p>
+        </p:txBody>
+      </p:sp>
+      <p:sp>
+        <p:nvSpPr>
+          <p:cNvPr id="4" name="Rectangle 3">
+            <a:extLst>
+              <a:ext uri="{FF2B5EF4-FFF2-40B4-BE49-F238E27FC236}">
+                <a16:creationId xmlns:a16="http://schemas.microsoft.com/office/drawing/2014/main" id="{4F147E54-DCE6-427D-B686-35AD1D99077D}"/>
+              </a:ext>
+            </a:extLst>
+          </p:cNvPr>
+          <p:cNvSpPr/>
+          <p:nvPr/>
+        </p:nvSpPr>
+        <p:spPr>
+          <a:xfrm>
+            <a:off x="3705726" y="2228391"/>
+            <a:ext cx="4090737" cy="3667632"/>
+          </a:xfrm>
+          <a:prstGeom prst="rect">
+            <a:avLst/>
+          </a:prstGeom>
+        </p:spPr>
+        <p:style>
+          <a:lnRef idx="2">
+            <a:schemeClr val="accent1">
+              <a:shade val="50000"/>
+            </a:schemeClr>
+          </a:lnRef>
+          <a:fillRef idx="1">
+            <a:schemeClr val="accent1"/>
+          </a:fillRef>
+          <a:effectRef idx="0">
+            <a:schemeClr val="accent1"/>
+          </a:effectRef>
+          <a:fontRef idx="minor">
+            <a:schemeClr val="lt1"/>
+          </a:fontRef>
+        </p:style>
+        <p:txBody>
+          <a:bodyPr rtlCol="0" anchor="t"/>
+          <a:lstStyle/>
+          <a:p>
+            <a:pPr algn="ctr"/>
+            <a:r>
+              <a:rPr lang="en-US" sz="1400" b="0" dirty="0" err="1">
+                <a:solidFill>
+                  <a:srgbClr val="9CDCFE"/>
+                </a:solidFill>
+                <a:effectLst/>
+                <a:latin typeface="Consolas" panose="020B0609020204030204" pitchFamily="49" charset="0"/>
+              </a:rPr>
+              <a:t>displaySizeInGrid</a:t>
+            </a:r>
+            <a:endParaRPr lang="en-US" sz="1400" b="0" dirty="0">
+              <a:solidFill>
+                <a:srgbClr val="D4D4D4"/>
+              </a:solidFill>
+              <a:effectLst/>
+              <a:latin typeface="Consolas" panose="020B0609020204030204" pitchFamily="49" charset="0"/>
+            </a:endParaRPr>
+          </a:p>
+          <a:p>
+            <a:pPr algn="ctr"/>
+            <a:r>
+              <a:rPr lang="en-US" sz="1400" dirty="0"/>
+              <a:t> x</a:t>
+            </a:r>
+          </a:p>
+          <a:p>
+            <a:pPr algn="ctr"/>
+            <a:r>
+              <a:rPr lang="en-US" sz="1400" b="0" dirty="0" err="1">
+                <a:solidFill>
+                  <a:srgbClr val="9CDCFE"/>
+                </a:solidFill>
+                <a:effectLst/>
+                <a:latin typeface="Consolas" panose="020B0609020204030204" pitchFamily="49" charset="0"/>
+              </a:rPr>
+              <a:t>displaySizeInGrid</a:t>
+            </a:r>
+            <a:endParaRPr lang="en-US" sz="1400" b="0" dirty="0">
+              <a:solidFill>
+                <a:srgbClr val="D4D4D4"/>
+              </a:solidFill>
+              <a:effectLst/>
+              <a:latin typeface="Consolas" panose="020B0609020204030204" pitchFamily="49" charset="0"/>
+            </a:endParaRPr>
+          </a:p>
+          <a:p>
+            <a:pPr algn="ctr"/>
+            <a:endParaRPr lang="en-US" sz="1400" dirty="0"/>
+          </a:p>
+        </p:txBody>
+      </p:sp>
+      <p:cxnSp>
+        <p:nvCxnSpPr>
+          <p:cNvPr id="7" name="Straight Arrow Connector 6">
+            <a:extLst>
+              <a:ext uri="{FF2B5EF4-FFF2-40B4-BE49-F238E27FC236}">
+                <a16:creationId xmlns:a16="http://schemas.microsoft.com/office/drawing/2014/main" id="{2CFA3821-D7E3-4BF4-BD10-94A89DEBD913}"/>
+              </a:ext>
+            </a:extLst>
+          </p:cNvPr>
+          <p:cNvCxnSpPr>
+            <a:cxnSpLocks/>
+          </p:cNvCxnSpPr>
+          <p:nvPr/>
+        </p:nvCxnSpPr>
+        <p:spPr>
+          <a:xfrm>
+            <a:off x="3705726" y="3713747"/>
+            <a:ext cx="1540041" cy="0"/>
+          </a:xfrm>
+          <a:prstGeom prst="straightConnector1">
+            <a:avLst/>
+          </a:prstGeom>
+          <a:ln>
+            <a:headEnd type="triangle"/>
+            <a:tailEnd type="triangle"/>
+          </a:ln>
+        </p:spPr>
+        <p:style>
+          <a:lnRef idx="3">
+            <a:schemeClr val="accent4"/>
+          </a:lnRef>
+          <a:fillRef idx="0">
+            <a:schemeClr val="accent4"/>
+          </a:fillRef>
+          <a:effectRef idx="2">
+            <a:schemeClr val="accent4"/>
+          </a:effectRef>
+          <a:fontRef idx="minor">
+            <a:schemeClr val="tx1"/>
+          </a:fontRef>
+        </p:style>
+      </p:cxnSp>
+      <p:cxnSp>
+        <p:nvCxnSpPr>
+          <p:cNvPr id="8" name="Straight Arrow Connector 7">
+            <a:extLst>
+              <a:ext uri="{FF2B5EF4-FFF2-40B4-BE49-F238E27FC236}">
+                <a16:creationId xmlns:a16="http://schemas.microsoft.com/office/drawing/2014/main" id="{2B7225AF-E6B9-468A-8183-EEC4968613B3}"/>
+              </a:ext>
+            </a:extLst>
+          </p:cNvPr>
+          <p:cNvCxnSpPr/>
+          <p:nvPr/>
+        </p:nvCxnSpPr>
+        <p:spPr>
+          <a:xfrm>
+            <a:off x="6946231" y="3898413"/>
+            <a:ext cx="1195136" cy="0"/>
+          </a:xfrm>
+          <a:prstGeom prst="straightConnector1">
+            <a:avLst/>
+          </a:prstGeom>
+          <a:ln>
+            <a:headEnd type="triangle"/>
+            <a:tailEnd type="triangle"/>
+          </a:ln>
+        </p:spPr>
+        <p:style>
+          <a:lnRef idx="3">
+            <a:schemeClr val="accent4"/>
+          </a:lnRef>
+          <a:fillRef idx="0">
+            <a:schemeClr val="accent4"/>
+          </a:fillRef>
+          <a:effectRef idx="2">
+            <a:schemeClr val="accent4"/>
+          </a:effectRef>
+          <a:fontRef idx="minor">
+            <a:schemeClr val="tx1"/>
+          </a:fontRef>
+        </p:style>
+      </p:cxnSp>
+      <p:cxnSp>
+        <p:nvCxnSpPr>
+          <p:cNvPr id="10" name="Straight Arrow Connector 9">
+            <a:extLst>
+              <a:ext uri="{FF2B5EF4-FFF2-40B4-BE49-F238E27FC236}">
+                <a16:creationId xmlns:a16="http://schemas.microsoft.com/office/drawing/2014/main" id="{688501A8-89B8-47E6-8A4A-96543C6F7CB3}"/>
+              </a:ext>
+            </a:extLst>
+          </p:cNvPr>
+          <p:cNvCxnSpPr>
+            <a:cxnSpLocks/>
+          </p:cNvCxnSpPr>
+          <p:nvPr/>
+        </p:nvCxnSpPr>
+        <p:spPr>
+          <a:xfrm>
+            <a:off x="6011858" y="5015172"/>
+            <a:ext cx="0" cy="1128964"/>
+          </a:xfrm>
+          <a:prstGeom prst="straightConnector1">
+            <a:avLst/>
+          </a:prstGeom>
+          <a:ln>
+            <a:headEnd type="triangle"/>
+            <a:tailEnd type="triangle"/>
+          </a:ln>
+        </p:spPr>
+        <p:style>
+          <a:lnRef idx="3">
+            <a:schemeClr val="accent4"/>
+          </a:lnRef>
+          <a:fillRef idx="0">
+            <a:schemeClr val="accent4"/>
+          </a:fillRef>
+          <a:effectRef idx="2">
+            <a:schemeClr val="accent4"/>
+          </a:effectRef>
+          <a:fontRef idx="minor">
+            <a:schemeClr val="tx1"/>
+          </a:fontRef>
+        </p:style>
+      </p:cxnSp>
+      <p:cxnSp>
+        <p:nvCxnSpPr>
+          <p:cNvPr id="12" name="Straight Arrow Connector 11">
+            <a:extLst>
+              <a:ext uri="{FF2B5EF4-FFF2-40B4-BE49-F238E27FC236}">
+                <a16:creationId xmlns:a16="http://schemas.microsoft.com/office/drawing/2014/main" id="{A527E962-DC81-4AC6-8CCC-FD1D42906270}"/>
+              </a:ext>
+            </a:extLst>
+          </p:cNvPr>
+          <p:cNvCxnSpPr>
+            <a:cxnSpLocks/>
+          </p:cNvCxnSpPr>
+          <p:nvPr/>
+        </p:nvCxnSpPr>
+        <p:spPr>
+          <a:xfrm>
+            <a:off x="6027900" y="2197768"/>
+            <a:ext cx="0" cy="1401929"/>
+          </a:xfrm>
+          <a:prstGeom prst="straightConnector1">
+            <a:avLst/>
+          </a:prstGeom>
+          <a:ln>
+            <a:headEnd type="triangle"/>
+            <a:tailEnd type="triangle"/>
+          </a:ln>
+        </p:spPr>
+        <p:style>
+          <a:lnRef idx="3">
+            <a:schemeClr val="accent4"/>
+          </a:lnRef>
+          <a:fillRef idx="0">
+            <a:schemeClr val="accent4"/>
+          </a:fillRef>
+          <a:effectRef idx="2">
+            <a:schemeClr val="accent4"/>
+          </a:effectRef>
+          <a:fontRef idx="minor">
+            <a:schemeClr val="tx1"/>
+          </a:fontRef>
+        </p:style>
+      </p:cxnSp>
+      <p:sp>
+        <p:nvSpPr>
+          <p:cNvPr id="13" name="TextBox 12">
+            <a:extLst>
+              <a:ext uri="{FF2B5EF4-FFF2-40B4-BE49-F238E27FC236}">
+                <a16:creationId xmlns:a16="http://schemas.microsoft.com/office/drawing/2014/main" id="{9798B43C-78FD-4CAA-8CCF-93321CF4B8B5}"/>
+              </a:ext>
+            </a:extLst>
+          </p:cNvPr>
+          <p:cNvSpPr txBox="1"/>
+          <p:nvPr/>
+        </p:nvSpPr>
+        <p:spPr>
+          <a:xfrm>
+            <a:off x="3883115" y="3713747"/>
+            <a:ext cx="840358" cy="369332"/>
+          </a:xfrm>
+          <a:prstGeom prst="rect">
+            <a:avLst/>
+          </a:prstGeom>
+          <a:noFill/>
+        </p:spPr>
+        <p:txBody>
+          <a:bodyPr wrap="none" rtlCol="0">
+            <a:spAutoFit/>
+          </a:bodyPr>
+          <a:lstStyle/>
+          <a:p>
+            <a:r>
+              <a:rPr lang="en-US" dirty="0">
+                <a:solidFill>
+                  <a:schemeClr val="bg1"/>
+                </a:solidFill>
+              </a:rPr>
+              <a:t>margin</a:t>
+            </a:r>
+          </a:p>
+        </p:txBody>
+      </p:sp>
+      <p:sp>
+        <p:nvSpPr>
+          <p:cNvPr id="14" name="TextBox 13">
+            <a:extLst>
+              <a:ext uri="{FF2B5EF4-FFF2-40B4-BE49-F238E27FC236}">
+                <a16:creationId xmlns:a16="http://schemas.microsoft.com/office/drawing/2014/main" id="{5FD1C1FA-823A-4D4E-8B0B-77C72147C15C}"/>
+              </a:ext>
+            </a:extLst>
+          </p:cNvPr>
+          <p:cNvSpPr txBox="1"/>
+          <p:nvPr/>
+        </p:nvSpPr>
+        <p:spPr>
+          <a:xfrm>
+            <a:off x="5314876" y="5209239"/>
+            <a:ext cx="840358" cy="369332"/>
+          </a:xfrm>
+          <a:prstGeom prst="rect">
+            <a:avLst/>
+          </a:prstGeom>
+          <a:noFill/>
+        </p:spPr>
+        <p:txBody>
+          <a:bodyPr wrap="none" rtlCol="0">
+            <a:spAutoFit/>
+          </a:bodyPr>
+          <a:lstStyle/>
+          <a:p>
+            <a:r>
+              <a:rPr lang="en-US" dirty="0">
+                <a:solidFill>
+                  <a:schemeClr val="bg1"/>
+                </a:solidFill>
+              </a:rPr>
+              <a:t>margin</a:t>
+            </a:r>
+          </a:p>
+        </p:txBody>
+      </p:sp>
+      <p:sp>
+        <p:nvSpPr>
+          <p:cNvPr id="15" name="TextBox 14">
+            <a:extLst>
+              <a:ext uri="{FF2B5EF4-FFF2-40B4-BE49-F238E27FC236}">
+                <a16:creationId xmlns:a16="http://schemas.microsoft.com/office/drawing/2014/main" id="{66903A98-EB63-446D-9B45-CB0155FAFEFD}"/>
+              </a:ext>
+            </a:extLst>
+          </p:cNvPr>
+          <p:cNvSpPr txBox="1"/>
+          <p:nvPr/>
+        </p:nvSpPr>
+        <p:spPr>
+          <a:xfrm>
+            <a:off x="6797073" y="3966954"/>
+            <a:ext cx="840358" cy="369332"/>
+          </a:xfrm>
+          <a:prstGeom prst="rect">
+            <a:avLst/>
+          </a:prstGeom>
+          <a:noFill/>
+        </p:spPr>
+        <p:txBody>
+          <a:bodyPr wrap="none" rtlCol="0">
+            <a:spAutoFit/>
+          </a:bodyPr>
+          <a:lstStyle/>
+          <a:p>
+            <a:r>
+              <a:rPr lang="en-US" dirty="0">
+                <a:solidFill>
+                  <a:schemeClr val="bg1"/>
+                </a:solidFill>
+              </a:rPr>
+              <a:t>margin</a:t>
+            </a:r>
+          </a:p>
+        </p:txBody>
+      </p:sp>
+      <p:sp>
+        <p:nvSpPr>
+          <p:cNvPr id="16" name="TextBox 15">
+            <a:extLst>
+              <a:ext uri="{FF2B5EF4-FFF2-40B4-BE49-F238E27FC236}">
+                <a16:creationId xmlns:a16="http://schemas.microsoft.com/office/drawing/2014/main" id="{0216B3D7-F60C-4BF9-8322-782C2860CC66}"/>
+              </a:ext>
+            </a:extLst>
+          </p:cNvPr>
+          <p:cNvSpPr txBox="1"/>
+          <p:nvPr/>
+        </p:nvSpPr>
+        <p:spPr>
+          <a:xfrm>
+            <a:off x="6248400" y="2990028"/>
+            <a:ext cx="840358" cy="369332"/>
+          </a:xfrm>
+          <a:prstGeom prst="rect">
+            <a:avLst/>
+          </a:prstGeom>
+          <a:noFill/>
+        </p:spPr>
+        <p:txBody>
+          <a:bodyPr wrap="none" rtlCol="0">
+            <a:spAutoFit/>
+          </a:bodyPr>
+          <a:lstStyle/>
+          <a:p>
+            <a:r>
+              <a:rPr lang="en-US" dirty="0">
+                <a:solidFill>
+                  <a:schemeClr val="bg1"/>
+                </a:solidFill>
+              </a:rPr>
+              <a:t>margin</a:t>
+            </a:r>
+          </a:p>
+        </p:txBody>
+      </p:sp>
+      <p:cxnSp>
+        <p:nvCxnSpPr>
+          <p:cNvPr id="20" name="Straight Connector 19">
+            <a:extLst>
+              <a:ext uri="{FF2B5EF4-FFF2-40B4-BE49-F238E27FC236}">
+                <a16:creationId xmlns:a16="http://schemas.microsoft.com/office/drawing/2014/main" id="{6FA1E241-C5A3-4D2C-A506-187BEE65AE29}"/>
+              </a:ext>
+            </a:extLst>
+          </p:cNvPr>
+          <p:cNvCxnSpPr/>
+          <p:nvPr/>
+        </p:nvCxnSpPr>
+        <p:spPr>
+          <a:xfrm flipV="1">
+            <a:off x="3705726" y="2676295"/>
+            <a:ext cx="4090736" cy="8899"/>
+          </a:xfrm>
+          <a:prstGeom prst="line">
+            <a:avLst/>
+          </a:prstGeom>
+        </p:spPr>
+        <p:style>
+          <a:lnRef idx="2">
+            <a:schemeClr val="dk1"/>
+          </a:lnRef>
+          <a:fillRef idx="0">
+            <a:schemeClr val="dk1"/>
+          </a:fillRef>
+          <a:effectRef idx="1">
+            <a:schemeClr val="dk1"/>
+          </a:effectRef>
+          <a:fontRef idx="minor">
+            <a:schemeClr val="tx1"/>
+          </a:fontRef>
+        </p:style>
+      </p:cxnSp>
+      <p:cxnSp>
+        <p:nvCxnSpPr>
+          <p:cNvPr id="21" name="Straight Connector 20">
+            <a:extLst>
+              <a:ext uri="{FF2B5EF4-FFF2-40B4-BE49-F238E27FC236}">
+                <a16:creationId xmlns:a16="http://schemas.microsoft.com/office/drawing/2014/main" id="{9C2AA198-71E4-4330-8260-2102E56E9BF1}"/>
+              </a:ext>
+            </a:extLst>
+          </p:cNvPr>
+          <p:cNvCxnSpPr/>
+          <p:nvPr/>
+        </p:nvCxnSpPr>
+        <p:spPr>
+          <a:xfrm flipV="1">
+            <a:off x="3689687" y="3147288"/>
+            <a:ext cx="4090736" cy="8899"/>
+          </a:xfrm>
+          <a:prstGeom prst="line">
+            <a:avLst/>
+          </a:prstGeom>
+        </p:spPr>
+        <p:style>
+          <a:lnRef idx="2">
+            <a:schemeClr val="dk1"/>
+          </a:lnRef>
+          <a:fillRef idx="0">
+            <a:schemeClr val="dk1"/>
+          </a:fillRef>
+          <a:effectRef idx="1">
+            <a:schemeClr val="dk1"/>
+          </a:effectRef>
+          <a:fontRef idx="minor">
+            <a:schemeClr val="tx1"/>
+          </a:fontRef>
+        </p:style>
+      </p:cxnSp>
+      <p:cxnSp>
+        <p:nvCxnSpPr>
+          <p:cNvPr id="22" name="Straight Connector 21">
+            <a:extLst>
+              <a:ext uri="{FF2B5EF4-FFF2-40B4-BE49-F238E27FC236}">
+                <a16:creationId xmlns:a16="http://schemas.microsoft.com/office/drawing/2014/main" id="{688CF66B-685D-4F74-985D-9F76BC687CFD}"/>
+              </a:ext>
+            </a:extLst>
+          </p:cNvPr>
+          <p:cNvCxnSpPr/>
+          <p:nvPr/>
+        </p:nvCxnSpPr>
+        <p:spPr>
+          <a:xfrm flipV="1">
+            <a:off x="3705726" y="3605059"/>
+            <a:ext cx="4090736" cy="8899"/>
+          </a:xfrm>
+          <a:prstGeom prst="line">
+            <a:avLst/>
+          </a:prstGeom>
+        </p:spPr>
+        <p:style>
+          <a:lnRef idx="2">
+            <a:schemeClr val="dk1"/>
+          </a:lnRef>
+          <a:fillRef idx="0">
+            <a:schemeClr val="dk1"/>
+          </a:fillRef>
+          <a:effectRef idx="1">
+            <a:schemeClr val="dk1"/>
+          </a:effectRef>
+          <a:fontRef idx="minor">
+            <a:schemeClr val="tx1"/>
+          </a:fontRef>
+        </p:style>
+      </p:cxnSp>
+      <p:cxnSp>
+        <p:nvCxnSpPr>
+          <p:cNvPr id="23" name="Straight Connector 22">
+            <a:extLst>
+              <a:ext uri="{FF2B5EF4-FFF2-40B4-BE49-F238E27FC236}">
+                <a16:creationId xmlns:a16="http://schemas.microsoft.com/office/drawing/2014/main" id="{A0FD7D63-E8E9-44BB-8DE5-EA197EE9D9AF}"/>
+              </a:ext>
+            </a:extLst>
+          </p:cNvPr>
+          <p:cNvCxnSpPr/>
+          <p:nvPr/>
+        </p:nvCxnSpPr>
+        <p:spPr>
+          <a:xfrm flipV="1">
+            <a:off x="3689687" y="4078629"/>
+            <a:ext cx="4090736" cy="8899"/>
+          </a:xfrm>
+          <a:prstGeom prst="line">
+            <a:avLst/>
+          </a:prstGeom>
+        </p:spPr>
+        <p:style>
+          <a:lnRef idx="2">
+            <a:schemeClr val="dk1"/>
+          </a:lnRef>
+          <a:fillRef idx="0">
+            <a:schemeClr val="dk1"/>
+          </a:fillRef>
+          <a:effectRef idx="1">
+            <a:schemeClr val="dk1"/>
+          </a:effectRef>
+          <a:fontRef idx="minor">
+            <a:schemeClr val="tx1"/>
+          </a:fontRef>
+        </p:style>
+      </p:cxnSp>
+      <p:cxnSp>
+        <p:nvCxnSpPr>
+          <p:cNvPr id="24" name="Straight Connector 23">
+            <a:extLst>
+              <a:ext uri="{FF2B5EF4-FFF2-40B4-BE49-F238E27FC236}">
+                <a16:creationId xmlns:a16="http://schemas.microsoft.com/office/drawing/2014/main" id="{6E937639-C847-4A12-B092-F1F0E375574B}"/>
+              </a:ext>
+            </a:extLst>
+          </p:cNvPr>
+          <p:cNvCxnSpPr/>
+          <p:nvPr/>
+        </p:nvCxnSpPr>
+        <p:spPr>
+          <a:xfrm flipV="1">
+            <a:off x="3686605" y="4543300"/>
+            <a:ext cx="4090736" cy="8899"/>
+          </a:xfrm>
+          <a:prstGeom prst="line">
+            <a:avLst/>
+          </a:prstGeom>
+        </p:spPr>
+        <p:style>
+          <a:lnRef idx="2">
+            <a:schemeClr val="dk1"/>
+          </a:lnRef>
+          <a:fillRef idx="0">
+            <a:schemeClr val="dk1"/>
+          </a:fillRef>
+          <a:effectRef idx="1">
+            <a:schemeClr val="dk1"/>
+          </a:effectRef>
+          <a:fontRef idx="minor">
+            <a:schemeClr val="tx1"/>
+          </a:fontRef>
+        </p:style>
+      </p:cxnSp>
+      <p:cxnSp>
+        <p:nvCxnSpPr>
+          <p:cNvPr id="25" name="Straight Connector 24">
+            <a:extLst>
+              <a:ext uri="{FF2B5EF4-FFF2-40B4-BE49-F238E27FC236}">
+                <a16:creationId xmlns:a16="http://schemas.microsoft.com/office/drawing/2014/main" id="{91C3E278-2D41-43F5-9878-9F4C5D7654BB}"/>
+              </a:ext>
+            </a:extLst>
+          </p:cNvPr>
+          <p:cNvCxnSpPr/>
+          <p:nvPr/>
+        </p:nvCxnSpPr>
+        <p:spPr>
+          <a:xfrm flipV="1">
+            <a:off x="3686605" y="5006273"/>
+            <a:ext cx="4090736" cy="8899"/>
+          </a:xfrm>
+          <a:prstGeom prst="line">
+            <a:avLst/>
+          </a:prstGeom>
+        </p:spPr>
+        <p:style>
+          <a:lnRef idx="2">
+            <a:schemeClr val="dk1"/>
+          </a:lnRef>
+          <a:fillRef idx="0">
+            <a:schemeClr val="dk1"/>
+          </a:fillRef>
+          <a:effectRef idx="1">
+            <a:schemeClr val="dk1"/>
+          </a:effectRef>
+          <a:fontRef idx="minor">
+            <a:schemeClr val="tx1"/>
+          </a:fontRef>
+        </p:style>
+      </p:cxnSp>
+      <p:cxnSp>
+        <p:nvCxnSpPr>
+          <p:cNvPr id="26" name="Straight Connector 25">
+            <a:extLst>
+              <a:ext uri="{FF2B5EF4-FFF2-40B4-BE49-F238E27FC236}">
+                <a16:creationId xmlns:a16="http://schemas.microsoft.com/office/drawing/2014/main" id="{E640EB7A-E433-4FB0-B579-69F976A383B9}"/>
+              </a:ext>
+            </a:extLst>
+          </p:cNvPr>
+          <p:cNvCxnSpPr/>
+          <p:nvPr/>
+        </p:nvCxnSpPr>
+        <p:spPr>
+          <a:xfrm flipV="1">
+            <a:off x="3705726" y="5426938"/>
+            <a:ext cx="4090736" cy="8899"/>
+          </a:xfrm>
+          <a:prstGeom prst="line">
+            <a:avLst/>
+          </a:prstGeom>
+        </p:spPr>
+        <p:style>
+          <a:lnRef idx="2">
+            <a:schemeClr val="dk1"/>
+          </a:lnRef>
+          <a:fillRef idx="0">
+            <a:schemeClr val="dk1"/>
+          </a:fillRef>
+          <a:effectRef idx="1">
+            <a:schemeClr val="dk1"/>
+          </a:effectRef>
+          <a:fontRef idx="minor">
+            <a:schemeClr val="tx1"/>
+          </a:fontRef>
+        </p:style>
+      </p:cxnSp>
+      <p:cxnSp>
+        <p:nvCxnSpPr>
+          <p:cNvPr id="28" name="Straight Connector 27">
+            <a:extLst>
+              <a:ext uri="{FF2B5EF4-FFF2-40B4-BE49-F238E27FC236}">
+                <a16:creationId xmlns:a16="http://schemas.microsoft.com/office/drawing/2014/main" id="{1E056C0F-7A75-4EC4-814A-2D582BEE734A}"/>
+              </a:ext>
+            </a:extLst>
+          </p:cNvPr>
+          <p:cNvCxnSpPr>
+            <a:cxnSpLocks/>
+          </p:cNvCxnSpPr>
+          <p:nvPr/>
+        </p:nvCxnSpPr>
+        <p:spPr>
+          <a:xfrm>
+            <a:off x="4219074" y="2197768"/>
+            <a:ext cx="0" cy="3667633"/>
+          </a:xfrm>
+          <a:prstGeom prst="line">
+            <a:avLst/>
+          </a:prstGeom>
+        </p:spPr>
+        <p:style>
+          <a:lnRef idx="2">
+            <a:schemeClr val="dk1"/>
+          </a:lnRef>
+          <a:fillRef idx="0">
+            <a:schemeClr val="dk1"/>
+          </a:fillRef>
+          <a:effectRef idx="1">
+            <a:schemeClr val="dk1"/>
+          </a:effectRef>
+          <a:fontRef idx="minor">
+            <a:schemeClr val="tx1"/>
+          </a:fontRef>
+        </p:style>
+      </p:cxnSp>
+      <p:cxnSp>
+        <p:nvCxnSpPr>
+          <p:cNvPr id="30" name="Straight Connector 29">
+            <a:extLst>
+              <a:ext uri="{FF2B5EF4-FFF2-40B4-BE49-F238E27FC236}">
+                <a16:creationId xmlns:a16="http://schemas.microsoft.com/office/drawing/2014/main" id="{BF78FEB3-B2D6-4554-84B8-51D04D6D8255}"/>
+              </a:ext>
+            </a:extLst>
+          </p:cNvPr>
+          <p:cNvCxnSpPr>
+            <a:cxnSpLocks/>
+          </p:cNvCxnSpPr>
+          <p:nvPr/>
+        </p:nvCxnSpPr>
+        <p:spPr>
+          <a:xfrm>
+            <a:off x="4723473" y="2197768"/>
+            <a:ext cx="0" cy="3667633"/>
+          </a:xfrm>
+          <a:prstGeom prst="line">
+            <a:avLst/>
+          </a:prstGeom>
+        </p:spPr>
+        <p:style>
+          <a:lnRef idx="2">
+            <a:schemeClr val="dk1"/>
+          </a:lnRef>
+          <a:fillRef idx="0">
+            <a:schemeClr val="dk1"/>
+          </a:fillRef>
+          <a:effectRef idx="1">
+            <a:schemeClr val="dk1"/>
+          </a:effectRef>
+          <a:fontRef idx="minor">
+            <a:schemeClr val="tx1"/>
+          </a:fontRef>
+        </p:style>
+      </p:cxnSp>
+      <p:cxnSp>
+        <p:nvCxnSpPr>
+          <p:cNvPr id="31" name="Straight Connector 30">
+            <a:extLst>
+              <a:ext uri="{FF2B5EF4-FFF2-40B4-BE49-F238E27FC236}">
+                <a16:creationId xmlns:a16="http://schemas.microsoft.com/office/drawing/2014/main" id="{60487C31-0954-463D-8D86-00A625E3A503}"/>
+              </a:ext>
+            </a:extLst>
+          </p:cNvPr>
+          <p:cNvCxnSpPr>
+            <a:cxnSpLocks/>
+          </p:cNvCxnSpPr>
+          <p:nvPr/>
+        </p:nvCxnSpPr>
+        <p:spPr>
+          <a:xfrm>
+            <a:off x="5229725" y="2197768"/>
+            <a:ext cx="0" cy="3667633"/>
+          </a:xfrm>
+          <a:prstGeom prst="line">
+            <a:avLst/>
+          </a:prstGeom>
+        </p:spPr>
+        <p:style>
+          <a:lnRef idx="2">
+            <a:schemeClr val="dk1"/>
+          </a:lnRef>
+          <a:fillRef idx="0">
+            <a:schemeClr val="dk1"/>
+          </a:fillRef>
+          <a:effectRef idx="1">
+            <a:schemeClr val="dk1"/>
+          </a:effectRef>
+          <a:fontRef idx="minor">
+            <a:schemeClr val="tx1"/>
+          </a:fontRef>
+        </p:style>
+      </p:cxnSp>
+      <p:cxnSp>
+        <p:nvCxnSpPr>
+          <p:cNvPr id="32" name="Straight Connector 31">
+            <a:extLst>
+              <a:ext uri="{FF2B5EF4-FFF2-40B4-BE49-F238E27FC236}">
+                <a16:creationId xmlns:a16="http://schemas.microsoft.com/office/drawing/2014/main" id="{6F80CBF5-7A56-4438-95D0-BD87C333BCDD}"/>
+              </a:ext>
+            </a:extLst>
+          </p:cNvPr>
+          <p:cNvCxnSpPr>
+            <a:cxnSpLocks/>
+          </p:cNvCxnSpPr>
+          <p:nvPr/>
+        </p:nvCxnSpPr>
+        <p:spPr>
+          <a:xfrm>
+            <a:off x="5727031" y="2228391"/>
+            <a:ext cx="0" cy="3667633"/>
+          </a:xfrm>
+          <a:prstGeom prst="line">
+            <a:avLst/>
+          </a:prstGeom>
+        </p:spPr>
+        <p:style>
+          <a:lnRef idx="2">
+            <a:schemeClr val="dk1"/>
+          </a:lnRef>
+          <a:fillRef idx="0">
+            <a:schemeClr val="dk1"/>
+          </a:fillRef>
+          <a:effectRef idx="1">
+            <a:schemeClr val="dk1"/>
+          </a:effectRef>
+          <a:fontRef idx="minor">
+            <a:schemeClr val="tx1"/>
+          </a:fontRef>
+        </p:style>
+      </p:cxnSp>
+      <p:cxnSp>
+        <p:nvCxnSpPr>
+          <p:cNvPr id="33" name="Straight Connector 32">
+            <a:extLst>
+              <a:ext uri="{FF2B5EF4-FFF2-40B4-BE49-F238E27FC236}">
+                <a16:creationId xmlns:a16="http://schemas.microsoft.com/office/drawing/2014/main" id="{9F89B8E3-509C-4587-AC9C-038BF1D19193}"/>
+              </a:ext>
+            </a:extLst>
+          </p:cNvPr>
+          <p:cNvCxnSpPr>
+            <a:cxnSpLocks/>
+          </p:cNvCxnSpPr>
+          <p:nvPr/>
+        </p:nvCxnSpPr>
+        <p:spPr>
+          <a:xfrm>
+            <a:off x="6232357" y="2228390"/>
+            <a:ext cx="0" cy="3667633"/>
+          </a:xfrm>
+          <a:prstGeom prst="line">
+            <a:avLst/>
+          </a:prstGeom>
+        </p:spPr>
+        <p:style>
+          <a:lnRef idx="2">
+            <a:schemeClr val="dk1"/>
+          </a:lnRef>
+          <a:fillRef idx="0">
+            <a:schemeClr val="dk1"/>
+          </a:fillRef>
+          <a:effectRef idx="1">
+            <a:schemeClr val="dk1"/>
+          </a:effectRef>
+          <a:fontRef idx="minor">
+            <a:schemeClr val="tx1"/>
+          </a:fontRef>
+        </p:style>
+      </p:cxnSp>
+      <p:cxnSp>
+        <p:nvCxnSpPr>
+          <p:cNvPr id="34" name="Straight Connector 33">
+            <a:extLst>
+              <a:ext uri="{FF2B5EF4-FFF2-40B4-BE49-F238E27FC236}">
+                <a16:creationId xmlns:a16="http://schemas.microsoft.com/office/drawing/2014/main" id="{DB89772D-A6D6-488B-A0CC-634FAAD0B0C3}"/>
+              </a:ext>
+            </a:extLst>
+          </p:cNvPr>
+          <p:cNvCxnSpPr>
+            <a:cxnSpLocks/>
+          </p:cNvCxnSpPr>
+          <p:nvPr/>
+        </p:nvCxnSpPr>
+        <p:spPr>
+          <a:xfrm>
+            <a:off x="6777950" y="2244812"/>
+            <a:ext cx="0" cy="3667633"/>
+          </a:xfrm>
+          <a:prstGeom prst="line">
+            <a:avLst/>
+          </a:prstGeom>
+        </p:spPr>
+        <p:style>
+          <a:lnRef idx="2">
+            <a:schemeClr val="dk1"/>
+          </a:lnRef>
+          <a:fillRef idx="0">
+            <a:schemeClr val="dk1"/>
+          </a:fillRef>
+          <a:effectRef idx="1">
+            <a:schemeClr val="dk1"/>
+          </a:effectRef>
+          <a:fontRef idx="minor">
+            <a:schemeClr val="tx1"/>
+          </a:fontRef>
+        </p:style>
+      </p:cxnSp>
+      <p:cxnSp>
+        <p:nvCxnSpPr>
+          <p:cNvPr id="35" name="Straight Connector 34">
+            <a:extLst>
+              <a:ext uri="{FF2B5EF4-FFF2-40B4-BE49-F238E27FC236}">
+                <a16:creationId xmlns:a16="http://schemas.microsoft.com/office/drawing/2014/main" id="{6BA87382-B571-4A8A-A583-6477BD01D536}"/>
+              </a:ext>
+            </a:extLst>
+          </p:cNvPr>
+          <p:cNvCxnSpPr>
+            <a:cxnSpLocks/>
+          </p:cNvCxnSpPr>
+          <p:nvPr/>
+        </p:nvCxnSpPr>
+        <p:spPr>
+          <a:xfrm>
+            <a:off x="7307179" y="2228390"/>
+            <a:ext cx="0" cy="3667633"/>
+          </a:xfrm>
+          <a:prstGeom prst="line">
+            <a:avLst/>
+          </a:prstGeom>
+        </p:spPr>
+        <p:style>
+          <a:lnRef idx="2">
+            <a:schemeClr val="dk1"/>
+          </a:lnRef>
+          <a:fillRef idx="0">
+            <a:schemeClr val="dk1"/>
+          </a:fillRef>
+          <a:effectRef idx="1">
+            <a:schemeClr val="dk1"/>
+          </a:effectRef>
+          <a:fontRef idx="minor">
+            <a:schemeClr val="tx1"/>
+          </a:fontRef>
+        </p:style>
+      </p:cxnSp>
+      <p:grpSp>
+        <p:nvGrpSpPr>
+          <p:cNvPr id="42" name="Group 41">
+            <a:extLst>
+              <a:ext uri="{FF2B5EF4-FFF2-40B4-BE49-F238E27FC236}">
+                <a16:creationId xmlns:a16="http://schemas.microsoft.com/office/drawing/2014/main" id="{8FACE48A-7095-4A4B-8165-B24546D32D9F}"/>
+              </a:ext>
+            </a:extLst>
+          </p:cNvPr>
+          <p:cNvGrpSpPr/>
+          <p:nvPr/>
+        </p:nvGrpSpPr>
+        <p:grpSpPr>
+          <a:xfrm>
+            <a:off x="5237746" y="3599698"/>
+            <a:ext cx="1540204" cy="1415474"/>
+            <a:chOff x="5237746" y="3599698"/>
+            <a:chExt cx="1540204" cy="1415474"/>
+          </a:xfrm>
+        </p:grpSpPr>
+        <p:sp>
+          <p:nvSpPr>
+            <p:cNvPr id="5" name="Rectangle 4">
+              <a:extLst>
+                <a:ext uri="{FF2B5EF4-FFF2-40B4-BE49-F238E27FC236}">
+                  <a16:creationId xmlns:a16="http://schemas.microsoft.com/office/drawing/2014/main" id="{B98AE0DA-87F4-4F0F-8899-740BB2D3A753}"/>
+                </a:ext>
+              </a:extLst>
+            </p:cNvPr>
+            <p:cNvSpPr/>
+            <p:nvPr/>
+          </p:nvSpPr>
+          <p:spPr>
+            <a:xfrm>
+              <a:off x="5245767" y="3599698"/>
+              <a:ext cx="1532183" cy="1415474"/>
+            </a:xfrm>
+            <a:prstGeom prst="rect">
+              <a:avLst/>
+            </a:prstGeom>
+          </p:spPr>
+          <p:style>
+            <a:lnRef idx="0">
+              <a:schemeClr val="accent5"/>
+            </a:lnRef>
+            <a:fillRef idx="3">
+              <a:schemeClr val="accent5"/>
+            </a:fillRef>
+            <a:effectRef idx="3">
+              <a:schemeClr val="accent5"/>
+            </a:effectRef>
+            <a:fontRef idx="minor">
+              <a:schemeClr val="lt1"/>
+            </a:fontRef>
+          </p:style>
+          <p:txBody>
+            <a:bodyPr rtlCol="0" anchor="ctr"/>
+            <a:lstStyle/>
+            <a:p>
+              <a:pPr algn="ctr"/>
+              <a:r>
+                <a:rPr lang="en-US" dirty="0"/>
+                <a:t>Piece</a:t>
+              </a:r>
+            </a:p>
+            <a:p>
+              <a:pPr algn="ctr"/>
+              <a:r>
+                <a:rPr lang="en-US" dirty="0"/>
+                <a:t>size x size</a:t>
+              </a:r>
+            </a:p>
+          </p:txBody>
+        </p:sp>
+        <p:grpSp>
+          <p:nvGrpSpPr>
+            <p:cNvPr id="41" name="Group 40">
+              <a:extLst>
+                <a:ext uri="{FF2B5EF4-FFF2-40B4-BE49-F238E27FC236}">
+                  <a16:creationId xmlns:a16="http://schemas.microsoft.com/office/drawing/2014/main" id="{2F9F9531-62B8-4460-9467-5ED657B4E1D1}"/>
+                </a:ext>
+              </a:extLst>
+            </p:cNvPr>
+            <p:cNvGrpSpPr/>
+            <p:nvPr/>
+          </p:nvGrpSpPr>
+          <p:grpSpPr>
+            <a:xfrm>
+              <a:off x="5237746" y="3623068"/>
+              <a:ext cx="994608" cy="1361908"/>
+              <a:chOff x="5236821" y="3627545"/>
+              <a:chExt cx="994608" cy="1361908"/>
+            </a:xfrm>
+          </p:grpSpPr>
+          <p:sp>
+            <p:nvSpPr>
+              <p:cNvPr id="36" name="Rectangle 35">
+                <a:extLst>
+                  <a:ext uri="{FF2B5EF4-FFF2-40B4-BE49-F238E27FC236}">
+                    <a16:creationId xmlns:a16="http://schemas.microsoft.com/office/drawing/2014/main" id="{1CB83E29-70DB-4CE1-91E2-045364D15377}"/>
+                  </a:ext>
+                </a:extLst>
+              </p:cNvPr>
+              <p:cNvSpPr/>
+              <p:nvPr/>
+            </p:nvSpPr>
+            <p:spPr>
+              <a:xfrm>
+                <a:off x="5236821" y="3627545"/>
+                <a:ext cx="497304" cy="447539"/>
+              </a:xfrm>
+              <a:prstGeom prst="rect">
+                <a:avLst/>
+              </a:prstGeom>
+            </p:spPr>
+            <p:style>
+              <a:lnRef idx="2">
+                <a:schemeClr val="accent4">
+                  <a:shade val="50000"/>
+                </a:schemeClr>
+              </a:lnRef>
+              <a:fillRef idx="1">
+                <a:schemeClr val="accent4"/>
+              </a:fillRef>
+              <a:effectRef idx="0">
+                <a:schemeClr val="accent4"/>
+              </a:effectRef>
+              <a:fontRef idx="minor">
+                <a:schemeClr val="lt1"/>
+              </a:fontRef>
+            </p:style>
+            <p:txBody>
+              <a:bodyPr rtlCol="0" anchor="ctr"/>
+              <a:lstStyle/>
+              <a:p>
+                <a:pPr algn="ctr"/>
+                <a:endParaRPr lang="en-US"/>
+              </a:p>
+            </p:txBody>
+          </p:sp>
+          <p:sp>
+            <p:nvSpPr>
+              <p:cNvPr id="37" name="Rectangle 36">
+                <a:extLst>
+                  <a:ext uri="{FF2B5EF4-FFF2-40B4-BE49-F238E27FC236}">
+                    <a16:creationId xmlns:a16="http://schemas.microsoft.com/office/drawing/2014/main" id="{CD83B86C-FC6B-4DE3-BF01-24EE67EBC757}"/>
+                  </a:ext>
+                </a:extLst>
+              </p:cNvPr>
+              <p:cNvSpPr/>
+              <p:nvPr/>
+            </p:nvSpPr>
+            <p:spPr>
+              <a:xfrm>
+                <a:off x="5734125" y="3629317"/>
+                <a:ext cx="497304" cy="447539"/>
+              </a:xfrm>
+              <a:prstGeom prst="rect">
+                <a:avLst/>
+              </a:prstGeom>
+            </p:spPr>
+            <p:style>
+              <a:lnRef idx="2">
+                <a:schemeClr val="accent4">
+                  <a:shade val="50000"/>
+                </a:schemeClr>
+              </a:lnRef>
+              <a:fillRef idx="1">
+                <a:schemeClr val="accent4"/>
+              </a:fillRef>
+              <a:effectRef idx="0">
+                <a:schemeClr val="accent4"/>
+              </a:effectRef>
+              <a:fontRef idx="minor">
+                <a:schemeClr val="lt1"/>
+              </a:fontRef>
+            </p:style>
+            <p:txBody>
+              <a:bodyPr rtlCol="0" anchor="ctr"/>
+              <a:lstStyle/>
+              <a:p>
+                <a:pPr algn="ctr"/>
+                <a:endParaRPr lang="en-US"/>
+              </a:p>
+            </p:txBody>
+          </p:sp>
+          <p:sp>
+            <p:nvSpPr>
+              <p:cNvPr id="38" name="Rectangle 37">
+                <a:extLst>
+                  <a:ext uri="{FF2B5EF4-FFF2-40B4-BE49-F238E27FC236}">
+                    <a16:creationId xmlns:a16="http://schemas.microsoft.com/office/drawing/2014/main" id="{22BD9EFE-8F51-468B-9219-3EAD293AD3CA}"/>
+                  </a:ext>
+                </a:extLst>
+              </p:cNvPr>
+              <p:cNvSpPr/>
+              <p:nvPr/>
+            </p:nvSpPr>
+            <p:spPr>
+              <a:xfrm>
+                <a:off x="5734125" y="4541914"/>
+                <a:ext cx="497304" cy="447539"/>
+              </a:xfrm>
+              <a:prstGeom prst="rect">
+                <a:avLst/>
+              </a:prstGeom>
+            </p:spPr>
+            <p:style>
+              <a:lnRef idx="2">
+                <a:schemeClr val="accent4">
+                  <a:shade val="50000"/>
+                </a:schemeClr>
+              </a:lnRef>
+              <a:fillRef idx="1">
+                <a:schemeClr val="accent4"/>
+              </a:fillRef>
+              <a:effectRef idx="0">
+                <a:schemeClr val="accent4"/>
+              </a:effectRef>
+              <a:fontRef idx="minor">
+                <a:schemeClr val="lt1"/>
+              </a:fontRef>
+            </p:style>
+            <p:txBody>
+              <a:bodyPr rtlCol="0" anchor="ctr"/>
+              <a:lstStyle/>
+              <a:p>
+                <a:pPr algn="ctr"/>
+                <a:endParaRPr lang="en-US"/>
+              </a:p>
+            </p:txBody>
+          </p:sp>
+          <p:sp>
+            <p:nvSpPr>
+              <p:cNvPr id="39" name="Rectangle 38">
+                <a:extLst>
+                  <a:ext uri="{FF2B5EF4-FFF2-40B4-BE49-F238E27FC236}">
+                    <a16:creationId xmlns:a16="http://schemas.microsoft.com/office/drawing/2014/main" id="{D6D581D3-467D-4701-9683-C240988D22F0}"/>
+                  </a:ext>
+                </a:extLst>
+              </p:cNvPr>
+              <p:cNvSpPr/>
+              <p:nvPr/>
+            </p:nvSpPr>
+            <p:spPr>
+              <a:xfrm>
+                <a:off x="5734125" y="4075131"/>
+                <a:ext cx="497304" cy="447539"/>
+              </a:xfrm>
+              <a:prstGeom prst="rect">
+                <a:avLst/>
+              </a:prstGeom>
+            </p:spPr>
+            <p:style>
+              <a:lnRef idx="2">
+                <a:schemeClr val="accent4">
+                  <a:shade val="50000"/>
+                </a:schemeClr>
+              </a:lnRef>
+              <a:fillRef idx="1">
+                <a:schemeClr val="accent4"/>
+              </a:fillRef>
+              <a:effectRef idx="0">
+                <a:schemeClr val="accent4"/>
+              </a:effectRef>
+              <a:fontRef idx="minor">
+                <a:schemeClr val="lt1"/>
+              </a:fontRef>
+            </p:style>
+            <p:txBody>
+              <a:bodyPr rtlCol="0" anchor="ctr"/>
+              <a:lstStyle/>
+              <a:p>
+                <a:pPr algn="ctr"/>
+                <a:endParaRPr lang="en-US"/>
+              </a:p>
+            </p:txBody>
+          </p:sp>
+        </p:grpSp>
+      </p:grpSp>
+      <p:sp>
+        <p:nvSpPr>
+          <p:cNvPr id="40" name="TextBox 39">
+            <a:extLst>
+              <a:ext uri="{FF2B5EF4-FFF2-40B4-BE49-F238E27FC236}">
+                <a16:creationId xmlns:a16="http://schemas.microsoft.com/office/drawing/2014/main" id="{21660674-DE2B-4EEC-9E84-3D3612EB8BB9}"/>
+              </a:ext>
+            </a:extLst>
+          </p:cNvPr>
+          <p:cNvSpPr txBox="1"/>
+          <p:nvPr/>
+        </p:nvSpPr>
+        <p:spPr>
+          <a:xfrm>
+            <a:off x="8359788" y="2408472"/>
+            <a:ext cx="2994004" cy="2800767"/>
+          </a:xfrm>
+          <a:prstGeom prst="rect">
+            <a:avLst/>
+          </a:prstGeom>
+          <a:noFill/>
+        </p:spPr>
+        <p:txBody>
+          <a:bodyPr wrap="square" rtlCol="0">
+            <a:spAutoFit/>
+          </a:bodyPr>
+          <a:lstStyle/>
+          <a:p>
+            <a:r>
+              <a:rPr lang="en-US" sz="1600" dirty="0"/>
+              <a:t>Piece, size: 3 x 3</a:t>
+            </a:r>
+          </a:p>
+          <a:p>
+            <a:r>
+              <a:rPr lang="en-US" sz="1600" dirty="0"/>
+              <a:t>Piece, shape: [</a:t>
+            </a:r>
+          </a:p>
+          <a:p>
+            <a:r>
+              <a:rPr lang="en-US" sz="1600" dirty="0"/>
+              <a:t> {0, 0},</a:t>
+            </a:r>
+          </a:p>
+          <a:p>
+            <a:r>
+              <a:rPr lang="en-US" sz="1600" dirty="0"/>
+              <a:t> {1, 0},</a:t>
+            </a:r>
+          </a:p>
+          <a:p>
+            <a:r>
+              <a:rPr lang="en-US" sz="1600" dirty="0"/>
+              <a:t> {1, 1},</a:t>
+            </a:r>
+          </a:p>
+          <a:p>
+            <a:r>
+              <a:rPr lang="en-US" sz="1600" dirty="0"/>
+              <a:t> {1, 2}</a:t>
+            </a:r>
+          </a:p>
+          <a:p>
+            <a:r>
+              <a:rPr lang="en-US" sz="1600" dirty="0"/>
+              <a:t>]</a:t>
+            </a:r>
+          </a:p>
+          <a:p>
+            <a:endParaRPr lang="en-US" sz="1600" dirty="0"/>
+          </a:p>
+          <a:p>
+            <a:r>
+              <a:rPr lang="en-US" sz="1600" dirty="0"/>
+              <a:t>Copy the shape(points)</a:t>
+            </a:r>
+          </a:p>
+          <a:p>
+            <a:endParaRPr lang="en-US" sz="1600" dirty="0"/>
+          </a:p>
+          <a:p>
+            <a:r>
+              <a:rPr lang="en-US" sz="1600" dirty="0"/>
+              <a:t>{x, y} → {x + margin, y + margin }</a:t>
+            </a:r>
+          </a:p>
+        </p:txBody>
+      </p:sp>
+      <p:grpSp>
+        <p:nvGrpSpPr>
+          <p:cNvPr id="43" name="Group 42">
+            <a:extLst>
+              <a:ext uri="{FF2B5EF4-FFF2-40B4-BE49-F238E27FC236}">
+                <a16:creationId xmlns:a16="http://schemas.microsoft.com/office/drawing/2014/main" id="{8FC10E8D-9728-4422-938A-8499C60A3177}"/>
+              </a:ext>
+            </a:extLst>
+          </p:cNvPr>
+          <p:cNvGrpSpPr/>
+          <p:nvPr/>
+        </p:nvGrpSpPr>
+        <p:grpSpPr>
+          <a:xfrm>
+            <a:off x="641442" y="3628549"/>
+            <a:ext cx="1540204" cy="1415474"/>
+            <a:chOff x="5237746" y="3599698"/>
+            <a:chExt cx="1540204" cy="1415474"/>
+          </a:xfrm>
+        </p:grpSpPr>
+        <p:sp>
+          <p:nvSpPr>
+            <p:cNvPr id="44" name="Rectangle 43">
+              <a:extLst>
+                <a:ext uri="{FF2B5EF4-FFF2-40B4-BE49-F238E27FC236}">
+                  <a16:creationId xmlns:a16="http://schemas.microsoft.com/office/drawing/2014/main" id="{01FC67D9-515B-467D-B917-109535E7221C}"/>
+                </a:ext>
+              </a:extLst>
+            </p:cNvPr>
+            <p:cNvSpPr/>
+            <p:nvPr/>
+          </p:nvSpPr>
+          <p:spPr>
+            <a:xfrm>
+              <a:off x="5245767" y="3599698"/>
+              <a:ext cx="1532183" cy="1415474"/>
+            </a:xfrm>
+            <a:prstGeom prst="rect">
+              <a:avLst/>
+            </a:prstGeom>
+          </p:spPr>
+          <p:style>
+            <a:lnRef idx="0">
+              <a:schemeClr val="accent5"/>
+            </a:lnRef>
+            <a:fillRef idx="3">
+              <a:schemeClr val="accent5"/>
+            </a:fillRef>
+            <a:effectRef idx="3">
+              <a:schemeClr val="accent5"/>
+            </a:effectRef>
+            <a:fontRef idx="minor">
+              <a:schemeClr val="lt1"/>
+            </a:fontRef>
+          </p:style>
+          <p:txBody>
+            <a:bodyPr rtlCol="0" anchor="ctr"/>
+            <a:lstStyle/>
+            <a:p>
+              <a:pPr algn="ctr"/>
+              <a:r>
+                <a:rPr lang="en-US" dirty="0"/>
+                <a:t>Piece</a:t>
+              </a:r>
+            </a:p>
+            <a:p>
+              <a:pPr algn="ctr"/>
+              <a:r>
+                <a:rPr lang="en-US" dirty="0"/>
+                <a:t>size x size</a:t>
+              </a:r>
+            </a:p>
+          </p:txBody>
+        </p:sp>
+        <p:grpSp>
+          <p:nvGrpSpPr>
+            <p:cNvPr id="45" name="Group 44">
+              <a:extLst>
+                <a:ext uri="{FF2B5EF4-FFF2-40B4-BE49-F238E27FC236}">
+                  <a16:creationId xmlns:a16="http://schemas.microsoft.com/office/drawing/2014/main" id="{3953BC16-0F02-4A8F-9287-FD345CF51FF8}"/>
+                </a:ext>
+              </a:extLst>
+            </p:cNvPr>
+            <p:cNvGrpSpPr/>
+            <p:nvPr/>
+          </p:nvGrpSpPr>
+          <p:grpSpPr>
+            <a:xfrm>
+              <a:off x="5237746" y="3623068"/>
+              <a:ext cx="994608" cy="1361908"/>
+              <a:chOff x="5236821" y="3627545"/>
+              <a:chExt cx="994608" cy="1361908"/>
+            </a:xfrm>
+          </p:grpSpPr>
+          <p:sp>
+            <p:nvSpPr>
+              <p:cNvPr id="46" name="Rectangle 45">
+                <a:extLst>
+                  <a:ext uri="{FF2B5EF4-FFF2-40B4-BE49-F238E27FC236}">
+                    <a16:creationId xmlns:a16="http://schemas.microsoft.com/office/drawing/2014/main" id="{E03B2C7D-2825-4590-BE08-BFA2E85C8118}"/>
+                  </a:ext>
+                </a:extLst>
+              </p:cNvPr>
+              <p:cNvSpPr/>
+              <p:nvPr/>
+            </p:nvSpPr>
+            <p:spPr>
+              <a:xfrm>
+                <a:off x="5236821" y="3627545"/>
+                <a:ext cx="497304" cy="447539"/>
+              </a:xfrm>
+              <a:prstGeom prst="rect">
+                <a:avLst/>
+              </a:prstGeom>
+            </p:spPr>
+            <p:style>
+              <a:lnRef idx="2">
+                <a:schemeClr val="accent4">
+                  <a:shade val="50000"/>
+                </a:schemeClr>
+              </a:lnRef>
+              <a:fillRef idx="1">
+                <a:schemeClr val="accent4"/>
+              </a:fillRef>
+              <a:effectRef idx="0">
+                <a:schemeClr val="accent4"/>
+              </a:effectRef>
+              <a:fontRef idx="minor">
+                <a:schemeClr val="lt1"/>
+              </a:fontRef>
+            </p:style>
+            <p:txBody>
+              <a:bodyPr rtlCol="0" anchor="ctr"/>
+              <a:lstStyle/>
+              <a:p>
+                <a:pPr algn="ctr"/>
+                <a:endParaRPr lang="en-US"/>
+              </a:p>
+            </p:txBody>
+          </p:sp>
+          <p:sp>
+            <p:nvSpPr>
+              <p:cNvPr id="47" name="Rectangle 46">
+                <a:extLst>
+                  <a:ext uri="{FF2B5EF4-FFF2-40B4-BE49-F238E27FC236}">
+                    <a16:creationId xmlns:a16="http://schemas.microsoft.com/office/drawing/2014/main" id="{7A713DA8-B939-41A3-B595-80251754B93F}"/>
+                  </a:ext>
+                </a:extLst>
+              </p:cNvPr>
+              <p:cNvSpPr/>
+              <p:nvPr/>
+            </p:nvSpPr>
+            <p:spPr>
+              <a:xfrm>
+                <a:off x="5734125" y="3629317"/>
+                <a:ext cx="497304" cy="447539"/>
+              </a:xfrm>
+              <a:prstGeom prst="rect">
+                <a:avLst/>
+              </a:prstGeom>
+            </p:spPr>
+            <p:style>
+              <a:lnRef idx="2">
+                <a:schemeClr val="accent4">
+                  <a:shade val="50000"/>
+                </a:schemeClr>
+              </a:lnRef>
+              <a:fillRef idx="1">
+                <a:schemeClr val="accent4"/>
+              </a:fillRef>
+              <a:effectRef idx="0">
+                <a:schemeClr val="accent4"/>
+              </a:effectRef>
+              <a:fontRef idx="minor">
+                <a:schemeClr val="lt1"/>
+              </a:fontRef>
+            </p:style>
+            <p:txBody>
+              <a:bodyPr rtlCol="0" anchor="ctr"/>
+              <a:lstStyle/>
+              <a:p>
+                <a:pPr algn="ctr"/>
+                <a:endParaRPr lang="en-US"/>
+              </a:p>
+            </p:txBody>
+          </p:sp>
+          <p:sp>
+            <p:nvSpPr>
+              <p:cNvPr id="48" name="Rectangle 47">
+                <a:extLst>
+                  <a:ext uri="{FF2B5EF4-FFF2-40B4-BE49-F238E27FC236}">
+                    <a16:creationId xmlns:a16="http://schemas.microsoft.com/office/drawing/2014/main" id="{1C5BAF89-574D-4A97-9870-3AD054955C2A}"/>
+                  </a:ext>
+                </a:extLst>
+              </p:cNvPr>
+              <p:cNvSpPr/>
+              <p:nvPr/>
+            </p:nvSpPr>
+            <p:spPr>
+              <a:xfrm>
+                <a:off x="5734125" y="4541914"/>
+                <a:ext cx="497304" cy="447539"/>
+              </a:xfrm>
+              <a:prstGeom prst="rect">
+                <a:avLst/>
+              </a:prstGeom>
+            </p:spPr>
+            <p:style>
+              <a:lnRef idx="2">
+                <a:schemeClr val="accent4">
+                  <a:shade val="50000"/>
+                </a:schemeClr>
+              </a:lnRef>
+              <a:fillRef idx="1">
+                <a:schemeClr val="accent4"/>
+              </a:fillRef>
+              <a:effectRef idx="0">
+                <a:schemeClr val="accent4"/>
+              </a:effectRef>
+              <a:fontRef idx="minor">
+                <a:schemeClr val="lt1"/>
+              </a:fontRef>
+            </p:style>
+            <p:txBody>
+              <a:bodyPr rtlCol="0" anchor="ctr"/>
+              <a:lstStyle/>
+              <a:p>
+                <a:pPr algn="ctr"/>
+                <a:endParaRPr lang="en-US"/>
+              </a:p>
+            </p:txBody>
+          </p:sp>
+          <p:sp>
+            <p:nvSpPr>
+              <p:cNvPr id="49" name="Rectangle 48">
+                <a:extLst>
+                  <a:ext uri="{FF2B5EF4-FFF2-40B4-BE49-F238E27FC236}">
+                    <a16:creationId xmlns:a16="http://schemas.microsoft.com/office/drawing/2014/main" id="{BE17CE58-2D07-4799-A6BC-8A5ACCD70010}"/>
+                  </a:ext>
+                </a:extLst>
+              </p:cNvPr>
+              <p:cNvSpPr/>
+              <p:nvPr/>
+            </p:nvSpPr>
+            <p:spPr>
+              <a:xfrm>
+                <a:off x="5734125" y="4075131"/>
+                <a:ext cx="497304" cy="447539"/>
+              </a:xfrm>
+              <a:prstGeom prst="rect">
+                <a:avLst/>
+              </a:prstGeom>
+            </p:spPr>
+            <p:style>
+              <a:lnRef idx="2">
+                <a:schemeClr val="accent4">
+                  <a:shade val="50000"/>
+                </a:schemeClr>
+              </a:lnRef>
+              <a:fillRef idx="1">
+                <a:schemeClr val="accent4"/>
+              </a:fillRef>
+              <a:effectRef idx="0">
+                <a:schemeClr val="accent4"/>
+              </a:effectRef>
+              <a:fontRef idx="minor">
+                <a:schemeClr val="lt1"/>
+              </a:fontRef>
+            </p:style>
+            <p:txBody>
+              <a:bodyPr rtlCol="0" anchor="ctr"/>
+              <a:lstStyle/>
+              <a:p>
+                <a:pPr algn="ctr"/>
+                <a:endParaRPr lang="en-US"/>
+              </a:p>
+            </p:txBody>
+          </p:sp>
+        </p:grpSp>
+      </p:grpSp>
+      <p:sp>
+        <p:nvSpPr>
+          <p:cNvPr id="50" name="TextBox 49">
+            <a:extLst>
+              <a:ext uri="{FF2B5EF4-FFF2-40B4-BE49-F238E27FC236}">
+                <a16:creationId xmlns:a16="http://schemas.microsoft.com/office/drawing/2014/main" id="{2DF42105-5346-45B7-AC7D-08790AD50A43}"/>
+              </a:ext>
+            </a:extLst>
+          </p:cNvPr>
+          <p:cNvSpPr txBox="1"/>
+          <p:nvPr/>
+        </p:nvSpPr>
+        <p:spPr>
+          <a:xfrm>
+            <a:off x="1180095" y="5393905"/>
+            <a:ext cx="643125" cy="369332"/>
+          </a:xfrm>
+          <a:prstGeom prst="rect">
+            <a:avLst/>
+          </a:prstGeom>
+          <a:noFill/>
+        </p:spPr>
+        <p:txBody>
+          <a:bodyPr wrap="none" rtlCol="0">
+            <a:spAutoFit/>
+          </a:bodyPr>
+          <a:lstStyle/>
+          <a:p>
+            <a:r>
+              <a:rPr lang="en-US" dirty="0"/>
+              <a:t>{x, y}</a:t>
+            </a:r>
+          </a:p>
+        </p:txBody>
+      </p:sp>
+      <p:sp>
+        <p:nvSpPr>
+          <p:cNvPr id="51" name="TextBox 50">
+            <a:extLst>
+              <a:ext uri="{FF2B5EF4-FFF2-40B4-BE49-F238E27FC236}">
+                <a16:creationId xmlns:a16="http://schemas.microsoft.com/office/drawing/2014/main" id="{0490E8B7-1CE4-4448-AB64-5A36AF640A4D}"/>
+              </a:ext>
+            </a:extLst>
+          </p:cNvPr>
+          <p:cNvSpPr txBox="1"/>
+          <p:nvPr/>
+        </p:nvSpPr>
+        <p:spPr>
+          <a:xfrm>
+            <a:off x="4784957" y="6328611"/>
+            <a:ext cx="2396938" cy="369332"/>
+          </a:xfrm>
+          <a:prstGeom prst="rect">
+            <a:avLst/>
+          </a:prstGeom>
+          <a:noFill/>
+        </p:spPr>
+        <p:txBody>
+          <a:bodyPr wrap="none" rtlCol="0">
+            <a:spAutoFit/>
+          </a:bodyPr>
+          <a:lstStyle/>
+          <a:p>
+            <a:r>
+              <a:rPr lang="en-US" dirty="0"/>
+              <a:t>{x + margin, y + margin}</a:t>
+            </a:r>
+          </a:p>
+        </p:txBody>
+      </p:sp>
+    </p:spTree>
+    <p:extLst>
+      <p:ext uri="{BB962C8B-B14F-4D97-AF65-F5344CB8AC3E}">
+        <p14:creationId xmlns:p14="http://schemas.microsoft.com/office/powerpoint/2010/main" val="369069557"/>
+      </p:ext>
+    </p:extLst>
+  </p:cSld>
+  <p:clrMapOvr>
+    <a:masterClrMapping/>
+  </p:clrMapOvr>
+</p:sld>
+</file>
+
 <file path=ppt/slides/slide3.xml><?xml version="1.0" encoding="utf-8"?>
 <p:sld xmlns:a="http://schemas.openxmlformats.org/drawingml/2006/main" xmlns:r="http://schemas.openxmlformats.org/officeDocument/2006/relationships" xmlns:p="http://schemas.openxmlformats.org/presentationml/2006/main">
   <p:cSld>

--- a/documents/DataStructures.pptx
+++ b/documents/DataStructures.pptx
@@ -3393,7 +3393,7 @@
           <a:p>
             <a:fld id="{A987F1E3-30AB-49C9-8E4C-2EF75BE827A3}" type="datetimeFigureOut">
               <a:rPr lang="en-US" smtClean="0"/>
-              <a:t>2/24/2021</a:t>
+              <a:t>2/27/2021</a:t>
             </a:fld>
             <a:endParaRPr lang="en-US"/>
           </a:p>
@@ -3591,7 +3591,7 @@
           <a:p>
             <a:fld id="{A987F1E3-30AB-49C9-8E4C-2EF75BE827A3}" type="datetimeFigureOut">
               <a:rPr lang="en-US" smtClean="0"/>
-              <a:t>2/24/2021</a:t>
+              <a:t>2/27/2021</a:t>
             </a:fld>
             <a:endParaRPr lang="en-US"/>
           </a:p>
@@ -3799,7 +3799,7 @@
           <a:p>
             <a:fld id="{A987F1E3-30AB-49C9-8E4C-2EF75BE827A3}" type="datetimeFigureOut">
               <a:rPr lang="en-US" smtClean="0"/>
-              <a:t>2/24/2021</a:t>
+              <a:t>2/27/2021</a:t>
             </a:fld>
             <a:endParaRPr lang="en-US"/>
           </a:p>
@@ -3997,7 +3997,7 @@
           <a:p>
             <a:fld id="{A987F1E3-30AB-49C9-8E4C-2EF75BE827A3}" type="datetimeFigureOut">
               <a:rPr lang="en-US" smtClean="0"/>
-              <a:t>2/24/2021</a:t>
+              <a:t>2/27/2021</a:t>
             </a:fld>
             <a:endParaRPr lang="en-US"/>
           </a:p>
@@ -4272,7 +4272,7 @@
           <a:p>
             <a:fld id="{A987F1E3-30AB-49C9-8E4C-2EF75BE827A3}" type="datetimeFigureOut">
               <a:rPr lang="en-US" smtClean="0"/>
-              <a:t>2/24/2021</a:t>
+              <a:t>2/27/2021</a:t>
             </a:fld>
             <a:endParaRPr lang="en-US"/>
           </a:p>
@@ -4537,7 +4537,7 @@
           <a:p>
             <a:fld id="{A987F1E3-30AB-49C9-8E4C-2EF75BE827A3}" type="datetimeFigureOut">
               <a:rPr lang="en-US" smtClean="0"/>
-              <a:t>2/24/2021</a:t>
+              <a:t>2/27/2021</a:t>
             </a:fld>
             <a:endParaRPr lang="en-US"/>
           </a:p>
@@ -4949,7 +4949,7 @@
           <a:p>
             <a:fld id="{A987F1E3-30AB-49C9-8E4C-2EF75BE827A3}" type="datetimeFigureOut">
               <a:rPr lang="en-US" smtClean="0"/>
-              <a:t>2/24/2021</a:t>
+              <a:t>2/27/2021</a:t>
             </a:fld>
             <a:endParaRPr lang="en-US"/>
           </a:p>
@@ -5090,7 +5090,7 @@
           <a:p>
             <a:fld id="{A987F1E3-30AB-49C9-8E4C-2EF75BE827A3}" type="datetimeFigureOut">
               <a:rPr lang="en-US" smtClean="0"/>
-              <a:t>2/24/2021</a:t>
+              <a:t>2/27/2021</a:t>
             </a:fld>
             <a:endParaRPr lang="en-US"/>
           </a:p>
@@ -5203,7 +5203,7 @@
           <a:p>
             <a:fld id="{A987F1E3-30AB-49C9-8E4C-2EF75BE827A3}" type="datetimeFigureOut">
               <a:rPr lang="en-US" smtClean="0"/>
-              <a:t>2/24/2021</a:t>
+              <a:t>2/27/2021</a:t>
             </a:fld>
             <a:endParaRPr lang="en-US"/>
           </a:p>
@@ -5514,7 +5514,7 @@
           <a:p>
             <a:fld id="{A987F1E3-30AB-49C9-8E4C-2EF75BE827A3}" type="datetimeFigureOut">
               <a:rPr lang="en-US" smtClean="0"/>
-              <a:t>2/24/2021</a:t>
+              <a:t>2/27/2021</a:t>
             </a:fld>
             <a:endParaRPr lang="en-US"/>
           </a:p>
@@ -5802,7 +5802,7 @@
           <a:p>
             <a:fld id="{A987F1E3-30AB-49C9-8E4C-2EF75BE827A3}" type="datetimeFigureOut">
               <a:rPr lang="en-US" smtClean="0"/>
-              <a:t>2/24/2021</a:t>
+              <a:t>2/27/2021</a:t>
             </a:fld>
             <a:endParaRPr lang="en-US"/>
           </a:p>
@@ -6043,7 +6043,7 @@
           <a:p>
             <a:fld id="{A987F1E3-30AB-49C9-8E4C-2EF75BE827A3}" type="datetimeFigureOut">
               <a:rPr lang="en-US" smtClean="0"/>
-              <a:t>2/24/2021</a:t>
+              <a:t>2/27/2021</a:t>
             </a:fld>
             <a:endParaRPr lang="en-US"/>
           </a:p>
@@ -26689,9 +26689,9 @@
           <p:nvPr/>
         </p:nvCxnSpPr>
         <p:spPr>
-          <a:xfrm>
-            <a:off x="6027900" y="2197768"/>
-            <a:ext cx="0" cy="1401929"/>
+          <a:xfrm flipH="1">
+            <a:off x="5952713" y="2233254"/>
+            <a:ext cx="12168" cy="1875552"/>
           </a:xfrm>
           <a:prstGeom prst="straightConnector1">
             <a:avLst/>
@@ -27404,7 +27404,7 @@
         </p:nvGrpSpPr>
         <p:grpSpPr>
           <a:xfrm>
-            <a:off x="5237746" y="3599698"/>
+            <a:off x="666561" y="1793113"/>
             <a:ext cx="1540204" cy="1415474"/>
             <a:chOff x="5237746" y="3599698"/>
             <a:chExt cx="1540204" cy="1415474"/>
@@ -27773,10 +27773,10 @@
         </p:nvGrpSpPr>
         <p:grpSpPr>
           <a:xfrm>
-            <a:off x="641442" y="3628549"/>
-            <a:ext cx="1540204" cy="1415474"/>
-            <a:chOff x="5237746" y="3599698"/>
-            <a:chExt cx="1540204" cy="1415474"/>
+            <a:off x="1959362" y="4151620"/>
+            <a:ext cx="1532183" cy="1415474"/>
+            <a:chOff x="5217610" y="3613311"/>
+            <a:chExt cx="1532183" cy="1415474"/>
           </a:xfrm>
         </p:grpSpPr>
         <p:sp>
@@ -27793,7 +27793,7 @@
           </p:nvSpPr>
           <p:spPr>
             <a:xfrm>
-              <a:off x="5245767" y="3599698"/>
+              <a:off x="5217610" y="3613311"/>
               <a:ext cx="1532183" cy="1415474"/>
             </a:xfrm>
             <a:prstGeom prst="rect">
@@ -28106,6 +28106,236 @@
               <a:rPr lang="en-US" dirty="0"/>
               <a:t>{x + margin, y + margin}</a:t>
             </a:r>
+          </a:p>
+        </p:txBody>
+      </p:sp>
+      <p:sp>
+        <p:nvSpPr>
+          <p:cNvPr id="60" name="Rectangle 59">
+            <a:extLst>
+              <a:ext uri="{FF2B5EF4-FFF2-40B4-BE49-F238E27FC236}">
+                <a16:creationId xmlns:a16="http://schemas.microsoft.com/office/drawing/2014/main" id="{E0ADC57D-CED0-41D7-893F-39C42AE4D880}"/>
+              </a:ext>
+            </a:extLst>
+          </p:cNvPr>
+          <p:cNvSpPr/>
+          <p:nvPr/>
+        </p:nvSpPr>
+        <p:spPr>
+          <a:xfrm>
+            <a:off x="5734077" y="5003923"/>
+            <a:ext cx="481264" cy="460347"/>
+          </a:xfrm>
+          <a:prstGeom prst="rect">
+            <a:avLst/>
+          </a:prstGeom>
+        </p:spPr>
+        <p:style>
+          <a:lnRef idx="2">
+            <a:schemeClr val="accent4">
+              <a:shade val="50000"/>
+            </a:schemeClr>
+          </a:lnRef>
+          <a:fillRef idx="1">
+            <a:schemeClr val="accent4"/>
+          </a:fillRef>
+          <a:effectRef idx="0">
+            <a:schemeClr val="accent4"/>
+          </a:effectRef>
+          <a:fontRef idx="minor">
+            <a:schemeClr val="lt1"/>
+          </a:fontRef>
+        </p:style>
+        <p:txBody>
+          <a:bodyPr rtlCol="0" anchor="ctr"/>
+          <a:lstStyle/>
+          <a:p>
+            <a:pPr algn="ctr"/>
+            <a:endParaRPr lang="en-US"/>
+          </a:p>
+        </p:txBody>
+      </p:sp>
+      <p:sp>
+        <p:nvSpPr>
+          <p:cNvPr id="64" name="Rectangle 63">
+            <a:extLst>
+              <a:ext uri="{FF2B5EF4-FFF2-40B4-BE49-F238E27FC236}">
+                <a16:creationId xmlns:a16="http://schemas.microsoft.com/office/drawing/2014/main" id="{39954C30-74CC-419F-8BAC-C3443C87D64B}"/>
+              </a:ext>
+            </a:extLst>
+          </p:cNvPr>
+          <p:cNvSpPr/>
+          <p:nvPr/>
+        </p:nvSpPr>
+        <p:spPr>
+          <a:xfrm>
+            <a:off x="2743198" y="2529681"/>
+            <a:ext cx="481264" cy="460347"/>
+          </a:xfrm>
+          <a:prstGeom prst="rect">
+            <a:avLst/>
+          </a:prstGeom>
+        </p:spPr>
+        <p:style>
+          <a:lnRef idx="2">
+            <a:schemeClr val="accent4">
+              <a:shade val="50000"/>
+            </a:schemeClr>
+          </a:lnRef>
+          <a:fillRef idx="1">
+            <a:schemeClr val="accent4"/>
+          </a:fillRef>
+          <a:effectRef idx="0">
+            <a:schemeClr val="accent4"/>
+          </a:effectRef>
+          <a:fontRef idx="minor">
+            <a:schemeClr val="lt1"/>
+          </a:fontRef>
+        </p:style>
+        <p:txBody>
+          <a:bodyPr rtlCol="0" anchor="ctr"/>
+          <a:lstStyle/>
+          <a:p>
+            <a:pPr algn="ctr"/>
+            <a:endParaRPr lang="en-US"/>
+          </a:p>
+        </p:txBody>
+      </p:sp>
+      <p:sp>
+        <p:nvSpPr>
+          <p:cNvPr id="65" name="Rectangle 64">
+            <a:extLst>
+              <a:ext uri="{FF2B5EF4-FFF2-40B4-BE49-F238E27FC236}">
+                <a16:creationId xmlns:a16="http://schemas.microsoft.com/office/drawing/2014/main" id="{31EA601C-D26A-4707-BB82-3CB20DFD37EB}"/>
+              </a:ext>
+            </a:extLst>
+          </p:cNvPr>
+          <p:cNvSpPr/>
+          <p:nvPr/>
+        </p:nvSpPr>
+        <p:spPr>
+          <a:xfrm>
+            <a:off x="5752052" y="4055067"/>
+            <a:ext cx="481264" cy="460347"/>
+          </a:xfrm>
+          <a:prstGeom prst="rect">
+            <a:avLst/>
+          </a:prstGeom>
+        </p:spPr>
+        <p:style>
+          <a:lnRef idx="2">
+            <a:schemeClr val="accent4">
+              <a:shade val="50000"/>
+            </a:schemeClr>
+          </a:lnRef>
+          <a:fillRef idx="1">
+            <a:schemeClr val="accent4"/>
+          </a:fillRef>
+          <a:effectRef idx="0">
+            <a:schemeClr val="accent4"/>
+          </a:effectRef>
+          <a:fontRef idx="minor">
+            <a:schemeClr val="lt1"/>
+          </a:fontRef>
+        </p:style>
+        <p:txBody>
+          <a:bodyPr rtlCol="0" anchor="ctr"/>
+          <a:lstStyle/>
+          <a:p>
+            <a:pPr algn="ctr"/>
+            <a:endParaRPr lang="en-US"/>
+          </a:p>
+        </p:txBody>
+      </p:sp>
+      <p:sp>
+        <p:nvSpPr>
+          <p:cNvPr id="66" name="Rectangle 65">
+            <a:extLst>
+              <a:ext uri="{FF2B5EF4-FFF2-40B4-BE49-F238E27FC236}">
+                <a16:creationId xmlns:a16="http://schemas.microsoft.com/office/drawing/2014/main" id="{1BD56A82-9CBF-4402-BBD1-BADA09296F70}"/>
+              </a:ext>
+            </a:extLst>
+          </p:cNvPr>
+          <p:cNvSpPr/>
+          <p:nvPr/>
+        </p:nvSpPr>
+        <p:spPr>
+          <a:xfrm>
+            <a:off x="5213683" y="4065013"/>
+            <a:ext cx="481264" cy="460347"/>
+          </a:xfrm>
+          <a:prstGeom prst="rect">
+            <a:avLst/>
+          </a:prstGeom>
+        </p:spPr>
+        <p:style>
+          <a:lnRef idx="2">
+            <a:schemeClr val="accent4">
+              <a:shade val="50000"/>
+            </a:schemeClr>
+          </a:lnRef>
+          <a:fillRef idx="1">
+            <a:schemeClr val="accent4"/>
+          </a:fillRef>
+          <a:effectRef idx="0">
+            <a:schemeClr val="accent4"/>
+          </a:effectRef>
+          <a:fontRef idx="minor">
+            <a:schemeClr val="lt1"/>
+          </a:fontRef>
+        </p:style>
+        <p:txBody>
+          <a:bodyPr rtlCol="0" anchor="ctr"/>
+          <a:lstStyle/>
+          <a:p>
+            <a:pPr algn="ctr"/>
+            <a:endParaRPr lang="en-US"/>
+          </a:p>
+        </p:txBody>
+      </p:sp>
+      <p:sp>
+        <p:nvSpPr>
+          <p:cNvPr id="67" name="Rectangle 66">
+            <a:extLst>
+              <a:ext uri="{FF2B5EF4-FFF2-40B4-BE49-F238E27FC236}">
+                <a16:creationId xmlns:a16="http://schemas.microsoft.com/office/drawing/2014/main" id="{ABF56FA9-5F69-410E-8084-77320FC3D1EE}"/>
+              </a:ext>
+            </a:extLst>
+          </p:cNvPr>
+          <p:cNvSpPr/>
+          <p:nvPr/>
+        </p:nvSpPr>
+        <p:spPr>
+          <a:xfrm>
+            <a:off x="5750119" y="4556710"/>
+            <a:ext cx="481264" cy="460347"/>
+          </a:xfrm>
+          <a:prstGeom prst="rect">
+            <a:avLst/>
+          </a:prstGeom>
+        </p:spPr>
+        <p:style>
+          <a:lnRef idx="2">
+            <a:schemeClr val="accent4">
+              <a:shade val="50000"/>
+            </a:schemeClr>
+          </a:lnRef>
+          <a:fillRef idx="1">
+            <a:schemeClr val="accent4"/>
+          </a:fillRef>
+          <a:effectRef idx="0">
+            <a:schemeClr val="accent4"/>
+          </a:effectRef>
+          <a:fontRef idx="minor">
+            <a:schemeClr val="lt1"/>
+          </a:fontRef>
+        </p:style>
+        <p:txBody>
+          <a:bodyPr rtlCol="0" anchor="ctr"/>
+          <a:lstStyle/>
+          <a:p>
+            <a:pPr algn="ctr"/>
+            <a:endParaRPr lang="en-US"/>
           </a:p>
         </p:txBody>
       </p:sp>

--- a/documents/DataStructures.pptx
+++ b/documents/DataStructures.pptx
@@ -34,6 +34,7 @@
     <p:sldId id="284" r:id="rId28"/>
     <p:sldId id="285" r:id="rId29"/>
     <p:sldId id="286" r:id="rId30"/>
+    <p:sldId id="288" r:id="rId31"/>
   </p:sldIdLst>
   <p:sldSz cx="12192000" cy="6858000"/>
   <p:notesSz cx="6858000" cy="9144000"/>
@@ -3394,7 +3395,7 @@
           <a:p>
             <a:fld id="{A987F1E3-30AB-49C9-8E4C-2EF75BE827A3}" type="datetimeFigureOut">
               <a:rPr lang="en-US" smtClean="0"/>
-              <a:t>3/24/2021</a:t>
+              <a:t>4/3/2021</a:t>
             </a:fld>
             <a:endParaRPr lang="en-US"/>
           </a:p>
@@ -3592,7 +3593,7 @@
           <a:p>
             <a:fld id="{A987F1E3-30AB-49C9-8E4C-2EF75BE827A3}" type="datetimeFigureOut">
               <a:rPr lang="en-US" smtClean="0"/>
-              <a:t>3/24/2021</a:t>
+              <a:t>4/3/2021</a:t>
             </a:fld>
             <a:endParaRPr lang="en-US"/>
           </a:p>
@@ -3800,7 +3801,7 @@
           <a:p>
             <a:fld id="{A987F1E3-30AB-49C9-8E4C-2EF75BE827A3}" type="datetimeFigureOut">
               <a:rPr lang="en-US" smtClean="0"/>
-              <a:t>3/24/2021</a:t>
+              <a:t>4/3/2021</a:t>
             </a:fld>
             <a:endParaRPr lang="en-US"/>
           </a:p>
@@ -3998,7 +3999,7 @@
           <a:p>
             <a:fld id="{A987F1E3-30AB-49C9-8E4C-2EF75BE827A3}" type="datetimeFigureOut">
               <a:rPr lang="en-US" smtClean="0"/>
-              <a:t>3/24/2021</a:t>
+              <a:t>4/3/2021</a:t>
             </a:fld>
             <a:endParaRPr lang="en-US"/>
           </a:p>
@@ -4273,7 +4274,7 @@
           <a:p>
             <a:fld id="{A987F1E3-30AB-49C9-8E4C-2EF75BE827A3}" type="datetimeFigureOut">
               <a:rPr lang="en-US" smtClean="0"/>
-              <a:t>3/24/2021</a:t>
+              <a:t>4/3/2021</a:t>
             </a:fld>
             <a:endParaRPr lang="en-US"/>
           </a:p>
@@ -4538,7 +4539,7 @@
           <a:p>
             <a:fld id="{A987F1E3-30AB-49C9-8E4C-2EF75BE827A3}" type="datetimeFigureOut">
               <a:rPr lang="en-US" smtClean="0"/>
-              <a:t>3/24/2021</a:t>
+              <a:t>4/3/2021</a:t>
             </a:fld>
             <a:endParaRPr lang="en-US"/>
           </a:p>
@@ -4950,7 +4951,7 @@
           <a:p>
             <a:fld id="{A987F1E3-30AB-49C9-8E4C-2EF75BE827A3}" type="datetimeFigureOut">
               <a:rPr lang="en-US" smtClean="0"/>
-              <a:t>3/24/2021</a:t>
+              <a:t>4/3/2021</a:t>
             </a:fld>
             <a:endParaRPr lang="en-US"/>
           </a:p>
@@ -5091,7 +5092,7 @@
           <a:p>
             <a:fld id="{A987F1E3-30AB-49C9-8E4C-2EF75BE827A3}" type="datetimeFigureOut">
               <a:rPr lang="en-US" smtClean="0"/>
-              <a:t>3/24/2021</a:t>
+              <a:t>4/3/2021</a:t>
             </a:fld>
             <a:endParaRPr lang="en-US"/>
           </a:p>
@@ -5204,7 +5205,7 @@
           <a:p>
             <a:fld id="{A987F1E3-30AB-49C9-8E4C-2EF75BE827A3}" type="datetimeFigureOut">
               <a:rPr lang="en-US" smtClean="0"/>
-              <a:t>3/24/2021</a:t>
+              <a:t>4/3/2021</a:t>
             </a:fld>
             <a:endParaRPr lang="en-US"/>
           </a:p>
@@ -5515,7 +5516,7 @@
           <a:p>
             <a:fld id="{A987F1E3-30AB-49C9-8E4C-2EF75BE827A3}" type="datetimeFigureOut">
               <a:rPr lang="en-US" smtClean="0"/>
-              <a:t>3/24/2021</a:t>
+              <a:t>4/3/2021</a:t>
             </a:fld>
             <a:endParaRPr lang="en-US"/>
           </a:p>
@@ -5803,7 +5804,7 @@
           <a:p>
             <a:fld id="{A987F1E3-30AB-49C9-8E4C-2EF75BE827A3}" type="datetimeFigureOut">
               <a:rPr lang="en-US" smtClean="0"/>
-              <a:t>3/24/2021</a:t>
+              <a:t>4/3/2021</a:t>
             </a:fld>
             <a:endParaRPr lang="en-US"/>
           </a:p>
@@ -6044,7 +6045,7 @@
           <a:p>
             <a:fld id="{A987F1E3-30AB-49C9-8E4C-2EF75BE827A3}" type="datetimeFigureOut">
               <a:rPr lang="en-US" smtClean="0"/>
-              <a:t>3/24/2021</a:t>
+              <a:t>4/3/2021</a:t>
             </a:fld>
             <a:endParaRPr lang="en-US"/>
           </a:p>
@@ -14579,8 +14580,8 @@
         </p:nvSpPr>
         <p:spPr>
           <a:xfrm>
-            <a:off x="1085848" y="2402336"/>
-            <a:ext cx="1717514" cy="264695"/>
+            <a:off x="636669" y="2747796"/>
+            <a:ext cx="2166694" cy="264695"/>
           </a:xfrm>
           <a:prstGeom prst="rect">
             <a:avLst/>
@@ -14606,7 +14607,7 @@
           <a:p>
             <a:pPr algn="ctr"/>
             <a:r>
-              <a:rPr lang="en-US" sz="1400">
+              <a:rPr lang="en-US" sz="1400" dirty="0">
                 <a:solidFill>
                   <a:schemeClr val="tx1">
                     <a:lumMod val="65000"/>
@@ -14615,17 +14616,8 @@
                 </a:solidFill>
                 <a:latin typeface="Consolas" panose="020B0609020204030204" pitchFamily="49" charset="0"/>
               </a:rPr>
-              <a:t>add(score)</a:t>
-            </a:r>
-            <a:endParaRPr lang="en-US" sz="1400" dirty="0">
-              <a:solidFill>
-                <a:schemeClr val="tx1">
-                  <a:lumMod val="65000"/>
-                  <a:lumOff val="35000"/>
-                </a:schemeClr>
-              </a:solidFill>
-              <a:latin typeface="Consolas" panose="020B0609020204030204" pitchFamily="49" charset="0"/>
-            </a:endParaRPr>
+              <a:t>update(level, score)</a:t>
+            </a:r>
           </a:p>
         </p:txBody>
       </p:sp>
@@ -14647,8 +14639,8 @@
         </p:nvCxnSpPr>
         <p:spPr>
           <a:xfrm rot="10800000">
-            <a:off x="2803363" y="2534684"/>
-            <a:ext cx="540913" cy="1597096"/>
+            <a:off x="2803363" y="2880144"/>
+            <a:ext cx="540912" cy="1251636"/>
           </a:xfrm>
           <a:prstGeom prst="bentConnector3">
             <a:avLst>
@@ -14801,106 +14793,6 @@
             <a:avLst>
               <a:gd name="adj1" fmla="val 43896"/>
               <a:gd name="adj2" fmla="val 105381"/>
-            </a:avLst>
-          </a:prstGeom>
-          <a:ln>
-            <a:tailEnd type="triangle"/>
-          </a:ln>
-        </p:spPr>
-        <p:style>
-          <a:lnRef idx="2">
-            <a:schemeClr val="accent4"/>
-          </a:lnRef>
-          <a:fillRef idx="0">
-            <a:schemeClr val="accent4"/>
-          </a:fillRef>
-          <a:effectRef idx="1">
-            <a:schemeClr val="accent4"/>
-          </a:effectRef>
-          <a:fontRef idx="minor">
-            <a:schemeClr val="tx1"/>
-          </a:fontRef>
-        </p:style>
-      </p:cxnSp>
-      <p:sp>
-        <p:nvSpPr>
-          <p:cNvPr id="21" name="Rectangle 20">
-            <a:extLst>
-              <a:ext uri="{FF2B5EF4-FFF2-40B4-BE49-F238E27FC236}">
-                <a16:creationId xmlns:a16="http://schemas.microsoft.com/office/drawing/2014/main" id="{C82BEDAA-0D31-479A-B4FD-CA59B503062A}"/>
-              </a:ext>
-            </a:extLst>
-          </p:cNvPr>
-          <p:cNvSpPr/>
-          <p:nvPr/>
-        </p:nvSpPr>
-        <p:spPr>
-          <a:xfrm>
-            <a:off x="1085848" y="2825785"/>
-            <a:ext cx="1717514" cy="264695"/>
-          </a:xfrm>
-          <a:prstGeom prst="rect">
-            <a:avLst/>
-          </a:prstGeom>
-        </p:spPr>
-        <p:style>
-          <a:lnRef idx="1">
-            <a:schemeClr val="accent4"/>
-          </a:lnRef>
-          <a:fillRef idx="2">
-            <a:schemeClr val="accent4"/>
-          </a:fillRef>
-          <a:effectRef idx="1">
-            <a:schemeClr val="accent4"/>
-          </a:effectRef>
-          <a:fontRef idx="minor">
-            <a:schemeClr val="dk1"/>
-          </a:fontRef>
-        </p:style>
-        <p:txBody>
-          <a:bodyPr rtlCol="0" anchor="ctr"/>
-          <a:lstStyle/>
-          <a:p>
-            <a:pPr algn="ctr"/>
-            <a:r>
-              <a:rPr lang="en-US" sz="1400" dirty="0">
-                <a:solidFill>
-                  <a:schemeClr val="tx1">
-                    <a:lumMod val="65000"/>
-                    <a:lumOff val="35000"/>
-                  </a:schemeClr>
-                </a:solidFill>
-                <a:latin typeface="Consolas" panose="020B0609020204030204" pitchFamily="49" charset="0"/>
-              </a:rPr>
-              <a:t>change(level)</a:t>
-            </a:r>
-          </a:p>
-        </p:txBody>
-      </p:sp>
-      <p:cxnSp>
-        <p:nvCxnSpPr>
-          <p:cNvPr id="22" name="Connector: Elbow 21">
-            <a:extLst>
-              <a:ext uri="{FF2B5EF4-FFF2-40B4-BE49-F238E27FC236}">
-                <a16:creationId xmlns:a16="http://schemas.microsoft.com/office/drawing/2014/main" id="{061B05C8-316A-457B-9510-D5F394886E24}"/>
-              </a:ext>
-            </a:extLst>
-          </p:cNvPr>
-          <p:cNvCxnSpPr>
-            <a:cxnSpLocks/>
-            <a:stCxn id="4" idx="1"/>
-            <a:endCxn id="21" idx="3"/>
-          </p:cNvCxnSpPr>
-          <p:nvPr/>
-        </p:nvCxnSpPr>
-        <p:spPr>
-          <a:xfrm rot="10800000">
-            <a:off x="2803363" y="2958134"/>
-            <a:ext cx="540913" cy="1173647"/>
-          </a:xfrm>
-          <a:prstGeom prst="bentConnector3">
-            <a:avLst>
-              <a:gd name="adj1" fmla="val 50000"/>
             </a:avLst>
           </a:prstGeom>
           <a:ln>
@@ -15398,15 +15290,15 @@
             </a:extLst>
           </p:cNvPr>
           <p:cNvCxnSpPr>
+            <a:cxnSpLocks/>
             <a:stCxn id="11" idx="0"/>
-            <a:endCxn id="4" idx="0"/>
           </p:cNvCxnSpPr>
           <p:nvPr/>
         </p:nvCxnSpPr>
         <p:spPr>
           <a:xfrm rot="16200000" flipV="1">
-            <a:off x="6754165" y="1522684"/>
-            <a:ext cx="1270460" cy="2322094"/>
+            <a:off x="6895660" y="1664178"/>
+            <a:ext cx="357813" cy="2951753"/>
           </a:xfrm>
           <a:prstGeom prst="bentConnector2">
             <a:avLst/>
@@ -15585,7 +15477,7 @@
         </p:nvSpPr>
         <p:spPr>
           <a:xfrm>
-            <a:off x="8101268" y="2560645"/>
+            <a:off x="8101268" y="2817135"/>
             <a:ext cx="898347" cy="288024"/>
           </a:xfrm>
           <a:prstGeom prst="homePlate">
@@ -15613,7 +15505,7 @@
             <a:pPr algn="ctr"/>
             <a:r>
               <a:rPr lang="en-US" sz="1600" dirty="0"/>
-              <a:t>over</a:t>
+              <a:t>again</a:t>
             </a:r>
           </a:p>
         </p:txBody>
@@ -15708,6 +15600,126 @@
             <a:r>
               <a:rPr lang="en-US" dirty="0"/>
               <a:t>Paused</a:t>
+            </a:r>
+          </a:p>
+        </p:txBody>
+      </p:sp>
+      <p:sp>
+        <p:nvSpPr>
+          <p:cNvPr id="9" name="Speech Bubble: Rectangle with Corners Rounded 8">
+            <a:extLst>
+              <a:ext uri="{FF2B5EF4-FFF2-40B4-BE49-F238E27FC236}">
+                <a16:creationId xmlns:a16="http://schemas.microsoft.com/office/drawing/2014/main" id="{D91093A6-C42E-4328-B043-1710AFA1E2D6}"/>
+              </a:ext>
+            </a:extLst>
+          </p:cNvPr>
+          <p:cNvSpPr/>
+          <p:nvPr/>
+        </p:nvSpPr>
+        <p:spPr>
+          <a:xfrm>
+            <a:off x="7038471" y="707852"/>
+            <a:ext cx="1395657" cy="948406"/>
+          </a:xfrm>
+          <a:prstGeom prst="wedgeRoundRectCallout">
+            <a:avLst>
+              <a:gd name="adj1" fmla="val -111063"/>
+              <a:gd name="adj2" fmla="val 87026"/>
+              <a:gd name="adj3" fmla="val 16667"/>
+            </a:avLst>
+          </a:prstGeom>
+        </p:spPr>
+        <p:style>
+          <a:lnRef idx="2">
+            <a:schemeClr val="accent2">
+              <a:shade val="50000"/>
+            </a:schemeClr>
+          </a:lnRef>
+          <a:fillRef idx="1">
+            <a:schemeClr val="accent2"/>
+          </a:fillRef>
+          <a:effectRef idx="0">
+            <a:schemeClr val="accent2"/>
+          </a:effectRef>
+          <a:fontRef idx="minor">
+            <a:schemeClr val="lt1"/>
+          </a:fontRef>
+        </p:style>
+        <p:txBody>
+          <a:bodyPr rtlCol="0" anchor="ctr"/>
+          <a:lstStyle/>
+          <a:p>
+            <a:pPr algn="ctr"/>
+            <a:r>
+              <a:rPr lang="en-US" dirty="0"/>
+              <a:t>Welcome</a:t>
+            </a:r>
+          </a:p>
+          <a:p>
+            <a:pPr algn="ctr"/>
+            <a:r>
+              <a:rPr lang="en-US" dirty="0"/>
+              <a:t>Play</a:t>
+            </a:r>
+          </a:p>
+        </p:txBody>
+      </p:sp>
+      <p:sp>
+        <p:nvSpPr>
+          <p:cNvPr id="24" name="Speech Bubble: Rectangle with Corners Rounded 23">
+            <a:extLst>
+              <a:ext uri="{FF2B5EF4-FFF2-40B4-BE49-F238E27FC236}">
+                <a16:creationId xmlns:a16="http://schemas.microsoft.com/office/drawing/2014/main" id="{012C954D-652A-4E30-AF4B-B1CD945A9B22}"/>
+              </a:ext>
+            </a:extLst>
+          </p:cNvPr>
+          <p:cNvSpPr/>
+          <p:nvPr/>
+        </p:nvSpPr>
+        <p:spPr>
+          <a:xfrm>
+            <a:off x="9789692" y="2086442"/>
+            <a:ext cx="1395657" cy="948406"/>
+          </a:xfrm>
+          <a:prstGeom prst="wedgeRoundRectCallout">
+            <a:avLst>
+              <a:gd name="adj1" fmla="val -111063"/>
+              <a:gd name="adj2" fmla="val 87026"/>
+              <a:gd name="adj3" fmla="val 16667"/>
+            </a:avLst>
+          </a:prstGeom>
+        </p:spPr>
+        <p:style>
+          <a:lnRef idx="2">
+            <a:schemeClr val="accent2">
+              <a:shade val="50000"/>
+            </a:schemeClr>
+          </a:lnRef>
+          <a:fillRef idx="1">
+            <a:schemeClr val="accent2"/>
+          </a:fillRef>
+          <a:effectRef idx="0">
+            <a:schemeClr val="accent2"/>
+          </a:effectRef>
+          <a:fontRef idx="minor">
+            <a:schemeClr val="lt1"/>
+          </a:fontRef>
+        </p:style>
+        <p:txBody>
+          <a:bodyPr rtlCol="0" anchor="ctr"/>
+          <a:lstStyle/>
+          <a:p>
+            <a:pPr algn="ctr"/>
+            <a:r>
+              <a:rPr lang="en-US" dirty="0"/>
+              <a:t>Game Over</a:t>
+            </a:r>
+          </a:p>
+          <a:p>
+            <a:pPr algn="ctr"/>
+            <a:r>
+              <a:rPr lang="en-US" dirty="0"/>
+              <a:t>Play Again</a:t>
             </a:r>
           </a:p>
         </p:txBody>
@@ -26072,6 +26084,10 @@
           </a:p>
           <a:p>
             <a:pPr algn="r"/>
+            <a:endParaRPr lang="en-US" dirty="0"/>
+          </a:p>
+          <a:p>
+            <a:pPr algn="r"/>
             <a:r>
               <a:rPr lang="en-US" dirty="0"/>
               <a:t>Completed</a:t>
@@ -27228,7 +27244,7 @@
         </p:nvSpPr>
         <p:spPr>
           <a:xfrm>
-            <a:off x="2995085" y="3497181"/>
+            <a:off x="2993150" y="3373313"/>
             <a:ext cx="962689" cy="267836"/>
           </a:xfrm>
           <a:prstGeom prst="rect">
@@ -27275,7 +27291,7 @@
         </p:nvSpPr>
         <p:spPr>
           <a:xfrm>
-            <a:off x="2988129" y="4011036"/>
+            <a:off x="2993151" y="3885332"/>
             <a:ext cx="962689" cy="267836"/>
           </a:xfrm>
           <a:prstGeom prst="rect">
@@ -27322,7 +27338,7 @@
         </p:nvSpPr>
         <p:spPr>
           <a:xfrm>
-            <a:off x="2984781" y="4328876"/>
+            <a:off x="2993151" y="4466989"/>
             <a:ext cx="962689" cy="267836"/>
           </a:xfrm>
           <a:prstGeom prst="rect">
@@ -27355,6 +27371,48 @@
           </a:p>
         </p:txBody>
       </p:sp>
+      <p:cxnSp>
+        <p:nvCxnSpPr>
+          <p:cNvPr id="37" name="Straight Arrow Connector 36">
+            <a:extLst>
+              <a:ext uri="{FF2B5EF4-FFF2-40B4-BE49-F238E27FC236}">
+                <a16:creationId xmlns:a16="http://schemas.microsoft.com/office/drawing/2014/main" id="{009906B9-EF0A-4BC7-807A-C453A9A9B074}"/>
+              </a:ext>
+            </a:extLst>
+          </p:cNvPr>
+          <p:cNvCxnSpPr>
+            <a:cxnSpLocks/>
+          </p:cNvCxnSpPr>
+          <p:nvPr/>
+        </p:nvCxnSpPr>
+        <p:spPr>
+          <a:xfrm flipH="1" flipV="1">
+            <a:off x="867620" y="3631098"/>
+            <a:ext cx="749969" cy="1"/>
+          </a:xfrm>
+          <a:prstGeom prst="straightConnector1">
+            <a:avLst/>
+          </a:prstGeom>
+          <a:ln>
+            <a:headEnd type="triangle"/>
+            <a:tailEnd type="triangle"/>
+          </a:ln>
+        </p:spPr>
+        <p:style>
+          <a:lnRef idx="1">
+            <a:schemeClr val="accent1"/>
+          </a:lnRef>
+          <a:fillRef idx="0">
+            <a:schemeClr val="accent1"/>
+          </a:fillRef>
+          <a:effectRef idx="0">
+            <a:schemeClr val="accent1"/>
+          </a:effectRef>
+          <a:fontRef idx="minor">
+            <a:schemeClr val="tx1"/>
+          </a:fontRef>
+        </p:style>
+      </p:cxnSp>
     </p:spTree>
     <p:extLst>
       <p:ext uri="{BB962C8B-B14F-4D97-AF65-F5344CB8AC3E}">
@@ -29499,6 +29557,127 @@
     <p:extLst>
       <p:ext uri="{BB962C8B-B14F-4D97-AF65-F5344CB8AC3E}">
         <p14:creationId xmlns:p14="http://schemas.microsoft.com/office/powerpoint/2010/main" val="2070302516"/>
+      </p:ext>
+    </p:extLst>
+  </p:cSld>
+  <p:clrMapOvr>
+    <a:masterClrMapping/>
+  </p:clrMapOvr>
+</p:sld>
+</file>
+
+<file path=ppt/slides/slide30.xml><?xml version="1.0" encoding="utf-8"?>
+<p:sld xmlns:a="http://schemas.openxmlformats.org/drawingml/2006/main" xmlns:r="http://schemas.openxmlformats.org/officeDocument/2006/relationships" xmlns:p="http://schemas.openxmlformats.org/presentationml/2006/main">
+  <p:cSld>
+    <p:spTree>
+      <p:nvGrpSpPr>
+        <p:cNvPr id="1" name=""/>
+        <p:cNvGrpSpPr/>
+        <p:nvPr/>
+      </p:nvGrpSpPr>
+      <p:grpSpPr>
+        <a:xfrm>
+          <a:off x="0" y="0"/>
+          <a:ext cx="0" cy="0"/>
+          <a:chOff x="0" y="0"/>
+          <a:chExt cx="0" cy="0"/>
+        </a:xfrm>
+      </p:grpSpPr>
+      <p:sp>
+        <p:nvSpPr>
+          <p:cNvPr id="2" name="Title 1">
+            <a:extLst>
+              <a:ext uri="{FF2B5EF4-FFF2-40B4-BE49-F238E27FC236}">
+                <a16:creationId xmlns:a16="http://schemas.microsoft.com/office/drawing/2014/main" id="{C84B637D-D830-4B75-A7BD-ABDDA62F3C6A}"/>
+              </a:ext>
+            </a:extLst>
+          </p:cNvPr>
+          <p:cNvSpPr>
+            <a:spLocks noGrp="1"/>
+          </p:cNvSpPr>
+          <p:nvPr>
+            <p:ph type="title"/>
+          </p:nvPr>
+        </p:nvSpPr>
+        <p:spPr/>
+        <p:txBody>
+          <a:bodyPr/>
+          <a:lstStyle/>
+          <a:p>
+            <a:r>
+              <a:rPr lang="en-US" dirty="0"/>
+              <a:t>Further improvements of Tetris</a:t>
+            </a:r>
+          </a:p>
+        </p:txBody>
+      </p:sp>
+      <p:sp>
+        <p:nvSpPr>
+          <p:cNvPr id="3" name="Content Placeholder 2">
+            <a:extLst>
+              <a:ext uri="{FF2B5EF4-FFF2-40B4-BE49-F238E27FC236}">
+                <a16:creationId xmlns:a16="http://schemas.microsoft.com/office/drawing/2014/main" id="{720686CC-57C3-4BA6-826E-530F805705C9}"/>
+              </a:ext>
+            </a:extLst>
+          </p:cNvPr>
+          <p:cNvSpPr>
+            <a:spLocks noGrp="1"/>
+          </p:cNvSpPr>
+          <p:nvPr>
+            <p:ph idx="1"/>
+          </p:nvPr>
+        </p:nvSpPr>
+        <p:spPr/>
+        <p:txBody>
+          <a:bodyPr/>
+          <a:lstStyle/>
+          <a:p>
+            <a:r>
+              <a:rPr lang="en-US" dirty="0"/>
+              <a:t>Increment play level based on score or </a:t>
+            </a:r>
+            <a:r>
+              <a:rPr lang="en-US" b="1" dirty="0"/>
+              <a:t>time</a:t>
+            </a:r>
+          </a:p>
+          <a:p>
+            <a:pPr lvl="1"/>
+            <a:r>
+              <a:rPr lang="en-US" dirty="0"/>
+              <a:t>How to record time played by the user: count the number of ticks</a:t>
+            </a:r>
+          </a:p>
+          <a:p>
+            <a:pPr lvl="1"/>
+            <a:r>
+              <a:rPr lang="en-US" dirty="0"/>
+              <a:t>Update level in the appropriate part of the program</a:t>
+            </a:r>
+          </a:p>
+          <a:p>
+            <a:pPr lvl="1"/>
+            <a:r>
+              <a:rPr lang="en-US" dirty="0"/>
+              <a:t>Continue till we reach the maximum level (9)</a:t>
+            </a:r>
+          </a:p>
+          <a:p>
+            <a:pPr lvl="1"/>
+            <a:r>
+              <a:rPr lang="en-US" dirty="0"/>
+              <a:t>Make sure the maximum level is very difficult</a:t>
+            </a:r>
+          </a:p>
+          <a:p>
+            <a:endParaRPr lang="en-US" dirty="0"/>
+          </a:p>
+        </p:txBody>
+      </p:sp>
+    </p:spTree>
+    <p:extLst>
+      <p:ext uri="{BB962C8B-B14F-4D97-AF65-F5344CB8AC3E}">
+        <p14:creationId xmlns:p14="http://schemas.microsoft.com/office/powerpoint/2010/main" val="4153085627"/>
       </p:ext>
     </p:extLst>
   </p:cSld>

--- a/documents/DataStructures.pptx
+++ b/documents/DataStructures.pptx
@@ -35,6 +35,14 @@
     <p:sldId id="285" r:id="rId29"/>
     <p:sldId id="286" r:id="rId30"/>
     <p:sldId id="288" r:id="rId31"/>
+    <p:sldId id="289" r:id="rId32"/>
+    <p:sldId id="290" r:id="rId33"/>
+    <p:sldId id="291" r:id="rId34"/>
+    <p:sldId id="292" r:id="rId35"/>
+    <p:sldId id="293" r:id="rId36"/>
+    <p:sldId id="295" r:id="rId37"/>
+    <p:sldId id="294" r:id="rId38"/>
+    <p:sldId id="296" r:id="rId39"/>
   </p:sldIdLst>
   <p:sldSz cx="12192000" cy="6858000"/>
   <p:notesSz cx="6858000" cy="9144000"/>
@@ -3395,7 +3403,7 @@
           <a:p>
             <a:fld id="{A987F1E3-30AB-49C9-8E4C-2EF75BE827A3}" type="datetimeFigureOut">
               <a:rPr lang="en-US" smtClean="0"/>
-              <a:t>4/3/2021</a:t>
+              <a:t>4/28/2021</a:t>
             </a:fld>
             <a:endParaRPr lang="en-US"/>
           </a:p>
@@ -3593,7 +3601,7 @@
           <a:p>
             <a:fld id="{A987F1E3-30AB-49C9-8E4C-2EF75BE827A3}" type="datetimeFigureOut">
               <a:rPr lang="en-US" smtClean="0"/>
-              <a:t>4/3/2021</a:t>
+              <a:t>4/28/2021</a:t>
             </a:fld>
             <a:endParaRPr lang="en-US"/>
           </a:p>
@@ -3801,7 +3809,7 @@
           <a:p>
             <a:fld id="{A987F1E3-30AB-49C9-8E4C-2EF75BE827A3}" type="datetimeFigureOut">
               <a:rPr lang="en-US" smtClean="0"/>
-              <a:t>4/3/2021</a:t>
+              <a:t>4/28/2021</a:t>
             </a:fld>
             <a:endParaRPr lang="en-US"/>
           </a:p>
@@ -3999,7 +4007,7 @@
           <a:p>
             <a:fld id="{A987F1E3-30AB-49C9-8E4C-2EF75BE827A3}" type="datetimeFigureOut">
               <a:rPr lang="en-US" smtClean="0"/>
-              <a:t>4/3/2021</a:t>
+              <a:t>4/28/2021</a:t>
             </a:fld>
             <a:endParaRPr lang="en-US"/>
           </a:p>
@@ -4274,7 +4282,7 @@
           <a:p>
             <a:fld id="{A987F1E3-30AB-49C9-8E4C-2EF75BE827A3}" type="datetimeFigureOut">
               <a:rPr lang="en-US" smtClean="0"/>
-              <a:t>4/3/2021</a:t>
+              <a:t>4/28/2021</a:t>
             </a:fld>
             <a:endParaRPr lang="en-US"/>
           </a:p>
@@ -4539,7 +4547,7 @@
           <a:p>
             <a:fld id="{A987F1E3-30AB-49C9-8E4C-2EF75BE827A3}" type="datetimeFigureOut">
               <a:rPr lang="en-US" smtClean="0"/>
-              <a:t>4/3/2021</a:t>
+              <a:t>4/28/2021</a:t>
             </a:fld>
             <a:endParaRPr lang="en-US"/>
           </a:p>
@@ -4951,7 +4959,7 @@
           <a:p>
             <a:fld id="{A987F1E3-30AB-49C9-8E4C-2EF75BE827A3}" type="datetimeFigureOut">
               <a:rPr lang="en-US" smtClean="0"/>
-              <a:t>4/3/2021</a:t>
+              <a:t>4/28/2021</a:t>
             </a:fld>
             <a:endParaRPr lang="en-US"/>
           </a:p>
@@ -5092,7 +5100,7 @@
           <a:p>
             <a:fld id="{A987F1E3-30AB-49C9-8E4C-2EF75BE827A3}" type="datetimeFigureOut">
               <a:rPr lang="en-US" smtClean="0"/>
-              <a:t>4/3/2021</a:t>
+              <a:t>4/28/2021</a:t>
             </a:fld>
             <a:endParaRPr lang="en-US"/>
           </a:p>
@@ -5205,7 +5213,7 @@
           <a:p>
             <a:fld id="{A987F1E3-30AB-49C9-8E4C-2EF75BE827A3}" type="datetimeFigureOut">
               <a:rPr lang="en-US" smtClean="0"/>
-              <a:t>4/3/2021</a:t>
+              <a:t>4/28/2021</a:t>
             </a:fld>
             <a:endParaRPr lang="en-US"/>
           </a:p>
@@ -5516,7 +5524,7 @@
           <a:p>
             <a:fld id="{A987F1E3-30AB-49C9-8E4C-2EF75BE827A3}" type="datetimeFigureOut">
               <a:rPr lang="en-US" smtClean="0"/>
-              <a:t>4/3/2021</a:t>
+              <a:t>4/28/2021</a:t>
             </a:fld>
             <a:endParaRPr lang="en-US"/>
           </a:p>
@@ -5804,7 +5812,7 @@
           <a:p>
             <a:fld id="{A987F1E3-30AB-49C9-8E4C-2EF75BE827A3}" type="datetimeFigureOut">
               <a:rPr lang="en-US" smtClean="0"/>
-              <a:t>4/3/2021</a:t>
+              <a:t>4/28/2021</a:t>
             </a:fld>
             <a:endParaRPr lang="en-US"/>
           </a:p>
@@ -6045,7 +6053,7 @@
           <a:p>
             <a:fld id="{A987F1E3-30AB-49C9-8E4C-2EF75BE827A3}" type="datetimeFigureOut">
               <a:rPr lang="en-US" smtClean="0"/>
-              <a:t>4/3/2021</a:t>
+              <a:t>4/28/2021</a:t>
             </a:fld>
             <a:endParaRPr lang="en-US"/>
           </a:p>
@@ -29687,6 +29695,4491 @@
 </p:sld>
 </file>
 
+<file path=ppt/slides/slide31.xml><?xml version="1.0" encoding="utf-8"?>
+<p:sld xmlns:a="http://schemas.openxmlformats.org/drawingml/2006/main" xmlns:r="http://schemas.openxmlformats.org/officeDocument/2006/relationships" xmlns:p="http://schemas.openxmlformats.org/presentationml/2006/main">
+  <p:cSld>
+    <p:spTree>
+      <p:nvGrpSpPr>
+        <p:cNvPr id="1" name=""/>
+        <p:cNvGrpSpPr/>
+        <p:nvPr/>
+      </p:nvGrpSpPr>
+      <p:grpSpPr>
+        <a:xfrm>
+          <a:off x="0" y="0"/>
+          <a:ext cx="0" cy="0"/>
+          <a:chOff x="0" y="0"/>
+          <a:chExt cx="0" cy="0"/>
+        </a:xfrm>
+      </p:grpSpPr>
+      <p:sp>
+        <p:nvSpPr>
+          <p:cNvPr id="2" name="Title 1">
+            <a:extLst>
+              <a:ext uri="{FF2B5EF4-FFF2-40B4-BE49-F238E27FC236}">
+                <a16:creationId xmlns:a16="http://schemas.microsoft.com/office/drawing/2014/main" id="{CA7E54AF-E61A-4AAF-883F-88F502AE8A3D}"/>
+              </a:ext>
+            </a:extLst>
+          </p:cNvPr>
+          <p:cNvSpPr>
+            <a:spLocks noGrp="1"/>
+          </p:cNvSpPr>
+          <p:nvPr>
+            <p:ph type="title"/>
+          </p:nvPr>
+        </p:nvSpPr>
+        <p:spPr/>
+        <p:txBody>
+          <a:bodyPr/>
+          <a:lstStyle/>
+          <a:p>
+            <a:r>
+              <a:rPr lang="en-US" dirty="0"/>
+              <a:t>Star-Spangled Banner</a:t>
+            </a:r>
+          </a:p>
+        </p:txBody>
+      </p:sp>
+      <p:sp>
+        <p:nvSpPr>
+          <p:cNvPr id="3" name="Content Placeholder 2">
+            <a:extLst>
+              <a:ext uri="{FF2B5EF4-FFF2-40B4-BE49-F238E27FC236}">
+                <a16:creationId xmlns:a16="http://schemas.microsoft.com/office/drawing/2014/main" id="{3F63D41C-F7AA-48FA-BCFE-153DA7E3BADF}"/>
+              </a:ext>
+            </a:extLst>
+          </p:cNvPr>
+          <p:cNvSpPr>
+            <a:spLocks noGrp="1"/>
+          </p:cNvSpPr>
+          <p:nvPr>
+            <p:ph idx="1"/>
+          </p:nvPr>
+        </p:nvSpPr>
+        <p:spPr>
+          <a:xfrm>
+            <a:off x="838200" y="1690688"/>
+            <a:ext cx="10515600" cy="5069341"/>
+          </a:xfrm>
+        </p:spPr>
+        <p:txBody>
+          <a:bodyPr>
+            <a:normAutofit fontScale="92500"/>
+          </a:bodyPr>
+          <a:lstStyle/>
+          <a:p>
+            <a:pPr algn="l">
+              <a:buFont typeface="Arial" panose="020B0604020202020204" pitchFamily="34" charset="0"/>
+              <a:buChar char="•"/>
+            </a:pPr>
+            <a:r>
+              <a:rPr lang="en-US" b="0" i="0" dirty="0">
+                <a:solidFill>
+                  <a:srgbClr val="202122"/>
+                </a:solidFill>
+                <a:effectLst/>
+                <a:latin typeface="Arial" panose="020B0604020202020204" pitchFamily="34" charset="0"/>
+              </a:rPr>
+              <a:t>Hoist (height) of the flag: </a:t>
+            </a:r>
+            <a:r>
+              <a:rPr lang="en-US" b="1" i="1" dirty="0">
+                <a:solidFill>
+                  <a:srgbClr val="202122"/>
+                </a:solidFill>
+                <a:effectLst/>
+                <a:latin typeface="Arial" panose="020B0604020202020204" pitchFamily="34" charset="0"/>
+              </a:rPr>
+              <a:t>A</a:t>
+            </a:r>
+            <a:r>
+              <a:rPr lang="en-US" b="1" i="0" dirty="0">
+                <a:solidFill>
+                  <a:srgbClr val="202122"/>
+                </a:solidFill>
+                <a:effectLst/>
+                <a:latin typeface="Arial" panose="020B0604020202020204" pitchFamily="34" charset="0"/>
+              </a:rPr>
+              <a:t> = 1.0</a:t>
+            </a:r>
+          </a:p>
+          <a:p>
+            <a:pPr algn="l">
+              <a:buFont typeface="Arial" panose="020B0604020202020204" pitchFamily="34" charset="0"/>
+              <a:buChar char="•"/>
+            </a:pPr>
+            <a:r>
+              <a:rPr lang="en-US" b="0" i="0" dirty="0">
+                <a:solidFill>
+                  <a:srgbClr val="202122"/>
+                </a:solidFill>
+                <a:effectLst/>
+                <a:latin typeface="Arial" panose="020B0604020202020204" pitchFamily="34" charset="0"/>
+              </a:rPr>
+              <a:t>Fly (width) of the flag: </a:t>
+            </a:r>
+            <a:r>
+              <a:rPr lang="en-US" b="1" i="1" dirty="0">
+                <a:solidFill>
+                  <a:srgbClr val="202122"/>
+                </a:solidFill>
+                <a:effectLst/>
+                <a:latin typeface="Arial" panose="020B0604020202020204" pitchFamily="34" charset="0"/>
+              </a:rPr>
+              <a:t>B</a:t>
+            </a:r>
+            <a:r>
+              <a:rPr lang="en-US" b="1" i="0" dirty="0">
+                <a:solidFill>
+                  <a:srgbClr val="202122"/>
+                </a:solidFill>
+                <a:effectLst/>
+                <a:latin typeface="Arial" panose="020B0604020202020204" pitchFamily="34" charset="0"/>
+              </a:rPr>
+              <a:t> = 1.9</a:t>
+            </a:r>
+          </a:p>
+          <a:p>
+            <a:pPr algn="l">
+              <a:buFont typeface="Arial" panose="020B0604020202020204" pitchFamily="34" charset="0"/>
+              <a:buChar char="•"/>
+            </a:pPr>
+            <a:r>
+              <a:rPr lang="en-US" b="0" i="0" dirty="0">
+                <a:solidFill>
+                  <a:srgbClr val="202122"/>
+                </a:solidFill>
+                <a:effectLst/>
+                <a:latin typeface="Arial" panose="020B0604020202020204" pitchFamily="34" charset="0"/>
+              </a:rPr>
+              <a:t>Hoist (height) of the canton ("union"): </a:t>
+            </a:r>
+            <a:r>
+              <a:rPr lang="en-US" b="1" i="1" dirty="0">
+                <a:solidFill>
+                  <a:srgbClr val="202122"/>
+                </a:solidFill>
+                <a:effectLst/>
+                <a:latin typeface="Arial" panose="020B0604020202020204" pitchFamily="34" charset="0"/>
+              </a:rPr>
+              <a:t>C</a:t>
+            </a:r>
+            <a:r>
+              <a:rPr lang="en-US" b="1" i="0" dirty="0">
+                <a:solidFill>
+                  <a:srgbClr val="202122"/>
+                </a:solidFill>
+                <a:effectLst/>
+                <a:latin typeface="Arial" panose="020B0604020202020204" pitchFamily="34" charset="0"/>
+              </a:rPr>
+              <a:t> = 0.5385 </a:t>
+            </a:r>
+            <a:r>
+              <a:rPr lang="en-US" b="0" i="0" dirty="0">
+                <a:solidFill>
+                  <a:srgbClr val="202122"/>
+                </a:solidFill>
+                <a:effectLst/>
+                <a:latin typeface="Arial" panose="020B0604020202020204" pitchFamily="34" charset="0"/>
+              </a:rPr>
+              <a:t>(</a:t>
+            </a:r>
+            <a:r>
+              <a:rPr lang="en-US" b="0" i="1" dirty="0">
+                <a:solidFill>
+                  <a:srgbClr val="202122"/>
+                </a:solidFill>
+                <a:effectLst/>
+                <a:latin typeface="Arial" panose="020B0604020202020204" pitchFamily="34" charset="0"/>
+              </a:rPr>
+              <a:t>A</a:t>
+            </a:r>
+            <a:r>
+              <a:rPr lang="en-US" b="0" i="0" dirty="0">
+                <a:solidFill>
+                  <a:srgbClr val="202122"/>
+                </a:solidFill>
+                <a:effectLst/>
+                <a:latin typeface="Arial" panose="020B0604020202020204" pitchFamily="34" charset="0"/>
+              </a:rPr>
+              <a:t> × 7/13, spanning seven stripes)</a:t>
+            </a:r>
+          </a:p>
+          <a:p>
+            <a:pPr algn="l">
+              <a:buFont typeface="Arial" panose="020B0604020202020204" pitchFamily="34" charset="0"/>
+              <a:buChar char="•"/>
+            </a:pPr>
+            <a:r>
+              <a:rPr lang="en-US" b="0" i="0" dirty="0">
+                <a:solidFill>
+                  <a:srgbClr val="202122"/>
+                </a:solidFill>
+                <a:effectLst/>
+                <a:latin typeface="Arial" panose="020B0604020202020204" pitchFamily="34" charset="0"/>
+              </a:rPr>
+              <a:t>Fly (width) of the canton: </a:t>
+            </a:r>
+            <a:r>
+              <a:rPr lang="en-US" b="1" i="1" dirty="0">
+                <a:solidFill>
+                  <a:srgbClr val="202122"/>
+                </a:solidFill>
+                <a:effectLst/>
+                <a:latin typeface="Arial" panose="020B0604020202020204" pitchFamily="34" charset="0"/>
+              </a:rPr>
+              <a:t>D</a:t>
+            </a:r>
+            <a:r>
+              <a:rPr lang="en-US" b="1" i="0" dirty="0">
+                <a:solidFill>
+                  <a:srgbClr val="202122"/>
+                </a:solidFill>
+                <a:effectLst/>
+                <a:latin typeface="Arial" panose="020B0604020202020204" pitchFamily="34" charset="0"/>
+              </a:rPr>
+              <a:t> = 0.76 </a:t>
+            </a:r>
+            <a:r>
+              <a:rPr lang="en-US" b="0" i="0" dirty="0">
+                <a:solidFill>
+                  <a:srgbClr val="202122"/>
+                </a:solidFill>
+                <a:effectLst/>
+                <a:latin typeface="Arial" panose="020B0604020202020204" pitchFamily="34" charset="0"/>
+              </a:rPr>
+              <a:t>(</a:t>
+            </a:r>
+            <a:r>
+              <a:rPr lang="en-US" b="0" i="1" dirty="0">
+                <a:solidFill>
+                  <a:srgbClr val="202122"/>
+                </a:solidFill>
+                <a:effectLst/>
+                <a:latin typeface="Arial" panose="020B0604020202020204" pitchFamily="34" charset="0"/>
+              </a:rPr>
+              <a:t>B</a:t>
+            </a:r>
+            <a:r>
+              <a:rPr lang="en-US" b="0" i="0" dirty="0">
+                <a:solidFill>
+                  <a:srgbClr val="202122"/>
+                </a:solidFill>
+                <a:effectLst/>
+                <a:latin typeface="Arial" panose="020B0604020202020204" pitchFamily="34" charset="0"/>
+              </a:rPr>
+              <a:t> × 2/5, two-fifths of the width)</a:t>
+            </a:r>
+          </a:p>
+          <a:p>
+            <a:pPr algn="l">
+              <a:buFont typeface="Arial" panose="020B0604020202020204" pitchFamily="34" charset="0"/>
+              <a:buChar char="•"/>
+            </a:pPr>
+            <a:r>
+              <a:rPr lang="en-US" b="1" i="1" dirty="0">
+                <a:solidFill>
+                  <a:srgbClr val="202122"/>
+                </a:solidFill>
+                <a:effectLst/>
+                <a:latin typeface="Arial" panose="020B0604020202020204" pitchFamily="34" charset="0"/>
+              </a:rPr>
+              <a:t>E</a:t>
+            </a:r>
+            <a:r>
+              <a:rPr lang="en-US" b="1" i="0" dirty="0">
+                <a:solidFill>
+                  <a:srgbClr val="202122"/>
+                </a:solidFill>
+                <a:effectLst/>
+                <a:latin typeface="Arial" panose="020B0604020202020204" pitchFamily="34" charset="0"/>
+              </a:rPr>
+              <a:t> = </a:t>
+            </a:r>
+            <a:r>
+              <a:rPr lang="en-US" b="1" i="1" dirty="0">
+                <a:solidFill>
+                  <a:srgbClr val="202122"/>
+                </a:solidFill>
+                <a:effectLst/>
+                <a:latin typeface="Arial" panose="020B0604020202020204" pitchFamily="34" charset="0"/>
+              </a:rPr>
+              <a:t>F</a:t>
+            </a:r>
+            <a:r>
+              <a:rPr lang="en-US" b="1" i="0" dirty="0">
+                <a:solidFill>
+                  <a:srgbClr val="202122"/>
+                </a:solidFill>
+                <a:effectLst/>
+                <a:latin typeface="Arial" panose="020B0604020202020204" pitchFamily="34" charset="0"/>
+              </a:rPr>
+              <a:t> = 0.0538 </a:t>
+            </a:r>
+            <a:r>
+              <a:rPr lang="en-US" b="0" i="0" dirty="0">
+                <a:solidFill>
+                  <a:srgbClr val="202122"/>
+                </a:solidFill>
+                <a:effectLst/>
+                <a:latin typeface="Arial" panose="020B0604020202020204" pitchFamily="34" charset="0"/>
+              </a:rPr>
+              <a:t>(</a:t>
+            </a:r>
+            <a:r>
+              <a:rPr lang="en-US" b="0" i="1" dirty="0">
+                <a:solidFill>
+                  <a:srgbClr val="202122"/>
+                </a:solidFill>
+                <a:effectLst/>
+                <a:latin typeface="Arial" panose="020B0604020202020204" pitchFamily="34" charset="0"/>
+              </a:rPr>
+              <a:t>C</a:t>
+            </a:r>
+            <a:r>
+              <a:rPr lang="en-US" b="0" i="0" dirty="0">
+                <a:solidFill>
+                  <a:srgbClr val="202122"/>
+                </a:solidFill>
+                <a:effectLst/>
+                <a:latin typeface="Arial" panose="020B0604020202020204" pitchFamily="34" charset="0"/>
+              </a:rPr>
+              <a:t>/10, One-tenth of the height of the canton)</a:t>
+            </a:r>
+          </a:p>
+          <a:p>
+            <a:pPr algn="l">
+              <a:buFont typeface="Arial" panose="020B0604020202020204" pitchFamily="34" charset="0"/>
+              <a:buChar char="•"/>
+            </a:pPr>
+            <a:r>
+              <a:rPr lang="en-US" b="1" i="1" dirty="0">
+                <a:solidFill>
+                  <a:srgbClr val="202122"/>
+                </a:solidFill>
+                <a:effectLst/>
+                <a:latin typeface="Arial" panose="020B0604020202020204" pitchFamily="34" charset="0"/>
+              </a:rPr>
+              <a:t>G</a:t>
+            </a:r>
+            <a:r>
+              <a:rPr lang="en-US" b="1" i="0" dirty="0">
+                <a:solidFill>
+                  <a:srgbClr val="202122"/>
+                </a:solidFill>
+                <a:effectLst/>
+                <a:latin typeface="Arial" panose="020B0604020202020204" pitchFamily="34" charset="0"/>
+              </a:rPr>
+              <a:t> = </a:t>
+            </a:r>
+            <a:r>
+              <a:rPr lang="en-US" b="1" i="1" dirty="0">
+                <a:solidFill>
+                  <a:srgbClr val="202122"/>
+                </a:solidFill>
+                <a:effectLst/>
+                <a:latin typeface="Arial" panose="020B0604020202020204" pitchFamily="34" charset="0"/>
+              </a:rPr>
+              <a:t>H</a:t>
+            </a:r>
+            <a:r>
+              <a:rPr lang="en-US" b="1" i="0" dirty="0">
+                <a:solidFill>
+                  <a:srgbClr val="202122"/>
+                </a:solidFill>
+                <a:effectLst/>
+                <a:latin typeface="Arial" panose="020B0604020202020204" pitchFamily="34" charset="0"/>
+              </a:rPr>
+              <a:t> = 0.0633 </a:t>
+            </a:r>
+            <a:r>
+              <a:rPr lang="en-US" b="0" i="0" dirty="0">
+                <a:solidFill>
+                  <a:srgbClr val="202122"/>
+                </a:solidFill>
+                <a:effectLst/>
+                <a:latin typeface="Arial" panose="020B0604020202020204" pitchFamily="34" charset="0"/>
+              </a:rPr>
+              <a:t>(</a:t>
+            </a:r>
+            <a:r>
+              <a:rPr lang="en-US" b="0" i="1" dirty="0">
+                <a:solidFill>
+                  <a:srgbClr val="202122"/>
+                </a:solidFill>
+                <a:effectLst/>
+                <a:latin typeface="Arial" panose="020B0604020202020204" pitchFamily="34" charset="0"/>
+              </a:rPr>
+              <a:t>D</a:t>
+            </a:r>
+            <a:r>
+              <a:rPr lang="en-US" b="0" i="0" dirty="0">
+                <a:solidFill>
+                  <a:srgbClr val="202122"/>
+                </a:solidFill>
+                <a:effectLst/>
+                <a:latin typeface="Arial" panose="020B0604020202020204" pitchFamily="34" charset="0"/>
+              </a:rPr>
+              <a:t>/12, One twelfth of the width of the canton)</a:t>
+            </a:r>
+          </a:p>
+          <a:p>
+            <a:pPr algn="l">
+              <a:buFont typeface="Arial" panose="020B0604020202020204" pitchFamily="34" charset="0"/>
+              <a:buChar char="•"/>
+            </a:pPr>
+            <a:r>
+              <a:rPr lang="en-US" b="0" i="0" dirty="0">
+                <a:solidFill>
+                  <a:srgbClr val="202122"/>
+                </a:solidFill>
+                <a:effectLst/>
+                <a:latin typeface="Arial" panose="020B0604020202020204" pitchFamily="34" charset="0"/>
+              </a:rPr>
+              <a:t>Diameter of star: </a:t>
+            </a:r>
+            <a:r>
+              <a:rPr lang="en-US" b="1" i="1" dirty="0">
+                <a:solidFill>
+                  <a:srgbClr val="202122"/>
+                </a:solidFill>
+                <a:effectLst/>
+                <a:latin typeface="Arial" panose="020B0604020202020204" pitchFamily="34" charset="0"/>
+              </a:rPr>
+              <a:t>K</a:t>
+            </a:r>
+            <a:r>
+              <a:rPr lang="en-US" b="1" i="0" dirty="0">
+                <a:solidFill>
+                  <a:srgbClr val="202122"/>
+                </a:solidFill>
+                <a:effectLst/>
+                <a:latin typeface="Arial" panose="020B0604020202020204" pitchFamily="34" charset="0"/>
+              </a:rPr>
+              <a:t> = 0.0616 </a:t>
+            </a:r>
+            <a:r>
+              <a:rPr lang="en-US" b="0" i="0" dirty="0">
+                <a:solidFill>
+                  <a:srgbClr val="202122"/>
+                </a:solidFill>
+                <a:effectLst/>
+                <a:latin typeface="Arial" panose="020B0604020202020204" pitchFamily="34" charset="0"/>
+              </a:rPr>
+              <a:t>(</a:t>
+            </a:r>
+            <a:r>
+              <a:rPr lang="en-US" b="0" i="1" dirty="0">
+                <a:solidFill>
+                  <a:srgbClr val="202122"/>
+                </a:solidFill>
+                <a:effectLst/>
+                <a:latin typeface="Arial" panose="020B0604020202020204" pitchFamily="34" charset="0"/>
+              </a:rPr>
+              <a:t>L</a:t>
+            </a:r>
+            <a:r>
+              <a:rPr lang="en-US" b="0" i="0" dirty="0">
+                <a:solidFill>
+                  <a:srgbClr val="202122"/>
+                </a:solidFill>
+                <a:effectLst/>
+                <a:latin typeface="Arial" panose="020B0604020202020204" pitchFamily="34" charset="0"/>
+              </a:rPr>
+              <a:t> × 4/5, four-fifths of the stripe width, the calculation only gives 0.0616 if </a:t>
+            </a:r>
+            <a:r>
+              <a:rPr lang="en-US" b="0" i="1" dirty="0">
+                <a:solidFill>
+                  <a:srgbClr val="202122"/>
+                </a:solidFill>
+                <a:effectLst/>
+                <a:latin typeface="Arial" panose="020B0604020202020204" pitchFamily="34" charset="0"/>
+              </a:rPr>
+              <a:t>L</a:t>
+            </a:r>
+            <a:r>
+              <a:rPr lang="en-US" b="0" i="0" dirty="0">
+                <a:solidFill>
+                  <a:srgbClr val="202122"/>
+                </a:solidFill>
+                <a:effectLst/>
+                <a:latin typeface="Arial" panose="020B0604020202020204" pitchFamily="34" charset="0"/>
+              </a:rPr>
+              <a:t> is first rounded to 0.077)</a:t>
+            </a:r>
+          </a:p>
+          <a:p>
+            <a:pPr algn="l">
+              <a:buFont typeface="Arial" panose="020B0604020202020204" pitchFamily="34" charset="0"/>
+              <a:buChar char="•"/>
+            </a:pPr>
+            <a:r>
+              <a:rPr lang="en-US" b="0" i="0" dirty="0">
+                <a:solidFill>
+                  <a:srgbClr val="202122"/>
+                </a:solidFill>
+                <a:effectLst/>
+                <a:latin typeface="Arial" panose="020B0604020202020204" pitchFamily="34" charset="0"/>
+              </a:rPr>
+              <a:t>Width of stripe: </a:t>
+            </a:r>
+            <a:r>
+              <a:rPr lang="en-US" b="1" i="1" dirty="0">
+                <a:solidFill>
+                  <a:srgbClr val="202122"/>
+                </a:solidFill>
+                <a:effectLst/>
+                <a:latin typeface="Arial" panose="020B0604020202020204" pitchFamily="34" charset="0"/>
+              </a:rPr>
+              <a:t>L</a:t>
+            </a:r>
+            <a:r>
+              <a:rPr lang="en-US" b="1" i="0" dirty="0">
+                <a:solidFill>
+                  <a:srgbClr val="202122"/>
+                </a:solidFill>
+                <a:effectLst/>
+                <a:latin typeface="Arial" panose="020B0604020202020204" pitchFamily="34" charset="0"/>
+              </a:rPr>
+              <a:t> = 0.0769 </a:t>
+            </a:r>
+            <a:r>
+              <a:rPr lang="en-US" b="0" i="0" dirty="0">
+                <a:solidFill>
+                  <a:srgbClr val="202122"/>
+                </a:solidFill>
+                <a:effectLst/>
+                <a:latin typeface="Arial" panose="020B0604020202020204" pitchFamily="34" charset="0"/>
+              </a:rPr>
+              <a:t>(</a:t>
+            </a:r>
+            <a:r>
+              <a:rPr lang="en-US" b="0" i="1" dirty="0">
+                <a:solidFill>
+                  <a:srgbClr val="202122"/>
+                </a:solidFill>
+                <a:effectLst/>
+                <a:latin typeface="Arial" panose="020B0604020202020204" pitchFamily="34" charset="0"/>
+              </a:rPr>
+              <a:t>A</a:t>
+            </a:r>
+            <a:r>
+              <a:rPr lang="en-US" b="0" i="0" dirty="0">
+                <a:solidFill>
+                  <a:srgbClr val="202122"/>
+                </a:solidFill>
+                <a:effectLst/>
+                <a:latin typeface="Arial" panose="020B0604020202020204" pitchFamily="34" charset="0"/>
+              </a:rPr>
+              <a:t>/13, One thirteenth of the flag height)</a:t>
+            </a:r>
+          </a:p>
+        </p:txBody>
+      </p:sp>
+    </p:spTree>
+    <p:extLst>
+      <p:ext uri="{BB962C8B-B14F-4D97-AF65-F5344CB8AC3E}">
+        <p14:creationId xmlns:p14="http://schemas.microsoft.com/office/powerpoint/2010/main" val="938380188"/>
+      </p:ext>
+    </p:extLst>
+  </p:cSld>
+  <p:clrMapOvr>
+    <a:masterClrMapping/>
+  </p:clrMapOvr>
+</p:sld>
+</file>
+
+<file path=ppt/slides/slide32.xml><?xml version="1.0" encoding="utf-8"?>
+<p:sld xmlns:a="http://schemas.openxmlformats.org/drawingml/2006/main" xmlns:r="http://schemas.openxmlformats.org/officeDocument/2006/relationships" xmlns:p="http://schemas.openxmlformats.org/presentationml/2006/main">
+  <p:cSld>
+    <p:spTree>
+      <p:nvGrpSpPr>
+        <p:cNvPr id="1" name=""/>
+        <p:cNvGrpSpPr/>
+        <p:nvPr/>
+      </p:nvGrpSpPr>
+      <p:grpSpPr>
+        <a:xfrm>
+          <a:off x="0" y="0"/>
+          <a:ext cx="0" cy="0"/>
+          <a:chOff x="0" y="0"/>
+          <a:chExt cx="0" cy="0"/>
+        </a:xfrm>
+      </p:grpSpPr>
+      <p:sp>
+        <p:nvSpPr>
+          <p:cNvPr id="2" name="Title 1">
+            <a:extLst>
+              <a:ext uri="{FF2B5EF4-FFF2-40B4-BE49-F238E27FC236}">
+                <a16:creationId xmlns:a16="http://schemas.microsoft.com/office/drawing/2014/main" id="{2BD6467B-385F-4797-AB7B-43B7493C69C2}"/>
+              </a:ext>
+            </a:extLst>
+          </p:cNvPr>
+          <p:cNvSpPr>
+            <a:spLocks noGrp="1"/>
+          </p:cNvSpPr>
+          <p:nvPr>
+            <p:ph type="title"/>
+          </p:nvPr>
+        </p:nvSpPr>
+        <p:spPr/>
+        <p:txBody>
+          <a:bodyPr>
+            <a:normAutofit/>
+          </a:bodyPr>
+          <a:lstStyle/>
+          <a:p>
+            <a:r>
+              <a:rPr lang="en-US" dirty="0"/>
+              <a:t>Star-Spangled Banner</a:t>
+            </a:r>
+            <a:br>
+              <a:rPr lang="en-US" dirty="0"/>
+            </a:br>
+            <a:r>
+              <a:rPr lang="en-US" sz="1800" dirty="0">
+                <a:hlinkClick r:id="rId2"/>
+              </a:rPr>
+              <a:t>https://en.wikipedia.org/wiki/Flag_of_the_United_States</a:t>
+            </a:r>
+            <a:endParaRPr lang="en-US" dirty="0"/>
+          </a:p>
+        </p:txBody>
+      </p:sp>
+      <p:sp>
+        <p:nvSpPr>
+          <p:cNvPr id="3" name="Content Placeholder 2">
+            <a:extLst>
+              <a:ext uri="{FF2B5EF4-FFF2-40B4-BE49-F238E27FC236}">
+                <a16:creationId xmlns:a16="http://schemas.microsoft.com/office/drawing/2014/main" id="{2232B1AC-D144-4A4B-9E24-01D362573ADB}"/>
+              </a:ext>
+            </a:extLst>
+          </p:cNvPr>
+          <p:cNvSpPr>
+            <a:spLocks noGrp="1"/>
+          </p:cNvSpPr>
+          <p:nvPr>
+            <p:ph idx="1"/>
+          </p:nvPr>
+        </p:nvSpPr>
+        <p:spPr>
+          <a:xfrm>
+            <a:off x="8796197" y="1259305"/>
+            <a:ext cx="2962665" cy="5233570"/>
+          </a:xfrm>
+        </p:spPr>
+        <p:txBody>
+          <a:bodyPr>
+            <a:normAutofit/>
+          </a:bodyPr>
+          <a:lstStyle/>
+          <a:p>
+            <a:pPr marL="0" indent="0">
+              <a:buNone/>
+            </a:pPr>
+            <a:r>
+              <a:rPr lang="en-US" sz="2000" b="1" i="1" dirty="0">
+                <a:solidFill>
+                  <a:srgbClr val="202122"/>
+                </a:solidFill>
+              </a:rPr>
+              <a:t>Dimensions</a:t>
+            </a:r>
+            <a:endParaRPr lang="en-US" sz="2000" b="1" i="1" dirty="0">
+              <a:solidFill>
+                <a:srgbClr val="202122"/>
+              </a:solidFill>
+              <a:effectLst/>
+            </a:endParaRPr>
+          </a:p>
+          <a:p>
+            <a:r>
+              <a:rPr lang="en-US" sz="2000" i="1" dirty="0">
+                <a:solidFill>
+                  <a:srgbClr val="202122"/>
+                </a:solidFill>
+                <a:effectLst/>
+              </a:rPr>
+              <a:t>A</a:t>
+            </a:r>
+            <a:r>
+              <a:rPr lang="en-US" sz="2000" i="0" dirty="0">
+                <a:solidFill>
+                  <a:srgbClr val="202122"/>
+                </a:solidFill>
+                <a:effectLst/>
+              </a:rPr>
+              <a:t> = </a:t>
+            </a:r>
+            <a:r>
+              <a:rPr lang="en-US" sz="2000" i="0" dirty="0">
+                <a:solidFill>
+                  <a:srgbClr val="202122"/>
+                </a:solidFill>
+                <a:effectLst/>
+                <a:highlight>
+                  <a:srgbClr val="FFFF00"/>
+                </a:highlight>
+              </a:rPr>
+              <a:t>1.0 * unit = unit</a:t>
+            </a:r>
+          </a:p>
+          <a:p>
+            <a:r>
+              <a:rPr lang="en-US" sz="2000" i="1" dirty="0">
+                <a:solidFill>
+                  <a:srgbClr val="202122"/>
+                </a:solidFill>
+                <a:effectLst/>
+              </a:rPr>
+              <a:t>B</a:t>
+            </a:r>
+            <a:r>
+              <a:rPr lang="en-US" sz="2000" i="0" dirty="0">
+                <a:solidFill>
+                  <a:srgbClr val="202122"/>
+                </a:solidFill>
+                <a:effectLst/>
+              </a:rPr>
+              <a:t> = </a:t>
+            </a:r>
+            <a:r>
+              <a:rPr lang="en-US" sz="2000" i="0" dirty="0">
+                <a:solidFill>
+                  <a:srgbClr val="202122"/>
+                </a:solidFill>
+                <a:effectLst/>
+                <a:highlight>
+                  <a:srgbClr val="FFFF00"/>
+                </a:highlight>
+              </a:rPr>
+              <a:t>1.9</a:t>
+            </a:r>
+          </a:p>
+          <a:p>
+            <a:r>
+              <a:rPr lang="en-US" sz="2000" i="1" dirty="0">
+                <a:solidFill>
+                  <a:srgbClr val="202122"/>
+                </a:solidFill>
+                <a:effectLst/>
+              </a:rPr>
+              <a:t>C</a:t>
+            </a:r>
+            <a:r>
+              <a:rPr lang="en-US" sz="2000" i="0" dirty="0">
+                <a:solidFill>
+                  <a:srgbClr val="202122"/>
+                </a:solidFill>
+                <a:effectLst/>
+              </a:rPr>
+              <a:t> = 0.5385 </a:t>
+            </a:r>
+            <a:r>
+              <a:rPr lang="en-US" sz="2000" b="0" i="0" dirty="0">
+                <a:solidFill>
+                  <a:srgbClr val="202122"/>
+                </a:solidFill>
+                <a:effectLst/>
+              </a:rPr>
+              <a:t>(</a:t>
+            </a:r>
+            <a:r>
+              <a:rPr lang="en-US" sz="2000" b="0" i="1" dirty="0">
+                <a:solidFill>
+                  <a:srgbClr val="202122"/>
+                </a:solidFill>
+                <a:effectLst/>
+              </a:rPr>
+              <a:t>A</a:t>
+            </a:r>
+            <a:r>
+              <a:rPr lang="en-US" sz="2000" b="0" i="0" dirty="0">
+                <a:solidFill>
+                  <a:srgbClr val="202122"/>
+                </a:solidFill>
+                <a:effectLst/>
+              </a:rPr>
+              <a:t>×7/</a:t>
+            </a:r>
+            <a:r>
+              <a:rPr lang="en-US" sz="2000" b="0" i="0" dirty="0">
+                <a:solidFill>
+                  <a:srgbClr val="202122"/>
+                </a:solidFill>
+                <a:effectLst/>
+                <a:highlight>
+                  <a:srgbClr val="FFFF00"/>
+                </a:highlight>
+              </a:rPr>
+              <a:t>13</a:t>
+            </a:r>
+            <a:r>
+              <a:rPr lang="en-US" sz="2000" b="0" i="0" dirty="0">
+                <a:solidFill>
+                  <a:srgbClr val="202122"/>
+                </a:solidFill>
+                <a:effectLst/>
+              </a:rPr>
+              <a:t>)</a:t>
+            </a:r>
+          </a:p>
+          <a:p>
+            <a:r>
+              <a:rPr lang="en-US" sz="2000" i="1" dirty="0">
+                <a:solidFill>
+                  <a:srgbClr val="202122"/>
+                </a:solidFill>
+                <a:effectLst/>
+              </a:rPr>
+              <a:t>D</a:t>
+            </a:r>
+            <a:r>
+              <a:rPr lang="en-US" sz="2000" i="0" dirty="0">
+                <a:solidFill>
+                  <a:srgbClr val="202122"/>
+                </a:solidFill>
+                <a:effectLst/>
+              </a:rPr>
+              <a:t> = 0.76 </a:t>
+            </a:r>
+            <a:r>
+              <a:rPr lang="en-US" sz="2000" b="0" i="0" dirty="0">
+                <a:solidFill>
+                  <a:srgbClr val="202122"/>
+                </a:solidFill>
+                <a:effectLst/>
+              </a:rPr>
+              <a:t>(</a:t>
+            </a:r>
+            <a:r>
+              <a:rPr lang="en-US" sz="2000" b="0" i="1" dirty="0">
+                <a:solidFill>
+                  <a:srgbClr val="202122"/>
+                </a:solidFill>
+                <a:effectLst/>
+              </a:rPr>
+              <a:t>B</a:t>
+            </a:r>
+            <a:r>
+              <a:rPr lang="en-US" sz="2000" b="0" i="0" dirty="0">
+                <a:solidFill>
+                  <a:srgbClr val="202122"/>
+                </a:solidFill>
+                <a:effectLst/>
+              </a:rPr>
+              <a:t>×</a:t>
+            </a:r>
+            <a:r>
+              <a:rPr lang="en-US" sz="2000" b="0" i="0" dirty="0">
+                <a:solidFill>
+                  <a:srgbClr val="202122"/>
+                </a:solidFill>
+                <a:effectLst/>
+                <a:highlight>
+                  <a:srgbClr val="FFFF00"/>
+                </a:highlight>
+              </a:rPr>
+              <a:t>2/5</a:t>
+            </a:r>
+            <a:r>
+              <a:rPr lang="en-US" sz="2000" b="0" i="0" dirty="0">
+                <a:solidFill>
+                  <a:srgbClr val="202122"/>
+                </a:solidFill>
+                <a:effectLst/>
+              </a:rPr>
+              <a:t>)</a:t>
+            </a:r>
+          </a:p>
+          <a:p>
+            <a:r>
+              <a:rPr lang="en-US" sz="2000" i="1" dirty="0"/>
+              <a:t>E</a:t>
+            </a:r>
+            <a:r>
+              <a:rPr lang="en-US" sz="2000" dirty="0"/>
+              <a:t> = </a:t>
+            </a:r>
+            <a:r>
+              <a:rPr lang="en-US" sz="2000" i="1" dirty="0"/>
+              <a:t>F</a:t>
+            </a:r>
+            <a:r>
+              <a:rPr lang="en-US" sz="2000" dirty="0"/>
+              <a:t> = 0.0538 (</a:t>
+            </a:r>
+            <a:r>
+              <a:rPr lang="en-US" sz="2000" i="1" dirty="0"/>
+              <a:t>C</a:t>
+            </a:r>
+            <a:r>
+              <a:rPr lang="en-US" sz="2000" dirty="0"/>
+              <a:t>/10)</a:t>
+            </a:r>
+          </a:p>
+          <a:p>
+            <a:r>
+              <a:rPr lang="pt-BR" sz="2000" i="1" dirty="0"/>
+              <a:t>G</a:t>
+            </a:r>
+            <a:r>
+              <a:rPr lang="pt-BR" sz="2000" dirty="0"/>
+              <a:t> = </a:t>
+            </a:r>
+            <a:r>
+              <a:rPr lang="pt-BR" sz="2000" i="1" dirty="0"/>
+              <a:t>H</a:t>
+            </a:r>
+            <a:r>
+              <a:rPr lang="pt-BR" sz="2000" dirty="0"/>
+              <a:t> = 0.0633 (</a:t>
+            </a:r>
+            <a:r>
+              <a:rPr lang="pt-BR" sz="2000" i="1" dirty="0"/>
+              <a:t>D</a:t>
+            </a:r>
+            <a:r>
+              <a:rPr lang="pt-BR" sz="2000" dirty="0"/>
+              <a:t>/12)</a:t>
+            </a:r>
+          </a:p>
+          <a:p>
+            <a:r>
+              <a:rPr lang="en-US" sz="2000" i="1" dirty="0"/>
+              <a:t>K</a:t>
+            </a:r>
+            <a:r>
+              <a:rPr lang="en-US" sz="2000" dirty="0"/>
+              <a:t> = 0.0616 (</a:t>
+            </a:r>
+            <a:r>
+              <a:rPr lang="en-US" sz="2000" i="1" dirty="0"/>
+              <a:t>L</a:t>
+            </a:r>
+            <a:r>
+              <a:rPr lang="en-US" sz="2000" dirty="0"/>
+              <a:t> × 4/5)</a:t>
+            </a:r>
+          </a:p>
+          <a:p>
+            <a:r>
+              <a:rPr lang="en-US" sz="2000" i="1" dirty="0"/>
+              <a:t>L</a:t>
+            </a:r>
+            <a:r>
+              <a:rPr lang="en-US" sz="2000" dirty="0"/>
+              <a:t> = 0.0769 (</a:t>
+            </a:r>
+            <a:r>
+              <a:rPr lang="en-US" sz="2000" i="1" dirty="0"/>
+              <a:t>A</a:t>
+            </a:r>
+            <a:r>
+              <a:rPr lang="en-US" sz="2000" dirty="0"/>
+              <a:t>/13)</a:t>
+            </a:r>
+          </a:p>
+          <a:p>
+            <a:pPr marL="0" indent="0">
+              <a:buNone/>
+            </a:pPr>
+            <a:r>
+              <a:rPr lang="en-US" sz="2000" b="1" i="1" dirty="0"/>
+              <a:t>Colors</a:t>
+            </a:r>
+          </a:p>
+          <a:p>
+            <a:r>
+              <a:rPr lang="en-US" sz="2000" dirty="0"/>
+              <a:t>White: #FFFFFF</a:t>
+            </a:r>
+          </a:p>
+          <a:p>
+            <a:r>
+              <a:rPr lang="en-US" sz="2000" dirty="0"/>
+              <a:t>Old Glory Red #B22234</a:t>
+            </a:r>
+          </a:p>
+          <a:p>
+            <a:r>
+              <a:rPr lang="en-US" sz="2000" dirty="0"/>
+              <a:t>Old Glory Blue #3C3B6E</a:t>
+            </a:r>
+          </a:p>
+        </p:txBody>
+      </p:sp>
+      <p:pic>
+        <p:nvPicPr>
+          <p:cNvPr id="9" name="Picture 8" descr="A picture containing background pattern&#10;&#10;Description automatically generated">
+            <a:extLst>
+              <a:ext uri="{FF2B5EF4-FFF2-40B4-BE49-F238E27FC236}">
+                <a16:creationId xmlns:a16="http://schemas.microsoft.com/office/drawing/2014/main" id="{3CF0637A-3A92-4960-9FB7-7DE4D75930FF}"/>
+              </a:ext>
+            </a:extLst>
+          </p:cNvPr>
+          <p:cNvPicPr>
+            <a:picLocks noChangeAspect="1"/>
+          </p:cNvPicPr>
+          <p:nvPr/>
+        </p:nvPicPr>
+        <p:blipFill>
+          <a:blip r:embed="rId3">
+            <a:extLst>
+              <a:ext uri="{28A0092B-C50C-407E-A947-70E740481C1C}">
+                <a14:useLocalDpi xmlns:a14="http://schemas.microsoft.com/office/drawing/2010/main" val="0"/>
+              </a:ext>
+            </a:extLst>
+          </a:blip>
+          <a:stretch>
+            <a:fillRect/>
+          </a:stretch>
+        </p:blipFill>
+        <p:spPr>
+          <a:xfrm>
+            <a:off x="249038" y="1656724"/>
+            <a:ext cx="8684959" cy="5093367"/>
+          </a:xfrm>
+          <a:prstGeom prst="rect">
+            <a:avLst/>
+          </a:prstGeom>
+        </p:spPr>
+      </p:pic>
+    </p:spTree>
+    <p:extLst>
+      <p:ext uri="{BB962C8B-B14F-4D97-AF65-F5344CB8AC3E}">
+        <p14:creationId xmlns:p14="http://schemas.microsoft.com/office/powerpoint/2010/main" val="852872572"/>
+      </p:ext>
+    </p:extLst>
+  </p:cSld>
+  <p:clrMapOvr>
+    <a:masterClrMapping/>
+  </p:clrMapOvr>
+</p:sld>
+</file>
+
+<file path=ppt/slides/slide33.xml><?xml version="1.0" encoding="utf-8"?>
+<p:sld xmlns:a="http://schemas.openxmlformats.org/drawingml/2006/main" xmlns:r="http://schemas.openxmlformats.org/officeDocument/2006/relationships" xmlns:p="http://schemas.openxmlformats.org/presentationml/2006/main">
+  <p:cSld>
+    <p:spTree>
+      <p:nvGrpSpPr>
+        <p:cNvPr id="1" name=""/>
+        <p:cNvGrpSpPr/>
+        <p:nvPr/>
+      </p:nvGrpSpPr>
+      <p:grpSpPr>
+        <a:xfrm>
+          <a:off x="0" y="0"/>
+          <a:ext cx="0" cy="0"/>
+          <a:chOff x="0" y="0"/>
+          <a:chExt cx="0" cy="0"/>
+        </a:xfrm>
+      </p:grpSpPr>
+      <p:sp>
+        <p:nvSpPr>
+          <p:cNvPr id="2" name="Title 1">
+            <a:extLst>
+              <a:ext uri="{FF2B5EF4-FFF2-40B4-BE49-F238E27FC236}">
+                <a16:creationId xmlns:a16="http://schemas.microsoft.com/office/drawing/2014/main" id="{CA455B95-B557-4221-A419-B5D184E2F503}"/>
+              </a:ext>
+            </a:extLst>
+          </p:cNvPr>
+          <p:cNvSpPr>
+            <a:spLocks noGrp="1"/>
+          </p:cNvSpPr>
+          <p:nvPr>
+            <p:ph type="title"/>
+          </p:nvPr>
+        </p:nvSpPr>
+        <p:spPr/>
+        <p:txBody>
+          <a:bodyPr/>
+          <a:lstStyle/>
+          <a:p>
+            <a:r>
+              <a:rPr lang="en-US" dirty="0"/>
+              <a:t>Back to Component Design and Reuse</a:t>
+            </a:r>
+          </a:p>
+        </p:txBody>
+      </p:sp>
+      <p:sp>
+        <p:nvSpPr>
+          <p:cNvPr id="3" name="Content Placeholder 2">
+            <a:extLst>
+              <a:ext uri="{FF2B5EF4-FFF2-40B4-BE49-F238E27FC236}">
+                <a16:creationId xmlns:a16="http://schemas.microsoft.com/office/drawing/2014/main" id="{7BB646D4-36A9-433C-8B61-0EE4442576C5}"/>
+              </a:ext>
+            </a:extLst>
+          </p:cNvPr>
+          <p:cNvSpPr>
+            <a:spLocks noGrp="1"/>
+          </p:cNvSpPr>
+          <p:nvPr>
+            <p:ph idx="1"/>
+          </p:nvPr>
+        </p:nvSpPr>
+        <p:spPr/>
+        <p:txBody>
+          <a:bodyPr/>
+          <a:lstStyle/>
+          <a:p>
+            <a:r>
+              <a:rPr lang="en-US" dirty="0"/>
+              <a:t>In JavaScript the components are</a:t>
+            </a:r>
+          </a:p>
+          <a:p>
+            <a:pPr lvl="1"/>
+            <a:r>
+              <a:rPr lang="en-US" dirty="0"/>
+              <a:t>Classes: data + behavior</a:t>
+            </a:r>
+          </a:p>
+          <a:p>
+            <a:pPr lvl="1"/>
+            <a:r>
+              <a:rPr lang="en-US" dirty="0"/>
+              <a:t>Functions: 100% pure behavior</a:t>
+            </a:r>
+          </a:p>
+          <a:p>
+            <a:endParaRPr lang="en-US" dirty="0"/>
+          </a:p>
+          <a:p>
+            <a:endParaRPr lang="en-US" dirty="0"/>
+          </a:p>
+        </p:txBody>
+      </p:sp>
+    </p:spTree>
+    <p:extLst>
+      <p:ext uri="{BB962C8B-B14F-4D97-AF65-F5344CB8AC3E}">
+        <p14:creationId xmlns:p14="http://schemas.microsoft.com/office/powerpoint/2010/main" val="380029537"/>
+      </p:ext>
+    </p:extLst>
+  </p:cSld>
+  <p:clrMapOvr>
+    <a:masterClrMapping/>
+  </p:clrMapOvr>
+</p:sld>
+</file>
+
+<file path=ppt/slides/slide34.xml><?xml version="1.0" encoding="utf-8"?>
+<p:sld xmlns:a="http://schemas.openxmlformats.org/drawingml/2006/main" xmlns:r="http://schemas.openxmlformats.org/officeDocument/2006/relationships" xmlns:p="http://schemas.openxmlformats.org/presentationml/2006/main">
+  <p:cSld>
+    <p:spTree>
+      <p:nvGrpSpPr>
+        <p:cNvPr id="1" name=""/>
+        <p:cNvGrpSpPr/>
+        <p:nvPr/>
+      </p:nvGrpSpPr>
+      <p:grpSpPr>
+        <a:xfrm>
+          <a:off x="0" y="0"/>
+          <a:ext cx="0" cy="0"/>
+          <a:chOff x="0" y="0"/>
+          <a:chExt cx="0" cy="0"/>
+        </a:xfrm>
+      </p:grpSpPr>
+      <p:sp>
+        <p:nvSpPr>
+          <p:cNvPr id="2" name="Title 1">
+            <a:extLst>
+              <a:ext uri="{FF2B5EF4-FFF2-40B4-BE49-F238E27FC236}">
+                <a16:creationId xmlns:a16="http://schemas.microsoft.com/office/drawing/2014/main" id="{EB39C25F-AC32-4F91-AFE2-638EB22A5DF2}"/>
+              </a:ext>
+            </a:extLst>
+          </p:cNvPr>
+          <p:cNvSpPr>
+            <a:spLocks noGrp="1"/>
+          </p:cNvSpPr>
+          <p:nvPr>
+            <p:ph type="title"/>
+          </p:nvPr>
+        </p:nvSpPr>
+        <p:spPr/>
+        <p:txBody>
+          <a:bodyPr/>
+          <a:lstStyle/>
+          <a:p>
+            <a:r>
+              <a:rPr lang="en-US" dirty="0"/>
+              <a:t>Bulletin Board – A reusable component</a:t>
+            </a:r>
+          </a:p>
+        </p:txBody>
+      </p:sp>
+      <p:sp>
+        <p:nvSpPr>
+          <p:cNvPr id="4" name="Rectangle 3">
+            <a:extLst>
+              <a:ext uri="{FF2B5EF4-FFF2-40B4-BE49-F238E27FC236}">
+                <a16:creationId xmlns:a16="http://schemas.microsoft.com/office/drawing/2014/main" id="{32E406E4-7C80-4708-A80A-2ACF907A7006}"/>
+              </a:ext>
+            </a:extLst>
+          </p:cNvPr>
+          <p:cNvSpPr/>
+          <p:nvPr/>
+        </p:nvSpPr>
+        <p:spPr>
+          <a:xfrm>
+            <a:off x="1010653" y="1900989"/>
+            <a:ext cx="6970295" cy="4475747"/>
+          </a:xfrm>
+          <a:prstGeom prst="rect">
+            <a:avLst/>
+          </a:prstGeom>
+          <a:noFill/>
+          <a:ln w="9525" cap="flat" cmpd="sng" algn="ctr">
+            <a:solidFill>
+              <a:schemeClr val="accent1"/>
+            </a:solidFill>
+            <a:prstDash val="solid"/>
+            <a:round/>
+            <a:headEnd type="none" w="med" len="med"/>
+            <a:tailEnd type="none" w="med" len="med"/>
+          </a:ln>
+        </p:spPr>
+        <p:style>
+          <a:lnRef idx="0">
+            <a:scrgbClr r="0" g="0" b="0"/>
+          </a:lnRef>
+          <a:fillRef idx="0">
+            <a:scrgbClr r="0" g="0" b="0"/>
+          </a:fillRef>
+          <a:effectRef idx="0">
+            <a:scrgbClr r="0" g="0" b="0"/>
+          </a:effectRef>
+          <a:fontRef idx="minor">
+            <a:schemeClr val="accent1"/>
+          </a:fontRef>
+        </p:style>
+        <p:txBody>
+          <a:bodyPr rtlCol="0" anchor="t"/>
+          <a:lstStyle/>
+          <a:p>
+            <a:pPr algn="ctr"/>
+            <a:r>
+              <a:rPr lang="en-US" dirty="0"/>
+              <a:t>Area</a:t>
+            </a:r>
+          </a:p>
+        </p:txBody>
+      </p:sp>
+      <p:sp>
+        <p:nvSpPr>
+          <p:cNvPr id="6" name="Rectangle 5">
+            <a:extLst>
+              <a:ext uri="{FF2B5EF4-FFF2-40B4-BE49-F238E27FC236}">
+                <a16:creationId xmlns:a16="http://schemas.microsoft.com/office/drawing/2014/main" id="{3B8FB497-598B-4D3A-8F7C-DA6A11B1FE6B}"/>
+              </a:ext>
+            </a:extLst>
+          </p:cNvPr>
+          <p:cNvSpPr/>
+          <p:nvPr/>
+        </p:nvSpPr>
+        <p:spPr>
+          <a:xfrm>
+            <a:off x="3308684" y="2590799"/>
+            <a:ext cx="2374232" cy="3096126"/>
+          </a:xfrm>
+          <a:prstGeom prst="rect">
+            <a:avLst/>
+          </a:prstGeom>
+          <a:noFill/>
+          <a:ln w="9525" cap="flat" cmpd="sng" algn="ctr">
+            <a:solidFill>
+              <a:schemeClr val="accent5"/>
+            </a:solidFill>
+            <a:prstDash val="solid"/>
+            <a:round/>
+            <a:headEnd type="none" w="med" len="med"/>
+            <a:tailEnd type="none" w="med" len="med"/>
+          </a:ln>
+        </p:spPr>
+        <p:style>
+          <a:lnRef idx="0">
+            <a:scrgbClr r="0" g="0" b="0"/>
+          </a:lnRef>
+          <a:fillRef idx="0">
+            <a:scrgbClr r="0" g="0" b="0"/>
+          </a:fillRef>
+          <a:effectRef idx="0">
+            <a:scrgbClr r="0" g="0" b="0"/>
+          </a:effectRef>
+          <a:fontRef idx="minor">
+            <a:schemeClr val="accent5"/>
+          </a:fontRef>
+        </p:style>
+        <p:txBody>
+          <a:bodyPr rtlCol="0" anchor="b"/>
+          <a:lstStyle/>
+          <a:p>
+            <a:pPr algn="ctr"/>
+            <a:r>
+              <a:rPr lang="en-US" dirty="0"/>
+              <a:t>Bulletin Board</a:t>
+            </a:r>
+          </a:p>
+        </p:txBody>
+      </p:sp>
+      <p:cxnSp>
+        <p:nvCxnSpPr>
+          <p:cNvPr id="7" name="Straight Arrow Connector 6">
+            <a:extLst>
+              <a:ext uri="{FF2B5EF4-FFF2-40B4-BE49-F238E27FC236}">
+                <a16:creationId xmlns:a16="http://schemas.microsoft.com/office/drawing/2014/main" id="{F7F07BFB-A3FE-429D-AA63-9BCEADC9CBD6}"/>
+              </a:ext>
+            </a:extLst>
+          </p:cNvPr>
+          <p:cNvCxnSpPr>
+            <a:cxnSpLocks/>
+          </p:cNvCxnSpPr>
+          <p:nvPr/>
+        </p:nvCxnSpPr>
+        <p:spPr>
+          <a:xfrm>
+            <a:off x="1010653" y="3513220"/>
+            <a:ext cx="2298031" cy="0"/>
+          </a:xfrm>
+          <a:prstGeom prst="straightConnector1">
+            <a:avLst/>
+          </a:prstGeom>
+          <a:ln>
+            <a:headEnd type="triangle"/>
+            <a:tailEnd type="triangle"/>
+          </a:ln>
+        </p:spPr>
+        <p:style>
+          <a:lnRef idx="3">
+            <a:schemeClr val="accent4"/>
+          </a:lnRef>
+          <a:fillRef idx="0">
+            <a:schemeClr val="accent4"/>
+          </a:fillRef>
+          <a:effectRef idx="2">
+            <a:schemeClr val="accent4"/>
+          </a:effectRef>
+          <a:fontRef idx="minor">
+            <a:schemeClr val="tx1"/>
+          </a:fontRef>
+        </p:style>
+      </p:cxnSp>
+      <p:cxnSp>
+        <p:nvCxnSpPr>
+          <p:cNvPr id="9" name="Straight Arrow Connector 8">
+            <a:extLst>
+              <a:ext uri="{FF2B5EF4-FFF2-40B4-BE49-F238E27FC236}">
+                <a16:creationId xmlns:a16="http://schemas.microsoft.com/office/drawing/2014/main" id="{74FDB74C-7C58-487E-86B2-0683DC5E66F5}"/>
+              </a:ext>
+            </a:extLst>
+          </p:cNvPr>
+          <p:cNvCxnSpPr>
+            <a:cxnSpLocks/>
+          </p:cNvCxnSpPr>
+          <p:nvPr/>
+        </p:nvCxnSpPr>
+        <p:spPr>
+          <a:xfrm>
+            <a:off x="3633536" y="1900989"/>
+            <a:ext cx="0" cy="689810"/>
+          </a:xfrm>
+          <a:prstGeom prst="straightConnector1">
+            <a:avLst/>
+          </a:prstGeom>
+          <a:ln>
+            <a:headEnd type="triangle"/>
+            <a:tailEnd type="triangle"/>
+          </a:ln>
+        </p:spPr>
+        <p:style>
+          <a:lnRef idx="3">
+            <a:schemeClr val="accent5"/>
+          </a:lnRef>
+          <a:fillRef idx="0">
+            <a:schemeClr val="accent5"/>
+          </a:fillRef>
+          <a:effectRef idx="2">
+            <a:schemeClr val="accent5"/>
+          </a:effectRef>
+          <a:fontRef idx="minor">
+            <a:schemeClr val="tx1"/>
+          </a:fontRef>
+        </p:style>
+      </p:cxnSp>
+      <p:cxnSp>
+        <p:nvCxnSpPr>
+          <p:cNvPr id="13" name="Straight Arrow Connector 12">
+            <a:extLst>
+              <a:ext uri="{FF2B5EF4-FFF2-40B4-BE49-F238E27FC236}">
+                <a16:creationId xmlns:a16="http://schemas.microsoft.com/office/drawing/2014/main" id="{EFD7C2CF-1272-4797-BDCA-196B215C57A5}"/>
+              </a:ext>
+            </a:extLst>
+          </p:cNvPr>
+          <p:cNvCxnSpPr>
+            <a:cxnSpLocks/>
+          </p:cNvCxnSpPr>
+          <p:nvPr/>
+        </p:nvCxnSpPr>
+        <p:spPr>
+          <a:xfrm>
+            <a:off x="3625514" y="5686926"/>
+            <a:ext cx="0" cy="689810"/>
+          </a:xfrm>
+          <a:prstGeom prst="straightConnector1">
+            <a:avLst/>
+          </a:prstGeom>
+          <a:ln>
+            <a:headEnd type="triangle"/>
+            <a:tailEnd type="triangle"/>
+          </a:ln>
+        </p:spPr>
+        <p:style>
+          <a:lnRef idx="3">
+            <a:schemeClr val="accent5"/>
+          </a:lnRef>
+          <a:fillRef idx="0">
+            <a:schemeClr val="accent5"/>
+          </a:fillRef>
+          <a:effectRef idx="2">
+            <a:schemeClr val="accent5"/>
+          </a:effectRef>
+          <a:fontRef idx="minor">
+            <a:schemeClr val="tx1"/>
+          </a:fontRef>
+        </p:style>
+      </p:cxnSp>
+      <p:cxnSp>
+        <p:nvCxnSpPr>
+          <p:cNvPr id="14" name="Straight Arrow Connector 13">
+            <a:extLst>
+              <a:ext uri="{FF2B5EF4-FFF2-40B4-BE49-F238E27FC236}">
+                <a16:creationId xmlns:a16="http://schemas.microsoft.com/office/drawing/2014/main" id="{A37FDFFD-61DE-423B-AFE7-2A24BC8D321D}"/>
+              </a:ext>
+            </a:extLst>
+          </p:cNvPr>
+          <p:cNvCxnSpPr>
+            <a:cxnSpLocks/>
+          </p:cNvCxnSpPr>
+          <p:nvPr/>
+        </p:nvCxnSpPr>
+        <p:spPr>
+          <a:xfrm>
+            <a:off x="5682916" y="3513220"/>
+            <a:ext cx="2298031" cy="0"/>
+          </a:xfrm>
+          <a:prstGeom prst="straightConnector1">
+            <a:avLst/>
+          </a:prstGeom>
+          <a:ln>
+            <a:headEnd type="triangle"/>
+            <a:tailEnd type="triangle"/>
+          </a:ln>
+        </p:spPr>
+        <p:style>
+          <a:lnRef idx="3">
+            <a:schemeClr val="accent4"/>
+          </a:lnRef>
+          <a:fillRef idx="0">
+            <a:schemeClr val="accent4"/>
+          </a:fillRef>
+          <a:effectRef idx="2">
+            <a:schemeClr val="accent4"/>
+          </a:effectRef>
+          <a:fontRef idx="minor">
+            <a:schemeClr val="tx1"/>
+          </a:fontRef>
+        </p:style>
+      </p:cxnSp>
+      <p:cxnSp>
+        <p:nvCxnSpPr>
+          <p:cNvPr id="19" name="Straight Arrow Connector 18">
+            <a:extLst>
+              <a:ext uri="{FF2B5EF4-FFF2-40B4-BE49-F238E27FC236}">
+                <a16:creationId xmlns:a16="http://schemas.microsoft.com/office/drawing/2014/main" id="{CFDDCD4B-3AD0-4168-9929-FECB889F6558}"/>
+              </a:ext>
+            </a:extLst>
+          </p:cNvPr>
+          <p:cNvCxnSpPr>
+            <a:cxnSpLocks/>
+          </p:cNvCxnSpPr>
+          <p:nvPr/>
+        </p:nvCxnSpPr>
+        <p:spPr>
+          <a:xfrm>
+            <a:off x="9055767" y="2149643"/>
+            <a:ext cx="0" cy="441156"/>
+          </a:xfrm>
+          <a:prstGeom prst="straightConnector1">
+            <a:avLst/>
+          </a:prstGeom>
+          <a:ln>
+            <a:headEnd type="triangle"/>
+            <a:tailEnd type="triangle"/>
+          </a:ln>
+        </p:spPr>
+        <p:style>
+          <a:lnRef idx="3">
+            <a:schemeClr val="accent5"/>
+          </a:lnRef>
+          <a:fillRef idx="0">
+            <a:schemeClr val="accent5"/>
+          </a:fillRef>
+          <a:effectRef idx="2">
+            <a:schemeClr val="accent5"/>
+          </a:effectRef>
+          <a:fontRef idx="minor">
+            <a:schemeClr val="tx1"/>
+          </a:fontRef>
+        </p:style>
+      </p:cxnSp>
+      <p:sp>
+        <p:nvSpPr>
+          <p:cNvPr id="20" name="TextBox 19">
+            <a:extLst>
+              <a:ext uri="{FF2B5EF4-FFF2-40B4-BE49-F238E27FC236}">
+                <a16:creationId xmlns:a16="http://schemas.microsoft.com/office/drawing/2014/main" id="{A9261AA0-B031-40BC-88DB-0CACB7A4A912}"/>
+              </a:ext>
+            </a:extLst>
+          </p:cNvPr>
+          <p:cNvSpPr txBox="1"/>
+          <p:nvPr/>
+        </p:nvSpPr>
+        <p:spPr>
+          <a:xfrm>
+            <a:off x="9368870" y="1604210"/>
+            <a:ext cx="2811154" cy="4247317"/>
+          </a:xfrm>
+          <a:prstGeom prst="rect">
+            <a:avLst/>
+          </a:prstGeom>
+          <a:noFill/>
+        </p:spPr>
+        <p:txBody>
+          <a:bodyPr wrap="none" rtlCol="0">
+            <a:spAutoFit/>
+          </a:bodyPr>
+          <a:lstStyle/>
+          <a:p>
+            <a:r>
+              <a:rPr lang="en-US" dirty="0"/>
+              <a:t>Area Dimensions: pixels</a:t>
+            </a:r>
+          </a:p>
+          <a:p>
+            <a:endParaRPr lang="en-US" dirty="0"/>
+          </a:p>
+          <a:p>
+            <a:r>
+              <a:rPr lang="en-US" dirty="0"/>
+              <a:t>Y Margin: pixels (computed)</a:t>
+            </a:r>
+          </a:p>
+          <a:p>
+            <a:endParaRPr lang="en-US" dirty="0"/>
+          </a:p>
+          <a:p>
+            <a:r>
+              <a:rPr lang="en-US" dirty="0"/>
+              <a:t>X Margin: pixels (computed)</a:t>
+            </a:r>
+          </a:p>
+          <a:p>
+            <a:endParaRPr lang="en-US" dirty="0"/>
+          </a:p>
+          <a:p>
+            <a:r>
+              <a:rPr lang="en-US" dirty="0"/>
+              <a:t>Board Width: 40%=0.4</a:t>
+            </a:r>
+          </a:p>
+          <a:p>
+            <a:endParaRPr lang="en-US" dirty="0"/>
+          </a:p>
+          <a:p>
+            <a:r>
+              <a:rPr lang="en-US" dirty="0"/>
+              <a:t>Board Height = sum of</a:t>
+            </a:r>
+          </a:p>
+          <a:p>
+            <a:endParaRPr lang="en-US" dirty="0"/>
+          </a:p>
+          <a:p>
+            <a:r>
+              <a:rPr lang="en-US" dirty="0"/>
+              <a:t>Title Height: 0.2</a:t>
+            </a:r>
+          </a:p>
+          <a:p>
+            <a:endParaRPr lang="en-US" dirty="0"/>
+          </a:p>
+          <a:p>
+            <a:r>
+              <a:rPr lang="en-US" dirty="0"/>
+              <a:t>Gap: 0.1</a:t>
+            </a:r>
+          </a:p>
+          <a:p>
+            <a:endParaRPr lang="en-US" dirty="0"/>
+          </a:p>
+          <a:p>
+            <a:r>
+              <a:rPr lang="en-US" dirty="0"/>
+              <a:t>Display Height: : 0.6</a:t>
+            </a:r>
+          </a:p>
+        </p:txBody>
+      </p:sp>
+      <p:cxnSp>
+        <p:nvCxnSpPr>
+          <p:cNvPr id="21" name="Straight Arrow Connector 20">
+            <a:extLst>
+              <a:ext uri="{FF2B5EF4-FFF2-40B4-BE49-F238E27FC236}">
+                <a16:creationId xmlns:a16="http://schemas.microsoft.com/office/drawing/2014/main" id="{263941C8-20AC-4E3C-B6BF-39D1B0E8C861}"/>
+              </a:ext>
+            </a:extLst>
+          </p:cNvPr>
+          <p:cNvCxnSpPr>
+            <a:cxnSpLocks/>
+          </p:cNvCxnSpPr>
+          <p:nvPr/>
+        </p:nvCxnSpPr>
+        <p:spPr>
+          <a:xfrm>
+            <a:off x="8875884" y="2896871"/>
+            <a:ext cx="359767" cy="0"/>
+          </a:xfrm>
+          <a:prstGeom prst="straightConnector1">
+            <a:avLst/>
+          </a:prstGeom>
+          <a:ln>
+            <a:headEnd type="triangle"/>
+            <a:tailEnd type="triangle"/>
+          </a:ln>
+        </p:spPr>
+        <p:style>
+          <a:lnRef idx="3">
+            <a:schemeClr val="accent4"/>
+          </a:lnRef>
+          <a:fillRef idx="0">
+            <a:schemeClr val="accent4"/>
+          </a:fillRef>
+          <a:effectRef idx="2">
+            <a:schemeClr val="accent4"/>
+          </a:effectRef>
+          <a:fontRef idx="minor">
+            <a:schemeClr val="tx1"/>
+          </a:fontRef>
+        </p:style>
+      </p:cxnSp>
+      <p:cxnSp>
+        <p:nvCxnSpPr>
+          <p:cNvPr id="24" name="Straight Arrow Connector 23">
+            <a:extLst>
+              <a:ext uri="{FF2B5EF4-FFF2-40B4-BE49-F238E27FC236}">
+                <a16:creationId xmlns:a16="http://schemas.microsoft.com/office/drawing/2014/main" id="{40997FA8-39AF-4EE7-A274-DA4EDC48DC07}"/>
+              </a:ext>
+            </a:extLst>
+          </p:cNvPr>
+          <p:cNvCxnSpPr>
+            <a:cxnSpLocks/>
+          </p:cNvCxnSpPr>
+          <p:nvPr/>
+        </p:nvCxnSpPr>
+        <p:spPr>
+          <a:xfrm>
+            <a:off x="8875884" y="3429000"/>
+            <a:ext cx="359767" cy="0"/>
+          </a:xfrm>
+          <a:prstGeom prst="straightConnector1">
+            <a:avLst/>
+          </a:prstGeom>
+          <a:ln>
+            <a:headEnd type="triangle"/>
+            <a:tailEnd type="triangle"/>
+          </a:ln>
+        </p:spPr>
+        <p:style>
+          <a:lnRef idx="3">
+            <a:schemeClr val="accent6"/>
+          </a:lnRef>
+          <a:fillRef idx="0">
+            <a:schemeClr val="accent6"/>
+          </a:fillRef>
+          <a:effectRef idx="2">
+            <a:schemeClr val="accent6"/>
+          </a:effectRef>
+          <a:fontRef idx="minor">
+            <a:schemeClr val="tx1"/>
+          </a:fontRef>
+        </p:style>
+      </p:cxnSp>
+      <p:cxnSp>
+        <p:nvCxnSpPr>
+          <p:cNvPr id="27" name="Straight Arrow Connector 26">
+            <a:extLst>
+              <a:ext uri="{FF2B5EF4-FFF2-40B4-BE49-F238E27FC236}">
+                <a16:creationId xmlns:a16="http://schemas.microsoft.com/office/drawing/2014/main" id="{84DA52B2-C0D4-46FA-9FC6-72E90B91CA1C}"/>
+              </a:ext>
+            </a:extLst>
+          </p:cNvPr>
+          <p:cNvCxnSpPr>
+            <a:cxnSpLocks/>
+          </p:cNvCxnSpPr>
+          <p:nvPr/>
+        </p:nvCxnSpPr>
+        <p:spPr>
+          <a:xfrm>
+            <a:off x="9071808" y="3820566"/>
+            <a:ext cx="0" cy="368967"/>
+          </a:xfrm>
+          <a:prstGeom prst="straightConnector1">
+            <a:avLst/>
+          </a:prstGeom>
+          <a:ln>
+            <a:headEnd type="triangle"/>
+            <a:tailEnd type="triangle"/>
+          </a:ln>
+        </p:spPr>
+        <p:style>
+          <a:lnRef idx="3">
+            <a:schemeClr val="accent6"/>
+          </a:lnRef>
+          <a:fillRef idx="0">
+            <a:schemeClr val="accent6"/>
+          </a:fillRef>
+          <a:effectRef idx="2">
+            <a:schemeClr val="accent6"/>
+          </a:effectRef>
+          <a:fontRef idx="minor">
+            <a:schemeClr val="tx1"/>
+          </a:fontRef>
+        </p:style>
+      </p:cxnSp>
+      <p:cxnSp>
+        <p:nvCxnSpPr>
+          <p:cNvPr id="29" name="Straight Arrow Connector 28">
+            <a:extLst>
+              <a:ext uri="{FF2B5EF4-FFF2-40B4-BE49-F238E27FC236}">
+                <a16:creationId xmlns:a16="http://schemas.microsoft.com/office/drawing/2014/main" id="{8CF819E0-490C-45CA-A7FE-B7115EFD8F8C}"/>
+              </a:ext>
+            </a:extLst>
+          </p:cNvPr>
+          <p:cNvCxnSpPr>
+            <a:cxnSpLocks/>
+          </p:cNvCxnSpPr>
+          <p:nvPr/>
+        </p:nvCxnSpPr>
+        <p:spPr>
+          <a:xfrm>
+            <a:off x="1010653" y="1596189"/>
+            <a:ext cx="6970294" cy="0"/>
+          </a:xfrm>
+          <a:prstGeom prst="straightConnector1">
+            <a:avLst/>
+          </a:prstGeom>
+          <a:ln>
+            <a:headEnd type="triangle"/>
+            <a:tailEnd type="triangle"/>
+          </a:ln>
+        </p:spPr>
+        <p:style>
+          <a:lnRef idx="3">
+            <a:schemeClr val="dk1"/>
+          </a:lnRef>
+          <a:fillRef idx="0">
+            <a:schemeClr val="dk1"/>
+          </a:fillRef>
+          <a:effectRef idx="2">
+            <a:schemeClr val="dk1"/>
+          </a:effectRef>
+          <a:fontRef idx="minor">
+            <a:schemeClr val="tx1"/>
+          </a:fontRef>
+        </p:style>
+      </p:cxnSp>
+      <p:cxnSp>
+        <p:nvCxnSpPr>
+          <p:cNvPr id="31" name="Straight Arrow Connector 30">
+            <a:extLst>
+              <a:ext uri="{FF2B5EF4-FFF2-40B4-BE49-F238E27FC236}">
+                <a16:creationId xmlns:a16="http://schemas.microsoft.com/office/drawing/2014/main" id="{498AF74C-07EB-405A-86B3-8D7FF36F58E4}"/>
+              </a:ext>
+            </a:extLst>
+          </p:cNvPr>
+          <p:cNvCxnSpPr>
+            <a:cxnSpLocks/>
+          </p:cNvCxnSpPr>
+          <p:nvPr/>
+        </p:nvCxnSpPr>
+        <p:spPr>
+          <a:xfrm flipH="1">
+            <a:off x="665747" y="1900989"/>
+            <a:ext cx="36097" cy="4475747"/>
+          </a:xfrm>
+          <a:prstGeom prst="straightConnector1">
+            <a:avLst/>
+          </a:prstGeom>
+          <a:ln>
+            <a:headEnd type="triangle"/>
+            <a:tailEnd type="triangle"/>
+          </a:ln>
+        </p:spPr>
+        <p:style>
+          <a:lnRef idx="3">
+            <a:schemeClr val="dk1"/>
+          </a:lnRef>
+          <a:fillRef idx="0">
+            <a:schemeClr val="dk1"/>
+          </a:fillRef>
+          <a:effectRef idx="2">
+            <a:schemeClr val="dk1"/>
+          </a:effectRef>
+          <a:fontRef idx="minor">
+            <a:schemeClr val="tx1"/>
+          </a:fontRef>
+        </p:style>
+      </p:cxnSp>
+      <p:cxnSp>
+        <p:nvCxnSpPr>
+          <p:cNvPr id="33" name="Straight Arrow Connector 32">
+            <a:extLst>
+              <a:ext uri="{FF2B5EF4-FFF2-40B4-BE49-F238E27FC236}">
+                <a16:creationId xmlns:a16="http://schemas.microsoft.com/office/drawing/2014/main" id="{822AF1EB-CD7A-403B-995B-767F85BEE664}"/>
+              </a:ext>
+            </a:extLst>
+          </p:cNvPr>
+          <p:cNvCxnSpPr>
+            <a:cxnSpLocks/>
+          </p:cNvCxnSpPr>
+          <p:nvPr/>
+        </p:nvCxnSpPr>
+        <p:spPr>
+          <a:xfrm>
+            <a:off x="8826578" y="1828800"/>
+            <a:ext cx="409073" cy="0"/>
+          </a:xfrm>
+          <a:prstGeom prst="straightConnector1">
+            <a:avLst/>
+          </a:prstGeom>
+          <a:ln>
+            <a:headEnd type="triangle"/>
+            <a:tailEnd type="triangle"/>
+          </a:ln>
+        </p:spPr>
+        <p:style>
+          <a:lnRef idx="3">
+            <a:schemeClr val="dk1"/>
+          </a:lnRef>
+          <a:fillRef idx="0">
+            <a:schemeClr val="dk1"/>
+          </a:fillRef>
+          <a:effectRef idx="2">
+            <a:schemeClr val="dk1"/>
+          </a:effectRef>
+          <a:fontRef idx="minor">
+            <a:schemeClr val="tx1"/>
+          </a:fontRef>
+        </p:style>
+      </p:cxnSp>
+      <p:sp>
+        <p:nvSpPr>
+          <p:cNvPr id="35" name="Rectangle 34">
+            <a:extLst>
+              <a:ext uri="{FF2B5EF4-FFF2-40B4-BE49-F238E27FC236}">
+                <a16:creationId xmlns:a16="http://schemas.microsoft.com/office/drawing/2014/main" id="{C7868A73-81D9-4184-B4C8-1D01ADF59F63}"/>
+              </a:ext>
+            </a:extLst>
+          </p:cNvPr>
+          <p:cNvSpPr/>
+          <p:nvPr/>
+        </p:nvSpPr>
+        <p:spPr>
+          <a:xfrm>
+            <a:off x="3308684" y="2590799"/>
+            <a:ext cx="2374201" cy="425115"/>
+          </a:xfrm>
+          <a:prstGeom prst="rect">
+            <a:avLst/>
+          </a:prstGeom>
+        </p:spPr>
+        <p:style>
+          <a:lnRef idx="1">
+            <a:schemeClr val="accent4"/>
+          </a:lnRef>
+          <a:fillRef idx="2">
+            <a:schemeClr val="accent4"/>
+          </a:fillRef>
+          <a:effectRef idx="1">
+            <a:schemeClr val="accent4"/>
+          </a:effectRef>
+          <a:fontRef idx="minor">
+            <a:schemeClr val="dk1"/>
+          </a:fontRef>
+        </p:style>
+        <p:txBody>
+          <a:bodyPr rtlCol="0" anchor="ctr"/>
+          <a:lstStyle/>
+          <a:p>
+            <a:pPr algn="ctr"/>
+            <a:r>
+              <a:rPr lang="en-US" dirty="0"/>
+              <a:t>Title</a:t>
+            </a:r>
+          </a:p>
+        </p:txBody>
+      </p:sp>
+      <p:sp>
+        <p:nvSpPr>
+          <p:cNvPr id="36" name="Rectangle 35">
+            <a:extLst>
+              <a:ext uri="{FF2B5EF4-FFF2-40B4-BE49-F238E27FC236}">
+                <a16:creationId xmlns:a16="http://schemas.microsoft.com/office/drawing/2014/main" id="{7D49A000-6A5E-471B-B63A-8542B6657915}"/>
+              </a:ext>
+            </a:extLst>
+          </p:cNvPr>
+          <p:cNvSpPr/>
+          <p:nvPr/>
+        </p:nvSpPr>
+        <p:spPr>
+          <a:xfrm>
+            <a:off x="3308684" y="3280609"/>
+            <a:ext cx="2374201" cy="2406311"/>
+          </a:xfrm>
+          <a:prstGeom prst="rect">
+            <a:avLst/>
+          </a:prstGeom>
+        </p:spPr>
+        <p:style>
+          <a:lnRef idx="1">
+            <a:schemeClr val="accent4"/>
+          </a:lnRef>
+          <a:fillRef idx="2">
+            <a:schemeClr val="accent4"/>
+          </a:fillRef>
+          <a:effectRef idx="1">
+            <a:schemeClr val="accent4"/>
+          </a:effectRef>
+          <a:fontRef idx="minor">
+            <a:schemeClr val="dk1"/>
+          </a:fontRef>
+        </p:style>
+        <p:txBody>
+          <a:bodyPr rtlCol="0" anchor="ctr"/>
+          <a:lstStyle/>
+          <a:p>
+            <a:pPr algn="ctr"/>
+            <a:r>
+              <a:rPr lang="en-US" dirty="0"/>
+              <a:t>Display</a:t>
+            </a:r>
+          </a:p>
+        </p:txBody>
+      </p:sp>
+      <p:cxnSp>
+        <p:nvCxnSpPr>
+          <p:cNvPr id="15" name="Straight Arrow Connector 14">
+            <a:extLst>
+              <a:ext uri="{FF2B5EF4-FFF2-40B4-BE49-F238E27FC236}">
+                <a16:creationId xmlns:a16="http://schemas.microsoft.com/office/drawing/2014/main" id="{D0E9756C-D7FB-4C3F-AEEC-1648A783A4FC}"/>
+              </a:ext>
+            </a:extLst>
+          </p:cNvPr>
+          <p:cNvCxnSpPr>
+            <a:cxnSpLocks/>
+          </p:cNvCxnSpPr>
+          <p:nvPr/>
+        </p:nvCxnSpPr>
+        <p:spPr>
+          <a:xfrm flipH="1">
+            <a:off x="3617493" y="2590799"/>
+            <a:ext cx="16042" cy="3096126"/>
+          </a:xfrm>
+          <a:prstGeom prst="straightConnector1">
+            <a:avLst/>
+          </a:prstGeom>
+          <a:ln>
+            <a:headEnd type="triangle"/>
+            <a:tailEnd type="triangle"/>
+          </a:ln>
+        </p:spPr>
+        <p:style>
+          <a:lnRef idx="3">
+            <a:schemeClr val="accent6"/>
+          </a:lnRef>
+          <a:fillRef idx="0">
+            <a:schemeClr val="accent6"/>
+          </a:fillRef>
+          <a:effectRef idx="2">
+            <a:schemeClr val="accent6"/>
+          </a:effectRef>
+          <a:fontRef idx="minor">
+            <a:schemeClr val="tx1"/>
+          </a:fontRef>
+        </p:style>
+      </p:cxnSp>
+      <p:cxnSp>
+        <p:nvCxnSpPr>
+          <p:cNvPr id="17" name="Straight Arrow Connector 16">
+            <a:extLst>
+              <a:ext uri="{FF2B5EF4-FFF2-40B4-BE49-F238E27FC236}">
+                <a16:creationId xmlns:a16="http://schemas.microsoft.com/office/drawing/2014/main" id="{D5EA700F-8DE4-4F12-B11B-DF92959608D5}"/>
+              </a:ext>
+            </a:extLst>
+          </p:cNvPr>
+          <p:cNvCxnSpPr>
+            <a:cxnSpLocks/>
+          </p:cNvCxnSpPr>
+          <p:nvPr/>
+        </p:nvCxnSpPr>
+        <p:spPr>
+          <a:xfrm>
+            <a:off x="3308684" y="3513220"/>
+            <a:ext cx="2374232" cy="0"/>
+          </a:xfrm>
+          <a:prstGeom prst="straightConnector1">
+            <a:avLst/>
+          </a:prstGeom>
+          <a:ln>
+            <a:headEnd type="triangle"/>
+            <a:tailEnd type="triangle"/>
+          </a:ln>
+        </p:spPr>
+        <p:style>
+          <a:lnRef idx="3">
+            <a:schemeClr val="accent6"/>
+          </a:lnRef>
+          <a:fillRef idx="0">
+            <a:schemeClr val="accent6"/>
+          </a:fillRef>
+          <a:effectRef idx="2">
+            <a:schemeClr val="accent6"/>
+          </a:effectRef>
+          <a:fontRef idx="minor">
+            <a:schemeClr val="tx1"/>
+          </a:fontRef>
+        </p:style>
+      </p:cxnSp>
+      <p:cxnSp>
+        <p:nvCxnSpPr>
+          <p:cNvPr id="37" name="Straight Arrow Connector 36">
+            <a:extLst>
+              <a:ext uri="{FF2B5EF4-FFF2-40B4-BE49-F238E27FC236}">
+                <a16:creationId xmlns:a16="http://schemas.microsoft.com/office/drawing/2014/main" id="{1D2806A2-6078-4FF4-92C5-BD4D52B6447A}"/>
+              </a:ext>
+            </a:extLst>
+          </p:cNvPr>
+          <p:cNvCxnSpPr>
+            <a:cxnSpLocks/>
+          </p:cNvCxnSpPr>
+          <p:nvPr/>
+        </p:nvCxnSpPr>
+        <p:spPr>
+          <a:xfrm>
+            <a:off x="5249783" y="2586787"/>
+            <a:ext cx="0" cy="429127"/>
+          </a:xfrm>
+          <a:prstGeom prst="straightConnector1">
+            <a:avLst/>
+          </a:prstGeom>
+          <a:ln>
+            <a:headEnd type="triangle"/>
+            <a:tailEnd type="triangle"/>
+          </a:ln>
+        </p:spPr>
+        <p:style>
+          <a:lnRef idx="3">
+            <a:schemeClr val="accent6"/>
+          </a:lnRef>
+          <a:fillRef idx="0">
+            <a:schemeClr val="accent6"/>
+          </a:fillRef>
+          <a:effectRef idx="2">
+            <a:schemeClr val="accent6"/>
+          </a:effectRef>
+          <a:fontRef idx="minor">
+            <a:schemeClr val="tx1"/>
+          </a:fontRef>
+        </p:style>
+      </p:cxnSp>
+      <p:cxnSp>
+        <p:nvCxnSpPr>
+          <p:cNvPr id="39" name="Straight Arrow Connector 38">
+            <a:extLst>
+              <a:ext uri="{FF2B5EF4-FFF2-40B4-BE49-F238E27FC236}">
+                <a16:creationId xmlns:a16="http://schemas.microsoft.com/office/drawing/2014/main" id="{4E9E1167-CADB-4885-A48E-7C0BEAD4597C}"/>
+              </a:ext>
+            </a:extLst>
+          </p:cNvPr>
+          <p:cNvCxnSpPr>
+            <a:cxnSpLocks/>
+          </p:cNvCxnSpPr>
+          <p:nvPr/>
+        </p:nvCxnSpPr>
+        <p:spPr>
+          <a:xfrm>
+            <a:off x="5249786" y="3015914"/>
+            <a:ext cx="0" cy="264695"/>
+          </a:xfrm>
+          <a:prstGeom prst="straightConnector1">
+            <a:avLst/>
+          </a:prstGeom>
+          <a:ln>
+            <a:headEnd type="triangle"/>
+            <a:tailEnd type="triangle"/>
+          </a:ln>
+        </p:spPr>
+        <p:style>
+          <a:lnRef idx="3">
+            <a:schemeClr val="accent6"/>
+          </a:lnRef>
+          <a:fillRef idx="0">
+            <a:schemeClr val="accent6"/>
+          </a:fillRef>
+          <a:effectRef idx="2">
+            <a:schemeClr val="accent6"/>
+          </a:effectRef>
+          <a:fontRef idx="minor">
+            <a:schemeClr val="tx1"/>
+          </a:fontRef>
+        </p:style>
+      </p:cxnSp>
+      <p:cxnSp>
+        <p:nvCxnSpPr>
+          <p:cNvPr id="41" name="Straight Arrow Connector 40">
+            <a:extLst>
+              <a:ext uri="{FF2B5EF4-FFF2-40B4-BE49-F238E27FC236}">
+                <a16:creationId xmlns:a16="http://schemas.microsoft.com/office/drawing/2014/main" id="{D39E33F2-D35C-4A87-9518-D9C11A696502}"/>
+              </a:ext>
+            </a:extLst>
+          </p:cNvPr>
+          <p:cNvCxnSpPr>
+            <a:cxnSpLocks/>
+          </p:cNvCxnSpPr>
+          <p:nvPr/>
+        </p:nvCxnSpPr>
+        <p:spPr>
+          <a:xfrm>
+            <a:off x="5249783" y="3280608"/>
+            <a:ext cx="0" cy="2406311"/>
+          </a:xfrm>
+          <a:prstGeom prst="straightConnector1">
+            <a:avLst/>
+          </a:prstGeom>
+          <a:ln>
+            <a:headEnd type="triangle"/>
+            <a:tailEnd type="triangle"/>
+          </a:ln>
+        </p:spPr>
+        <p:style>
+          <a:lnRef idx="3">
+            <a:schemeClr val="accent6"/>
+          </a:lnRef>
+          <a:fillRef idx="0">
+            <a:schemeClr val="accent6"/>
+          </a:fillRef>
+          <a:effectRef idx="2">
+            <a:schemeClr val="accent6"/>
+          </a:effectRef>
+          <a:fontRef idx="minor">
+            <a:schemeClr val="tx1"/>
+          </a:fontRef>
+        </p:style>
+      </p:cxnSp>
+    </p:spTree>
+    <p:extLst>
+      <p:ext uri="{BB962C8B-B14F-4D97-AF65-F5344CB8AC3E}">
+        <p14:creationId xmlns:p14="http://schemas.microsoft.com/office/powerpoint/2010/main" val="2652950434"/>
+      </p:ext>
+    </p:extLst>
+  </p:cSld>
+  <p:clrMapOvr>
+    <a:masterClrMapping/>
+  </p:clrMapOvr>
+</p:sld>
+</file>
+
+<file path=ppt/slides/slide35.xml><?xml version="1.0" encoding="utf-8"?>
+<p:sld xmlns:a="http://schemas.openxmlformats.org/drawingml/2006/main" xmlns:r="http://schemas.openxmlformats.org/officeDocument/2006/relationships" xmlns:p="http://schemas.openxmlformats.org/presentationml/2006/main">
+  <p:cSld>
+    <p:spTree>
+      <p:nvGrpSpPr>
+        <p:cNvPr id="1" name=""/>
+        <p:cNvGrpSpPr/>
+        <p:nvPr/>
+      </p:nvGrpSpPr>
+      <p:grpSpPr>
+        <a:xfrm>
+          <a:off x="0" y="0"/>
+          <a:ext cx="0" cy="0"/>
+          <a:chOff x="0" y="0"/>
+          <a:chExt cx="0" cy="0"/>
+        </a:xfrm>
+      </p:grpSpPr>
+      <p:sp>
+        <p:nvSpPr>
+          <p:cNvPr id="2" name="Title 1">
+            <a:extLst>
+              <a:ext uri="{FF2B5EF4-FFF2-40B4-BE49-F238E27FC236}">
+                <a16:creationId xmlns:a16="http://schemas.microsoft.com/office/drawing/2014/main" id="{C7F2F85D-F7F3-44CB-96EA-B4B844018CEC}"/>
+              </a:ext>
+            </a:extLst>
+          </p:cNvPr>
+          <p:cNvSpPr>
+            <a:spLocks noGrp="1"/>
+          </p:cNvSpPr>
+          <p:nvPr>
+            <p:ph type="title"/>
+          </p:nvPr>
+        </p:nvSpPr>
+        <p:spPr/>
+        <p:txBody>
+          <a:bodyPr/>
+          <a:lstStyle/>
+          <a:p>
+            <a:r>
+              <a:rPr lang="en-US" dirty="0"/>
+              <a:t>Bulletin Board in the Browser Display</a:t>
+            </a:r>
+          </a:p>
+        </p:txBody>
+      </p:sp>
+      <p:sp>
+        <p:nvSpPr>
+          <p:cNvPr id="4" name="Rectangle 3">
+            <a:extLst>
+              <a:ext uri="{FF2B5EF4-FFF2-40B4-BE49-F238E27FC236}">
+                <a16:creationId xmlns:a16="http://schemas.microsoft.com/office/drawing/2014/main" id="{31876BC2-51C5-40A3-9CF3-3D297B3DACE5}"/>
+              </a:ext>
+            </a:extLst>
+          </p:cNvPr>
+          <p:cNvSpPr/>
+          <p:nvPr/>
+        </p:nvSpPr>
+        <p:spPr>
+          <a:xfrm>
+            <a:off x="759279" y="1592036"/>
+            <a:ext cx="10466614" cy="5078185"/>
+          </a:xfrm>
+          <a:prstGeom prst="rect">
+            <a:avLst/>
+          </a:prstGeom>
+        </p:spPr>
+        <p:style>
+          <a:lnRef idx="1">
+            <a:schemeClr val="accent4"/>
+          </a:lnRef>
+          <a:fillRef idx="2">
+            <a:schemeClr val="accent4"/>
+          </a:fillRef>
+          <a:effectRef idx="1">
+            <a:schemeClr val="accent4"/>
+          </a:effectRef>
+          <a:fontRef idx="minor">
+            <a:schemeClr val="dk1"/>
+          </a:fontRef>
+        </p:style>
+        <p:txBody>
+          <a:bodyPr rtlCol="0" anchor="t"/>
+          <a:lstStyle/>
+          <a:p>
+            <a:pPr algn="ctr"/>
+            <a:endParaRPr lang="en-US" dirty="0"/>
+          </a:p>
+        </p:txBody>
+      </p:sp>
+      <p:sp>
+        <p:nvSpPr>
+          <p:cNvPr id="5" name="TextBox 4">
+            <a:extLst>
+              <a:ext uri="{FF2B5EF4-FFF2-40B4-BE49-F238E27FC236}">
+                <a16:creationId xmlns:a16="http://schemas.microsoft.com/office/drawing/2014/main" id="{A61C153E-42A0-41B4-9069-57807387DE3F}"/>
+              </a:ext>
+            </a:extLst>
+          </p:cNvPr>
+          <p:cNvSpPr txBox="1"/>
+          <p:nvPr/>
+        </p:nvSpPr>
+        <p:spPr>
+          <a:xfrm>
+            <a:off x="541112" y="1407370"/>
+            <a:ext cx="670376" cy="369332"/>
+          </a:xfrm>
+          <a:prstGeom prst="rect">
+            <a:avLst/>
+          </a:prstGeom>
+          <a:noFill/>
+        </p:spPr>
+        <p:txBody>
+          <a:bodyPr wrap="none" rtlCol="0">
+            <a:spAutoFit/>
+          </a:bodyPr>
+          <a:lstStyle/>
+          <a:p>
+            <a:r>
+              <a:rPr lang="en-US" dirty="0"/>
+              <a:t>(0, 0)</a:t>
+            </a:r>
+          </a:p>
+        </p:txBody>
+      </p:sp>
+      <p:sp>
+        <p:nvSpPr>
+          <p:cNvPr id="6" name="Rectangle 5">
+            <a:extLst>
+              <a:ext uri="{FF2B5EF4-FFF2-40B4-BE49-F238E27FC236}">
+                <a16:creationId xmlns:a16="http://schemas.microsoft.com/office/drawing/2014/main" id="{554BF9F4-1CA6-4CAB-ABBE-75FE002C88B1}"/>
+              </a:ext>
+            </a:extLst>
+          </p:cNvPr>
+          <p:cNvSpPr/>
+          <p:nvPr/>
+        </p:nvSpPr>
+        <p:spPr>
+          <a:xfrm>
+            <a:off x="5608864" y="1995373"/>
+            <a:ext cx="3959679" cy="4402818"/>
+          </a:xfrm>
+          <a:prstGeom prst="rect">
+            <a:avLst/>
+          </a:prstGeom>
+          <a:noFill/>
+          <a:ln w="9525" cap="flat" cmpd="sng" algn="ctr">
+            <a:solidFill>
+              <a:schemeClr val="accent1"/>
+            </a:solidFill>
+            <a:prstDash val="solid"/>
+            <a:round/>
+            <a:headEnd type="none" w="med" len="med"/>
+            <a:tailEnd type="none" w="med" len="med"/>
+          </a:ln>
+        </p:spPr>
+        <p:style>
+          <a:lnRef idx="0">
+            <a:scrgbClr r="0" g="0" b="0"/>
+          </a:lnRef>
+          <a:fillRef idx="0">
+            <a:scrgbClr r="0" g="0" b="0"/>
+          </a:fillRef>
+          <a:effectRef idx="0">
+            <a:scrgbClr r="0" g="0" b="0"/>
+          </a:effectRef>
+          <a:fontRef idx="minor">
+            <a:schemeClr val="accent1"/>
+          </a:fontRef>
+        </p:style>
+        <p:txBody>
+          <a:bodyPr rtlCol="0" anchor="t"/>
+          <a:lstStyle/>
+          <a:p>
+            <a:pPr algn="ctr"/>
+            <a:r>
+              <a:rPr lang="en-US" dirty="0"/>
+              <a:t>Area</a:t>
+            </a:r>
+          </a:p>
+        </p:txBody>
+      </p:sp>
+      <p:sp>
+        <p:nvSpPr>
+          <p:cNvPr id="7" name="TextBox 6">
+            <a:extLst>
+              <a:ext uri="{FF2B5EF4-FFF2-40B4-BE49-F238E27FC236}">
+                <a16:creationId xmlns:a16="http://schemas.microsoft.com/office/drawing/2014/main" id="{6B61A8DD-24FE-4273-B16B-951197C53F93}"/>
+              </a:ext>
+            </a:extLst>
+          </p:cNvPr>
+          <p:cNvSpPr txBox="1"/>
+          <p:nvPr/>
+        </p:nvSpPr>
+        <p:spPr>
+          <a:xfrm>
+            <a:off x="5288904" y="1776702"/>
+            <a:ext cx="873957" cy="369332"/>
+          </a:xfrm>
+          <a:prstGeom prst="rect">
+            <a:avLst/>
+          </a:prstGeom>
+          <a:noFill/>
+        </p:spPr>
+        <p:txBody>
+          <a:bodyPr wrap="none" rtlCol="0">
+            <a:spAutoFit/>
+          </a:bodyPr>
+          <a:lstStyle/>
+          <a:p>
+            <a:r>
+              <a:rPr lang="en-US" dirty="0"/>
+              <a:t>(x0, y0)</a:t>
+            </a:r>
+          </a:p>
+        </p:txBody>
+      </p:sp>
+      <p:sp>
+        <p:nvSpPr>
+          <p:cNvPr id="8" name="Rectangle 7">
+            <a:extLst>
+              <a:ext uri="{FF2B5EF4-FFF2-40B4-BE49-F238E27FC236}">
+                <a16:creationId xmlns:a16="http://schemas.microsoft.com/office/drawing/2014/main" id="{BA2F5103-B915-492E-964B-E56218CD8E7D}"/>
+              </a:ext>
+            </a:extLst>
+          </p:cNvPr>
+          <p:cNvSpPr/>
+          <p:nvPr/>
+        </p:nvSpPr>
+        <p:spPr>
+          <a:xfrm>
+            <a:off x="6588579" y="2917599"/>
+            <a:ext cx="1959428" cy="2658608"/>
+          </a:xfrm>
+          <a:prstGeom prst="rect">
+            <a:avLst/>
+          </a:prstGeom>
+        </p:spPr>
+        <p:style>
+          <a:lnRef idx="2">
+            <a:schemeClr val="accent1">
+              <a:shade val="50000"/>
+            </a:schemeClr>
+          </a:lnRef>
+          <a:fillRef idx="1">
+            <a:schemeClr val="accent1"/>
+          </a:fillRef>
+          <a:effectRef idx="0">
+            <a:schemeClr val="accent1"/>
+          </a:effectRef>
+          <a:fontRef idx="minor">
+            <a:schemeClr val="lt1"/>
+          </a:fontRef>
+        </p:style>
+        <p:txBody>
+          <a:bodyPr rtlCol="0" anchor="ctr"/>
+          <a:lstStyle/>
+          <a:p>
+            <a:pPr algn="ctr"/>
+            <a:r>
+              <a:rPr lang="en-US" dirty="0"/>
+              <a:t>Board</a:t>
+            </a:r>
+          </a:p>
+        </p:txBody>
+      </p:sp>
+      <p:cxnSp>
+        <p:nvCxnSpPr>
+          <p:cNvPr id="9" name="Straight Arrow Connector 8">
+            <a:extLst>
+              <a:ext uri="{FF2B5EF4-FFF2-40B4-BE49-F238E27FC236}">
+                <a16:creationId xmlns:a16="http://schemas.microsoft.com/office/drawing/2014/main" id="{0AD902C1-59C6-4E78-90AF-F86857B5182A}"/>
+              </a:ext>
+            </a:extLst>
+          </p:cNvPr>
+          <p:cNvCxnSpPr>
+            <a:cxnSpLocks/>
+          </p:cNvCxnSpPr>
+          <p:nvPr/>
+        </p:nvCxnSpPr>
+        <p:spPr>
+          <a:xfrm>
+            <a:off x="6972729" y="1995373"/>
+            <a:ext cx="0" cy="922226"/>
+          </a:xfrm>
+          <a:prstGeom prst="straightConnector1">
+            <a:avLst/>
+          </a:prstGeom>
+          <a:ln>
+            <a:headEnd type="triangle"/>
+            <a:tailEnd type="triangle"/>
+          </a:ln>
+        </p:spPr>
+        <p:style>
+          <a:lnRef idx="3">
+            <a:schemeClr val="accent5"/>
+          </a:lnRef>
+          <a:fillRef idx="0">
+            <a:schemeClr val="accent5"/>
+          </a:fillRef>
+          <a:effectRef idx="2">
+            <a:schemeClr val="accent5"/>
+          </a:effectRef>
+          <a:fontRef idx="minor">
+            <a:schemeClr val="tx1"/>
+          </a:fontRef>
+        </p:style>
+      </p:cxnSp>
+      <p:cxnSp>
+        <p:nvCxnSpPr>
+          <p:cNvPr id="11" name="Straight Arrow Connector 10">
+            <a:extLst>
+              <a:ext uri="{FF2B5EF4-FFF2-40B4-BE49-F238E27FC236}">
+                <a16:creationId xmlns:a16="http://schemas.microsoft.com/office/drawing/2014/main" id="{7114D848-A480-4B6C-B2A8-21465CBD6666}"/>
+              </a:ext>
+            </a:extLst>
+          </p:cNvPr>
+          <p:cNvCxnSpPr>
+            <a:cxnSpLocks/>
+          </p:cNvCxnSpPr>
+          <p:nvPr/>
+        </p:nvCxnSpPr>
+        <p:spPr>
+          <a:xfrm>
+            <a:off x="5603422" y="3233057"/>
+            <a:ext cx="985157" cy="0"/>
+          </a:xfrm>
+          <a:prstGeom prst="straightConnector1">
+            <a:avLst/>
+          </a:prstGeom>
+          <a:ln>
+            <a:headEnd type="triangle"/>
+            <a:tailEnd type="triangle"/>
+          </a:ln>
+        </p:spPr>
+        <p:style>
+          <a:lnRef idx="3">
+            <a:schemeClr val="accent5"/>
+          </a:lnRef>
+          <a:fillRef idx="0">
+            <a:schemeClr val="accent5"/>
+          </a:fillRef>
+          <a:effectRef idx="2">
+            <a:schemeClr val="accent5"/>
+          </a:effectRef>
+          <a:fontRef idx="minor">
+            <a:schemeClr val="tx1"/>
+          </a:fontRef>
+        </p:style>
+      </p:cxnSp>
+      <p:sp>
+        <p:nvSpPr>
+          <p:cNvPr id="14" name="TextBox 13">
+            <a:extLst>
+              <a:ext uri="{FF2B5EF4-FFF2-40B4-BE49-F238E27FC236}">
+                <a16:creationId xmlns:a16="http://schemas.microsoft.com/office/drawing/2014/main" id="{0365DFC9-EDD0-42DE-AA54-7A9BBF7DE47B}"/>
+              </a:ext>
+            </a:extLst>
+          </p:cNvPr>
+          <p:cNvSpPr txBox="1"/>
+          <p:nvPr/>
+        </p:nvSpPr>
+        <p:spPr>
+          <a:xfrm>
+            <a:off x="6162861" y="2677596"/>
+            <a:ext cx="639919" cy="369332"/>
+          </a:xfrm>
+          <a:prstGeom prst="rect">
+            <a:avLst/>
+          </a:prstGeom>
+          <a:noFill/>
+        </p:spPr>
+        <p:txBody>
+          <a:bodyPr wrap="none" rtlCol="0">
+            <a:spAutoFit/>
+          </a:bodyPr>
+          <a:lstStyle/>
+          <a:p>
+            <a:r>
+              <a:rPr lang="en-US" dirty="0"/>
+              <a:t>(x, y)</a:t>
+            </a:r>
+          </a:p>
+        </p:txBody>
+      </p:sp>
+      <p:sp>
+        <p:nvSpPr>
+          <p:cNvPr id="15" name="TextBox 14">
+            <a:extLst>
+              <a:ext uri="{FF2B5EF4-FFF2-40B4-BE49-F238E27FC236}">
+                <a16:creationId xmlns:a16="http://schemas.microsoft.com/office/drawing/2014/main" id="{481A4D35-DF97-4F08-AF55-817DF5229952}"/>
+              </a:ext>
+            </a:extLst>
+          </p:cNvPr>
+          <p:cNvSpPr txBox="1"/>
+          <p:nvPr/>
+        </p:nvSpPr>
+        <p:spPr>
+          <a:xfrm>
+            <a:off x="1554935" y="5021031"/>
+            <a:ext cx="1786130" cy="646331"/>
+          </a:xfrm>
+          <a:prstGeom prst="rect">
+            <a:avLst/>
+          </a:prstGeom>
+          <a:noFill/>
+        </p:spPr>
+        <p:txBody>
+          <a:bodyPr wrap="none" rtlCol="0">
+            <a:spAutoFit/>
+          </a:bodyPr>
+          <a:lstStyle/>
+          <a:p>
+            <a:r>
+              <a:rPr lang="en-US" dirty="0"/>
+              <a:t>x = x0 + </a:t>
+            </a:r>
+            <a:r>
+              <a:rPr lang="en-US" dirty="0" err="1"/>
+              <a:t>xMargin</a:t>
+            </a:r>
+            <a:endParaRPr lang="en-US" dirty="0"/>
+          </a:p>
+          <a:p>
+            <a:r>
+              <a:rPr lang="en-US" dirty="0"/>
+              <a:t>Y = y0 + </a:t>
+            </a:r>
+            <a:r>
+              <a:rPr lang="en-US" dirty="0" err="1"/>
+              <a:t>yMargin</a:t>
+            </a:r>
+            <a:r>
+              <a:rPr lang="en-US" dirty="0"/>
+              <a:t> </a:t>
+            </a:r>
+          </a:p>
+        </p:txBody>
+      </p:sp>
+      <p:sp>
+        <p:nvSpPr>
+          <p:cNvPr id="16" name="TextBox 15">
+            <a:extLst>
+              <a:ext uri="{FF2B5EF4-FFF2-40B4-BE49-F238E27FC236}">
+                <a16:creationId xmlns:a16="http://schemas.microsoft.com/office/drawing/2014/main" id="{D5BD89A8-3046-46F2-92F4-7FE041FE699F}"/>
+              </a:ext>
+            </a:extLst>
+          </p:cNvPr>
+          <p:cNvSpPr txBox="1"/>
+          <p:nvPr/>
+        </p:nvSpPr>
+        <p:spPr>
+          <a:xfrm>
+            <a:off x="5599694" y="3041341"/>
+            <a:ext cx="952568" cy="369332"/>
+          </a:xfrm>
+          <a:prstGeom prst="rect">
+            <a:avLst/>
+          </a:prstGeom>
+          <a:noFill/>
+        </p:spPr>
+        <p:txBody>
+          <a:bodyPr wrap="none" rtlCol="0">
+            <a:spAutoFit/>
+          </a:bodyPr>
+          <a:lstStyle/>
+          <a:p>
+            <a:r>
+              <a:rPr lang="en-US" dirty="0" err="1"/>
+              <a:t>xMargin</a:t>
+            </a:r>
+            <a:endParaRPr lang="en-US" dirty="0"/>
+          </a:p>
+        </p:txBody>
+      </p:sp>
+      <p:sp>
+        <p:nvSpPr>
+          <p:cNvPr id="17" name="TextBox 16">
+            <a:extLst>
+              <a:ext uri="{FF2B5EF4-FFF2-40B4-BE49-F238E27FC236}">
+                <a16:creationId xmlns:a16="http://schemas.microsoft.com/office/drawing/2014/main" id="{90D88CB9-6D3F-4EE7-8514-B389E61DA9CD}"/>
+              </a:ext>
+            </a:extLst>
+          </p:cNvPr>
+          <p:cNvSpPr txBox="1"/>
+          <p:nvPr/>
+        </p:nvSpPr>
+        <p:spPr>
+          <a:xfrm>
+            <a:off x="6802780" y="2286932"/>
+            <a:ext cx="952568" cy="369332"/>
+          </a:xfrm>
+          <a:prstGeom prst="rect">
+            <a:avLst/>
+          </a:prstGeom>
+          <a:noFill/>
+        </p:spPr>
+        <p:txBody>
+          <a:bodyPr wrap="none" rtlCol="0">
+            <a:spAutoFit/>
+          </a:bodyPr>
+          <a:lstStyle/>
+          <a:p>
+            <a:r>
+              <a:rPr lang="en-US" dirty="0" err="1"/>
+              <a:t>yMargin</a:t>
+            </a:r>
+            <a:endParaRPr lang="en-US" dirty="0"/>
+          </a:p>
+        </p:txBody>
+      </p:sp>
+      <p:cxnSp>
+        <p:nvCxnSpPr>
+          <p:cNvPr id="18" name="Straight Arrow Connector 17">
+            <a:extLst>
+              <a:ext uri="{FF2B5EF4-FFF2-40B4-BE49-F238E27FC236}">
+                <a16:creationId xmlns:a16="http://schemas.microsoft.com/office/drawing/2014/main" id="{3052677D-BB64-4374-85BF-15428E165E83}"/>
+              </a:ext>
+            </a:extLst>
+          </p:cNvPr>
+          <p:cNvCxnSpPr>
+            <a:cxnSpLocks/>
+          </p:cNvCxnSpPr>
+          <p:nvPr/>
+        </p:nvCxnSpPr>
+        <p:spPr>
+          <a:xfrm>
+            <a:off x="6365850" y="1592036"/>
+            <a:ext cx="0" cy="403337"/>
+          </a:xfrm>
+          <a:prstGeom prst="straightConnector1">
+            <a:avLst/>
+          </a:prstGeom>
+          <a:ln>
+            <a:headEnd type="triangle"/>
+            <a:tailEnd type="triangle"/>
+          </a:ln>
+        </p:spPr>
+        <p:style>
+          <a:lnRef idx="3">
+            <a:schemeClr val="accent5"/>
+          </a:lnRef>
+          <a:fillRef idx="0">
+            <a:schemeClr val="accent5"/>
+          </a:fillRef>
+          <a:effectRef idx="2">
+            <a:schemeClr val="accent5"/>
+          </a:effectRef>
+          <a:fontRef idx="minor">
+            <a:schemeClr val="tx1"/>
+          </a:fontRef>
+        </p:style>
+      </p:cxnSp>
+      <p:sp>
+        <p:nvSpPr>
+          <p:cNvPr id="20" name="TextBox 19">
+            <a:extLst>
+              <a:ext uri="{FF2B5EF4-FFF2-40B4-BE49-F238E27FC236}">
+                <a16:creationId xmlns:a16="http://schemas.microsoft.com/office/drawing/2014/main" id="{3A249C3F-98FF-4E04-8E03-58BAB54DA279}"/>
+              </a:ext>
+            </a:extLst>
+          </p:cNvPr>
+          <p:cNvSpPr txBox="1"/>
+          <p:nvPr/>
+        </p:nvSpPr>
+        <p:spPr>
+          <a:xfrm>
+            <a:off x="6316246" y="1592036"/>
+            <a:ext cx="405880" cy="369332"/>
+          </a:xfrm>
+          <a:prstGeom prst="rect">
+            <a:avLst/>
+          </a:prstGeom>
+          <a:noFill/>
+        </p:spPr>
+        <p:txBody>
+          <a:bodyPr wrap="none" rtlCol="0">
+            <a:spAutoFit/>
+          </a:bodyPr>
+          <a:lstStyle/>
+          <a:p>
+            <a:r>
+              <a:rPr lang="en-US" dirty="0"/>
+              <a:t>y0</a:t>
+            </a:r>
+          </a:p>
+        </p:txBody>
+      </p:sp>
+      <p:sp>
+        <p:nvSpPr>
+          <p:cNvPr id="21" name="TextBox 20">
+            <a:extLst>
+              <a:ext uri="{FF2B5EF4-FFF2-40B4-BE49-F238E27FC236}">
+                <a16:creationId xmlns:a16="http://schemas.microsoft.com/office/drawing/2014/main" id="{6E0765D7-E39E-41AF-A4FE-B14B1D16E52E}"/>
+              </a:ext>
+            </a:extLst>
+          </p:cNvPr>
+          <p:cNvSpPr txBox="1"/>
+          <p:nvPr/>
+        </p:nvSpPr>
+        <p:spPr>
+          <a:xfrm>
+            <a:off x="2939993" y="3429000"/>
+            <a:ext cx="401072" cy="369332"/>
+          </a:xfrm>
+          <a:prstGeom prst="rect">
+            <a:avLst/>
+          </a:prstGeom>
+          <a:noFill/>
+        </p:spPr>
+        <p:txBody>
+          <a:bodyPr wrap="none" rtlCol="0">
+            <a:spAutoFit/>
+          </a:bodyPr>
+          <a:lstStyle/>
+          <a:p>
+            <a:r>
+              <a:rPr lang="en-US" dirty="0"/>
+              <a:t>x0</a:t>
+            </a:r>
+          </a:p>
+        </p:txBody>
+      </p:sp>
+      <p:cxnSp>
+        <p:nvCxnSpPr>
+          <p:cNvPr id="22" name="Straight Arrow Connector 21">
+            <a:extLst>
+              <a:ext uri="{FF2B5EF4-FFF2-40B4-BE49-F238E27FC236}">
+                <a16:creationId xmlns:a16="http://schemas.microsoft.com/office/drawing/2014/main" id="{48E73210-1AFF-4CE0-A18F-8BFC3C5562F1}"/>
+              </a:ext>
+            </a:extLst>
+          </p:cNvPr>
+          <p:cNvCxnSpPr>
+            <a:cxnSpLocks/>
+          </p:cNvCxnSpPr>
+          <p:nvPr/>
+        </p:nvCxnSpPr>
+        <p:spPr>
+          <a:xfrm>
+            <a:off x="759279" y="3578490"/>
+            <a:ext cx="4844143" cy="0"/>
+          </a:xfrm>
+          <a:prstGeom prst="straightConnector1">
+            <a:avLst/>
+          </a:prstGeom>
+          <a:ln>
+            <a:headEnd type="triangle"/>
+            <a:tailEnd type="triangle"/>
+          </a:ln>
+        </p:spPr>
+        <p:style>
+          <a:lnRef idx="3">
+            <a:schemeClr val="accent5"/>
+          </a:lnRef>
+          <a:fillRef idx="0">
+            <a:schemeClr val="accent5"/>
+          </a:fillRef>
+          <a:effectRef idx="2">
+            <a:schemeClr val="accent5"/>
+          </a:effectRef>
+          <a:fontRef idx="minor">
+            <a:schemeClr val="tx1"/>
+          </a:fontRef>
+        </p:style>
+      </p:cxnSp>
+    </p:spTree>
+    <p:extLst>
+      <p:ext uri="{BB962C8B-B14F-4D97-AF65-F5344CB8AC3E}">
+        <p14:creationId xmlns:p14="http://schemas.microsoft.com/office/powerpoint/2010/main" val="3646819106"/>
+      </p:ext>
+    </p:extLst>
+  </p:cSld>
+  <p:clrMapOvr>
+    <a:masterClrMapping/>
+  </p:clrMapOvr>
+</p:sld>
+</file>
+
+<file path=ppt/slides/slide36.xml><?xml version="1.0" encoding="utf-8"?>
+<p:sld xmlns:a="http://schemas.openxmlformats.org/drawingml/2006/main" xmlns:r="http://schemas.openxmlformats.org/officeDocument/2006/relationships" xmlns:p="http://schemas.openxmlformats.org/presentationml/2006/main">
+  <p:cSld>
+    <p:spTree>
+      <p:nvGrpSpPr>
+        <p:cNvPr id="1" name=""/>
+        <p:cNvGrpSpPr/>
+        <p:nvPr/>
+      </p:nvGrpSpPr>
+      <p:grpSpPr>
+        <a:xfrm>
+          <a:off x="0" y="0"/>
+          <a:ext cx="0" cy="0"/>
+          <a:chOff x="0" y="0"/>
+          <a:chExt cx="0" cy="0"/>
+        </a:xfrm>
+      </p:grpSpPr>
+      <p:sp>
+        <p:nvSpPr>
+          <p:cNvPr id="2" name="Title 1">
+            <a:extLst>
+              <a:ext uri="{FF2B5EF4-FFF2-40B4-BE49-F238E27FC236}">
+                <a16:creationId xmlns:a16="http://schemas.microsoft.com/office/drawing/2014/main" id="{154D31B1-7DE5-4278-9667-DB8660F92A12}"/>
+              </a:ext>
+            </a:extLst>
+          </p:cNvPr>
+          <p:cNvSpPr>
+            <a:spLocks noGrp="1"/>
+          </p:cNvSpPr>
+          <p:nvPr>
+            <p:ph type="title"/>
+          </p:nvPr>
+        </p:nvSpPr>
+        <p:spPr/>
+        <p:txBody>
+          <a:bodyPr/>
+          <a:lstStyle/>
+          <a:p>
+            <a:r>
+              <a:rPr lang="en-US" dirty="0"/>
+              <a:t>Color Flood</a:t>
+            </a:r>
+          </a:p>
+        </p:txBody>
+      </p:sp>
+      <p:pic>
+        <p:nvPicPr>
+          <p:cNvPr id="5" name="Picture 4">
+            <a:extLst>
+              <a:ext uri="{FF2B5EF4-FFF2-40B4-BE49-F238E27FC236}">
+                <a16:creationId xmlns:a16="http://schemas.microsoft.com/office/drawing/2014/main" id="{9B46F140-8FF7-47F3-A9C2-268961444D52}"/>
+              </a:ext>
+            </a:extLst>
+          </p:cNvPr>
+          <p:cNvPicPr>
+            <a:picLocks noChangeAspect="1"/>
+          </p:cNvPicPr>
+          <p:nvPr/>
+        </p:nvPicPr>
+        <p:blipFill>
+          <a:blip r:embed="rId2"/>
+          <a:stretch>
+            <a:fillRect/>
+          </a:stretch>
+        </p:blipFill>
+        <p:spPr>
+          <a:xfrm>
+            <a:off x="4285997" y="1690688"/>
+            <a:ext cx="3620005" cy="3943900"/>
+          </a:xfrm>
+          <a:prstGeom prst="rect">
+            <a:avLst/>
+          </a:prstGeom>
+        </p:spPr>
+      </p:pic>
+    </p:spTree>
+    <p:extLst>
+      <p:ext uri="{BB962C8B-B14F-4D97-AF65-F5344CB8AC3E}">
+        <p14:creationId xmlns:p14="http://schemas.microsoft.com/office/powerpoint/2010/main" val="602469067"/>
+      </p:ext>
+    </p:extLst>
+  </p:cSld>
+  <p:clrMapOvr>
+    <a:masterClrMapping/>
+  </p:clrMapOvr>
+</p:sld>
+</file>
+
+<file path=ppt/slides/slide37.xml><?xml version="1.0" encoding="utf-8"?>
+<p:sld xmlns:a="http://schemas.openxmlformats.org/drawingml/2006/main" xmlns:r="http://schemas.openxmlformats.org/officeDocument/2006/relationships" xmlns:p="http://schemas.openxmlformats.org/presentationml/2006/main">
+  <p:cSld>
+    <p:spTree>
+      <p:nvGrpSpPr>
+        <p:cNvPr id="1" name=""/>
+        <p:cNvGrpSpPr/>
+        <p:nvPr/>
+      </p:nvGrpSpPr>
+      <p:grpSpPr>
+        <a:xfrm>
+          <a:off x="0" y="0"/>
+          <a:ext cx="0" cy="0"/>
+          <a:chOff x="0" y="0"/>
+          <a:chExt cx="0" cy="0"/>
+        </a:xfrm>
+      </p:grpSpPr>
+      <p:sp>
+        <p:nvSpPr>
+          <p:cNvPr id="2" name="Title 1">
+            <a:extLst>
+              <a:ext uri="{FF2B5EF4-FFF2-40B4-BE49-F238E27FC236}">
+                <a16:creationId xmlns:a16="http://schemas.microsoft.com/office/drawing/2014/main" id="{05E194E7-5F62-4AA4-BF11-89AF8DCFE510}"/>
+              </a:ext>
+            </a:extLst>
+          </p:cNvPr>
+          <p:cNvSpPr>
+            <a:spLocks noGrp="1"/>
+          </p:cNvSpPr>
+          <p:nvPr>
+            <p:ph type="title"/>
+          </p:nvPr>
+        </p:nvSpPr>
+        <p:spPr/>
+        <p:txBody>
+          <a:bodyPr/>
+          <a:lstStyle/>
+          <a:p>
+            <a:r>
+              <a:rPr lang="en-US" dirty="0"/>
+              <a:t>High Level Design</a:t>
+            </a:r>
+          </a:p>
+        </p:txBody>
+      </p:sp>
+      <p:sp>
+        <p:nvSpPr>
+          <p:cNvPr id="4" name="Rectangle 3">
+            <a:extLst>
+              <a:ext uri="{FF2B5EF4-FFF2-40B4-BE49-F238E27FC236}">
+                <a16:creationId xmlns:a16="http://schemas.microsoft.com/office/drawing/2014/main" id="{945D1C21-455D-4176-9E4A-0082A3EBE70D}"/>
+              </a:ext>
+            </a:extLst>
+          </p:cNvPr>
+          <p:cNvSpPr/>
+          <p:nvPr/>
+        </p:nvSpPr>
+        <p:spPr>
+          <a:xfrm>
+            <a:off x="3866147" y="3031257"/>
+            <a:ext cx="2003005" cy="2181695"/>
+          </a:xfrm>
+          <a:prstGeom prst="rect">
+            <a:avLst/>
+          </a:prstGeom>
+        </p:spPr>
+        <p:style>
+          <a:lnRef idx="0">
+            <a:schemeClr val="accent5"/>
+          </a:lnRef>
+          <a:fillRef idx="3">
+            <a:schemeClr val="accent5"/>
+          </a:fillRef>
+          <a:effectRef idx="3">
+            <a:schemeClr val="accent5"/>
+          </a:effectRef>
+          <a:fontRef idx="minor">
+            <a:schemeClr val="lt1"/>
+          </a:fontRef>
+        </p:style>
+        <p:txBody>
+          <a:bodyPr rtlCol="0" anchor="t"/>
+          <a:lstStyle/>
+          <a:p>
+            <a:pPr algn="ctr"/>
+            <a:r>
+              <a:rPr lang="en-US" dirty="0"/>
+              <a:t>Color Flood Game</a:t>
+            </a:r>
+          </a:p>
+        </p:txBody>
+      </p:sp>
+      <p:sp>
+        <p:nvSpPr>
+          <p:cNvPr id="7" name="Rectangle 6">
+            <a:extLst>
+              <a:ext uri="{FF2B5EF4-FFF2-40B4-BE49-F238E27FC236}">
+                <a16:creationId xmlns:a16="http://schemas.microsoft.com/office/drawing/2014/main" id="{48ACDA44-71EA-479A-B2C4-CFA2D06F63B4}"/>
+              </a:ext>
+            </a:extLst>
+          </p:cNvPr>
+          <p:cNvSpPr/>
+          <p:nvPr/>
+        </p:nvSpPr>
+        <p:spPr>
+          <a:xfrm>
+            <a:off x="749721" y="2047100"/>
+            <a:ext cx="1564105" cy="1507514"/>
+          </a:xfrm>
+          <a:prstGeom prst="rect">
+            <a:avLst/>
+          </a:prstGeom>
+        </p:spPr>
+        <p:style>
+          <a:lnRef idx="0">
+            <a:schemeClr val="accent5"/>
+          </a:lnRef>
+          <a:fillRef idx="3">
+            <a:schemeClr val="accent5"/>
+          </a:fillRef>
+          <a:effectRef idx="3">
+            <a:schemeClr val="accent5"/>
+          </a:effectRef>
+          <a:fontRef idx="minor">
+            <a:schemeClr val="lt1"/>
+          </a:fontRef>
+        </p:style>
+        <p:txBody>
+          <a:bodyPr rtlCol="0" anchor="t"/>
+          <a:lstStyle/>
+          <a:p>
+            <a:pPr algn="ctr"/>
+            <a:r>
+              <a:rPr lang="en-US" dirty="0"/>
+              <a:t>Score Display</a:t>
+            </a:r>
+          </a:p>
+        </p:txBody>
+      </p:sp>
+      <p:sp>
+        <p:nvSpPr>
+          <p:cNvPr id="10" name="Rectangle 9">
+            <a:extLst>
+              <a:ext uri="{FF2B5EF4-FFF2-40B4-BE49-F238E27FC236}">
+                <a16:creationId xmlns:a16="http://schemas.microsoft.com/office/drawing/2014/main" id="{5E3AE72D-4A85-4BBC-B336-8B7F0E35A964}"/>
+              </a:ext>
+            </a:extLst>
+          </p:cNvPr>
+          <p:cNvSpPr/>
+          <p:nvPr/>
+        </p:nvSpPr>
+        <p:spPr>
+          <a:xfrm>
+            <a:off x="4581502" y="4399177"/>
+            <a:ext cx="1897503" cy="264695"/>
+          </a:xfrm>
+          <a:prstGeom prst="rect">
+            <a:avLst/>
+          </a:prstGeom>
+        </p:spPr>
+        <p:style>
+          <a:lnRef idx="1">
+            <a:schemeClr val="accent4"/>
+          </a:lnRef>
+          <a:fillRef idx="2">
+            <a:schemeClr val="accent4"/>
+          </a:fillRef>
+          <a:effectRef idx="1">
+            <a:schemeClr val="accent4"/>
+          </a:effectRef>
+          <a:fontRef idx="minor">
+            <a:schemeClr val="dk1"/>
+          </a:fontRef>
+        </p:style>
+        <p:txBody>
+          <a:bodyPr rtlCol="0" anchor="ctr"/>
+          <a:lstStyle/>
+          <a:p>
+            <a:pPr algn="ctr"/>
+            <a:r>
+              <a:rPr lang="en-US" sz="1400" dirty="0">
+                <a:solidFill>
+                  <a:schemeClr val="tx1">
+                    <a:lumMod val="65000"/>
+                    <a:lumOff val="35000"/>
+                  </a:schemeClr>
+                </a:solidFill>
+                <a:latin typeface="Consolas" panose="020B0609020204030204" pitchFamily="49" charset="0"/>
+              </a:rPr>
+              <a:t>flood()</a:t>
+            </a:r>
+          </a:p>
+        </p:txBody>
+      </p:sp>
+      <p:sp>
+        <p:nvSpPr>
+          <p:cNvPr id="12" name="Flowchart: Manual Input 11">
+            <a:extLst>
+              <a:ext uri="{FF2B5EF4-FFF2-40B4-BE49-F238E27FC236}">
+                <a16:creationId xmlns:a16="http://schemas.microsoft.com/office/drawing/2014/main" id="{3C112C70-84C1-4F8D-9D34-4EA2892FE961}"/>
+              </a:ext>
+            </a:extLst>
+          </p:cNvPr>
+          <p:cNvSpPr/>
+          <p:nvPr/>
+        </p:nvSpPr>
+        <p:spPr>
+          <a:xfrm>
+            <a:off x="5464113" y="5495088"/>
+            <a:ext cx="2454671" cy="641684"/>
+          </a:xfrm>
+          <a:prstGeom prst="flowChartManualInput">
+            <a:avLst/>
+          </a:prstGeom>
+        </p:spPr>
+        <p:style>
+          <a:lnRef idx="2">
+            <a:schemeClr val="accent4"/>
+          </a:lnRef>
+          <a:fillRef idx="1">
+            <a:schemeClr val="lt1"/>
+          </a:fillRef>
+          <a:effectRef idx="0">
+            <a:schemeClr val="accent4"/>
+          </a:effectRef>
+          <a:fontRef idx="minor">
+            <a:schemeClr val="dk1"/>
+          </a:fontRef>
+        </p:style>
+        <p:txBody>
+          <a:bodyPr rtlCol="0" anchor="ctr"/>
+          <a:lstStyle/>
+          <a:p>
+            <a:pPr algn="ctr"/>
+            <a:r>
+              <a:rPr lang="en-US" dirty="0"/>
+              <a:t>Mouse</a:t>
+            </a:r>
+          </a:p>
+        </p:txBody>
+      </p:sp>
+      <p:cxnSp>
+        <p:nvCxnSpPr>
+          <p:cNvPr id="13" name="Connector: Elbow 12">
+            <a:extLst>
+              <a:ext uri="{FF2B5EF4-FFF2-40B4-BE49-F238E27FC236}">
+                <a16:creationId xmlns:a16="http://schemas.microsoft.com/office/drawing/2014/main" id="{9B28BB5A-DE3C-4548-B82D-C951DC4D6395}"/>
+              </a:ext>
+            </a:extLst>
+          </p:cNvPr>
+          <p:cNvCxnSpPr>
+            <a:cxnSpLocks/>
+            <a:stCxn id="12" idx="0"/>
+            <a:endCxn id="10" idx="3"/>
+          </p:cNvCxnSpPr>
+          <p:nvPr/>
+        </p:nvCxnSpPr>
+        <p:spPr>
+          <a:xfrm rot="16200000" flipV="1">
+            <a:off x="6071362" y="4939169"/>
+            <a:ext cx="1027731" cy="212444"/>
+          </a:xfrm>
+          <a:prstGeom prst="bentConnector2">
+            <a:avLst/>
+          </a:prstGeom>
+          <a:ln>
+            <a:tailEnd type="triangle"/>
+          </a:ln>
+        </p:spPr>
+        <p:style>
+          <a:lnRef idx="2">
+            <a:schemeClr val="accent4"/>
+          </a:lnRef>
+          <a:fillRef idx="0">
+            <a:schemeClr val="accent4"/>
+          </a:fillRef>
+          <a:effectRef idx="1">
+            <a:schemeClr val="accent4"/>
+          </a:effectRef>
+          <a:fontRef idx="minor">
+            <a:schemeClr val="tx1"/>
+          </a:fontRef>
+        </p:style>
+      </p:cxnSp>
+      <p:sp>
+        <p:nvSpPr>
+          <p:cNvPr id="16" name="Rectangle 15">
+            <a:extLst>
+              <a:ext uri="{FF2B5EF4-FFF2-40B4-BE49-F238E27FC236}">
+                <a16:creationId xmlns:a16="http://schemas.microsoft.com/office/drawing/2014/main" id="{CFFC77F2-108E-4BEF-AC1F-B569C59715EC}"/>
+              </a:ext>
+            </a:extLst>
+          </p:cNvPr>
+          <p:cNvSpPr/>
+          <p:nvPr/>
+        </p:nvSpPr>
+        <p:spPr>
+          <a:xfrm>
+            <a:off x="1005890" y="2766562"/>
+            <a:ext cx="2166694" cy="264695"/>
+          </a:xfrm>
+          <a:prstGeom prst="rect">
+            <a:avLst/>
+          </a:prstGeom>
+        </p:spPr>
+        <p:style>
+          <a:lnRef idx="1">
+            <a:schemeClr val="accent4"/>
+          </a:lnRef>
+          <a:fillRef idx="2">
+            <a:schemeClr val="accent4"/>
+          </a:fillRef>
+          <a:effectRef idx="1">
+            <a:schemeClr val="accent4"/>
+          </a:effectRef>
+          <a:fontRef idx="minor">
+            <a:schemeClr val="dk1"/>
+          </a:fontRef>
+        </p:style>
+        <p:txBody>
+          <a:bodyPr rtlCol="0" anchor="ctr"/>
+          <a:lstStyle/>
+          <a:p>
+            <a:pPr algn="ctr"/>
+            <a:r>
+              <a:rPr lang="en-US" sz="1400" dirty="0">
+                <a:solidFill>
+                  <a:schemeClr val="tx1">
+                    <a:lumMod val="65000"/>
+                    <a:lumOff val="35000"/>
+                  </a:schemeClr>
+                </a:solidFill>
+                <a:latin typeface="Consolas" panose="020B0609020204030204" pitchFamily="49" charset="0"/>
+              </a:rPr>
+              <a:t>update(steps)</a:t>
+            </a:r>
+          </a:p>
+        </p:txBody>
+      </p:sp>
+      <p:cxnSp>
+        <p:nvCxnSpPr>
+          <p:cNvPr id="17" name="Connector: Elbow 16">
+            <a:extLst>
+              <a:ext uri="{FF2B5EF4-FFF2-40B4-BE49-F238E27FC236}">
+                <a16:creationId xmlns:a16="http://schemas.microsoft.com/office/drawing/2014/main" id="{12DFB52A-808F-41DF-80C9-76A3E843DDE6}"/>
+              </a:ext>
+            </a:extLst>
+          </p:cNvPr>
+          <p:cNvCxnSpPr>
+            <a:cxnSpLocks/>
+            <a:stCxn id="4" idx="1"/>
+            <a:endCxn id="16" idx="3"/>
+          </p:cNvCxnSpPr>
+          <p:nvPr/>
+        </p:nvCxnSpPr>
+        <p:spPr>
+          <a:xfrm rot="10800000">
+            <a:off x="3172585" y="2898911"/>
+            <a:ext cx="693563" cy="1223195"/>
+          </a:xfrm>
+          <a:prstGeom prst="bentConnector3">
+            <a:avLst>
+              <a:gd name="adj1" fmla="val 50000"/>
+            </a:avLst>
+          </a:prstGeom>
+          <a:ln>
+            <a:tailEnd type="triangle"/>
+          </a:ln>
+        </p:spPr>
+        <p:style>
+          <a:lnRef idx="2">
+            <a:schemeClr val="accent4"/>
+          </a:lnRef>
+          <a:fillRef idx="0">
+            <a:schemeClr val="accent4"/>
+          </a:fillRef>
+          <a:effectRef idx="1">
+            <a:schemeClr val="accent4"/>
+          </a:effectRef>
+          <a:fontRef idx="minor">
+            <a:schemeClr val="tx1"/>
+          </a:fontRef>
+        </p:style>
+      </p:cxnSp>
+      <p:sp>
+        <p:nvSpPr>
+          <p:cNvPr id="38" name="Hexagon 37">
+            <a:extLst>
+              <a:ext uri="{FF2B5EF4-FFF2-40B4-BE49-F238E27FC236}">
+                <a16:creationId xmlns:a16="http://schemas.microsoft.com/office/drawing/2014/main" id="{4637F3A8-8D8D-4493-ABCE-C8B5B93F9774}"/>
+              </a:ext>
+            </a:extLst>
+          </p:cNvPr>
+          <p:cNvSpPr/>
+          <p:nvPr/>
+        </p:nvSpPr>
+        <p:spPr>
+          <a:xfrm>
+            <a:off x="8917405" y="1057201"/>
+            <a:ext cx="1291390" cy="571249"/>
+          </a:xfrm>
+          <a:prstGeom prst="hexagon">
+            <a:avLst/>
+          </a:prstGeom>
+        </p:spPr>
+        <p:style>
+          <a:lnRef idx="0">
+            <a:schemeClr val="accent4"/>
+          </a:lnRef>
+          <a:fillRef idx="3">
+            <a:schemeClr val="accent4"/>
+          </a:fillRef>
+          <a:effectRef idx="3">
+            <a:schemeClr val="accent4"/>
+          </a:effectRef>
+          <a:fontRef idx="minor">
+            <a:schemeClr val="lt1"/>
+          </a:fontRef>
+        </p:style>
+        <p:txBody>
+          <a:bodyPr rtlCol="0" anchor="ctr"/>
+          <a:lstStyle/>
+          <a:p>
+            <a:pPr algn="ctr"/>
+            <a:r>
+              <a:rPr lang="en-US" dirty="0"/>
+              <a:t>Ready</a:t>
+            </a:r>
+          </a:p>
+        </p:txBody>
+      </p:sp>
+      <p:sp>
+        <p:nvSpPr>
+          <p:cNvPr id="39" name="Rectangle: Rounded Corners 38">
+            <a:extLst>
+              <a:ext uri="{FF2B5EF4-FFF2-40B4-BE49-F238E27FC236}">
+                <a16:creationId xmlns:a16="http://schemas.microsoft.com/office/drawing/2014/main" id="{593C5D28-61D6-4751-8760-7FB81948A813}"/>
+              </a:ext>
+            </a:extLst>
+          </p:cNvPr>
+          <p:cNvSpPr/>
+          <p:nvPr/>
+        </p:nvSpPr>
+        <p:spPr>
+          <a:xfrm>
+            <a:off x="8917405" y="2613285"/>
+            <a:ext cx="1291390" cy="571249"/>
+          </a:xfrm>
+          <a:prstGeom prst="roundRect">
+            <a:avLst/>
+          </a:prstGeom>
+        </p:spPr>
+        <p:style>
+          <a:lnRef idx="0">
+            <a:schemeClr val="accent4"/>
+          </a:lnRef>
+          <a:fillRef idx="3">
+            <a:schemeClr val="accent4"/>
+          </a:fillRef>
+          <a:effectRef idx="3">
+            <a:schemeClr val="accent4"/>
+          </a:effectRef>
+          <a:fontRef idx="minor">
+            <a:schemeClr val="lt1"/>
+          </a:fontRef>
+        </p:style>
+        <p:txBody>
+          <a:bodyPr rtlCol="0" anchor="ctr"/>
+          <a:lstStyle/>
+          <a:p>
+            <a:pPr algn="ctr"/>
+            <a:r>
+              <a:rPr lang="en-US" dirty="0"/>
+              <a:t>Active</a:t>
+            </a:r>
+          </a:p>
+        </p:txBody>
+      </p:sp>
+      <p:cxnSp>
+        <p:nvCxnSpPr>
+          <p:cNvPr id="40" name="Straight Arrow Connector 39">
+            <a:extLst>
+              <a:ext uri="{FF2B5EF4-FFF2-40B4-BE49-F238E27FC236}">
+                <a16:creationId xmlns:a16="http://schemas.microsoft.com/office/drawing/2014/main" id="{656FCEB9-2BB5-4099-9BEB-95F3FE1928FE}"/>
+              </a:ext>
+            </a:extLst>
+          </p:cNvPr>
+          <p:cNvCxnSpPr>
+            <a:cxnSpLocks/>
+            <a:endCxn id="39" idx="0"/>
+          </p:cNvCxnSpPr>
+          <p:nvPr/>
+        </p:nvCxnSpPr>
+        <p:spPr>
+          <a:xfrm>
+            <a:off x="9563100" y="1628450"/>
+            <a:ext cx="0" cy="984835"/>
+          </a:xfrm>
+          <a:prstGeom prst="straightConnector1">
+            <a:avLst/>
+          </a:prstGeom>
+          <a:ln>
+            <a:tailEnd type="triangle"/>
+          </a:ln>
+        </p:spPr>
+        <p:style>
+          <a:lnRef idx="3">
+            <a:schemeClr val="accent1"/>
+          </a:lnRef>
+          <a:fillRef idx="0">
+            <a:schemeClr val="accent1"/>
+          </a:fillRef>
+          <a:effectRef idx="2">
+            <a:schemeClr val="accent1"/>
+          </a:effectRef>
+          <a:fontRef idx="minor">
+            <a:schemeClr val="tx1"/>
+          </a:fontRef>
+        </p:style>
+      </p:cxnSp>
+      <p:sp>
+        <p:nvSpPr>
+          <p:cNvPr id="46" name="Arrow: Pentagon 45">
+            <a:extLst>
+              <a:ext uri="{FF2B5EF4-FFF2-40B4-BE49-F238E27FC236}">
+                <a16:creationId xmlns:a16="http://schemas.microsoft.com/office/drawing/2014/main" id="{646C8994-E4A4-4C96-A0DA-600729174BE4}"/>
+              </a:ext>
+            </a:extLst>
+          </p:cNvPr>
+          <p:cNvSpPr/>
+          <p:nvPr/>
+        </p:nvSpPr>
+        <p:spPr>
+          <a:xfrm>
+            <a:off x="9129965" y="1854970"/>
+            <a:ext cx="898343" cy="288024"/>
+          </a:xfrm>
+          <a:prstGeom prst="homePlate">
+            <a:avLst/>
+          </a:prstGeom>
+        </p:spPr>
+        <p:style>
+          <a:lnRef idx="0">
+            <a:schemeClr val="accent5"/>
+          </a:lnRef>
+          <a:fillRef idx="3">
+            <a:schemeClr val="accent5"/>
+          </a:fillRef>
+          <a:effectRef idx="3">
+            <a:schemeClr val="accent5"/>
+          </a:effectRef>
+          <a:fontRef idx="minor">
+            <a:schemeClr val="lt1"/>
+          </a:fontRef>
+        </p:style>
+        <p:txBody>
+          <a:bodyPr rtlCol="0" anchor="ctr"/>
+          <a:lstStyle/>
+          <a:p>
+            <a:pPr algn="ctr"/>
+            <a:r>
+              <a:rPr lang="en-US" sz="1600" dirty="0"/>
+              <a:t>restart</a:t>
+            </a:r>
+          </a:p>
+        </p:txBody>
+      </p:sp>
+      <p:sp>
+        <p:nvSpPr>
+          <p:cNvPr id="52" name="Rectangle 51">
+            <a:extLst>
+              <a:ext uri="{FF2B5EF4-FFF2-40B4-BE49-F238E27FC236}">
+                <a16:creationId xmlns:a16="http://schemas.microsoft.com/office/drawing/2014/main" id="{F77CFEC8-415F-4087-8EAD-59CA873B28ED}"/>
+              </a:ext>
+            </a:extLst>
+          </p:cNvPr>
+          <p:cNvSpPr/>
+          <p:nvPr/>
+        </p:nvSpPr>
+        <p:spPr>
+          <a:xfrm>
+            <a:off x="4581502" y="3857409"/>
+            <a:ext cx="1897503" cy="264695"/>
+          </a:xfrm>
+          <a:prstGeom prst="rect">
+            <a:avLst/>
+          </a:prstGeom>
+        </p:spPr>
+        <p:style>
+          <a:lnRef idx="1">
+            <a:schemeClr val="accent4"/>
+          </a:lnRef>
+          <a:fillRef idx="2">
+            <a:schemeClr val="accent4"/>
+          </a:fillRef>
+          <a:effectRef idx="1">
+            <a:schemeClr val="accent4"/>
+          </a:effectRef>
+          <a:fontRef idx="minor">
+            <a:schemeClr val="dk1"/>
+          </a:fontRef>
+        </p:style>
+        <p:txBody>
+          <a:bodyPr rtlCol="0" anchor="ctr"/>
+          <a:lstStyle/>
+          <a:p>
+            <a:pPr algn="ctr"/>
+            <a:r>
+              <a:rPr lang="en-US" sz="1400" dirty="0">
+                <a:solidFill>
+                  <a:schemeClr val="tx1">
+                    <a:lumMod val="65000"/>
+                    <a:lumOff val="35000"/>
+                  </a:schemeClr>
+                </a:solidFill>
+                <a:latin typeface="Consolas" panose="020B0609020204030204" pitchFamily="49" charset="0"/>
+              </a:rPr>
+              <a:t>restart()</a:t>
+            </a:r>
+          </a:p>
+        </p:txBody>
+      </p:sp>
+      <p:cxnSp>
+        <p:nvCxnSpPr>
+          <p:cNvPr id="53" name="Connector: Elbow 52">
+            <a:extLst>
+              <a:ext uri="{FF2B5EF4-FFF2-40B4-BE49-F238E27FC236}">
+                <a16:creationId xmlns:a16="http://schemas.microsoft.com/office/drawing/2014/main" id="{6D7CBC57-610B-4167-B4AD-487971FC017E}"/>
+              </a:ext>
+            </a:extLst>
+          </p:cNvPr>
+          <p:cNvCxnSpPr>
+            <a:cxnSpLocks/>
+            <a:stCxn id="12" idx="0"/>
+            <a:endCxn id="52" idx="3"/>
+          </p:cNvCxnSpPr>
+          <p:nvPr/>
+        </p:nvCxnSpPr>
+        <p:spPr>
+          <a:xfrm rot="16200000" flipV="1">
+            <a:off x="5800478" y="4668285"/>
+            <a:ext cx="1569499" cy="212444"/>
+          </a:xfrm>
+          <a:prstGeom prst="bentConnector2">
+            <a:avLst/>
+          </a:prstGeom>
+          <a:ln>
+            <a:tailEnd type="triangle"/>
+          </a:ln>
+        </p:spPr>
+        <p:style>
+          <a:lnRef idx="2">
+            <a:schemeClr val="accent4"/>
+          </a:lnRef>
+          <a:fillRef idx="0">
+            <a:schemeClr val="accent4"/>
+          </a:fillRef>
+          <a:effectRef idx="1">
+            <a:schemeClr val="accent4"/>
+          </a:effectRef>
+          <a:fontRef idx="minor">
+            <a:schemeClr val="tx1"/>
+          </a:fontRef>
+        </p:style>
+      </p:cxnSp>
+      <p:cxnSp>
+        <p:nvCxnSpPr>
+          <p:cNvPr id="59" name="Straight Arrow Connector 58">
+            <a:extLst>
+              <a:ext uri="{FF2B5EF4-FFF2-40B4-BE49-F238E27FC236}">
+                <a16:creationId xmlns:a16="http://schemas.microsoft.com/office/drawing/2014/main" id="{06EDA591-8F23-4E5D-8A1D-16CF984CB4E8}"/>
+              </a:ext>
+            </a:extLst>
+          </p:cNvPr>
+          <p:cNvCxnSpPr>
+            <a:cxnSpLocks/>
+            <a:stCxn id="39" idx="1"/>
+          </p:cNvCxnSpPr>
+          <p:nvPr/>
+        </p:nvCxnSpPr>
+        <p:spPr>
+          <a:xfrm rot="10800000" flipH="1">
+            <a:off x="8917404" y="2255474"/>
+            <a:ext cx="645695" cy="643436"/>
+          </a:xfrm>
+          <a:prstGeom prst="bentConnector3">
+            <a:avLst>
+              <a:gd name="adj1" fmla="val -90062"/>
+            </a:avLst>
+          </a:prstGeom>
+          <a:ln>
+            <a:tailEnd type="triangle"/>
+          </a:ln>
+        </p:spPr>
+        <p:style>
+          <a:lnRef idx="3">
+            <a:schemeClr val="accent1"/>
+          </a:lnRef>
+          <a:fillRef idx="0">
+            <a:schemeClr val="accent1"/>
+          </a:fillRef>
+          <a:effectRef idx="2">
+            <a:schemeClr val="accent1"/>
+          </a:effectRef>
+          <a:fontRef idx="minor">
+            <a:schemeClr val="tx1"/>
+          </a:fontRef>
+        </p:style>
+      </p:cxnSp>
+      <p:sp>
+        <p:nvSpPr>
+          <p:cNvPr id="62" name="Arrow: Pentagon 61">
+            <a:extLst>
+              <a:ext uri="{FF2B5EF4-FFF2-40B4-BE49-F238E27FC236}">
+                <a16:creationId xmlns:a16="http://schemas.microsoft.com/office/drawing/2014/main" id="{8E21A4AD-D815-4A95-BD7F-A5391420869E}"/>
+              </a:ext>
+            </a:extLst>
+          </p:cNvPr>
+          <p:cNvSpPr/>
+          <p:nvPr/>
+        </p:nvSpPr>
+        <p:spPr>
+          <a:xfrm>
+            <a:off x="7918784" y="2107159"/>
+            <a:ext cx="898343" cy="288024"/>
+          </a:xfrm>
+          <a:prstGeom prst="homePlate">
+            <a:avLst/>
+          </a:prstGeom>
+        </p:spPr>
+        <p:style>
+          <a:lnRef idx="0">
+            <a:schemeClr val="accent5"/>
+          </a:lnRef>
+          <a:fillRef idx="3">
+            <a:schemeClr val="accent5"/>
+          </a:fillRef>
+          <a:effectRef idx="3">
+            <a:schemeClr val="accent5"/>
+          </a:effectRef>
+          <a:fontRef idx="minor">
+            <a:schemeClr val="lt1"/>
+          </a:fontRef>
+        </p:style>
+        <p:txBody>
+          <a:bodyPr rtlCol="0" anchor="ctr"/>
+          <a:lstStyle/>
+          <a:p>
+            <a:pPr algn="ctr"/>
+            <a:r>
+              <a:rPr lang="en-US" sz="1600" dirty="0"/>
+              <a:t>restart</a:t>
+            </a:r>
+          </a:p>
+        </p:txBody>
+      </p:sp>
+    </p:spTree>
+    <p:extLst>
+      <p:ext uri="{BB962C8B-B14F-4D97-AF65-F5344CB8AC3E}">
+        <p14:creationId xmlns:p14="http://schemas.microsoft.com/office/powerpoint/2010/main" val="2078989159"/>
+      </p:ext>
+    </p:extLst>
+  </p:cSld>
+  <p:clrMapOvr>
+    <a:masterClrMapping/>
+  </p:clrMapOvr>
+</p:sld>
+</file>
+
+<file path=ppt/slides/slide38.xml><?xml version="1.0" encoding="utf-8"?>
+<p:sld xmlns:a="http://schemas.openxmlformats.org/drawingml/2006/main" xmlns:r="http://schemas.openxmlformats.org/officeDocument/2006/relationships" xmlns:p="http://schemas.openxmlformats.org/presentationml/2006/main">
+  <p:cSld>
+    <p:spTree>
+      <p:nvGrpSpPr>
+        <p:cNvPr id="1" name=""/>
+        <p:cNvGrpSpPr/>
+        <p:nvPr/>
+      </p:nvGrpSpPr>
+      <p:grpSpPr>
+        <a:xfrm>
+          <a:off x="0" y="0"/>
+          <a:ext cx="0" cy="0"/>
+          <a:chOff x="0" y="0"/>
+          <a:chExt cx="0" cy="0"/>
+        </a:xfrm>
+      </p:grpSpPr>
+      <p:sp>
+        <p:nvSpPr>
+          <p:cNvPr id="2" name="Title 1">
+            <a:extLst>
+              <a:ext uri="{FF2B5EF4-FFF2-40B4-BE49-F238E27FC236}">
+                <a16:creationId xmlns:a16="http://schemas.microsoft.com/office/drawing/2014/main" id="{D9D756F6-4418-47B3-BC14-5115BFF487E5}"/>
+              </a:ext>
+            </a:extLst>
+          </p:cNvPr>
+          <p:cNvSpPr>
+            <a:spLocks noGrp="1"/>
+          </p:cNvSpPr>
+          <p:nvPr>
+            <p:ph type="title"/>
+          </p:nvPr>
+        </p:nvSpPr>
+        <p:spPr/>
+        <p:txBody>
+          <a:bodyPr/>
+          <a:lstStyle/>
+          <a:p>
+            <a:r>
+              <a:rPr lang="en-US" dirty="0"/>
+              <a:t>Flooding a grid from a starting point</a:t>
+            </a:r>
+          </a:p>
+        </p:txBody>
+      </p:sp>
+      <p:sp>
+        <p:nvSpPr>
+          <p:cNvPr id="4" name="Rectangle 3">
+            <a:extLst>
+              <a:ext uri="{FF2B5EF4-FFF2-40B4-BE49-F238E27FC236}">
+                <a16:creationId xmlns:a16="http://schemas.microsoft.com/office/drawing/2014/main" id="{06E03279-398A-4D14-BBCF-3FB9B26F9FC5}"/>
+              </a:ext>
+            </a:extLst>
+          </p:cNvPr>
+          <p:cNvSpPr/>
+          <p:nvPr/>
+        </p:nvSpPr>
+        <p:spPr>
+          <a:xfrm>
+            <a:off x="3173176" y="3317313"/>
+            <a:ext cx="721895" cy="673768"/>
+          </a:xfrm>
+          <a:prstGeom prst="rect">
+            <a:avLst/>
+          </a:prstGeom>
+        </p:spPr>
+        <p:style>
+          <a:lnRef idx="2">
+            <a:schemeClr val="accent4">
+              <a:shade val="50000"/>
+            </a:schemeClr>
+          </a:lnRef>
+          <a:fillRef idx="1">
+            <a:schemeClr val="accent4"/>
+          </a:fillRef>
+          <a:effectRef idx="0">
+            <a:schemeClr val="accent4"/>
+          </a:effectRef>
+          <a:fontRef idx="minor">
+            <a:schemeClr val="lt1"/>
+          </a:fontRef>
+        </p:style>
+        <p:txBody>
+          <a:bodyPr wrap="none" rtlCol="0" anchor="ctr"/>
+          <a:lstStyle/>
+          <a:p>
+            <a:pPr algn="ctr"/>
+            <a:r>
+              <a:rPr lang="en-US" dirty="0" err="1"/>
+              <a:t>x,y</a:t>
+            </a:r>
+            <a:endParaRPr lang="en-US" dirty="0"/>
+          </a:p>
+        </p:txBody>
+      </p:sp>
+      <p:sp>
+        <p:nvSpPr>
+          <p:cNvPr id="6" name="Rectangle 5">
+            <a:extLst>
+              <a:ext uri="{FF2B5EF4-FFF2-40B4-BE49-F238E27FC236}">
+                <a16:creationId xmlns:a16="http://schemas.microsoft.com/office/drawing/2014/main" id="{5D99CD63-858A-48ED-822F-43CD058D718A}"/>
+              </a:ext>
+            </a:extLst>
+          </p:cNvPr>
+          <p:cNvSpPr/>
+          <p:nvPr/>
+        </p:nvSpPr>
+        <p:spPr>
+          <a:xfrm>
+            <a:off x="3173173" y="2184590"/>
+            <a:ext cx="721895" cy="673768"/>
+          </a:xfrm>
+          <a:prstGeom prst="rect">
+            <a:avLst/>
+          </a:prstGeom>
+        </p:spPr>
+        <p:style>
+          <a:lnRef idx="2">
+            <a:schemeClr val="accent4">
+              <a:shade val="50000"/>
+            </a:schemeClr>
+          </a:lnRef>
+          <a:fillRef idx="1">
+            <a:schemeClr val="accent4"/>
+          </a:fillRef>
+          <a:effectRef idx="0">
+            <a:schemeClr val="accent4"/>
+          </a:effectRef>
+          <a:fontRef idx="minor">
+            <a:schemeClr val="lt1"/>
+          </a:fontRef>
+        </p:style>
+        <p:txBody>
+          <a:bodyPr wrap="none" rtlCol="0" anchor="ctr"/>
+          <a:lstStyle/>
+          <a:p>
+            <a:pPr algn="ctr"/>
+            <a:r>
+              <a:rPr lang="en-US" dirty="0"/>
+              <a:t>x,y-1</a:t>
+            </a:r>
+          </a:p>
+        </p:txBody>
+      </p:sp>
+      <p:sp>
+        <p:nvSpPr>
+          <p:cNvPr id="7" name="Rectangle 6">
+            <a:extLst>
+              <a:ext uri="{FF2B5EF4-FFF2-40B4-BE49-F238E27FC236}">
+                <a16:creationId xmlns:a16="http://schemas.microsoft.com/office/drawing/2014/main" id="{D1C36741-DE22-44B1-8B28-1C4E5467EA57}"/>
+              </a:ext>
+            </a:extLst>
+          </p:cNvPr>
+          <p:cNvSpPr/>
+          <p:nvPr/>
+        </p:nvSpPr>
+        <p:spPr>
+          <a:xfrm>
+            <a:off x="3173174" y="4484983"/>
+            <a:ext cx="721895" cy="673768"/>
+          </a:xfrm>
+          <a:prstGeom prst="rect">
+            <a:avLst/>
+          </a:prstGeom>
+        </p:spPr>
+        <p:style>
+          <a:lnRef idx="2">
+            <a:schemeClr val="accent4">
+              <a:shade val="50000"/>
+            </a:schemeClr>
+          </a:lnRef>
+          <a:fillRef idx="1">
+            <a:schemeClr val="accent4"/>
+          </a:fillRef>
+          <a:effectRef idx="0">
+            <a:schemeClr val="accent4"/>
+          </a:effectRef>
+          <a:fontRef idx="minor">
+            <a:schemeClr val="lt1"/>
+          </a:fontRef>
+        </p:style>
+        <p:txBody>
+          <a:bodyPr wrap="none" rtlCol="0" anchor="ctr"/>
+          <a:lstStyle/>
+          <a:p>
+            <a:pPr algn="ctr"/>
+            <a:r>
+              <a:rPr lang="en-US" dirty="0"/>
+              <a:t>x,y+1</a:t>
+            </a:r>
+          </a:p>
+        </p:txBody>
+      </p:sp>
+      <p:sp>
+        <p:nvSpPr>
+          <p:cNvPr id="9" name="Rectangle 8">
+            <a:extLst>
+              <a:ext uri="{FF2B5EF4-FFF2-40B4-BE49-F238E27FC236}">
+                <a16:creationId xmlns:a16="http://schemas.microsoft.com/office/drawing/2014/main" id="{B7A403C5-951E-461F-881D-15E899147A69}"/>
+              </a:ext>
+            </a:extLst>
+          </p:cNvPr>
+          <p:cNvSpPr/>
+          <p:nvPr/>
+        </p:nvSpPr>
+        <p:spPr>
+          <a:xfrm>
+            <a:off x="1962005" y="3317313"/>
+            <a:ext cx="721895" cy="673768"/>
+          </a:xfrm>
+          <a:prstGeom prst="rect">
+            <a:avLst/>
+          </a:prstGeom>
+        </p:spPr>
+        <p:style>
+          <a:lnRef idx="2">
+            <a:schemeClr val="accent4">
+              <a:shade val="50000"/>
+            </a:schemeClr>
+          </a:lnRef>
+          <a:fillRef idx="1">
+            <a:schemeClr val="accent4"/>
+          </a:fillRef>
+          <a:effectRef idx="0">
+            <a:schemeClr val="accent4"/>
+          </a:effectRef>
+          <a:fontRef idx="minor">
+            <a:schemeClr val="lt1"/>
+          </a:fontRef>
+        </p:style>
+        <p:txBody>
+          <a:bodyPr wrap="none" rtlCol="0" anchor="ctr"/>
+          <a:lstStyle/>
+          <a:p>
+            <a:pPr algn="ctr"/>
+            <a:r>
+              <a:rPr lang="en-US" dirty="0"/>
+              <a:t>x-1,y</a:t>
+            </a:r>
+          </a:p>
+        </p:txBody>
+      </p:sp>
+      <p:sp>
+        <p:nvSpPr>
+          <p:cNvPr id="10" name="Rectangle 9">
+            <a:extLst>
+              <a:ext uri="{FF2B5EF4-FFF2-40B4-BE49-F238E27FC236}">
+                <a16:creationId xmlns:a16="http://schemas.microsoft.com/office/drawing/2014/main" id="{ECA90F46-F61C-4278-AEC5-364231176B81}"/>
+              </a:ext>
+            </a:extLst>
+          </p:cNvPr>
+          <p:cNvSpPr/>
+          <p:nvPr/>
+        </p:nvSpPr>
+        <p:spPr>
+          <a:xfrm>
+            <a:off x="4384344" y="3317313"/>
+            <a:ext cx="721895" cy="673768"/>
+          </a:xfrm>
+          <a:prstGeom prst="rect">
+            <a:avLst/>
+          </a:prstGeom>
+        </p:spPr>
+        <p:style>
+          <a:lnRef idx="2">
+            <a:schemeClr val="accent4">
+              <a:shade val="50000"/>
+            </a:schemeClr>
+          </a:lnRef>
+          <a:fillRef idx="1">
+            <a:schemeClr val="accent4"/>
+          </a:fillRef>
+          <a:effectRef idx="0">
+            <a:schemeClr val="accent4"/>
+          </a:effectRef>
+          <a:fontRef idx="minor">
+            <a:schemeClr val="lt1"/>
+          </a:fontRef>
+        </p:style>
+        <p:txBody>
+          <a:bodyPr wrap="none" rtlCol="0" anchor="ctr"/>
+          <a:lstStyle/>
+          <a:p>
+            <a:pPr algn="ctr"/>
+            <a:r>
+              <a:rPr lang="en-US" dirty="0"/>
+              <a:t>x+1,y</a:t>
+            </a:r>
+          </a:p>
+        </p:txBody>
+      </p:sp>
+      <p:cxnSp>
+        <p:nvCxnSpPr>
+          <p:cNvPr id="16" name="Straight Arrow Connector 15">
+            <a:extLst>
+              <a:ext uri="{FF2B5EF4-FFF2-40B4-BE49-F238E27FC236}">
+                <a16:creationId xmlns:a16="http://schemas.microsoft.com/office/drawing/2014/main" id="{A7560808-E12E-44BA-B5E1-C70FB2EA2E87}"/>
+              </a:ext>
+            </a:extLst>
+          </p:cNvPr>
+          <p:cNvCxnSpPr>
+            <a:stCxn id="4" idx="1"/>
+            <a:endCxn id="9" idx="3"/>
+          </p:cNvCxnSpPr>
+          <p:nvPr/>
+        </p:nvCxnSpPr>
+        <p:spPr>
+          <a:xfrm flipH="1">
+            <a:off x="2683900" y="3654197"/>
+            <a:ext cx="489276" cy="0"/>
+          </a:xfrm>
+          <a:prstGeom prst="straightConnector1">
+            <a:avLst/>
+          </a:prstGeom>
+          <a:ln>
+            <a:tailEnd type="triangle"/>
+          </a:ln>
+        </p:spPr>
+        <p:style>
+          <a:lnRef idx="1">
+            <a:schemeClr val="accent1"/>
+          </a:lnRef>
+          <a:fillRef idx="0">
+            <a:schemeClr val="accent1"/>
+          </a:fillRef>
+          <a:effectRef idx="0">
+            <a:schemeClr val="accent1"/>
+          </a:effectRef>
+          <a:fontRef idx="minor">
+            <a:schemeClr val="tx1"/>
+          </a:fontRef>
+        </p:style>
+      </p:cxnSp>
+      <p:cxnSp>
+        <p:nvCxnSpPr>
+          <p:cNvPr id="20" name="Straight Arrow Connector 19">
+            <a:extLst>
+              <a:ext uri="{FF2B5EF4-FFF2-40B4-BE49-F238E27FC236}">
+                <a16:creationId xmlns:a16="http://schemas.microsoft.com/office/drawing/2014/main" id="{017400FC-75C3-4638-B919-4949AD1DB557}"/>
+              </a:ext>
+            </a:extLst>
+          </p:cNvPr>
+          <p:cNvCxnSpPr>
+            <a:stCxn id="4" idx="0"/>
+            <a:endCxn id="6" idx="2"/>
+          </p:cNvCxnSpPr>
+          <p:nvPr/>
+        </p:nvCxnSpPr>
+        <p:spPr>
+          <a:xfrm flipH="1" flipV="1">
+            <a:off x="3534121" y="2858358"/>
+            <a:ext cx="3" cy="458955"/>
+          </a:xfrm>
+          <a:prstGeom prst="straightConnector1">
+            <a:avLst/>
+          </a:prstGeom>
+          <a:ln>
+            <a:tailEnd type="triangle"/>
+          </a:ln>
+        </p:spPr>
+        <p:style>
+          <a:lnRef idx="1">
+            <a:schemeClr val="accent1"/>
+          </a:lnRef>
+          <a:fillRef idx="0">
+            <a:schemeClr val="accent1"/>
+          </a:fillRef>
+          <a:effectRef idx="0">
+            <a:schemeClr val="accent1"/>
+          </a:effectRef>
+          <a:fontRef idx="minor">
+            <a:schemeClr val="tx1"/>
+          </a:fontRef>
+        </p:style>
+      </p:cxnSp>
+      <p:cxnSp>
+        <p:nvCxnSpPr>
+          <p:cNvPr id="22" name="Straight Arrow Connector 21">
+            <a:extLst>
+              <a:ext uri="{FF2B5EF4-FFF2-40B4-BE49-F238E27FC236}">
+                <a16:creationId xmlns:a16="http://schemas.microsoft.com/office/drawing/2014/main" id="{E4907D3C-0DF9-4687-953E-1EB4419AB2E6}"/>
+              </a:ext>
+            </a:extLst>
+          </p:cNvPr>
+          <p:cNvCxnSpPr>
+            <a:stCxn id="4" idx="3"/>
+            <a:endCxn id="10" idx="1"/>
+          </p:cNvCxnSpPr>
+          <p:nvPr/>
+        </p:nvCxnSpPr>
+        <p:spPr>
+          <a:xfrm>
+            <a:off x="3895071" y="3654197"/>
+            <a:ext cx="489273" cy="0"/>
+          </a:xfrm>
+          <a:prstGeom prst="straightConnector1">
+            <a:avLst/>
+          </a:prstGeom>
+          <a:ln>
+            <a:tailEnd type="triangle"/>
+          </a:ln>
+        </p:spPr>
+        <p:style>
+          <a:lnRef idx="1">
+            <a:schemeClr val="accent1"/>
+          </a:lnRef>
+          <a:fillRef idx="0">
+            <a:schemeClr val="accent1"/>
+          </a:fillRef>
+          <a:effectRef idx="0">
+            <a:schemeClr val="accent1"/>
+          </a:effectRef>
+          <a:fontRef idx="minor">
+            <a:schemeClr val="tx1"/>
+          </a:fontRef>
+        </p:style>
+      </p:cxnSp>
+      <p:cxnSp>
+        <p:nvCxnSpPr>
+          <p:cNvPr id="24" name="Straight Arrow Connector 23">
+            <a:extLst>
+              <a:ext uri="{FF2B5EF4-FFF2-40B4-BE49-F238E27FC236}">
+                <a16:creationId xmlns:a16="http://schemas.microsoft.com/office/drawing/2014/main" id="{B92BE0BF-BC9D-4AEA-846B-2E5EB0180868}"/>
+              </a:ext>
+            </a:extLst>
+          </p:cNvPr>
+          <p:cNvCxnSpPr>
+            <a:stCxn id="4" idx="2"/>
+            <a:endCxn id="7" idx="0"/>
+          </p:cNvCxnSpPr>
+          <p:nvPr/>
+        </p:nvCxnSpPr>
+        <p:spPr>
+          <a:xfrm flipH="1">
+            <a:off x="3534122" y="3991081"/>
+            <a:ext cx="2" cy="493902"/>
+          </a:xfrm>
+          <a:prstGeom prst="straightConnector1">
+            <a:avLst/>
+          </a:prstGeom>
+          <a:ln>
+            <a:tailEnd type="triangle"/>
+          </a:ln>
+        </p:spPr>
+        <p:style>
+          <a:lnRef idx="1">
+            <a:schemeClr val="accent1"/>
+          </a:lnRef>
+          <a:fillRef idx="0">
+            <a:schemeClr val="accent1"/>
+          </a:fillRef>
+          <a:effectRef idx="0">
+            <a:schemeClr val="accent1"/>
+          </a:effectRef>
+          <a:fontRef idx="minor">
+            <a:schemeClr val="tx1"/>
+          </a:fontRef>
+        </p:style>
+      </p:cxnSp>
+      <p:sp>
+        <p:nvSpPr>
+          <p:cNvPr id="29" name="Rectangle 28">
+            <a:extLst>
+              <a:ext uri="{FF2B5EF4-FFF2-40B4-BE49-F238E27FC236}">
+                <a16:creationId xmlns:a16="http://schemas.microsoft.com/office/drawing/2014/main" id="{97A3473C-D585-4944-90BC-02269BD85EA5}"/>
+              </a:ext>
+            </a:extLst>
+          </p:cNvPr>
+          <p:cNvSpPr/>
+          <p:nvPr/>
+        </p:nvSpPr>
+        <p:spPr>
+          <a:xfrm>
+            <a:off x="6271492" y="2697019"/>
+            <a:ext cx="5467922" cy="2710576"/>
+          </a:xfrm>
+          <a:prstGeom prst="rect">
+            <a:avLst/>
+          </a:prstGeom>
+        </p:spPr>
+        <p:style>
+          <a:lnRef idx="1">
+            <a:schemeClr val="accent5"/>
+          </a:lnRef>
+          <a:fillRef idx="2">
+            <a:schemeClr val="accent5"/>
+          </a:fillRef>
+          <a:effectRef idx="1">
+            <a:schemeClr val="accent5"/>
+          </a:effectRef>
+          <a:fontRef idx="minor">
+            <a:schemeClr val="dk1"/>
+          </a:fontRef>
+        </p:style>
+        <p:txBody>
+          <a:bodyPr rtlCol="0" anchor="t"/>
+          <a:lstStyle/>
+          <a:p>
+            <a:r>
+              <a:rPr lang="en-US" dirty="0"/>
+              <a:t>From a starting point (x, y)</a:t>
+            </a:r>
+          </a:p>
+          <a:p>
+            <a:endParaRPr lang="en-US" dirty="0"/>
+          </a:p>
+          <a:p>
+            <a:pPr marL="342900" indent="-342900">
+              <a:buFont typeface="+mj-lt"/>
+              <a:buAutoNum type="arabicPeriod"/>
+            </a:pPr>
+            <a:r>
+              <a:rPr lang="en-US" dirty="0"/>
+              <a:t>If new color == old color, return</a:t>
+            </a:r>
+          </a:p>
+          <a:p>
+            <a:pPr marL="342900" indent="-342900">
+              <a:buFont typeface="+mj-lt"/>
+              <a:buAutoNum type="arabicPeriod"/>
+            </a:pPr>
+            <a:r>
+              <a:rPr lang="en-US" dirty="0"/>
+              <a:t>Paint myself with the new color</a:t>
+            </a:r>
+          </a:p>
+          <a:p>
+            <a:pPr marL="342900" indent="-342900">
+              <a:buFont typeface="+mj-lt"/>
+              <a:buAutoNum type="arabicPeriod"/>
+            </a:pPr>
+            <a:r>
+              <a:rPr lang="en-US" dirty="0"/>
+              <a:t>Go through my 4 neighbors</a:t>
+            </a:r>
+          </a:p>
+          <a:p>
+            <a:pPr lvl="1"/>
+            <a:r>
+              <a:rPr lang="en-US" dirty="0"/>
+              <a:t>If the neighbor has the same old color, do the same</a:t>
+            </a:r>
+          </a:p>
+          <a:p>
+            <a:endParaRPr lang="en-US" dirty="0"/>
+          </a:p>
+        </p:txBody>
+      </p:sp>
+      <p:sp>
+        <p:nvSpPr>
+          <p:cNvPr id="35" name="Rectangle 34">
+            <a:extLst>
+              <a:ext uri="{FF2B5EF4-FFF2-40B4-BE49-F238E27FC236}">
+                <a16:creationId xmlns:a16="http://schemas.microsoft.com/office/drawing/2014/main" id="{47F2A6E3-ED97-474B-BDFC-EB657ADCA492}"/>
+              </a:ext>
+            </a:extLst>
+          </p:cNvPr>
+          <p:cNvSpPr/>
+          <p:nvPr/>
+        </p:nvSpPr>
+        <p:spPr>
+          <a:xfrm>
+            <a:off x="1962004" y="2184590"/>
+            <a:ext cx="721895" cy="673768"/>
+          </a:xfrm>
+          <a:prstGeom prst="rect">
+            <a:avLst/>
+          </a:prstGeom>
+        </p:spPr>
+        <p:style>
+          <a:lnRef idx="2">
+            <a:schemeClr val="accent3">
+              <a:shade val="50000"/>
+            </a:schemeClr>
+          </a:lnRef>
+          <a:fillRef idx="1">
+            <a:schemeClr val="accent3"/>
+          </a:fillRef>
+          <a:effectRef idx="0">
+            <a:schemeClr val="accent3"/>
+          </a:effectRef>
+          <a:fontRef idx="minor">
+            <a:schemeClr val="lt1"/>
+          </a:fontRef>
+        </p:style>
+        <p:txBody>
+          <a:bodyPr wrap="none" rtlCol="0" anchor="ctr"/>
+          <a:lstStyle/>
+          <a:p>
+            <a:pPr algn="ctr"/>
+            <a:endParaRPr lang="en-US" dirty="0"/>
+          </a:p>
+        </p:txBody>
+      </p:sp>
+      <p:sp>
+        <p:nvSpPr>
+          <p:cNvPr id="36" name="Rectangle 35">
+            <a:extLst>
+              <a:ext uri="{FF2B5EF4-FFF2-40B4-BE49-F238E27FC236}">
+                <a16:creationId xmlns:a16="http://schemas.microsoft.com/office/drawing/2014/main" id="{EEADD85A-3F86-4D1E-9942-342D8126930B}"/>
+              </a:ext>
+            </a:extLst>
+          </p:cNvPr>
+          <p:cNvSpPr/>
+          <p:nvPr/>
+        </p:nvSpPr>
+        <p:spPr>
+          <a:xfrm>
+            <a:off x="1962004" y="4484983"/>
+            <a:ext cx="721895" cy="673768"/>
+          </a:xfrm>
+          <a:prstGeom prst="rect">
+            <a:avLst/>
+          </a:prstGeom>
+        </p:spPr>
+        <p:style>
+          <a:lnRef idx="2">
+            <a:schemeClr val="accent3">
+              <a:shade val="50000"/>
+            </a:schemeClr>
+          </a:lnRef>
+          <a:fillRef idx="1">
+            <a:schemeClr val="accent3"/>
+          </a:fillRef>
+          <a:effectRef idx="0">
+            <a:schemeClr val="accent3"/>
+          </a:effectRef>
+          <a:fontRef idx="minor">
+            <a:schemeClr val="lt1"/>
+          </a:fontRef>
+        </p:style>
+        <p:txBody>
+          <a:bodyPr wrap="none" rtlCol="0" anchor="ctr"/>
+          <a:lstStyle/>
+          <a:p>
+            <a:pPr algn="ctr"/>
+            <a:endParaRPr lang="en-US" dirty="0"/>
+          </a:p>
+        </p:txBody>
+      </p:sp>
+      <p:sp>
+        <p:nvSpPr>
+          <p:cNvPr id="37" name="Rectangle 36">
+            <a:extLst>
+              <a:ext uri="{FF2B5EF4-FFF2-40B4-BE49-F238E27FC236}">
+                <a16:creationId xmlns:a16="http://schemas.microsoft.com/office/drawing/2014/main" id="{3A2265CF-6A5A-428F-BF92-5007CF8426E5}"/>
+              </a:ext>
+            </a:extLst>
+          </p:cNvPr>
+          <p:cNvSpPr/>
+          <p:nvPr/>
+        </p:nvSpPr>
+        <p:spPr>
+          <a:xfrm>
+            <a:off x="4384341" y="2184590"/>
+            <a:ext cx="721895" cy="673768"/>
+          </a:xfrm>
+          <a:prstGeom prst="rect">
+            <a:avLst/>
+          </a:prstGeom>
+        </p:spPr>
+        <p:style>
+          <a:lnRef idx="2">
+            <a:schemeClr val="accent3">
+              <a:shade val="50000"/>
+            </a:schemeClr>
+          </a:lnRef>
+          <a:fillRef idx="1">
+            <a:schemeClr val="accent3"/>
+          </a:fillRef>
+          <a:effectRef idx="0">
+            <a:schemeClr val="accent3"/>
+          </a:effectRef>
+          <a:fontRef idx="minor">
+            <a:schemeClr val="lt1"/>
+          </a:fontRef>
+        </p:style>
+        <p:txBody>
+          <a:bodyPr wrap="none" rtlCol="0" anchor="ctr"/>
+          <a:lstStyle/>
+          <a:p>
+            <a:pPr algn="ctr"/>
+            <a:endParaRPr lang="en-US" dirty="0"/>
+          </a:p>
+        </p:txBody>
+      </p:sp>
+      <p:sp>
+        <p:nvSpPr>
+          <p:cNvPr id="38" name="Rectangle 37">
+            <a:extLst>
+              <a:ext uri="{FF2B5EF4-FFF2-40B4-BE49-F238E27FC236}">
+                <a16:creationId xmlns:a16="http://schemas.microsoft.com/office/drawing/2014/main" id="{72364AFE-725C-4368-9D01-84D16BEF7D63}"/>
+              </a:ext>
+            </a:extLst>
+          </p:cNvPr>
+          <p:cNvSpPr/>
+          <p:nvPr/>
+        </p:nvSpPr>
+        <p:spPr>
+          <a:xfrm>
+            <a:off x="4384341" y="4484983"/>
+            <a:ext cx="721895" cy="673768"/>
+          </a:xfrm>
+          <a:prstGeom prst="rect">
+            <a:avLst/>
+          </a:prstGeom>
+        </p:spPr>
+        <p:style>
+          <a:lnRef idx="2">
+            <a:schemeClr val="accent3">
+              <a:shade val="50000"/>
+            </a:schemeClr>
+          </a:lnRef>
+          <a:fillRef idx="1">
+            <a:schemeClr val="accent3"/>
+          </a:fillRef>
+          <a:effectRef idx="0">
+            <a:schemeClr val="accent3"/>
+          </a:effectRef>
+          <a:fontRef idx="minor">
+            <a:schemeClr val="lt1"/>
+          </a:fontRef>
+        </p:style>
+        <p:txBody>
+          <a:bodyPr wrap="none" rtlCol="0" anchor="ctr"/>
+          <a:lstStyle/>
+          <a:p>
+            <a:pPr algn="ctr"/>
+            <a:endParaRPr lang="en-US" dirty="0"/>
+          </a:p>
+        </p:txBody>
+      </p:sp>
+    </p:spTree>
+    <p:extLst>
+      <p:ext uri="{BB962C8B-B14F-4D97-AF65-F5344CB8AC3E}">
+        <p14:creationId xmlns:p14="http://schemas.microsoft.com/office/powerpoint/2010/main" val="3751109960"/>
+      </p:ext>
+    </p:extLst>
+  </p:cSld>
+  <p:clrMapOvr>
+    <a:masterClrMapping/>
+  </p:clrMapOvr>
+</p:sld>
+</file>
+
 <file path=ppt/slides/slide4.xml><?xml version="1.0" encoding="utf-8"?>
 <p:sld xmlns:a="http://schemas.openxmlformats.org/drawingml/2006/main" xmlns:r="http://schemas.openxmlformats.org/officeDocument/2006/relationships" xmlns:p="http://schemas.openxmlformats.org/presentationml/2006/main">
   <p:cSld>

--- a/documents/DataStructures.pptx
+++ b/documents/DataStructures.pptx
@@ -44,6 +44,7 @@
     <p:sldId id="295" r:id="rId38"/>
     <p:sldId id="294" r:id="rId39"/>
     <p:sldId id="296" r:id="rId40"/>
+    <p:sldId id="298" r:id="rId41"/>
   </p:sldIdLst>
   <p:sldSz cx="12192000" cy="6858000"/>
   <p:notesSz cx="6858000" cy="9144000"/>
@@ -3404,7 +3405,7 @@
           <a:p>
             <a:fld id="{A987F1E3-30AB-49C9-8E4C-2EF75BE827A3}" type="datetimeFigureOut">
               <a:rPr lang="en-US" smtClean="0"/>
-              <a:t>5/8/2021</a:t>
+              <a:t>5/15/2021</a:t>
             </a:fld>
             <a:endParaRPr lang="en-US"/>
           </a:p>
@@ -3602,7 +3603,7 @@
           <a:p>
             <a:fld id="{A987F1E3-30AB-49C9-8E4C-2EF75BE827A3}" type="datetimeFigureOut">
               <a:rPr lang="en-US" smtClean="0"/>
-              <a:t>5/8/2021</a:t>
+              <a:t>5/15/2021</a:t>
             </a:fld>
             <a:endParaRPr lang="en-US"/>
           </a:p>
@@ -3810,7 +3811,7 @@
           <a:p>
             <a:fld id="{A987F1E3-30AB-49C9-8E4C-2EF75BE827A3}" type="datetimeFigureOut">
               <a:rPr lang="en-US" smtClean="0"/>
-              <a:t>5/8/2021</a:t>
+              <a:t>5/15/2021</a:t>
             </a:fld>
             <a:endParaRPr lang="en-US"/>
           </a:p>
@@ -4008,7 +4009,7 @@
           <a:p>
             <a:fld id="{A987F1E3-30AB-49C9-8E4C-2EF75BE827A3}" type="datetimeFigureOut">
               <a:rPr lang="en-US" smtClean="0"/>
-              <a:t>5/8/2021</a:t>
+              <a:t>5/15/2021</a:t>
             </a:fld>
             <a:endParaRPr lang="en-US"/>
           </a:p>
@@ -4283,7 +4284,7 @@
           <a:p>
             <a:fld id="{A987F1E3-30AB-49C9-8E4C-2EF75BE827A3}" type="datetimeFigureOut">
               <a:rPr lang="en-US" smtClean="0"/>
-              <a:t>5/8/2021</a:t>
+              <a:t>5/15/2021</a:t>
             </a:fld>
             <a:endParaRPr lang="en-US"/>
           </a:p>
@@ -4548,7 +4549,7 @@
           <a:p>
             <a:fld id="{A987F1E3-30AB-49C9-8E4C-2EF75BE827A3}" type="datetimeFigureOut">
               <a:rPr lang="en-US" smtClean="0"/>
-              <a:t>5/8/2021</a:t>
+              <a:t>5/15/2021</a:t>
             </a:fld>
             <a:endParaRPr lang="en-US"/>
           </a:p>
@@ -4960,7 +4961,7 @@
           <a:p>
             <a:fld id="{A987F1E3-30AB-49C9-8E4C-2EF75BE827A3}" type="datetimeFigureOut">
               <a:rPr lang="en-US" smtClean="0"/>
-              <a:t>5/8/2021</a:t>
+              <a:t>5/15/2021</a:t>
             </a:fld>
             <a:endParaRPr lang="en-US"/>
           </a:p>
@@ -5101,7 +5102,7 @@
           <a:p>
             <a:fld id="{A987F1E3-30AB-49C9-8E4C-2EF75BE827A3}" type="datetimeFigureOut">
               <a:rPr lang="en-US" smtClean="0"/>
-              <a:t>5/8/2021</a:t>
+              <a:t>5/15/2021</a:t>
             </a:fld>
             <a:endParaRPr lang="en-US"/>
           </a:p>
@@ -5214,7 +5215,7 @@
           <a:p>
             <a:fld id="{A987F1E3-30AB-49C9-8E4C-2EF75BE827A3}" type="datetimeFigureOut">
               <a:rPr lang="en-US" smtClean="0"/>
-              <a:t>5/8/2021</a:t>
+              <a:t>5/15/2021</a:t>
             </a:fld>
             <a:endParaRPr lang="en-US"/>
           </a:p>
@@ -5525,7 +5526,7 @@
           <a:p>
             <a:fld id="{A987F1E3-30AB-49C9-8E4C-2EF75BE827A3}" type="datetimeFigureOut">
               <a:rPr lang="en-US" smtClean="0"/>
-              <a:t>5/8/2021</a:t>
+              <a:t>5/15/2021</a:t>
             </a:fld>
             <a:endParaRPr lang="en-US"/>
           </a:p>
@@ -5813,7 +5814,7 @@
           <a:p>
             <a:fld id="{A987F1E3-30AB-49C9-8E4C-2EF75BE827A3}" type="datetimeFigureOut">
               <a:rPr lang="en-US" smtClean="0"/>
-              <a:t>5/8/2021</a:t>
+              <a:t>5/15/2021</a:t>
             </a:fld>
             <a:endParaRPr lang="en-US"/>
           </a:p>
@@ -6054,7 +6055,7 @@
           <a:p>
             <a:fld id="{A987F1E3-30AB-49C9-8E4C-2EF75BE827A3}" type="datetimeFigureOut">
               <a:rPr lang="en-US" smtClean="0"/>
-              <a:t>5/8/2021</a:t>
+              <a:t>5/15/2021</a:t>
             </a:fld>
             <a:endParaRPr lang="en-US"/>
           </a:p>
@@ -35691,6 +35692,1315 @@
 </p:sld>
 </file>
 
+<file path=ppt/slides/slide40.xml><?xml version="1.0" encoding="utf-8"?>
+<p:sld xmlns:a="http://schemas.openxmlformats.org/drawingml/2006/main" xmlns:r="http://schemas.openxmlformats.org/officeDocument/2006/relationships" xmlns:p="http://schemas.openxmlformats.org/presentationml/2006/main">
+  <p:cSld>
+    <p:spTree>
+      <p:nvGrpSpPr>
+        <p:cNvPr id="1" name=""/>
+        <p:cNvGrpSpPr/>
+        <p:nvPr/>
+      </p:nvGrpSpPr>
+      <p:grpSpPr>
+        <a:xfrm>
+          <a:off x="0" y="0"/>
+          <a:ext cx="0" cy="0"/>
+          <a:chOff x="0" y="0"/>
+          <a:chExt cx="0" cy="0"/>
+        </a:xfrm>
+      </p:grpSpPr>
+      <p:sp>
+        <p:nvSpPr>
+          <p:cNvPr id="17" name="Rectangle 16">
+            <a:extLst>
+              <a:ext uri="{FF2B5EF4-FFF2-40B4-BE49-F238E27FC236}">
+                <a16:creationId xmlns:a16="http://schemas.microsoft.com/office/drawing/2014/main" id="{FFC67A5A-28A3-4FD5-9E48-1C5299ADA2C0}"/>
+              </a:ext>
+            </a:extLst>
+          </p:cNvPr>
+          <p:cNvSpPr/>
+          <p:nvPr/>
+        </p:nvSpPr>
+        <p:spPr>
+          <a:xfrm>
+            <a:off x="561474" y="4391524"/>
+            <a:ext cx="3617495" cy="2193760"/>
+          </a:xfrm>
+          <a:prstGeom prst="rect">
+            <a:avLst/>
+          </a:prstGeom>
+        </p:spPr>
+        <p:style>
+          <a:lnRef idx="2">
+            <a:schemeClr val="accent1">
+              <a:shade val="50000"/>
+            </a:schemeClr>
+          </a:lnRef>
+          <a:fillRef idx="1">
+            <a:schemeClr val="accent1"/>
+          </a:fillRef>
+          <a:effectRef idx="0">
+            <a:schemeClr val="accent1"/>
+          </a:effectRef>
+          <a:fontRef idx="minor">
+            <a:schemeClr val="lt1"/>
+          </a:fontRef>
+        </p:style>
+        <p:txBody>
+          <a:bodyPr rtlCol="0" anchor="ctr"/>
+          <a:lstStyle/>
+          <a:p>
+            <a:pPr algn="ctr"/>
+            <a:r>
+              <a:rPr lang="en-US" dirty="0"/>
+              <a:t>Laptop</a:t>
+            </a:r>
+          </a:p>
+        </p:txBody>
+      </p:sp>
+      <p:sp>
+        <p:nvSpPr>
+          <p:cNvPr id="2" name="Title 1">
+            <a:extLst>
+              <a:ext uri="{FF2B5EF4-FFF2-40B4-BE49-F238E27FC236}">
+                <a16:creationId xmlns:a16="http://schemas.microsoft.com/office/drawing/2014/main" id="{1C314ED6-38EC-44EA-BF48-90EB31C4F118}"/>
+              </a:ext>
+            </a:extLst>
+          </p:cNvPr>
+          <p:cNvSpPr>
+            <a:spLocks noGrp="1"/>
+          </p:cNvSpPr>
+          <p:nvPr>
+            <p:ph type="title"/>
+          </p:nvPr>
+        </p:nvSpPr>
+        <p:spPr/>
+        <p:txBody>
+          <a:bodyPr/>
+          <a:lstStyle/>
+          <a:p>
+            <a:r>
+              <a:rPr lang="en-US" dirty="0"/>
+              <a:t>Source Code Control System (SCCS)</a:t>
+            </a:r>
+          </a:p>
+        </p:txBody>
+      </p:sp>
+      <p:sp>
+        <p:nvSpPr>
+          <p:cNvPr id="4" name="Rectangle: Rounded Corners 3">
+            <a:extLst>
+              <a:ext uri="{FF2B5EF4-FFF2-40B4-BE49-F238E27FC236}">
+                <a16:creationId xmlns:a16="http://schemas.microsoft.com/office/drawing/2014/main" id="{6BA6BDE3-F8D3-4739-9239-CEB9D11B7EB2}"/>
+              </a:ext>
+            </a:extLst>
+          </p:cNvPr>
+          <p:cNvSpPr/>
+          <p:nvPr/>
+        </p:nvSpPr>
+        <p:spPr>
+          <a:xfrm>
+            <a:off x="1094874" y="4523869"/>
+            <a:ext cx="1548063" cy="1227221"/>
+          </a:xfrm>
+          <a:prstGeom prst="roundRect">
+            <a:avLst/>
+          </a:prstGeom>
+        </p:spPr>
+        <p:style>
+          <a:lnRef idx="2">
+            <a:schemeClr val="accent4">
+              <a:shade val="50000"/>
+            </a:schemeClr>
+          </a:lnRef>
+          <a:fillRef idx="1">
+            <a:schemeClr val="accent4"/>
+          </a:fillRef>
+          <a:effectRef idx="0">
+            <a:schemeClr val="accent4"/>
+          </a:effectRef>
+          <a:fontRef idx="minor">
+            <a:schemeClr val="lt1"/>
+          </a:fontRef>
+        </p:style>
+        <p:txBody>
+          <a:bodyPr rtlCol="0" anchor="ctr"/>
+          <a:lstStyle/>
+          <a:p>
+            <a:pPr algn="ctr"/>
+            <a:endParaRPr lang="en-US"/>
+          </a:p>
+        </p:txBody>
+      </p:sp>
+      <p:sp>
+        <p:nvSpPr>
+          <p:cNvPr id="5" name="Rectangle: Rounded Corners 4">
+            <a:extLst>
+              <a:ext uri="{FF2B5EF4-FFF2-40B4-BE49-F238E27FC236}">
+                <a16:creationId xmlns:a16="http://schemas.microsoft.com/office/drawing/2014/main" id="{65C6E47E-8867-46F5-A60F-C90F2C5AF718}"/>
+              </a:ext>
+            </a:extLst>
+          </p:cNvPr>
+          <p:cNvSpPr/>
+          <p:nvPr/>
+        </p:nvSpPr>
+        <p:spPr>
+          <a:xfrm>
+            <a:off x="1247274" y="4676269"/>
+            <a:ext cx="1548063" cy="1227221"/>
+          </a:xfrm>
+          <a:prstGeom prst="roundRect">
+            <a:avLst/>
+          </a:prstGeom>
+        </p:spPr>
+        <p:style>
+          <a:lnRef idx="2">
+            <a:schemeClr val="accent4">
+              <a:shade val="50000"/>
+            </a:schemeClr>
+          </a:lnRef>
+          <a:fillRef idx="1">
+            <a:schemeClr val="accent4"/>
+          </a:fillRef>
+          <a:effectRef idx="0">
+            <a:schemeClr val="accent4"/>
+          </a:effectRef>
+          <a:fontRef idx="minor">
+            <a:schemeClr val="lt1"/>
+          </a:fontRef>
+        </p:style>
+        <p:txBody>
+          <a:bodyPr rtlCol="0" anchor="ctr"/>
+          <a:lstStyle/>
+          <a:p>
+            <a:pPr algn="ctr"/>
+            <a:endParaRPr lang="en-US"/>
+          </a:p>
+        </p:txBody>
+      </p:sp>
+      <p:sp>
+        <p:nvSpPr>
+          <p:cNvPr id="6" name="Rectangle: Rounded Corners 5">
+            <a:extLst>
+              <a:ext uri="{FF2B5EF4-FFF2-40B4-BE49-F238E27FC236}">
+                <a16:creationId xmlns:a16="http://schemas.microsoft.com/office/drawing/2014/main" id="{94F00862-AF6F-44C9-8324-06A4696FFD97}"/>
+              </a:ext>
+            </a:extLst>
+          </p:cNvPr>
+          <p:cNvSpPr/>
+          <p:nvPr/>
+        </p:nvSpPr>
+        <p:spPr>
+          <a:xfrm>
+            <a:off x="1399674" y="4828669"/>
+            <a:ext cx="1548063" cy="1227221"/>
+          </a:xfrm>
+          <a:prstGeom prst="roundRect">
+            <a:avLst/>
+          </a:prstGeom>
+        </p:spPr>
+        <p:style>
+          <a:lnRef idx="2">
+            <a:schemeClr val="accent4">
+              <a:shade val="50000"/>
+            </a:schemeClr>
+          </a:lnRef>
+          <a:fillRef idx="1">
+            <a:schemeClr val="accent4"/>
+          </a:fillRef>
+          <a:effectRef idx="0">
+            <a:schemeClr val="accent4"/>
+          </a:effectRef>
+          <a:fontRef idx="minor">
+            <a:schemeClr val="lt1"/>
+          </a:fontRef>
+        </p:style>
+        <p:txBody>
+          <a:bodyPr rtlCol="0" anchor="ctr"/>
+          <a:lstStyle/>
+          <a:p>
+            <a:pPr algn="ctr"/>
+            <a:endParaRPr lang="en-US"/>
+          </a:p>
+        </p:txBody>
+      </p:sp>
+      <p:sp>
+        <p:nvSpPr>
+          <p:cNvPr id="7" name="Rectangle: Rounded Corners 6">
+            <a:extLst>
+              <a:ext uri="{FF2B5EF4-FFF2-40B4-BE49-F238E27FC236}">
+                <a16:creationId xmlns:a16="http://schemas.microsoft.com/office/drawing/2014/main" id="{62A68E6E-8B77-4C5B-8787-A4725C1C8BE6}"/>
+              </a:ext>
+            </a:extLst>
+          </p:cNvPr>
+          <p:cNvSpPr/>
+          <p:nvPr/>
+        </p:nvSpPr>
+        <p:spPr>
+          <a:xfrm>
+            <a:off x="1552074" y="4981069"/>
+            <a:ext cx="1548063" cy="1227221"/>
+          </a:xfrm>
+          <a:prstGeom prst="roundRect">
+            <a:avLst/>
+          </a:prstGeom>
+        </p:spPr>
+        <p:style>
+          <a:lnRef idx="2">
+            <a:schemeClr val="accent4">
+              <a:shade val="50000"/>
+            </a:schemeClr>
+          </a:lnRef>
+          <a:fillRef idx="1">
+            <a:schemeClr val="accent4"/>
+          </a:fillRef>
+          <a:effectRef idx="0">
+            <a:schemeClr val="accent4"/>
+          </a:effectRef>
+          <a:fontRef idx="minor">
+            <a:schemeClr val="lt1"/>
+          </a:fontRef>
+        </p:style>
+        <p:txBody>
+          <a:bodyPr rtlCol="0" anchor="ctr"/>
+          <a:lstStyle/>
+          <a:p>
+            <a:pPr algn="ctr"/>
+            <a:endParaRPr lang="en-US"/>
+          </a:p>
+        </p:txBody>
+      </p:sp>
+      <p:sp>
+        <p:nvSpPr>
+          <p:cNvPr id="8" name="Rectangle: Rounded Corners 7">
+            <a:extLst>
+              <a:ext uri="{FF2B5EF4-FFF2-40B4-BE49-F238E27FC236}">
+                <a16:creationId xmlns:a16="http://schemas.microsoft.com/office/drawing/2014/main" id="{0EBAB916-6E25-4E92-94EB-61AFB83C3C5F}"/>
+              </a:ext>
+            </a:extLst>
+          </p:cNvPr>
+          <p:cNvSpPr/>
+          <p:nvPr/>
+        </p:nvSpPr>
+        <p:spPr>
+          <a:xfrm>
+            <a:off x="1704474" y="5133469"/>
+            <a:ext cx="1548063" cy="1227221"/>
+          </a:xfrm>
+          <a:prstGeom prst="roundRect">
+            <a:avLst/>
+          </a:prstGeom>
+        </p:spPr>
+        <p:style>
+          <a:lnRef idx="2">
+            <a:schemeClr val="accent4">
+              <a:shade val="50000"/>
+            </a:schemeClr>
+          </a:lnRef>
+          <a:fillRef idx="1">
+            <a:schemeClr val="accent4"/>
+          </a:fillRef>
+          <a:effectRef idx="0">
+            <a:schemeClr val="accent4"/>
+          </a:effectRef>
+          <a:fontRef idx="minor">
+            <a:schemeClr val="lt1"/>
+          </a:fontRef>
+        </p:style>
+        <p:txBody>
+          <a:bodyPr rtlCol="0" anchor="ctr"/>
+          <a:lstStyle/>
+          <a:p>
+            <a:pPr algn="ctr"/>
+            <a:endParaRPr lang="en-US"/>
+          </a:p>
+        </p:txBody>
+      </p:sp>
+      <p:sp>
+        <p:nvSpPr>
+          <p:cNvPr id="9" name="Rectangle: Rounded Corners 8">
+            <a:extLst>
+              <a:ext uri="{FF2B5EF4-FFF2-40B4-BE49-F238E27FC236}">
+                <a16:creationId xmlns:a16="http://schemas.microsoft.com/office/drawing/2014/main" id="{710B8346-6F19-4777-826C-CD816913BB38}"/>
+              </a:ext>
+            </a:extLst>
+          </p:cNvPr>
+          <p:cNvSpPr/>
+          <p:nvPr/>
+        </p:nvSpPr>
+        <p:spPr>
+          <a:xfrm>
+            <a:off x="1856874" y="5285869"/>
+            <a:ext cx="1548063" cy="1227221"/>
+          </a:xfrm>
+          <a:prstGeom prst="roundRect">
+            <a:avLst/>
+          </a:prstGeom>
+        </p:spPr>
+        <p:style>
+          <a:lnRef idx="2">
+            <a:schemeClr val="accent4">
+              <a:shade val="50000"/>
+            </a:schemeClr>
+          </a:lnRef>
+          <a:fillRef idx="1">
+            <a:schemeClr val="accent4"/>
+          </a:fillRef>
+          <a:effectRef idx="0">
+            <a:schemeClr val="accent4"/>
+          </a:effectRef>
+          <a:fontRef idx="minor">
+            <a:schemeClr val="lt1"/>
+          </a:fontRef>
+        </p:style>
+        <p:txBody>
+          <a:bodyPr rtlCol="0" anchor="ctr"/>
+          <a:lstStyle/>
+          <a:p>
+            <a:pPr algn="ctr"/>
+            <a:endParaRPr lang="en-US"/>
+          </a:p>
+        </p:txBody>
+      </p:sp>
+      <p:sp>
+        <p:nvSpPr>
+          <p:cNvPr id="10" name="Rectangle 9">
+            <a:extLst>
+              <a:ext uri="{FF2B5EF4-FFF2-40B4-BE49-F238E27FC236}">
+                <a16:creationId xmlns:a16="http://schemas.microsoft.com/office/drawing/2014/main" id="{2949EDC3-29EA-4708-9E19-E53F94323484}"/>
+              </a:ext>
+            </a:extLst>
+          </p:cNvPr>
+          <p:cNvSpPr/>
+          <p:nvPr/>
+        </p:nvSpPr>
+        <p:spPr>
+          <a:xfrm>
+            <a:off x="3481137" y="1443790"/>
+            <a:ext cx="4997115" cy="2590800"/>
+          </a:xfrm>
+          <a:prstGeom prst="rect">
+            <a:avLst/>
+          </a:prstGeom>
+        </p:spPr>
+        <p:style>
+          <a:lnRef idx="2">
+            <a:schemeClr val="accent6">
+              <a:shade val="50000"/>
+            </a:schemeClr>
+          </a:lnRef>
+          <a:fillRef idx="1">
+            <a:schemeClr val="accent6"/>
+          </a:fillRef>
+          <a:effectRef idx="0">
+            <a:schemeClr val="accent6"/>
+          </a:effectRef>
+          <a:fontRef idx="minor">
+            <a:schemeClr val="lt1"/>
+          </a:fontRef>
+        </p:style>
+        <p:txBody>
+          <a:bodyPr rtlCol="0" anchor="t"/>
+          <a:lstStyle/>
+          <a:p>
+            <a:pPr algn="ctr"/>
+            <a:r>
+              <a:rPr lang="en-US" dirty="0"/>
+              <a:t>Server on the network (github.com)</a:t>
+            </a:r>
+          </a:p>
+        </p:txBody>
+      </p:sp>
+      <p:sp>
+        <p:nvSpPr>
+          <p:cNvPr id="11" name="Rectangle: Rounded Corners 10">
+            <a:extLst>
+              <a:ext uri="{FF2B5EF4-FFF2-40B4-BE49-F238E27FC236}">
+                <a16:creationId xmlns:a16="http://schemas.microsoft.com/office/drawing/2014/main" id="{250EA65C-B821-4328-A01B-B086BAC74861}"/>
+              </a:ext>
+            </a:extLst>
+          </p:cNvPr>
+          <p:cNvSpPr/>
+          <p:nvPr/>
+        </p:nvSpPr>
+        <p:spPr>
+          <a:xfrm>
+            <a:off x="4828674" y="1872914"/>
+            <a:ext cx="1548063" cy="1227221"/>
+          </a:xfrm>
+          <a:prstGeom prst="roundRect">
+            <a:avLst/>
+          </a:prstGeom>
+        </p:spPr>
+        <p:style>
+          <a:lnRef idx="2">
+            <a:schemeClr val="accent4">
+              <a:shade val="50000"/>
+            </a:schemeClr>
+          </a:lnRef>
+          <a:fillRef idx="1">
+            <a:schemeClr val="accent4"/>
+          </a:fillRef>
+          <a:effectRef idx="0">
+            <a:schemeClr val="accent4"/>
+          </a:effectRef>
+          <a:fontRef idx="minor">
+            <a:schemeClr val="lt1"/>
+          </a:fontRef>
+        </p:style>
+        <p:txBody>
+          <a:bodyPr rtlCol="0" anchor="ctr"/>
+          <a:lstStyle/>
+          <a:p>
+            <a:pPr algn="ctr"/>
+            <a:endParaRPr lang="en-US"/>
+          </a:p>
+        </p:txBody>
+      </p:sp>
+      <p:sp>
+        <p:nvSpPr>
+          <p:cNvPr id="12" name="Rectangle: Rounded Corners 11">
+            <a:extLst>
+              <a:ext uri="{FF2B5EF4-FFF2-40B4-BE49-F238E27FC236}">
+                <a16:creationId xmlns:a16="http://schemas.microsoft.com/office/drawing/2014/main" id="{950A43E9-2A97-46EE-A6E4-F1DE5FA619BB}"/>
+              </a:ext>
+            </a:extLst>
+          </p:cNvPr>
+          <p:cNvSpPr/>
+          <p:nvPr/>
+        </p:nvSpPr>
+        <p:spPr>
+          <a:xfrm>
+            <a:off x="4981074" y="2025314"/>
+            <a:ext cx="1548063" cy="1227221"/>
+          </a:xfrm>
+          <a:prstGeom prst="roundRect">
+            <a:avLst/>
+          </a:prstGeom>
+        </p:spPr>
+        <p:style>
+          <a:lnRef idx="2">
+            <a:schemeClr val="accent4">
+              <a:shade val="50000"/>
+            </a:schemeClr>
+          </a:lnRef>
+          <a:fillRef idx="1">
+            <a:schemeClr val="accent4"/>
+          </a:fillRef>
+          <a:effectRef idx="0">
+            <a:schemeClr val="accent4"/>
+          </a:effectRef>
+          <a:fontRef idx="minor">
+            <a:schemeClr val="lt1"/>
+          </a:fontRef>
+        </p:style>
+        <p:txBody>
+          <a:bodyPr rtlCol="0" anchor="ctr"/>
+          <a:lstStyle/>
+          <a:p>
+            <a:pPr algn="ctr"/>
+            <a:endParaRPr lang="en-US"/>
+          </a:p>
+        </p:txBody>
+      </p:sp>
+      <p:sp>
+        <p:nvSpPr>
+          <p:cNvPr id="13" name="Rectangle: Rounded Corners 12">
+            <a:extLst>
+              <a:ext uri="{FF2B5EF4-FFF2-40B4-BE49-F238E27FC236}">
+                <a16:creationId xmlns:a16="http://schemas.microsoft.com/office/drawing/2014/main" id="{E66EC4D4-C931-4F79-86A7-FA587F26430D}"/>
+              </a:ext>
+            </a:extLst>
+          </p:cNvPr>
+          <p:cNvSpPr/>
+          <p:nvPr/>
+        </p:nvSpPr>
+        <p:spPr>
+          <a:xfrm>
+            <a:off x="5133474" y="2177714"/>
+            <a:ext cx="1548063" cy="1227221"/>
+          </a:xfrm>
+          <a:prstGeom prst="roundRect">
+            <a:avLst/>
+          </a:prstGeom>
+        </p:spPr>
+        <p:style>
+          <a:lnRef idx="2">
+            <a:schemeClr val="accent4">
+              <a:shade val="50000"/>
+            </a:schemeClr>
+          </a:lnRef>
+          <a:fillRef idx="1">
+            <a:schemeClr val="accent4"/>
+          </a:fillRef>
+          <a:effectRef idx="0">
+            <a:schemeClr val="accent4"/>
+          </a:effectRef>
+          <a:fontRef idx="minor">
+            <a:schemeClr val="lt1"/>
+          </a:fontRef>
+        </p:style>
+        <p:txBody>
+          <a:bodyPr rtlCol="0" anchor="ctr"/>
+          <a:lstStyle/>
+          <a:p>
+            <a:pPr algn="ctr"/>
+            <a:endParaRPr lang="en-US"/>
+          </a:p>
+        </p:txBody>
+      </p:sp>
+      <p:sp>
+        <p:nvSpPr>
+          <p:cNvPr id="14" name="Rectangle: Rounded Corners 13">
+            <a:extLst>
+              <a:ext uri="{FF2B5EF4-FFF2-40B4-BE49-F238E27FC236}">
+                <a16:creationId xmlns:a16="http://schemas.microsoft.com/office/drawing/2014/main" id="{D63BD088-DC58-4C83-B03C-83A0097ECEEB}"/>
+              </a:ext>
+            </a:extLst>
+          </p:cNvPr>
+          <p:cNvSpPr/>
+          <p:nvPr/>
+        </p:nvSpPr>
+        <p:spPr>
+          <a:xfrm>
+            <a:off x="5285874" y="2330114"/>
+            <a:ext cx="1548063" cy="1227221"/>
+          </a:xfrm>
+          <a:prstGeom prst="roundRect">
+            <a:avLst/>
+          </a:prstGeom>
+        </p:spPr>
+        <p:style>
+          <a:lnRef idx="2">
+            <a:schemeClr val="accent4">
+              <a:shade val="50000"/>
+            </a:schemeClr>
+          </a:lnRef>
+          <a:fillRef idx="1">
+            <a:schemeClr val="accent4"/>
+          </a:fillRef>
+          <a:effectRef idx="0">
+            <a:schemeClr val="accent4"/>
+          </a:effectRef>
+          <a:fontRef idx="minor">
+            <a:schemeClr val="lt1"/>
+          </a:fontRef>
+        </p:style>
+        <p:txBody>
+          <a:bodyPr rtlCol="0" anchor="ctr"/>
+          <a:lstStyle/>
+          <a:p>
+            <a:pPr algn="ctr"/>
+            <a:endParaRPr lang="en-US"/>
+          </a:p>
+        </p:txBody>
+      </p:sp>
+      <p:sp>
+        <p:nvSpPr>
+          <p:cNvPr id="15" name="Rectangle: Rounded Corners 14">
+            <a:extLst>
+              <a:ext uri="{FF2B5EF4-FFF2-40B4-BE49-F238E27FC236}">
+                <a16:creationId xmlns:a16="http://schemas.microsoft.com/office/drawing/2014/main" id="{05920223-C11F-44B2-932F-A0EB89E909C9}"/>
+              </a:ext>
+            </a:extLst>
+          </p:cNvPr>
+          <p:cNvSpPr/>
+          <p:nvPr/>
+        </p:nvSpPr>
+        <p:spPr>
+          <a:xfrm>
+            <a:off x="5438274" y="2482514"/>
+            <a:ext cx="1548063" cy="1227221"/>
+          </a:xfrm>
+          <a:prstGeom prst="roundRect">
+            <a:avLst/>
+          </a:prstGeom>
+        </p:spPr>
+        <p:style>
+          <a:lnRef idx="2">
+            <a:schemeClr val="accent4">
+              <a:shade val="50000"/>
+            </a:schemeClr>
+          </a:lnRef>
+          <a:fillRef idx="1">
+            <a:schemeClr val="accent4"/>
+          </a:fillRef>
+          <a:effectRef idx="0">
+            <a:schemeClr val="accent4"/>
+          </a:effectRef>
+          <a:fontRef idx="minor">
+            <a:schemeClr val="lt1"/>
+          </a:fontRef>
+        </p:style>
+        <p:txBody>
+          <a:bodyPr rtlCol="0" anchor="ctr"/>
+          <a:lstStyle/>
+          <a:p>
+            <a:pPr algn="ctr"/>
+            <a:endParaRPr lang="en-US"/>
+          </a:p>
+        </p:txBody>
+      </p:sp>
+      <p:sp>
+        <p:nvSpPr>
+          <p:cNvPr id="16" name="Rectangle: Rounded Corners 15">
+            <a:extLst>
+              <a:ext uri="{FF2B5EF4-FFF2-40B4-BE49-F238E27FC236}">
+                <a16:creationId xmlns:a16="http://schemas.microsoft.com/office/drawing/2014/main" id="{F13150CF-B289-4DC4-B635-D451D5643FF9}"/>
+              </a:ext>
+            </a:extLst>
+          </p:cNvPr>
+          <p:cNvSpPr/>
+          <p:nvPr/>
+        </p:nvSpPr>
+        <p:spPr>
+          <a:xfrm>
+            <a:off x="5590674" y="2634914"/>
+            <a:ext cx="1548063" cy="1227221"/>
+          </a:xfrm>
+          <a:prstGeom prst="roundRect">
+            <a:avLst/>
+          </a:prstGeom>
+        </p:spPr>
+        <p:style>
+          <a:lnRef idx="2">
+            <a:schemeClr val="accent4">
+              <a:shade val="50000"/>
+            </a:schemeClr>
+          </a:lnRef>
+          <a:fillRef idx="1">
+            <a:schemeClr val="accent4"/>
+          </a:fillRef>
+          <a:effectRef idx="0">
+            <a:schemeClr val="accent4"/>
+          </a:effectRef>
+          <a:fontRef idx="minor">
+            <a:schemeClr val="lt1"/>
+          </a:fontRef>
+        </p:style>
+        <p:txBody>
+          <a:bodyPr rtlCol="0" anchor="ctr"/>
+          <a:lstStyle/>
+          <a:p>
+            <a:pPr algn="ctr"/>
+            <a:endParaRPr lang="en-US"/>
+          </a:p>
+        </p:txBody>
+      </p:sp>
+      <p:sp>
+        <p:nvSpPr>
+          <p:cNvPr id="18" name="Lightning Bolt 17">
+            <a:extLst>
+              <a:ext uri="{FF2B5EF4-FFF2-40B4-BE49-F238E27FC236}">
+                <a16:creationId xmlns:a16="http://schemas.microsoft.com/office/drawing/2014/main" id="{320BB78E-5FEB-422B-8A88-2253253F52B1}"/>
+              </a:ext>
+            </a:extLst>
+          </p:cNvPr>
+          <p:cNvSpPr/>
+          <p:nvPr/>
+        </p:nvSpPr>
+        <p:spPr>
+          <a:xfrm flipV="1">
+            <a:off x="2883569" y="3751847"/>
+            <a:ext cx="850231" cy="922421"/>
+          </a:xfrm>
+          <a:prstGeom prst="lightningBolt">
+            <a:avLst/>
+          </a:prstGeom>
+        </p:spPr>
+        <p:style>
+          <a:lnRef idx="2">
+            <a:schemeClr val="accent2">
+              <a:shade val="50000"/>
+            </a:schemeClr>
+          </a:lnRef>
+          <a:fillRef idx="1">
+            <a:schemeClr val="accent2"/>
+          </a:fillRef>
+          <a:effectRef idx="0">
+            <a:schemeClr val="accent2"/>
+          </a:effectRef>
+          <a:fontRef idx="minor">
+            <a:schemeClr val="lt1"/>
+          </a:fontRef>
+        </p:style>
+        <p:txBody>
+          <a:bodyPr rtlCol="0" anchor="ctr"/>
+          <a:lstStyle/>
+          <a:p>
+            <a:pPr algn="ctr"/>
+            <a:endParaRPr lang="en-US"/>
+          </a:p>
+        </p:txBody>
+      </p:sp>
+      <p:sp>
+        <p:nvSpPr>
+          <p:cNvPr id="19" name="Rectangle 18">
+            <a:extLst>
+              <a:ext uri="{FF2B5EF4-FFF2-40B4-BE49-F238E27FC236}">
+                <a16:creationId xmlns:a16="http://schemas.microsoft.com/office/drawing/2014/main" id="{845ACD5D-098F-4160-8DD2-D9790F461315}"/>
+              </a:ext>
+            </a:extLst>
+          </p:cNvPr>
+          <p:cNvSpPr/>
+          <p:nvPr/>
+        </p:nvSpPr>
+        <p:spPr>
+          <a:xfrm>
+            <a:off x="6982326" y="4391524"/>
+            <a:ext cx="3617495" cy="2193760"/>
+          </a:xfrm>
+          <a:prstGeom prst="rect">
+            <a:avLst/>
+          </a:prstGeom>
+        </p:spPr>
+        <p:style>
+          <a:lnRef idx="2">
+            <a:schemeClr val="accent1">
+              <a:shade val="50000"/>
+            </a:schemeClr>
+          </a:lnRef>
+          <a:fillRef idx="1">
+            <a:schemeClr val="accent1"/>
+          </a:fillRef>
+          <a:effectRef idx="0">
+            <a:schemeClr val="accent1"/>
+          </a:effectRef>
+          <a:fontRef idx="minor">
+            <a:schemeClr val="lt1"/>
+          </a:fontRef>
+        </p:style>
+        <p:txBody>
+          <a:bodyPr rtlCol="0" anchor="ctr"/>
+          <a:lstStyle/>
+          <a:p>
+            <a:pPr algn="ctr"/>
+            <a:r>
+              <a:rPr lang="en-US" dirty="0"/>
+              <a:t>Laptop</a:t>
+            </a:r>
+          </a:p>
+        </p:txBody>
+      </p:sp>
+      <p:sp>
+        <p:nvSpPr>
+          <p:cNvPr id="20" name="Rectangle: Rounded Corners 19">
+            <a:extLst>
+              <a:ext uri="{FF2B5EF4-FFF2-40B4-BE49-F238E27FC236}">
+                <a16:creationId xmlns:a16="http://schemas.microsoft.com/office/drawing/2014/main" id="{AB5E6855-A9A9-4F18-925F-F70E5B41E567}"/>
+              </a:ext>
+            </a:extLst>
+          </p:cNvPr>
+          <p:cNvSpPr/>
+          <p:nvPr/>
+        </p:nvSpPr>
+        <p:spPr>
+          <a:xfrm>
+            <a:off x="7515726" y="4523869"/>
+            <a:ext cx="1548063" cy="1227221"/>
+          </a:xfrm>
+          <a:prstGeom prst="roundRect">
+            <a:avLst/>
+          </a:prstGeom>
+        </p:spPr>
+        <p:style>
+          <a:lnRef idx="2">
+            <a:schemeClr val="accent4">
+              <a:shade val="50000"/>
+            </a:schemeClr>
+          </a:lnRef>
+          <a:fillRef idx="1">
+            <a:schemeClr val="accent4"/>
+          </a:fillRef>
+          <a:effectRef idx="0">
+            <a:schemeClr val="accent4"/>
+          </a:effectRef>
+          <a:fontRef idx="minor">
+            <a:schemeClr val="lt1"/>
+          </a:fontRef>
+        </p:style>
+        <p:txBody>
+          <a:bodyPr rtlCol="0" anchor="ctr"/>
+          <a:lstStyle/>
+          <a:p>
+            <a:pPr algn="ctr"/>
+            <a:endParaRPr lang="en-US"/>
+          </a:p>
+        </p:txBody>
+      </p:sp>
+      <p:sp>
+        <p:nvSpPr>
+          <p:cNvPr id="21" name="Rectangle: Rounded Corners 20">
+            <a:extLst>
+              <a:ext uri="{FF2B5EF4-FFF2-40B4-BE49-F238E27FC236}">
+                <a16:creationId xmlns:a16="http://schemas.microsoft.com/office/drawing/2014/main" id="{5136549C-4A7E-4651-AAF0-1C3BC3AB78A8}"/>
+              </a:ext>
+            </a:extLst>
+          </p:cNvPr>
+          <p:cNvSpPr/>
+          <p:nvPr/>
+        </p:nvSpPr>
+        <p:spPr>
+          <a:xfrm>
+            <a:off x="7668126" y="4676269"/>
+            <a:ext cx="1548063" cy="1227221"/>
+          </a:xfrm>
+          <a:prstGeom prst="roundRect">
+            <a:avLst/>
+          </a:prstGeom>
+        </p:spPr>
+        <p:style>
+          <a:lnRef idx="2">
+            <a:schemeClr val="accent4">
+              <a:shade val="50000"/>
+            </a:schemeClr>
+          </a:lnRef>
+          <a:fillRef idx="1">
+            <a:schemeClr val="accent4"/>
+          </a:fillRef>
+          <a:effectRef idx="0">
+            <a:schemeClr val="accent4"/>
+          </a:effectRef>
+          <a:fontRef idx="minor">
+            <a:schemeClr val="lt1"/>
+          </a:fontRef>
+        </p:style>
+        <p:txBody>
+          <a:bodyPr rtlCol="0" anchor="ctr"/>
+          <a:lstStyle/>
+          <a:p>
+            <a:pPr algn="ctr"/>
+            <a:endParaRPr lang="en-US"/>
+          </a:p>
+        </p:txBody>
+      </p:sp>
+      <p:sp>
+        <p:nvSpPr>
+          <p:cNvPr id="22" name="Rectangle: Rounded Corners 21">
+            <a:extLst>
+              <a:ext uri="{FF2B5EF4-FFF2-40B4-BE49-F238E27FC236}">
+                <a16:creationId xmlns:a16="http://schemas.microsoft.com/office/drawing/2014/main" id="{D4626BD1-413C-4CDA-8EBA-86CE7E15BE52}"/>
+              </a:ext>
+            </a:extLst>
+          </p:cNvPr>
+          <p:cNvSpPr/>
+          <p:nvPr/>
+        </p:nvSpPr>
+        <p:spPr>
+          <a:xfrm>
+            <a:off x="7820526" y="4828669"/>
+            <a:ext cx="1548063" cy="1227221"/>
+          </a:xfrm>
+          <a:prstGeom prst="roundRect">
+            <a:avLst/>
+          </a:prstGeom>
+        </p:spPr>
+        <p:style>
+          <a:lnRef idx="2">
+            <a:schemeClr val="accent4">
+              <a:shade val="50000"/>
+            </a:schemeClr>
+          </a:lnRef>
+          <a:fillRef idx="1">
+            <a:schemeClr val="accent4"/>
+          </a:fillRef>
+          <a:effectRef idx="0">
+            <a:schemeClr val="accent4"/>
+          </a:effectRef>
+          <a:fontRef idx="minor">
+            <a:schemeClr val="lt1"/>
+          </a:fontRef>
+        </p:style>
+        <p:txBody>
+          <a:bodyPr rtlCol="0" anchor="ctr"/>
+          <a:lstStyle/>
+          <a:p>
+            <a:pPr algn="ctr"/>
+            <a:endParaRPr lang="en-US"/>
+          </a:p>
+        </p:txBody>
+      </p:sp>
+      <p:sp>
+        <p:nvSpPr>
+          <p:cNvPr id="23" name="Rectangle: Rounded Corners 22">
+            <a:extLst>
+              <a:ext uri="{FF2B5EF4-FFF2-40B4-BE49-F238E27FC236}">
+                <a16:creationId xmlns:a16="http://schemas.microsoft.com/office/drawing/2014/main" id="{7467B92B-CCF1-4062-B41A-CCA5EA59EEC7}"/>
+              </a:ext>
+            </a:extLst>
+          </p:cNvPr>
+          <p:cNvSpPr/>
+          <p:nvPr/>
+        </p:nvSpPr>
+        <p:spPr>
+          <a:xfrm>
+            <a:off x="7972926" y="4981069"/>
+            <a:ext cx="1548063" cy="1227221"/>
+          </a:xfrm>
+          <a:prstGeom prst="roundRect">
+            <a:avLst/>
+          </a:prstGeom>
+        </p:spPr>
+        <p:style>
+          <a:lnRef idx="2">
+            <a:schemeClr val="accent4">
+              <a:shade val="50000"/>
+            </a:schemeClr>
+          </a:lnRef>
+          <a:fillRef idx="1">
+            <a:schemeClr val="accent4"/>
+          </a:fillRef>
+          <a:effectRef idx="0">
+            <a:schemeClr val="accent4"/>
+          </a:effectRef>
+          <a:fontRef idx="minor">
+            <a:schemeClr val="lt1"/>
+          </a:fontRef>
+        </p:style>
+        <p:txBody>
+          <a:bodyPr rtlCol="0" anchor="ctr"/>
+          <a:lstStyle/>
+          <a:p>
+            <a:pPr algn="ctr"/>
+            <a:endParaRPr lang="en-US"/>
+          </a:p>
+        </p:txBody>
+      </p:sp>
+      <p:sp>
+        <p:nvSpPr>
+          <p:cNvPr id="24" name="Rectangle: Rounded Corners 23">
+            <a:extLst>
+              <a:ext uri="{FF2B5EF4-FFF2-40B4-BE49-F238E27FC236}">
+                <a16:creationId xmlns:a16="http://schemas.microsoft.com/office/drawing/2014/main" id="{8337AA0B-6536-4527-824D-39B212C8DC7A}"/>
+              </a:ext>
+            </a:extLst>
+          </p:cNvPr>
+          <p:cNvSpPr/>
+          <p:nvPr/>
+        </p:nvSpPr>
+        <p:spPr>
+          <a:xfrm>
+            <a:off x="8125326" y="5133469"/>
+            <a:ext cx="1548063" cy="1227221"/>
+          </a:xfrm>
+          <a:prstGeom prst="roundRect">
+            <a:avLst/>
+          </a:prstGeom>
+        </p:spPr>
+        <p:style>
+          <a:lnRef idx="2">
+            <a:schemeClr val="accent4">
+              <a:shade val="50000"/>
+            </a:schemeClr>
+          </a:lnRef>
+          <a:fillRef idx="1">
+            <a:schemeClr val="accent4"/>
+          </a:fillRef>
+          <a:effectRef idx="0">
+            <a:schemeClr val="accent4"/>
+          </a:effectRef>
+          <a:fontRef idx="minor">
+            <a:schemeClr val="lt1"/>
+          </a:fontRef>
+        </p:style>
+        <p:txBody>
+          <a:bodyPr rtlCol="0" anchor="ctr"/>
+          <a:lstStyle/>
+          <a:p>
+            <a:pPr algn="ctr"/>
+            <a:endParaRPr lang="en-US"/>
+          </a:p>
+        </p:txBody>
+      </p:sp>
+      <p:sp>
+        <p:nvSpPr>
+          <p:cNvPr id="25" name="Rectangle: Rounded Corners 24">
+            <a:extLst>
+              <a:ext uri="{FF2B5EF4-FFF2-40B4-BE49-F238E27FC236}">
+                <a16:creationId xmlns:a16="http://schemas.microsoft.com/office/drawing/2014/main" id="{B4E9058D-C526-4BA2-9836-367CBDACA183}"/>
+              </a:ext>
+            </a:extLst>
+          </p:cNvPr>
+          <p:cNvSpPr/>
+          <p:nvPr/>
+        </p:nvSpPr>
+        <p:spPr>
+          <a:xfrm>
+            <a:off x="8277726" y="5285869"/>
+            <a:ext cx="1548063" cy="1227221"/>
+          </a:xfrm>
+          <a:prstGeom prst="roundRect">
+            <a:avLst/>
+          </a:prstGeom>
+        </p:spPr>
+        <p:style>
+          <a:lnRef idx="2">
+            <a:schemeClr val="accent4">
+              <a:shade val="50000"/>
+            </a:schemeClr>
+          </a:lnRef>
+          <a:fillRef idx="1">
+            <a:schemeClr val="accent4"/>
+          </a:fillRef>
+          <a:effectRef idx="0">
+            <a:schemeClr val="accent4"/>
+          </a:effectRef>
+          <a:fontRef idx="minor">
+            <a:schemeClr val="lt1"/>
+          </a:fontRef>
+        </p:style>
+        <p:txBody>
+          <a:bodyPr rtlCol="0" anchor="ctr"/>
+          <a:lstStyle/>
+          <a:p>
+            <a:pPr algn="ctr"/>
+            <a:endParaRPr lang="en-US"/>
+          </a:p>
+        </p:txBody>
+      </p:sp>
+      <p:sp>
+        <p:nvSpPr>
+          <p:cNvPr id="26" name="Lightning Bolt 25">
+            <a:extLst>
+              <a:ext uri="{FF2B5EF4-FFF2-40B4-BE49-F238E27FC236}">
+                <a16:creationId xmlns:a16="http://schemas.microsoft.com/office/drawing/2014/main" id="{B0552281-112F-48E0-ACF9-7345BF73B062}"/>
+              </a:ext>
+            </a:extLst>
+          </p:cNvPr>
+          <p:cNvSpPr/>
+          <p:nvPr/>
+        </p:nvSpPr>
+        <p:spPr>
+          <a:xfrm flipH="1" flipV="1">
+            <a:off x="8013034" y="3681653"/>
+            <a:ext cx="824162" cy="922421"/>
+          </a:xfrm>
+          <a:prstGeom prst="lightningBolt">
+            <a:avLst/>
+          </a:prstGeom>
+        </p:spPr>
+        <p:style>
+          <a:lnRef idx="2">
+            <a:schemeClr val="accent2">
+              <a:shade val="50000"/>
+            </a:schemeClr>
+          </a:lnRef>
+          <a:fillRef idx="1">
+            <a:schemeClr val="accent2"/>
+          </a:fillRef>
+          <a:effectRef idx="0">
+            <a:schemeClr val="accent2"/>
+          </a:effectRef>
+          <a:fontRef idx="minor">
+            <a:schemeClr val="lt1"/>
+          </a:fontRef>
+        </p:style>
+        <p:txBody>
+          <a:bodyPr rtlCol="0" anchor="ctr"/>
+          <a:lstStyle/>
+          <a:p>
+            <a:pPr algn="ctr"/>
+            <a:endParaRPr lang="en-US"/>
+          </a:p>
+        </p:txBody>
+      </p:sp>
+      <p:sp>
+        <p:nvSpPr>
+          <p:cNvPr id="27" name="Rectangle: Rounded Corners 26">
+            <a:extLst>
+              <a:ext uri="{FF2B5EF4-FFF2-40B4-BE49-F238E27FC236}">
+                <a16:creationId xmlns:a16="http://schemas.microsoft.com/office/drawing/2014/main" id="{BFCF6D7C-74E6-49B3-9F7B-76E60C33782A}"/>
+              </a:ext>
+            </a:extLst>
+          </p:cNvPr>
+          <p:cNvSpPr/>
+          <p:nvPr/>
+        </p:nvSpPr>
+        <p:spPr>
+          <a:xfrm>
+            <a:off x="3709737" y="1850855"/>
+            <a:ext cx="1548063" cy="1227221"/>
+          </a:xfrm>
+          <a:prstGeom prst="roundRect">
+            <a:avLst/>
+          </a:prstGeom>
+        </p:spPr>
+        <p:style>
+          <a:lnRef idx="2">
+            <a:schemeClr val="accent4">
+              <a:shade val="50000"/>
+            </a:schemeClr>
+          </a:lnRef>
+          <a:fillRef idx="1">
+            <a:schemeClr val="accent4"/>
+          </a:fillRef>
+          <a:effectRef idx="0">
+            <a:schemeClr val="accent4"/>
+          </a:effectRef>
+          <a:fontRef idx="minor">
+            <a:schemeClr val="lt1"/>
+          </a:fontRef>
+        </p:style>
+        <p:txBody>
+          <a:bodyPr rtlCol="0" anchor="ctr"/>
+          <a:lstStyle/>
+          <a:p>
+            <a:pPr algn="ctr"/>
+            <a:endParaRPr lang="en-US"/>
+          </a:p>
+        </p:txBody>
+      </p:sp>
+      <p:sp>
+        <p:nvSpPr>
+          <p:cNvPr id="28" name="Rectangle: Rounded Corners 27">
+            <a:extLst>
+              <a:ext uri="{FF2B5EF4-FFF2-40B4-BE49-F238E27FC236}">
+                <a16:creationId xmlns:a16="http://schemas.microsoft.com/office/drawing/2014/main" id="{31553BC4-097D-41DE-BD3C-5192EF1CB5FD}"/>
+              </a:ext>
+            </a:extLst>
+          </p:cNvPr>
+          <p:cNvSpPr/>
+          <p:nvPr/>
+        </p:nvSpPr>
+        <p:spPr>
+          <a:xfrm>
+            <a:off x="3938337" y="2072560"/>
+            <a:ext cx="1548063" cy="1227221"/>
+          </a:xfrm>
+          <a:prstGeom prst="roundRect">
+            <a:avLst/>
+          </a:prstGeom>
+        </p:spPr>
+        <p:style>
+          <a:lnRef idx="2">
+            <a:schemeClr val="accent4">
+              <a:shade val="50000"/>
+            </a:schemeClr>
+          </a:lnRef>
+          <a:fillRef idx="1">
+            <a:schemeClr val="accent4"/>
+          </a:fillRef>
+          <a:effectRef idx="0">
+            <a:schemeClr val="accent4"/>
+          </a:effectRef>
+          <a:fontRef idx="minor">
+            <a:schemeClr val="lt1"/>
+          </a:fontRef>
+        </p:style>
+        <p:txBody>
+          <a:bodyPr rtlCol="0" anchor="ctr"/>
+          <a:lstStyle/>
+          <a:p>
+            <a:pPr algn="ctr"/>
+            <a:endParaRPr lang="en-US"/>
+          </a:p>
+        </p:txBody>
+      </p:sp>
+      <p:sp>
+        <p:nvSpPr>
+          <p:cNvPr id="29" name="Rectangle: Rounded Corners 28">
+            <a:extLst>
+              <a:ext uri="{FF2B5EF4-FFF2-40B4-BE49-F238E27FC236}">
+                <a16:creationId xmlns:a16="http://schemas.microsoft.com/office/drawing/2014/main" id="{AA940BA9-4358-43F8-8E6C-45A32CC27089}"/>
+              </a:ext>
+            </a:extLst>
+          </p:cNvPr>
+          <p:cNvSpPr/>
+          <p:nvPr/>
+        </p:nvSpPr>
+        <p:spPr>
+          <a:xfrm>
+            <a:off x="4223084" y="2249028"/>
+            <a:ext cx="1548063" cy="1227221"/>
+          </a:xfrm>
+          <a:prstGeom prst="roundRect">
+            <a:avLst/>
+          </a:prstGeom>
+        </p:spPr>
+        <p:style>
+          <a:lnRef idx="2">
+            <a:schemeClr val="accent4">
+              <a:shade val="50000"/>
+            </a:schemeClr>
+          </a:lnRef>
+          <a:fillRef idx="1">
+            <a:schemeClr val="accent4"/>
+          </a:fillRef>
+          <a:effectRef idx="0">
+            <a:schemeClr val="accent4"/>
+          </a:effectRef>
+          <a:fontRef idx="minor">
+            <a:schemeClr val="lt1"/>
+          </a:fontRef>
+        </p:style>
+        <p:txBody>
+          <a:bodyPr rtlCol="0" anchor="ctr"/>
+          <a:lstStyle/>
+          <a:p>
+            <a:pPr algn="ctr"/>
+            <a:endParaRPr lang="en-US"/>
+          </a:p>
+        </p:txBody>
+      </p:sp>
+      <p:sp>
+        <p:nvSpPr>
+          <p:cNvPr id="30" name="Rectangle: Rounded Corners 29">
+            <a:extLst>
+              <a:ext uri="{FF2B5EF4-FFF2-40B4-BE49-F238E27FC236}">
+                <a16:creationId xmlns:a16="http://schemas.microsoft.com/office/drawing/2014/main" id="{B53356A3-2AE8-4B6A-AFDA-2ACFDEB433D1}"/>
+              </a:ext>
+            </a:extLst>
+          </p:cNvPr>
+          <p:cNvSpPr/>
+          <p:nvPr/>
+        </p:nvSpPr>
+        <p:spPr>
+          <a:xfrm>
+            <a:off x="4543927" y="2425496"/>
+            <a:ext cx="1548063" cy="1227221"/>
+          </a:xfrm>
+          <a:prstGeom prst="roundRect">
+            <a:avLst/>
+          </a:prstGeom>
+        </p:spPr>
+        <p:style>
+          <a:lnRef idx="2">
+            <a:schemeClr val="accent4">
+              <a:shade val="50000"/>
+            </a:schemeClr>
+          </a:lnRef>
+          <a:fillRef idx="1">
+            <a:schemeClr val="accent4"/>
+          </a:fillRef>
+          <a:effectRef idx="0">
+            <a:schemeClr val="accent4"/>
+          </a:effectRef>
+          <a:fontRef idx="minor">
+            <a:schemeClr val="lt1"/>
+          </a:fontRef>
+        </p:style>
+        <p:txBody>
+          <a:bodyPr rtlCol="0" anchor="ctr"/>
+          <a:lstStyle/>
+          <a:p>
+            <a:pPr algn="ctr"/>
+            <a:endParaRPr lang="en-US"/>
+          </a:p>
+        </p:txBody>
+      </p:sp>
+    </p:spTree>
+    <p:extLst>
+      <p:ext uri="{BB962C8B-B14F-4D97-AF65-F5344CB8AC3E}">
+        <p14:creationId xmlns:p14="http://schemas.microsoft.com/office/powerpoint/2010/main" val="1318164771"/>
+      </p:ext>
+    </p:extLst>
+  </p:cSld>
+  <p:clrMapOvr>
+    <a:masterClrMapping/>
+  </p:clrMapOvr>
+</p:sld>
+</file>
+
 <file path=ppt/slides/slide5.xml><?xml version="1.0" encoding="utf-8"?>
 <p:sld xmlns:a="http://schemas.openxmlformats.org/drawingml/2006/main" xmlns:r="http://schemas.openxmlformats.org/officeDocument/2006/relationships" xmlns:p="http://schemas.openxmlformats.org/presentationml/2006/main">
   <p:cSld>

--- a/documents/DataStructures.pptx
+++ b/documents/DataStructures.pptx
@@ -45,6 +45,7 @@
     <p:sldId id="294" r:id="rId39"/>
     <p:sldId id="296" r:id="rId40"/>
     <p:sldId id="298" r:id="rId41"/>
+    <p:sldId id="299" r:id="rId42"/>
   </p:sldIdLst>
   <p:sldSz cx="12192000" cy="6858000"/>
   <p:notesSz cx="6858000" cy="9144000"/>
@@ -3405,7 +3406,7 @@
           <a:p>
             <a:fld id="{A987F1E3-30AB-49C9-8E4C-2EF75BE827A3}" type="datetimeFigureOut">
               <a:rPr lang="en-US" smtClean="0"/>
-              <a:t>5/15/2021</a:t>
+              <a:t>5/22/2021</a:t>
             </a:fld>
             <a:endParaRPr lang="en-US"/>
           </a:p>
@@ -3603,7 +3604,7 @@
           <a:p>
             <a:fld id="{A987F1E3-30AB-49C9-8E4C-2EF75BE827A3}" type="datetimeFigureOut">
               <a:rPr lang="en-US" smtClean="0"/>
-              <a:t>5/15/2021</a:t>
+              <a:t>5/22/2021</a:t>
             </a:fld>
             <a:endParaRPr lang="en-US"/>
           </a:p>
@@ -3811,7 +3812,7 @@
           <a:p>
             <a:fld id="{A987F1E3-30AB-49C9-8E4C-2EF75BE827A3}" type="datetimeFigureOut">
               <a:rPr lang="en-US" smtClean="0"/>
-              <a:t>5/15/2021</a:t>
+              <a:t>5/22/2021</a:t>
             </a:fld>
             <a:endParaRPr lang="en-US"/>
           </a:p>
@@ -4009,7 +4010,7 @@
           <a:p>
             <a:fld id="{A987F1E3-30AB-49C9-8E4C-2EF75BE827A3}" type="datetimeFigureOut">
               <a:rPr lang="en-US" smtClean="0"/>
-              <a:t>5/15/2021</a:t>
+              <a:t>5/22/2021</a:t>
             </a:fld>
             <a:endParaRPr lang="en-US"/>
           </a:p>
@@ -4284,7 +4285,7 @@
           <a:p>
             <a:fld id="{A987F1E3-30AB-49C9-8E4C-2EF75BE827A3}" type="datetimeFigureOut">
               <a:rPr lang="en-US" smtClean="0"/>
-              <a:t>5/15/2021</a:t>
+              <a:t>5/22/2021</a:t>
             </a:fld>
             <a:endParaRPr lang="en-US"/>
           </a:p>
@@ -4549,7 +4550,7 @@
           <a:p>
             <a:fld id="{A987F1E3-30AB-49C9-8E4C-2EF75BE827A3}" type="datetimeFigureOut">
               <a:rPr lang="en-US" smtClean="0"/>
-              <a:t>5/15/2021</a:t>
+              <a:t>5/22/2021</a:t>
             </a:fld>
             <a:endParaRPr lang="en-US"/>
           </a:p>
@@ -4961,7 +4962,7 @@
           <a:p>
             <a:fld id="{A987F1E3-30AB-49C9-8E4C-2EF75BE827A3}" type="datetimeFigureOut">
               <a:rPr lang="en-US" smtClean="0"/>
-              <a:t>5/15/2021</a:t>
+              <a:t>5/22/2021</a:t>
             </a:fld>
             <a:endParaRPr lang="en-US"/>
           </a:p>
@@ -5102,7 +5103,7 @@
           <a:p>
             <a:fld id="{A987F1E3-30AB-49C9-8E4C-2EF75BE827A3}" type="datetimeFigureOut">
               <a:rPr lang="en-US" smtClean="0"/>
-              <a:t>5/15/2021</a:t>
+              <a:t>5/22/2021</a:t>
             </a:fld>
             <a:endParaRPr lang="en-US"/>
           </a:p>
@@ -5215,7 +5216,7 @@
           <a:p>
             <a:fld id="{A987F1E3-30AB-49C9-8E4C-2EF75BE827A3}" type="datetimeFigureOut">
               <a:rPr lang="en-US" smtClean="0"/>
-              <a:t>5/15/2021</a:t>
+              <a:t>5/22/2021</a:t>
             </a:fld>
             <a:endParaRPr lang="en-US"/>
           </a:p>
@@ -5526,7 +5527,7 @@
           <a:p>
             <a:fld id="{A987F1E3-30AB-49C9-8E4C-2EF75BE827A3}" type="datetimeFigureOut">
               <a:rPr lang="en-US" smtClean="0"/>
-              <a:t>5/15/2021</a:t>
+              <a:t>5/22/2021</a:t>
             </a:fld>
             <a:endParaRPr lang="en-US"/>
           </a:p>
@@ -5814,7 +5815,7 @@
           <a:p>
             <a:fld id="{A987F1E3-30AB-49C9-8E4C-2EF75BE827A3}" type="datetimeFigureOut">
               <a:rPr lang="en-US" smtClean="0"/>
-              <a:t>5/15/2021</a:t>
+              <a:t>5/22/2021</a:t>
             </a:fld>
             <a:endParaRPr lang="en-US"/>
           </a:p>
@@ -6055,7 +6056,7 @@
           <a:p>
             <a:fld id="{A987F1E3-30AB-49C9-8E4C-2EF75BE827A3}" type="datetimeFigureOut">
               <a:rPr lang="en-US" smtClean="0"/>
-              <a:t>5/15/2021</a:t>
+              <a:t>5/22/2021</a:t>
             </a:fld>
             <a:endParaRPr lang="en-US"/>
           </a:p>
@@ -26234,7 +26235,7 @@
         </p:nvSpPr>
         <p:spPr>
           <a:xfrm>
-            <a:off x="3031958" y="3164306"/>
+            <a:off x="2894798" y="4316450"/>
             <a:ext cx="2005264" cy="264694"/>
           </a:xfrm>
           <a:prstGeom prst="rect">
@@ -26280,7 +26281,7 @@
         </p:nvSpPr>
         <p:spPr>
           <a:xfrm>
-            <a:off x="3031958" y="3597443"/>
+            <a:off x="2894798" y="4749587"/>
             <a:ext cx="2005264" cy="264694"/>
           </a:xfrm>
           <a:prstGeom prst="rect">
@@ -26326,7 +26327,7 @@
         </p:nvSpPr>
         <p:spPr>
           <a:xfrm>
-            <a:off x="3031958" y="4030580"/>
+            <a:off x="2894798" y="5182724"/>
             <a:ext cx="2005264" cy="264694"/>
           </a:xfrm>
           <a:prstGeom prst="rect">
@@ -26372,7 +26373,7 @@
         </p:nvSpPr>
         <p:spPr>
           <a:xfrm>
-            <a:off x="3031958" y="4463717"/>
+            <a:off x="2894798" y="5615861"/>
             <a:ext cx="2005264" cy="264694"/>
           </a:xfrm>
           <a:prstGeom prst="rect">
@@ -26418,7 +26419,7 @@
         </p:nvCxnSpPr>
         <p:spPr>
           <a:xfrm flipH="1">
-            <a:off x="3031958" y="3429000"/>
+            <a:off x="2894798" y="4581144"/>
             <a:ext cx="2005264" cy="168443"/>
           </a:xfrm>
           <a:prstGeom prst="line">
@@ -26454,7 +26455,7 @@
         </p:nvCxnSpPr>
         <p:spPr>
           <a:xfrm flipH="1">
-            <a:off x="3031958" y="3862137"/>
+            <a:off x="2894798" y="5014281"/>
             <a:ext cx="2005264" cy="168443"/>
           </a:xfrm>
           <a:prstGeom prst="line">
@@ -26490,7 +26491,7 @@
         </p:nvCxnSpPr>
         <p:spPr>
           <a:xfrm flipH="1">
-            <a:off x="3031958" y="4295274"/>
+            <a:off x="2894798" y="5447418"/>
             <a:ext cx="2005264" cy="168443"/>
           </a:xfrm>
           <a:prstGeom prst="line">
@@ -26578,6 +26579,399 @@
             <a:r>
               <a:rPr lang="en-US" dirty="0"/>
               <a:t>n-1</a:t>
+            </a:r>
+          </a:p>
+        </p:txBody>
+      </p:sp>
+      <p:cxnSp>
+        <p:nvCxnSpPr>
+          <p:cNvPr id="9" name="Straight Arrow Connector 8">
+            <a:extLst>
+              <a:ext uri="{FF2B5EF4-FFF2-40B4-BE49-F238E27FC236}">
+                <a16:creationId xmlns:a16="http://schemas.microsoft.com/office/drawing/2014/main" id="{D4E6941C-C74D-4326-8D6B-1E443C88E6C6}"/>
+              </a:ext>
+            </a:extLst>
+          </p:cNvPr>
+          <p:cNvCxnSpPr/>
+          <p:nvPr/>
+        </p:nvCxnSpPr>
+        <p:spPr>
+          <a:xfrm>
+            <a:off x="5749719" y="2021305"/>
+            <a:ext cx="0" cy="344906"/>
+          </a:xfrm>
+          <a:prstGeom prst="straightConnector1">
+            <a:avLst/>
+          </a:prstGeom>
+          <a:ln>
+            <a:tailEnd type="triangle"/>
+          </a:ln>
+        </p:spPr>
+        <p:style>
+          <a:lnRef idx="1">
+            <a:schemeClr val="accent1"/>
+          </a:lnRef>
+          <a:fillRef idx="0">
+            <a:schemeClr val="accent1"/>
+          </a:fillRef>
+          <a:effectRef idx="0">
+            <a:schemeClr val="accent1"/>
+          </a:effectRef>
+          <a:fontRef idx="minor">
+            <a:schemeClr val="tx1"/>
+          </a:fontRef>
+        </p:style>
+      </p:cxnSp>
+      <p:sp>
+        <p:nvSpPr>
+          <p:cNvPr id="15" name="TextBox 14">
+            <a:extLst>
+              <a:ext uri="{FF2B5EF4-FFF2-40B4-BE49-F238E27FC236}">
+                <a16:creationId xmlns:a16="http://schemas.microsoft.com/office/drawing/2014/main" id="{7C47A95D-8A0A-41CD-AC74-BBA1D8D6713F}"/>
+              </a:ext>
+            </a:extLst>
+          </p:cNvPr>
+          <p:cNvSpPr txBox="1"/>
+          <p:nvPr/>
+        </p:nvSpPr>
+        <p:spPr>
+          <a:xfrm>
+            <a:off x="5403438" y="1679866"/>
+            <a:ext cx="692562" cy="369332"/>
+          </a:xfrm>
+          <a:prstGeom prst="rect">
+            <a:avLst/>
+          </a:prstGeom>
+          <a:noFill/>
+        </p:spPr>
+        <p:txBody>
+          <a:bodyPr wrap="none" rtlCol="0">
+            <a:spAutoFit/>
+          </a:bodyPr>
+          <a:lstStyle/>
+          <a:p>
+            <a:r>
+              <a:rPr lang="en-US" dirty="0"/>
+              <a:t>index</a:t>
+            </a:r>
+          </a:p>
+        </p:txBody>
+      </p:sp>
+      <p:cxnSp>
+        <p:nvCxnSpPr>
+          <p:cNvPr id="16" name="Straight Arrow Connector 15">
+            <a:extLst>
+              <a:ext uri="{FF2B5EF4-FFF2-40B4-BE49-F238E27FC236}">
+                <a16:creationId xmlns:a16="http://schemas.microsoft.com/office/drawing/2014/main" id="{1CB966A2-C14A-40B5-8ED5-5C9A90D5E8E4}"/>
+              </a:ext>
+            </a:extLst>
+          </p:cNvPr>
+          <p:cNvCxnSpPr>
+            <a:cxnSpLocks/>
+          </p:cNvCxnSpPr>
+          <p:nvPr/>
+        </p:nvCxnSpPr>
+        <p:spPr>
+          <a:xfrm>
+            <a:off x="3785616" y="4002645"/>
+            <a:ext cx="534202" cy="739403"/>
+          </a:xfrm>
+          <a:prstGeom prst="straightConnector1">
+            <a:avLst/>
+          </a:prstGeom>
+          <a:ln>
+            <a:tailEnd type="triangle"/>
+          </a:ln>
+        </p:spPr>
+        <p:style>
+          <a:lnRef idx="1">
+            <a:schemeClr val="accent1"/>
+          </a:lnRef>
+          <a:fillRef idx="0">
+            <a:schemeClr val="accent1"/>
+          </a:fillRef>
+          <a:effectRef idx="0">
+            <a:schemeClr val="accent1"/>
+          </a:effectRef>
+          <a:fontRef idx="minor">
+            <a:schemeClr val="tx1"/>
+          </a:fontRef>
+        </p:style>
+      </p:cxnSp>
+      <p:sp>
+        <p:nvSpPr>
+          <p:cNvPr id="17" name="TextBox 16">
+            <a:extLst>
+              <a:ext uri="{FF2B5EF4-FFF2-40B4-BE49-F238E27FC236}">
+                <a16:creationId xmlns:a16="http://schemas.microsoft.com/office/drawing/2014/main" id="{EB59E761-19FE-4949-A55F-72D85D756787}"/>
+              </a:ext>
+            </a:extLst>
+          </p:cNvPr>
+          <p:cNvSpPr txBox="1"/>
+          <p:nvPr/>
+        </p:nvSpPr>
+        <p:spPr>
+          <a:xfrm>
+            <a:off x="3360155" y="3666329"/>
+            <a:ext cx="692562" cy="369332"/>
+          </a:xfrm>
+          <a:prstGeom prst="rect">
+            <a:avLst/>
+          </a:prstGeom>
+          <a:noFill/>
+        </p:spPr>
+        <p:txBody>
+          <a:bodyPr wrap="none" rtlCol="0">
+            <a:spAutoFit/>
+          </a:bodyPr>
+          <a:lstStyle/>
+          <a:p>
+            <a:r>
+              <a:rPr lang="en-US" dirty="0"/>
+              <a:t>index</a:t>
+            </a:r>
+          </a:p>
+        </p:txBody>
+      </p:sp>
+      <p:sp>
+        <p:nvSpPr>
+          <p:cNvPr id="19" name="Rectangle 18">
+            <a:extLst>
+              <a:ext uri="{FF2B5EF4-FFF2-40B4-BE49-F238E27FC236}">
+                <a16:creationId xmlns:a16="http://schemas.microsoft.com/office/drawing/2014/main" id="{D7BF714A-49AE-47FE-A680-EF619932149C}"/>
+              </a:ext>
+            </a:extLst>
+          </p:cNvPr>
+          <p:cNvSpPr/>
+          <p:nvPr/>
+        </p:nvSpPr>
+        <p:spPr>
+          <a:xfrm>
+            <a:off x="5651381" y="2366211"/>
+            <a:ext cx="233894" cy="261486"/>
+          </a:xfrm>
+          <a:prstGeom prst="rect">
+            <a:avLst/>
+          </a:prstGeom>
+        </p:spPr>
+        <p:style>
+          <a:lnRef idx="2">
+            <a:schemeClr val="accent2">
+              <a:shade val="50000"/>
+            </a:schemeClr>
+          </a:lnRef>
+          <a:fillRef idx="1">
+            <a:schemeClr val="accent2"/>
+          </a:fillRef>
+          <a:effectRef idx="0">
+            <a:schemeClr val="accent2"/>
+          </a:effectRef>
+          <a:fontRef idx="minor">
+            <a:schemeClr val="lt1"/>
+          </a:fontRef>
+        </p:style>
+        <p:txBody>
+          <a:bodyPr rtlCol="0" anchor="ctr"/>
+          <a:lstStyle/>
+          <a:p>
+            <a:pPr algn="ctr"/>
+            <a:endParaRPr lang="en-US"/>
+          </a:p>
+        </p:txBody>
+      </p:sp>
+      <p:sp>
+        <p:nvSpPr>
+          <p:cNvPr id="20" name="Rectangle 19">
+            <a:extLst>
+              <a:ext uri="{FF2B5EF4-FFF2-40B4-BE49-F238E27FC236}">
+                <a16:creationId xmlns:a16="http://schemas.microsoft.com/office/drawing/2014/main" id="{432AA520-103C-44B5-A509-CF28BECD0665}"/>
+              </a:ext>
+            </a:extLst>
+          </p:cNvPr>
+          <p:cNvSpPr/>
+          <p:nvPr/>
+        </p:nvSpPr>
+        <p:spPr>
+          <a:xfrm>
+            <a:off x="4202871" y="4751190"/>
+            <a:ext cx="233894" cy="261486"/>
+          </a:xfrm>
+          <a:prstGeom prst="rect">
+            <a:avLst/>
+          </a:prstGeom>
+        </p:spPr>
+        <p:style>
+          <a:lnRef idx="2">
+            <a:schemeClr val="accent2">
+              <a:shade val="50000"/>
+            </a:schemeClr>
+          </a:lnRef>
+          <a:fillRef idx="1">
+            <a:schemeClr val="accent2"/>
+          </a:fillRef>
+          <a:effectRef idx="0">
+            <a:schemeClr val="accent2"/>
+          </a:effectRef>
+          <a:fontRef idx="minor">
+            <a:schemeClr val="lt1"/>
+          </a:fontRef>
+        </p:style>
+        <p:txBody>
+          <a:bodyPr rtlCol="0" anchor="ctr"/>
+          <a:lstStyle/>
+          <a:p>
+            <a:pPr algn="ctr"/>
+            <a:endParaRPr lang="en-US"/>
+          </a:p>
+        </p:txBody>
+      </p:sp>
+      <p:cxnSp>
+        <p:nvCxnSpPr>
+          <p:cNvPr id="22" name="Straight Arrow Connector 21">
+            <a:extLst>
+              <a:ext uri="{FF2B5EF4-FFF2-40B4-BE49-F238E27FC236}">
+                <a16:creationId xmlns:a16="http://schemas.microsoft.com/office/drawing/2014/main" id="{3501C95B-708F-4E9C-A4FC-0F8FB7296E76}"/>
+              </a:ext>
+            </a:extLst>
+          </p:cNvPr>
+          <p:cNvCxnSpPr>
+            <a:cxnSpLocks/>
+            <a:endCxn id="20" idx="2"/>
+          </p:cNvCxnSpPr>
+          <p:nvPr/>
+        </p:nvCxnSpPr>
+        <p:spPr>
+          <a:xfrm flipV="1">
+            <a:off x="4319818" y="5012676"/>
+            <a:ext cx="0" cy="1186956"/>
+          </a:xfrm>
+          <a:prstGeom prst="straightConnector1">
+            <a:avLst/>
+          </a:prstGeom>
+          <a:ln>
+            <a:tailEnd type="triangle"/>
+          </a:ln>
+        </p:spPr>
+        <p:style>
+          <a:lnRef idx="1">
+            <a:schemeClr val="accent1"/>
+          </a:lnRef>
+          <a:fillRef idx="0">
+            <a:schemeClr val="accent1"/>
+          </a:fillRef>
+          <a:effectRef idx="0">
+            <a:schemeClr val="accent1"/>
+          </a:effectRef>
+          <a:fontRef idx="minor">
+            <a:schemeClr val="tx1"/>
+          </a:fontRef>
+        </p:style>
+      </p:cxnSp>
+      <p:sp>
+        <p:nvSpPr>
+          <p:cNvPr id="23" name="TextBox 22">
+            <a:extLst>
+              <a:ext uri="{FF2B5EF4-FFF2-40B4-BE49-F238E27FC236}">
+                <a16:creationId xmlns:a16="http://schemas.microsoft.com/office/drawing/2014/main" id="{6DA0C5F1-FEED-4E8F-9AD3-0C021CB645FD}"/>
+              </a:ext>
+            </a:extLst>
+          </p:cNvPr>
+          <p:cNvSpPr txBox="1"/>
+          <p:nvPr/>
+        </p:nvSpPr>
+        <p:spPr>
+          <a:xfrm>
+            <a:off x="4152713" y="6099188"/>
+            <a:ext cx="284052" cy="369332"/>
+          </a:xfrm>
+          <a:prstGeom prst="rect">
+            <a:avLst/>
+          </a:prstGeom>
+          <a:noFill/>
+        </p:spPr>
+        <p:txBody>
+          <a:bodyPr wrap="none" rtlCol="0">
+            <a:spAutoFit/>
+          </a:bodyPr>
+          <a:lstStyle/>
+          <a:p>
+            <a:r>
+              <a:rPr lang="en-US" dirty="0"/>
+              <a:t>x</a:t>
+            </a:r>
+          </a:p>
+        </p:txBody>
+      </p:sp>
+      <p:cxnSp>
+        <p:nvCxnSpPr>
+          <p:cNvPr id="25" name="Straight Arrow Connector 24">
+            <a:extLst>
+              <a:ext uri="{FF2B5EF4-FFF2-40B4-BE49-F238E27FC236}">
+                <a16:creationId xmlns:a16="http://schemas.microsoft.com/office/drawing/2014/main" id="{23668467-0F0A-4485-8834-80D3C3D1C994}"/>
+              </a:ext>
+            </a:extLst>
+          </p:cNvPr>
+          <p:cNvCxnSpPr/>
+          <p:nvPr/>
+        </p:nvCxnSpPr>
+        <p:spPr>
+          <a:xfrm flipH="1">
+            <a:off x="4436765" y="4877602"/>
+            <a:ext cx="1077067" cy="0"/>
+          </a:xfrm>
+          <a:prstGeom prst="straightConnector1">
+            <a:avLst/>
+          </a:prstGeom>
+          <a:ln>
+            <a:tailEnd type="triangle"/>
+          </a:ln>
+        </p:spPr>
+        <p:style>
+          <a:lnRef idx="1">
+            <a:schemeClr val="accent1"/>
+          </a:lnRef>
+          <a:fillRef idx="0">
+            <a:schemeClr val="accent1"/>
+          </a:fillRef>
+          <a:effectRef idx="0">
+            <a:schemeClr val="accent1"/>
+          </a:effectRef>
+          <a:fontRef idx="minor">
+            <a:schemeClr val="tx1"/>
+          </a:fontRef>
+        </p:style>
+      </p:cxnSp>
+      <p:sp>
+        <p:nvSpPr>
+          <p:cNvPr id="26" name="TextBox 25">
+            <a:extLst>
+              <a:ext uri="{FF2B5EF4-FFF2-40B4-BE49-F238E27FC236}">
+                <a16:creationId xmlns:a16="http://schemas.microsoft.com/office/drawing/2014/main" id="{DD7DFB0B-2EFB-40D4-AED8-7EB1E6AECFD8}"/>
+              </a:ext>
+            </a:extLst>
+          </p:cNvPr>
+          <p:cNvSpPr txBox="1"/>
+          <p:nvPr/>
+        </p:nvSpPr>
+        <p:spPr>
+          <a:xfrm>
+            <a:off x="5498272" y="4665504"/>
+            <a:ext cx="288862" cy="369332"/>
+          </a:xfrm>
+          <a:prstGeom prst="rect">
+            <a:avLst/>
+          </a:prstGeom>
+          <a:noFill/>
+        </p:spPr>
+        <p:txBody>
+          <a:bodyPr wrap="none" rtlCol="0">
+            <a:spAutoFit/>
+          </a:bodyPr>
+          <a:lstStyle/>
+          <a:p>
+            <a:r>
+              <a:rPr lang="en-US" dirty="0"/>
+              <a:t>y</a:t>
             </a:r>
           </a:p>
         </p:txBody>
@@ -36992,6 +37386,184 @@
     <p:extLst>
       <p:ext uri="{BB962C8B-B14F-4D97-AF65-F5344CB8AC3E}">
         <p14:creationId xmlns:p14="http://schemas.microsoft.com/office/powerpoint/2010/main" val="1318164771"/>
+      </p:ext>
+    </p:extLst>
+  </p:cSld>
+  <p:clrMapOvr>
+    <a:masterClrMapping/>
+  </p:clrMapOvr>
+</p:sld>
+</file>
+
+<file path=ppt/slides/slide41.xml><?xml version="1.0" encoding="utf-8"?>
+<p:sld xmlns:a="http://schemas.openxmlformats.org/drawingml/2006/main" xmlns:r="http://schemas.openxmlformats.org/officeDocument/2006/relationships" xmlns:p="http://schemas.openxmlformats.org/presentationml/2006/main">
+  <p:cSld>
+    <p:spTree>
+      <p:nvGrpSpPr>
+        <p:cNvPr id="1" name=""/>
+        <p:cNvGrpSpPr/>
+        <p:nvPr/>
+      </p:nvGrpSpPr>
+      <p:grpSpPr>
+        <a:xfrm>
+          <a:off x="0" y="0"/>
+          <a:ext cx="0" cy="0"/>
+          <a:chOff x="0" y="0"/>
+          <a:chExt cx="0" cy="0"/>
+        </a:xfrm>
+      </p:grpSpPr>
+      <p:sp>
+        <p:nvSpPr>
+          <p:cNvPr id="2" name="Title 1">
+            <a:extLst>
+              <a:ext uri="{FF2B5EF4-FFF2-40B4-BE49-F238E27FC236}">
+                <a16:creationId xmlns:a16="http://schemas.microsoft.com/office/drawing/2014/main" id="{BB19A44B-05F7-4F7F-8300-150665DCC42A}"/>
+              </a:ext>
+            </a:extLst>
+          </p:cNvPr>
+          <p:cNvSpPr>
+            <a:spLocks noGrp="1"/>
+          </p:cNvSpPr>
+          <p:nvPr>
+            <p:ph type="title"/>
+          </p:nvPr>
+        </p:nvSpPr>
+        <p:spPr/>
+        <p:txBody>
+          <a:bodyPr/>
+          <a:lstStyle/>
+          <a:p>
+            <a:r>
+              <a:rPr lang="en-US" dirty="0"/>
+              <a:t>Random number generation</a:t>
+            </a:r>
+          </a:p>
+        </p:txBody>
+      </p:sp>
+      <p:cxnSp>
+        <p:nvCxnSpPr>
+          <p:cNvPr id="5" name="Straight Connector 4">
+            <a:extLst>
+              <a:ext uri="{FF2B5EF4-FFF2-40B4-BE49-F238E27FC236}">
+                <a16:creationId xmlns:a16="http://schemas.microsoft.com/office/drawing/2014/main" id="{48ADAE0A-D4C3-4931-BE33-4D747CE98BAC}"/>
+              </a:ext>
+            </a:extLst>
+          </p:cNvPr>
+          <p:cNvCxnSpPr/>
+          <p:nvPr/>
+        </p:nvCxnSpPr>
+        <p:spPr>
+          <a:xfrm>
+            <a:off x="2879558" y="3721768"/>
+            <a:ext cx="5614737" cy="0"/>
+          </a:xfrm>
+          <a:prstGeom prst="line">
+            <a:avLst/>
+          </a:prstGeom>
+        </p:spPr>
+        <p:style>
+          <a:lnRef idx="3">
+            <a:schemeClr val="accent1"/>
+          </a:lnRef>
+          <a:fillRef idx="0">
+            <a:schemeClr val="accent1"/>
+          </a:fillRef>
+          <a:effectRef idx="2">
+            <a:schemeClr val="accent1"/>
+          </a:effectRef>
+          <a:fontRef idx="minor">
+            <a:schemeClr val="tx1"/>
+          </a:fontRef>
+        </p:style>
+      </p:cxnSp>
+      <p:sp>
+        <p:nvSpPr>
+          <p:cNvPr id="11" name="Rectangle 10">
+            <a:extLst>
+              <a:ext uri="{FF2B5EF4-FFF2-40B4-BE49-F238E27FC236}">
+                <a16:creationId xmlns:a16="http://schemas.microsoft.com/office/drawing/2014/main" id="{D1025662-0A12-4EF8-A828-FC3FB1D60EC7}"/>
+              </a:ext>
+            </a:extLst>
+          </p:cNvPr>
+          <p:cNvSpPr/>
+          <p:nvPr/>
+        </p:nvSpPr>
+        <p:spPr>
+          <a:xfrm>
+            <a:off x="2879558" y="2783305"/>
+            <a:ext cx="5614737" cy="818148"/>
+          </a:xfrm>
+          <a:prstGeom prst="rect">
+            <a:avLst/>
+          </a:prstGeom>
+        </p:spPr>
+        <p:style>
+          <a:lnRef idx="2">
+            <a:schemeClr val="accent4">
+              <a:shade val="50000"/>
+            </a:schemeClr>
+          </a:lnRef>
+          <a:fillRef idx="1">
+            <a:schemeClr val="accent4"/>
+          </a:fillRef>
+          <a:effectRef idx="0">
+            <a:schemeClr val="accent4"/>
+          </a:effectRef>
+          <a:fontRef idx="minor">
+            <a:schemeClr val="lt1"/>
+          </a:fontRef>
+        </p:style>
+        <p:txBody>
+          <a:bodyPr rtlCol="0" anchor="ctr"/>
+          <a:lstStyle/>
+          <a:p>
+            <a:pPr algn="ctr"/>
+            <a:endParaRPr lang="en-US"/>
+          </a:p>
+        </p:txBody>
+      </p:sp>
+      <p:cxnSp>
+        <p:nvCxnSpPr>
+          <p:cNvPr id="10" name="Straight Connector 9">
+            <a:extLst>
+              <a:ext uri="{FF2B5EF4-FFF2-40B4-BE49-F238E27FC236}">
+                <a16:creationId xmlns:a16="http://schemas.microsoft.com/office/drawing/2014/main" id="{15F20017-D750-4E1E-A5E8-39D610216FCD}"/>
+              </a:ext>
+            </a:extLst>
+          </p:cNvPr>
+          <p:cNvCxnSpPr>
+            <a:cxnSpLocks/>
+          </p:cNvCxnSpPr>
+          <p:nvPr/>
+        </p:nvCxnSpPr>
+        <p:spPr>
+          <a:xfrm>
+            <a:off x="4419599" y="2462464"/>
+            <a:ext cx="0" cy="1538037"/>
+          </a:xfrm>
+          <a:prstGeom prst="line">
+            <a:avLst/>
+          </a:prstGeom>
+        </p:spPr>
+        <p:style>
+          <a:lnRef idx="1">
+            <a:schemeClr val="accent1"/>
+          </a:lnRef>
+          <a:fillRef idx="0">
+            <a:schemeClr val="accent1"/>
+          </a:fillRef>
+          <a:effectRef idx="0">
+            <a:schemeClr val="accent1"/>
+          </a:effectRef>
+          <a:fontRef idx="minor">
+            <a:schemeClr val="tx1"/>
+          </a:fontRef>
+        </p:style>
+      </p:cxnSp>
+    </p:spTree>
+    <p:extLst>
+      <p:ext uri="{BB962C8B-B14F-4D97-AF65-F5344CB8AC3E}">
+        <p14:creationId xmlns:p14="http://schemas.microsoft.com/office/powerpoint/2010/main" val="3165143231"/>
       </p:ext>
     </p:extLst>
   </p:cSld>

--- a/documents/DataStructures.pptx
+++ b/documents/DataStructures.pptx
@@ -46,6 +46,7 @@
     <p:sldId id="296" r:id="rId40"/>
     <p:sldId id="298" r:id="rId41"/>
     <p:sldId id="299" r:id="rId42"/>
+    <p:sldId id="300" r:id="rId43"/>
   </p:sldIdLst>
   <p:sldSz cx="12192000" cy="6858000"/>
   <p:notesSz cx="6858000" cy="9144000"/>
@@ -3406,7 +3407,7 @@
           <a:p>
             <a:fld id="{A987F1E3-30AB-49C9-8E4C-2EF75BE827A3}" type="datetimeFigureOut">
               <a:rPr lang="en-US" smtClean="0"/>
-              <a:t>5/22/2021</a:t>
+              <a:t>5/25/2021</a:t>
             </a:fld>
             <a:endParaRPr lang="en-US"/>
           </a:p>
@@ -3604,7 +3605,7 @@
           <a:p>
             <a:fld id="{A987F1E3-30AB-49C9-8E4C-2EF75BE827A3}" type="datetimeFigureOut">
               <a:rPr lang="en-US" smtClean="0"/>
-              <a:t>5/22/2021</a:t>
+              <a:t>5/25/2021</a:t>
             </a:fld>
             <a:endParaRPr lang="en-US"/>
           </a:p>
@@ -3812,7 +3813,7 @@
           <a:p>
             <a:fld id="{A987F1E3-30AB-49C9-8E4C-2EF75BE827A3}" type="datetimeFigureOut">
               <a:rPr lang="en-US" smtClean="0"/>
-              <a:t>5/22/2021</a:t>
+              <a:t>5/25/2021</a:t>
             </a:fld>
             <a:endParaRPr lang="en-US"/>
           </a:p>
@@ -4010,7 +4011,7 @@
           <a:p>
             <a:fld id="{A987F1E3-30AB-49C9-8E4C-2EF75BE827A3}" type="datetimeFigureOut">
               <a:rPr lang="en-US" smtClean="0"/>
-              <a:t>5/22/2021</a:t>
+              <a:t>5/25/2021</a:t>
             </a:fld>
             <a:endParaRPr lang="en-US"/>
           </a:p>
@@ -4285,7 +4286,7 @@
           <a:p>
             <a:fld id="{A987F1E3-30AB-49C9-8E4C-2EF75BE827A3}" type="datetimeFigureOut">
               <a:rPr lang="en-US" smtClean="0"/>
-              <a:t>5/22/2021</a:t>
+              <a:t>5/25/2021</a:t>
             </a:fld>
             <a:endParaRPr lang="en-US"/>
           </a:p>
@@ -4550,7 +4551,7 @@
           <a:p>
             <a:fld id="{A987F1E3-30AB-49C9-8E4C-2EF75BE827A3}" type="datetimeFigureOut">
               <a:rPr lang="en-US" smtClean="0"/>
-              <a:t>5/22/2021</a:t>
+              <a:t>5/25/2021</a:t>
             </a:fld>
             <a:endParaRPr lang="en-US"/>
           </a:p>
@@ -4962,7 +4963,7 @@
           <a:p>
             <a:fld id="{A987F1E3-30AB-49C9-8E4C-2EF75BE827A3}" type="datetimeFigureOut">
               <a:rPr lang="en-US" smtClean="0"/>
-              <a:t>5/22/2021</a:t>
+              <a:t>5/25/2021</a:t>
             </a:fld>
             <a:endParaRPr lang="en-US"/>
           </a:p>
@@ -5103,7 +5104,7 @@
           <a:p>
             <a:fld id="{A987F1E3-30AB-49C9-8E4C-2EF75BE827A3}" type="datetimeFigureOut">
               <a:rPr lang="en-US" smtClean="0"/>
-              <a:t>5/22/2021</a:t>
+              <a:t>5/25/2021</a:t>
             </a:fld>
             <a:endParaRPr lang="en-US"/>
           </a:p>
@@ -5216,7 +5217,7 @@
           <a:p>
             <a:fld id="{A987F1E3-30AB-49C9-8E4C-2EF75BE827A3}" type="datetimeFigureOut">
               <a:rPr lang="en-US" smtClean="0"/>
-              <a:t>5/22/2021</a:t>
+              <a:t>5/25/2021</a:t>
             </a:fld>
             <a:endParaRPr lang="en-US"/>
           </a:p>
@@ -5527,7 +5528,7 @@
           <a:p>
             <a:fld id="{A987F1E3-30AB-49C9-8E4C-2EF75BE827A3}" type="datetimeFigureOut">
               <a:rPr lang="en-US" smtClean="0"/>
-              <a:t>5/22/2021</a:t>
+              <a:t>5/25/2021</a:t>
             </a:fld>
             <a:endParaRPr lang="en-US"/>
           </a:p>
@@ -5815,7 +5816,7 @@
           <a:p>
             <a:fld id="{A987F1E3-30AB-49C9-8E4C-2EF75BE827A3}" type="datetimeFigureOut">
               <a:rPr lang="en-US" smtClean="0"/>
-              <a:t>5/22/2021</a:t>
+              <a:t>5/25/2021</a:t>
             </a:fld>
             <a:endParaRPr lang="en-US"/>
           </a:p>
@@ -6056,7 +6057,7 @@
           <a:p>
             <a:fld id="{A987F1E3-30AB-49C9-8E4C-2EF75BE827A3}" type="datetimeFigureOut">
               <a:rPr lang="en-US" smtClean="0"/>
-              <a:t>5/22/2021</a:t>
+              <a:t>5/25/2021</a:t>
             </a:fld>
             <a:endParaRPr lang="en-US"/>
           </a:p>
@@ -37573,6 +37574,1454 @@
 </p:sld>
 </file>
 
+<file path=ppt/slides/slide42.xml><?xml version="1.0" encoding="utf-8"?>
+<p:sld xmlns:a="http://schemas.openxmlformats.org/drawingml/2006/main" xmlns:r="http://schemas.openxmlformats.org/officeDocument/2006/relationships" xmlns:p="http://schemas.openxmlformats.org/presentationml/2006/main">
+  <p:cSld>
+    <p:spTree>
+      <p:nvGrpSpPr>
+        <p:cNvPr id="1" name=""/>
+        <p:cNvGrpSpPr/>
+        <p:nvPr/>
+      </p:nvGrpSpPr>
+      <p:grpSpPr>
+        <a:xfrm>
+          <a:off x="0" y="0"/>
+          <a:ext cx="0" cy="0"/>
+          <a:chOff x="0" y="0"/>
+          <a:chExt cx="0" cy="0"/>
+        </a:xfrm>
+      </p:grpSpPr>
+      <p:sp>
+        <p:nvSpPr>
+          <p:cNvPr id="2" name="Title 1">
+            <a:extLst>
+              <a:ext uri="{FF2B5EF4-FFF2-40B4-BE49-F238E27FC236}">
+                <a16:creationId xmlns:a16="http://schemas.microsoft.com/office/drawing/2014/main" id="{980E8D71-6024-4D1F-BB8A-8A5D49460222}"/>
+              </a:ext>
+            </a:extLst>
+          </p:cNvPr>
+          <p:cNvSpPr>
+            <a:spLocks noGrp="1"/>
+          </p:cNvSpPr>
+          <p:nvPr>
+            <p:ph type="title"/>
+          </p:nvPr>
+        </p:nvSpPr>
+        <p:spPr/>
+        <p:txBody>
+          <a:bodyPr/>
+          <a:lstStyle/>
+          <a:p>
+            <a:r>
+              <a:rPr lang="en-US" dirty="0"/>
+              <a:t>Game of Life - Neighbors</a:t>
+            </a:r>
+          </a:p>
+        </p:txBody>
+      </p:sp>
+      <p:sp>
+        <p:nvSpPr>
+          <p:cNvPr id="4" name="Rectangle 3">
+            <a:extLst>
+              <a:ext uri="{FF2B5EF4-FFF2-40B4-BE49-F238E27FC236}">
+                <a16:creationId xmlns:a16="http://schemas.microsoft.com/office/drawing/2014/main" id="{85253688-B5A0-4F5F-BB2A-9A617C45A2AC}"/>
+              </a:ext>
+            </a:extLst>
+          </p:cNvPr>
+          <p:cNvSpPr/>
+          <p:nvPr/>
+        </p:nvSpPr>
+        <p:spPr>
+          <a:xfrm>
+            <a:off x="3173176" y="3317313"/>
+            <a:ext cx="721895" cy="673768"/>
+          </a:xfrm>
+          <a:prstGeom prst="rect">
+            <a:avLst/>
+          </a:prstGeom>
+        </p:spPr>
+        <p:style>
+          <a:lnRef idx="2">
+            <a:schemeClr val="accent4">
+              <a:shade val="50000"/>
+            </a:schemeClr>
+          </a:lnRef>
+          <a:fillRef idx="1">
+            <a:schemeClr val="accent4"/>
+          </a:fillRef>
+          <a:effectRef idx="0">
+            <a:schemeClr val="accent4"/>
+          </a:effectRef>
+          <a:fontRef idx="minor">
+            <a:schemeClr val="lt1"/>
+          </a:fontRef>
+        </p:style>
+        <p:txBody>
+          <a:bodyPr wrap="none" rtlCol="0" anchor="ctr"/>
+          <a:lstStyle/>
+          <a:p>
+            <a:pPr algn="ctr"/>
+            <a:r>
+              <a:rPr lang="en-US" dirty="0" err="1"/>
+              <a:t>x,y</a:t>
+            </a:r>
+            <a:endParaRPr lang="en-US" dirty="0"/>
+          </a:p>
+        </p:txBody>
+      </p:sp>
+      <p:sp>
+        <p:nvSpPr>
+          <p:cNvPr id="5" name="Rectangle 4">
+            <a:extLst>
+              <a:ext uri="{FF2B5EF4-FFF2-40B4-BE49-F238E27FC236}">
+                <a16:creationId xmlns:a16="http://schemas.microsoft.com/office/drawing/2014/main" id="{8A0A3F54-BC56-431C-8C0E-3DAF09B67740}"/>
+              </a:ext>
+            </a:extLst>
+          </p:cNvPr>
+          <p:cNvSpPr/>
+          <p:nvPr/>
+        </p:nvSpPr>
+        <p:spPr>
+          <a:xfrm>
+            <a:off x="3173173" y="2184590"/>
+            <a:ext cx="721895" cy="673768"/>
+          </a:xfrm>
+          <a:prstGeom prst="rect">
+            <a:avLst/>
+          </a:prstGeom>
+        </p:spPr>
+        <p:style>
+          <a:lnRef idx="2">
+            <a:schemeClr val="accent4">
+              <a:shade val="50000"/>
+            </a:schemeClr>
+          </a:lnRef>
+          <a:fillRef idx="1">
+            <a:schemeClr val="accent4"/>
+          </a:fillRef>
+          <a:effectRef idx="0">
+            <a:schemeClr val="accent4"/>
+          </a:effectRef>
+          <a:fontRef idx="minor">
+            <a:schemeClr val="lt1"/>
+          </a:fontRef>
+        </p:style>
+        <p:txBody>
+          <a:bodyPr wrap="none" rtlCol="0" anchor="ctr"/>
+          <a:lstStyle/>
+          <a:p>
+            <a:pPr algn="ctr"/>
+            <a:r>
+              <a:rPr lang="en-US" dirty="0"/>
+              <a:t>x,y-1</a:t>
+            </a:r>
+          </a:p>
+        </p:txBody>
+      </p:sp>
+      <p:sp>
+        <p:nvSpPr>
+          <p:cNvPr id="6" name="Rectangle 5">
+            <a:extLst>
+              <a:ext uri="{FF2B5EF4-FFF2-40B4-BE49-F238E27FC236}">
+                <a16:creationId xmlns:a16="http://schemas.microsoft.com/office/drawing/2014/main" id="{44BC1D14-1BAC-479A-8B09-07780E3B8557}"/>
+              </a:ext>
+            </a:extLst>
+          </p:cNvPr>
+          <p:cNvSpPr/>
+          <p:nvPr/>
+        </p:nvSpPr>
+        <p:spPr>
+          <a:xfrm>
+            <a:off x="3173174" y="4484983"/>
+            <a:ext cx="721895" cy="673768"/>
+          </a:xfrm>
+          <a:prstGeom prst="rect">
+            <a:avLst/>
+          </a:prstGeom>
+        </p:spPr>
+        <p:style>
+          <a:lnRef idx="2">
+            <a:schemeClr val="accent4">
+              <a:shade val="50000"/>
+            </a:schemeClr>
+          </a:lnRef>
+          <a:fillRef idx="1">
+            <a:schemeClr val="accent4"/>
+          </a:fillRef>
+          <a:effectRef idx="0">
+            <a:schemeClr val="accent4"/>
+          </a:effectRef>
+          <a:fontRef idx="minor">
+            <a:schemeClr val="lt1"/>
+          </a:fontRef>
+        </p:style>
+        <p:txBody>
+          <a:bodyPr wrap="none" rtlCol="0" anchor="ctr"/>
+          <a:lstStyle/>
+          <a:p>
+            <a:pPr algn="ctr"/>
+            <a:r>
+              <a:rPr lang="en-US" dirty="0"/>
+              <a:t>x,y+1</a:t>
+            </a:r>
+          </a:p>
+        </p:txBody>
+      </p:sp>
+      <p:sp>
+        <p:nvSpPr>
+          <p:cNvPr id="7" name="Rectangle 6">
+            <a:extLst>
+              <a:ext uri="{FF2B5EF4-FFF2-40B4-BE49-F238E27FC236}">
+                <a16:creationId xmlns:a16="http://schemas.microsoft.com/office/drawing/2014/main" id="{7FA775C2-074E-4DDB-990A-C2EC917111A2}"/>
+              </a:ext>
+            </a:extLst>
+          </p:cNvPr>
+          <p:cNvSpPr/>
+          <p:nvPr/>
+        </p:nvSpPr>
+        <p:spPr>
+          <a:xfrm>
+            <a:off x="1962005" y="3317313"/>
+            <a:ext cx="721895" cy="673768"/>
+          </a:xfrm>
+          <a:prstGeom prst="rect">
+            <a:avLst/>
+          </a:prstGeom>
+        </p:spPr>
+        <p:style>
+          <a:lnRef idx="2">
+            <a:schemeClr val="accent4">
+              <a:shade val="50000"/>
+            </a:schemeClr>
+          </a:lnRef>
+          <a:fillRef idx="1">
+            <a:schemeClr val="accent4"/>
+          </a:fillRef>
+          <a:effectRef idx="0">
+            <a:schemeClr val="accent4"/>
+          </a:effectRef>
+          <a:fontRef idx="minor">
+            <a:schemeClr val="lt1"/>
+          </a:fontRef>
+        </p:style>
+        <p:txBody>
+          <a:bodyPr wrap="none" rtlCol="0" anchor="ctr"/>
+          <a:lstStyle/>
+          <a:p>
+            <a:pPr algn="ctr"/>
+            <a:r>
+              <a:rPr lang="en-US" dirty="0"/>
+              <a:t>x-1,y</a:t>
+            </a:r>
+          </a:p>
+        </p:txBody>
+      </p:sp>
+      <p:sp>
+        <p:nvSpPr>
+          <p:cNvPr id="8" name="Rectangle 7">
+            <a:extLst>
+              <a:ext uri="{FF2B5EF4-FFF2-40B4-BE49-F238E27FC236}">
+                <a16:creationId xmlns:a16="http://schemas.microsoft.com/office/drawing/2014/main" id="{9A7955AA-4E85-4EFB-B30B-F73800BA9048}"/>
+              </a:ext>
+            </a:extLst>
+          </p:cNvPr>
+          <p:cNvSpPr/>
+          <p:nvPr/>
+        </p:nvSpPr>
+        <p:spPr>
+          <a:xfrm>
+            <a:off x="4384344" y="3317313"/>
+            <a:ext cx="721895" cy="673768"/>
+          </a:xfrm>
+          <a:prstGeom prst="rect">
+            <a:avLst/>
+          </a:prstGeom>
+        </p:spPr>
+        <p:style>
+          <a:lnRef idx="2">
+            <a:schemeClr val="accent4">
+              <a:shade val="50000"/>
+            </a:schemeClr>
+          </a:lnRef>
+          <a:fillRef idx="1">
+            <a:schemeClr val="accent4"/>
+          </a:fillRef>
+          <a:effectRef idx="0">
+            <a:schemeClr val="accent4"/>
+          </a:effectRef>
+          <a:fontRef idx="minor">
+            <a:schemeClr val="lt1"/>
+          </a:fontRef>
+        </p:style>
+        <p:txBody>
+          <a:bodyPr wrap="none" rtlCol="0" anchor="ctr"/>
+          <a:lstStyle/>
+          <a:p>
+            <a:pPr algn="ctr"/>
+            <a:r>
+              <a:rPr lang="en-US" dirty="0"/>
+              <a:t>x+1,y</a:t>
+            </a:r>
+          </a:p>
+        </p:txBody>
+      </p:sp>
+      <p:cxnSp>
+        <p:nvCxnSpPr>
+          <p:cNvPr id="9" name="Straight Arrow Connector 8">
+            <a:extLst>
+              <a:ext uri="{FF2B5EF4-FFF2-40B4-BE49-F238E27FC236}">
+                <a16:creationId xmlns:a16="http://schemas.microsoft.com/office/drawing/2014/main" id="{048829C5-E86E-41AD-932E-E585A6781C26}"/>
+              </a:ext>
+            </a:extLst>
+          </p:cNvPr>
+          <p:cNvCxnSpPr>
+            <a:stCxn id="4" idx="1"/>
+            <a:endCxn id="7" idx="3"/>
+          </p:cNvCxnSpPr>
+          <p:nvPr/>
+        </p:nvCxnSpPr>
+        <p:spPr>
+          <a:xfrm flipH="1">
+            <a:off x="2683900" y="3654197"/>
+            <a:ext cx="489276" cy="0"/>
+          </a:xfrm>
+          <a:prstGeom prst="straightConnector1">
+            <a:avLst/>
+          </a:prstGeom>
+          <a:ln>
+            <a:tailEnd type="triangle"/>
+          </a:ln>
+        </p:spPr>
+        <p:style>
+          <a:lnRef idx="1">
+            <a:schemeClr val="accent1"/>
+          </a:lnRef>
+          <a:fillRef idx="0">
+            <a:schemeClr val="accent1"/>
+          </a:fillRef>
+          <a:effectRef idx="0">
+            <a:schemeClr val="accent1"/>
+          </a:effectRef>
+          <a:fontRef idx="minor">
+            <a:schemeClr val="tx1"/>
+          </a:fontRef>
+        </p:style>
+      </p:cxnSp>
+      <p:cxnSp>
+        <p:nvCxnSpPr>
+          <p:cNvPr id="10" name="Straight Arrow Connector 9">
+            <a:extLst>
+              <a:ext uri="{FF2B5EF4-FFF2-40B4-BE49-F238E27FC236}">
+                <a16:creationId xmlns:a16="http://schemas.microsoft.com/office/drawing/2014/main" id="{9E1E3C0E-0D6F-447C-81E0-0C0372CC72A0}"/>
+              </a:ext>
+            </a:extLst>
+          </p:cNvPr>
+          <p:cNvCxnSpPr>
+            <a:stCxn id="4" idx="0"/>
+            <a:endCxn id="5" idx="2"/>
+          </p:cNvCxnSpPr>
+          <p:nvPr/>
+        </p:nvCxnSpPr>
+        <p:spPr>
+          <a:xfrm flipH="1" flipV="1">
+            <a:off x="3534121" y="2858358"/>
+            <a:ext cx="3" cy="458955"/>
+          </a:xfrm>
+          <a:prstGeom prst="straightConnector1">
+            <a:avLst/>
+          </a:prstGeom>
+          <a:ln>
+            <a:tailEnd type="triangle"/>
+          </a:ln>
+        </p:spPr>
+        <p:style>
+          <a:lnRef idx="1">
+            <a:schemeClr val="accent1"/>
+          </a:lnRef>
+          <a:fillRef idx="0">
+            <a:schemeClr val="accent1"/>
+          </a:fillRef>
+          <a:effectRef idx="0">
+            <a:schemeClr val="accent1"/>
+          </a:effectRef>
+          <a:fontRef idx="minor">
+            <a:schemeClr val="tx1"/>
+          </a:fontRef>
+        </p:style>
+      </p:cxnSp>
+      <p:cxnSp>
+        <p:nvCxnSpPr>
+          <p:cNvPr id="11" name="Straight Arrow Connector 10">
+            <a:extLst>
+              <a:ext uri="{FF2B5EF4-FFF2-40B4-BE49-F238E27FC236}">
+                <a16:creationId xmlns:a16="http://schemas.microsoft.com/office/drawing/2014/main" id="{06936F74-737B-4899-A8FC-FE2C766B68D9}"/>
+              </a:ext>
+            </a:extLst>
+          </p:cNvPr>
+          <p:cNvCxnSpPr>
+            <a:stCxn id="4" idx="3"/>
+            <a:endCxn id="8" idx="1"/>
+          </p:cNvCxnSpPr>
+          <p:nvPr/>
+        </p:nvCxnSpPr>
+        <p:spPr>
+          <a:xfrm>
+            <a:off x="3895071" y="3654197"/>
+            <a:ext cx="489273" cy="0"/>
+          </a:xfrm>
+          <a:prstGeom prst="straightConnector1">
+            <a:avLst/>
+          </a:prstGeom>
+          <a:ln>
+            <a:tailEnd type="triangle"/>
+          </a:ln>
+        </p:spPr>
+        <p:style>
+          <a:lnRef idx="1">
+            <a:schemeClr val="accent1"/>
+          </a:lnRef>
+          <a:fillRef idx="0">
+            <a:schemeClr val="accent1"/>
+          </a:fillRef>
+          <a:effectRef idx="0">
+            <a:schemeClr val="accent1"/>
+          </a:effectRef>
+          <a:fontRef idx="minor">
+            <a:schemeClr val="tx1"/>
+          </a:fontRef>
+        </p:style>
+      </p:cxnSp>
+      <p:cxnSp>
+        <p:nvCxnSpPr>
+          <p:cNvPr id="12" name="Straight Arrow Connector 11">
+            <a:extLst>
+              <a:ext uri="{FF2B5EF4-FFF2-40B4-BE49-F238E27FC236}">
+                <a16:creationId xmlns:a16="http://schemas.microsoft.com/office/drawing/2014/main" id="{7470A11A-FF84-4ADC-AE45-E4D384C6FE92}"/>
+              </a:ext>
+            </a:extLst>
+          </p:cNvPr>
+          <p:cNvCxnSpPr>
+            <a:stCxn id="4" idx="2"/>
+            <a:endCxn id="6" idx="0"/>
+          </p:cNvCxnSpPr>
+          <p:nvPr/>
+        </p:nvCxnSpPr>
+        <p:spPr>
+          <a:xfrm flipH="1">
+            <a:off x="3534122" y="3991081"/>
+            <a:ext cx="2" cy="493902"/>
+          </a:xfrm>
+          <a:prstGeom prst="straightConnector1">
+            <a:avLst/>
+          </a:prstGeom>
+          <a:ln>
+            <a:tailEnd type="triangle"/>
+          </a:ln>
+        </p:spPr>
+        <p:style>
+          <a:lnRef idx="1">
+            <a:schemeClr val="accent1"/>
+          </a:lnRef>
+          <a:fillRef idx="0">
+            <a:schemeClr val="accent1"/>
+          </a:fillRef>
+          <a:effectRef idx="0">
+            <a:schemeClr val="accent1"/>
+          </a:effectRef>
+          <a:fontRef idx="minor">
+            <a:schemeClr val="tx1"/>
+          </a:fontRef>
+        </p:style>
+      </p:cxnSp>
+      <p:sp>
+        <p:nvSpPr>
+          <p:cNvPr id="13" name="Rectangle 12">
+            <a:extLst>
+              <a:ext uri="{FF2B5EF4-FFF2-40B4-BE49-F238E27FC236}">
+                <a16:creationId xmlns:a16="http://schemas.microsoft.com/office/drawing/2014/main" id="{7282A3CF-BC46-4F44-A014-D3D532605670}"/>
+              </a:ext>
+            </a:extLst>
+          </p:cNvPr>
+          <p:cNvSpPr/>
+          <p:nvPr/>
+        </p:nvSpPr>
+        <p:spPr>
+          <a:xfrm>
+            <a:off x="1962004" y="2184590"/>
+            <a:ext cx="721895" cy="673768"/>
+          </a:xfrm>
+          <a:prstGeom prst="rect">
+            <a:avLst/>
+          </a:prstGeom>
+        </p:spPr>
+        <p:style>
+          <a:lnRef idx="2">
+            <a:schemeClr val="accent4">
+              <a:shade val="50000"/>
+            </a:schemeClr>
+          </a:lnRef>
+          <a:fillRef idx="1">
+            <a:schemeClr val="accent4"/>
+          </a:fillRef>
+          <a:effectRef idx="0">
+            <a:schemeClr val="accent4"/>
+          </a:effectRef>
+          <a:fontRef idx="minor">
+            <a:schemeClr val="lt1"/>
+          </a:fontRef>
+        </p:style>
+        <p:txBody>
+          <a:bodyPr wrap="none" rtlCol="0" anchor="ctr"/>
+          <a:lstStyle/>
+          <a:p>
+            <a:pPr algn="ctr"/>
+            <a:r>
+              <a:rPr lang="en-US" dirty="0"/>
+              <a:t>x-1, y-1</a:t>
+            </a:r>
+          </a:p>
+        </p:txBody>
+      </p:sp>
+      <p:sp>
+        <p:nvSpPr>
+          <p:cNvPr id="14" name="Rectangle 13">
+            <a:extLst>
+              <a:ext uri="{FF2B5EF4-FFF2-40B4-BE49-F238E27FC236}">
+                <a16:creationId xmlns:a16="http://schemas.microsoft.com/office/drawing/2014/main" id="{488492E3-F8B1-4278-8CEA-CDED36EDCEE4}"/>
+              </a:ext>
+            </a:extLst>
+          </p:cNvPr>
+          <p:cNvSpPr/>
+          <p:nvPr/>
+        </p:nvSpPr>
+        <p:spPr>
+          <a:xfrm>
+            <a:off x="1962004" y="4484983"/>
+            <a:ext cx="721895" cy="673768"/>
+          </a:xfrm>
+          <a:prstGeom prst="rect">
+            <a:avLst/>
+          </a:prstGeom>
+        </p:spPr>
+        <p:style>
+          <a:lnRef idx="2">
+            <a:schemeClr val="accent4">
+              <a:shade val="50000"/>
+            </a:schemeClr>
+          </a:lnRef>
+          <a:fillRef idx="1">
+            <a:schemeClr val="accent4"/>
+          </a:fillRef>
+          <a:effectRef idx="0">
+            <a:schemeClr val="accent4"/>
+          </a:effectRef>
+          <a:fontRef idx="minor">
+            <a:schemeClr val="lt1"/>
+          </a:fontRef>
+        </p:style>
+        <p:txBody>
+          <a:bodyPr wrap="none" rtlCol="0" anchor="ctr"/>
+          <a:lstStyle/>
+          <a:p>
+            <a:pPr algn="ctr"/>
+            <a:endParaRPr lang="en-US" dirty="0"/>
+          </a:p>
+        </p:txBody>
+      </p:sp>
+      <p:sp>
+        <p:nvSpPr>
+          <p:cNvPr id="15" name="Rectangle 14">
+            <a:extLst>
+              <a:ext uri="{FF2B5EF4-FFF2-40B4-BE49-F238E27FC236}">
+                <a16:creationId xmlns:a16="http://schemas.microsoft.com/office/drawing/2014/main" id="{18BBB451-DC83-4F81-A80B-9341ED7C9EC3}"/>
+              </a:ext>
+            </a:extLst>
+          </p:cNvPr>
+          <p:cNvSpPr/>
+          <p:nvPr/>
+        </p:nvSpPr>
+        <p:spPr>
+          <a:xfrm>
+            <a:off x="4384341" y="2184590"/>
+            <a:ext cx="721895" cy="673768"/>
+          </a:xfrm>
+          <a:prstGeom prst="rect">
+            <a:avLst/>
+          </a:prstGeom>
+        </p:spPr>
+        <p:style>
+          <a:lnRef idx="2">
+            <a:schemeClr val="accent4">
+              <a:shade val="50000"/>
+            </a:schemeClr>
+          </a:lnRef>
+          <a:fillRef idx="1">
+            <a:schemeClr val="accent4"/>
+          </a:fillRef>
+          <a:effectRef idx="0">
+            <a:schemeClr val="accent4"/>
+          </a:effectRef>
+          <a:fontRef idx="minor">
+            <a:schemeClr val="lt1"/>
+          </a:fontRef>
+        </p:style>
+        <p:txBody>
+          <a:bodyPr wrap="none" rtlCol="0" anchor="ctr"/>
+          <a:lstStyle/>
+          <a:p>
+            <a:pPr algn="ctr"/>
+            <a:endParaRPr lang="en-US" dirty="0"/>
+          </a:p>
+        </p:txBody>
+      </p:sp>
+      <p:sp>
+        <p:nvSpPr>
+          <p:cNvPr id="16" name="Rectangle 15">
+            <a:extLst>
+              <a:ext uri="{FF2B5EF4-FFF2-40B4-BE49-F238E27FC236}">
+                <a16:creationId xmlns:a16="http://schemas.microsoft.com/office/drawing/2014/main" id="{4242F77D-E49B-41FA-82EF-450C8E5914FF}"/>
+              </a:ext>
+            </a:extLst>
+          </p:cNvPr>
+          <p:cNvSpPr/>
+          <p:nvPr/>
+        </p:nvSpPr>
+        <p:spPr>
+          <a:xfrm>
+            <a:off x="4384341" y="4484983"/>
+            <a:ext cx="721895" cy="673768"/>
+          </a:xfrm>
+          <a:prstGeom prst="rect">
+            <a:avLst/>
+          </a:prstGeom>
+        </p:spPr>
+        <p:style>
+          <a:lnRef idx="2">
+            <a:schemeClr val="accent4">
+              <a:shade val="50000"/>
+            </a:schemeClr>
+          </a:lnRef>
+          <a:fillRef idx="1">
+            <a:schemeClr val="accent4"/>
+          </a:fillRef>
+          <a:effectRef idx="0">
+            <a:schemeClr val="accent4"/>
+          </a:effectRef>
+          <a:fontRef idx="minor">
+            <a:schemeClr val="lt1"/>
+          </a:fontRef>
+        </p:style>
+        <p:txBody>
+          <a:bodyPr wrap="none" rtlCol="0" anchor="ctr"/>
+          <a:lstStyle/>
+          <a:p>
+            <a:pPr algn="ctr"/>
+            <a:endParaRPr lang="en-US" dirty="0"/>
+          </a:p>
+        </p:txBody>
+      </p:sp>
+      <p:sp>
+        <p:nvSpPr>
+          <p:cNvPr id="17" name="Rectangle 16">
+            <a:extLst>
+              <a:ext uri="{FF2B5EF4-FFF2-40B4-BE49-F238E27FC236}">
+                <a16:creationId xmlns:a16="http://schemas.microsoft.com/office/drawing/2014/main" id="{073745E7-49BD-4AE5-81C9-C69C5B75547D}"/>
+              </a:ext>
+            </a:extLst>
+          </p:cNvPr>
+          <p:cNvSpPr/>
+          <p:nvPr/>
+        </p:nvSpPr>
+        <p:spPr>
+          <a:xfrm>
+            <a:off x="8499155" y="3317313"/>
+            <a:ext cx="721895" cy="673768"/>
+          </a:xfrm>
+          <a:prstGeom prst="rect">
+            <a:avLst/>
+          </a:prstGeom>
+        </p:spPr>
+        <p:style>
+          <a:lnRef idx="2">
+            <a:schemeClr val="accent2">
+              <a:shade val="50000"/>
+            </a:schemeClr>
+          </a:lnRef>
+          <a:fillRef idx="1">
+            <a:schemeClr val="accent2"/>
+          </a:fillRef>
+          <a:effectRef idx="0">
+            <a:schemeClr val="accent2"/>
+          </a:effectRef>
+          <a:fontRef idx="minor">
+            <a:schemeClr val="lt1"/>
+          </a:fontRef>
+        </p:style>
+        <p:txBody>
+          <a:bodyPr wrap="none" rtlCol="0" anchor="ctr"/>
+          <a:lstStyle/>
+          <a:p>
+            <a:pPr algn="ctr"/>
+            <a:r>
+              <a:rPr lang="en-US" dirty="0"/>
+              <a:t>x, y</a:t>
+            </a:r>
+          </a:p>
+        </p:txBody>
+      </p:sp>
+      <p:sp>
+        <p:nvSpPr>
+          <p:cNvPr id="18" name="Rectangle 17">
+            <a:extLst>
+              <a:ext uri="{FF2B5EF4-FFF2-40B4-BE49-F238E27FC236}">
+                <a16:creationId xmlns:a16="http://schemas.microsoft.com/office/drawing/2014/main" id="{301AEE38-B631-4D0F-83CE-9ACA46CAC821}"/>
+              </a:ext>
+            </a:extLst>
+          </p:cNvPr>
+          <p:cNvSpPr/>
+          <p:nvPr/>
+        </p:nvSpPr>
+        <p:spPr>
+          <a:xfrm>
+            <a:off x="8499152" y="2184590"/>
+            <a:ext cx="721895" cy="673768"/>
+          </a:xfrm>
+          <a:prstGeom prst="rect">
+            <a:avLst/>
+          </a:prstGeom>
+        </p:spPr>
+        <p:style>
+          <a:lnRef idx="2">
+            <a:schemeClr val="accent5">
+              <a:shade val="50000"/>
+            </a:schemeClr>
+          </a:lnRef>
+          <a:fillRef idx="1">
+            <a:schemeClr val="accent5"/>
+          </a:fillRef>
+          <a:effectRef idx="0">
+            <a:schemeClr val="accent5"/>
+          </a:effectRef>
+          <a:fontRef idx="minor">
+            <a:schemeClr val="lt1"/>
+          </a:fontRef>
+        </p:style>
+        <p:txBody>
+          <a:bodyPr wrap="none" rtlCol="0" anchor="ctr"/>
+          <a:lstStyle/>
+          <a:p>
+            <a:pPr algn="ctr"/>
+            <a:r>
+              <a:rPr lang="en-US" dirty="0"/>
+              <a:t>0, -1</a:t>
+            </a:r>
+          </a:p>
+        </p:txBody>
+      </p:sp>
+      <p:sp>
+        <p:nvSpPr>
+          <p:cNvPr id="19" name="Rectangle 18">
+            <a:extLst>
+              <a:ext uri="{FF2B5EF4-FFF2-40B4-BE49-F238E27FC236}">
+                <a16:creationId xmlns:a16="http://schemas.microsoft.com/office/drawing/2014/main" id="{65D62C33-390A-4BBC-BA51-68EF75673054}"/>
+              </a:ext>
+            </a:extLst>
+          </p:cNvPr>
+          <p:cNvSpPr/>
+          <p:nvPr/>
+        </p:nvSpPr>
+        <p:spPr>
+          <a:xfrm>
+            <a:off x="8499153" y="4484983"/>
+            <a:ext cx="721895" cy="673768"/>
+          </a:xfrm>
+          <a:prstGeom prst="rect">
+            <a:avLst/>
+          </a:prstGeom>
+        </p:spPr>
+        <p:style>
+          <a:lnRef idx="2">
+            <a:schemeClr val="accent5">
+              <a:shade val="50000"/>
+            </a:schemeClr>
+          </a:lnRef>
+          <a:fillRef idx="1">
+            <a:schemeClr val="accent5"/>
+          </a:fillRef>
+          <a:effectRef idx="0">
+            <a:schemeClr val="accent5"/>
+          </a:effectRef>
+          <a:fontRef idx="minor">
+            <a:schemeClr val="lt1"/>
+          </a:fontRef>
+        </p:style>
+        <p:txBody>
+          <a:bodyPr wrap="none" rtlCol="0" anchor="ctr"/>
+          <a:lstStyle/>
+          <a:p>
+            <a:pPr algn="ctr"/>
+            <a:r>
+              <a:rPr lang="en-US" dirty="0"/>
+              <a:t>0, +1</a:t>
+            </a:r>
+          </a:p>
+        </p:txBody>
+      </p:sp>
+      <p:sp>
+        <p:nvSpPr>
+          <p:cNvPr id="20" name="Rectangle 19">
+            <a:extLst>
+              <a:ext uri="{FF2B5EF4-FFF2-40B4-BE49-F238E27FC236}">
+                <a16:creationId xmlns:a16="http://schemas.microsoft.com/office/drawing/2014/main" id="{ED05CE3F-D3C0-4612-B580-A7235D5E25A9}"/>
+              </a:ext>
+            </a:extLst>
+          </p:cNvPr>
+          <p:cNvSpPr/>
+          <p:nvPr/>
+        </p:nvSpPr>
+        <p:spPr>
+          <a:xfrm>
+            <a:off x="7287984" y="3317313"/>
+            <a:ext cx="721895" cy="673768"/>
+          </a:xfrm>
+          <a:prstGeom prst="rect">
+            <a:avLst/>
+          </a:prstGeom>
+        </p:spPr>
+        <p:style>
+          <a:lnRef idx="2">
+            <a:schemeClr val="accent5">
+              <a:shade val="50000"/>
+            </a:schemeClr>
+          </a:lnRef>
+          <a:fillRef idx="1">
+            <a:schemeClr val="accent5"/>
+          </a:fillRef>
+          <a:effectRef idx="0">
+            <a:schemeClr val="accent5"/>
+          </a:effectRef>
+          <a:fontRef idx="minor">
+            <a:schemeClr val="lt1"/>
+          </a:fontRef>
+        </p:style>
+        <p:txBody>
+          <a:bodyPr wrap="none" rtlCol="0" anchor="ctr"/>
+          <a:lstStyle/>
+          <a:p>
+            <a:pPr algn="ctr"/>
+            <a:r>
+              <a:rPr lang="en-US" dirty="0"/>
+              <a:t>-1, 0</a:t>
+            </a:r>
+          </a:p>
+        </p:txBody>
+      </p:sp>
+      <p:sp>
+        <p:nvSpPr>
+          <p:cNvPr id="21" name="Rectangle 20">
+            <a:extLst>
+              <a:ext uri="{FF2B5EF4-FFF2-40B4-BE49-F238E27FC236}">
+                <a16:creationId xmlns:a16="http://schemas.microsoft.com/office/drawing/2014/main" id="{FB4F7432-67CC-4F18-8177-1A7307EA66FF}"/>
+              </a:ext>
+            </a:extLst>
+          </p:cNvPr>
+          <p:cNvSpPr/>
+          <p:nvPr/>
+        </p:nvSpPr>
+        <p:spPr>
+          <a:xfrm>
+            <a:off x="9710323" y="3317313"/>
+            <a:ext cx="721895" cy="673768"/>
+          </a:xfrm>
+          <a:prstGeom prst="rect">
+            <a:avLst/>
+          </a:prstGeom>
+        </p:spPr>
+        <p:style>
+          <a:lnRef idx="2">
+            <a:schemeClr val="accent5">
+              <a:shade val="50000"/>
+            </a:schemeClr>
+          </a:lnRef>
+          <a:fillRef idx="1">
+            <a:schemeClr val="accent5"/>
+          </a:fillRef>
+          <a:effectRef idx="0">
+            <a:schemeClr val="accent5"/>
+          </a:effectRef>
+          <a:fontRef idx="minor">
+            <a:schemeClr val="lt1"/>
+          </a:fontRef>
+        </p:style>
+        <p:txBody>
+          <a:bodyPr wrap="none" rtlCol="0" anchor="ctr"/>
+          <a:lstStyle/>
+          <a:p>
+            <a:pPr algn="ctr"/>
+            <a:r>
+              <a:rPr lang="en-US" dirty="0"/>
+              <a:t>+1, 0</a:t>
+            </a:r>
+          </a:p>
+        </p:txBody>
+      </p:sp>
+      <p:cxnSp>
+        <p:nvCxnSpPr>
+          <p:cNvPr id="22" name="Straight Arrow Connector 21">
+            <a:extLst>
+              <a:ext uri="{FF2B5EF4-FFF2-40B4-BE49-F238E27FC236}">
+                <a16:creationId xmlns:a16="http://schemas.microsoft.com/office/drawing/2014/main" id="{8BCD4AE2-D4C0-4D38-B1A7-97A19D2BF9D3}"/>
+              </a:ext>
+            </a:extLst>
+          </p:cNvPr>
+          <p:cNvCxnSpPr>
+            <a:stCxn id="17" idx="1"/>
+            <a:endCxn id="20" idx="3"/>
+          </p:cNvCxnSpPr>
+          <p:nvPr/>
+        </p:nvCxnSpPr>
+        <p:spPr>
+          <a:xfrm flipH="1">
+            <a:off x="8009879" y="3654197"/>
+            <a:ext cx="489276" cy="0"/>
+          </a:xfrm>
+          <a:prstGeom prst="straightConnector1">
+            <a:avLst/>
+          </a:prstGeom>
+          <a:ln>
+            <a:tailEnd type="triangle"/>
+          </a:ln>
+        </p:spPr>
+        <p:style>
+          <a:lnRef idx="2">
+            <a:schemeClr val="accent5">
+              <a:shade val="50000"/>
+            </a:schemeClr>
+          </a:lnRef>
+          <a:fillRef idx="1">
+            <a:schemeClr val="accent5"/>
+          </a:fillRef>
+          <a:effectRef idx="0">
+            <a:schemeClr val="accent5"/>
+          </a:effectRef>
+          <a:fontRef idx="minor">
+            <a:schemeClr val="lt1"/>
+          </a:fontRef>
+        </p:style>
+      </p:cxnSp>
+      <p:cxnSp>
+        <p:nvCxnSpPr>
+          <p:cNvPr id="23" name="Straight Arrow Connector 22">
+            <a:extLst>
+              <a:ext uri="{FF2B5EF4-FFF2-40B4-BE49-F238E27FC236}">
+                <a16:creationId xmlns:a16="http://schemas.microsoft.com/office/drawing/2014/main" id="{5AE27761-E76C-4620-8221-7147C293D5B3}"/>
+              </a:ext>
+            </a:extLst>
+          </p:cNvPr>
+          <p:cNvCxnSpPr>
+            <a:stCxn id="17" idx="0"/>
+            <a:endCxn id="18" idx="2"/>
+          </p:cNvCxnSpPr>
+          <p:nvPr/>
+        </p:nvCxnSpPr>
+        <p:spPr>
+          <a:xfrm flipH="1" flipV="1">
+            <a:off x="8860100" y="2858358"/>
+            <a:ext cx="3" cy="458955"/>
+          </a:xfrm>
+          <a:prstGeom prst="straightConnector1">
+            <a:avLst/>
+          </a:prstGeom>
+          <a:ln>
+            <a:tailEnd type="triangle"/>
+          </a:ln>
+        </p:spPr>
+        <p:style>
+          <a:lnRef idx="2">
+            <a:schemeClr val="accent5">
+              <a:shade val="50000"/>
+            </a:schemeClr>
+          </a:lnRef>
+          <a:fillRef idx="1">
+            <a:schemeClr val="accent5"/>
+          </a:fillRef>
+          <a:effectRef idx="0">
+            <a:schemeClr val="accent5"/>
+          </a:effectRef>
+          <a:fontRef idx="minor">
+            <a:schemeClr val="lt1"/>
+          </a:fontRef>
+        </p:style>
+      </p:cxnSp>
+      <p:cxnSp>
+        <p:nvCxnSpPr>
+          <p:cNvPr id="24" name="Straight Arrow Connector 23">
+            <a:extLst>
+              <a:ext uri="{FF2B5EF4-FFF2-40B4-BE49-F238E27FC236}">
+                <a16:creationId xmlns:a16="http://schemas.microsoft.com/office/drawing/2014/main" id="{D00E1495-844B-4A3E-8BC2-AE60B92E4F31}"/>
+              </a:ext>
+            </a:extLst>
+          </p:cNvPr>
+          <p:cNvCxnSpPr>
+            <a:stCxn id="17" idx="3"/>
+            <a:endCxn id="21" idx="1"/>
+          </p:cNvCxnSpPr>
+          <p:nvPr/>
+        </p:nvCxnSpPr>
+        <p:spPr>
+          <a:xfrm>
+            <a:off x="9221050" y="3654197"/>
+            <a:ext cx="489273" cy="0"/>
+          </a:xfrm>
+          <a:prstGeom prst="straightConnector1">
+            <a:avLst/>
+          </a:prstGeom>
+          <a:ln>
+            <a:tailEnd type="triangle"/>
+          </a:ln>
+        </p:spPr>
+        <p:style>
+          <a:lnRef idx="2">
+            <a:schemeClr val="accent5">
+              <a:shade val="50000"/>
+            </a:schemeClr>
+          </a:lnRef>
+          <a:fillRef idx="1">
+            <a:schemeClr val="accent5"/>
+          </a:fillRef>
+          <a:effectRef idx="0">
+            <a:schemeClr val="accent5"/>
+          </a:effectRef>
+          <a:fontRef idx="minor">
+            <a:schemeClr val="lt1"/>
+          </a:fontRef>
+        </p:style>
+      </p:cxnSp>
+      <p:cxnSp>
+        <p:nvCxnSpPr>
+          <p:cNvPr id="25" name="Straight Arrow Connector 24">
+            <a:extLst>
+              <a:ext uri="{FF2B5EF4-FFF2-40B4-BE49-F238E27FC236}">
+                <a16:creationId xmlns:a16="http://schemas.microsoft.com/office/drawing/2014/main" id="{842CA805-9046-4DC0-9C73-2AF559DA5387}"/>
+              </a:ext>
+            </a:extLst>
+          </p:cNvPr>
+          <p:cNvCxnSpPr>
+            <a:stCxn id="17" idx="2"/>
+            <a:endCxn id="19" idx="0"/>
+          </p:cNvCxnSpPr>
+          <p:nvPr/>
+        </p:nvCxnSpPr>
+        <p:spPr>
+          <a:xfrm flipH="1">
+            <a:off x="8860101" y="3991081"/>
+            <a:ext cx="2" cy="493902"/>
+          </a:xfrm>
+          <a:prstGeom prst="straightConnector1">
+            <a:avLst/>
+          </a:prstGeom>
+          <a:ln>
+            <a:tailEnd type="triangle"/>
+          </a:ln>
+        </p:spPr>
+        <p:style>
+          <a:lnRef idx="2">
+            <a:schemeClr val="accent5">
+              <a:shade val="50000"/>
+            </a:schemeClr>
+          </a:lnRef>
+          <a:fillRef idx="1">
+            <a:schemeClr val="accent5"/>
+          </a:fillRef>
+          <a:effectRef idx="0">
+            <a:schemeClr val="accent5"/>
+          </a:effectRef>
+          <a:fontRef idx="minor">
+            <a:schemeClr val="lt1"/>
+          </a:fontRef>
+        </p:style>
+      </p:cxnSp>
+      <p:sp>
+        <p:nvSpPr>
+          <p:cNvPr id="26" name="Rectangle 25">
+            <a:extLst>
+              <a:ext uri="{FF2B5EF4-FFF2-40B4-BE49-F238E27FC236}">
+                <a16:creationId xmlns:a16="http://schemas.microsoft.com/office/drawing/2014/main" id="{0DEFDB00-70DB-42BE-B289-81D7BB7876DA}"/>
+              </a:ext>
+            </a:extLst>
+          </p:cNvPr>
+          <p:cNvSpPr/>
+          <p:nvPr/>
+        </p:nvSpPr>
+        <p:spPr>
+          <a:xfrm>
+            <a:off x="7287983" y="2184590"/>
+            <a:ext cx="721895" cy="673768"/>
+          </a:xfrm>
+          <a:prstGeom prst="rect">
+            <a:avLst/>
+          </a:prstGeom>
+        </p:spPr>
+        <p:style>
+          <a:lnRef idx="2">
+            <a:schemeClr val="accent5">
+              <a:shade val="50000"/>
+            </a:schemeClr>
+          </a:lnRef>
+          <a:fillRef idx="1">
+            <a:schemeClr val="accent5"/>
+          </a:fillRef>
+          <a:effectRef idx="0">
+            <a:schemeClr val="accent5"/>
+          </a:effectRef>
+          <a:fontRef idx="minor">
+            <a:schemeClr val="lt1"/>
+          </a:fontRef>
+        </p:style>
+        <p:txBody>
+          <a:bodyPr wrap="none" rtlCol="0" anchor="ctr"/>
+          <a:lstStyle/>
+          <a:p>
+            <a:pPr algn="ctr"/>
+            <a:r>
+              <a:rPr lang="en-US" dirty="0"/>
+              <a:t>-1, -1</a:t>
+            </a:r>
+          </a:p>
+        </p:txBody>
+      </p:sp>
+      <p:sp>
+        <p:nvSpPr>
+          <p:cNvPr id="27" name="Rectangle 26">
+            <a:extLst>
+              <a:ext uri="{FF2B5EF4-FFF2-40B4-BE49-F238E27FC236}">
+                <a16:creationId xmlns:a16="http://schemas.microsoft.com/office/drawing/2014/main" id="{F998F421-C11D-4D27-91FB-610BA0ACD1F2}"/>
+              </a:ext>
+            </a:extLst>
+          </p:cNvPr>
+          <p:cNvSpPr/>
+          <p:nvPr/>
+        </p:nvSpPr>
+        <p:spPr>
+          <a:xfrm>
+            <a:off x="7287983" y="4484983"/>
+            <a:ext cx="721895" cy="673768"/>
+          </a:xfrm>
+          <a:prstGeom prst="rect">
+            <a:avLst/>
+          </a:prstGeom>
+        </p:spPr>
+        <p:style>
+          <a:lnRef idx="2">
+            <a:schemeClr val="accent5">
+              <a:shade val="50000"/>
+            </a:schemeClr>
+          </a:lnRef>
+          <a:fillRef idx="1">
+            <a:schemeClr val="accent5"/>
+          </a:fillRef>
+          <a:effectRef idx="0">
+            <a:schemeClr val="accent5"/>
+          </a:effectRef>
+          <a:fontRef idx="minor">
+            <a:schemeClr val="lt1"/>
+          </a:fontRef>
+        </p:style>
+        <p:txBody>
+          <a:bodyPr wrap="none" rtlCol="0" anchor="ctr"/>
+          <a:lstStyle/>
+          <a:p>
+            <a:pPr algn="ctr"/>
+            <a:r>
+              <a:rPr lang="en-US" dirty="0"/>
+              <a:t>-1, +1</a:t>
+            </a:r>
+          </a:p>
+        </p:txBody>
+      </p:sp>
+      <p:sp>
+        <p:nvSpPr>
+          <p:cNvPr id="28" name="Rectangle 27">
+            <a:extLst>
+              <a:ext uri="{FF2B5EF4-FFF2-40B4-BE49-F238E27FC236}">
+                <a16:creationId xmlns:a16="http://schemas.microsoft.com/office/drawing/2014/main" id="{9AE08A72-6040-405E-8C93-3E376605DF31}"/>
+              </a:ext>
+            </a:extLst>
+          </p:cNvPr>
+          <p:cNvSpPr/>
+          <p:nvPr/>
+        </p:nvSpPr>
+        <p:spPr>
+          <a:xfrm>
+            <a:off x="9710320" y="2184590"/>
+            <a:ext cx="721895" cy="673768"/>
+          </a:xfrm>
+          <a:prstGeom prst="rect">
+            <a:avLst/>
+          </a:prstGeom>
+        </p:spPr>
+        <p:style>
+          <a:lnRef idx="2">
+            <a:schemeClr val="accent5">
+              <a:shade val="50000"/>
+            </a:schemeClr>
+          </a:lnRef>
+          <a:fillRef idx="1">
+            <a:schemeClr val="accent5"/>
+          </a:fillRef>
+          <a:effectRef idx="0">
+            <a:schemeClr val="accent5"/>
+          </a:effectRef>
+          <a:fontRef idx="minor">
+            <a:schemeClr val="lt1"/>
+          </a:fontRef>
+        </p:style>
+        <p:txBody>
+          <a:bodyPr wrap="none" rtlCol="0" anchor="ctr"/>
+          <a:lstStyle/>
+          <a:p>
+            <a:pPr algn="ctr"/>
+            <a:r>
+              <a:rPr lang="en-US" dirty="0"/>
+              <a:t>+1, -1</a:t>
+            </a:r>
+          </a:p>
+        </p:txBody>
+      </p:sp>
+      <p:sp>
+        <p:nvSpPr>
+          <p:cNvPr id="29" name="Rectangle 28">
+            <a:extLst>
+              <a:ext uri="{FF2B5EF4-FFF2-40B4-BE49-F238E27FC236}">
+                <a16:creationId xmlns:a16="http://schemas.microsoft.com/office/drawing/2014/main" id="{546DA767-1A78-4D68-93D0-25C19D850F26}"/>
+              </a:ext>
+            </a:extLst>
+          </p:cNvPr>
+          <p:cNvSpPr/>
+          <p:nvPr/>
+        </p:nvSpPr>
+        <p:spPr>
+          <a:xfrm>
+            <a:off x="9710320" y="4484983"/>
+            <a:ext cx="721895" cy="673768"/>
+          </a:xfrm>
+          <a:prstGeom prst="rect">
+            <a:avLst/>
+          </a:prstGeom>
+        </p:spPr>
+        <p:style>
+          <a:lnRef idx="2">
+            <a:schemeClr val="accent5">
+              <a:shade val="50000"/>
+            </a:schemeClr>
+          </a:lnRef>
+          <a:fillRef idx="1">
+            <a:schemeClr val="accent5"/>
+          </a:fillRef>
+          <a:effectRef idx="0">
+            <a:schemeClr val="accent5"/>
+          </a:effectRef>
+          <a:fontRef idx="minor">
+            <a:schemeClr val="lt1"/>
+          </a:fontRef>
+        </p:style>
+        <p:txBody>
+          <a:bodyPr wrap="none" rtlCol="0" anchor="ctr"/>
+          <a:lstStyle/>
+          <a:p>
+            <a:pPr algn="ctr"/>
+            <a:r>
+              <a:rPr lang="en-US" dirty="0"/>
+              <a:t>+1, +1</a:t>
+            </a:r>
+          </a:p>
+        </p:txBody>
+      </p:sp>
+      <p:cxnSp>
+        <p:nvCxnSpPr>
+          <p:cNvPr id="30" name="Straight Arrow Connector 29">
+            <a:extLst>
+              <a:ext uri="{FF2B5EF4-FFF2-40B4-BE49-F238E27FC236}">
+                <a16:creationId xmlns:a16="http://schemas.microsoft.com/office/drawing/2014/main" id="{AD36A142-009D-4022-BE26-B5E8AD5E815B}"/>
+              </a:ext>
+            </a:extLst>
+          </p:cNvPr>
+          <p:cNvCxnSpPr>
+            <a:cxnSpLocks/>
+          </p:cNvCxnSpPr>
+          <p:nvPr/>
+        </p:nvCxnSpPr>
+        <p:spPr>
+          <a:xfrm flipH="1" flipV="1">
+            <a:off x="8009875" y="2840884"/>
+            <a:ext cx="489276" cy="476429"/>
+          </a:xfrm>
+          <a:prstGeom prst="straightConnector1">
+            <a:avLst/>
+          </a:prstGeom>
+          <a:ln>
+            <a:tailEnd type="triangle"/>
+          </a:ln>
+        </p:spPr>
+        <p:style>
+          <a:lnRef idx="2">
+            <a:schemeClr val="accent5">
+              <a:shade val="50000"/>
+            </a:schemeClr>
+          </a:lnRef>
+          <a:fillRef idx="1">
+            <a:schemeClr val="accent5"/>
+          </a:fillRef>
+          <a:effectRef idx="0">
+            <a:schemeClr val="accent5"/>
+          </a:effectRef>
+          <a:fontRef idx="minor">
+            <a:schemeClr val="lt1"/>
+          </a:fontRef>
+        </p:style>
+      </p:cxnSp>
+      <p:cxnSp>
+        <p:nvCxnSpPr>
+          <p:cNvPr id="35" name="Straight Arrow Connector 34">
+            <a:extLst>
+              <a:ext uri="{FF2B5EF4-FFF2-40B4-BE49-F238E27FC236}">
+                <a16:creationId xmlns:a16="http://schemas.microsoft.com/office/drawing/2014/main" id="{01643148-02B3-4D3D-9928-00EFC3E7D213}"/>
+              </a:ext>
+            </a:extLst>
+          </p:cNvPr>
+          <p:cNvCxnSpPr>
+            <a:cxnSpLocks/>
+          </p:cNvCxnSpPr>
+          <p:nvPr/>
+        </p:nvCxnSpPr>
+        <p:spPr>
+          <a:xfrm flipH="1">
+            <a:off x="8009875" y="3991081"/>
+            <a:ext cx="489276" cy="493902"/>
+          </a:xfrm>
+          <a:prstGeom prst="straightConnector1">
+            <a:avLst/>
+          </a:prstGeom>
+          <a:ln>
+            <a:tailEnd type="triangle"/>
+          </a:ln>
+        </p:spPr>
+        <p:style>
+          <a:lnRef idx="2">
+            <a:schemeClr val="accent5">
+              <a:shade val="50000"/>
+            </a:schemeClr>
+          </a:lnRef>
+          <a:fillRef idx="1">
+            <a:schemeClr val="accent5"/>
+          </a:fillRef>
+          <a:effectRef idx="0">
+            <a:schemeClr val="accent5"/>
+          </a:effectRef>
+          <a:fontRef idx="minor">
+            <a:schemeClr val="lt1"/>
+          </a:fontRef>
+        </p:style>
+      </p:cxnSp>
+      <p:cxnSp>
+        <p:nvCxnSpPr>
+          <p:cNvPr id="38" name="Straight Arrow Connector 37">
+            <a:extLst>
+              <a:ext uri="{FF2B5EF4-FFF2-40B4-BE49-F238E27FC236}">
+                <a16:creationId xmlns:a16="http://schemas.microsoft.com/office/drawing/2014/main" id="{E6A0964A-2001-4448-BEDB-C69ABC285085}"/>
+              </a:ext>
+            </a:extLst>
+          </p:cNvPr>
+          <p:cNvCxnSpPr>
+            <a:cxnSpLocks/>
+          </p:cNvCxnSpPr>
+          <p:nvPr/>
+        </p:nvCxnSpPr>
+        <p:spPr>
+          <a:xfrm flipV="1">
+            <a:off x="9221047" y="2858358"/>
+            <a:ext cx="489273" cy="458955"/>
+          </a:xfrm>
+          <a:prstGeom prst="straightConnector1">
+            <a:avLst/>
+          </a:prstGeom>
+          <a:ln>
+            <a:tailEnd type="triangle"/>
+          </a:ln>
+        </p:spPr>
+        <p:style>
+          <a:lnRef idx="2">
+            <a:schemeClr val="accent5">
+              <a:shade val="50000"/>
+            </a:schemeClr>
+          </a:lnRef>
+          <a:fillRef idx="1">
+            <a:schemeClr val="accent5"/>
+          </a:fillRef>
+          <a:effectRef idx="0">
+            <a:schemeClr val="accent5"/>
+          </a:effectRef>
+          <a:fontRef idx="minor">
+            <a:schemeClr val="lt1"/>
+          </a:fontRef>
+        </p:style>
+      </p:cxnSp>
+      <p:cxnSp>
+        <p:nvCxnSpPr>
+          <p:cNvPr id="41" name="Straight Arrow Connector 40">
+            <a:extLst>
+              <a:ext uri="{FF2B5EF4-FFF2-40B4-BE49-F238E27FC236}">
+                <a16:creationId xmlns:a16="http://schemas.microsoft.com/office/drawing/2014/main" id="{1AC6F7BC-411F-4E88-8B0A-292F1B85DE2F}"/>
+              </a:ext>
+            </a:extLst>
+          </p:cNvPr>
+          <p:cNvCxnSpPr>
+            <a:cxnSpLocks/>
+          </p:cNvCxnSpPr>
+          <p:nvPr/>
+        </p:nvCxnSpPr>
+        <p:spPr>
+          <a:xfrm>
+            <a:off x="9221047" y="3991081"/>
+            <a:ext cx="489273" cy="493902"/>
+          </a:xfrm>
+          <a:prstGeom prst="straightConnector1">
+            <a:avLst/>
+          </a:prstGeom>
+          <a:ln>
+            <a:tailEnd type="triangle"/>
+          </a:ln>
+        </p:spPr>
+        <p:style>
+          <a:lnRef idx="2">
+            <a:schemeClr val="accent5">
+              <a:shade val="50000"/>
+            </a:schemeClr>
+          </a:lnRef>
+          <a:fillRef idx="1">
+            <a:schemeClr val="accent5"/>
+          </a:fillRef>
+          <a:effectRef idx="0">
+            <a:schemeClr val="accent5"/>
+          </a:effectRef>
+          <a:fontRef idx="minor">
+            <a:schemeClr val="lt1"/>
+          </a:fontRef>
+        </p:style>
+      </p:cxnSp>
+    </p:spTree>
+    <p:extLst>
+      <p:ext uri="{BB962C8B-B14F-4D97-AF65-F5344CB8AC3E}">
+        <p14:creationId xmlns:p14="http://schemas.microsoft.com/office/powerpoint/2010/main" val="1172290579"/>
+      </p:ext>
+    </p:extLst>
+  </p:cSld>
+  <p:clrMapOvr>
+    <a:masterClrMapping/>
+  </p:clrMapOvr>
+</p:sld>
+</file>
+
 <file path=ppt/slides/slide5.xml><?xml version="1.0" encoding="utf-8"?>
 <p:sld xmlns:a="http://schemas.openxmlformats.org/drawingml/2006/main" xmlns:r="http://schemas.openxmlformats.org/officeDocument/2006/relationships" xmlns:p="http://schemas.openxmlformats.org/presentationml/2006/main">
   <p:cSld>

--- a/documents/DataStructures.pptx
+++ b/documents/DataStructures.pptx
@@ -59,6 +59,13 @@
     <p:sldId id="311" r:id="rId53"/>
     <p:sldId id="309" r:id="rId54"/>
     <p:sldId id="312" r:id="rId55"/>
+    <p:sldId id="313" r:id="rId56"/>
+    <p:sldId id="314" r:id="rId57"/>
+    <p:sldId id="315" r:id="rId58"/>
+    <p:sldId id="316" r:id="rId59"/>
+    <p:sldId id="317" r:id="rId60"/>
+    <p:sldId id="318" r:id="rId61"/>
+    <p:sldId id="319" r:id="rId62"/>
   </p:sldIdLst>
   <p:sldSz cx="12192000" cy="6858000"/>
   <p:notesSz cx="6858000" cy="9144000"/>
@@ -3419,7 +3426,7 @@
           <a:p>
             <a:fld id="{A987F1E3-30AB-49C9-8E4C-2EF75BE827A3}" type="datetimeFigureOut">
               <a:rPr lang="en-US" smtClean="0"/>
-              <a:t>6/23/2021</a:t>
+              <a:t>7/10/2021</a:t>
             </a:fld>
             <a:endParaRPr lang="en-US"/>
           </a:p>
@@ -3617,7 +3624,7 @@
           <a:p>
             <a:fld id="{A987F1E3-30AB-49C9-8E4C-2EF75BE827A3}" type="datetimeFigureOut">
               <a:rPr lang="en-US" smtClean="0"/>
-              <a:t>6/23/2021</a:t>
+              <a:t>7/10/2021</a:t>
             </a:fld>
             <a:endParaRPr lang="en-US"/>
           </a:p>
@@ -3825,7 +3832,7 @@
           <a:p>
             <a:fld id="{A987F1E3-30AB-49C9-8E4C-2EF75BE827A3}" type="datetimeFigureOut">
               <a:rPr lang="en-US" smtClean="0"/>
-              <a:t>6/23/2021</a:t>
+              <a:t>7/10/2021</a:t>
             </a:fld>
             <a:endParaRPr lang="en-US"/>
           </a:p>
@@ -4023,7 +4030,7 @@
           <a:p>
             <a:fld id="{A987F1E3-30AB-49C9-8E4C-2EF75BE827A3}" type="datetimeFigureOut">
               <a:rPr lang="en-US" smtClean="0"/>
-              <a:t>6/23/2021</a:t>
+              <a:t>7/10/2021</a:t>
             </a:fld>
             <a:endParaRPr lang="en-US"/>
           </a:p>
@@ -4298,7 +4305,7 @@
           <a:p>
             <a:fld id="{A987F1E3-30AB-49C9-8E4C-2EF75BE827A3}" type="datetimeFigureOut">
               <a:rPr lang="en-US" smtClean="0"/>
-              <a:t>6/23/2021</a:t>
+              <a:t>7/10/2021</a:t>
             </a:fld>
             <a:endParaRPr lang="en-US"/>
           </a:p>
@@ -4563,7 +4570,7 @@
           <a:p>
             <a:fld id="{A987F1E3-30AB-49C9-8E4C-2EF75BE827A3}" type="datetimeFigureOut">
               <a:rPr lang="en-US" smtClean="0"/>
-              <a:t>6/23/2021</a:t>
+              <a:t>7/10/2021</a:t>
             </a:fld>
             <a:endParaRPr lang="en-US"/>
           </a:p>
@@ -4975,7 +4982,7 @@
           <a:p>
             <a:fld id="{A987F1E3-30AB-49C9-8E4C-2EF75BE827A3}" type="datetimeFigureOut">
               <a:rPr lang="en-US" smtClean="0"/>
-              <a:t>6/23/2021</a:t>
+              <a:t>7/10/2021</a:t>
             </a:fld>
             <a:endParaRPr lang="en-US"/>
           </a:p>
@@ -5116,7 +5123,7 @@
           <a:p>
             <a:fld id="{A987F1E3-30AB-49C9-8E4C-2EF75BE827A3}" type="datetimeFigureOut">
               <a:rPr lang="en-US" smtClean="0"/>
-              <a:t>6/23/2021</a:t>
+              <a:t>7/10/2021</a:t>
             </a:fld>
             <a:endParaRPr lang="en-US"/>
           </a:p>
@@ -5229,7 +5236,7 @@
           <a:p>
             <a:fld id="{A987F1E3-30AB-49C9-8E4C-2EF75BE827A3}" type="datetimeFigureOut">
               <a:rPr lang="en-US" smtClean="0"/>
-              <a:t>6/23/2021</a:t>
+              <a:t>7/10/2021</a:t>
             </a:fld>
             <a:endParaRPr lang="en-US"/>
           </a:p>
@@ -5540,7 +5547,7 @@
           <a:p>
             <a:fld id="{A987F1E3-30AB-49C9-8E4C-2EF75BE827A3}" type="datetimeFigureOut">
               <a:rPr lang="en-US" smtClean="0"/>
-              <a:t>6/23/2021</a:t>
+              <a:t>7/10/2021</a:t>
             </a:fld>
             <a:endParaRPr lang="en-US"/>
           </a:p>
@@ -5828,7 +5835,7 @@
           <a:p>
             <a:fld id="{A987F1E3-30AB-49C9-8E4C-2EF75BE827A3}" type="datetimeFigureOut">
               <a:rPr lang="en-US" smtClean="0"/>
-              <a:t>6/23/2021</a:t>
+              <a:t>7/10/2021</a:t>
             </a:fld>
             <a:endParaRPr lang="en-US"/>
           </a:p>
@@ -6069,7 +6076,7 @@
           <a:p>
             <a:fld id="{A987F1E3-30AB-49C9-8E4C-2EF75BE827A3}" type="datetimeFigureOut">
               <a:rPr lang="en-US" smtClean="0"/>
-              <a:t>6/23/2021</a:t>
+              <a:t>7/10/2021</a:t>
             </a:fld>
             <a:endParaRPr lang="en-US"/>
           </a:p>
@@ -12132,8 +12139,8 @@
         </p:nvSpPr>
         <p:spPr>
           <a:xfrm>
-            <a:off x="914400" y="1612231"/>
-            <a:ext cx="4716379" cy="4042611"/>
+            <a:off x="893307" y="1362877"/>
+            <a:ext cx="4071196" cy="5385970"/>
           </a:xfrm>
           <a:prstGeom prst="rect">
             <a:avLst/>
@@ -12287,6 +12294,87 @@
               <a:t>}</a:t>
             </a:r>
           </a:p>
+          <a:p>
+            <a:endParaRPr lang="en-US" sz="1600" dirty="0">
+              <a:latin typeface="Consolas" panose="020B0609020204030204" pitchFamily="49" charset="0"/>
+            </a:endParaRPr>
+          </a:p>
+          <a:p>
+            <a:r>
+              <a:rPr lang="en-US" sz="1600" dirty="0">
+                <a:latin typeface="Consolas" panose="020B0609020204030204" pitchFamily="49" charset="0"/>
+              </a:rPr>
+              <a:t>class </a:t>
+            </a:r>
+            <a:r>
+              <a:rPr lang="en-US" sz="1600" dirty="0" err="1">
+                <a:latin typeface="Consolas" panose="020B0609020204030204" pitchFamily="49" charset="0"/>
+              </a:rPr>
+              <a:t>AnimalCafe</a:t>
+            </a:r>
+            <a:r>
+              <a:rPr lang="en-US" sz="1600" dirty="0">
+                <a:latin typeface="Consolas" panose="020B0609020204030204" pitchFamily="49" charset="0"/>
+              </a:rPr>
+              <a:t> {</a:t>
+            </a:r>
+          </a:p>
+          <a:p>
+            <a:r>
+              <a:rPr lang="en-US" sz="1600" dirty="0">
+                <a:latin typeface="Consolas" panose="020B0609020204030204" pitchFamily="49" charset="0"/>
+              </a:rPr>
+              <a:t>  feed(animals) {</a:t>
+            </a:r>
+          </a:p>
+          <a:p>
+            <a:r>
+              <a:rPr lang="en-US" sz="1600" dirty="0">
+                <a:latin typeface="Consolas" panose="020B0609020204030204" pitchFamily="49" charset="0"/>
+              </a:rPr>
+              <a:t>    </a:t>
+            </a:r>
+            <a:r>
+              <a:rPr lang="en-US" sz="1600" dirty="0" err="1">
+                <a:latin typeface="Consolas" panose="020B0609020204030204" pitchFamily="49" charset="0"/>
+              </a:rPr>
+              <a:t>animals.forEach</a:t>
+            </a:r>
+            <a:r>
+              <a:rPr lang="en-US" sz="1600" dirty="0">
+                <a:latin typeface="Consolas" panose="020B0609020204030204" pitchFamily="49" charset="0"/>
+              </a:rPr>
+              <a:t>(a =&gt; </a:t>
+            </a:r>
+            <a:r>
+              <a:rPr lang="en-US" sz="1600" dirty="0" err="1">
+                <a:latin typeface="Consolas" panose="020B0609020204030204" pitchFamily="49" charset="0"/>
+              </a:rPr>
+              <a:t>a.eat</a:t>
+            </a:r>
+            <a:r>
+              <a:rPr lang="en-US" sz="1600" dirty="0">
+                <a:latin typeface="Consolas" panose="020B0609020204030204" pitchFamily="49" charset="0"/>
+              </a:rPr>
+              <a:t>());</a:t>
+            </a:r>
+          </a:p>
+          <a:p>
+            <a:r>
+              <a:rPr lang="en-US" sz="1600" dirty="0">
+                <a:latin typeface="Consolas" panose="020B0609020204030204" pitchFamily="49" charset="0"/>
+              </a:rPr>
+              <a:t>  }</a:t>
+            </a:r>
+          </a:p>
+          <a:p>
+            <a:r>
+              <a:rPr lang="en-US" sz="1600" dirty="0">
+                <a:latin typeface="Consolas" panose="020B0609020204030204" pitchFamily="49" charset="0"/>
+              </a:rPr>
+              <a:t>}</a:t>
+            </a:r>
+          </a:p>
         </p:txBody>
       </p:sp>
       <p:sp>
@@ -12303,7 +12391,7 @@
         </p:nvSpPr>
         <p:spPr>
           <a:xfrm>
-            <a:off x="6979375" y="4646726"/>
+            <a:off x="8720890" y="4590275"/>
             <a:ext cx="3424989" cy="2102121"/>
           </a:xfrm>
           <a:prstGeom prst="rect">
@@ -12426,6 +12514,139 @@
                 <a:latin typeface="Consolas" panose="020B0609020204030204" pitchFamily="49" charset="0"/>
               </a:rPr>
               <a:t>();</a:t>
+            </a:r>
+          </a:p>
+        </p:txBody>
+      </p:sp>
+      <p:sp>
+        <p:nvSpPr>
+          <p:cNvPr id="4" name="TextBox 3">
+            <a:extLst>
+              <a:ext uri="{FF2B5EF4-FFF2-40B4-BE49-F238E27FC236}">
+                <a16:creationId xmlns:a16="http://schemas.microsoft.com/office/drawing/2014/main" id="{31BDB71D-DFF3-4B4B-8ACD-EA8AF6B3743D}"/>
+              </a:ext>
+            </a:extLst>
+          </p:cNvPr>
+          <p:cNvSpPr txBox="1"/>
+          <p:nvPr/>
+        </p:nvSpPr>
+        <p:spPr>
+          <a:xfrm>
+            <a:off x="9403782" y="41959"/>
+            <a:ext cx="2742097" cy="646331"/>
+          </a:xfrm>
+          <a:prstGeom prst="rect">
+            <a:avLst/>
+          </a:prstGeom>
+          <a:noFill/>
+        </p:spPr>
+        <p:txBody>
+          <a:bodyPr wrap="none" rtlCol="0">
+            <a:spAutoFit/>
+          </a:bodyPr>
+          <a:lstStyle/>
+          <a:p>
+            <a:pPr marL="285750" indent="-285750">
+              <a:buFont typeface="Arial" panose="020B0604020202020204" pitchFamily="34" charset="0"/>
+              <a:buChar char="•"/>
+            </a:pPr>
+            <a:r>
+              <a:rPr lang="en-US" dirty="0"/>
+              <a:t>Reuse (no copy &amp; paste)</a:t>
+            </a:r>
+          </a:p>
+          <a:p>
+            <a:pPr marL="285750" indent="-285750">
+              <a:buFont typeface="Arial" panose="020B0604020202020204" pitchFamily="34" charset="0"/>
+              <a:buChar char="•"/>
+            </a:pPr>
+            <a:r>
+              <a:rPr lang="en-US" dirty="0"/>
+              <a:t>Polymorphism</a:t>
+            </a:r>
+          </a:p>
+        </p:txBody>
+      </p:sp>
+      <p:sp>
+        <p:nvSpPr>
+          <p:cNvPr id="5" name="Rectangle 4">
+            <a:extLst>
+              <a:ext uri="{FF2B5EF4-FFF2-40B4-BE49-F238E27FC236}">
+                <a16:creationId xmlns:a16="http://schemas.microsoft.com/office/drawing/2014/main" id="{B1173D99-96F7-46C4-BB7B-15676A3C94CA}"/>
+              </a:ext>
+            </a:extLst>
+          </p:cNvPr>
+          <p:cNvSpPr/>
+          <p:nvPr/>
+        </p:nvSpPr>
+        <p:spPr>
+          <a:xfrm>
+            <a:off x="5205664" y="4646726"/>
+            <a:ext cx="3360820" cy="1978663"/>
+          </a:xfrm>
+          <a:prstGeom prst="rect">
+            <a:avLst/>
+          </a:prstGeom>
+        </p:spPr>
+        <p:style>
+          <a:lnRef idx="2">
+            <a:schemeClr val="accent6">
+              <a:shade val="50000"/>
+            </a:schemeClr>
+          </a:lnRef>
+          <a:fillRef idx="1">
+            <a:schemeClr val="accent6"/>
+          </a:fillRef>
+          <a:effectRef idx="0">
+            <a:schemeClr val="accent6"/>
+          </a:effectRef>
+          <a:fontRef idx="minor">
+            <a:schemeClr val="lt1"/>
+          </a:fontRef>
+        </p:style>
+        <p:txBody>
+          <a:bodyPr rtlCol="0" anchor="ctr"/>
+          <a:lstStyle/>
+          <a:p>
+            <a:r>
+              <a:rPr lang="en-US" dirty="0"/>
+              <a:t>let animals = [ </a:t>
+            </a:r>
+          </a:p>
+          <a:p>
+            <a:r>
+              <a:rPr lang="en-US" dirty="0"/>
+              <a:t>  new Cat(), new Dog(), new Dog()</a:t>
+            </a:r>
+          </a:p>
+          <a:p>
+            <a:r>
+              <a:rPr lang="en-US" dirty="0"/>
+              <a:t>];</a:t>
+            </a:r>
+          </a:p>
+          <a:p>
+            <a:r>
+              <a:rPr lang="en-US" dirty="0"/>
+              <a:t>let café = new </a:t>
+            </a:r>
+            <a:r>
+              <a:rPr lang="en-US" dirty="0" err="1"/>
+              <a:t>AnimalCafe</a:t>
+            </a:r>
+            <a:r>
+              <a:rPr lang="en-US" dirty="0"/>
+              <a:t>();</a:t>
+            </a:r>
+          </a:p>
+          <a:p>
+            <a:r>
+              <a:rPr lang="en-US" dirty="0" err="1"/>
+              <a:t>café.feed</a:t>
+            </a:r>
+            <a:r>
+              <a:rPr lang="en-US" dirty="0"/>
+              <a:t>(animals);</a:t>
             </a:r>
           </a:p>
         </p:txBody>
@@ -44225,6 +44446,13 @@
               <a:t>data.size</a:t>
             </a:r>
             <a:endParaRPr lang="en-US" dirty="0"/>
+          </a:p>
+          <a:p>
+            <a:pPr lvl="1"/>
+            <a:r>
+              <a:rPr lang="en-US" dirty="0"/>
+              <a:t>data.id = student;</a:t>
+            </a:r>
           </a:p>
         </p:txBody>
       </p:sp>
@@ -52163,6 +52391,4476 @@
 </p:sld>
 </file>
 
+<file path=ppt/slides/slide55.xml><?xml version="1.0" encoding="utf-8"?>
+<p:sld xmlns:a="http://schemas.openxmlformats.org/drawingml/2006/main" xmlns:r="http://schemas.openxmlformats.org/officeDocument/2006/relationships" xmlns:p="http://schemas.openxmlformats.org/presentationml/2006/main">
+  <p:cSld>
+    <p:spTree>
+      <p:nvGrpSpPr>
+        <p:cNvPr id="1" name=""/>
+        <p:cNvGrpSpPr/>
+        <p:nvPr/>
+      </p:nvGrpSpPr>
+      <p:grpSpPr>
+        <a:xfrm>
+          <a:off x="0" y="0"/>
+          <a:ext cx="0" cy="0"/>
+          <a:chOff x="0" y="0"/>
+          <a:chExt cx="0" cy="0"/>
+        </a:xfrm>
+      </p:grpSpPr>
+      <p:sp>
+        <p:nvSpPr>
+          <p:cNvPr id="2" name="Title 1">
+            <a:extLst>
+              <a:ext uri="{FF2B5EF4-FFF2-40B4-BE49-F238E27FC236}">
+                <a16:creationId xmlns:a16="http://schemas.microsoft.com/office/drawing/2014/main" id="{19BDD282-8C63-4418-842E-6148232614BE}"/>
+              </a:ext>
+            </a:extLst>
+          </p:cNvPr>
+          <p:cNvSpPr>
+            <a:spLocks noGrp="1"/>
+          </p:cNvSpPr>
+          <p:nvPr>
+            <p:ph type="title"/>
+          </p:nvPr>
+        </p:nvSpPr>
+        <p:spPr/>
+        <p:txBody>
+          <a:bodyPr/>
+          <a:lstStyle/>
+          <a:p>
+            <a:r>
+              <a:rPr lang="en-US" dirty="0"/>
+              <a:t>Containers – list (array) &amp; map (object) </a:t>
+            </a:r>
+          </a:p>
+        </p:txBody>
+      </p:sp>
+      <p:sp>
+        <p:nvSpPr>
+          <p:cNvPr id="3" name="Content Placeholder 2">
+            <a:extLst>
+              <a:ext uri="{FF2B5EF4-FFF2-40B4-BE49-F238E27FC236}">
+                <a16:creationId xmlns:a16="http://schemas.microsoft.com/office/drawing/2014/main" id="{518D10E4-93EF-48B7-A575-E4062C095315}"/>
+              </a:ext>
+            </a:extLst>
+          </p:cNvPr>
+          <p:cNvSpPr>
+            <a:spLocks noGrp="1"/>
+          </p:cNvSpPr>
+          <p:nvPr>
+            <p:ph idx="1"/>
+          </p:nvPr>
+        </p:nvSpPr>
+        <p:spPr>
+          <a:xfrm>
+            <a:off x="879808" y="1851691"/>
+            <a:ext cx="10515600" cy="4351338"/>
+          </a:xfrm>
+        </p:spPr>
+        <p:txBody>
+          <a:bodyPr/>
+          <a:lstStyle/>
+          <a:p>
+            <a:r>
+              <a:rPr lang="en-US" dirty="0"/>
+              <a:t>Student information system</a:t>
+            </a:r>
+          </a:p>
+          <a:p>
+            <a:pPr lvl="1"/>
+            <a:r>
+              <a:rPr lang="en-US" dirty="0"/>
+              <a:t>Café: look up a student by id, or by name and birthday</a:t>
+            </a:r>
+          </a:p>
+          <a:p>
+            <a:pPr lvl="1"/>
+            <a:endParaRPr lang="en-US" dirty="0"/>
+          </a:p>
+        </p:txBody>
+      </p:sp>
+      <p:grpSp>
+        <p:nvGrpSpPr>
+          <p:cNvPr id="12" name="Group 11">
+            <a:extLst>
+              <a:ext uri="{FF2B5EF4-FFF2-40B4-BE49-F238E27FC236}">
+                <a16:creationId xmlns:a16="http://schemas.microsoft.com/office/drawing/2014/main" id="{BF0CC8E0-6331-4797-B2E7-ED0E878236F2}"/>
+              </a:ext>
+            </a:extLst>
+          </p:cNvPr>
+          <p:cNvGrpSpPr/>
+          <p:nvPr/>
+        </p:nvGrpSpPr>
+        <p:grpSpPr>
+          <a:xfrm>
+            <a:off x="3729790" y="2783389"/>
+            <a:ext cx="4555957" cy="3573212"/>
+            <a:chOff x="2518611" y="2919663"/>
+            <a:chExt cx="4555957" cy="3573212"/>
+          </a:xfrm>
+        </p:grpSpPr>
+        <p:sp>
+          <p:nvSpPr>
+            <p:cNvPr id="5" name="Rectangle 4">
+              <a:extLst>
+                <a:ext uri="{FF2B5EF4-FFF2-40B4-BE49-F238E27FC236}">
+                  <a16:creationId xmlns:a16="http://schemas.microsoft.com/office/drawing/2014/main" id="{49A276F3-241D-475E-A872-21C8C9A5A9D9}"/>
+                </a:ext>
+              </a:extLst>
+            </p:cNvPr>
+            <p:cNvSpPr/>
+            <p:nvPr/>
+          </p:nvSpPr>
+          <p:spPr>
+            <a:xfrm>
+              <a:off x="2518611" y="2919663"/>
+              <a:ext cx="4555957" cy="3573212"/>
+            </a:xfrm>
+            <a:prstGeom prst="rect">
+              <a:avLst/>
+            </a:prstGeom>
+          </p:spPr>
+          <p:style>
+            <a:lnRef idx="1">
+              <a:schemeClr val="accent4"/>
+            </a:lnRef>
+            <a:fillRef idx="2">
+              <a:schemeClr val="accent4"/>
+            </a:fillRef>
+            <a:effectRef idx="1">
+              <a:schemeClr val="accent4"/>
+            </a:effectRef>
+            <a:fontRef idx="minor">
+              <a:schemeClr val="dk1"/>
+            </a:fontRef>
+          </p:style>
+          <p:txBody>
+            <a:bodyPr rtlCol="0" anchor="ctr"/>
+            <a:lstStyle/>
+            <a:p>
+              <a:pPr algn="ctr"/>
+              <a:endParaRPr lang="en-US"/>
+            </a:p>
+          </p:txBody>
+        </p:sp>
+        <p:sp>
+          <p:nvSpPr>
+            <p:cNvPr id="4" name="Rectangle: Rounded Corners 3">
+              <a:extLst>
+                <a:ext uri="{FF2B5EF4-FFF2-40B4-BE49-F238E27FC236}">
+                  <a16:creationId xmlns:a16="http://schemas.microsoft.com/office/drawing/2014/main" id="{10906370-D942-4C61-AB29-0CA0B24B8EF3}"/>
+                </a:ext>
+              </a:extLst>
+            </p:cNvPr>
+            <p:cNvSpPr/>
+            <p:nvPr/>
+          </p:nvSpPr>
+          <p:spPr>
+            <a:xfrm>
+              <a:off x="2703094" y="3088107"/>
+              <a:ext cx="3192380" cy="1740567"/>
+            </a:xfrm>
+            <a:prstGeom prst="roundRect">
+              <a:avLst/>
+            </a:prstGeom>
+          </p:spPr>
+          <p:style>
+            <a:lnRef idx="2">
+              <a:schemeClr val="accent2">
+                <a:shade val="50000"/>
+              </a:schemeClr>
+            </a:lnRef>
+            <a:fillRef idx="1">
+              <a:schemeClr val="accent2"/>
+            </a:fillRef>
+            <a:effectRef idx="0">
+              <a:schemeClr val="accent2"/>
+            </a:effectRef>
+            <a:fontRef idx="minor">
+              <a:schemeClr val="lt1"/>
+            </a:fontRef>
+          </p:style>
+          <p:txBody>
+            <a:bodyPr rtlCol="0" anchor="ctr"/>
+            <a:lstStyle/>
+            <a:p>
+              <a:pPr algn="ctr"/>
+              <a:r>
+                <a:rPr lang="en-US" dirty="0"/>
+                <a:t>Student id: 23992</a:t>
+              </a:r>
+            </a:p>
+            <a:p>
+              <a:pPr algn="ctr"/>
+              <a:r>
+                <a:rPr lang="en-US" dirty="0"/>
+                <a:t>First: Joe</a:t>
+              </a:r>
+            </a:p>
+            <a:p>
+              <a:pPr algn="ctr"/>
+              <a:r>
+                <a:rPr lang="en-US" dirty="0"/>
+                <a:t>Last: Doe</a:t>
+              </a:r>
+            </a:p>
+            <a:p>
+              <a:pPr algn="ctr"/>
+              <a:r>
+                <a:rPr lang="en-US" dirty="0"/>
+                <a:t>Birthday: 3/1/2011</a:t>
+              </a:r>
+            </a:p>
+            <a:p>
+              <a:pPr algn="ctr"/>
+              <a:r>
+                <a:rPr lang="en-US" dirty="0"/>
+                <a:t>Account #:</a:t>
+              </a:r>
+            </a:p>
+          </p:txBody>
+        </p:sp>
+        <p:sp>
+          <p:nvSpPr>
+            <p:cNvPr id="6" name="Rectangle: Rounded Corners 5">
+              <a:extLst>
+                <a:ext uri="{FF2B5EF4-FFF2-40B4-BE49-F238E27FC236}">
+                  <a16:creationId xmlns:a16="http://schemas.microsoft.com/office/drawing/2014/main" id="{A5510C98-C4EB-4E00-BF82-EFE6D625F5D5}"/>
+                </a:ext>
+              </a:extLst>
+            </p:cNvPr>
+            <p:cNvSpPr/>
+            <p:nvPr/>
+          </p:nvSpPr>
+          <p:spPr>
+            <a:xfrm>
+              <a:off x="3104148" y="3429000"/>
+              <a:ext cx="3192380" cy="1740567"/>
+            </a:xfrm>
+            <a:prstGeom prst="roundRect">
+              <a:avLst/>
+            </a:prstGeom>
+          </p:spPr>
+          <p:style>
+            <a:lnRef idx="2">
+              <a:schemeClr val="accent2">
+                <a:shade val="50000"/>
+              </a:schemeClr>
+            </a:lnRef>
+            <a:fillRef idx="1">
+              <a:schemeClr val="accent2"/>
+            </a:fillRef>
+            <a:effectRef idx="0">
+              <a:schemeClr val="accent2"/>
+            </a:effectRef>
+            <a:fontRef idx="minor">
+              <a:schemeClr val="lt1"/>
+            </a:fontRef>
+          </p:style>
+          <p:txBody>
+            <a:bodyPr rtlCol="0" anchor="ctr"/>
+            <a:lstStyle/>
+            <a:p>
+              <a:pPr algn="ctr"/>
+              <a:r>
+                <a:rPr lang="en-US" dirty="0"/>
+                <a:t>Student id: 23991</a:t>
+              </a:r>
+            </a:p>
+            <a:p>
+              <a:pPr algn="ctr"/>
+              <a:r>
+                <a:rPr lang="en-US" dirty="0"/>
+                <a:t>First: Joe</a:t>
+              </a:r>
+            </a:p>
+            <a:p>
+              <a:pPr algn="ctr"/>
+              <a:r>
+                <a:rPr lang="en-US" dirty="0"/>
+                <a:t>Last: Doe</a:t>
+              </a:r>
+            </a:p>
+            <a:p>
+              <a:pPr algn="ctr"/>
+              <a:r>
+                <a:rPr lang="en-US" dirty="0"/>
+                <a:t>Birthday: 3/1/2011</a:t>
+              </a:r>
+            </a:p>
+            <a:p>
+              <a:pPr algn="ctr"/>
+              <a:r>
+                <a:rPr lang="en-US" dirty="0"/>
+                <a:t>Account #:</a:t>
+              </a:r>
+            </a:p>
+          </p:txBody>
+        </p:sp>
+        <p:sp>
+          <p:nvSpPr>
+            <p:cNvPr id="7" name="Rectangle: Rounded Corners 6">
+              <a:extLst>
+                <a:ext uri="{FF2B5EF4-FFF2-40B4-BE49-F238E27FC236}">
+                  <a16:creationId xmlns:a16="http://schemas.microsoft.com/office/drawing/2014/main" id="{B161F2A2-822A-4E45-81E0-D580C8234121}"/>
+                </a:ext>
+              </a:extLst>
+            </p:cNvPr>
+            <p:cNvSpPr/>
+            <p:nvPr/>
+          </p:nvSpPr>
+          <p:spPr>
+            <a:xfrm>
+              <a:off x="3376863" y="3835985"/>
+              <a:ext cx="3192380" cy="1740567"/>
+            </a:xfrm>
+            <a:prstGeom prst="roundRect">
+              <a:avLst/>
+            </a:prstGeom>
+          </p:spPr>
+          <p:style>
+            <a:lnRef idx="2">
+              <a:schemeClr val="accent2">
+                <a:shade val="50000"/>
+              </a:schemeClr>
+            </a:lnRef>
+            <a:fillRef idx="1">
+              <a:schemeClr val="accent2"/>
+            </a:fillRef>
+            <a:effectRef idx="0">
+              <a:schemeClr val="accent2"/>
+            </a:effectRef>
+            <a:fontRef idx="minor">
+              <a:schemeClr val="lt1"/>
+            </a:fontRef>
+          </p:style>
+          <p:txBody>
+            <a:bodyPr rtlCol="0" anchor="ctr"/>
+            <a:lstStyle/>
+            <a:p>
+              <a:pPr algn="ctr"/>
+              <a:r>
+                <a:rPr lang="en-US" dirty="0"/>
+                <a:t>Student id: 23990</a:t>
+              </a:r>
+            </a:p>
+            <a:p>
+              <a:pPr algn="ctr"/>
+              <a:r>
+                <a:rPr lang="en-US" dirty="0"/>
+                <a:t>First: Joe</a:t>
+              </a:r>
+            </a:p>
+            <a:p>
+              <a:pPr algn="ctr"/>
+              <a:r>
+                <a:rPr lang="en-US" dirty="0"/>
+                <a:t>Last: Doe</a:t>
+              </a:r>
+            </a:p>
+            <a:p>
+              <a:pPr algn="ctr"/>
+              <a:r>
+                <a:rPr lang="en-US" dirty="0"/>
+                <a:t>Birthday: 3/1/2011</a:t>
+              </a:r>
+            </a:p>
+            <a:p>
+              <a:pPr algn="ctr"/>
+              <a:r>
+                <a:rPr lang="en-US" dirty="0"/>
+                <a:t>Account #:</a:t>
+              </a:r>
+            </a:p>
+          </p:txBody>
+        </p:sp>
+      </p:grpSp>
+      <p:sp>
+        <p:nvSpPr>
+          <p:cNvPr id="8" name="Rectangle 7">
+            <a:extLst>
+              <a:ext uri="{FF2B5EF4-FFF2-40B4-BE49-F238E27FC236}">
+                <a16:creationId xmlns:a16="http://schemas.microsoft.com/office/drawing/2014/main" id="{C1DF2265-C8A9-498D-AFE5-317DA59814E9}"/>
+              </a:ext>
+            </a:extLst>
+          </p:cNvPr>
+          <p:cNvSpPr/>
+          <p:nvPr/>
+        </p:nvSpPr>
+        <p:spPr>
+          <a:xfrm>
+            <a:off x="8562474" y="1299411"/>
+            <a:ext cx="2859505" cy="5193463"/>
+          </a:xfrm>
+          <a:prstGeom prst="rect">
+            <a:avLst/>
+          </a:prstGeom>
+        </p:spPr>
+        <p:style>
+          <a:lnRef idx="1">
+            <a:schemeClr val="accent4"/>
+          </a:lnRef>
+          <a:fillRef idx="2">
+            <a:schemeClr val="accent4"/>
+          </a:fillRef>
+          <a:effectRef idx="1">
+            <a:schemeClr val="accent4"/>
+          </a:effectRef>
+          <a:fontRef idx="minor">
+            <a:schemeClr val="dk1"/>
+          </a:fontRef>
+        </p:style>
+        <p:txBody>
+          <a:bodyPr rtlCol="0" anchor="ctr"/>
+          <a:lstStyle/>
+          <a:p>
+            <a:pPr algn="ctr"/>
+            <a:endParaRPr lang="en-US"/>
+          </a:p>
+        </p:txBody>
+      </p:sp>
+      <p:sp>
+        <p:nvSpPr>
+          <p:cNvPr id="9" name="Rectangle: Rounded Corners 8">
+            <a:extLst>
+              <a:ext uri="{FF2B5EF4-FFF2-40B4-BE49-F238E27FC236}">
+                <a16:creationId xmlns:a16="http://schemas.microsoft.com/office/drawing/2014/main" id="{45139C32-E547-40FA-A025-13EBA157EB8F}"/>
+              </a:ext>
+            </a:extLst>
+          </p:cNvPr>
+          <p:cNvSpPr/>
+          <p:nvPr/>
+        </p:nvSpPr>
+        <p:spPr>
+          <a:xfrm>
+            <a:off x="8694820" y="1535866"/>
+            <a:ext cx="2362201" cy="1185361"/>
+          </a:xfrm>
+          <a:prstGeom prst="roundRect">
+            <a:avLst/>
+          </a:prstGeom>
+        </p:spPr>
+        <p:style>
+          <a:lnRef idx="2">
+            <a:schemeClr val="accent2">
+              <a:shade val="50000"/>
+            </a:schemeClr>
+          </a:lnRef>
+          <a:fillRef idx="1">
+            <a:schemeClr val="accent2"/>
+          </a:fillRef>
+          <a:effectRef idx="0">
+            <a:schemeClr val="accent2"/>
+          </a:effectRef>
+          <a:fontRef idx="minor">
+            <a:schemeClr val="lt1"/>
+          </a:fontRef>
+        </p:style>
+        <p:txBody>
+          <a:bodyPr rtlCol="0" anchor="ctr"/>
+          <a:lstStyle/>
+          <a:p>
+            <a:pPr algn="ctr"/>
+            <a:r>
+              <a:rPr lang="en-US" dirty="0"/>
+              <a:t>Account #:</a:t>
+            </a:r>
+          </a:p>
+          <a:p>
+            <a:pPr algn="ctr"/>
+            <a:r>
+              <a:rPr lang="en-US" dirty="0"/>
+              <a:t>Balance: 120</a:t>
+            </a:r>
+          </a:p>
+        </p:txBody>
+      </p:sp>
+      <p:cxnSp>
+        <p:nvCxnSpPr>
+          <p:cNvPr id="11" name="Connector: Curved 10">
+            <a:extLst>
+              <a:ext uri="{FF2B5EF4-FFF2-40B4-BE49-F238E27FC236}">
+                <a16:creationId xmlns:a16="http://schemas.microsoft.com/office/drawing/2014/main" id="{CF5A02DF-1B6F-4286-ACA6-321BFCC87592}"/>
+              </a:ext>
+            </a:extLst>
+          </p:cNvPr>
+          <p:cNvCxnSpPr>
+            <a:cxnSpLocks/>
+          </p:cNvCxnSpPr>
+          <p:nvPr/>
+        </p:nvCxnSpPr>
+        <p:spPr>
+          <a:xfrm rot="5400000" flipH="1" flipV="1">
+            <a:off x="6480007" y="2164682"/>
+            <a:ext cx="3104148" cy="2785311"/>
+          </a:xfrm>
+          <a:prstGeom prst="curvedConnector3">
+            <a:avLst/>
+          </a:prstGeom>
+          <a:ln>
+            <a:tailEnd type="triangle"/>
+          </a:ln>
+        </p:spPr>
+        <p:style>
+          <a:lnRef idx="1">
+            <a:schemeClr val="accent1"/>
+          </a:lnRef>
+          <a:fillRef idx="0">
+            <a:schemeClr val="accent1"/>
+          </a:fillRef>
+          <a:effectRef idx="0">
+            <a:schemeClr val="accent1"/>
+          </a:effectRef>
+          <a:fontRef idx="minor">
+            <a:schemeClr val="tx1"/>
+          </a:fontRef>
+        </p:style>
+      </p:cxnSp>
+      <p:sp>
+        <p:nvSpPr>
+          <p:cNvPr id="14" name="Rectangle 13">
+            <a:extLst>
+              <a:ext uri="{FF2B5EF4-FFF2-40B4-BE49-F238E27FC236}">
+                <a16:creationId xmlns:a16="http://schemas.microsoft.com/office/drawing/2014/main" id="{8FD897CF-7EC7-4ADF-8922-CCA49DA4C27E}"/>
+              </a:ext>
+            </a:extLst>
+          </p:cNvPr>
+          <p:cNvSpPr/>
+          <p:nvPr/>
+        </p:nvSpPr>
+        <p:spPr>
+          <a:xfrm>
+            <a:off x="982576" y="2767598"/>
+            <a:ext cx="1969174" cy="1443455"/>
+          </a:xfrm>
+          <a:prstGeom prst="rect">
+            <a:avLst/>
+          </a:prstGeom>
+        </p:spPr>
+        <p:style>
+          <a:lnRef idx="1">
+            <a:schemeClr val="accent4"/>
+          </a:lnRef>
+          <a:fillRef idx="2">
+            <a:schemeClr val="accent4"/>
+          </a:fillRef>
+          <a:effectRef idx="1">
+            <a:schemeClr val="accent4"/>
+          </a:effectRef>
+          <a:fontRef idx="minor">
+            <a:schemeClr val="dk1"/>
+          </a:fontRef>
+        </p:style>
+        <p:txBody>
+          <a:bodyPr rtlCol="0" anchor="t"/>
+          <a:lstStyle/>
+          <a:p>
+            <a:pPr algn="ctr"/>
+            <a:r>
+              <a:rPr lang="en-US" sz="900" dirty="0" err="1"/>
+              <a:t>byId</a:t>
+            </a:r>
+            <a:endParaRPr lang="en-US" sz="900" dirty="0"/>
+          </a:p>
+        </p:txBody>
+      </p:sp>
+      <p:sp>
+        <p:nvSpPr>
+          <p:cNvPr id="15" name="Rectangle: Rounded Corners 14">
+            <a:extLst>
+              <a:ext uri="{FF2B5EF4-FFF2-40B4-BE49-F238E27FC236}">
+                <a16:creationId xmlns:a16="http://schemas.microsoft.com/office/drawing/2014/main" id="{3558DA9F-FCA7-4927-B687-E7BA0CECE054}"/>
+              </a:ext>
+            </a:extLst>
+          </p:cNvPr>
+          <p:cNvSpPr/>
+          <p:nvPr/>
+        </p:nvSpPr>
+        <p:spPr>
+          <a:xfrm>
+            <a:off x="1228224" y="3048715"/>
+            <a:ext cx="870285" cy="272630"/>
+          </a:xfrm>
+          <a:prstGeom prst="roundRect">
+            <a:avLst/>
+          </a:prstGeom>
+        </p:spPr>
+        <p:style>
+          <a:lnRef idx="2">
+            <a:schemeClr val="accent6">
+              <a:shade val="50000"/>
+            </a:schemeClr>
+          </a:lnRef>
+          <a:fillRef idx="1">
+            <a:schemeClr val="accent6"/>
+          </a:fillRef>
+          <a:effectRef idx="0">
+            <a:schemeClr val="accent6"/>
+          </a:effectRef>
+          <a:fontRef idx="minor">
+            <a:schemeClr val="lt1"/>
+          </a:fontRef>
+        </p:style>
+        <p:txBody>
+          <a:bodyPr rtlCol="0" anchor="ctr"/>
+          <a:lstStyle/>
+          <a:p>
+            <a:pPr algn="ctr"/>
+            <a:r>
+              <a:rPr lang="en-US" dirty="0"/>
+              <a:t>23990</a:t>
+            </a:r>
+          </a:p>
+        </p:txBody>
+      </p:sp>
+      <p:sp>
+        <p:nvSpPr>
+          <p:cNvPr id="16" name="Rectangle: Rounded Corners 15">
+            <a:extLst>
+              <a:ext uri="{FF2B5EF4-FFF2-40B4-BE49-F238E27FC236}">
+                <a16:creationId xmlns:a16="http://schemas.microsoft.com/office/drawing/2014/main" id="{F3A35367-6B84-46F1-8207-B376200D58E1}"/>
+              </a:ext>
+            </a:extLst>
+          </p:cNvPr>
+          <p:cNvSpPr/>
+          <p:nvPr/>
+        </p:nvSpPr>
+        <p:spPr>
+          <a:xfrm>
+            <a:off x="1228224" y="3401768"/>
+            <a:ext cx="1507958" cy="272630"/>
+          </a:xfrm>
+          <a:prstGeom prst="roundRect">
+            <a:avLst/>
+          </a:prstGeom>
+        </p:spPr>
+        <p:style>
+          <a:lnRef idx="2">
+            <a:schemeClr val="accent1">
+              <a:shade val="50000"/>
+            </a:schemeClr>
+          </a:lnRef>
+          <a:fillRef idx="1">
+            <a:schemeClr val="accent1"/>
+          </a:fillRef>
+          <a:effectRef idx="0">
+            <a:schemeClr val="accent1"/>
+          </a:effectRef>
+          <a:fontRef idx="minor">
+            <a:schemeClr val="lt1"/>
+          </a:fontRef>
+        </p:style>
+        <p:txBody>
+          <a:bodyPr rtlCol="0" anchor="ctr"/>
+          <a:lstStyle/>
+          <a:p>
+            <a:pPr algn="ctr"/>
+            <a:r>
+              <a:rPr lang="en-US" dirty="0"/>
+              <a:t>Id:</a:t>
+            </a:r>
+          </a:p>
+        </p:txBody>
+      </p:sp>
+      <p:sp>
+        <p:nvSpPr>
+          <p:cNvPr id="17" name="Rectangle: Rounded Corners 16">
+            <a:extLst>
+              <a:ext uri="{FF2B5EF4-FFF2-40B4-BE49-F238E27FC236}">
+                <a16:creationId xmlns:a16="http://schemas.microsoft.com/office/drawing/2014/main" id="{B5F4C061-CAAF-4888-9A86-0977659DA517}"/>
+              </a:ext>
+            </a:extLst>
+          </p:cNvPr>
+          <p:cNvSpPr/>
+          <p:nvPr/>
+        </p:nvSpPr>
+        <p:spPr>
+          <a:xfrm>
+            <a:off x="1237250" y="3782683"/>
+            <a:ext cx="1507958" cy="272630"/>
+          </a:xfrm>
+          <a:prstGeom prst="roundRect">
+            <a:avLst/>
+          </a:prstGeom>
+        </p:spPr>
+        <p:style>
+          <a:lnRef idx="2">
+            <a:schemeClr val="accent1">
+              <a:shade val="50000"/>
+            </a:schemeClr>
+          </a:lnRef>
+          <a:fillRef idx="1">
+            <a:schemeClr val="accent1"/>
+          </a:fillRef>
+          <a:effectRef idx="0">
+            <a:schemeClr val="accent1"/>
+          </a:effectRef>
+          <a:fontRef idx="minor">
+            <a:schemeClr val="lt1"/>
+          </a:fontRef>
+        </p:style>
+        <p:txBody>
+          <a:bodyPr rtlCol="0" anchor="ctr"/>
+          <a:lstStyle/>
+          <a:p>
+            <a:pPr algn="ctr"/>
+            <a:r>
+              <a:rPr lang="en-US" dirty="0"/>
+              <a:t>Id:</a:t>
+            </a:r>
+          </a:p>
+        </p:txBody>
+      </p:sp>
+      <p:cxnSp>
+        <p:nvCxnSpPr>
+          <p:cNvPr id="21" name="Connector: Curved 20">
+            <a:extLst>
+              <a:ext uri="{FF2B5EF4-FFF2-40B4-BE49-F238E27FC236}">
+                <a16:creationId xmlns:a16="http://schemas.microsoft.com/office/drawing/2014/main" id="{0D211E06-64CD-4425-A0B4-1AB3A91B03B7}"/>
+              </a:ext>
+            </a:extLst>
+          </p:cNvPr>
+          <p:cNvCxnSpPr>
+            <a:cxnSpLocks/>
+            <a:stCxn id="38" idx="3"/>
+          </p:cNvCxnSpPr>
+          <p:nvPr/>
+        </p:nvCxnSpPr>
+        <p:spPr>
+          <a:xfrm>
+            <a:off x="2768266" y="3193286"/>
+            <a:ext cx="2013284" cy="1066605"/>
+          </a:xfrm>
+          <a:prstGeom prst="curvedConnector3">
+            <a:avLst/>
+          </a:prstGeom>
+          <a:ln>
+            <a:tailEnd type="triangle"/>
+          </a:ln>
+        </p:spPr>
+        <p:style>
+          <a:lnRef idx="1">
+            <a:schemeClr val="accent1"/>
+          </a:lnRef>
+          <a:fillRef idx="0">
+            <a:schemeClr val="accent1"/>
+          </a:fillRef>
+          <a:effectRef idx="0">
+            <a:schemeClr val="accent1"/>
+          </a:effectRef>
+          <a:fontRef idx="minor">
+            <a:schemeClr val="tx1"/>
+          </a:fontRef>
+        </p:style>
+      </p:cxnSp>
+      <p:sp>
+        <p:nvSpPr>
+          <p:cNvPr id="22" name="Rectangle 21">
+            <a:extLst>
+              <a:ext uri="{FF2B5EF4-FFF2-40B4-BE49-F238E27FC236}">
+                <a16:creationId xmlns:a16="http://schemas.microsoft.com/office/drawing/2014/main" id="{5E53FEBB-C784-4FC9-B797-6A53491BCEA9}"/>
+              </a:ext>
+            </a:extLst>
+          </p:cNvPr>
+          <p:cNvSpPr/>
+          <p:nvPr/>
+        </p:nvSpPr>
+        <p:spPr>
+          <a:xfrm>
+            <a:off x="242634" y="4692400"/>
+            <a:ext cx="1969174" cy="1671632"/>
+          </a:xfrm>
+          <a:prstGeom prst="rect">
+            <a:avLst/>
+          </a:prstGeom>
+        </p:spPr>
+        <p:style>
+          <a:lnRef idx="1">
+            <a:schemeClr val="accent4"/>
+          </a:lnRef>
+          <a:fillRef idx="2">
+            <a:schemeClr val="accent4"/>
+          </a:fillRef>
+          <a:effectRef idx="1">
+            <a:schemeClr val="accent4"/>
+          </a:effectRef>
+          <a:fontRef idx="minor">
+            <a:schemeClr val="dk1"/>
+          </a:fontRef>
+        </p:style>
+        <p:txBody>
+          <a:bodyPr rtlCol="0" anchor="t"/>
+          <a:lstStyle/>
+          <a:p>
+            <a:pPr algn="ctr"/>
+            <a:r>
+              <a:rPr lang="en-US" sz="1100" dirty="0" err="1"/>
+              <a:t>byLast</a:t>
+            </a:r>
+            <a:endParaRPr lang="en-US" sz="1100" dirty="0"/>
+          </a:p>
+        </p:txBody>
+      </p:sp>
+      <p:sp>
+        <p:nvSpPr>
+          <p:cNvPr id="23" name="Rectangle: Rounded Corners 22">
+            <a:extLst>
+              <a:ext uri="{FF2B5EF4-FFF2-40B4-BE49-F238E27FC236}">
+                <a16:creationId xmlns:a16="http://schemas.microsoft.com/office/drawing/2014/main" id="{22C67A3E-9703-4A8F-AAFD-EC5B98AFCE4B}"/>
+              </a:ext>
+            </a:extLst>
+          </p:cNvPr>
+          <p:cNvSpPr/>
+          <p:nvPr/>
+        </p:nvSpPr>
+        <p:spPr>
+          <a:xfrm>
+            <a:off x="456199" y="5045625"/>
+            <a:ext cx="851233" cy="272630"/>
+          </a:xfrm>
+          <a:prstGeom prst="roundRect">
+            <a:avLst/>
+          </a:prstGeom>
+        </p:spPr>
+        <p:style>
+          <a:lnRef idx="2">
+            <a:schemeClr val="accent2">
+              <a:shade val="50000"/>
+            </a:schemeClr>
+          </a:lnRef>
+          <a:fillRef idx="1">
+            <a:schemeClr val="accent2"/>
+          </a:fillRef>
+          <a:effectRef idx="0">
+            <a:schemeClr val="accent2"/>
+          </a:effectRef>
+          <a:fontRef idx="minor">
+            <a:schemeClr val="lt1"/>
+          </a:fontRef>
+        </p:style>
+        <p:txBody>
+          <a:bodyPr rtlCol="0" anchor="ctr"/>
+          <a:lstStyle/>
+          <a:p>
+            <a:pPr algn="ctr"/>
+            <a:r>
+              <a:rPr lang="en-US" dirty="0"/>
+              <a:t>Doe</a:t>
+            </a:r>
+          </a:p>
+        </p:txBody>
+      </p:sp>
+      <p:sp>
+        <p:nvSpPr>
+          <p:cNvPr id="24" name="Rectangle: Rounded Corners 23">
+            <a:extLst>
+              <a:ext uri="{FF2B5EF4-FFF2-40B4-BE49-F238E27FC236}">
+                <a16:creationId xmlns:a16="http://schemas.microsoft.com/office/drawing/2014/main" id="{2DDAE702-41FD-4F54-B98A-135F96635931}"/>
+              </a:ext>
+            </a:extLst>
+          </p:cNvPr>
+          <p:cNvSpPr/>
+          <p:nvPr/>
+        </p:nvSpPr>
+        <p:spPr>
+          <a:xfrm>
+            <a:off x="473242" y="5442205"/>
+            <a:ext cx="1507958" cy="272630"/>
+          </a:xfrm>
+          <a:prstGeom prst="roundRect">
+            <a:avLst/>
+          </a:prstGeom>
+        </p:spPr>
+        <p:style>
+          <a:lnRef idx="2">
+            <a:schemeClr val="accent1">
+              <a:shade val="50000"/>
+            </a:schemeClr>
+          </a:lnRef>
+          <a:fillRef idx="1">
+            <a:schemeClr val="accent1"/>
+          </a:fillRef>
+          <a:effectRef idx="0">
+            <a:schemeClr val="accent1"/>
+          </a:effectRef>
+          <a:fontRef idx="minor">
+            <a:schemeClr val="lt1"/>
+          </a:fontRef>
+        </p:style>
+        <p:txBody>
+          <a:bodyPr rtlCol="0" anchor="ctr"/>
+          <a:lstStyle/>
+          <a:p>
+            <a:pPr algn="ctr"/>
+            <a:r>
+              <a:rPr lang="en-US" dirty="0"/>
+              <a:t>Last:</a:t>
+            </a:r>
+          </a:p>
+        </p:txBody>
+      </p:sp>
+      <p:sp>
+        <p:nvSpPr>
+          <p:cNvPr id="25" name="Rectangle: Rounded Corners 24">
+            <a:extLst>
+              <a:ext uri="{FF2B5EF4-FFF2-40B4-BE49-F238E27FC236}">
+                <a16:creationId xmlns:a16="http://schemas.microsoft.com/office/drawing/2014/main" id="{4F602DFF-6EED-49A5-B04C-576BEC63D96E}"/>
+              </a:ext>
+            </a:extLst>
+          </p:cNvPr>
+          <p:cNvSpPr/>
+          <p:nvPr/>
+        </p:nvSpPr>
+        <p:spPr>
+          <a:xfrm>
+            <a:off x="473242" y="5838785"/>
+            <a:ext cx="1507958" cy="272630"/>
+          </a:xfrm>
+          <a:prstGeom prst="roundRect">
+            <a:avLst/>
+          </a:prstGeom>
+        </p:spPr>
+        <p:style>
+          <a:lnRef idx="2">
+            <a:schemeClr val="accent1">
+              <a:shade val="50000"/>
+            </a:schemeClr>
+          </a:lnRef>
+          <a:fillRef idx="1">
+            <a:schemeClr val="accent1"/>
+          </a:fillRef>
+          <a:effectRef idx="0">
+            <a:schemeClr val="accent1"/>
+          </a:effectRef>
+          <a:fontRef idx="minor">
+            <a:schemeClr val="lt1"/>
+          </a:fontRef>
+        </p:style>
+        <p:txBody>
+          <a:bodyPr rtlCol="0" anchor="ctr"/>
+          <a:lstStyle/>
+          <a:p>
+            <a:pPr algn="ctr"/>
+            <a:r>
+              <a:rPr lang="en-US" dirty="0"/>
+              <a:t>Last:</a:t>
+            </a:r>
+          </a:p>
+        </p:txBody>
+      </p:sp>
+      <p:sp>
+        <p:nvSpPr>
+          <p:cNvPr id="28" name="Rectangle 27">
+            <a:extLst>
+              <a:ext uri="{FF2B5EF4-FFF2-40B4-BE49-F238E27FC236}">
+                <a16:creationId xmlns:a16="http://schemas.microsoft.com/office/drawing/2014/main" id="{1E24E10D-AFA4-4D34-8500-FFA2FA5E2D59}"/>
+              </a:ext>
+            </a:extLst>
+          </p:cNvPr>
+          <p:cNvSpPr/>
+          <p:nvPr/>
+        </p:nvSpPr>
+        <p:spPr>
+          <a:xfrm>
+            <a:off x="2469484" y="4531644"/>
+            <a:ext cx="1028696" cy="1807699"/>
+          </a:xfrm>
+          <a:prstGeom prst="rect">
+            <a:avLst/>
+          </a:prstGeom>
+        </p:spPr>
+        <p:style>
+          <a:lnRef idx="1">
+            <a:schemeClr val="accent4"/>
+          </a:lnRef>
+          <a:fillRef idx="2">
+            <a:schemeClr val="accent4"/>
+          </a:fillRef>
+          <a:effectRef idx="1">
+            <a:schemeClr val="accent4"/>
+          </a:effectRef>
+          <a:fontRef idx="minor">
+            <a:schemeClr val="dk1"/>
+          </a:fontRef>
+        </p:style>
+        <p:txBody>
+          <a:bodyPr rtlCol="0" anchor="t"/>
+          <a:lstStyle/>
+          <a:p>
+            <a:pPr algn="ctr"/>
+            <a:r>
+              <a:rPr lang="en-US" sz="1050" dirty="0"/>
+              <a:t>Doe</a:t>
+            </a:r>
+          </a:p>
+        </p:txBody>
+      </p:sp>
+      <p:sp>
+        <p:nvSpPr>
+          <p:cNvPr id="29" name="Rectangle: Rounded Corners 28">
+            <a:extLst>
+              <a:ext uri="{FF2B5EF4-FFF2-40B4-BE49-F238E27FC236}">
+                <a16:creationId xmlns:a16="http://schemas.microsoft.com/office/drawing/2014/main" id="{A7CD3A6C-AD04-4E7F-B9DE-A431D27A1784}"/>
+              </a:ext>
+            </a:extLst>
+          </p:cNvPr>
+          <p:cNvSpPr/>
+          <p:nvPr/>
+        </p:nvSpPr>
+        <p:spPr>
+          <a:xfrm>
+            <a:off x="2549694" y="4744917"/>
+            <a:ext cx="906379" cy="272630"/>
+          </a:xfrm>
+          <a:prstGeom prst="roundRect">
+            <a:avLst/>
+          </a:prstGeom>
+        </p:spPr>
+        <p:style>
+          <a:lnRef idx="2">
+            <a:schemeClr val="accent1">
+              <a:shade val="50000"/>
+            </a:schemeClr>
+          </a:lnRef>
+          <a:fillRef idx="1">
+            <a:schemeClr val="accent1"/>
+          </a:fillRef>
+          <a:effectRef idx="0">
+            <a:schemeClr val="accent1"/>
+          </a:effectRef>
+          <a:fontRef idx="minor">
+            <a:schemeClr val="lt1"/>
+          </a:fontRef>
+        </p:style>
+        <p:txBody>
+          <a:bodyPr rtlCol="0" anchor="ctr"/>
+          <a:lstStyle/>
+          <a:p>
+            <a:pPr algn="ctr"/>
+            <a:r>
+              <a:rPr lang="en-US" sz="1400" dirty="0"/>
+              <a:t>Joe Doe</a:t>
+            </a:r>
+          </a:p>
+        </p:txBody>
+      </p:sp>
+      <p:sp>
+        <p:nvSpPr>
+          <p:cNvPr id="32" name="Rectangle: Rounded Corners 31">
+            <a:extLst>
+              <a:ext uri="{FF2B5EF4-FFF2-40B4-BE49-F238E27FC236}">
+                <a16:creationId xmlns:a16="http://schemas.microsoft.com/office/drawing/2014/main" id="{2C4F13B9-9900-4D55-A043-DF6E334060D5}"/>
+              </a:ext>
+            </a:extLst>
+          </p:cNvPr>
+          <p:cNvSpPr/>
+          <p:nvPr/>
+        </p:nvSpPr>
+        <p:spPr>
+          <a:xfrm>
+            <a:off x="2546684" y="5133477"/>
+            <a:ext cx="906379" cy="272630"/>
+          </a:xfrm>
+          <a:prstGeom prst="roundRect">
+            <a:avLst/>
+          </a:prstGeom>
+        </p:spPr>
+        <p:style>
+          <a:lnRef idx="2">
+            <a:schemeClr val="accent1">
+              <a:shade val="50000"/>
+            </a:schemeClr>
+          </a:lnRef>
+          <a:fillRef idx="1">
+            <a:schemeClr val="accent1"/>
+          </a:fillRef>
+          <a:effectRef idx="0">
+            <a:schemeClr val="accent1"/>
+          </a:effectRef>
+          <a:fontRef idx="minor">
+            <a:schemeClr val="lt1"/>
+          </a:fontRef>
+        </p:style>
+        <p:txBody>
+          <a:bodyPr rtlCol="0" anchor="ctr"/>
+          <a:lstStyle/>
+          <a:p>
+            <a:pPr algn="ctr"/>
+            <a:r>
+              <a:rPr lang="en-US" sz="1400" dirty="0"/>
+              <a:t>Jane Doe</a:t>
+            </a:r>
+          </a:p>
+        </p:txBody>
+      </p:sp>
+      <p:sp>
+        <p:nvSpPr>
+          <p:cNvPr id="33" name="Rectangle: Rounded Corners 32">
+            <a:extLst>
+              <a:ext uri="{FF2B5EF4-FFF2-40B4-BE49-F238E27FC236}">
+                <a16:creationId xmlns:a16="http://schemas.microsoft.com/office/drawing/2014/main" id="{10EC8B45-483E-4CBF-BEF0-DE2B21CEC984}"/>
+              </a:ext>
+            </a:extLst>
+          </p:cNvPr>
+          <p:cNvSpPr/>
+          <p:nvPr/>
+        </p:nvSpPr>
+        <p:spPr>
+          <a:xfrm>
+            <a:off x="2535657" y="5550442"/>
+            <a:ext cx="906379" cy="272630"/>
+          </a:xfrm>
+          <a:prstGeom prst="roundRect">
+            <a:avLst/>
+          </a:prstGeom>
+        </p:spPr>
+        <p:style>
+          <a:lnRef idx="2">
+            <a:schemeClr val="accent1">
+              <a:shade val="50000"/>
+            </a:schemeClr>
+          </a:lnRef>
+          <a:fillRef idx="1">
+            <a:schemeClr val="accent1"/>
+          </a:fillRef>
+          <a:effectRef idx="0">
+            <a:schemeClr val="accent1"/>
+          </a:effectRef>
+          <a:fontRef idx="minor">
+            <a:schemeClr val="lt1"/>
+          </a:fontRef>
+        </p:style>
+        <p:txBody>
+          <a:bodyPr rtlCol="0" anchor="ctr"/>
+          <a:lstStyle/>
+          <a:p>
+            <a:pPr algn="ctr"/>
+            <a:r>
+              <a:rPr lang="en-US" sz="1200" dirty="0"/>
+              <a:t>Steve Doe</a:t>
+            </a:r>
+          </a:p>
+        </p:txBody>
+      </p:sp>
+      <p:cxnSp>
+        <p:nvCxnSpPr>
+          <p:cNvPr id="35" name="Connector: Curved 34">
+            <a:extLst>
+              <a:ext uri="{FF2B5EF4-FFF2-40B4-BE49-F238E27FC236}">
+                <a16:creationId xmlns:a16="http://schemas.microsoft.com/office/drawing/2014/main" id="{F1C6F64F-141E-4C06-913A-4D2572A55F3B}"/>
+              </a:ext>
+            </a:extLst>
+          </p:cNvPr>
+          <p:cNvCxnSpPr/>
+          <p:nvPr/>
+        </p:nvCxnSpPr>
+        <p:spPr>
+          <a:xfrm flipV="1">
+            <a:off x="3453063" y="4211012"/>
+            <a:ext cx="1327484" cy="633957"/>
+          </a:xfrm>
+          <a:prstGeom prst="curvedConnector3">
+            <a:avLst/>
+          </a:prstGeom>
+          <a:ln>
+            <a:tailEnd type="triangle"/>
+          </a:ln>
+        </p:spPr>
+        <p:style>
+          <a:lnRef idx="1">
+            <a:schemeClr val="accent1"/>
+          </a:lnRef>
+          <a:fillRef idx="0">
+            <a:schemeClr val="accent1"/>
+          </a:fillRef>
+          <a:effectRef idx="0">
+            <a:schemeClr val="accent1"/>
+          </a:effectRef>
+          <a:fontRef idx="minor">
+            <a:schemeClr val="tx1"/>
+          </a:fontRef>
+        </p:style>
+      </p:cxnSp>
+      <p:cxnSp>
+        <p:nvCxnSpPr>
+          <p:cNvPr id="37" name="Connector: Curved 36">
+            <a:extLst>
+              <a:ext uri="{FF2B5EF4-FFF2-40B4-BE49-F238E27FC236}">
+                <a16:creationId xmlns:a16="http://schemas.microsoft.com/office/drawing/2014/main" id="{580030D8-9FEE-4227-937F-6CCB66535160}"/>
+              </a:ext>
+            </a:extLst>
+          </p:cNvPr>
+          <p:cNvCxnSpPr>
+            <a:stCxn id="32" idx="3"/>
+          </p:cNvCxnSpPr>
+          <p:nvPr/>
+        </p:nvCxnSpPr>
+        <p:spPr>
+          <a:xfrm flipV="1">
+            <a:off x="3453063" y="3520073"/>
+            <a:ext cx="1066800" cy="1749719"/>
+          </a:xfrm>
+          <a:prstGeom prst="curvedConnector2">
+            <a:avLst/>
+          </a:prstGeom>
+          <a:ln>
+            <a:tailEnd type="triangle"/>
+          </a:ln>
+        </p:spPr>
+        <p:style>
+          <a:lnRef idx="1">
+            <a:schemeClr val="accent1"/>
+          </a:lnRef>
+          <a:fillRef idx="0">
+            <a:schemeClr val="accent1"/>
+          </a:fillRef>
+          <a:effectRef idx="0">
+            <a:schemeClr val="accent1"/>
+          </a:effectRef>
+          <a:fontRef idx="minor">
+            <a:schemeClr val="tx1"/>
+          </a:fontRef>
+        </p:style>
+      </p:cxnSp>
+      <p:sp>
+        <p:nvSpPr>
+          <p:cNvPr id="38" name="Rectangle: Rounded Corners 37">
+            <a:extLst>
+              <a:ext uri="{FF2B5EF4-FFF2-40B4-BE49-F238E27FC236}">
+                <a16:creationId xmlns:a16="http://schemas.microsoft.com/office/drawing/2014/main" id="{2AB5DA5F-0092-4F64-8717-9D1DACECF17F}"/>
+              </a:ext>
+            </a:extLst>
+          </p:cNvPr>
+          <p:cNvSpPr/>
+          <p:nvPr/>
+        </p:nvSpPr>
+        <p:spPr>
+          <a:xfrm>
+            <a:off x="2122570" y="3056971"/>
+            <a:ext cx="645696" cy="272630"/>
+          </a:xfrm>
+          <a:prstGeom prst="roundRect">
+            <a:avLst/>
+          </a:prstGeom>
+        </p:spPr>
+        <p:style>
+          <a:lnRef idx="2">
+            <a:schemeClr val="accent6">
+              <a:shade val="50000"/>
+            </a:schemeClr>
+          </a:lnRef>
+          <a:fillRef idx="1">
+            <a:schemeClr val="accent6"/>
+          </a:fillRef>
+          <a:effectRef idx="0">
+            <a:schemeClr val="accent6"/>
+          </a:effectRef>
+          <a:fontRef idx="minor">
+            <a:schemeClr val="lt1"/>
+          </a:fontRef>
+        </p:style>
+        <p:txBody>
+          <a:bodyPr rtlCol="0" anchor="ctr"/>
+          <a:lstStyle/>
+          <a:p>
+            <a:pPr algn="ctr"/>
+            <a:r>
+              <a:rPr lang="en-US" dirty="0"/>
+              <a:t>ref</a:t>
+            </a:r>
+          </a:p>
+        </p:txBody>
+      </p:sp>
+      <p:sp>
+        <p:nvSpPr>
+          <p:cNvPr id="41" name="Rectangle: Rounded Corners 40">
+            <a:extLst>
+              <a:ext uri="{FF2B5EF4-FFF2-40B4-BE49-F238E27FC236}">
+                <a16:creationId xmlns:a16="http://schemas.microsoft.com/office/drawing/2014/main" id="{347BF219-E08F-448D-BB05-425EBEDE9DCE}"/>
+              </a:ext>
+            </a:extLst>
+          </p:cNvPr>
+          <p:cNvSpPr/>
+          <p:nvPr/>
+        </p:nvSpPr>
+        <p:spPr>
+          <a:xfrm>
+            <a:off x="1333497" y="5048925"/>
+            <a:ext cx="741951" cy="272630"/>
+          </a:xfrm>
+          <a:prstGeom prst="roundRect">
+            <a:avLst/>
+          </a:prstGeom>
+        </p:spPr>
+        <p:style>
+          <a:lnRef idx="2">
+            <a:schemeClr val="accent2">
+              <a:shade val="50000"/>
+            </a:schemeClr>
+          </a:lnRef>
+          <a:fillRef idx="1">
+            <a:schemeClr val="accent2"/>
+          </a:fillRef>
+          <a:effectRef idx="0">
+            <a:schemeClr val="accent2"/>
+          </a:effectRef>
+          <a:fontRef idx="minor">
+            <a:schemeClr val="lt1"/>
+          </a:fontRef>
+        </p:style>
+        <p:txBody>
+          <a:bodyPr rtlCol="0" anchor="ctr"/>
+          <a:lstStyle/>
+          <a:p>
+            <a:pPr algn="ctr"/>
+            <a:r>
+              <a:rPr lang="en-US" dirty="0"/>
+              <a:t>ref</a:t>
+            </a:r>
+          </a:p>
+        </p:txBody>
+      </p:sp>
+      <p:cxnSp>
+        <p:nvCxnSpPr>
+          <p:cNvPr id="31" name="Connector: Curved 30">
+            <a:extLst>
+              <a:ext uri="{FF2B5EF4-FFF2-40B4-BE49-F238E27FC236}">
+                <a16:creationId xmlns:a16="http://schemas.microsoft.com/office/drawing/2014/main" id="{5963CCF0-95DE-45B7-9217-3A67F301E33B}"/>
+              </a:ext>
+            </a:extLst>
+          </p:cNvPr>
+          <p:cNvCxnSpPr>
+            <a:cxnSpLocks/>
+            <a:stCxn id="41" idx="3"/>
+            <a:endCxn id="28" idx="0"/>
+          </p:cNvCxnSpPr>
+          <p:nvPr/>
+        </p:nvCxnSpPr>
+        <p:spPr>
+          <a:xfrm flipV="1">
+            <a:off x="2075448" y="4531644"/>
+            <a:ext cx="908384" cy="653596"/>
+          </a:xfrm>
+          <a:prstGeom prst="curvedConnector4">
+            <a:avLst>
+              <a:gd name="adj1" fmla="val 21689"/>
+              <a:gd name="adj2" fmla="val 134976"/>
+            </a:avLst>
+          </a:prstGeom>
+          <a:ln>
+            <a:tailEnd type="triangle"/>
+          </a:ln>
+        </p:spPr>
+        <p:style>
+          <a:lnRef idx="1">
+            <a:schemeClr val="accent1"/>
+          </a:lnRef>
+          <a:fillRef idx="0">
+            <a:schemeClr val="accent1"/>
+          </a:fillRef>
+          <a:effectRef idx="0">
+            <a:schemeClr val="accent1"/>
+          </a:effectRef>
+          <a:fontRef idx="minor">
+            <a:schemeClr val="tx1"/>
+          </a:fontRef>
+        </p:style>
+      </p:cxnSp>
+      <p:sp>
+        <p:nvSpPr>
+          <p:cNvPr id="46" name="Rectangle: Rounded Corners 45">
+            <a:extLst>
+              <a:ext uri="{FF2B5EF4-FFF2-40B4-BE49-F238E27FC236}">
+                <a16:creationId xmlns:a16="http://schemas.microsoft.com/office/drawing/2014/main" id="{B85E5233-D245-4FA5-8527-56B6CCDD4B0C}"/>
+              </a:ext>
+            </a:extLst>
+          </p:cNvPr>
+          <p:cNvSpPr/>
+          <p:nvPr/>
+        </p:nvSpPr>
+        <p:spPr>
+          <a:xfrm>
+            <a:off x="2517609" y="5904518"/>
+            <a:ext cx="906379" cy="272630"/>
+          </a:xfrm>
+          <a:prstGeom prst="roundRect">
+            <a:avLst/>
+          </a:prstGeom>
+        </p:spPr>
+        <p:style>
+          <a:lnRef idx="2">
+            <a:schemeClr val="accent6">
+              <a:shade val="50000"/>
+            </a:schemeClr>
+          </a:lnRef>
+          <a:fillRef idx="1">
+            <a:schemeClr val="accent6"/>
+          </a:fillRef>
+          <a:effectRef idx="0">
+            <a:schemeClr val="accent6"/>
+          </a:effectRef>
+          <a:fontRef idx="minor">
+            <a:schemeClr val="lt1"/>
+          </a:fontRef>
+        </p:style>
+        <p:txBody>
+          <a:bodyPr rtlCol="0" anchor="ctr"/>
+          <a:lstStyle/>
+          <a:p>
+            <a:pPr algn="ctr"/>
+            <a:r>
+              <a:rPr lang="en-US" sz="1100" dirty="0"/>
+              <a:t>Jessica Doe</a:t>
+            </a:r>
+          </a:p>
+        </p:txBody>
+      </p:sp>
+      <p:cxnSp>
+        <p:nvCxnSpPr>
+          <p:cNvPr id="48" name="Connector: Curved 47">
+            <a:extLst>
+              <a:ext uri="{FF2B5EF4-FFF2-40B4-BE49-F238E27FC236}">
+                <a16:creationId xmlns:a16="http://schemas.microsoft.com/office/drawing/2014/main" id="{A83F3219-C1EB-48EC-B07D-934F3471B158}"/>
+              </a:ext>
+            </a:extLst>
+          </p:cNvPr>
+          <p:cNvCxnSpPr>
+            <a:stCxn id="33" idx="3"/>
+          </p:cNvCxnSpPr>
+          <p:nvPr/>
+        </p:nvCxnSpPr>
+        <p:spPr>
+          <a:xfrm flipV="1">
+            <a:off x="3442036" y="3321345"/>
+            <a:ext cx="640680" cy="2365412"/>
+          </a:xfrm>
+          <a:prstGeom prst="curvedConnector2">
+            <a:avLst/>
+          </a:prstGeom>
+          <a:ln>
+            <a:tailEnd type="triangle"/>
+          </a:ln>
+        </p:spPr>
+        <p:style>
+          <a:lnRef idx="1">
+            <a:schemeClr val="accent1"/>
+          </a:lnRef>
+          <a:fillRef idx="0">
+            <a:schemeClr val="accent1"/>
+          </a:fillRef>
+          <a:effectRef idx="0">
+            <a:schemeClr val="accent1"/>
+          </a:effectRef>
+          <a:fontRef idx="minor">
+            <a:schemeClr val="tx1"/>
+          </a:fontRef>
+        </p:style>
+      </p:cxnSp>
+    </p:spTree>
+    <p:extLst>
+      <p:ext uri="{BB962C8B-B14F-4D97-AF65-F5344CB8AC3E}">
+        <p14:creationId xmlns:p14="http://schemas.microsoft.com/office/powerpoint/2010/main" val="58352761"/>
+      </p:ext>
+    </p:extLst>
+  </p:cSld>
+  <p:clrMapOvr>
+    <a:masterClrMapping/>
+  </p:clrMapOvr>
+</p:sld>
+</file>
+
+<file path=ppt/slides/slide56.xml><?xml version="1.0" encoding="utf-8"?>
+<p:sld xmlns:a="http://schemas.openxmlformats.org/drawingml/2006/main" xmlns:r="http://schemas.openxmlformats.org/officeDocument/2006/relationships" xmlns:p="http://schemas.openxmlformats.org/presentationml/2006/main">
+  <p:cSld>
+    <p:spTree>
+      <p:nvGrpSpPr>
+        <p:cNvPr id="1" name=""/>
+        <p:cNvGrpSpPr/>
+        <p:nvPr/>
+      </p:nvGrpSpPr>
+      <p:grpSpPr>
+        <a:xfrm>
+          <a:off x="0" y="0"/>
+          <a:ext cx="0" cy="0"/>
+          <a:chOff x="0" y="0"/>
+          <a:chExt cx="0" cy="0"/>
+        </a:xfrm>
+      </p:grpSpPr>
+      <p:sp>
+        <p:nvSpPr>
+          <p:cNvPr id="2" name="Title 1">
+            <a:extLst>
+              <a:ext uri="{FF2B5EF4-FFF2-40B4-BE49-F238E27FC236}">
+                <a16:creationId xmlns:a16="http://schemas.microsoft.com/office/drawing/2014/main" id="{346F22D9-9C00-4706-A09F-01AFDF4D9B90}"/>
+              </a:ext>
+            </a:extLst>
+          </p:cNvPr>
+          <p:cNvSpPr>
+            <a:spLocks noGrp="1"/>
+          </p:cNvSpPr>
+          <p:nvPr>
+            <p:ph type="title"/>
+          </p:nvPr>
+        </p:nvSpPr>
+        <p:spPr/>
+        <p:txBody>
+          <a:bodyPr/>
+          <a:lstStyle/>
+          <a:p>
+            <a:r>
+              <a:rPr lang="en-US" dirty="0"/>
+              <a:t>Operations on data structure</a:t>
+            </a:r>
+          </a:p>
+        </p:txBody>
+      </p:sp>
+      <p:sp>
+        <p:nvSpPr>
+          <p:cNvPr id="3" name="Content Placeholder 2">
+            <a:extLst>
+              <a:ext uri="{FF2B5EF4-FFF2-40B4-BE49-F238E27FC236}">
+                <a16:creationId xmlns:a16="http://schemas.microsoft.com/office/drawing/2014/main" id="{4EF22CFB-5F26-48A6-9ADA-6C0189E14488}"/>
+              </a:ext>
+            </a:extLst>
+          </p:cNvPr>
+          <p:cNvSpPr>
+            <a:spLocks noGrp="1"/>
+          </p:cNvSpPr>
+          <p:nvPr>
+            <p:ph idx="1"/>
+          </p:nvPr>
+        </p:nvSpPr>
+        <p:spPr>
+          <a:xfrm>
+            <a:off x="838200" y="1451811"/>
+            <a:ext cx="10515600" cy="4725152"/>
+          </a:xfrm>
+        </p:spPr>
+        <p:txBody>
+          <a:bodyPr>
+            <a:normAutofit fontScale="77500" lnSpcReduction="20000"/>
+          </a:bodyPr>
+          <a:lstStyle/>
+          <a:p>
+            <a:r>
+              <a:rPr lang="en-US" dirty="0"/>
+              <a:t>Data structure</a:t>
+            </a:r>
+          </a:p>
+          <a:p>
+            <a:pPr lvl="1"/>
+            <a:r>
+              <a:rPr lang="en-US" dirty="0"/>
+              <a:t>let </a:t>
+            </a:r>
+            <a:r>
+              <a:rPr lang="en-US" dirty="0" err="1"/>
+              <a:t>studentInformationSystem</a:t>
+            </a:r>
+            <a:r>
+              <a:rPr lang="en-US" dirty="0"/>
+              <a:t> = </a:t>
+            </a:r>
+            <a:r>
+              <a:rPr lang="en-US" dirty="0" err="1"/>
+              <a:t>StudentInformationSystem.get</a:t>
+            </a:r>
+            <a:r>
+              <a:rPr lang="en-US" dirty="0"/>
+              <a:t>()</a:t>
+            </a:r>
+          </a:p>
+          <a:p>
+            <a:r>
+              <a:rPr lang="en-US" dirty="0"/>
+              <a:t>New student arrives</a:t>
+            </a:r>
+          </a:p>
+          <a:p>
+            <a:pPr lvl="1"/>
+            <a:r>
+              <a:rPr lang="en-US" dirty="0"/>
+              <a:t>let joe = new Student(“Joe”, “Doe”, “3/1/2011”, …)</a:t>
+            </a:r>
+          </a:p>
+          <a:p>
+            <a:r>
+              <a:rPr lang="en-US" dirty="0"/>
+              <a:t>Insertion – map by id</a:t>
+            </a:r>
+          </a:p>
+          <a:p>
+            <a:pPr lvl="1"/>
+            <a:r>
+              <a:rPr lang="en-US" dirty="0" err="1"/>
+              <a:t>studentInformationSystem.</a:t>
+            </a:r>
+            <a:r>
+              <a:rPr lang="en-US" dirty="0" err="1">
+                <a:solidFill>
+                  <a:schemeClr val="accent6">
+                    <a:lumMod val="75000"/>
+                  </a:schemeClr>
+                </a:solidFill>
+              </a:rPr>
+              <a:t>byId</a:t>
+            </a:r>
+            <a:r>
+              <a:rPr lang="en-US" dirty="0"/>
+              <a:t>[‘22901’] = joe</a:t>
+            </a:r>
+          </a:p>
+          <a:p>
+            <a:r>
+              <a:rPr lang="en-US" dirty="0"/>
+              <a:t>Insertion – list by last name</a:t>
+            </a:r>
+          </a:p>
+          <a:p>
+            <a:pPr lvl="1"/>
+            <a:r>
+              <a:rPr lang="en-US" dirty="0"/>
+              <a:t>let list = </a:t>
+            </a:r>
+            <a:r>
+              <a:rPr lang="en-US" dirty="0" err="1"/>
+              <a:t>studentInformationSystem.</a:t>
+            </a:r>
+            <a:r>
+              <a:rPr lang="en-US" dirty="0" err="1">
+                <a:solidFill>
+                  <a:schemeClr val="accent6">
+                    <a:lumMod val="75000"/>
+                  </a:schemeClr>
+                </a:solidFill>
+              </a:rPr>
+              <a:t>lists</a:t>
+            </a:r>
+            <a:r>
+              <a:rPr lang="en-US" dirty="0"/>
+              <a:t>[“Doe”]</a:t>
+            </a:r>
+          </a:p>
+          <a:p>
+            <a:pPr lvl="1"/>
+            <a:r>
+              <a:rPr lang="en-US" dirty="0"/>
+              <a:t>If (list === null) {</a:t>
+            </a:r>
+          </a:p>
+          <a:p>
+            <a:pPr lvl="1"/>
+            <a:r>
+              <a:rPr lang="en-US" dirty="0"/>
+              <a:t>  list = new Array();</a:t>
+            </a:r>
+          </a:p>
+          <a:p>
+            <a:pPr lvl="1"/>
+            <a:r>
+              <a:rPr lang="en-US" dirty="0"/>
+              <a:t>  </a:t>
+            </a:r>
+            <a:r>
+              <a:rPr lang="en-US" dirty="0" err="1"/>
+              <a:t>studentInformationSystem.lists</a:t>
+            </a:r>
+            <a:r>
+              <a:rPr lang="en-US" dirty="0"/>
+              <a:t>[“Doe”] = list</a:t>
+            </a:r>
+          </a:p>
+          <a:p>
+            <a:pPr lvl="1"/>
+            <a:r>
+              <a:rPr lang="en-US" dirty="0"/>
+              <a:t>}</a:t>
+            </a:r>
+          </a:p>
+          <a:p>
+            <a:pPr lvl="1"/>
+            <a:r>
+              <a:rPr lang="en-US" dirty="0" err="1"/>
+              <a:t>list.push</a:t>
+            </a:r>
+            <a:r>
+              <a:rPr lang="en-US" dirty="0"/>
+              <a:t>(joe)</a:t>
+            </a:r>
+          </a:p>
+          <a:p>
+            <a:r>
+              <a:rPr lang="en-US" dirty="0"/>
+              <a:t>Look up</a:t>
+            </a:r>
+          </a:p>
+          <a:p>
+            <a:pPr lvl="1"/>
+            <a:r>
+              <a:rPr lang="en-US" dirty="0"/>
+              <a:t>Let buyer = </a:t>
+            </a:r>
+            <a:r>
+              <a:rPr lang="en-US" dirty="0" err="1"/>
+              <a:t>studentInformationSystem</a:t>
+            </a:r>
+            <a:r>
+              <a:rPr lang="en-US" dirty="0"/>
+              <a:t>[‘22901’]</a:t>
+            </a:r>
+          </a:p>
+          <a:p>
+            <a:pPr lvl="1"/>
+            <a:r>
+              <a:rPr lang="en-US" dirty="0"/>
+              <a:t>If (buyer !== null) { … } else { throw Error (“student number not in system”) }</a:t>
+            </a:r>
+          </a:p>
+        </p:txBody>
+      </p:sp>
+    </p:spTree>
+    <p:extLst>
+      <p:ext uri="{BB962C8B-B14F-4D97-AF65-F5344CB8AC3E}">
+        <p14:creationId xmlns:p14="http://schemas.microsoft.com/office/powerpoint/2010/main" val="3280592724"/>
+      </p:ext>
+    </p:extLst>
+  </p:cSld>
+  <p:clrMapOvr>
+    <a:masterClrMapping/>
+  </p:clrMapOvr>
+</p:sld>
+</file>
+
+<file path=ppt/slides/slide57.xml><?xml version="1.0" encoding="utf-8"?>
+<p:sld xmlns:a="http://schemas.openxmlformats.org/drawingml/2006/main" xmlns:r="http://schemas.openxmlformats.org/officeDocument/2006/relationships" xmlns:p="http://schemas.openxmlformats.org/presentationml/2006/main">
+  <p:cSld>
+    <p:spTree>
+      <p:nvGrpSpPr>
+        <p:cNvPr id="1" name=""/>
+        <p:cNvGrpSpPr/>
+        <p:nvPr/>
+      </p:nvGrpSpPr>
+      <p:grpSpPr>
+        <a:xfrm>
+          <a:off x="0" y="0"/>
+          <a:ext cx="0" cy="0"/>
+          <a:chOff x="0" y="0"/>
+          <a:chExt cx="0" cy="0"/>
+        </a:xfrm>
+      </p:grpSpPr>
+      <p:sp>
+        <p:nvSpPr>
+          <p:cNvPr id="2" name="Title 1">
+            <a:extLst>
+              <a:ext uri="{FF2B5EF4-FFF2-40B4-BE49-F238E27FC236}">
+                <a16:creationId xmlns:a16="http://schemas.microsoft.com/office/drawing/2014/main" id="{92D885EF-2FC3-4E5D-BFC3-0121F0571D44}"/>
+              </a:ext>
+            </a:extLst>
+          </p:cNvPr>
+          <p:cNvSpPr>
+            <a:spLocks noGrp="1"/>
+          </p:cNvSpPr>
+          <p:nvPr>
+            <p:ph type="title"/>
+          </p:nvPr>
+        </p:nvSpPr>
+        <p:spPr/>
+        <p:txBody>
+          <a:bodyPr/>
+          <a:lstStyle/>
+          <a:p>
+            <a:r>
+              <a:rPr lang="en-US" dirty="0"/>
+              <a:t>Information Update/Deletion</a:t>
+            </a:r>
+          </a:p>
+        </p:txBody>
+      </p:sp>
+      <p:sp>
+        <p:nvSpPr>
+          <p:cNvPr id="3" name="Content Placeholder 2">
+            <a:extLst>
+              <a:ext uri="{FF2B5EF4-FFF2-40B4-BE49-F238E27FC236}">
+                <a16:creationId xmlns:a16="http://schemas.microsoft.com/office/drawing/2014/main" id="{A2D02EA6-6408-4CEF-8851-0BF9471541CB}"/>
+              </a:ext>
+            </a:extLst>
+          </p:cNvPr>
+          <p:cNvSpPr>
+            <a:spLocks noGrp="1"/>
+          </p:cNvSpPr>
+          <p:nvPr>
+            <p:ph idx="1"/>
+          </p:nvPr>
+        </p:nvSpPr>
+        <p:spPr/>
+        <p:txBody>
+          <a:bodyPr/>
+          <a:lstStyle/>
+          <a:p>
+            <a:r>
+              <a:rPr lang="en-US" dirty="0"/>
+              <a:t>Let </a:t>
+            </a:r>
+            <a:r>
+              <a:rPr lang="en-US" dirty="0" err="1"/>
+              <a:t>studentInformationSystem</a:t>
+            </a:r>
+            <a:r>
+              <a:rPr lang="en-US" dirty="0"/>
+              <a:t> = </a:t>
+            </a:r>
+            <a:r>
+              <a:rPr lang="en-US" dirty="0" err="1"/>
+              <a:t>SystemInformationSystem.get</a:t>
+            </a:r>
+            <a:r>
+              <a:rPr lang="en-US" dirty="0"/>
+              <a:t>()</a:t>
+            </a:r>
+          </a:p>
+          <a:p>
+            <a:r>
+              <a:rPr lang="en-US" dirty="0"/>
+              <a:t>Let map = </a:t>
+            </a:r>
+            <a:r>
+              <a:rPr lang="en-US" dirty="0" err="1"/>
+              <a:t>studentInformationSystem.byId</a:t>
+            </a:r>
+            <a:r>
+              <a:rPr lang="en-US" dirty="0"/>
+              <a:t>;</a:t>
+            </a:r>
+          </a:p>
+          <a:p>
+            <a:r>
+              <a:rPr lang="en-US" dirty="0"/>
+              <a:t>Let joe = map(“34002”)</a:t>
+            </a:r>
+          </a:p>
+          <a:p>
+            <a:r>
+              <a:rPr lang="en-US" dirty="0" err="1"/>
+              <a:t>joe.grade</a:t>
+            </a:r>
+            <a:r>
+              <a:rPr lang="en-US" dirty="0"/>
+              <a:t> = 630</a:t>
+            </a:r>
+          </a:p>
+          <a:p>
+            <a:endParaRPr lang="en-US" dirty="0"/>
+          </a:p>
+          <a:p>
+            <a:r>
+              <a:rPr lang="en-US" dirty="0"/>
+              <a:t>Let map = </a:t>
+            </a:r>
+            <a:r>
+              <a:rPr lang="en-US" dirty="0" err="1"/>
+              <a:t>studentInformationSystem.byId</a:t>
+            </a:r>
+            <a:r>
+              <a:rPr lang="en-US" dirty="0"/>
+              <a:t>;</a:t>
+            </a:r>
+          </a:p>
+          <a:p>
+            <a:r>
+              <a:rPr lang="en-US" dirty="0"/>
+              <a:t>delete map[“34002”] (only deletes the reference in this map)</a:t>
+            </a:r>
+          </a:p>
+        </p:txBody>
+      </p:sp>
+    </p:spTree>
+    <p:extLst>
+      <p:ext uri="{BB962C8B-B14F-4D97-AF65-F5344CB8AC3E}">
+        <p14:creationId xmlns:p14="http://schemas.microsoft.com/office/powerpoint/2010/main" val="1468215929"/>
+      </p:ext>
+    </p:extLst>
+  </p:cSld>
+  <p:clrMapOvr>
+    <a:masterClrMapping/>
+  </p:clrMapOvr>
+</p:sld>
+</file>
+
+<file path=ppt/slides/slide58.xml><?xml version="1.0" encoding="utf-8"?>
+<p:sld xmlns:a="http://schemas.openxmlformats.org/drawingml/2006/main" xmlns:r="http://schemas.openxmlformats.org/officeDocument/2006/relationships" xmlns:p="http://schemas.openxmlformats.org/presentationml/2006/main">
+  <p:cSld>
+    <p:spTree>
+      <p:nvGrpSpPr>
+        <p:cNvPr id="1" name=""/>
+        <p:cNvGrpSpPr/>
+        <p:nvPr/>
+      </p:nvGrpSpPr>
+      <p:grpSpPr>
+        <a:xfrm>
+          <a:off x="0" y="0"/>
+          <a:ext cx="0" cy="0"/>
+          <a:chOff x="0" y="0"/>
+          <a:chExt cx="0" cy="0"/>
+        </a:xfrm>
+      </p:grpSpPr>
+      <p:sp>
+        <p:nvSpPr>
+          <p:cNvPr id="2" name="Title 1">
+            <a:extLst>
+              <a:ext uri="{FF2B5EF4-FFF2-40B4-BE49-F238E27FC236}">
+                <a16:creationId xmlns:a16="http://schemas.microsoft.com/office/drawing/2014/main" id="{E7EFFEBB-B58E-461A-BB5B-A7076FBCE6AF}"/>
+              </a:ext>
+            </a:extLst>
+          </p:cNvPr>
+          <p:cNvSpPr>
+            <a:spLocks noGrp="1"/>
+          </p:cNvSpPr>
+          <p:nvPr>
+            <p:ph type="title"/>
+          </p:nvPr>
+        </p:nvSpPr>
+        <p:spPr>
+          <a:xfrm>
+            <a:off x="336884" y="365125"/>
+            <a:ext cx="11534274" cy="1325563"/>
+          </a:xfrm>
+        </p:spPr>
+        <p:txBody>
+          <a:bodyPr/>
+          <a:lstStyle/>
+          <a:p>
+            <a:r>
+              <a:rPr lang="en-US" dirty="0"/>
+              <a:t>Information structure and relationship (real world)</a:t>
+            </a:r>
+          </a:p>
+        </p:txBody>
+      </p:sp>
+      <p:sp>
+        <p:nvSpPr>
+          <p:cNvPr id="3" name="Content Placeholder 2">
+            <a:extLst>
+              <a:ext uri="{FF2B5EF4-FFF2-40B4-BE49-F238E27FC236}">
+                <a16:creationId xmlns:a16="http://schemas.microsoft.com/office/drawing/2014/main" id="{C4C9ECF1-D8C9-4BF6-ADCB-E7C5C29E58F1}"/>
+              </a:ext>
+            </a:extLst>
+          </p:cNvPr>
+          <p:cNvSpPr>
+            <a:spLocks noGrp="1"/>
+          </p:cNvSpPr>
+          <p:nvPr>
+            <p:ph idx="1"/>
+          </p:nvPr>
+        </p:nvSpPr>
+        <p:spPr>
+          <a:xfrm>
+            <a:off x="838200" y="1825625"/>
+            <a:ext cx="4391526" cy="4351338"/>
+          </a:xfrm>
+        </p:spPr>
+        <p:txBody>
+          <a:bodyPr/>
+          <a:lstStyle/>
+          <a:p>
+            <a:r>
+              <a:rPr lang="en-US" dirty="0"/>
+              <a:t>History - hierarchical</a:t>
+            </a:r>
+          </a:p>
+          <a:p>
+            <a:pPr lvl="1"/>
+            <a:r>
+              <a:rPr lang="en-US" dirty="0"/>
+              <a:t>Ancient</a:t>
+            </a:r>
+          </a:p>
+          <a:p>
+            <a:pPr lvl="2"/>
+            <a:r>
+              <a:rPr lang="en-US" dirty="0"/>
+              <a:t>West, Near Nest, Far East</a:t>
+            </a:r>
+          </a:p>
+          <a:p>
+            <a:pPr lvl="1"/>
+            <a:r>
+              <a:rPr lang="en-US" dirty="0"/>
+              <a:t>Medieval</a:t>
+            </a:r>
+          </a:p>
+          <a:p>
+            <a:pPr lvl="2"/>
+            <a:r>
+              <a:rPr lang="en-US" dirty="0"/>
+              <a:t>West, Near Nest, Far East</a:t>
+            </a:r>
+          </a:p>
+          <a:p>
+            <a:pPr lvl="1"/>
+            <a:r>
+              <a:rPr lang="en-US" dirty="0"/>
+              <a:t>Modern</a:t>
+            </a:r>
+          </a:p>
+          <a:p>
+            <a:pPr lvl="1"/>
+            <a:r>
+              <a:rPr lang="en-US" dirty="0"/>
+              <a:t>Contemporary</a:t>
+            </a:r>
+          </a:p>
+          <a:p>
+            <a:r>
+              <a:rPr lang="en-US" dirty="0"/>
+              <a:t>Story</a:t>
+            </a:r>
+          </a:p>
+          <a:p>
+            <a:pPr lvl="1"/>
+            <a:r>
+              <a:rPr lang="en-US" dirty="0"/>
+              <a:t>Timeline</a:t>
+            </a:r>
+          </a:p>
+          <a:p>
+            <a:pPr lvl="2"/>
+            <a:r>
+              <a:rPr lang="en-US" dirty="0"/>
+              <a:t>Event (characters A, B, G)</a:t>
+            </a:r>
+          </a:p>
+          <a:p>
+            <a:pPr lvl="2"/>
+            <a:r>
+              <a:rPr lang="en-US" dirty="0"/>
+              <a:t>Event (characters A, T, Y)</a:t>
+            </a:r>
+          </a:p>
+        </p:txBody>
+      </p:sp>
+      <p:cxnSp>
+        <p:nvCxnSpPr>
+          <p:cNvPr id="5" name="Connector: Curved 4">
+            <a:extLst>
+              <a:ext uri="{FF2B5EF4-FFF2-40B4-BE49-F238E27FC236}">
+                <a16:creationId xmlns:a16="http://schemas.microsoft.com/office/drawing/2014/main" id="{84F66C42-2B76-4488-8C24-B6840DA2A179}"/>
+              </a:ext>
+            </a:extLst>
+          </p:cNvPr>
+          <p:cNvCxnSpPr/>
+          <p:nvPr/>
+        </p:nvCxnSpPr>
+        <p:spPr>
+          <a:xfrm rot="5400000">
+            <a:off x="3870158" y="5747084"/>
+            <a:ext cx="200526" cy="12700"/>
+          </a:xfrm>
+          <a:prstGeom prst="curvedConnector3">
+            <a:avLst/>
+          </a:prstGeom>
+          <a:ln>
+            <a:headEnd type="triangle"/>
+            <a:tailEnd type="triangle"/>
+          </a:ln>
+        </p:spPr>
+        <p:style>
+          <a:lnRef idx="1">
+            <a:schemeClr val="accent1"/>
+          </a:lnRef>
+          <a:fillRef idx="0">
+            <a:schemeClr val="accent1"/>
+          </a:fillRef>
+          <a:effectRef idx="0">
+            <a:schemeClr val="accent1"/>
+          </a:effectRef>
+          <a:fontRef idx="minor">
+            <a:schemeClr val="tx1"/>
+          </a:fontRef>
+        </p:style>
+      </p:cxnSp>
+      <p:cxnSp>
+        <p:nvCxnSpPr>
+          <p:cNvPr id="7" name="Connector: Curved 6">
+            <a:extLst>
+              <a:ext uri="{FF2B5EF4-FFF2-40B4-BE49-F238E27FC236}">
+                <a16:creationId xmlns:a16="http://schemas.microsoft.com/office/drawing/2014/main" id="{78E0470F-03A0-47E8-B34C-2AEA77117BF3}"/>
+              </a:ext>
+            </a:extLst>
+          </p:cNvPr>
+          <p:cNvCxnSpPr/>
+          <p:nvPr/>
+        </p:nvCxnSpPr>
+        <p:spPr>
+          <a:xfrm>
+            <a:off x="3976771" y="5518484"/>
+            <a:ext cx="282408" cy="12700"/>
+          </a:xfrm>
+          <a:prstGeom prst="curvedConnector3">
+            <a:avLst>
+              <a:gd name="adj1" fmla="val 55680"/>
+            </a:avLst>
+          </a:prstGeom>
+          <a:ln>
+            <a:tailEnd type="triangle"/>
+          </a:ln>
+        </p:spPr>
+        <p:style>
+          <a:lnRef idx="1">
+            <a:schemeClr val="accent1"/>
+          </a:lnRef>
+          <a:fillRef idx="0">
+            <a:schemeClr val="accent1"/>
+          </a:fillRef>
+          <a:effectRef idx="0">
+            <a:schemeClr val="accent1"/>
+          </a:effectRef>
+          <a:fontRef idx="minor">
+            <a:schemeClr val="tx1"/>
+          </a:fontRef>
+        </p:style>
+      </p:cxnSp>
+      <p:cxnSp>
+        <p:nvCxnSpPr>
+          <p:cNvPr id="12" name="Connector: Curved 11">
+            <a:extLst>
+              <a:ext uri="{FF2B5EF4-FFF2-40B4-BE49-F238E27FC236}">
+                <a16:creationId xmlns:a16="http://schemas.microsoft.com/office/drawing/2014/main" id="{07C44677-C833-4B36-B5ED-F13B455FE3BD}"/>
+              </a:ext>
+            </a:extLst>
+          </p:cNvPr>
+          <p:cNvCxnSpPr/>
+          <p:nvPr/>
+        </p:nvCxnSpPr>
+        <p:spPr>
+          <a:xfrm>
+            <a:off x="4259179" y="5518484"/>
+            <a:ext cx="248653" cy="12700"/>
+          </a:xfrm>
+          <a:prstGeom prst="curvedConnector3">
+            <a:avLst/>
+          </a:prstGeom>
+          <a:ln>
+            <a:tailEnd type="triangle"/>
+          </a:ln>
+        </p:spPr>
+        <p:style>
+          <a:lnRef idx="1">
+            <a:schemeClr val="accent1"/>
+          </a:lnRef>
+          <a:fillRef idx="0">
+            <a:schemeClr val="accent1"/>
+          </a:fillRef>
+          <a:effectRef idx="0">
+            <a:schemeClr val="accent1"/>
+          </a:effectRef>
+          <a:fontRef idx="minor">
+            <a:schemeClr val="tx1"/>
+          </a:fontRef>
+        </p:style>
+      </p:cxnSp>
+      <p:sp>
+        <p:nvSpPr>
+          <p:cNvPr id="13" name="Content Placeholder 2">
+            <a:extLst>
+              <a:ext uri="{FF2B5EF4-FFF2-40B4-BE49-F238E27FC236}">
+                <a16:creationId xmlns:a16="http://schemas.microsoft.com/office/drawing/2014/main" id="{92551363-AADD-49F1-8236-B1A681E6276C}"/>
+              </a:ext>
+            </a:extLst>
+          </p:cNvPr>
+          <p:cNvSpPr txBox="1">
+            <a:spLocks/>
+          </p:cNvSpPr>
+          <p:nvPr/>
+        </p:nvSpPr>
+        <p:spPr>
+          <a:xfrm>
+            <a:off x="5891462" y="1825625"/>
+            <a:ext cx="6300538" cy="4351338"/>
+          </a:xfrm>
+          <a:prstGeom prst="rect">
+            <a:avLst/>
+          </a:prstGeom>
+        </p:spPr>
+        <p:txBody>
+          <a:bodyPr vert="horz" lIns="91440" tIns="45720" rIns="91440" bIns="45720" rtlCol="0">
+            <a:normAutofit/>
+          </a:bodyPr>
+          <a:lstStyle>
+            <a:lvl1pPr marL="228600" indent="-228600" algn="l" defTabSz="914400" rtl="0" eaLnBrk="1" latinLnBrk="0" hangingPunct="1">
+              <a:lnSpc>
+                <a:spcPct val="90000"/>
+              </a:lnSpc>
+              <a:spcBef>
+                <a:spcPts val="1000"/>
+              </a:spcBef>
+              <a:buFont typeface="Arial" panose="020B0604020202020204" pitchFamily="34" charset="0"/>
+              <a:buChar char="•"/>
+              <a:defRPr sz="2800" kern="1200">
+                <a:solidFill>
+                  <a:schemeClr val="tx1"/>
+                </a:solidFill>
+                <a:latin typeface="+mn-lt"/>
+                <a:ea typeface="+mn-ea"/>
+                <a:cs typeface="+mn-cs"/>
+              </a:defRPr>
+            </a:lvl1pPr>
+            <a:lvl2pPr marL="685800" indent="-228600" algn="l" defTabSz="914400" rtl="0" eaLnBrk="1" latinLnBrk="0" hangingPunct="1">
+              <a:lnSpc>
+                <a:spcPct val="90000"/>
+              </a:lnSpc>
+              <a:spcBef>
+                <a:spcPts val="500"/>
+              </a:spcBef>
+              <a:buFont typeface="Arial" panose="020B0604020202020204" pitchFamily="34" charset="0"/>
+              <a:buChar char="•"/>
+              <a:defRPr sz="2400" kern="1200">
+                <a:solidFill>
+                  <a:schemeClr val="tx1"/>
+                </a:solidFill>
+                <a:latin typeface="+mn-lt"/>
+                <a:ea typeface="+mn-ea"/>
+                <a:cs typeface="+mn-cs"/>
+              </a:defRPr>
+            </a:lvl2pPr>
+            <a:lvl3pPr marL="1143000" indent="-228600" algn="l" defTabSz="914400" rtl="0" eaLnBrk="1" latinLnBrk="0" hangingPunct="1">
+              <a:lnSpc>
+                <a:spcPct val="90000"/>
+              </a:lnSpc>
+              <a:spcBef>
+                <a:spcPts val="500"/>
+              </a:spcBef>
+              <a:buFont typeface="Arial" panose="020B0604020202020204" pitchFamily="34" charset="0"/>
+              <a:buChar char="•"/>
+              <a:defRPr sz="2000" kern="1200">
+                <a:solidFill>
+                  <a:schemeClr val="tx1"/>
+                </a:solidFill>
+                <a:latin typeface="+mn-lt"/>
+                <a:ea typeface="+mn-ea"/>
+                <a:cs typeface="+mn-cs"/>
+              </a:defRPr>
+            </a:lvl3pPr>
+            <a:lvl4pPr marL="1600200" indent="-228600" algn="l" defTabSz="914400" rtl="0" eaLnBrk="1" latinLnBrk="0" hangingPunct="1">
+              <a:lnSpc>
+                <a:spcPct val="90000"/>
+              </a:lnSpc>
+              <a:spcBef>
+                <a:spcPts val="500"/>
+              </a:spcBef>
+              <a:buFont typeface="Arial" panose="020B0604020202020204" pitchFamily="34" charset="0"/>
+              <a:buChar char="•"/>
+              <a:defRPr sz="1800" kern="1200">
+                <a:solidFill>
+                  <a:schemeClr val="tx1"/>
+                </a:solidFill>
+                <a:latin typeface="+mn-lt"/>
+                <a:ea typeface="+mn-ea"/>
+                <a:cs typeface="+mn-cs"/>
+              </a:defRPr>
+            </a:lvl4pPr>
+            <a:lvl5pPr marL="2057400" indent="-228600" algn="l" defTabSz="914400" rtl="0" eaLnBrk="1" latinLnBrk="0" hangingPunct="1">
+              <a:lnSpc>
+                <a:spcPct val="90000"/>
+              </a:lnSpc>
+              <a:spcBef>
+                <a:spcPts val="500"/>
+              </a:spcBef>
+              <a:buFont typeface="Arial" panose="020B0604020202020204" pitchFamily="34" charset="0"/>
+              <a:buChar char="•"/>
+              <a:defRPr sz="1800" kern="1200">
+                <a:solidFill>
+                  <a:schemeClr val="tx1"/>
+                </a:solidFill>
+                <a:latin typeface="+mn-lt"/>
+                <a:ea typeface="+mn-ea"/>
+                <a:cs typeface="+mn-cs"/>
+              </a:defRPr>
+            </a:lvl5pPr>
+            <a:lvl6pPr marL="2514600" indent="-228600" algn="l" defTabSz="914400" rtl="0" eaLnBrk="1" latinLnBrk="0" hangingPunct="1">
+              <a:lnSpc>
+                <a:spcPct val="90000"/>
+              </a:lnSpc>
+              <a:spcBef>
+                <a:spcPts val="500"/>
+              </a:spcBef>
+              <a:buFont typeface="Arial" panose="020B0604020202020204" pitchFamily="34" charset="0"/>
+              <a:buChar char="•"/>
+              <a:defRPr sz="1800" kern="1200">
+                <a:solidFill>
+                  <a:schemeClr val="tx1"/>
+                </a:solidFill>
+                <a:latin typeface="+mn-lt"/>
+                <a:ea typeface="+mn-ea"/>
+                <a:cs typeface="+mn-cs"/>
+              </a:defRPr>
+            </a:lvl6pPr>
+            <a:lvl7pPr marL="2971800" indent="-228600" algn="l" defTabSz="914400" rtl="0" eaLnBrk="1" latinLnBrk="0" hangingPunct="1">
+              <a:lnSpc>
+                <a:spcPct val="90000"/>
+              </a:lnSpc>
+              <a:spcBef>
+                <a:spcPts val="500"/>
+              </a:spcBef>
+              <a:buFont typeface="Arial" panose="020B0604020202020204" pitchFamily="34" charset="0"/>
+              <a:buChar char="•"/>
+              <a:defRPr sz="1800" kern="1200">
+                <a:solidFill>
+                  <a:schemeClr val="tx1"/>
+                </a:solidFill>
+                <a:latin typeface="+mn-lt"/>
+                <a:ea typeface="+mn-ea"/>
+                <a:cs typeface="+mn-cs"/>
+              </a:defRPr>
+            </a:lvl7pPr>
+            <a:lvl8pPr marL="3429000" indent="-228600" algn="l" defTabSz="914400" rtl="0" eaLnBrk="1" latinLnBrk="0" hangingPunct="1">
+              <a:lnSpc>
+                <a:spcPct val="90000"/>
+              </a:lnSpc>
+              <a:spcBef>
+                <a:spcPts val="500"/>
+              </a:spcBef>
+              <a:buFont typeface="Arial" panose="020B0604020202020204" pitchFamily="34" charset="0"/>
+              <a:buChar char="•"/>
+              <a:defRPr sz="1800" kern="1200">
+                <a:solidFill>
+                  <a:schemeClr val="tx1"/>
+                </a:solidFill>
+                <a:latin typeface="+mn-lt"/>
+                <a:ea typeface="+mn-ea"/>
+                <a:cs typeface="+mn-cs"/>
+              </a:defRPr>
+            </a:lvl8pPr>
+            <a:lvl9pPr marL="3886200" indent="-228600" algn="l" defTabSz="914400" rtl="0" eaLnBrk="1" latinLnBrk="0" hangingPunct="1">
+              <a:lnSpc>
+                <a:spcPct val="90000"/>
+              </a:lnSpc>
+              <a:spcBef>
+                <a:spcPts val="500"/>
+              </a:spcBef>
+              <a:buFont typeface="Arial" panose="020B0604020202020204" pitchFamily="34" charset="0"/>
+              <a:buChar char="•"/>
+              <a:defRPr sz="1800" kern="1200">
+                <a:solidFill>
+                  <a:schemeClr val="tx1"/>
+                </a:solidFill>
+                <a:latin typeface="+mn-lt"/>
+                <a:ea typeface="+mn-ea"/>
+                <a:cs typeface="+mn-cs"/>
+              </a:defRPr>
+            </a:lvl9pPr>
+          </a:lstStyle>
+          <a:p>
+            <a:r>
+              <a:rPr lang="en-US" dirty="0"/>
+              <a:t>Data = raw facts – material to build tools</a:t>
+            </a:r>
+          </a:p>
+          <a:p>
+            <a:r>
+              <a:rPr lang="en-US" dirty="0"/>
+              <a:t>Info = knowledge - tools</a:t>
+            </a:r>
+          </a:p>
+          <a:p>
+            <a:r>
+              <a:rPr lang="en-US" dirty="0"/>
+              <a:t>Hierarchical – objects inside objects (maps inside maps)</a:t>
+            </a:r>
+          </a:p>
+          <a:p>
+            <a:r>
+              <a:rPr lang="en-US" dirty="0"/>
+              <a:t>Network</a:t>
+            </a:r>
+          </a:p>
+          <a:p>
+            <a:r>
+              <a:rPr lang="en-US" dirty="0"/>
+              <a:t>All these can be combined</a:t>
+            </a:r>
+          </a:p>
+        </p:txBody>
+      </p:sp>
+      <p:sp>
+        <p:nvSpPr>
+          <p:cNvPr id="14" name="Rectangle 13">
+            <a:extLst>
+              <a:ext uri="{FF2B5EF4-FFF2-40B4-BE49-F238E27FC236}">
+                <a16:creationId xmlns:a16="http://schemas.microsoft.com/office/drawing/2014/main" id="{CC1C5BB5-A670-4EA7-AB3C-7F06AEDD86AC}"/>
+              </a:ext>
+            </a:extLst>
+          </p:cNvPr>
+          <p:cNvSpPr/>
+          <p:nvPr/>
+        </p:nvSpPr>
+        <p:spPr>
+          <a:xfrm>
+            <a:off x="8566484" y="3954379"/>
+            <a:ext cx="673769" cy="344905"/>
+          </a:xfrm>
+          <a:prstGeom prst="rect">
+            <a:avLst/>
+          </a:prstGeom>
+        </p:spPr>
+        <p:style>
+          <a:lnRef idx="2">
+            <a:schemeClr val="accent5">
+              <a:shade val="50000"/>
+            </a:schemeClr>
+          </a:lnRef>
+          <a:fillRef idx="1">
+            <a:schemeClr val="accent5"/>
+          </a:fillRef>
+          <a:effectRef idx="0">
+            <a:schemeClr val="accent5"/>
+          </a:effectRef>
+          <a:fontRef idx="minor">
+            <a:schemeClr val="lt1"/>
+          </a:fontRef>
+        </p:style>
+        <p:txBody>
+          <a:bodyPr rtlCol="0" anchor="ctr"/>
+          <a:lstStyle/>
+          <a:p>
+            <a:pPr algn="ctr"/>
+            <a:r>
+              <a:rPr lang="en-US" dirty="0"/>
+              <a:t>A</a:t>
+            </a:r>
+          </a:p>
+        </p:txBody>
+      </p:sp>
+      <p:sp>
+        <p:nvSpPr>
+          <p:cNvPr id="16" name="Rectangle 15">
+            <a:extLst>
+              <a:ext uri="{FF2B5EF4-FFF2-40B4-BE49-F238E27FC236}">
+                <a16:creationId xmlns:a16="http://schemas.microsoft.com/office/drawing/2014/main" id="{83FFC474-0CBD-4278-9139-3E9C92CEF5EC}"/>
+              </a:ext>
+            </a:extLst>
+          </p:cNvPr>
+          <p:cNvSpPr/>
+          <p:nvPr/>
+        </p:nvSpPr>
+        <p:spPr>
+          <a:xfrm>
+            <a:off x="7359314" y="4660230"/>
+            <a:ext cx="673769" cy="344905"/>
+          </a:xfrm>
+          <a:prstGeom prst="rect">
+            <a:avLst/>
+          </a:prstGeom>
+        </p:spPr>
+        <p:style>
+          <a:lnRef idx="2">
+            <a:schemeClr val="accent5">
+              <a:shade val="50000"/>
+            </a:schemeClr>
+          </a:lnRef>
+          <a:fillRef idx="1">
+            <a:schemeClr val="accent5"/>
+          </a:fillRef>
+          <a:effectRef idx="0">
+            <a:schemeClr val="accent5"/>
+          </a:effectRef>
+          <a:fontRef idx="minor">
+            <a:schemeClr val="lt1"/>
+          </a:fontRef>
+        </p:style>
+        <p:txBody>
+          <a:bodyPr rtlCol="0" anchor="ctr"/>
+          <a:lstStyle/>
+          <a:p>
+            <a:pPr algn="ctr"/>
+            <a:r>
+              <a:rPr lang="en-US" dirty="0"/>
+              <a:t>B</a:t>
+            </a:r>
+          </a:p>
+        </p:txBody>
+      </p:sp>
+      <p:sp>
+        <p:nvSpPr>
+          <p:cNvPr id="17" name="Rectangle 16">
+            <a:extLst>
+              <a:ext uri="{FF2B5EF4-FFF2-40B4-BE49-F238E27FC236}">
+                <a16:creationId xmlns:a16="http://schemas.microsoft.com/office/drawing/2014/main" id="{B498E0C4-B943-457A-B76C-5E16ABCEDDDD}"/>
+              </a:ext>
+            </a:extLst>
+          </p:cNvPr>
+          <p:cNvSpPr/>
+          <p:nvPr/>
+        </p:nvSpPr>
+        <p:spPr>
+          <a:xfrm>
+            <a:off x="8700836" y="4664241"/>
+            <a:ext cx="673769" cy="344905"/>
+          </a:xfrm>
+          <a:prstGeom prst="rect">
+            <a:avLst/>
+          </a:prstGeom>
+        </p:spPr>
+        <p:style>
+          <a:lnRef idx="2">
+            <a:schemeClr val="accent5">
+              <a:shade val="50000"/>
+            </a:schemeClr>
+          </a:lnRef>
+          <a:fillRef idx="1">
+            <a:schemeClr val="accent5"/>
+          </a:fillRef>
+          <a:effectRef idx="0">
+            <a:schemeClr val="accent5"/>
+          </a:effectRef>
+          <a:fontRef idx="minor">
+            <a:schemeClr val="lt1"/>
+          </a:fontRef>
+        </p:style>
+        <p:txBody>
+          <a:bodyPr rtlCol="0" anchor="ctr"/>
+          <a:lstStyle/>
+          <a:p>
+            <a:pPr algn="ctr"/>
+            <a:r>
+              <a:rPr lang="en-US" dirty="0"/>
+              <a:t>C</a:t>
+            </a:r>
+          </a:p>
+        </p:txBody>
+      </p:sp>
+      <p:cxnSp>
+        <p:nvCxnSpPr>
+          <p:cNvPr id="19" name="Straight Connector 18">
+            <a:extLst>
+              <a:ext uri="{FF2B5EF4-FFF2-40B4-BE49-F238E27FC236}">
+                <a16:creationId xmlns:a16="http://schemas.microsoft.com/office/drawing/2014/main" id="{443ADEA1-6493-4C95-B123-63980CD84F02}"/>
+              </a:ext>
+            </a:extLst>
+          </p:cNvPr>
+          <p:cNvCxnSpPr>
+            <a:stCxn id="14" idx="1"/>
+            <a:endCxn id="16" idx="0"/>
+          </p:cNvCxnSpPr>
+          <p:nvPr/>
+        </p:nvCxnSpPr>
+        <p:spPr>
+          <a:xfrm flipH="1">
+            <a:off x="7696199" y="4126832"/>
+            <a:ext cx="870285" cy="533398"/>
+          </a:xfrm>
+          <a:prstGeom prst="line">
+            <a:avLst/>
+          </a:prstGeom>
+        </p:spPr>
+        <p:style>
+          <a:lnRef idx="1">
+            <a:schemeClr val="accent1"/>
+          </a:lnRef>
+          <a:fillRef idx="0">
+            <a:schemeClr val="accent1"/>
+          </a:fillRef>
+          <a:effectRef idx="0">
+            <a:schemeClr val="accent1"/>
+          </a:effectRef>
+          <a:fontRef idx="minor">
+            <a:schemeClr val="tx1"/>
+          </a:fontRef>
+        </p:style>
+      </p:cxnSp>
+      <p:cxnSp>
+        <p:nvCxnSpPr>
+          <p:cNvPr id="20" name="Straight Connector 19">
+            <a:extLst>
+              <a:ext uri="{FF2B5EF4-FFF2-40B4-BE49-F238E27FC236}">
+                <a16:creationId xmlns:a16="http://schemas.microsoft.com/office/drawing/2014/main" id="{0D4A2620-9166-4252-8DEC-F0E08C290ACE}"/>
+              </a:ext>
+            </a:extLst>
+          </p:cNvPr>
+          <p:cNvCxnSpPr>
+            <a:cxnSpLocks/>
+            <a:stCxn id="14" idx="2"/>
+            <a:endCxn id="17" idx="0"/>
+          </p:cNvCxnSpPr>
+          <p:nvPr/>
+        </p:nvCxnSpPr>
+        <p:spPr>
+          <a:xfrm>
+            <a:off x="8903369" y="4299284"/>
+            <a:ext cx="134352" cy="364957"/>
+          </a:xfrm>
+          <a:prstGeom prst="line">
+            <a:avLst/>
+          </a:prstGeom>
+        </p:spPr>
+        <p:style>
+          <a:lnRef idx="1">
+            <a:schemeClr val="accent1"/>
+          </a:lnRef>
+          <a:fillRef idx="0">
+            <a:schemeClr val="accent1"/>
+          </a:fillRef>
+          <a:effectRef idx="0">
+            <a:schemeClr val="accent1"/>
+          </a:effectRef>
+          <a:fontRef idx="minor">
+            <a:schemeClr val="tx1"/>
+          </a:fontRef>
+        </p:style>
+      </p:cxnSp>
+      <p:cxnSp>
+        <p:nvCxnSpPr>
+          <p:cNvPr id="23" name="Straight Connector 22">
+            <a:extLst>
+              <a:ext uri="{FF2B5EF4-FFF2-40B4-BE49-F238E27FC236}">
+                <a16:creationId xmlns:a16="http://schemas.microsoft.com/office/drawing/2014/main" id="{7C16BCC5-E0CE-4A70-ACC4-10BA54BA3041}"/>
+              </a:ext>
+            </a:extLst>
+          </p:cNvPr>
+          <p:cNvCxnSpPr>
+            <a:cxnSpLocks/>
+            <a:stCxn id="14" idx="3"/>
+            <a:endCxn id="24" idx="0"/>
+          </p:cNvCxnSpPr>
+          <p:nvPr/>
+        </p:nvCxnSpPr>
+        <p:spPr>
+          <a:xfrm>
+            <a:off x="9240253" y="4126832"/>
+            <a:ext cx="898357" cy="533398"/>
+          </a:xfrm>
+          <a:prstGeom prst="line">
+            <a:avLst/>
+          </a:prstGeom>
+        </p:spPr>
+        <p:style>
+          <a:lnRef idx="1">
+            <a:schemeClr val="accent1"/>
+          </a:lnRef>
+          <a:fillRef idx="0">
+            <a:schemeClr val="accent1"/>
+          </a:fillRef>
+          <a:effectRef idx="0">
+            <a:schemeClr val="accent1"/>
+          </a:effectRef>
+          <a:fontRef idx="minor">
+            <a:schemeClr val="tx1"/>
+          </a:fontRef>
+        </p:style>
+      </p:cxnSp>
+      <p:sp>
+        <p:nvSpPr>
+          <p:cNvPr id="24" name="Rectangle 23">
+            <a:extLst>
+              <a:ext uri="{FF2B5EF4-FFF2-40B4-BE49-F238E27FC236}">
+                <a16:creationId xmlns:a16="http://schemas.microsoft.com/office/drawing/2014/main" id="{D0170E9C-2EFD-4424-85B9-268D40A81682}"/>
+              </a:ext>
+            </a:extLst>
+          </p:cNvPr>
+          <p:cNvSpPr/>
+          <p:nvPr/>
+        </p:nvSpPr>
+        <p:spPr>
+          <a:xfrm>
+            <a:off x="9801725" y="4660230"/>
+            <a:ext cx="673769" cy="344905"/>
+          </a:xfrm>
+          <a:prstGeom prst="rect">
+            <a:avLst/>
+          </a:prstGeom>
+        </p:spPr>
+        <p:style>
+          <a:lnRef idx="2">
+            <a:schemeClr val="accent5">
+              <a:shade val="50000"/>
+            </a:schemeClr>
+          </a:lnRef>
+          <a:fillRef idx="1">
+            <a:schemeClr val="accent5"/>
+          </a:fillRef>
+          <a:effectRef idx="0">
+            <a:schemeClr val="accent5"/>
+          </a:effectRef>
+          <a:fontRef idx="minor">
+            <a:schemeClr val="lt1"/>
+          </a:fontRef>
+        </p:style>
+        <p:txBody>
+          <a:bodyPr rtlCol="0" anchor="ctr"/>
+          <a:lstStyle/>
+          <a:p>
+            <a:pPr algn="ctr"/>
+            <a:endParaRPr lang="en-US"/>
+          </a:p>
+        </p:txBody>
+      </p:sp>
+      <p:sp>
+        <p:nvSpPr>
+          <p:cNvPr id="27" name="Rectangle 26">
+            <a:extLst>
+              <a:ext uri="{FF2B5EF4-FFF2-40B4-BE49-F238E27FC236}">
+                <a16:creationId xmlns:a16="http://schemas.microsoft.com/office/drawing/2014/main" id="{0882E8D0-6CB0-4E2C-902D-76C1C26773E1}"/>
+              </a:ext>
+            </a:extLst>
+          </p:cNvPr>
+          <p:cNvSpPr/>
+          <p:nvPr/>
+        </p:nvSpPr>
+        <p:spPr>
+          <a:xfrm>
+            <a:off x="6794161" y="5490780"/>
+            <a:ext cx="673769" cy="344905"/>
+          </a:xfrm>
+          <a:prstGeom prst="rect">
+            <a:avLst/>
+          </a:prstGeom>
+        </p:spPr>
+        <p:style>
+          <a:lnRef idx="2">
+            <a:schemeClr val="accent5">
+              <a:shade val="50000"/>
+            </a:schemeClr>
+          </a:lnRef>
+          <a:fillRef idx="1">
+            <a:schemeClr val="accent5"/>
+          </a:fillRef>
+          <a:effectRef idx="0">
+            <a:schemeClr val="accent5"/>
+          </a:effectRef>
+          <a:fontRef idx="minor">
+            <a:schemeClr val="lt1"/>
+          </a:fontRef>
+        </p:style>
+        <p:txBody>
+          <a:bodyPr rtlCol="0" anchor="ctr"/>
+          <a:lstStyle/>
+          <a:p>
+            <a:pPr algn="ctr"/>
+            <a:endParaRPr lang="en-US"/>
+          </a:p>
+        </p:txBody>
+      </p:sp>
+      <p:sp>
+        <p:nvSpPr>
+          <p:cNvPr id="28" name="Rectangle 27">
+            <a:extLst>
+              <a:ext uri="{FF2B5EF4-FFF2-40B4-BE49-F238E27FC236}">
+                <a16:creationId xmlns:a16="http://schemas.microsoft.com/office/drawing/2014/main" id="{3CFFCAE1-DA69-487C-B057-C7B686FCA3CC}"/>
+              </a:ext>
+            </a:extLst>
+          </p:cNvPr>
+          <p:cNvSpPr/>
+          <p:nvPr/>
+        </p:nvSpPr>
+        <p:spPr>
+          <a:xfrm>
+            <a:off x="9464840" y="5575006"/>
+            <a:ext cx="673769" cy="344905"/>
+          </a:xfrm>
+          <a:prstGeom prst="rect">
+            <a:avLst/>
+          </a:prstGeom>
+        </p:spPr>
+        <p:style>
+          <a:lnRef idx="2">
+            <a:schemeClr val="accent5">
+              <a:shade val="50000"/>
+            </a:schemeClr>
+          </a:lnRef>
+          <a:fillRef idx="1">
+            <a:schemeClr val="accent5"/>
+          </a:fillRef>
+          <a:effectRef idx="0">
+            <a:schemeClr val="accent5"/>
+          </a:effectRef>
+          <a:fontRef idx="minor">
+            <a:schemeClr val="lt1"/>
+          </a:fontRef>
+        </p:style>
+        <p:txBody>
+          <a:bodyPr rtlCol="0" anchor="ctr"/>
+          <a:lstStyle/>
+          <a:p>
+            <a:pPr algn="ctr"/>
+            <a:endParaRPr lang="en-US"/>
+          </a:p>
+        </p:txBody>
+      </p:sp>
+      <p:sp>
+        <p:nvSpPr>
+          <p:cNvPr id="29" name="Rectangle 28">
+            <a:extLst>
+              <a:ext uri="{FF2B5EF4-FFF2-40B4-BE49-F238E27FC236}">
+                <a16:creationId xmlns:a16="http://schemas.microsoft.com/office/drawing/2014/main" id="{EBBC50BD-C129-4C0A-BCD5-2FB307540BC8}"/>
+              </a:ext>
+            </a:extLst>
+          </p:cNvPr>
+          <p:cNvSpPr/>
+          <p:nvPr/>
+        </p:nvSpPr>
+        <p:spPr>
+          <a:xfrm>
+            <a:off x="10565729" y="5570995"/>
+            <a:ext cx="673769" cy="344905"/>
+          </a:xfrm>
+          <a:prstGeom prst="rect">
+            <a:avLst/>
+          </a:prstGeom>
+        </p:spPr>
+        <p:style>
+          <a:lnRef idx="2">
+            <a:schemeClr val="accent5">
+              <a:shade val="50000"/>
+            </a:schemeClr>
+          </a:lnRef>
+          <a:fillRef idx="1">
+            <a:schemeClr val="accent5"/>
+          </a:fillRef>
+          <a:effectRef idx="0">
+            <a:schemeClr val="accent5"/>
+          </a:effectRef>
+          <a:fontRef idx="minor">
+            <a:schemeClr val="lt1"/>
+          </a:fontRef>
+        </p:style>
+        <p:txBody>
+          <a:bodyPr rtlCol="0" anchor="ctr"/>
+          <a:lstStyle/>
+          <a:p>
+            <a:pPr algn="ctr"/>
+            <a:endParaRPr lang="en-US"/>
+          </a:p>
+        </p:txBody>
+      </p:sp>
+      <p:cxnSp>
+        <p:nvCxnSpPr>
+          <p:cNvPr id="30" name="Straight Connector 29">
+            <a:extLst>
+              <a:ext uri="{FF2B5EF4-FFF2-40B4-BE49-F238E27FC236}">
+                <a16:creationId xmlns:a16="http://schemas.microsoft.com/office/drawing/2014/main" id="{9AA7A36F-EAE8-48EA-B45F-EF781E6F0EBF}"/>
+              </a:ext>
+            </a:extLst>
+          </p:cNvPr>
+          <p:cNvCxnSpPr>
+            <a:cxnSpLocks/>
+            <a:stCxn id="28" idx="0"/>
+            <a:endCxn id="24" idx="2"/>
+          </p:cNvCxnSpPr>
+          <p:nvPr/>
+        </p:nvCxnSpPr>
+        <p:spPr>
+          <a:xfrm flipV="1">
+            <a:off x="9801725" y="5005135"/>
+            <a:ext cx="336885" cy="569871"/>
+          </a:xfrm>
+          <a:prstGeom prst="line">
+            <a:avLst/>
+          </a:prstGeom>
+        </p:spPr>
+        <p:style>
+          <a:lnRef idx="1">
+            <a:schemeClr val="accent1"/>
+          </a:lnRef>
+          <a:fillRef idx="0">
+            <a:schemeClr val="accent1"/>
+          </a:fillRef>
+          <a:effectRef idx="0">
+            <a:schemeClr val="accent1"/>
+          </a:effectRef>
+          <a:fontRef idx="minor">
+            <a:schemeClr val="tx1"/>
+          </a:fontRef>
+        </p:style>
+      </p:cxnSp>
+      <p:cxnSp>
+        <p:nvCxnSpPr>
+          <p:cNvPr id="33" name="Straight Connector 32">
+            <a:extLst>
+              <a:ext uri="{FF2B5EF4-FFF2-40B4-BE49-F238E27FC236}">
+                <a16:creationId xmlns:a16="http://schemas.microsoft.com/office/drawing/2014/main" id="{14A7CB91-E353-417C-B354-101E17E605F5}"/>
+              </a:ext>
+            </a:extLst>
+          </p:cNvPr>
+          <p:cNvCxnSpPr>
+            <a:cxnSpLocks/>
+            <a:stCxn id="29" idx="0"/>
+            <a:endCxn id="24" idx="2"/>
+          </p:cNvCxnSpPr>
+          <p:nvPr/>
+        </p:nvCxnSpPr>
+        <p:spPr>
+          <a:xfrm flipH="1" flipV="1">
+            <a:off x="10138610" y="5005135"/>
+            <a:ext cx="764004" cy="565860"/>
+          </a:xfrm>
+          <a:prstGeom prst="line">
+            <a:avLst/>
+          </a:prstGeom>
+        </p:spPr>
+        <p:style>
+          <a:lnRef idx="1">
+            <a:schemeClr val="accent1"/>
+          </a:lnRef>
+          <a:fillRef idx="0">
+            <a:schemeClr val="accent1"/>
+          </a:fillRef>
+          <a:effectRef idx="0">
+            <a:schemeClr val="accent1"/>
+          </a:effectRef>
+          <a:fontRef idx="minor">
+            <a:schemeClr val="tx1"/>
+          </a:fontRef>
+        </p:style>
+      </p:cxnSp>
+      <p:cxnSp>
+        <p:nvCxnSpPr>
+          <p:cNvPr id="36" name="Straight Connector 35">
+            <a:extLst>
+              <a:ext uri="{FF2B5EF4-FFF2-40B4-BE49-F238E27FC236}">
+                <a16:creationId xmlns:a16="http://schemas.microsoft.com/office/drawing/2014/main" id="{4D5F651E-D628-4DAC-B603-CEEDA2062F99}"/>
+              </a:ext>
+            </a:extLst>
+          </p:cNvPr>
+          <p:cNvCxnSpPr>
+            <a:cxnSpLocks/>
+            <a:stCxn id="27" idx="0"/>
+            <a:endCxn id="16" idx="2"/>
+          </p:cNvCxnSpPr>
+          <p:nvPr/>
+        </p:nvCxnSpPr>
+        <p:spPr>
+          <a:xfrm flipV="1">
+            <a:off x="7131046" y="5005135"/>
+            <a:ext cx="565153" cy="485645"/>
+          </a:xfrm>
+          <a:prstGeom prst="line">
+            <a:avLst/>
+          </a:prstGeom>
+        </p:spPr>
+        <p:style>
+          <a:lnRef idx="1">
+            <a:schemeClr val="accent1"/>
+          </a:lnRef>
+          <a:fillRef idx="0">
+            <a:schemeClr val="accent1"/>
+          </a:fillRef>
+          <a:effectRef idx="0">
+            <a:schemeClr val="accent1"/>
+          </a:effectRef>
+          <a:fontRef idx="minor">
+            <a:schemeClr val="tx1"/>
+          </a:fontRef>
+        </p:style>
+      </p:cxnSp>
+      <p:cxnSp>
+        <p:nvCxnSpPr>
+          <p:cNvPr id="40" name="Connector: Curved 39">
+            <a:extLst>
+              <a:ext uri="{FF2B5EF4-FFF2-40B4-BE49-F238E27FC236}">
+                <a16:creationId xmlns:a16="http://schemas.microsoft.com/office/drawing/2014/main" id="{33D01BC1-000B-48F3-BE2E-2E5B50B89D43}"/>
+              </a:ext>
+            </a:extLst>
+          </p:cNvPr>
+          <p:cNvCxnSpPr>
+            <a:stCxn id="14" idx="1"/>
+            <a:endCxn id="28" idx="1"/>
+          </p:cNvCxnSpPr>
+          <p:nvPr/>
+        </p:nvCxnSpPr>
+        <p:spPr>
+          <a:xfrm rot="10800000" flipH="1" flipV="1">
+            <a:off x="8566484" y="4126831"/>
+            <a:ext cx="898356" cy="1620627"/>
+          </a:xfrm>
+          <a:prstGeom prst="curvedConnector3">
+            <a:avLst>
+              <a:gd name="adj1" fmla="val -25446"/>
+            </a:avLst>
+          </a:prstGeom>
+          <a:ln>
+            <a:tailEnd type="triangle"/>
+          </a:ln>
+        </p:spPr>
+        <p:style>
+          <a:lnRef idx="1">
+            <a:schemeClr val="accent6"/>
+          </a:lnRef>
+          <a:fillRef idx="0">
+            <a:schemeClr val="accent6"/>
+          </a:fillRef>
+          <a:effectRef idx="0">
+            <a:schemeClr val="accent6"/>
+          </a:effectRef>
+          <a:fontRef idx="minor">
+            <a:schemeClr val="tx1"/>
+          </a:fontRef>
+        </p:style>
+      </p:cxnSp>
+      <p:cxnSp>
+        <p:nvCxnSpPr>
+          <p:cNvPr id="41" name="Connector: Curved 40">
+            <a:extLst>
+              <a:ext uri="{FF2B5EF4-FFF2-40B4-BE49-F238E27FC236}">
+                <a16:creationId xmlns:a16="http://schemas.microsoft.com/office/drawing/2014/main" id="{0C72EA94-982E-453F-944A-B7903DA991CD}"/>
+              </a:ext>
+            </a:extLst>
+          </p:cNvPr>
+          <p:cNvCxnSpPr>
+            <a:cxnSpLocks/>
+            <a:stCxn id="24" idx="1"/>
+            <a:endCxn id="27" idx="3"/>
+          </p:cNvCxnSpPr>
+          <p:nvPr/>
+        </p:nvCxnSpPr>
+        <p:spPr>
+          <a:xfrm rot="10800000" flipV="1">
+            <a:off x="7467931" y="4832683"/>
+            <a:ext cx="2333795" cy="830550"/>
+          </a:xfrm>
+          <a:prstGeom prst="curvedConnector3">
+            <a:avLst>
+              <a:gd name="adj1" fmla="val 18037"/>
+            </a:avLst>
+          </a:prstGeom>
+          <a:ln>
+            <a:tailEnd type="triangle"/>
+          </a:ln>
+        </p:spPr>
+        <p:style>
+          <a:lnRef idx="1">
+            <a:schemeClr val="accent6"/>
+          </a:lnRef>
+          <a:fillRef idx="0">
+            <a:schemeClr val="accent6"/>
+          </a:fillRef>
+          <a:effectRef idx="0">
+            <a:schemeClr val="accent6"/>
+          </a:effectRef>
+          <a:fontRef idx="minor">
+            <a:schemeClr val="tx1"/>
+          </a:fontRef>
+        </p:style>
+      </p:cxnSp>
+      <p:sp>
+        <p:nvSpPr>
+          <p:cNvPr id="45" name="Oval 44">
+            <a:extLst>
+              <a:ext uri="{FF2B5EF4-FFF2-40B4-BE49-F238E27FC236}">
+                <a16:creationId xmlns:a16="http://schemas.microsoft.com/office/drawing/2014/main" id="{0FFAD665-1EF5-4324-9EC3-99C956B1A0A4}"/>
+              </a:ext>
+            </a:extLst>
+          </p:cNvPr>
+          <p:cNvSpPr/>
+          <p:nvPr/>
+        </p:nvSpPr>
+        <p:spPr>
+          <a:xfrm>
+            <a:off x="5983705" y="6039853"/>
+            <a:ext cx="1002632" cy="453022"/>
+          </a:xfrm>
+          <a:prstGeom prst="ellipse">
+            <a:avLst/>
+          </a:prstGeom>
+        </p:spPr>
+        <p:style>
+          <a:lnRef idx="2">
+            <a:schemeClr val="accent2">
+              <a:shade val="50000"/>
+            </a:schemeClr>
+          </a:lnRef>
+          <a:fillRef idx="1">
+            <a:schemeClr val="accent2"/>
+          </a:fillRef>
+          <a:effectRef idx="0">
+            <a:schemeClr val="accent2"/>
+          </a:effectRef>
+          <a:fontRef idx="minor">
+            <a:schemeClr val="lt1"/>
+          </a:fontRef>
+        </p:style>
+        <p:txBody>
+          <a:bodyPr rtlCol="0" anchor="ctr"/>
+          <a:lstStyle/>
+          <a:p>
+            <a:pPr algn="ctr"/>
+            <a:r>
+              <a:rPr lang="en-US" dirty="0"/>
+              <a:t>Fight</a:t>
+            </a:r>
+          </a:p>
+        </p:txBody>
+      </p:sp>
+      <p:cxnSp>
+        <p:nvCxnSpPr>
+          <p:cNvPr id="47" name="Connector: Curved 46">
+            <a:extLst>
+              <a:ext uri="{FF2B5EF4-FFF2-40B4-BE49-F238E27FC236}">
+                <a16:creationId xmlns:a16="http://schemas.microsoft.com/office/drawing/2014/main" id="{BF0363A6-C64C-4DDA-945A-6AD3BB5C5A07}"/>
+              </a:ext>
+            </a:extLst>
+          </p:cNvPr>
+          <p:cNvCxnSpPr>
+            <a:stCxn id="45" idx="6"/>
+            <a:endCxn id="17" idx="2"/>
+          </p:cNvCxnSpPr>
+          <p:nvPr/>
+        </p:nvCxnSpPr>
+        <p:spPr>
+          <a:xfrm flipV="1">
+            <a:off x="6986337" y="5009146"/>
+            <a:ext cx="2051384" cy="1257218"/>
+          </a:xfrm>
+          <a:prstGeom prst="curvedConnector2">
+            <a:avLst/>
+          </a:prstGeom>
+          <a:ln>
+            <a:tailEnd type="triangle"/>
+          </a:ln>
+        </p:spPr>
+        <p:style>
+          <a:lnRef idx="1">
+            <a:schemeClr val="accent4"/>
+          </a:lnRef>
+          <a:fillRef idx="0">
+            <a:schemeClr val="accent4"/>
+          </a:fillRef>
+          <a:effectRef idx="0">
+            <a:schemeClr val="accent4"/>
+          </a:effectRef>
+          <a:fontRef idx="minor">
+            <a:schemeClr val="tx1"/>
+          </a:fontRef>
+        </p:style>
+      </p:cxnSp>
+      <p:cxnSp>
+        <p:nvCxnSpPr>
+          <p:cNvPr id="48" name="Connector: Curved 47">
+            <a:extLst>
+              <a:ext uri="{FF2B5EF4-FFF2-40B4-BE49-F238E27FC236}">
+                <a16:creationId xmlns:a16="http://schemas.microsoft.com/office/drawing/2014/main" id="{3B7D96B8-7081-4426-AB44-60B5EF88DE7E}"/>
+              </a:ext>
+            </a:extLst>
+          </p:cNvPr>
+          <p:cNvCxnSpPr>
+            <a:cxnSpLocks/>
+            <a:stCxn id="45" idx="6"/>
+            <a:endCxn id="28" idx="2"/>
+          </p:cNvCxnSpPr>
+          <p:nvPr/>
+        </p:nvCxnSpPr>
+        <p:spPr>
+          <a:xfrm flipV="1">
+            <a:off x="6986337" y="5919911"/>
+            <a:ext cx="2815388" cy="346453"/>
+          </a:xfrm>
+          <a:prstGeom prst="curvedConnector2">
+            <a:avLst/>
+          </a:prstGeom>
+          <a:ln>
+            <a:tailEnd type="triangle"/>
+          </a:ln>
+        </p:spPr>
+        <p:style>
+          <a:lnRef idx="1">
+            <a:schemeClr val="accent4"/>
+          </a:lnRef>
+          <a:fillRef idx="0">
+            <a:schemeClr val="accent4"/>
+          </a:fillRef>
+          <a:effectRef idx="0">
+            <a:schemeClr val="accent4"/>
+          </a:effectRef>
+          <a:fontRef idx="minor">
+            <a:schemeClr val="tx1"/>
+          </a:fontRef>
+        </p:style>
+      </p:cxnSp>
+      <p:cxnSp>
+        <p:nvCxnSpPr>
+          <p:cNvPr id="51" name="Connector: Curved 50">
+            <a:extLst>
+              <a:ext uri="{FF2B5EF4-FFF2-40B4-BE49-F238E27FC236}">
+                <a16:creationId xmlns:a16="http://schemas.microsoft.com/office/drawing/2014/main" id="{D599C099-F84F-4CB5-B341-35C7DF60BC9A}"/>
+              </a:ext>
+            </a:extLst>
+          </p:cNvPr>
+          <p:cNvCxnSpPr>
+            <a:cxnSpLocks/>
+            <a:stCxn id="45" idx="6"/>
+            <a:endCxn id="29" idx="2"/>
+          </p:cNvCxnSpPr>
+          <p:nvPr/>
+        </p:nvCxnSpPr>
+        <p:spPr>
+          <a:xfrm flipV="1">
+            <a:off x="6986337" y="5915900"/>
+            <a:ext cx="3916277" cy="350464"/>
+          </a:xfrm>
+          <a:prstGeom prst="curvedConnector2">
+            <a:avLst/>
+          </a:prstGeom>
+          <a:ln>
+            <a:tailEnd type="triangle"/>
+          </a:ln>
+        </p:spPr>
+        <p:style>
+          <a:lnRef idx="1">
+            <a:schemeClr val="accent4"/>
+          </a:lnRef>
+          <a:fillRef idx="0">
+            <a:schemeClr val="accent4"/>
+          </a:fillRef>
+          <a:effectRef idx="0">
+            <a:schemeClr val="accent4"/>
+          </a:effectRef>
+          <a:fontRef idx="minor">
+            <a:schemeClr val="tx1"/>
+          </a:fontRef>
+        </p:style>
+      </p:cxnSp>
+    </p:spTree>
+    <p:extLst>
+      <p:ext uri="{BB962C8B-B14F-4D97-AF65-F5344CB8AC3E}">
+        <p14:creationId xmlns:p14="http://schemas.microsoft.com/office/powerpoint/2010/main" val="2980418515"/>
+      </p:ext>
+    </p:extLst>
+  </p:cSld>
+  <p:clrMapOvr>
+    <a:masterClrMapping/>
+  </p:clrMapOvr>
+</p:sld>
+</file>
+
+<file path=ppt/slides/slide59.xml><?xml version="1.0" encoding="utf-8"?>
+<p:sld xmlns:a="http://schemas.openxmlformats.org/drawingml/2006/main" xmlns:r="http://schemas.openxmlformats.org/officeDocument/2006/relationships" xmlns:p="http://schemas.openxmlformats.org/presentationml/2006/main">
+  <p:cSld>
+    <p:spTree>
+      <p:nvGrpSpPr>
+        <p:cNvPr id="1" name=""/>
+        <p:cNvGrpSpPr/>
+        <p:nvPr/>
+      </p:nvGrpSpPr>
+      <p:grpSpPr>
+        <a:xfrm>
+          <a:off x="0" y="0"/>
+          <a:ext cx="0" cy="0"/>
+          <a:chOff x="0" y="0"/>
+          <a:chExt cx="0" cy="0"/>
+        </a:xfrm>
+      </p:grpSpPr>
+      <p:sp>
+        <p:nvSpPr>
+          <p:cNvPr id="2" name="Title 1">
+            <a:extLst>
+              <a:ext uri="{FF2B5EF4-FFF2-40B4-BE49-F238E27FC236}">
+                <a16:creationId xmlns:a16="http://schemas.microsoft.com/office/drawing/2014/main" id="{B8931BB3-1936-4C3C-A3A2-E549B1FFC81E}"/>
+              </a:ext>
+            </a:extLst>
+          </p:cNvPr>
+          <p:cNvSpPr>
+            <a:spLocks noGrp="1"/>
+          </p:cNvSpPr>
+          <p:nvPr>
+            <p:ph type="title"/>
+          </p:nvPr>
+        </p:nvSpPr>
+        <p:spPr/>
+        <p:txBody>
+          <a:bodyPr/>
+          <a:lstStyle/>
+          <a:p>
+            <a:r>
+              <a:rPr lang="en-US" dirty="0"/>
+              <a:t>Special Topic on Arrays</a:t>
+            </a:r>
+          </a:p>
+        </p:txBody>
+      </p:sp>
+      <p:sp>
+        <p:nvSpPr>
+          <p:cNvPr id="3" name="Content Placeholder 2">
+            <a:extLst>
+              <a:ext uri="{FF2B5EF4-FFF2-40B4-BE49-F238E27FC236}">
+                <a16:creationId xmlns:a16="http://schemas.microsoft.com/office/drawing/2014/main" id="{CDB37271-8526-48BF-B944-4C64B575A33C}"/>
+              </a:ext>
+            </a:extLst>
+          </p:cNvPr>
+          <p:cNvSpPr>
+            <a:spLocks noGrp="1"/>
+          </p:cNvSpPr>
+          <p:nvPr>
+            <p:ph idx="1"/>
+          </p:nvPr>
+        </p:nvSpPr>
+        <p:spPr/>
+        <p:txBody>
+          <a:bodyPr/>
+          <a:lstStyle/>
+          <a:p>
+            <a:r>
+              <a:rPr lang="en-US" dirty="0"/>
+              <a:t>Theoretically, an array has a fixed size, as in C, C++, and some other languages</a:t>
+            </a:r>
+          </a:p>
+          <a:p>
+            <a:pPr lvl="1"/>
+            <a:r>
+              <a:rPr lang="en-US" dirty="0"/>
+              <a:t>Fast for random access</a:t>
+            </a:r>
+          </a:p>
+          <a:p>
+            <a:r>
+              <a:rPr lang="en-US" dirty="0"/>
+              <a:t>However, in JavaScript, the array is more dynamic</a:t>
+            </a:r>
+          </a:p>
+        </p:txBody>
+      </p:sp>
+      <p:sp>
+        <p:nvSpPr>
+          <p:cNvPr id="4" name="Rectangle 3">
+            <a:extLst>
+              <a:ext uri="{FF2B5EF4-FFF2-40B4-BE49-F238E27FC236}">
+                <a16:creationId xmlns:a16="http://schemas.microsoft.com/office/drawing/2014/main" id="{93CF9FF3-494B-42F3-910C-42FFADE2A8D3}"/>
+              </a:ext>
+            </a:extLst>
+          </p:cNvPr>
+          <p:cNvSpPr/>
+          <p:nvPr/>
+        </p:nvSpPr>
+        <p:spPr>
+          <a:xfrm>
+            <a:off x="2181726" y="4748462"/>
+            <a:ext cx="5285874" cy="144379"/>
+          </a:xfrm>
+          <a:prstGeom prst="rect">
+            <a:avLst/>
+          </a:prstGeom>
+        </p:spPr>
+        <p:style>
+          <a:lnRef idx="2">
+            <a:schemeClr val="accent1">
+              <a:shade val="50000"/>
+            </a:schemeClr>
+          </a:lnRef>
+          <a:fillRef idx="1">
+            <a:schemeClr val="accent1"/>
+          </a:fillRef>
+          <a:effectRef idx="0">
+            <a:schemeClr val="accent1"/>
+          </a:effectRef>
+          <a:fontRef idx="minor">
+            <a:schemeClr val="lt1"/>
+          </a:fontRef>
+        </p:style>
+        <p:txBody>
+          <a:bodyPr rtlCol="0" anchor="ctr"/>
+          <a:lstStyle/>
+          <a:p>
+            <a:pPr algn="ctr"/>
+            <a:endParaRPr lang="en-US" dirty="0"/>
+          </a:p>
+        </p:txBody>
+      </p:sp>
+      <p:sp>
+        <p:nvSpPr>
+          <p:cNvPr id="10" name="Oval 9">
+            <a:extLst>
+              <a:ext uri="{FF2B5EF4-FFF2-40B4-BE49-F238E27FC236}">
+                <a16:creationId xmlns:a16="http://schemas.microsoft.com/office/drawing/2014/main" id="{A9069959-30B1-45BC-A243-17E18C293350}"/>
+              </a:ext>
+            </a:extLst>
+          </p:cNvPr>
+          <p:cNvSpPr/>
+          <p:nvPr/>
+        </p:nvSpPr>
+        <p:spPr>
+          <a:xfrm>
+            <a:off x="3272592" y="5590674"/>
+            <a:ext cx="312821" cy="328863"/>
+          </a:xfrm>
+          <a:prstGeom prst="ellipse">
+            <a:avLst/>
+          </a:prstGeom>
+        </p:spPr>
+        <p:style>
+          <a:lnRef idx="2">
+            <a:schemeClr val="accent6">
+              <a:shade val="50000"/>
+            </a:schemeClr>
+          </a:lnRef>
+          <a:fillRef idx="1">
+            <a:schemeClr val="accent6"/>
+          </a:fillRef>
+          <a:effectRef idx="0">
+            <a:schemeClr val="accent6"/>
+          </a:effectRef>
+          <a:fontRef idx="minor">
+            <a:schemeClr val="lt1"/>
+          </a:fontRef>
+        </p:style>
+        <p:txBody>
+          <a:bodyPr rtlCol="0" anchor="ctr"/>
+          <a:lstStyle/>
+          <a:p>
+            <a:pPr algn="ctr"/>
+            <a:endParaRPr lang="en-US"/>
+          </a:p>
+        </p:txBody>
+      </p:sp>
+      <p:cxnSp>
+        <p:nvCxnSpPr>
+          <p:cNvPr id="12" name="Connector: Curved 11">
+            <a:extLst>
+              <a:ext uri="{FF2B5EF4-FFF2-40B4-BE49-F238E27FC236}">
+                <a16:creationId xmlns:a16="http://schemas.microsoft.com/office/drawing/2014/main" id="{8A300233-C4E6-4A61-9414-F1E6BF2F704F}"/>
+              </a:ext>
+            </a:extLst>
+          </p:cNvPr>
+          <p:cNvCxnSpPr>
+            <a:cxnSpLocks/>
+            <a:endCxn id="10" idx="0"/>
+          </p:cNvCxnSpPr>
+          <p:nvPr/>
+        </p:nvCxnSpPr>
+        <p:spPr>
+          <a:xfrm rot="16200000" flipH="1">
+            <a:off x="2628901" y="4790571"/>
+            <a:ext cx="697833" cy="902371"/>
+          </a:xfrm>
+          <a:prstGeom prst="curvedConnector3">
+            <a:avLst/>
+          </a:prstGeom>
+          <a:ln>
+            <a:tailEnd type="triangle"/>
+          </a:ln>
+        </p:spPr>
+        <p:style>
+          <a:lnRef idx="1">
+            <a:schemeClr val="accent1"/>
+          </a:lnRef>
+          <a:fillRef idx="0">
+            <a:schemeClr val="accent1"/>
+          </a:fillRef>
+          <a:effectRef idx="0">
+            <a:schemeClr val="accent1"/>
+          </a:effectRef>
+          <a:fontRef idx="minor">
+            <a:schemeClr val="tx1"/>
+          </a:fontRef>
+        </p:style>
+      </p:cxnSp>
+      <p:sp>
+        <p:nvSpPr>
+          <p:cNvPr id="15" name="Rectangle 14">
+            <a:extLst>
+              <a:ext uri="{FF2B5EF4-FFF2-40B4-BE49-F238E27FC236}">
+                <a16:creationId xmlns:a16="http://schemas.microsoft.com/office/drawing/2014/main" id="{490E84B6-C8A9-4B2C-BA37-07316D253266}"/>
+              </a:ext>
+            </a:extLst>
+          </p:cNvPr>
+          <p:cNvSpPr/>
+          <p:nvPr/>
+        </p:nvSpPr>
+        <p:spPr>
+          <a:xfrm>
+            <a:off x="4555958" y="3721768"/>
+            <a:ext cx="649705" cy="200527"/>
+          </a:xfrm>
+          <a:prstGeom prst="rect">
+            <a:avLst/>
+          </a:prstGeom>
+        </p:spPr>
+        <p:style>
+          <a:lnRef idx="2">
+            <a:schemeClr val="accent1">
+              <a:shade val="50000"/>
+            </a:schemeClr>
+          </a:lnRef>
+          <a:fillRef idx="1">
+            <a:schemeClr val="accent1"/>
+          </a:fillRef>
+          <a:effectRef idx="0">
+            <a:schemeClr val="accent1"/>
+          </a:effectRef>
+          <a:fontRef idx="minor">
+            <a:schemeClr val="lt1"/>
+          </a:fontRef>
+        </p:style>
+        <p:txBody>
+          <a:bodyPr rtlCol="0" anchor="ctr"/>
+          <a:lstStyle/>
+          <a:p>
+            <a:pPr algn="ctr"/>
+            <a:endParaRPr lang="en-US"/>
+          </a:p>
+        </p:txBody>
+      </p:sp>
+      <p:cxnSp>
+        <p:nvCxnSpPr>
+          <p:cNvPr id="17" name="Connector: Curved 16">
+            <a:extLst>
+              <a:ext uri="{FF2B5EF4-FFF2-40B4-BE49-F238E27FC236}">
+                <a16:creationId xmlns:a16="http://schemas.microsoft.com/office/drawing/2014/main" id="{DB300F8D-F1D2-4752-950F-659E6837634C}"/>
+              </a:ext>
+            </a:extLst>
+          </p:cNvPr>
+          <p:cNvCxnSpPr>
+            <a:cxnSpLocks/>
+          </p:cNvCxnSpPr>
+          <p:nvPr/>
+        </p:nvCxnSpPr>
+        <p:spPr>
+          <a:xfrm rot="10800000" flipV="1">
+            <a:off x="2294021" y="3922293"/>
+            <a:ext cx="2354178" cy="826170"/>
+          </a:xfrm>
+          <a:prstGeom prst="curvedConnector2">
+            <a:avLst/>
+          </a:prstGeom>
+          <a:ln>
+            <a:tailEnd type="triangle"/>
+          </a:ln>
+        </p:spPr>
+        <p:style>
+          <a:lnRef idx="1">
+            <a:schemeClr val="accent1"/>
+          </a:lnRef>
+          <a:fillRef idx="0">
+            <a:schemeClr val="accent1"/>
+          </a:fillRef>
+          <a:effectRef idx="0">
+            <a:schemeClr val="accent1"/>
+          </a:effectRef>
+          <a:fontRef idx="minor">
+            <a:schemeClr val="tx1"/>
+          </a:fontRef>
+        </p:style>
+      </p:cxnSp>
+      <p:cxnSp>
+        <p:nvCxnSpPr>
+          <p:cNvPr id="18" name="Connector: Curved 17">
+            <a:extLst>
+              <a:ext uri="{FF2B5EF4-FFF2-40B4-BE49-F238E27FC236}">
+                <a16:creationId xmlns:a16="http://schemas.microsoft.com/office/drawing/2014/main" id="{6B4F6625-72F0-4D6D-A494-25DC6674E7F5}"/>
+              </a:ext>
+            </a:extLst>
+          </p:cNvPr>
+          <p:cNvCxnSpPr>
+            <a:cxnSpLocks/>
+            <a:stCxn id="15" idx="2"/>
+          </p:cNvCxnSpPr>
+          <p:nvPr/>
+        </p:nvCxnSpPr>
+        <p:spPr>
+          <a:xfrm rot="5400000">
+            <a:off x="3290639" y="3158289"/>
+            <a:ext cx="826167" cy="2354179"/>
+          </a:xfrm>
+          <a:prstGeom prst="curvedConnector3">
+            <a:avLst>
+              <a:gd name="adj1" fmla="val 32524"/>
+            </a:avLst>
+          </a:prstGeom>
+          <a:ln>
+            <a:tailEnd type="triangle"/>
+          </a:ln>
+        </p:spPr>
+        <p:style>
+          <a:lnRef idx="1">
+            <a:schemeClr val="accent1"/>
+          </a:lnRef>
+          <a:fillRef idx="0">
+            <a:schemeClr val="accent1"/>
+          </a:fillRef>
+          <a:effectRef idx="0">
+            <a:schemeClr val="accent1"/>
+          </a:effectRef>
+          <a:fontRef idx="minor">
+            <a:schemeClr val="tx1"/>
+          </a:fontRef>
+        </p:style>
+      </p:cxnSp>
+      <p:cxnSp>
+        <p:nvCxnSpPr>
+          <p:cNvPr id="21" name="Connector: Curved 20">
+            <a:extLst>
+              <a:ext uri="{FF2B5EF4-FFF2-40B4-BE49-F238E27FC236}">
+                <a16:creationId xmlns:a16="http://schemas.microsoft.com/office/drawing/2014/main" id="{04773E8B-5DC4-4A8C-9382-A4F591FFE036}"/>
+              </a:ext>
+            </a:extLst>
+          </p:cNvPr>
+          <p:cNvCxnSpPr>
+            <a:cxnSpLocks/>
+            <a:stCxn id="15" idx="2"/>
+          </p:cNvCxnSpPr>
+          <p:nvPr/>
+        </p:nvCxnSpPr>
+        <p:spPr>
+          <a:xfrm rot="5400000">
+            <a:off x="3406943" y="3274595"/>
+            <a:ext cx="826168" cy="2121568"/>
+          </a:xfrm>
+          <a:prstGeom prst="curvedConnector3">
+            <a:avLst>
+              <a:gd name="adj1" fmla="val 50000"/>
+            </a:avLst>
+          </a:prstGeom>
+          <a:ln>
+            <a:tailEnd type="triangle"/>
+          </a:ln>
+        </p:spPr>
+        <p:style>
+          <a:lnRef idx="1">
+            <a:schemeClr val="accent1"/>
+          </a:lnRef>
+          <a:fillRef idx="0">
+            <a:schemeClr val="accent1"/>
+          </a:fillRef>
+          <a:effectRef idx="0">
+            <a:schemeClr val="accent1"/>
+          </a:effectRef>
+          <a:fontRef idx="minor">
+            <a:schemeClr val="tx1"/>
+          </a:fontRef>
+        </p:style>
+      </p:cxnSp>
+      <p:sp>
+        <p:nvSpPr>
+          <p:cNvPr id="26" name="Rectangle 25">
+            <a:extLst>
+              <a:ext uri="{FF2B5EF4-FFF2-40B4-BE49-F238E27FC236}">
+                <a16:creationId xmlns:a16="http://schemas.microsoft.com/office/drawing/2014/main" id="{D6C98B84-6015-4B42-A371-CED8A105CB4A}"/>
+              </a:ext>
+            </a:extLst>
+          </p:cNvPr>
+          <p:cNvSpPr/>
+          <p:nvPr/>
+        </p:nvSpPr>
+        <p:spPr>
+          <a:xfrm>
+            <a:off x="3336760" y="4748461"/>
+            <a:ext cx="224590" cy="144379"/>
+          </a:xfrm>
+          <a:prstGeom prst="rect">
+            <a:avLst/>
+          </a:prstGeom>
+        </p:spPr>
+        <p:style>
+          <a:lnRef idx="2">
+            <a:schemeClr val="accent2">
+              <a:shade val="50000"/>
+            </a:schemeClr>
+          </a:lnRef>
+          <a:fillRef idx="1">
+            <a:schemeClr val="accent2"/>
+          </a:fillRef>
+          <a:effectRef idx="0">
+            <a:schemeClr val="accent2"/>
+          </a:effectRef>
+          <a:fontRef idx="minor">
+            <a:schemeClr val="lt1"/>
+          </a:fontRef>
+        </p:style>
+        <p:txBody>
+          <a:bodyPr rtlCol="0" anchor="ctr"/>
+          <a:lstStyle/>
+          <a:p>
+            <a:pPr algn="ctr"/>
+            <a:endParaRPr lang="en-US"/>
+          </a:p>
+        </p:txBody>
+      </p:sp>
+      <p:sp>
+        <p:nvSpPr>
+          <p:cNvPr id="27" name="Rectangle 26">
+            <a:extLst>
+              <a:ext uri="{FF2B5EF4-FFF2-40B4-BE49-F238E27FC236}">
+                <a16:creationId xmlns:a16="http://schemas.microsoft.com/office/drawing/2014/main" id="{68BF8A4D-D926-47BC-947F-843EFCB41B13}"/>
+              </a:ext>
+            </a:extLst>
+          </p:cNvPr>
+          <p:cNvSpPr/>
+          <p:nvPr/>
+        </p:nvSpPr>
+        <p:spPr>
+          <a:xfrm>
+            <a:off x="3577392" y="4748461"/>
+            <a:ext cx="224590" cy="144379"/>
+          </a:xfrm>
+          <a:prstGeom prst="rect">
+            <a:avLst/>
+          </a:prstGeom>
+        </p:spPr>
+        <p:style>
+          <a:lnRef idx="2">
+            <a:schemeClr val="accent2">
+              <a:shade val="50000"/>
+            </a:schemeClr>
+          </a:lnRef>
+          <a:fillRef idx="1">
+            <a:schemeClr val="accent2"/>
+          </a:fillRef>
+          <a:effectRef idx="0">
+            <a:schemeClr val="accent2"/>
+          </a:effectRef>
+          <a:fontRef idx="minor">
+            <a:schemeClr val="lt1"/>
+          </a:fontRef>
+        </p:style>
+        <p:txBody>
+          <a:bodyPr rtlCol="0" anchor="ctr"/>
+          <a:lstStyle/>
+          <a:p>
+            <a:pPr algn="ctr"/>
+            <a:endParaRPr lang="en-US"/>
+          </a:p>
+        </p:txBody>
+      </p:sp>
+      <p:sp>
+        <p:nvSpPr>
+          <p:cNvPr id="28" name="Rectangle 27">
+            <a:extLst>
+              <a:ext uri="{FF2B5EF4-FFF2-40B4-BE49-F238E27FC236}">
+                <a16:creationId xmlns:a16="http://schemas.microsoft.com/office/drawing/2014/main" id="{854C1D01-16E6-4276-B359-74DAAB52C293}"/>
+              </a:ext>
+            </a:extLst>
+          </p:cNvPr>
+          <p:cNvSpPr/>
+          <p:nvPr/>
+        </p:nvSpPr>
+        <p:spPr>
+          <a:xfrm>
+            <a:off x="2176712" y="4748461"/>
+            <a:ext cx="224590" cy="144379"/>
+          </a:xfrm>
+          <a:prstGeom prst="rect">
+            <a:avLst/>
+          </a:prstGeom>
+        </p:spPr>
+        <p:style>
+          <a:lnRef idx="2">
+            <a:schemeClr val="dk1">
+              <a:shade val="50000"/>
+            </a:schemeClr>
+          </a:lnRef>
+          <a:fillRef idx="1">
+            <a:schemeClr val="dk1"/>
+          </a:fillRef>
+          <a:effectRef idx="0">
+            <a:schemeClr val="dk1"/>
+          </a:effectRef>
+          <a:fontRef idx="minor">
+            <a:schemeClr val="lt1"/>
+          </a:fontRef>
+        </p:style>
+        <p:txBody>
+          <a:bodyPr rtlCol="0" anchor="ctr"/>
+          <a:lstStyle/>
+          <a:p>
+            <a:pPr algn="ctr"/>
+            <a:endParaRPr lang="en-US"/>
+          </a:p>
+        </p:txBody>
+      </p:sp>
+      <p:sp>
+        <p:nvSpPr>
+          <p:cNvPr id="33" name="Rectangle 32">
+            <a:extLst>
+              <a:ext uri="{FF2B5EF4-FFF2-40B4-BE49-F238E27FC236}">
+                <a16:creationId xmlns:a16="http://schemas.microsoft.com/office/drawing/2014/main" id="{09C51544-E1F9-4E1D-9D41-33E122BF5D7A}"/>
+              </a:ext>
+            </a:extLst>
+          </p:cNvPr>
+          <p:cNvSpPr/>
+          <p:nvPr/>
+        </p:nvSpPr>
+        <p:spPr>
+          <a:xfrm>
+            <a:off x="4973052" y="4748462"/>
+            <a:ext cx="224590" cy="144379"/>
+          </a:xfrm>
+          <a:prstGeom prst="rect">
+            <a:avLst/>
+          </a:prstGeom>
+        </p:spPr>
+        <p:style>
+          <a:lnRef idx="2">
+            <a:schemeClr val="accent4">
+              <a:shade val="50000"/>
+            </a:schemeClr>
+          </a:lnRef>
+          <a:fillRef idx="1">
+            <a:schemeClr val="accent4"/>
+          </a:fillRef>
+          <a:effectRef idx="0">
+            <a:schemeClr val="accent4"/>
+          </a:effectRef>
+          <a:fontRef idx="minor">
+            <a:schemeClr val="lt1"/>
+          </a:fontRef>
+        </p:style>
+        <p:txBody>
+          <a:bodyPr rtlCol="0" anchor="ctr"/>
+          <a:lstStyle/>
+          <a:p>
+            <a:pPr algn="ctr"/>
+            <a:endParaRPr lang="en-US"/>
+          </a:p>
+        </p:txBody>
+      </p:sp>
+      <p:sp>
+        <p:nvSpPr>
+          <p:cNvPr id="34" name="Rectangle 33">
+            <a:extLst>
+              <a:ext uri="{FF2B5EF4-FFF2-40B4-BE49-F238E27FC236}">
+                <a16:creationId xmlns:a16="http://schemas.microsoft.com/office/drawing/2014/main" id="{01845381-0F91-48AD-A79F-0CD60AE65848}"/>
+              </a:ext>
+            </a:extLst>
+          </p:cNvPr>
+          <p:cNvSpPr/>
+          <p:nvPr/>
+        </p:nvSpPr>
+        <p:spPr>
+          <a:xfrm>
+            <a:off x="5205663" y="4748461"/>
+            <a:ext cx="224590" cy="144379"/>
+          </a:xfrm>
+          <a:prstGeom prst="rect">
+            <a:avLst/>
+          </a:prstGeom>
+        </p:spPr>
+        <p:style>
+          <a:lnRef idx="2">
+            <a:schemeClr val="accent4">
+              <a:shade val="50000"/>
+            </a:schemeClr>
+          </a:lnRef>
+          <a:fillRef idx="1">
+            <a:schemeClr val="accent4"/>
+          </a:fillRef>
+          <a:effectRef idx="0">
+            <a:schemeClr val="accent4"/>
+          </a:effectRef>
+          <a:fontRef idx="minor">
+            <a:schemeClr val="lt1"/>
+          </a:fontRef>
+        </p:style>
+        <p:txBody>
+          <a:bodyPr rtlCol="0" anchor="ctr"/>
+          <a:lstStyle/>
+          <a:p>
+            <a:pPr algn="ctr"/>
+            <a:endParaRPr lang="en-US"/>
+          </a:p>
+        </p:txBody>
+      </p:sp>
+      <p:sp>
+        <p:nvSpPr>
+          <p:cNvPr id="35" name="Rectangle 34">
+            <a:extLst>
+              <a:ext uri="{FF2B5EF4-FFF2-40B4-BE49-F238E27FC236}">
+                <a16:creationId xmlns:a16="http://schemas.microsoft.com/office/drawing/2014/main" id="{DD09CBB1-B9AD-42E4-8752-54BDECAC5753}"/>
+              </a:ext>
+            </a:extLst>
+          </p:cNvPr>
+          <p:cNvSpPr/>
+          <p:nvPr/>
+        </p:nvSpPr>
+        <p:spPr>
+          <a:xfrm>
+            <a:off x="5438273" y="4748463"/>
+            <a:ext cx="224590" cy="144379"/>
+          </a:xfrm>
+          <a:prstGeom prst="rect">
+            <a:avLst/>
+          </a:prstGeom>
+        </p:spPr>
+        <p:style>
+          <a:lnRef idx="2">
+            <a:schemeClr val="accent4">
+              <a:shade val="50000"/>
+            </a:schemeClr>
+          </a:lnRef>
+          <a:fillRef idx="1">
+            <a:schemeClr val="accent4"/>
+          </a:fillRef>
+          <a:effectRef idx="0">
+            <a:schemeClr val="accent4"/>
+          </a:effectRef>
+          <a:fontRef idx="minor">
+            <a:schemeClr val="lt1"/>
+          </a:fontRef>
+        </p:style>
+        <p:txBody>
+          <a:bodyPr rtlCol="0" anchor="ctr"/>
+          <a:lstStyle/>
+          <a:p>
+            <a:pPr algn="ctr"/>
+            <a:endParaRPr lang="en-US"/>
+          </a:p>
+        </p:txBody>
+      </p:sp>
+      <p:sp>
+        <p:nvSpPr>
+          <p:cNvPr id="36" name="Rectangle 35">
+            <a:extLst>
+              <a:ext uri="{FF2B5EF4-FFF2-40B4-BE49-F238E27FC236}">
+                <a16:creationId xmlns:a16="http://schemas.microsoft.com/office/drawing/2014/main" id="{E11B8FDB-ED67-4F72-829D-C60DF4757E28}"/>
+              </a:ext>
+            </a:extLst>
+          </p:cNvPr>
+          <p:cNvSpPr/>
+          <p:nvPr/>
+        </p:nvSpPr>
+        <p:spPr>
+          <a:xfrm>
+            <a:off x="5670884" y="4748462"/>
+            <a:ext cx="224590" cy="144379"/>
+          </a:xfrm>
+          <a:prstGeom prst="rect">
+            <a:avLst/>
+          </a:prstGeom>
+        </p:spPr>
+        <p:style>
+          <a:lnRef idx="2">
+            <a:schemeClr val="accent4">
+              <a:shade val="50000"/>
+            </a:schemeClr>
+          </a:lnRef>
+          <a:fillRef idx="1">
+            <a:schemeClr val="accent4"/>
+          </a:fillRef>
+          <a:effectRef idx="0">
+            <a:schemeClr val="accent4"/>
+          </a:effectRef>
+          <a:fontRef idx="minor">
+            <a:schemeClr val="lt1"/>
+          </a:fontRef>
+        </p:style>
+        <p:txBody>
+          <a:bodyPr rtlCol="0" anchor="ctr"/>
+          <a:lstStyle/>
+          <a:p>
+            <a:pPr algn="ctr"/>
+            <a:endParaRPr lang="en-US"/>
+          </a:p>
+        </p:txBody>
+      </p:sp>
+      <p:sp>
+        <p:nvSpPr>
+          <p:cNvPr id="37" name="Rectangle 36">
+            <a:extLst>
+              <a:ext uri="{FF2B5EF4-FFF2-40B4-BE49-F238E27FC236}">
+                <a16:creationId xmlns:a16="http://schemas.microsoft.com/office/drawing/2014/main" id="{189A6DFB-2CE0-4BBE-9159-5B426786E2C1}"/>
+              </a:ext>
+            </a:extLst>
+          </p:cNvPr>
+          <p:cNvSpPr/>
+          <p:nvPr/>
+        </p:nvSpPr>
+        <p:spPr>
+          <a:xfrm>
+            <a:off x="2409325" y="4748461"/>
+            <a:ext cx="224590" cy="144379"/>
+          </a:xfrm>
+          <a:prstGeom prst="rect">
+            <a:avLst/>
+          </a:prstGeom>
+        </p:spPr>
+        <p:style>
+          <a:lnRef idx="2">
+            <a:schemeClr val="accent3"/>
+          </a:lnRef>
+          <a:fillRef idx="1">
+            <a:schemeClr val="lt1"/>
+          </a:fillRef>
+          <a:effectRef idx="0">
+            <a:schemeClr val="accent3"/>
+          </a:effectRef>
+          <a:fontRef idx="minor">
+            <a:schemeClr val="dk1"/>
+          </a:fontRef>
+        </p:style>
+        <p:txBody>
+          <a:bodyPr rtlCol="0" anchor="ctr"/>
+          <a:lstStyle/>
+          <a:p>
+            <a:pPr algn="ctr"/>
+            <a:endParaRPr lang="en-US"/>
+          </a:p>
+        </p:txBody>
+      </p:sp>
+      <p:sp>
+        <p:nvSpPr>
+          <p:cNvPr id="38" name="Rectangle 37">
+            <a:extLst>
+              <a:ext uri="{FF2B5EF4-FFF2-40B4-BE49-F238E27FC236}">
+                <a16:creationId xmlns:a16="http://schemas.microsoft.com/office/drawing/2014/main" id="{6E989C7D-2B15-4A0E-973D-4DD740ADEB39}"/>
+              </a:ext>
+            </a:extLst>
+          </p:cNvPr>
+          <p:cNvSpPr/>
+          <p:nvPr/>
+        </p:nvSpPr>
+        <p:spPr>
+          <a:xfrm>
+            <a:off x="2641936" y="4748462"/>
+            <a:ext cx="224590" cy="144379"/>
+          </a:xfrm>
+          <a:prstGeom prst="rect">
+            <a:avLst/>
+          </a:prstGeom>
+        </p:spPr>
+        <p:style>
+          <a:lnRef idx="2">
+            <a:schemeClr val="accent4">
+              <a:shade val="50000"/>
+            </a:schemeClr>
+          </a:lnRef>
+          <a:fillRef idx="1">
+            <a:schemeClr val="accent4"/>
+          </a:fillRef>
+          <a:effectRef idx="0">
+            <a:schemeClr val="accent4"/>
+          </a:effectRef>
+          <a:fontRef idx="minor">
+            <a:schemeClr val="lt1"/>
+          </a:fontRef>
+        </p:style>
+        <p:txBody>
+          <a:bodyPr rtlCol="0" anchor="ctr"/>
+          <a:lstStyle/>
+          <a:p>
+            <a:pPr algn="ctr"/>
+            <a:endParaRPr lang="en-US"/>
+          </a:p>
+        </p:txBody>
+      </p:sp>
+      <p:sp>
+        <p:nvSpPr>
+          <p:cNvPr id="39" name="Rectangle 38">
+            <a:extLst>
+              <a:ext uri="{FF2B5EF4-FFF2-40B4-BE49-F238E27FC236}">
+                <a16:creationId xmlns:a16="http://schemas.microsoft.com/office/drawing/2014/main" id="{25D6D276-637F-4EBA-8325-940B4DC8EC30}"/>
+              </a:ext>
+            </a:extLst>
+          </p:cNvPr>
+          <p:cNvSpPr/>
+          <p:nvPr/>
+        </p:nvSpPr>
+        <p:spPr>
+          <a:xfrm>
+            <a:off x="2866526" y="4748462"/>
+            <a:ext cx="224590" cy="144379"/>
+          </a:xfrm>
+          <a:prstGeom prst="rect">
+            <a:avLst/>
+          </a:prstGeom>
+        </p:spPr>
+        <p:style>
+          <a:lnRef idx="2">
+            <a:schemeClr val="accent4">
+              <a:shade val="50000"/>
+            </a:schemeClr>
+          </a:lnRef>
+          <a:fillRef idx="1">
+            <a:schemeClr val="accent4"/>
+          </a:fillRef>
+          <a:effectRef idx="0">
+            <a:schemeClr val="accent4"/>
+          </a:effectRef>
+          <a:fontRef idx="minor">
+            <a:schemeClr val="lt1"/>
+          </a:fontRef>
+        </p:style>
+        <p:txBody>
+          <a:bodyPr rtlCol="0" anchor="ctr"/>
+          <a:lstStyle/>
+          <a:p>
+            <a:pPr algn="ctr"/>
+            <a:endParaRPr lang="en-US"/>
+          </a:p>
+        </p:txBody>
+      </p:sp>
+      <p:sp>
+        <p:nvSpPr>
+          <p:cNvPr id="40" name="Rectangle 39">
+            <a:extLst>
+              <a:ext uri="{FF2B5EF4-FFF2-40B4-BE49-F238E27FC236}">
+                <a16:creationId xmlns:a16="http://schemas.microsoft.com/office/drawing/2014/main" id="{DCAE19F2-8091-448A-9A5E-C01403F55A69}"/>
+              </a:ext>
+            </a:extLst>
+          </p:cNvPr>
+          <p:cNvSpPr/>
+          <p:nvPr/>
+        </p:nvSpPr>
+        <p:spPr>
+          <a:xfrm>
+            <a:off x="3099137" y="4748461"/>
+            <a:ext cx="224590" cy="144379"/>
+          </a:xfrm>
+          <a:prstGeom prst="rect">
+            <a:avLst/>
+          </a:prstGeom>
+        </p:spPr>
+        <p:style>
+          <a:lnRef idx="2">
+            <a:schemeClr val="accent4">
+              <a:shade val="50000"/>
+            </a:schemeClr>
+          </a:lnRef>
+          <a:fillRef idx="1">
+            <a:schemeClr val="accent4"/>
+          </a:fillRef>
+          <a:effectRef idx="0">
+            <a:schemeClr val="accent4"/>
+          </a:effectRef>
+          <a:fontRef idx="minor">
+            <a:schemeClr val="lt1"/>
+          </a:fontRef>
+        </p:style>
+        <p:txBody>
+          <a:bodyPr rtlCol="0" anchor="ctr"/>
+          <a:lstStyle/>
+          <a:p>
+            <a:pPr algn="ctr"/>
+            <a:endParaRPr lang="en-US"/>
+          </a:p>
+        </p:txBody>
+      </p:sp>
+      <p:cxnSp>
+        <p:nvCxnSpPr>
+          <p:cNvPr id="42" name="Connector: Curved 41">
+            <a:extLst>
+              <a:ext uri="{FF2B5EF4-FFF2-40B4-BE49-F238E27FC236}">
+                <a16:creationId xmlns:a16="http://schemas.microsoft.com/office/drawing/2014/main" id="{0846DB5E-943B-4A99-AA42-6522349DB01D}"/>
+              </a:ext>
+            </a:extLst>
+          </p:cNvPr>
+          <p:cNvCxnSpPr>
+            <a:stCxn id="40" idx="0"/>
+            <a:endCxn id="33" idx="0"/>
+          </p:cNvCxnSpPr>
+          <p:nvPr/>
+        </p:nvCxnSpPr>
+        <p:spPr>
+          <a:xfrm rot="16200000" flipH="1">
+            <a:off x="4148388" y="3811504"/>
+            <a:ext cx="1" cy="1873915"/>
+          </a:xfrm>
+          <a:prstGeom prst="curvedConnector3">
+            <a:avLst>
+              <a:gd name="adj1" fmla="val -22860000000"/>
+            </a:avLst>
+          </a:prstGeom>
+          <a:ln>
+            <a:tailEnd type="triangle"/>
+          </a:ln>
+        </p:spPr>
+        <p:style>
+          <a:lnRef idx="1">
+            <a:schemeClr val="accent1"/>
+          </a:lnRef>
+          <a:fillRef idx="0">
+            <a:schemeClr val="accent1"/>
+          </a:fillRef>
+          <a:effectRef idx="0">
+            <a:schemeClr val="accent1"/>
+          </a:effectRef>
+          <a:fontRef idx="minor">
+            <a:schemeClr val="tx1"/>
+          </a:fontRef>
+        </p:style>
+      </p:cxnSp>
+      <p:sp>
+        <p:nvSpPr>
+          <p:cNvPr id="23" name="Rectangle 22">
+            <a:extLst>
+              <a:ext uri="{FF2B5EF4-FFF2-40B4-BE49-F238E27FC236}">
+                <a16:creationId xmlns:a16="http://schemas.microsoft.com/office/drawing/2014/main" id="{BC2F10B1-3838-43D7-96C6-E54B81B4B7E5}"/>
+              </a:ext>
+            </a:extLst>
+          </p:cNvPr>
+          <p:cNvSpPr/>
+          <p:nvPr/>
+        </p:nvSpPr>
+        <p:spPr>
+          <a:xfrm>
+            <a:off x="6019805" y="5590673"/>
+            <a:ext cx="5285874" cy="144379"/>
+          </a:xfrm>
+          <a:prstGeom prst="rect">
+            <a:avLst/>
+          </a:prstGeom>
+        </p:spPr>
+        <p:style>
+          <a:lnRef idx="2">
+            <a:schemeClr val="accent1">
+              <a:shade val="50000"/>
+            </a:schemeClr>
+          </a:lnRef>
+          <a:fillRef idx="1">
+            <a:schemeClr val="accent1"/>
+          </a:fillRef>
+          <a:effectRef idx="0">
+            <a:schemeClr val="accent1"/>
+          </a:effectRef>
+          <a:fontRef idx="minor">
+            <a:schemeClr val="lt1"/>
+          </a:fontRef>
+        </p:style>
+        <p:txBody>
+          <a:bodyPr rtlCol="0" anchor="ctr"/>
+          <a:lstStyle/>
+          <a:p>
+            <a:pPr algn="ctr"/>
+            <a:endParaRPr lang="en-US" dirty="0"/>
+          </a:p>
+        </p:txBody>
+      </p:sp>
+      <p:sp>
+        <p:nvSpPr>
+          <p:cNvPr id="24" name="Rectangle 23">
+            <a:extLst>
+              <a:ext uri="{FF2B5EF4-FFF2-40B4-BE49-F238E27FC236}">
+                <a16:creationId xmlns:a16="http://schemas.microsoft.com/office/drawing/2014/main" id="{66410F6F-5DB3-425E-A9B0-7822D4CF87C3}"/>
+              </a:ext>
+            </a:extLst>
+          </p:cNvPr>
+          <p:cNvSpPr/>
+          <p:nvPr/>
+        </p:nvSpPr>
+        <p:spPr>
+          <a:xfrm>
+            <a:off x="7916777" y="5590673"/>
+            <a:ext cx="224590" cy="144379"/>
+          </a:xfrm>
+          <a:prstGeom prst="rect">
+            <a:avLst/>
+          </a:prstGeom>
+        </p:spPr>
+        <p:style>
+          <a:lnRef idx="2">
+            <a:schemeClr val="dk1">
+              <a:shade val="50000"/>
+            </a:schemeClr>
+          </a:lnRef>
+          <a:fillRef idx="1">
+            <a:schemeClr val="dk1"/>
+          </a:fillRef>
+          <a:effectRef idx="0">
+            <a:schemeClr val="dk1"/>
+          </a:effectRef>
+          <a:fontRef idx="minor">
+            <a:schemeClr val="lt1"/>
+          </a:fontRef>
+        </p:style>
+        <p:txBody>
+          <a:bodyPr rtlCol="0" anchor="ctr"/>
+          <a:lstStyle/>
+          <a:p>
+            <a:pPr algn="ctr"/>
+            <a:endParaRPr lang="en-US"/>
+          </a:p>
+        </p:txBody>
+      </p:sp>
+      <p:sp>
+        <p:nvSpPr>
+          <p:cNvPr id="25" name="Rectangle 24">
+            <a:extLst>
+              <a:ext uri="{FF2B5EF4-FFF2-40B4-BE49-F238E27FC236}">
+                <a16:creationId xmlns:a16="http://schemas.microsoft.com/office/drawing/2014/main" id="{55E59524-BCE7-4FAA-89E8-C516FC006E77}"/>
+              </a:ext>
+            </a:extLst>
+          </p:cNvPr>
+          <p:cNvSpPr/>
+          <p:nvPr/>
+        </p:nvSpPr>
+        <p:spPr>
+          <a:xfrm>
+            <a:off x="8149388" y="5590672"/>
+            <a:ext cx="224590" cy="144379"/>
+          </a:xfrm>
+          <a:prstGeom prst="rect">
+            <a:avLst/>
+          </a:prstGeom>
+        </p:spPr>
+        <p:style>
+          <a:lnRef idx="2">
+            <a:schemeClr val="accent3"/>
+          </a:lnRef>
+          <a:fillRef idx="1">
+            <a:schemeClr val="lt1"/>
+          </a:fillRef>
+          <a:effectRef idx="0">
+            <a:schemeClr val="accent3"/>
+          </a:effectRef>
+          <a:fontRef idx="minor">
+            <a:schemeClr val="dk1"/>
+          </a:fontRef>
+        </p:style>
+        <p:txBody>
+          <a:bodyPr rtlCol="0" anchor="ctr"/>
+          <a:lstStyle/>
+          <a:p>
+            <a:pPr algn="ctr"/>
+            <a:endParaRPr lang="en-US"/>
+          </a:p>
+        </p:txBody>
+      </p:sp>
+      <p:sp>
+        <p:nvSpPr>
+          <p:cNvPr id="29" name="Rectangle 28">
+            <a:extLst>
+              <a:ext uri="{FF2B5EF4-FFF2-40B4-BE49-F238E27FC236}">
+                <a16:creationId xmlns:a16="http://schemas.microsoft.com/office/drawing/2014/main" id="{0EFBF0A4-9856-4D49-A424-DB1D32F45F00}"/>
+              </a:ext>
+            </a:extLst>
+          </p:cNvPr>
+          <p:cNvSpPr/>
+          <p:nvPr/>
+        </p:nvSpPr>
+        <p:spPr>
+          <a:xfrm>
+            <a:off x="8381999" y="5590673"/>
+            <a:ext cx="224590" cy="144379"/>
+          </a:xfrm>
+          <a:prstGeom prst="rect">
+            <a:avLst/>
+          </a:prstGeom>
+        </p:spPr>
+        <p:style>
+          <a:lnRef idx="2">
+            <a:schemeClr val="accent4">
+              <a:shade val="50000"/>
+            </a:schemeClr>
+          </a:lnRef>
+          <a:fillRef idx="1">
+            <a:schemeClr val="accent4"/>
+          </a:fillRef>
+          <a:effectRef idx="0">
+            <a:schemeClr val="accent4"/>
+          </a:effectRef>
+          <a:fontRef idx="minor">
+            <a:schemeClr val="lt1"/>
+          </a:fontRef>
+        </p:style>
+        <p:txBody>
+          <a:bodyPr rtlCol="0" anchor="ctr"/>
+          <a:lstStyle/>
+          <a:p>
+            <a:pPr algn="ctr"/>
+            <a:endParaRPr lang="en-US"/>
+          </a:p>
+        </p:txBody>
+      </p:sp>
+      <p:sp>
+        <p:nvSpPr>
+          <p:cNvPr id="30" name="Rectangle 29">
+            <a:extLst>
+              <a:ext uri="{FF2B5EF4-FFF2-40B4-BE49-F238E27FC236}">
+                <a16:creationId xmlns:a16="http://schemas.microsoft.com/office/drawing/2014/main" id="{C04B437A-105B-4CBA-B548-FC439AB807E9}"/>
+              </a:ext>
+            </a:extLst>
+          </p:cNvPr>
+          <p:cNvSpPr/>
+          <p:nvPr/>
+        </p:nvSpPr>
+        <p:spPr>
+          <a:xfrm>
+            <a:off x="8606589" y="5590673"/>
+            <a:ext cx="224590" cy="144379"/>
+          </a:xfrm>
+          <a:prstGeom prst="rect">
+            <a:avLst/>
+          </a:prstGeom>
+        </p:spPr>
+        <p:style>
+          <a:lnRef idx="2">
+            <a:schemeClr val="accent4">
+              <a:shade val="50000"/>
+            </a:schemeClr>
+          </a:lnRef>
+          <a:fillRef idx="1">
+            <a:schemeClr val="accent4"/>
+          </a:fillRef>
+          <a:effectRef idx="0">
+            <a:schemeClr val="accent4"/>
+          </a:effectRef>
+          <a:fontRef idx="minor">
+            <a:schemeClr val="lt1"/>
+          </a:fontRef>
+        </p:style>
+        <p:txBody>
+          <a:bodyPr rtlCol="0" anchor="ctr"/>
+          <a:lstStyle/>
+          <a:p>
+            <a:pPr algn="ctr"/>
+            <a:endParaRPr lang="en-US"/>
+          </a:p>
+        </p:txBody>
+      </p:sp>
+      <p:sp>
+        <p:nvSpPr>
+          <p:cNvPr id="31" name="Rectangle 30">
+            <a:extLst>
+              <a:ext uri="{FF2B5EF4-FFF2-40B4-BE49-F238E27FC236}">
+                <a16:creationId xmlns:a16="http://schemas.microsoft.com/office/drawing/2014/main" id="{CADEC931-DF75-4DF5-9CCD-7FFC4BE726E9}"/>
+              </a:ext>
+            </a:extLst>
+          </p:cNvPr>
+          <p:cNvSpPr/>
+          <p:nvPr/>
+        </p:nvSpPr>
+        <p:spPr>
+          <a:xfrm>
+            <a:off x="8839200" y="5590672"/>
+            <a:ext cx="224590" cy="144379"/>
+          </a:xfrm>
+          <a:prstGeom prst="rect">
+            <a:avLst/>
+          </a:prstGeom>
+        </p:spPr>
+        <p:style>
+          <a:lnRef idx="2">
+            <a:schemeClr val="accent4">
+              <a:shade val="50000"/>
+            </a:schemeClr>
+          </a:lnRef>
+          <a:fillRef idx="1">
+            <a:schemeClr val="accent4"/>
+          </a:fillRef>
+          <a:effectRef idx="0">
+            <a:schemeClr val="accent4"/>
+          </a:effectRef>
+          <a:fontRef idx="minor">
+            <a:schemeClr val="lt1"/>
+          </a:fontRef>
+        </p:style>
+        <p:txBody>
+          <a:bodyPr rtlCol="0" anchor="ctr"/>
+          <a:lstStyle/>
+          <a:p>
+            <a:pPr algn="ctr"/>
+            <a:endParaRPr lang="en-US"/>
+          </a:p>
+        </p:txBody>
+      </p:sp>
+    </p:spTree>
+    <p:extLst>
+      <p:ext uri="{BB962C8B-B14F-4D97-AF65-F5344CB8AC3E}">
+        <p14:creationId xmlns:p14="http://schemas.microsoft.com/office/powerpoint/2010/main" val="3233649396"/>
+      </p:ext>
+    </p:extLst>
+  </p:cSld>
+  <p:clrMapOvr>
+    <a:masterClrMapping/>
+  </p:clrMapOvr>
+</p:sld>
+</file>
+
 <file path=ppt/slides/slide6.xml><?xml version="1.0" encoding="utf-8"?>
 <p:sld xmlns:a="http://schemas.openxmlformats.org/drawingml/2006/main" xmlns:r="http://schemas.openxmlformats.org/officeDocument/2006/relationships" xmlns:p="http://schemas.openxmlformats.org/presentationml/2006/main">
   <p:cSld>
@@ -54512,6 +59210,2118 @@
     <p:extLst>
       <p:ext uri="{BB962C8B-B14F-4D97-AF65-F5344CB8AC3E}">
         <p14:creationId xmlns:p14="http://schemas.microsoft.com/office/powerpoint/2010/main" val="2182173285"/>
+      </p:ext>
+    </p:extLst>
+  </p:cSld>
+  <p:clrMapOvr>
+    <a:masterClrMapping/>
+  </p:clrMapOvr>
+</p:sld>
+</file>
+
+<file path=ppt/slides/slide60.xml><?xml version="1.0" encoding="utf-8"?>
+<p:sld xmlns:a="http://schemas.openxmlformats.org/drawingml/2006/main" xmlns:r="http://schemas.openxmlformats.org/officeDocument/2006/relationships" xmlns:p="http://schemas.openxmlformats.org/presentationml/2006/main">
+  <p:cSld>
+    <p:spTree>
+      <p:nvGrpSpPr>
+        <p:cNvPr id="1" name=""/>
+        <p:cNvGrpSpPr/>
+        <p:nvPr/>
+      </p:nvGrpSpPr>
+      <p:grpSpPr>
+        <a:xfrm>
+          <a:off x="0" y="0"/>
+          <a:ext cx="0" cy="0"/>
+          <a:chOff x="0" y="0"/>
+          <a:chExt cx="0" cy="0"/>
+        </a:xfrm>
+      </p:grpSpPr>
+      <p:sp>
+        <p:nvSpPr>
+          <p:cNvPr id="2" name="Title 1">
+            <a:extLst>
+              <a:ext uri="{FF2B5EF4-FFF2-40B4-BE49-F238E27FC236}">
+                <a16:creationId xmlns:a16="http://schemas.microsoft.com/office/drawing/2014/main" id="{FABEB472-6BE5-4B22-B1FC-BB5255AD5687}"/>
+              </a:ext>
+            </a:extLst>
+          </p:cNvPr>
+          <p:cNvSpPr>
+            <a:spLocks noGrp="1"/>
+          </p:cNvSpPr>
+          <p:nvPr>
+            <p:ph type="title"/>
+          </p:nvPr>
+        </p:nvSpPr>
+        <p:spPr/>
+        <p:txBody>
+          <a:bodyPr/>
+          <a:lstStyle/>
+          <a:p>
+            <a:r>
+              <a:rPr lang="en-US" dirty="0"/>
+              <a:t>Roles of an Array</a:t>
+            </a:r>
+          </a:p>
+        </p:txBody>
+      </p:sp>
+      <p:sp>
+        <p:nvSpPr>
+          <p:cNvPr id="3" name="Content Placeholder 2">
+            <a:extLst>
+              <a:ext uri="{FF2B5EF4-FFF2-40B4-BE49-F238E27FC236}">
+                <a16:creationId xmlns:a16="http://schemas.microsoft.com/office/drawing/2014/main" id="{711A7D70-024E-48C2-A0A2-747E8228B40D}"/>
+              </a:ext>
+            </a:extLst>
+          </p:cNvPr>
+          <p:cNvSpPr>
+            <a:spLocks noGrp="1"/>
+          </p:cNvSpPr>
+          <p:nvPr>
+            <p:ph idx="1"/>
+          </p:nvPr>
+        </p:nvSpPr>
+        <p:spPr/>
+        <p:txBody>
+          <a:bodyPr/>
+          <a:lstStyle/>
+          <a:p>
+            <a:r>
+              <a:rPr lang="en-US" dirty="0"/>
+              <a:t>List – some kind of sequence</a:t>
+            </a:r>
+          </a:p>
+          <a:p>
+            <a:pPr lvl="1"/>
+            <a:r>
+              <a:rPr lang="en-US" dirty="0"/>
+              <a:t>Unrestricted </a:t>
+            </a:r>
+            <a:r>
+              <a:rPr lang="en-US" u="sng" dirty="0"/>
+              <a:t>access</a:t>
+            </a:r>
+            <a:r>
+              <a:rPr lang="en-US" dirty="0"/>
+              <a:t> (read &amp; write)</a:t>
+            </a:r>
+          </a:p>
+          <a:p>
+            <a:r>
+              <a:rPr lang="en-US" dirty="0"/>
+              <a:t>Stack - FILO</a:t>
+            </a:r>
+          </a:p>
+          <a:p>
+            <a:pPr lvl="1"/>
+            <a:r>
+              <a:rPr lang="en-US" dirty="0"/>
+              <a:t>First In, Last Out – there is only 1 opening</a:t>
+            </a:r>
+          </a:p>
+          <a:p>
+            <a:pPr lvl="1"/>
+            <a:r>
+              <a:rPr lang="en-US" dirty="0"/>
+              <a:t>Array methods: push(), pop()</a:t>
+            </a:r>
+          </a:p>
+          <a:p>
+            <a:r>
+              <a:rPr lang="en-US" dirty="0"/>
+              <a:t>Queue - FIFO</a:t>
+            </a:r>
+          </a:p>
+          <a:p>
+            <a:pPr lvl="1"/>
+            <a:r>
+              <a:rPr lang="en-US" dirty="0"/>
+              <a:t>First In, First Out – there are 2 opening</a:t>
+            </a:r>
+          </a:p>
+          <a:p>
+            <a:pPr lvl="1"/>
+            <a:r>
+              <a:rPr lang="en-US" dirty="0"/>
+              <a:t>Array methods: push(), shift()</a:t>
+            </a:r>
+          </a:p>
+        </p:txBody>
+      </p:sp>
+      <p:pic>
+        <p:nvPicPr>
+          <p:cNvPr id="1026" name="Picture 2" descr="Stack (data structure) - Simple English Wikipedia, the free encyclopedia">
+            <a:extLst>
+              <a:ext uri="{FF2B5EF4-FFF2-40B4-BE49-F238E27FC236}">
+                <a16:creationId xmlns:a16="http://schemas.microsoft.com/office/drawing/2014/main" id="{15436BB6-F476-4A82-BB42-73BC0D1A8F91}"/>
+              </a:ext>
+            </a:extLst>
+          </p:cNvPr>
+          <p:cNvPicPr>
+            <a:picLocks noChangeAspect="1" noChangeArrowheads="1"/>
+          </p:cNvPicPr>
+          <p:nvPr/>
+        </p:nvPicPr>
+        <p:blipFill>
+          <a:blip r:embed="rId2">
+            <a:extLst>
+              <a:ext uri="{28A0092B-C50C-407E-A947-70E740481C1C}">
+                <a14:useLocalDpi xmlns:a14="http://schemas.microsoft.com/office/drawing/2010/main" val="0"/>
+              </a:ext>
+            </a:extLst>
+          </a:blip>
+          <a:srcRect/>
+          <a:stretch>
+            <a:fillRect/>
+          </a:stretch>
+        </p:blipFill>
+        <p:spPr bwMode="auto">
+          <a:xfrm>
+            <a:off x="6699769" y="2496344"/>
+            <a:ext cx="2095500" cy="1504950"/>
+          </a:xfrm>
+          <a:prstGeom prst="rect">
+            <a:avLst/>
+          </a:prstGeom>
+          <a:noFill/>
+          <a:extLst>
+            <a:ext uri="{909E8E84-426E-40DD-AFC4-6F175D3DCCD1}">
+              <a14:hiddenFill xmlns:a14="http://schemas.microsoft.com/office/drawing/2010/main">
+                <a:solidFill>
+                  <a:srgbClr val="FFFFFF"/>
+                </a:solidFill>
+              </a14:hiddenFill>
+            </a:ext>
+          </a:extLst>
+        </p:spPr>
+      </p:pic>
+      <p:sp>
+        <p:nvSpPr>
+          <p:cNvPr id="4" name="Rectangle 3">
+            <a:extLst>
+              <a:ext uri="{FF2B5EF4-FFF2-40B4-BE49-F238E27FC236}">
+                <a16:creationId xmlns:a16="http://schemas.microsoft.com/office/drawing/2014/main" id="{C87ABDEA-726C-4CE4-B441-9C01EAE311FA}"/>
+              </a:ext>
+            </a:extLst>
+          </p:cNvPr>
+          <p:cNvSpPr/>
+          <p:nvPr/>
+        </p:nvSpPr>
+        <p:spPr>
+          <a:xfrm>
+            <a:off x="7996989" y="5029200"/>
+            <a:ext cx="2213811" cy="593558"/>
+          </a:xfrm>
+          <a:prstGeom prst="rect">
+            <a:avLst/>
+          </a:prstGeom>
+        </p:spPr>
+        <p:style>
+          <a:lnRef idx="2">
+            <a:schemeClr val="accent1">
+              <a:shade val="50000"/>
+            </a:schemeClr>
+          </a:lnRef>
+          <a:fillRef idx="1">
+            <a:schemeClr val="accent1"/>
+          </a:fillRef>
+          <a:effectRef idx="0">
+            <a:schemeClr val="accent1"/>
+          </a:effectRef>
+          <a:fontRef idx="minor">
+            <a:schemeClr val="lt1"/>
+          </a:fontRef>
+        </p:style>
+        <p:txBody>
+          <a:bodyPr rtlCol="0" anchor="ctr"/>
+          <a:lstStyle/>
+          <a:p>
+            <a:pPr algn="ctr"/>
+            <a:r>
+              <a:rPr lang="en-US" dirty="0"/>
+              <a:t>JavaScript Array</a:t>
+            </a:r>
+          </a:p>
+        </p:txBody>
+      </p:sp>
+      <p:sp>
+        <p:nvSpPr>
+          <p:cNvPr id="6" name="Rectangle 5">
+            <a:extLst>
+              <a:ext uri="{FF2B5EF4-FFF2-40B4-BE49-F238E27FC236}">
+                <a16:creationId xmlns:a16="http://schemas.microsoft.com/office/drawing/2014/main" id="{3CB803AD-1C23-43E6-A9F8-F184F0CF4FAA}"/>
+              </a:ext>
+            </a:extLst>
+          </p:cNvPr>
+          <p:cNvSpPr/>
+          <p:nvPr/>
+        </p:nvSpPr>
+        <p:spPr>
+          <a:xfrm>
+            <a:off x="10708105" y="4484478"/>
+            <a:ext cx="894347" cy="232611"/>
+          </a:xfrm>
+          <a:prstGeom prst="rect">
+            <a:avLst/>
+          </a:prstGeom>
+        </p:spPr>
+        <p:style>
+          <a:lnRef idx="2">
+            <a:schemeClr val="accent4">
+              <a:shade val="50000"/>
+            </a:schemeClr>
+          </a:lnRef>
+          <a:fillRef idx="1">
+            <a:schemeClr val="accent4"/>
+          </a:fillRef>
+          <a:effectRef idx="0">
+            <a:schemeClr val="accent4"/>
+          </a:effectRef>
+          <a:fontRef idx="minor">
+            <a:schemeClr val="lt1"/>
+          </a:fontRef>
+        </p:style>
+        <p:txBody>
+          <a:bodyPr rtlCol="0" anchor="ctr"/>
+          <a:lstStyle/>
+          <a:p>
+            <a:pPr algn="ctr"/>
+            <a:r>
+              <a:rPr lang="en-US" dirty="0"/>
+              <a:t>push</a:t>
+            </a:r>
+          </a:p>
+        </p:txBody>
+      </p:sp>
+      <p:cxnSp>
+        <p:nvCxnSpPr>
+          <p:cNvPr id="8" name="Connector: Curved 7">
+            <a:extLst>
+              <a:ext uri="{FF2B5EF4-FFF2-40B4-BE49-F238E27FC236}">
+                <a16:creationId xmlns:a16="http://schemas.microsoft.com/office/drawing/2014/main" id="{570C3341-C500-4F6F-BBEA-0E2A377BCF22}"/>
+              </a:ext>
+            </a:extLst>
+          </p:cNvPr>
+          <p:cNvCxnSpPr>
+            <a:stCxn id="6" idx="2"/>
+            <a:endCxn id="4" idx="3"/>
+          </p:cNvCxnSpPr>
+          <p:nvPr/>
+        </p:nvCxnSpPr>
+        <p:spPr>
+          <a:xfrm rot="5400000">
+            <a:off x="10378595" y="4549295"/>
+            <a:ext cx="608890" cy="944479"/>
+          </a:xfrm>
+          <a:prstGeom prst="curvedConnector2">
+            <a:avLst/>
+          </a:prstGeom>
+          <a:ln>
+            <a:tailEnd type="triangle"/>
+          </a:ln>
+        </p:spPr>
+        <p:style>
+          <a:lnRef idx="3">
+            <a:schemeClr val="accent5"/>
+          </a:lnRef>
+          <a:fillRef idx="0">
+            <a:schemeClr val="accent5"/>
+          </a:fillRef>
+          <a:effectRef idx="2">
+            <a:schemeClr val="accent5"/>
+          </a:effectRef>
+          <a:fontRef idx="minor">
+            <a:schemeClr val="tx1"/>
+          </a:fontRef>
+        </p:style>
+      </p:cxnSp>
+      <p:sp>
+        <p:nvSpPr>
+          <p:cNvPr id="10" name="Rectangle 9">
+            <a:extLst>
+              <a:ext uri="{FF2B5EF4-FFF2-40B4-BE49-F238E27FC236}">
+                <a16:creationId xmlns:a16="http://schemas.microsoft.com/office/drawing/2014/main" id="{52007411-CDC8-4193-B048-A5E3DE10C902}"/>
+              </a:ext>
+            </a:extLst>
+          </p:cNvPr>
+          <p:cNvSpPr/>
+          <p:nvPr/>
+        </p:nvSpPr>
+        <p:spPr>
+          <a:xfrm>
+            <a:off x="10708105" y="6060657"/>
+            <a:ext cx="894347" cy="232611"/>
+          </a:xfrm>
+          <a:prstGeom prst="rect">
+            <a:avLst/>
+          </a:prstGeom>
+        </p:spPr>
+        <p:style>
+          <a:lnRef idx="2">
+            <a:schemeClr val="accent4">
+              <a:shade val="50000"/>
+            </a:schemeClr>
+          </a:lnRef>
+          <a:fillRef idx="1">
+            <a:schemeClr val="accent4"/>
+          </a:fillRef>
+          <a:effectRef idx="0">
+            <a:schemeClr val="accent4"/>
+          </a:effectRef>
+          <a:fontRef idx="minor">
+            <a:schemeClr val="lt1"/>
+          </a:fontRef>
+        </p:style>
+        <p:txBody>
+          <a:bodyPr rtlCol="0" anchor="ctr"/>
+          <a:lstStyle/>
+          <a:p>
+            <a:pPr algn="ctr"/>
+            <a:r>
+              <a:rPr lang="en-US" dirty="0"/>
+              <a:t>pop</a:t>
+            </a:r>
+          </a:p>
+        </p:txBody>
+      </p:sp>
+      <p:cxnSp>
+        <p:nvCxnSpPr>
+          <p:cNvPr id="11" name="Connector: Curved 10">
+            <a:extLst>
+              <a:ext uri="{FF2B5EF4-FFF2-40B4-BE49-F238E27FC236}">
+                <a16:creationId xmlns:a16="http://schemas.microsoft.com/office/drawing/2014/main" id="{0C739C99-40A1-46D6-91F6-9A106EADF06D}"/>
+              </a:ext>
+            </a:extLst>
+          </p:cNvPr>
+          <p:cNvCxnSpPr>
+            <a:cxnSpLocks/>
+            <a:stCxn id="4" idx="3"/>
+            <a:endCxn id="10" idx="0"/>
+          </p:cNvCxnSpPr>
+          <p:nvPr/>
+        </p:nvCxnSpPr>
+        <p:spPr>
+          <a:xfrm>
+            <a:off x="10210800" y="5325979"/>
+            <a:ext cx="944479" cy="734678"/>
+          </a:xfrm>
+          <a:prstGeom prst="curvedConnector2">
+            <a:avLst/>
+          </a:prstGeom>
+          <a:ln>
+            <a:tailEnd type="triangle"/>
+          </a:ln>
+        </p:spPr>
+        <p:style>
+          <a:lnRef idx="3">
+            <a:schemeClr val="accent5"/>
+          </a:lnRef>
+          <a:fillRef idx="0">
+            <a:schemeClr val="accent5"/>
+          </a:fillRef>
+          <a:effectRef idx="2">
+            <a:schemeClr val="accent5"/>
+          </a:effectRef>
+          <a:fontRef idx="minor">
+            <a:schemeClr val="tx1"/>
+          </a:fontRef>
+        </p:style>
+      </p:cxnSp>
+      <p:sp>
+        <p:nvSpPr>
+          <p:cNvPr id="18" name="Rectangle 17">
+            <a:extLst>
+              <a:ext uri="{FF2B5EF4-FFF2-40B4-BE49-F238E27FC236}">
+                <a16:creationId xmlns:a16="http://schemas.microsoft.com/office/drawing/2014/main" id="{011ED320-9E70-4904-8A68-018C3CA14FB6}"/>
+              </a:ext>
+            </a:extLst>
+          </p:cNvPr>
+          <p:cNvSpPr/>
+          <p:nvPr/>
+        </p:nvSpPr>
+        <p:spPr>
+          <a:xfrm>
+            <a:off x="6456948" y="4484478"/>
+            <a:ext cx="894347" cy="232611"/>
+          </a:xfrm>
+          <a:prstGeom prst="rect">
+            <a:avLst/>
+          </a:prstGeom>
+        </p:spPr>
+        <p:style>
+          <a:lnRef idx="2">
+            <a:schemeClr val="accent4">
+              <a:shade val="50000"/>
+            </a:schemeClr>
+          </a:lnRef>
+          <a:fillRef idx="1">
+            <a:schemeClr val="accent4"/>
+          </a:fillRef>
+          <a:effectRef idx="0">
+            <a:schemeClr val="accent4"/>
+          </a:effectRef>
+          <a:fontRef idx="minor">
+            <a:schemeClr val="lt1"/>
+          </a:fontRef>
+        </p:style>
+        <p:txBody>
+          <a:bodyPr rtlCol="0" anchor="ctr"/>
+          <a:lstStyle/>
+          <a:p>
+            <a:pPr algn="ctr"/>
+            <a:r>
+              <a:rPr lang="en-US" dirty="0"/>
+              <a:t>unshift</a:t>
+            </a:r>
+          </a:p>
+        </p:txBody>
+      </p:sp>
+      <p:cxnSp>
+        <p:nvCxnSpPr>
+          <p:cNvPr id="19" name="Connector: Curved 18">
+            <a:extLst>
+              <a:ext uri="{FF2B5EF4-FFF2-40B4-BE49-F238E27FC236}">
+                <a16:creationId xmlns:a16="http://schemas.microsoft.com/office/drawing/2014/main" id="{321BA461-D42D-4286-B91D-88370824926E}"/>
+              </a:ext>
+            </a:extLst>
+          </p:cNvPr>
+          <p:cNvCxnSpPr>
+            <a:cxnSpLocks/>
+            <a:stCxn id="18" idx="2"/>
+            <a:endCxn id="4" idx="1"/>
+          </p:cNvCxnSpPr>
+          <p:nvPr/>
+        </p:nvCxnSpPr>
+        <p:spPr>
+          <a:xfrm rot="16200000" flipH="1">
+            <a:off x="7146110" y="4475100"/>
+            <a:ext cx="608890" cy="1092867"/>
+          </a:xfrm>
+          <a:prstGeom prst="curvedConnector2">
+            <a:avLst/>
+          </a:prstGeom>
+          <a:ln>
+            <a:tailEnd type="triangle"/>
+          </a:ln>
+        </p:spPr>
+        <p:style>
+          <a:lnRef idx="3">
+            <a:schemeClr val="accent5"/>
+          </a:lnRef>
+          <a:fillRef idx="0">
+            <a:schemeClr val="accent5"/>
+          </a:fillRef>
+          <a:effectRef idx="2">
+            <a:schemeClr val="accent5"/>
+          </a:effectRef>
+          <a:fontRef idx="minor">
+            <a:schemeClr val="tx1"/>
+          </a:fontRef>
+        </p:style>
+      </p:cxnSp>
+      <p:sp>
+        <p:nvSpPr>
+          <p:cNvPr id="25" name="Rectangle 24">
+            <a:extLst>
+              <a:ext uri="{FF2B5EF4-FFF2-40B4-BE49-F238E27FC236}">
+                <a16:creationId xmlns:a16="http://schemas.microsoft.com/office/drawing/2014/main" id="{7CA54B69-87AB-4A6B-947E-9F93503520C4}"/>
+              </a:ext>
+            </a:extLst>
+          </p:cNvPr>
+          <p:cNvSpPr/>
+          <p:nvPr/>
+        </p:nvSpPr>
+        <p:spPr>
+          <a:xfrm>
+            <a:off x="6456947" y="6022117"/>
+            <a:ext cx="894347" cy="232611"/>
+          </a:xfrm>
+          <a:prstGeom prst="rect">
+            <a:avLst/>
+          </a:prstGeom>
+        </p:spPr>
+        <p:style>
+          <a:lnRef idx="2">
+            <a:schemeClr val="accent4">
+              <a:shade val="50000"/>
+            </a:schemeClr>
+          </a:lnRef>
+          <a:fillRef idx="1">
+            <a:schemeClr val="accent4"/>
+          </a:fillRef>
+          <a:effectRef idx="0">
+            <a:schemeClr val="accent4"/>
+          </a:effectRef>
+          <a:fontRef idx="minor">
+            <a:schemeClr val="lt1"/>
+          </a:fontRef>
+        </p:style>
+        <p:txBody>
+          <a:bodyPr rtlCol="0" anchor="ctr"/>
+          <a:lstStyle/>
+          <a:p>
+            <a:pPr algn="ctr"/>
+            <a:r>
+              <a:rPr lang="en-US" dirty="0"/>
+              <a:t>shift</a:t>
+            </a:r>
+          </a:p>
+        </p:txBody>
+      </p:sp>
+      <p:cxnSp>
+        <p:nvCxnSpPr>
+          <p:cNvPr id="26" name="Connector: Curved 25">
+            <a:extLst>
+              <a:ext uri="{FF2B5EF4-FFF2-40B4-BE49-F238E27FC236}">
+                <a16:creationId xmlns:a16="http://schemas.microsoft.com/office/drawing/2014/main" id="{788966B3-86BB-4E50-AD85-B6ABCE730F77}"/>
+              </a:ext>
+            </a:extLst>
+          </p:cNvPr>
+          <p:cNvCxnSpPr>
+            <a:cxnSpLocks/>
+            <a:stCxn id="4" idx="1"/>
+            <a:endCxn id="25" idx="0"/>
+          </p:cNvCxnSpPr>
+          <p:nvPr/>
+        </p:nvCxnSpPr>
+        <p:spPr>
+          <a:xfrm rot="10800000" flipV="1">
+            <a:off x="6904121" y="5325979"/>
+            <a:ext cx="1092868" cy="696138"/>
+          </a:xfrm>
+          <a:prstGeom prst="curvedConnector2">
+            <a:avLst/>
+          </a:prstGeom>
+          <a:ln>
+            <a:tailEnd type="triangle"/>
+          </a:ln>
+        </p:spPr>
+        <p:style>
+          <a:lnRef idx="3">
+            <a:schemeClr val="accent5"/>
+          </a:lnRef>
+          <a:fillRef idx="0">
+            <a:schemeClr val="accent5"/>
+          </a:fillRef>
+          <a:effectRef idx="2">
+            <a:schemeClr val="accent5"/>
+          </a:effectRef>
+          <a:fontRef idx="minor">
+            <a:schemeClr val="tx1"/>
+          </a:fontRef>
+        </p:style>
+      </p:cxnSp>
+    </p:spTree>
+    <p:extLst>
+      <p:ext uri="{BB962C8B-B14F-4D97-AF65-F5344CB8AC3E}">
+        <p14:creationId xmlns:p14="http://schemas.microsoft.com/office/powerpoint/2010/main" val="1395582204"/>
+      </p:ext>
+    </p:extLst>
+  </p:cSld>
+  <p:clrMapOvr>
+    <a:masterClrMapping/>
+  </p:clrMapOvr>
+</p:sld>
+</file>
+
+<file path=ppt/slides/slide61.xml><?xml version="1.0" encoding="utf-8"?>
+<p:sld xmlns:a="http://schemas.openxmlformats.org/drawingml/2006/main" xmlns:r="http://schemas.openxmlformats.org/officeDocument/2006/relationships" xmlns:p="http://schemas.openxmlformats.org/presentationml/2006/main">
+  <p:cSld>
+    <p:spTree>
+      <p:nvGrpSpPr>
+        <p:cNvPr id="1" name=""/>
+        <p:cNvGrpSpPr/>
+        <p:nvPr/>
+      </p:nvGrpSpPr>
+      <p:grpSpPr>
+        <a:xfrm>
+          <a:off x="0" y="0"/>
+          <a:ext cx="0" cy="0"/>
+          <a:chOff x="0" y="0"/>
+          <a:chExt cx="0" cy="0"/>
+        </a:xfrm>
+      </p:grpSpPr>
+      <p:sp>
+        <p:nvSpPr>
+          <p:cNvPr id="2" name="Title 1">
+            <a:extLst>
+              <a:ext uri="{FF2B5EF4-FFF2-40B4-BE49-F238E27FC236}">
+                <a16:creationId xmlns:a16="http://schemas.microsoft.com/office/drawing/2014/main" id="{878492A3-4877-4A3C-ADD3-7A00F701C1D7}"/>
+              </a:ext>
+            </a:extLst>
+          </p:cNvPr>
+          <p:cNvSpPr>
+            <a:spLocks noGrp="1"/>
+          </p:cNvSpPr>
+          <p:nvPr>
+            <p:ph type="title"/>
+          </p:nvPr>
+        </p:nvSpPr>
+        <p:spPr/>
+        <p:txBody>
+          <a:bodyPr/>
+          <a:lstStyle/>
+          <a:p>
+            <a:r>
+              <a:rPr lang="en-US" dirty="0"/>
+              <a:t>Stack example: function calls</a:t>
+            </a:r>
+          </a:p>
+        </p:txBody>
+      </p:sp>
+      <p:sp>
+        <p:nvSpPr>
+          <p:cNvPr id="4" name="Rectangle 3">
+            <a:extLst>
+              <a:ext uri="{FF2B5EF4-FFF2-40B4-BE49-F238E27FC236}">
+                <a16:creationId xmlns:a16="http://schemas.microsoft.com/office/drawing/2014/main" id="{9BE654B8-D60F-4BA8-BA3E-BDE78D48C61D}"/>
+              </a:ext>
+            </a:extLst>
+          </p:cNvPr>
+          <p:cNvSpPr/>
+          <p:nvPr/>
+        </p:nvSpPr>
+        <p:spPr>
+          <a:xfrm>
+            <a:off x="1261761" y="1532349"/>
+            <a:ext cx="1288934" cy="4058325"/>
+          </a:xfrm>
+          <a:prstGeom prst="rect">
+            <a:avLst/>
+          </a:prstGeom>
+        </p:spPr>
+        <p:style>
+          <a:lnRef idx="1">
+            <a:schemeClr val="accent4"/>
+          </a:lnRef>
+          <a:fillRef idx="2">
+            <a:schemeClr val="accent4"/>
+          </a:fillRef>
+          <a:effectRef idx="1">
+            <a:schemeClr val="accent4"/>
+          </a:effectRef>
+          <a:fontRef idx="minor">
+            <a:schemeClr val="dk1"/>
+          </a:fontRef>
+        </p:style>
+        <p:txBody>
+          <a:bodyPr rtlCol="0" anchor="ctr"/>
+          <a:lstStyle/>
+          <a:p>
+            <a:r>
+              <a:rPr lang="en-US" sz="1200" dirty="0">
+                <a:latin typeface="Consolas" panose="020B0609020204030204" pitchFamily="49" charset="0"/>
+              </a:rPr>
+              <a:t>f() {</a:t>
+            </a:r>
+          </a:p>
+          <a:p>
+            <a:r>
+              <a:rPr lang="en-US" sz="1200" dirty="0">
+                <a:latin typeface="Consolas" panose="020B0609020204030204" pitchFamily="49" charset="0"/>
+              </a:rPr>
+              <a:t>  …</a:t>
+            </a:r>
+          </a:p>
+          <a:p>
+            <a:r>
+              <a:rPr lang="en-US" sz="1200" dirty="0">
+                <a:latin typeface="Consolas" panose="020B0609020204030204" pitchFamily="49" charset="0"/>
+              </a:rPr>
+              <a:t>  g()</a:t>
+            </a:r>
+          </a:p>
+          <a:p>
+            <a:r>
+              <a:rPr lang="en-US" sz="1200" dirty="0">
+                <a:latin typeface="Consolas" panose="020B0609020204030204" pitchFamily="49" charset="0"/>
+              </a:rPr>
+              <a:t>}</a:t>
+            </a:r>
+          </a:p>
+          <a:p>
+            <a:endParaRPr lang="en-US" sz="1200" dirty="0">
+              <a:latin typeface="Consolas" panose="020B0609020204030204" pitchFamily="49" charset="0"/>
+            </a:endParaRPr>
+          </a:p>
+          <a:p>
+            <a:r>
+              <a:rPr lang="en-US" sz="1200" dirty="0">
+                <a:latin typeface="Consolas" panose="020B0609020204030204" pitchFamily="49" charset="0"/>
+              </a:rPr>
+              <a:t>g() {</a:t>
+            </a:r>
+          </a:p>
+          <a:p>
+            <a:r>
+              <a:rPr lang="en-US" sz="1200" dirty="0">
+                <a:latin typeface="Consolas" panose="020B0609020204030204" pitchFamily="49" charset="0"/>
+              </a:rPr>
+              <a:t>  …</a:t>
+            </a:r>
+          </a:p>
+          <a:p>
+            <a:r>
+              <a:rPr lang="en-US" sz="1200" dirty="0">
+                <a:latin typeface="Consolas" panose="020B0609020204030204" pitchFamily="49" charset="0"/>
+              </a:rPr>
+              <a:t>  h()</a:t>
+            </a:r>
+          </a:p>
+          <a:p>
+            <a:r>
+              <a:rPr lang="en-US" sz="1200" dirty="0">
+                <a:latin typeface="Consolas" panose="020B0609020204030204" pitchFamily="49" charset="0"/>
+              </a:rPr>
+              <a:t>}</a:t>
+            </a:r>
+          </a:p>
+          <a:p>
+            <a:endParaRPr lang="en-US" sz="1200" dirty="0">
+              <a:latin typeface="Consolas" panose="020B0609020204030204" pitchFamily="49" charset="0"/>
+            </a:endParaRPr>
+          </a:p>
+          <a:p>
+            <a:r>
+              <a:rPr lang="en-US" sz="1200" dirty="0">
+                <a:latin typeface="Consolas" panose="020B0609020204030204" pitchFamily="49" charset="0"/>
+              </a:rPr>
+              <a:t>h() {</a:t>
+            </a:r>
+          </a:p>
+          <a:p>
+            <a:r>
+              <a:rPr lang="en-US" sz="1200" dirty="0">
+                <a:latin typeface="Consolas" panose="020B0609020204030204" pitchFamily="49" charset="0"/>
+              </a:rPr>
+              <a:t>  …</a:t>
+            </a:r>
+          </a:p>
+          <a:p>
+            <a:r>
+              <a:rPr lang="en-US" sz="1200" dirty="0">
+                <a:latin typeface="Consolas" panose="020B0609020204030204" pitchFamily="49" charset="0"/>
+              </a:rPr>
+              <a:t>  </a:t>
+            </a:r>
+            <a:r>
+              <a:rPr lang="en-US" sz="1200" dirty="0" err="1">
+                <a:latin typeface="Consolas" panose="020B0609020204030204" pitchFamily="49" charset="0"/>
+              </a:rPr>
+              <a:t>i</a:t>
+            </a:r>
+            <a:r>
+              <a:rPr lang="en-US" sz="1200" dirty="0">
+                <a:latin typeface="Consolas" panose="020B0609020204030204" pitchFamily="49" charset="0"/>
+              </a:rPr>
+              <a:t>()</a:t>
+            </a:r>
+          </a:p>
+          <a:p>
+            <a:r>
+              <a:rPr lang="en-US" sz="1200" dirty="0">
+                <a:latin typeface="Consolas" panose="020B0609020204030204" pitchFamily="49" charset="0"/>
+              </a:rPr>
+              <a:t>  j()</a:t>
+            </a:r>
+          </a:p>
+          <a:p>
+            <a:r>
+              <a:rPr lang="en-US" sz="1200" dirty="0">
+                <a:latin typeface="Consolas" panose="020B0609020204030204" pitchFamily="49" charset="0"/>
+              </a:rPr>
+              <a:t>}</a:t>
+            </a:r>
+          </a:p>
+          <a:p>
+            <a:endParaRPr lang="en-US" sz="1200" dirty="0">
+              <a:latin typeface="Consolas" panose="020B0609020204030204" pitchFamily="49" charset="0"/>
+            </a:endParaRPr>
+          </a:p>
+          <a:p>
+            <a:r>
+              <a:rPr lang="en-US" sz="1200" dirty="0">
+                <a:latin typeface="Consolas" panose="020B0609020204030204" pitchFamily="49" charset="0"/>
+              </a:rPr>
+              <a:t>...</a:t>
+            </a:r>
+          </a:p>
+          <a:p>
+            <a:r>
+              <a:rPr lang="en-US" sz="1200" dirty="0">
+                <a:latin typeface="Consolas" panose="020B0609020204030204" pitchFamily="49" charset="0"/>
+              </a:rPr>
+              <a:t>f(23)</a:t>
+            </a:r>
+          </a:p>
+          <a:p>
+            <a:r>
+              <a:rPr lang="en-US" sz="1200" dirty="0">
+                <a:latin typeface="Consolas" panose="020B0609020204030204" pitchFamily="49" charset="0"/>
+              </a:rPr>
+              <a:t>...</a:t>
+            </a:r>
+          </a:p>
+        </p:txBody>
+      </p:sp>
+      <p:sp>
+        <p:nvSpPr>
+          <p:cNvPr id="5" name="Rectangle 4">
+            <a:extLst>
+              <a:ext uri="{FF2B5EF4-FFF2-40B4-BE49-F238E27FC236}">
+                <a16:creationId xmlns:a16="http://schemas.microsoft.com/office/drawing/2014/main" id="{E2FDA3EC-D932-4C20-87F2-1D67879DC25D}"/>
+              </a:ext>
+            </a:extLst>
+          </p:cNvPr>
+          <p:cNvSpPr/>
+          <p:nvPr/>
+        </p:nvSpPr>
+        <p:spPr>
+          <a:xfrm>
+            <a:off x="3368843" y="2334126"/>
+            <a:ext cx="1259305" cy="970548"/>
+          </a:xfrm>
+          <a:prstGeom prst="rect">
+            <a:avLst/>
+          </a:prstGeom>
+        </p:spPr>
+        <p:style>
+          <a:lnRef idx="2">
+            <a:schemeClr val="accent6">
+              <a:shade val="50000"/>
+            </a:schemeClr>
+          </a:lnRef>
+          <a:fillRef idx="1">
+            <a:schemeClr val="accent6"/>
+          </a:fillRef>
+          <a:effectRef idx="0">
+            <a:schemeClr val="accent6"/>
+          </a:effectRef>
+          <a:fontRef idx="minor">
+            <a:schemeClr val="lt1"/>
+          </a:fontRef>
+        </p:style>
+        <p:txBody>
+          <a:bodyPr rtlCol="0" anchor="ctr"/>
+          <a:lstStyle/>
+          <a:p>
+            <a:r>
+              <a:rPr lang="en-US" sz="1200">
+                <a:latin typeface="Consolas" panose="020B0609020204030204" pitchFamily="49" charset="0"/>
+              </a:rPr>
+              <a:t>...</a:t>
+            </a:r>
+          </a:p>
+          <a:p>
+            <a:r>
+              <a:rPr lang="en-US" sz="1200">
+                <a:latin typeface="Consolas" panose="020B0609020204030204" pitchFamily="49" charset="0"/>
+              </a:rPr>
+              <a:t>f(23)</a:t>
+            </a:r>
+          </a:p>
+          <a:p>
+            <a:r>
+              <a:rPr lang="en-US" sz="1200">
+                <a:latin typeface="Consolas" panose="020B0609020204030204" pitchFamily="49" charset="0"/>
+              </a:rPr>
+              <a:t>...</a:t>
+            </a:r>
+            <a:endParaRPr lang="en-US" sz="1200" dirty="0">
+              <a:latin typeface="Consolas" panose="020B0609020204030204" pitchFamily="49" charset="0"/>
+            </a:endParaRPr>
+          </a:p>
+        </p:txBody>
+      </p:sp>
+      <p:sp>
+        <p:nvSpPr>
+          <p:cNvPr id="6" name="Rectangle 5">
+            <a:extLst>
+              <a:ext uri="{FF2B5EF4-FFF2-40B4-BE49-F238E27FC236}">
+                <a16:creationId xmlns:a16="http://schemas.microsoft.com/office/drawing/2014/main" id="{2407FD80-1830-40BB-8CC9-1414029E36DA}"/>
+              </a:ext>
+            </a:extLst>
+          </p:cNvPr>
+          <p:cNvSpPr/>
+          <p:nvPr/>
+        </p:nvSpPr>
+        <p:spPr>
+          <a:xfrm>
+            <a:off x="5093369" y="2669388"/>
+            <a:ext cx="1259305" cy="970548"/>
+          </a:xfrm>
+          <a:prstGeom prst="rect">
+            <a:avLst/>
+          </a:prstGeom>
+        </p:spPr>
+        <p:style>
+          <a:lnRef idx="2">
+            <a:schemeClr val="accent6">
+              <a:shade val="50000"/>
+            </a:schemeClr>
+          </a:lnRef>
+          <a:fillRef idx="1">
+            <a:schemeClr val="accent6"/>
+          </a:fillRef>
+          <a:effectRef idx="0">
+            <a:schemeClr val="accent6"/>
+          </a:effectRef>
+          <a:fontRef idx="minor">
+            <a:schemeClr val="lt1"/>
+          </a:fontRef>
+        </p:style>
+        <p:txBody>
+          <a:bodyPr rtlCol="0" anchor="ctr"/>
+          <a:lstStyle/>
+          <a:p>
+            <a:r>
+              <a:rPr lang="en-US" sz="1200" dirty="0">
+                <a:latin typeface="Consolas" panose="020B0609020204030204" pitchFamily="49" charset="0"/>
+              </a:rPr>
+              <a:t>f() {</a:t>
+            </a:r>
+          </a:p>
+          <a:p>
+            <a:r>
+              <a:rPr lang="en-US" sz="1200" dirty="0">
+                <a:latin typeface="Consolas" panose="020B0609020204030204" pitchFamily="49" charset="0"/>
+              </a:rPr>
+              <a:t>  ...</a:t>
+            </a:r>
+          </a:p>
+          <a:p>
+            <a:r>
+              <a:rPr lang="en-US" sz="1200" dirty="0">
+                <a:latin typeface="Consolas" panose="020B0609020204030204" pitchFamily="49" charset="0"/>
+              </a:rPr>
+              <a:t>  g()</a:t>
+            </a:r>
+          </a:p>
+          <a:p>
+            <a:r>
+              <a:rPr lang="en-US" sz="1200" dirty="0">
+                <a:latin typeface="Consolas" panose="020B0609020204030204" pitchFamily="49" charset="0"/>
+              </a:rPr>
+              <a:t>  ...</a:t>
+            </a:r>
+          </a:p>
+          <a:p>
+            <a:r>
+              <a:rPr lang="en-US" sz="1200" dirty="0">
+                <a:latin typeface="Consolas" panose="020B0609020204030204" pitchFamily="49" charset="0"/>
+              </a:rPr>
+              <a:t>}</a:t>
+            </a:r>
+          </a:p>
+        </p:txBody>
+      </p:sp>
+      <p:cxnSp>
+        <p:nvCxnSpPr>
+          <p:cNvPr id="10" name="Straight Arrow Connector 9">
+            <a:extLst>
+              <a:ext uri="{FF2B5EF4-FFF2-40B4-BE49-F238E27FC236}">
+                <a16:creationId xmlns:a16="http://schemas.microsoft.com/office/drawing/2014/main" id="{3DE28DBD-4BFC-4204-ADE1-A8C33557B799}"/>
+              </a:ext>
+            </a:extLst>
+          </p:cNvPr>
+          <p:cNvCxnSpPr>
+            <a:cxnSpLocks/>
+          </p:cNvCxnSpPr>
+          <p:nvPr/>
+        </p:nvCxnSpPr>
+        <p:spPr>
+          <a:xfrm>
+            <a:off x="3938337" y="2819400"/>
+            <a:ext cx="1155032" cy="0"/>
+          </a:xfrm>
+          <a:prstGeom prst="straightConnector1">
+            <a:avLst/>
+          </a:prstGeom>
+          <a:ln>
+            <a:tailEnd type="triangle"/>
+          </a:ln>
+        </p:spPr>
+        <p:style>
+          <a:lnRef idx="1">
+            <a:schemeClr val="accent1"/>
+          </a:lnRef>
+          <a:fillRef idx="0">
+            <a:schemeClr val="accent1"/>
+          </a:fillRef>
+          <a:effectRef idx="0">
+            <a:schemeClr val="accent1"/>
+          </a:effectRef>
+          <a:fontRef idx="minor">
+            <a:schemeClr val="tx1"/>
+          </a:fontRef>
+        </p:style>
+      </p:cxnSp>
+      <p:cxnSp>
+        <p:nvCxnSpPr>
+          <p:cNvPr id="12" name="Straight Arrow Connector 11">
+            <a:extLst>
+              <a:ext uri="{FF2B5EF4-FFF2-40B4-BE49-F238E27FC236}">
+                <a16:creationId xmlns:a16="http://schemas.microsoft.com/office/drawing/2014/main" id="{36539FBD-D030-4EB8-954A-94677306C8A0}"/>
+              </a:ext>
+            </a:extLst>
+          </p:cNvPr>
+          <p:cNvCxnSpPr>
+            <a:cxnSpLocks/>
+          </p:cNvCxnSpPr>
+          <p:nvPr/>
+        </p:nvCxnSpPr>
+        <p:spPr>
+          <a:xfrm flipH="1" flipV="1">
+            <a:off x="3938338" y="2887581"/>
+            <a:ext cx="1235244" cy="629518"/>
+          </a:xfrm>
+          <a:prstGeom prst="straightConnector1">
+            <a:avLst/>
+          </a:prstGeom>
+          <a:ln>
+            <a:tailEnd type="triangle"/>
+          </a:ln>
+        </p:spPr>
+        <p:style>
+          <a:lnRef idx="1">
+            <a:schemeClr val="accent1"/>
+          </a:lnRef>
+          <a:fillRef idx="0">
+            <a:schemeClr val="accent1"/>
+          </a:fillRef>
+          <a:effectRef idx="0">
+            <a:schemeClr val="accent1"/>
+          </a:effectRef>
+          <a:fontRef idx="minor">
+            <a:schemeClr val="tx1"/>
+          </a:fontRef>
+        </p:style>
+      </p:cxnSp>
+      <p:sp>
+        <p:nvSpPr>
+          <p:cNvPr id="14" name="Rectangle 13">
+            <a:extLst>
+              <a:ext uri="{FF2B5EF4-FFF2-40B4-BE49-F238E27FC236}">
+                <a16:creationId xmlns:a16="http://schemas.microsoft.com/office/drawing/2014/main" id="{3A25A617-C938-4184-AF17-5F5DA8DF0F6F}"/>
+              </a:ext>
+            </a:extLst>
+          </p:cNvPr>
+          <p:cNvSpPr/>
+          <p:nvPr/>
+        </p:nvSpPr>
+        <p:spPr>
+          <a:xfrm>
+            <a:off x="4772524" y="4461786"/>
+            <a:ext cx="1259305" cy="1604210"/>
+          </a:xfrm>
+          <a:prstGeom prst="rect">
+            <a:avLst/>
+          </a:prstGeom>
+        </p:spPr>
+        <p:style>
+          <a:lnRef idx="1">
+            <a:schemeClr val="accent5"/>
+          </a:lnRef>
+          <a:fillRef idx="3">
+            <a:schemeClr val="accent5"/>
+          </a:fillRef>
+          <a:effectRef idx="2">
+            <a:schemeClr val="accent5"/>
+          </a:effectRef>
+          <a:fontRef idx="minor">
+            <a:schemeClr val="lt1"/>
+          </a:fontRef>
+        </p:style>
+        <p:txBody>
+          <a:bodyPr rtlCol="0" anchor="t"/>
+          <a:lstStyle/>
+          <a:p>
+            <a:pPr algn="ctr"/>
+            <a:r>
+              <a:rPr lang="en-US" sz="1200" dirty="0"/>
+              <a:t>Call Stack</a:t>
+            </a:r>
+          </a:p>
+        </p:txBody>
+      </p:sp>
+      <p:sp>
+        <p:nvSpPr>
+          <p:cNvPr id="15" name="Rectangle 14">
+            <a:extLst>
+              <a:ext uri="{FF2B5EF4-FFF2-40B4-BE49-F238E27FC236}">
+                <a16:creationId xmlns:a16="http://schemas.microsoft.com/office/drawing/2014/main" id="{957A9B8E-4490-485B-ABD3-C3729E9C6F4A}"/>
+              </a:ext>
+            </a:extLst>
+          </p:cNvPr>
+          <p:cNvSpPr/>
+          <p:nvPr/>
+        </p:nvSpPr>
+        <p:spPr>
+          <a:xfrm>
+            <a:off x="4772525" y="5857448"/>
+            <a:ext cx="1259305" cy="208548"/>
+          </a:xfrm>
+          <a:prstGeom prst="rect">
+            <a:avLst/>
+          </a:prstGeom>
+        </p:spPr>
+        <p:style>
+          <a:lnRef idx="2">
+            <a:schemeClr val="accent1">
+              <a:shade val="50000"/>
+            </a:schemeClr>
+          </a:lnRef>
+          <a:fillRef idx="1">
+            <a:schemeClr val="accent1"/>
+          </a:fillRef>
+          <a:effectRef idx="0">
+            <a:schemeClr val="accent1"/>
+          </a:effectRef>
+          <a:fontRef idx="minor">
+            <a:schemeClr val="lt1"/>
+          </a:fontRef>
+        </p:style>
+        <p:txBody>
+          <a:bodyPr rtlCol="0" anchor="ctr"/>
+          <a:lstStyle/>
+          <a:p>
+            <a:pPr algn="ctr"/>
+            <a:r>
+              <a:rPr lang="en-US" sz="1200" dirty="0"/>
+              <a:t>Return after f</a:t>
+            </a:r>
+          </a:p>
+        </p:txBody>
+      </p:sp>
+      <p:cxnSp>
+        <p:nvCxnSpPr>
+          <p:cNvPr id="17" name="Connector: Curved 16">
+            <a:extLst>
+              <a:ext uri="{FF2B5EF4-FFF2-40B4-BE49-F238E27FC236}">
+                <a16:creationId xmlns:a16="http://schemas.microsoft.com/office/drawing/2014/main" id="{412FF364-BCB8-4BFE-B2EC-92417D90AA9E}"/>
+              </a:ext>
+            </a:extLst>
+          </p:cNvPr>
+          <p:cNvCxnSpPr>
+            <a:cxnSpLocks/>
+            <a:stCxn id="5" idx="1"/>
+            <a:endCxn id="15" idx="1"/>
+          </p:cNvCxnSpPr>
+          <p:nvPr/>
+        </p:nvCxnSpPr>
+        <p:spPr>
+          <a:xfrm rot="10800000" flipH="1" flipV="1">
+            <a:off x="3368843" y="2819400"/>
+            <a:ext cx="1403682" cy="3142322"/>
+          </a:xfrm>
+          <a:prstGeom prst="curvedConnector3">
+            <a:avLst>
+              <a:gd name="adj1" fmla="val -16286"/>
+            </a:avLst>
+          </a:prstGeom>
+          <a:ln>
+            <a:tailEnd type="triangle"/>
+          </a:ln>
+        </p:spPr>
+        <p:style>
+          <a:lnRef idx="1">
+            <a:schemeClr val="accent1"/>
+          </a:lnRef>
+          <a:fillRef idx="0">
+            <a:schemeClr val="accent1"/>
+          </a:fillRef>
+          <a:effectRef idx="0">
+            <a:schemeClr val="accent1"/>
+          </a:effectRef>
+          <a:fontRef idx="minor">
+            <a:schemeClr val="tx1"/>
+          </a:fontRef>
+        </p:style>
+      </p:cxnSp>
+      <p:sp>
+        <p:nvSpPr>
+          <p:cNvPr id="20" name="Rectangle 19">
+            <a:extLst>
+              <a:ext uri="{FF2B5EF4-FFF2-40B4-BE49-F238E27FC236}">
+                <a16:creationId xmlns:a16="http://schemas.microsoft.com/office/drawing/2014/main" id="{85F770C7-AE9D-4CC8-A909-5770439D7228}"/>
+              </a:ext>
+            </a:extLst>
+          </p:cNvPr>
+          <p:cNvSpPr/>
+          <p:nvPr/>
+        </p:nvSpPr>
+        <p:spPr>
+          <a:xfrm>
+            <a:off x="6817895" y="2953940"/>
+            <a:ext cx="1259305" cy="970548"/>
+          </a:xfrm>
+          <a:prstGeom prst="rect">
+            <a:avLst/>
+          </a:prstGeom>
+        </p:spPr>
+        <p:style>
+          <a:lnRef idx="2">
+            <a:schemeClr val="accent6">
+              <a:shade val="50000"/>
+            </a:schemeClr>
+          </a:lnRef>
+          <a:fillRef idx="1">
+            <a:schemeClr val="accent6"/>
+          </a:fillRef>
+          <a:effectRef idx="0">
+            <a:schemeClr val="accent6"/>
+          </a:effectRef>
+          <a:fontRef idx="minor">
+            <a:schemeClr val="lt1"/>
+          </a:fontRef>
+        </p:style>
+        <p:txBody>
+          <a:bodyPr rtlCol="0" anchor="ctr"/>
+          <a:lstStyle/>
+          <a:p>
+            <a:r>
+              <a:rPr lang="en-US" sz="1200" dirty="0">
+                <a:latin typeface="Consolas" panose="020B0609020204030204" pitchFamily="49" charset="0"/>
+              </a:rPr>
+              <a:t>g() {</a:t>
+            </a:r>
+          </a:p>
+          <a:p>
+            <a:r>
+              <a:rPr lang="en-US" sz="1200" dirty="0">
+                <a:latin typeface="Consolas" panose="020B0609020204030204" pitchFamily="49" charset="0"/>
+              </a:rPr>
+              <a:t>  …</a:t>
+            </a:r>
+          </a:p>
+          <a:p>
+            <a:r>
+              <a:rPr lang="en-US" sz="1200" dirty="0">
+                <a:latin typeface="Consolas" panose="020B0609020204030204" pitchFamily="49" charset="0"/>
+              </a:rPr>
+              <a:t>  h()</a:t>
+            </a:r>
+          </a:p>
+          <a:p>
+            <a:r>
+              <a:rPr lang="en-US" sz="1200" dirty="0">
+                <a:latin typeface="Consolas" panose="020B0609020204030204" pitchFamily="49" charset="0"/>
+              </a:rPr>
+              <a:t>}</a:t>
+            </a:r>
+          </a:p>
+        </p:txBody>
+      </p:sp>
+      <p:cxnSp>
+        <p:nvCxnSpPr>
+          <p:cNvPr id="21" name="Straight Arrow Connector 20">
+            <a:extLst>
+              <a:ext uri="{FF2B5EF4-FFF2-40B4-BE49-F238E27FC236}">
+                <a16:creationId xmlns:a16="http://schemas.microsoft.com/office/drawing/2014/main" id="{CF5BE138-B586-4591-8D86-D391B47E98C0}"/>
+              </a:ext>
+            </a:extLst>
+          </p:cNvPr>
+          <p:cNvCxnSpPr>
+            <a:cxnSpLocks/>
+          </p:cNvCxnSpPr>
+          <p:nvPr/>
+        </p:nvCxnSpPr>
+        <p:spPr>
+          <a:xfrm>
+            <a:off x="5638803" y="3146313"/>
+            <a:ext cx="1179092" cy="8349"/>
+          </a:xfrm>
+          <a:prstGeom prst="straightConnector1">
+            <a:avLst/>
+          </a:prstGeom>
+          <a:ln>
+            <a:tailEnd type="triangle"/>
+          </a:ln>
+        </p:spPr>
+        <p:style>
+          <a:lnRef idx="1">
+            <a:schemeClr val="accent1"/>
+          </a:lnRef>
+          <a:fillRef idx="0">
+            <a:schemeClr val="accent1"/>
+          </a:fillRef>
+          <a:effectRef idx="0">
+            <a:schemeClr val="accent1"/>
+          </a:effectRef>
+          <a:fontRef idx="minor">
+            <a:schemeClr val="tx1"/>
+          </a:fontRef>
+        </p:style>
+      </p:cxnSp>
+      <p:cxnSp>
+        <p:nvCxnSpPr>
+          <p:cNvPr id="22" name="Straight Arrow Connector 21">
+            <a:extLst>
+              <a:ext uri="{FF2B5EF4-FFF2-40B4-BE49-F238E27FC236}">
+                <a16:creationId xmlns:a16="http://schemas.microsoft.com/office/drawing/2014/main" id="{D08B16EB-DA08-419F-BDE7-8B79A4762E2E}"/>
+              </a:ext>
+            </a:extLst>
+          </p:cNvPr>
+          <p:cNvCxnSpPr>
+            <a:cxnSpLocks/>
+          </p:cNvCxnSpPr>
+          <p:nvPr/>
+        </p:nvCxnSpPr>
+        <p:spPr>
+          <a:xfrm flipH="1" flipV="1">
+            <a:off x="5642814" y="3254599"/>
+            <a:ext cx="1175081" cy="471573"/>
+          </a:xfrm>
+          <a:prstGeom prst="straightConnector1">
+            <a:avLst/>
+          </a:prstGeom>
+          <a:ln>
+            <a:tailEnd type="triangle"/>
+          </a:ln>
+        </p:spPr>
+        <p:style>
+          <a:lnRef idx="1">
+            <a:schemeClr val="accent1"/>
+          </a:lnRef>
+          <a:fillRef idx="0">
+            <a:schemeClr val="accent1"/>
+          </a:fillRef>
+          <a:effectRef idx="0">
+            <a:schemeClr val="accent1"/>
+          </a:effectRef>
+          <a:fontRef idx="minor">
+            <a:schemeClr val="tx1"/>
+          </a:fontRef>
+        </p:style>
+      </p:cxnSp>
+      <p:sp>
+        <p:nvSpPr>
+          <p:cNvPr id="23" name="Rectangle 22">
+            <a:extLst>
+              <a:ext uri="{FF2B5EF4-FFF2-40B4-BE49-F238E27FC236}">
+                <a16:creationId xmlns:a16="http://schemas.microsoft.com/office/drawing/2014/main" id="{9455553B-E9B1-41D2-BD18-32F8683E53EF}"/>
+              </a:ext>
+            </a:extLst>
+          </p:cNvPr>
+          <p:cNvSpPr/>
+          <p:nvPr/>
+        </p:nvSpPr>
+        <p:spPr>
+          <a:xfrm>
+            <a:off x="4772524" y="5646970"/>
+            <a:ext cx="1259305" cy="208548"/>
+          </a:xfrm>
+          <a:prstGeom prst="rect">
+            <a:avLst/>
+          </a:prstGeom>
+        </p:spPr>
+        <p:style>
+          <a:lnRef idx="2">
+            <a:schemeClr val="accent1">
+              <a:shade val="50000"/>
+            </a:schemeClr>
+          </a:lnRef>
+          <a:fillRef idx="1">
+            <a:schemeClr val="accent1"/>
+          </a:fillRef>
+          <a:effectRef idx="0">
+            <a:schemeClr val="accent1"/>
+          </a:effectRef>
+          <a:fontRef idx="minor">
+            <a:schemeClr val="lt1"/>
+          </a:fontRef>
+        </p:style>
+        <p:txBody>
+          <a:bodyPr rtlCol="0" anchor="ctr"/>
+          <a:lstStyle/>
+          <a:p>
+            <a:pPr algn="ctr"/>
+            <a:r>
+              <a:rPr lang="en-US" sz="1200" dirty="0"/>
+              <a:t>Return after g</a:t>
+            </a:r>
+          </a:p>
+        </p:txBody>
+      </p:sp>
+      <p:cxnSp>
+        <p:nvCxnSpPr>
+          <p:cNvPr id="24" name="Connector: Curved 23">
+            <a:extLst>
+              <a:ext uri="{FF2B5EF4-FFF2-40B4-BE49-F238E27FC236}">
+                <a16:creationId xmlns:a16="http://schemas.microsoft.com/office/drawing/2014/main" id="{4F2C17A9-F1FE-4484-8F77-F2C17325DA0E}"/>
+              </a:ext>
+            </a:extLst>
+          </p:cNvPr>
+          <p:cNvCxnSpPr>
+            <a:cxnSpLocks/>
+            <a:stCxn id="6" idx="1"/>
+            <a:endCxn id="23" idx="1"/>
+          </p:cNvCxnSpPr>
+          <p:nvPr/>
+        </p:nvCxnSpPr>
+        <p:spPr>
+          <a:xfrm rot="10800000" flipV="1">
+            <a:off x="4772525" y="3154662"/>
+            <a:ext cx="320845" cy="2596582"/>
+          </a:xfrm>
+          <a:prstGeom prst="curvedConnector3">
+            <a:avLst>
+              <a:gd name="adj1" fmla="val 171249"/>
+            </a:avLst>
+          </a:prstGeom>
+          <a:ln>
+            <a:tailEnd type="triangle"/>
+          </a:ln>
+        </p:spPr>
+        <p:style>
+          <a:lnRef idx="1">
+            <a:schemeClr val="accent1"/>
+          </a:lnRef>
+          <a:fillRef idx="0">
+            <a:schemeClr val="accent1"/>
+          </a:fillRef>
+          <a:effectRef idx="0">
+            <a:schemeClr val="accent1"/>
+          </a:effectRef>
+          <a:fontRef idx="minor">
+            <a:schemeClr val="tx1"/>
+          </a:fontRef>
+        </p:style>
+      </p:cxnSp>
+      <p:sp>
+        <p:nvSpPr>
+          <p:cNvPr id="37" name="Rectangle 36">
+            <a:extLst>
+              <a:ext uri="{FF2B5EF4-FFF2-40B4-BE49-F238E27FC236}">
+                <a16:creationId xmlns:a16="http://schemas.microsoft.com/office/drawing/2014/main" id="{36A05A21-8E1F-4D9E-A979-FD09A6A4D9C5}"/>
+              </a:ext>
+            </a:extLst>
+          </p:cNvPr>
+          <p:cNvSpPr/>
+          <p:nvPr/>
+        </p:nvSpPr>
+        <p:spPr>
+          <a:xfrm>
+            <a:off x="8542421" y="3304674"/>
+            <a:ext cx="1259305" cy="1325563"/>
+          </a:xfrm>
+          <a:prstGeom prst="rect">
+            <a:avLst/>
+          </a:prstGeom>
+        </p:spPr>
+        <p:style>
+          <a:lnRef idx="2">
+            <a:schemeClr val="accent6">
+              <a:shade val="50000"/>
+            </a:schemeClr>
+          </a:lnRef>
+          <a:fillRef idx="1">
+            <a:schemeClr val="accent6"/>
+          </a:fillRef>
+          <a:effectRef idx="0">
+            <a:schemeClr val="accent6"/>
+          </a:effectRef>
+          <a:fontRef idx="minor">
+            <a:schemeClr val="lt1"/>
+          </a:fontRef>
+        </p:style>
+        <p:txBody>
+          <a:bodyPr rtlCol="0" anchor="ctr"/>
+          <a:lstStyle/>
+          <a:p>
+            <a:r>
+              <a:rPr lang="en-US" sz="1200" dirty="0">
+                <a:latin typeface="Consolas" panose="020B0609020204030204" pitchFamily="49" charset="0"/>
+              </a:rPr>
+              <a:t>h() {</a:t>
+            </a:r>
+          </a:p>
+          <a:p>
+            <a:r>
+              <a:rPr lang="en-US" sz="1200" dirty="0">
+                <a:latin typeface="Consolas" panose="020B0609020204030204" pitchFamily="49" charset="0"/>
+              </a:rPr>
+              <a:t>  ...</a:t>
+            </a:r>
+          </a:p>
+          <a:p>
+            <a:r>
+              <a:rPr lang="en-US" sz="1200" dirty="0">
+                <a:latin typeface="Consolas" panose="020B0609020204030204" pitchFamily="49" charset="0"/>
+              </a:rPr>
+              <a:t>  </a:t>
+            </a:r>
+            <a:r>
+              <a:rPr lang="en-US" sz="1200" dirty="0" err="1">
+                <a:latin typeface="Consolas" panose="020B0609020204030204" pitchFamily="49" charset="0"/>
+              </a:rPr>
+              <a:t>i</a:t>
+            </a:r>
+            <a:r>
+              <a:rPr lang="en-US" sz="1200" dirty="0">
+                <a:latin typeface="Consolas" panose="020B0609020204030204" pitchFamily="49" charset="0"/>
+              </a:rPr>
+              <a:t>()</a:t>
+            </a:r>
+          </a:p>
+          <a:p>
+            <a:r>
+              <a:rPr lang="en-US" sz="1200" dirty="0">
+                <a:latin typeface="Consolas" panose="020B0609020204030204" pitchFamily="49" charset="0"/>
+              </a:rPr>
+              <a:t>  j()</a:t>
+            </a:r>
+          </a:p>
+          <a:p>
+            <a:r>
+              <a:rPr lang="en-US" sz="1200" dirty="0">
+                <a:latin typeface="Consolas" panose="020B0609020204030204" pitchFamily="49" charset="0"/>
+              </a:rPr>
+              <a:t>  ...</a:t>
+            </a:r>
+          </a:p>
+          <a:p>
+            <a:r>
+              <a:rPr lang="en-US" sz="1200" dirty="0">
+                <a:latin typeface="Consolas" panose="020B0609020204030204" pitchFamily="49" charset="0"/>
+              </a:rPr>
+              <a:t>}</a:t>
+            </a:r>
+          </a:p>
+        </p:txBody>
+      </p:sp>
+      <p:cxnSp>
+        <p:nvCxnSpPr>
+          <p:cNvPr id="38" name="Straight Arrow Connector 37">
+            <a:extLst>
+              <a:ext uri="{FF2B5EF4-FFF2-40B4-BE49-F238E27FC236}">
+                <a16:creationId xmlns:a16="http://schemas.microsoft.com/office/drawing/2014/main" id="{EA553F93-AED0-4154-B0E5-55467BF20339}"/>
+              </a:ext>
+            </a:extLst>
+          </p:cNvPr>
+          <p:cNvCxnSpPr>
+            <a:cxnSpLocks/>
+          </p:cNvCxnSpPr>
+          <p:nvPr/>
+        </p:nvCxnSpPr>
+        <p:spPr>
+          <a:xfrm>
+            <a:off x="7363329" y="3519260"/>
+            <a:ext cx="1179092" cy="0"/>
+          </a:xfrm>
+          <a:prstGeom prst="straightConnector1">
+            <a:avLst/>
+          </a:prstGeom>
+          <a:ln>
+            <a:tailEnd type="triangle"/>
+          </a:ln>
+        </p:spPr>
+        <p:style>
+          <a:lnRef idx="1">
+            <a:schemeClr val="accent1"/>
+          </a:lnRef>
+          <a:fillRef idx="0">
+            <a:schemeClr val="accent1"/>
+          </a:fillRef>
+          <a:effectRef idx="0">
+            <a:schemeClr val="accent1"/>
+          </a:effectRef>
+          <a:fontRef idx="minor">
+            <a:schemeClr val="tx1"/>
+          </a:fontRef>
+        </p:style>
+      </p:cxnSp>
+      <p:cxnSp>
+        <p:nvCxnSpPr>
+          <p:cNvPr id="39" name="Straight Arrow Connector 38">
+            <a:extLst>
+              <a:ext uri="{FF2B5EF4-FFF2-40B4-BE49-F238E27FC236}">
+                <a16:creationId xmlns:a16="http://schemas.microsoft.com/office/drawing/2014/main" id="{06110CA8-818D-404A-8565-7840DE1F0B71}"/>
+              </a:ext>
+            </a:extLst>
+          </p:cNvPr>
+          <p:cNvCxnSpPr>
+            <a:cxnSpLocks/>
+          </p:cNvCxnSpPr>
+          <p:nvPr/>
+        </p:nvCxnSpPr>
+        <p:spPr>
+          <a:xfrm flipH="1" flipV="1">
+            <a:off x="7363329" y="3575573"/>
+            <a:ext cx="1179092" cy="861171"/>
+          </a:xfrm>
+          <a:prstGeom prst="straightConnector1">
+            <a:avLst/>
+          </a:prstGeom>
+          <a:ln>
+            <a:tailEnd type="triangle"/>
+          </a:ln>
+        </p:spPr>
+        <p:style>
+          <a:lnRef idx="1">
+            <a:schemeClr val="accent1"/>
+          </a:lnRef>
+          <a:fillRef idx="0">
+            <a:schemeClr val="accent1"/>
+          </a:fillRef>
+          <a:effectRef idx="0">
+            <a:schemeClr val="accent1"/>
+          </a:effectRef>
+          <a:fontRef idx="minor">
+            <a:schemeClr val="tx1"/>
+          </a:fontRef>
+        </p:style>
+      </p:cxnSp>
+      <p:sp>
+        <p:nvSpPr>
+          <p:cNvPr id="41" name="Rectangle 40">
+            <a:extLst>
+              <a:ext uri="{FF2B5EF4-FFF2-40B4-BE49-F238E27FC236}">
+                <a16:creationId xmlns:a16="http://schemas.microsoft.com/office/drawing/2014/main" id="{977D698F-F987-4BE4-90E5-416669070939}"/>
+              </a:ext>
+            </a:extLst>
+          </p:cNvPr>
+          <p:cNvSpPr/>
+          <p:nvPr/>
+        </p:nvSpPr>
+        <p:spPr>
+          <a:xfrm>
+            <a:off x="4772524" y="5436475"/>
+            <a:ext cx="1259305" cy="208548"/>
+          </a:xfrm>
+          <a:prstGeom prst="rect">
+            <a:avLst/>
+          </a:prstGeom>
+        </p:spPr>
+        <p:style>
+          <a:lnRef idx="2">
+            <a:schemeClr val="accent1">
+              <a:shade val="50000"/>
+            </a:schemeClr>
+          </a:lnRef>
+          <a:fillRef idx="1">
+            <a:schemeClr val="accent1"/>
+          </a:fillRef>
+          <a:effectRef idx="0">
+            <a:schemeClr val="accent1"/>
+          </a:effectRef>
+          <a:fontRef idx="minor">
+            <a:schemeClr val="lt1"/>
+          </a:fontRef>
+        </p:style>
+        <p:txBody>
+          <a:bodyPr rtlCol="0" anchor="ctr"/>
+          <a:lstStyle/>
+          <a:p>
+            <a:pPr algn="ctr"/>
+            <a:r>
+              <a:rPr lang="en-US" sz="1200" dirty="0"/>
+              <a:t>Return after h</a:t>
+            </a:r>
+          </a:p>
+        </p:txBody>
+      </p:sp>
+      <p:cxnSp>
+        <p:nvCxnSpPr>
+          <p:cNvPr id="42" name="Connector: Curved 41">
+            <a:extLst>
+              <a:ext uri="{FF2B5EF4-FFF2-40B4-BE49-F238E27FC236}">
+                <a16:creationId xmlns:a16="http://schemas.microsoft.com/office/drawing/2014/main" id="{AB388564-764C-4BA2-9F78-75B582EB468B}"/>
+              </a:ext>
+            </a:extLst>
+          </p:cNvPr>
+          <p:cNvCxnSpPr>
+            <a:cxnSpLocks/>
+            <a:endCxn id="41" idx="3"/>
+          </p:cNvCxnSpPr>
+          <p:nvPr/>
+        </p:nvCxnSpPr>
+        <p:spPr>
+          <a:xfrm rot="5400000">
+            <a:off x="5457154" y="4091777"/>
+            <a:ext cx="2023648" cy="874297"/>
+          </a:xfrm>
+          <a:prstGeom prst="curvedConnector2">
+            <a:avLst/>
+          </a:prstGeom>
+          <a:ln>
+            <a:tailEnd type="triangle"/>
+          </a:ln>
+        </p:spPr>
+        <p:style>
+          <a:lnRef idx="1">
+            <a:schemeClr val="accent1"/>
+          </a:lnRef>
+          <a:fillRef idx="0">
+            <a:schemeClr val="accent1"/>
+          </a:fillRef>
+          <a:effectRef idx="0">
+            <a:schemeClr val="accent1"/>
+          </a:effectRef>
+          <a:fontRef idx="minor">
+            <a:schemeClr val="tx1"/>
+          </a:fontRef>
+        </p:style>
+      </p:cxnSp>
+      <p:sp>
+        <p:nvSpPr>
+          <p:cNvPr id="53" name="Rectangle 52">
+            <a:extLst>
+              <a:ext uri="{FF2B5EF4-FFF2-40B4-BE49-F238E27FC236}">
+                <a16:creationId xmlns:a16="http://schemas.microsoft.com/office/drawing/2014/main" id="{AE5FAF4B-DF03-47C1-AD09-D64CA79C257F}"/>
+              </a:ext>
+            </a:extLst>
+          </p:cNvPr>
+          <p:cNvSpPr/>
+          <p:nvPr/>
+        </p:nvSpPr>
+        <p:spPr>
+          <a:xfrm>
+            <a:off x="10266947" y="3593705"/>
+            <a:ext cx="1259305" cy="843039"/>
+          </a:xfrm>
+          <a:prstGeom prst="rect">
+            <a:avLst/>
+          </a:prstGeom>
+        </p:spPr>
+        <p:style>
+          <a:lnRef idx="2">
+            <a:schemeClr val="accent6">
+              <a:shade val="50000"/>
+            </a:schemeClr>
+          </a:lnRef>
+          <a:fillRef idx="1">
+            <a:schemeClr val="accent6"/>
+          </a:fillRef>
+          <a:effectRef idx="0">
+            <a:schemeClr val="accent6"/>
+          </a:effectRef>
+          <a:fontRef idx="minor">
+            <a:schemeClr val="lt1"/>
+          </a:fontRef>
+        </p:style>
+        <p:txBody>
+          <a:bodyPr rtlCol="0" anchor="ctr"/>
+          <a:lstStyle/>
+          <a:p>
+            <a:r>
+              <a:rPr lang="en-US" sz="1200" dirty="0" err="1">
+                <a:latin typeface="Consolas" panose="020B0609020204030204" pitchFamily="49" charset="0"/>
+              </a:rPr>
+              <a:t>i</a:t>
+            </a:r>
+            <a:r>
+              <a:rPr lang="en-US" sz="1200" dirty="0">
+                <a:latin typeface="Consolas" panose="020B0609020204030204" pitchFamily="49" charset="0"/>
+              </a:rPr>
+              <a:t>() {</a:t>
+            </a:r>
+          </a:p>
+          <a:p>
+            <a:r>
+              <a:rPr lang="en-US" sz="1200" dirty="0">
+                <a:latin typeface="Consolas" panose="020B0609020204030204" pitchFamily="49" charset="0"/>
+              </a:rPr>
+              <a:t>  ...</a:t>
+            </a:r>
+          </a:p>
+          <a:p>
+            <a:r>
+              <a:rPr lang="en-US" sz="1200" dirty="0">
+                <a:latin typeface="Consolas" panose="020B0609020204030204" pitchFamily="49" charset="0"/>
+              </a:rPr>
+              <a:t>}</a:t>
+            </a:r>
+          </a:p>
+        </p:txBody>
+      </p:sp>
+      <p:sp>
+        <p:nvSpPr>
+          <p:cNvPr id="54" name="Rectangle 53">
+            <a:extLst>
+              <a:ext uri="{FF2B5EF4-FFF2-40B4-BE49-F238E27FC236}">
+                <a16:creationId xmlns:a16="http://schemas.microsoft.com/office/drawing/2014/main" id="{A70365BE-9188-4457-B17B-59C7D87E20C3}"/>
+              </a:ext>
+            </a:extLst>
+          </p:cNvPr>
+          <p:cNvSpPr/>
+          <p:nvPr/>
+        </p:nvSpPr>
+        <p:spPr>
+          <a:xfrm>
+            <a:off x="10300586" y="4747635"/>
+            <a:ext cx="1259305" cy="843039"/>
+          </a:xfrm>
+          <a:prstGeom prst="rect">
+            <a:avLst/>
+          </a:prstGeom>
+        </p:spPr>
+        <p:style>
+          <a:lnRef idx="2">
+            <a:schemeClr val="accent6">
+              <a:shade val="50000"/>
+            </a:schemeClr>
+          </a:lnRef>
+          <a:fillRef idx="1">
+            <a:schemeClr val="accent6"/>
+          </a:fillRef>
+          <a:effectRef idx="0">
+            <a:schemeClr val="accent6"/>
+          </a:effectRef>
+          <a:fontRef idx="minor">
+            <a:schemeClr val="lt1"/>
+          </a:fontRef>
+        </p:style>
+        <p:txBody>
+          <a:bodyPr rtlCol="0" anchor="ctr"/>
+          <a:lstStyle/>
+          <a:p>
+            <a:r>
+              <a:rPr lang="en-US" sz="1200" dirty="0">
+                <a:latin typeface="Consolas" panose="020B0609020204030204" pitchFamily="49" charset="0"/>
+              </a:rPr>
+              <a:t>j() {</a:t>
+            </a:r>
+          </a:p>
+          <a:p>
+            <a:r>
+              <a:rPr lang="en-US" sz="1200" dirty="0">
+                <a:latin typeface="Consolas" panose="020B0609020204030204" pitchFamily="49" charset="0"/>
+              </a:rPr>
+              <a:t>  ...</a:t>
+            </a:r>
+          </a:p>
+          <a:p>
+            <a:r>
+              <a:rPr lang="en-US" sz="1200" dirty="0">
+                <a:latin typeface="Consolas" panose="020B0609020204030204" pitchFamily="49" charset="0"/>
+              </a:rPr>
+              <a:t>}</a:t>
+            </a:r>
+          </a:p>
+        </p:txBody>
+      </p:sp>
+      <p:cxnSp>
+        <p:nvCxnSpPr>
+          <p:cNvPr id="55" name="Straight Arrow Connector 54">
+            <a:extLst>
+              <a:ext uri="{FF2B5EF4-FFF2-40B4-BE49-F238E27FC236}">
+                <a16:creationId xmlns:a16="http://schemas.microsoft.com/office/drawing/2014/main" id="{1E974F12-C70B-4653-969F-058DD974B6B1}"/>
+              </a:ext>
+            </a:extLst>
+          </p:cNvPr>
+          <p:cNvCxnSpPr>
+            <a:cxnSpLocks/>
+          </p:cNvCxnSpPr>
+          <p:nvPr/>
+        </p:nvCxnSpPr>
+        <p:spPr>
+          <a:xfrm>
+            <a:off x="9087855" y="3856144"/>
+            <a:ext cx="1179092" cy="0"/>
+          </a:xfrm>
+          <a:prstGeom prst="straightConnector1">
+            <a:avLst/>
+          </a:prstGeom>
+          <a:ln>
+            <a:tailEnd type="triangle"/>
+          </a:ln>
+        </p:spPr>
+        <p:style>
+          <a:lnRef idx="1">
+            <a:schemeClr val="accent1"/>
+          </a:lnRef>
+          <a:fillRef idx="0">
+            <a:schemeClr val="accent1"/>
+          </a:fillRef>
+          <a:effectRef idx="0">
+            <a:schemeClr val="accent1"/>
+          </a:effectRef>
+          <a:fontRef idx="minor">
+            <a:schemeClr val="tx1"/>
+          </a:fontRef>
+        </p:style>
+      </p:cxnSp>
+      <p:cxnSp>
+        <p:nvCxnSpPr>
+          <p:cNvPr id="56" name="Straight Arrow Connector 55">
+            <a:extLst>
+              <a:ext uri="{FF2B5EF4-FFF2-40B4-BE49-F238E27FC236}">
+                <a16:creationId xmlns:a16="http://schemas.microsoft.com/office/drawing/2014/main" id="{4A403CC3-E2DD-4649-B079-E9923145C579}"/>
+              </a:ext>
+            </a:extLst>
+          </p:cNvPr>
+          <p:cNvCxnSpPr>
+            <a:cxnSpLocks/>
+          </p:cNvCxnSpPr>
+          <p:nvPr/>
+        </p:nvCxnSpPr>
+        <p:spPr>
+          <a:xfrm flipH="1" flipV="1">
+            <a:off x="9087855" y="3967455"/>
+            <a:ext cx="1212732" cy="284333"/>
+          </a:xfrm>
+          <a:prstGeom prst="straightConnector1">
+            <a:avLst/>
+          </a:prstGeom>
+          <a:ln>
+            <a:tailEnd type="triangle"/>
+          </a:ln>
+        </p:spPr>
+        <p:style>
+          <a:lnRef idx="1">
+            <a:schemeClr val="accent1"/>
+          </a:lnRef>
+          <a:fillRef idx="0">
+            <a:schemeClr val="accent1"/>
+          </a:fillRef>
+          <a:effectRef idx="0">
+            <a:schemeClr val="accent1"/>
+          </a:effectRef>
+          <a:fontRef idx="minor">
+            <a:schemeClr val="tx1"/>
+          </a:fontRef>
+        </p:style>
+      </p:cxnSp>
+      <p:cxnSp>
+        <p:nvCxnSpPr>
+          <p:cNvPr id="59" name="Straight Arrow Connector 58">
+            <a:extLst>
+              <a:ext uri="{FF2B5EF4-FFF2-40B4-BE49-F238E27FC236}">
+                <a16:creationId xmlns:a16="http://schemas.microsoft.com/office/drawing/2014/main" id="{8C088510-C825-42C1-8CE4-1D46046D219E}"/>
+              </a:ext>
+            </a:extLst>
+          </p:cNvPr>
+          <p:cNvCxnSpPr>
+            <a:cxnSpLocks/>
+          </p:cNvCxnSpPr>
+          <p:nvPr/>
+        </p:nvCxnSpPr>
+        <p:spPr>
+          <a:xfrm>
+            <a:off x="9087855" y="4109621"/>
+            <a:ext cx="1259305" cy="894366"/>
+          </a:xfrm>
+          <a:prstGeom prst="straightConnector1">
+            <a:avLst/>
+          </a:prstGeom>
+          <a:ln>
+            <a:tailEnd type="triangle"/>
+          </a:ln>
+        </p:spPr>
+        <p:style>
+          <a:lnRef idx="1">
+            <a:schemeClr val="accent1"/>
+          </a:lnRef>
+          <a:fillRef idx="0">
+            <a:schemeClr val="accent1"/>
+          </a:fillRef>
+          <a:effectRef idx="0">
+            <a:schemeClr val="accent1"/>
+          </a:effectRef>
+          <a:fontRef idx="minor">
+            <a:schemeClr val="tx1"/>
+          </a:fontRef>
+        </p:style>
+      </p:cxnSp>
+      <p:cxnSp>
+        <p:nvCxnSpPr>
+          <p:cNvPr id="62" name="Straight Arrow Connector 61">
+            <a:extLst>
+              <a:ext uri="{FF2B5EF4-FFF2-40B4-BE49-F238E27FC236}">
+                <a16:creationId xmlns:a16="http://schemas.microsoft.com/office/drawing/2014/main" id="{9E0883E0-C9B3-4D2E-9B1E-77550E9BF135}"/>
+              </a:ext>
+            </a:extLst>
+          </p:cNvPr>
+          <p:cNvCxnSpPr>
+            <a:cxnSpLocks/>
+          </p:cNvCxnSpPr>
+          <p:nvPr/>
+        </p:nvCxnSpPr>
+        <p:spPr>
+          <a:xfrm flipH="1" flipV="1">
+            <a:off x="9087855" y="4109621"/>
+            <a:ext cx="1259305" cy="1326854"/>
+          </a:xfrm>
+          <a:prstGeom prst="straightConnector1">
+            <a:avLst/>
+          </a:prstGeom>
+          <a:ln>
+            <a:tailEnd type="triangle"/>
+          </a:ln>
+        </p:spPr>
+        <p:style>
+          <a:lnRef idx="1">
+            <a:schemeClr val="accent1"/>
+          </a:lnRef>
+          <a:fillRef idx="0">
+            <a:schemeClr val="accent1"/>
+          </a:fillRef>
+          <a:effectRef idx="0">
+            <a:schemeClr val="accent1"/>
+          </a:effectRef>
+          <a:fontRef idx="minor">
+            <a:schemeClr val="tx1"/>
+          </a:fontRef>
+        </p:style>
+      </p:cxnSp>
+      <p:sp>
+        <p:nvSpPr>
+          <p:cNvPr id="65" name="Rectangle 64">
+            <a:extLst>
+              <a:ext uri="{FF2B5EF4-FFF2-40B4-BE49-F238E27FC236}">
+                <a16:creationId xmlns:a16="http://schemas.microsoft.com/office/drawing/2014/main" id="{D4FFC6EF-C833-46BE-B848-762A5A2E15BC}"/>
+              </a:ext>
+            </a:extLst>
+          </p:cNvPr>
+          <p:cNvSpPr/>
+          <p:nvPr/>
+        </p:nvSpPr>
+        <p:spPr>
+          <a:xfrm>
+            <a:off x="4772524" y="5237055"/>
+            <a:ext cx="1259305" cy="208548"/>
+          </a:xfrm>
+          <a:prstGeom prst="rect">
+            <a:avLst/>
+          </a:prstGeom>
+        </p:spPr>
+        <p:style>
+          <a:lnRef idx="2">
+            <a:schemeClr val="accent1">
+              <a:shade val="50000"/>
+            </a:schemeClr>
+          </a:lnRef>
+          <a:fillRef idx="1">
+            <a:schemeClr val="accent1"/>
+          </a:fillRef>
+          <a:effectRef idx="0">
+            <a:schemeClr val="accent1"/>
+          </a:effectRef>
+          <a:fontRef idx="minor">
+            <a:schemeClr val="lt1"/>
+          </a:fontRef>
+        </p:style>
+        <p:txBody>
+          <a:bodyPr rtlCol="0" anchor="ctr"/>
+          <a:lstStyle/>
+          <a:p>
+            <a:pPr algn="ctr"/>
+            <a:r>
+              <a:rPr lang="en-US" sz="1200" dirty="0"/>
+              <a:t>Return after </a:t>
+            </a:r>
+            <a:r>
+              <a:rPr lang="en-US" sz="1200" dirty="0" err="1"/>
+              <a:t>i</a:t>
+            </a:r>
+            <a:endParaRPr lang="en-US" sz="1200" dirty="0"/>
+          </a:p>
+        </p:txBody>
+      </p:sp>
+    </p:spTree>
+    <p:extLst>
+      <p:ext uri="{BB962C8B-B14F-4D97-AF65-F5344CB8AC3E}">
+        <p14:creationId xmlns:p14="http://schemas.microsoft.com/office/powerpoint/2010/main" val="330295142"/>
       </p:ext>
     </p:extLst>
   </p:cSld>
